--- a/slides/advanced_part3.pptx
+++ b/slides/advanced_part3.pptx
@@ -4422,11 +4422,7 @@
             </a:br>
             <a:r>
               <a:rPr lang="en-GB" dirty="0" smtClean="0"/>
-              <a:t>Tools and </a:t>
-            </a:r>
-            <a:r>
-              <a:rPr lang="en-GB" dirty="0" smtClean="0"/>
-              <a:t>Optimization</a:t>
+              <a:t>Tools and Optimization</a:t>
             </a:r>
             <a:endParaRPr lang="en-GB" dirty="0"/>
           </a:p>
@@ -7367,11 +7363,7 @@
           <a:p>
             <a:r>
               <a:rPr lang="en-GB" dirty="0" smtClean="0"/>
-              <a:t>Bad </a:t>
-            </a:r>
-            <a:r>
-              <a:rPr lang="en-GB" dirty="0" smtClean="0"/>
-              <a:t>performance is a bug</a:t>
+              <a:t>Bad performance is a bug</a:t>
             </a:r>
           </a:p>
           <a:p>
@@ -7398,18 +7390,22 @@
             </a:r>
             <a:r>
               <a:rPr lang="en-GB" dirty="0" smtClean="0"/>
-              <a:t> </a:t>
-            </a:r>
+              <a:t> after kernel calls</a:t>
+            </a:r>
+          </a:p>
+          <a:p>
+            <a:pPr lvl="1"/>
             <a:r>
               <a:rPr lang="en-GB" dirty="0" smtClean="0"/>
-              <a:t>after kernel calls</a:t>
-            </a:r>
-          </a:p>
-          <a:p>
-            <a:pPr lvl="1"/>
+              <a:t>Inappropriate </a:t>
+            </a:r>
             <a:r>
               <a:rPr lang="en-GB" dirty="0" smtClean="0"/>
-              <a:t>Inappropriate work group size for architecture</a:t>
+              <a:t>work-group </a:t>
+            </a:r>
+            <a:r>
+              <a:rPr lang="en-GB" dirty="0" smtClean="0"/>
+              <a:t>size for architecture</a:t>
             </a:r>
           </a:p>
           <a:p>
@@ -9779,13 +9775,6 @@
               </a:rPr>
               <a:t>CL_PROFILING_COMMAND_START&gt;();</a:t>
             </a:r>
-            <a:endParaRPr lang="en-GB" b="1" dirty="0" smtClean="0">
-              <a:solidFill>
-                <a:srgbClr val="3366FF"/>
-              </a:solidFill>
-              <a:latin typeface="Courier New" panose="02070309020205020404" pitchFamily="49" charset="0"/>
-              <a:cs typeface="Courier New" panose="02070309020205020404" pitchFamily="49" charset="0"/>
-            </a:endParaRPr>
           </a:p>
           <a:p>
             <a:pPr marL="457200" lvl="1" indent="0">
@@ -9839,37 +9828,7 @@
                 <a:latin typeface="Courier New" panose="02070309020205020404" pitchFamily="49" charset="0"/>
                 <a:cs typeface="Courier New" panose="02070309020205020404" pitchFamily="49" charset="0"/>
               </a:rPr>
-              <a:t>CL_PROFILING_COMMAND_END&gt;</a:t>
-            </a:r>
-            <a:r>
-              <a:rPr lang="en-GB" b="1" dirty="0" smtClean="0">
-                <a:solidFill>
-                  <a:srgbClr val="3366FF"/>
-                </a:solidFill>
-                <a:latin typeface="Courier New" panose="02070309020205020404" pitchFamily="49" charset="0"/>
-                <a:cs typeface="Courier New" panose="02070309020205020404" pitchFamily="49" charset="0"/>
-              </a:rPr>
-              <a:t>(</a:t>
-            </a:r>
-            <a:r>
-              <a:rPr lang="en-GB" b="1" dirty="0" smtClean="0">
-                <a:solidFill>
-                  <a:srgbClr val="3366FF"/>
-                </a:solidFill>
-                <a:latin typeface="Courier New" panose="02070309020205020404" pitchFamily="49" charset="0"/>
-                <a:cs typeface="Courier New" panose="02070309020205020404" pitchFamily="49" charset="0"/>
-              </a:rPr>
-              <a:t>)</a:t>
-            </a:r>
-            <a:r>
-              <a:rPr lang="en-GB" b="1" dirty="0" smtClean="0">
-                <a:solidFill>
-                  <a:srgbClr val="3366FF"/>
-                </a:solidFill>
-                <a:latin typeface="Courier New" panose="02070309020205020404" pitchFamily="49" charset="0"/>
-                <a:cs typeface="Courier New" panose="02070309020205020404" pitchFamily="49" charset="0"/>
-              </a:rPr>
-              <a:t>;</a:t>
+              <a:t>CL_PROFILING_COMMAND_END&gt;();</a:t>
             </a:r>
           </a:p>
           <a:p>
@@ -19576,31 +19535,7 @@
                   <a:schemeClr val="accent1"/>
                 </a:solidFill>
               </a:rPr>
-              <a:t>Adjacent work-</a:t>
-            </a:r>
-            <a:r>
-              <a:rPr lang="en-GB" dirty="0" smtClean="0">
-                <a:solidFill>
-                  <a:schemeClr val="accent1"/>
-                </a:solidFill>
-              </a:rPr>
-              <a:t>items/vector-lanes </a:t>
-            </a:r>
-            <a:r>
-              <a:rPr lang="en-GB" dirty="0" smtClean="0">
-                <a:solidFill>
-                  <a:schemeClr val="accent1"/>
-                </a:solidFill>
-              </a:rPr>
-              <a:t>like to access adjacent </a:t>
-            </a:r>
-            <a:r>
-              <a:rPr lang="en-GB" dirty="0" smtClean="0">
-                <a:solidFill>
-                  <a:schemeClr val="accent1"/>
-                </a:solidFill>
-              </a:rPr>
-              <a:t>memory locations</a:t>
+              <a:t>Adjacent work-items/vector-lanes like to access adjacent memory locations</a:t>
             </a:r>
             <a:endParaRPr lang="en-GB" dirty="0">
               <a:solidFill>
@@ -36185,17 +36120,8 @@
           <a:p>
             <a:r>
               <a:rPr lang="en-US" dirty="0" smtClean="0"/>
-              <a:t>E.g. NVIDIA’s </a:t>
-            </a:r>
-            <a:r>
-              <a:rPr lang="en-US" dirty="0" smtClean="0"/>
-              <a:t>K40 has 128 words of memory per processor element (PE), i.e. 128 registers per </a:t>
-            </a:r>
-            <a:r>
-              <a:rPr lang="en-US" dirty="0" smtClean="0"/>
-              <a:t>core; and 48KB of local memory per CU</a:t>
-            </a:r>
-            <a:endParaRPr lang="en-US" dirty="0" smtClean="0"/>
+              <a:t>E.g. NVIDIA’s K40 has 128 words of memory per processor element (PE), i.e. 128 registers per core; and 48KB of local memory per CU</a:t>
+            </a:r>
           </a:p>
           <a:p>
             <a:r>
@@ -36222,13 +36148,8 @@
             </a:r>
             <a:r>
               <a:rPr lang="en-US" dirty="0" smtClean="0"/>
-              <a:t>for achieving a good proportion of peak performance</a:t>
-            </a:r>
-            <a:r>
-              <a:rPr lang="en-US" dirty="0" smtClean="0"/>
-              <a:t>!</a:t>
-            </a:r>
-            <a:endParaRPr lang="en-US" dirty="0" smtClean="0"/>
+              <a:t>for achieving a good proportion of peak performance!</a:t>
+            </a:r>
           </a:p>
         </p:txBody>
       </p:sp>
@@ -38910,19 +38831,7 @@
             </a:pPr>
             <a:r>
               <a:rPr lang="en-GB" dirty="0" smtClean="0"/>
-              <a:t>You many come across some </a:t>
-            </a:r>
-            <a:r>
-              <a:rPr lang="en-GB" dirty="0" smtClean="0"/>
-              <a:t>platforms </a:t>
-            </a:r>
-            <a:r>
-              <a:rPr lang="en-GB" dirty="0" smtClean="0"/>
-              <a:t>that still </a:t>
-            </a:r>
-            <a:r>
-              <a:rPr lang="en-GB" dirty="0" smtClean="0"/>
-              <a:t>require explicit </a:t>
+              <a:t>You many come across some platforms that still require explicit </a:t>
             </a:r>
             <a:r>
               <a:rPr lang="en-GB" dirty="0" err="1" smtClean="0"/>
@@ -38938,11 +38847,7 @@
             </a:pPr>
             <a:r>
               <a:rPr lang="en-GB" dirty="0" smtClean="0"/>
-              <a:t>As </a:t>
-            </a:r>
-            <a:r>
-              <a:rPr lang="en-GB" dirty="0" smtClean="0"/>
-              <a:t>the architectures and compilers mature, we expect to see a continued shift towards simple, scalar work-items</a:t>
+              <a:t>As the architectures and compilers mature, we expect to see a continued shift towards simple, scalar work-items</a:t>
             </a:r>
           </a:p>
           <a:p>
@@ -38972,17 +38877,7 @@
                 <a:latin typeface="Courier New"/>
                 <a:cs typeface="Courier New"/>
               </a:rPr>
-              <a:t>d</a:t>
-            </a:r>
-            <a:r>
-              <a:rPr lang="en-GB" sz="2000" b="1" dirty="0" err="1" smtClean="0">
-                <a:solidFill>
-                  <a:srgbClr val="3366FF"/>
-                </a:solidFill>
-                <a:latin typeface="Courier New"/>
-                <a:cs typeface="Courier New"/>
-              </a:rPr>
-              <a:t>evice.getInfo</a:t>
+              <a:t>device.getInfo</a:t>
             </a:r>
             <a:endParaRPr lang="en-GB" sz="2000" b="1" dirty="0" smtClean="0">
               <a:solidFill>
@@ -39007,35 +38902,8 @@
                 <a:latin typeface="Courier New"/>
                 <a:cs typeface="Courier New"/>
               </a:rPr>
-              <a:t>&lt;</a:t>
-            </a:r>
-            <a:r>
-              <a:rPr lang="en-GB" sz="2000" b="1" dirty="0" smtClean="0">
-                <a:solidFill>
-                  <a:srgbClr val="3366FF"/>
-                </a:solidFill>
-                <a:latin typeface="Courier New"/>
-                <a:cs typeface="Courier New"/>
-              </a:rPr>
-              <a:t>CL_DEVICE_PREFERRED_VECTOR_WIDTH_FLOAT&gt;</a:t>
-            </a:r>
-            <a:r>
-              <a:rPr lang="en-GB" sz="2000" b="1" dirty="0" smtClean="0">
-                <a:solidFill>
-                  <a:srgbClr val="3366FF"/>
-                </a:solidFill>
-                <a:latin typeface="Courier New"/>
-                <a:cs typeface="Courier New"/>
-              </a:rPr>
-              <a:t>();</a:t>
-            </a:r>
-            <a:endParaRPr lang="en-GB" sz="2000" b="1" dirty="0" smtClean="0">
-              <a:solidFill>
-                <a:srgbClr val="3366FF"/>
-              </a:solidFill>
-              <a:latin typeface="Courier New"/>
-              <a:cs typeface="Courier New"/>
-            </a:endParaRPr>
+              <a:t>&lt;CL_DEVICE_PREFERRED_VECTOR_WIDTH_FLOAT&gt;();</a:t>
+            </a:r>
           </a:p>
         </p:txBody>
       </p:sp>
@@ -45553,11 +45421,7 @@
           <a:p>
             <a:r>
               <a:rPr lang="en-GB" dirty="0" smtClean="0"/>
-              <a:t>Exercise </a:t>
-            </a:r>
-            <a:r>
-              <a:rPr lang="en-GB" dirty="0" smtClean="0"/>
-              <a:t>3</a:t>
+              <a:t>Exercise 3</a:t>
             </a:r>
             <a:endParaRPr lang="en-GB" dirty="0"/>
           </a:p>
@@ -45590,15 +45454,19 @@
               <a:t>Start with the </a:t>
             </a:r>
             <a:r>
-              <a:rPr lang="en-GB" dirty="0" smtClean="0">
+              <a:rPr lang="en-GB" smtClean="0">
                 <a:latin typeface="Courier New"/>
                 <a:cs typeface="Courier New"/>
               </a:rPr>
               <a:t>Bilateral</a:t>
             </a:r>
             <a:r>
-              <a:rPr lang="en-GB" dirty="0" smtClean="0"/>
-              <a:t> project</a:t>
+              <a:rPr lang="en-GB" smtClean="0"/>
+              <a:t> </a:t>
+            </a:r>
+            <a:r>
+              <a:rPr lang="en-GB" smtClean="0"/>
+              <a:t>example</a:t>
             </a:r>
             <a:endParaRPr lang="en-GB" dirty="0"/>
           </a:p>
@@ -45643,25 +45511,13 @@
           <a:p>
             <a:r>
               <a:rPr lang="en-GB" dirty="0" smtClean="0"/>
-              <a:t>Use a sampler to automatically perform </a:t>
-            </a:r>
+              <a:t>Use a sampler to automatically perform normalization and bounds checking</a:t>
+            </a:r>
+          </a:p>
+          <a:p>
             <a:r>
               <a:rPr lang="en-GB" dirty="0" smtClean="0"/>
-              <a:t>normalization </a:t>
-            </a:r>
-            <a:r>
-              <a:rPr lang="en-GB" dirty="0" smtClean="0"/>
-              <a:t>and bounds checking</a:t>
-            </a:r>
-          </a:p>
-          <a:p>
-            <a:r>
-              <a:rPr lang="en-GB" dirty="0" smtClean="0"/>
-              <a:t>Compare the performance to the buffer version for different </a:t>
-            </a:r>
-            <a:r>
-              <a:rPr lang="en-GB" dirty="0" smtClean="0"/>
-              <a:t>devices</a:t>
+              <a:t>Compare the performance to the buffer version for different devices</a:t>
             </a:r>
           </a:p>
           <a:p>
@@ -45669,7 +45525,6 @@
               <a:rPr lang="en-GB" dirty="0" smtClean="0"/>
               <a:t>Extra: try some other optimizations such as native functions</a:t>
             </a:r>
-            <a:endParaRPr lang="en-GB" dirty="0" smtClean="0"/>
           </a:p>
         </p:txBody>
       </p:sp>

--- a/slides/advanced_part3.pptx
+++ b/slides/advanced_part3.pptx
@@ -4407,15 +4407,15 @@
           <a:p>
             <a:r>
               <a:rPr lang="en-GB" dirty="0" smtClean="0"/>
-              <a:t>Advanced </a:t>
-            </a:r>
-            <a:r>
-              <a:rPr lang="en-GB" dirty="0" err="1" smtClean="0"/>
-              <a:t>OpenCL</a:t>
+              <a:t>Advanced OpenCL </a:t>
             </a:r>
             <a:r>
               <a:rPr lang="en-GB" dirty="0" smtClean="0"/>
-              <a:t> Topics –</a:t>
+              <a:t>Topics:</a:t>
+            </a:r>
+            <a:r>
+              <a:rPr lang="en-GB" dirty="0" smtClean="0"/>
+              <a:t/>
             </a:r>
             <a:br>
               <a:rPr lang="en-GB" dirty="0" smtClean="0"/>
@@ -7397,15 +7397,7 @@
             <a:pPr lvl="1"/>
             <a:r>
               <a:rPr lang="en-GB" dirty="0" smtClean="0"/>
-              <a:t>Inappropriate </a:t>
-            </a:r>
-            <a:r>
-              <a:rPr lang="en-GB" dirty="0" smtClean="0"/>
-              <a:t>work-group </a:t>
-            </a:r>
-            <a:r>
-              <a:rPr lang="en-GB" dirty="0" smtClean="0"/>
-              <a:t>size for architecture</a:t>
+              <a:t>Inappropriate work-group size for architecture</a:t>
             </a:r>
           </a:p>
           <a:p>
@@ -45462,11 +45454,7 @@
             </a:r>
             <a:r>
               <a:rPr lang="en-GB" smtClean="0"/>
-              <a:t> </a:t>
-            </a:r>
-            <a:r>
-              <a:rPr lang="en-GB" smtClean="0"/>
-              <a:t>example</a:t>
+              <a:t> example</a:t>
             </a:r>
             <a:endParaRPr lang="en-GB" dirty="0"/>
           </a:p>

--- a/slides/advanced_part3.pptx
+++ b/slides/advanced_part3.pptx
@@ -5,7 +5,7 @@
     <p:sldMasterId id="2147483648" r:id="rId1"/>
   </p:sldMasterIdLst>
   <p:notesMasterIdLst>
-    <p:notesMasterId r:id="rId81"/>
+    <p:notesMasterId r:id="rId82"/>
   </p:notesMasterIdLst>
   <p:sldIdLst>
     <p:sldId id="257" r:id="rId2"/>
@@ -82,11 +82,12 @@
     <p:sldId id="327" r:id="rId73"/>
     <p:sldId id="328" r:id="rId74"/>
     <p:sldId id="329" r:id="rId75"/>
-    <p:sldId id="330" r:id="rId76"/>
-    <p:sldId id="331" r:id="rId77"/>
-    <p:sldId id="332" r:id="rId78"/>
-    <p:sldId id="333" r:id="rId79"/>
-    <p:sldId id="334" r:id="rId80"/>
+    <p:sldId id="337" r:id="rId76"/>
+    <p:sldId id="330" r:id="rId77"/>
+    <p:sldId id="331" r:id="rId78"/>
+    <p:sldId id="332" r:id="rId79"/>
+    <p:sldId id="333" r:id="rId80"/>
+    <p:sldId id="334" r:id="rId81"/>
   </p:sldIdLst>
   <p:sldSz cx="9144000" cy="6858000" type="screen4x3"/>
   <p:notesSz cx="6858000" cy="9144000"/>
@@ -270,7 +271,7 @@
           <a:p>
             <a:fld id="{154B9960-65DD-7948-AAE5-CA021B06E14D}" type="datetimeFigureOut">
               <a:rPr lang="en-US" smtClean="0"/>
-              <a:t>06/05/15</a:t>
+              <a:t>07/05/15</a:t>
             </a:fld>
             <a:endParaRPr lang="en-GB"/>
           </a:p>
@@ -1581,7 +1582,7 @@
           <a:p>
             <a:fld id="{D96F9273-1B51-1D4D-B007-2EA617412104}" type="datetimeFigureOut">
               <a:rPr lang="en-US" smtClean="0"/>
-              <a:t>06/05/15</a:t>
+              <a:t>07/05/15</a:t>
             </a:fld>
             <a:endParaRPr lang="en-GB"/>
           </a:p>
@@ -1751,7 +1752,7 @@
           <a:p>
             <a:fld id="{D96F9273-1B51-1D4D-B007-2EA617412104}" type="datetimeFigureOut">
               <a:rPr lang="en-US" smtClean="0"/>
-              <a:t>06/05/15</a:t>
+              <a:t>07/05/15</a:t>
             </a:fld>
             <a:endParaRPr lang="en-GB"/>
           </a:p>
@@ -1931,7 +1932,7 @@
           <a:p>
             <a:fld id="{D96F9273-1B51-1D4D-B007-2EA617412104}" type="datetimeFigureOut">
               <a:rPr lang="en-US" smtClean="0"/>
-              <a:t>06/05/15</a:t>
+              <a:t>07/05/15</a:t>
             </a:fld>
             <a:endParaRPr lang="en-GB"/>
           </a:p>
@@ -2101,7 +2102,7 @@
           <a:p>
             <a:fld id="{D96F9273-1B51-1D4D-B007-2EA617412104}" type="datetimeFigureOut">
               <a:rPr lang="en-US" smtClean="0"/>
-              <a:t>06/05/15</a:t>
+              <a:t>07/05/15</a:t>
             </a:fld>
             <a:endParaRPr lang="en-GB"/>
           </a:p>
@@ -2347,7 +2348,7 @@
           <a:p>
             <a:fld id="{D96F9273-1B51-1D4D-B007-2EA617412104}" type="datetimeFigureOut">
               <a:rPr lang="en-US" smtClean="0"/>
-              <a:t>06/05/15</a:t>
+              <a:t>07/05/15</a:t>
             </a:fld>
             <a:endParaRPr lang="en-GB"/>
           </a:p>
@@ -2635,7 +2636,7 @@
           <a:p>
             <a:fld id="{D96F9273-1B51-1D4D-B007-2EA617412104}" type="datetimeFigureOut">
               <a:rPr lang="en-US" smtClean="0"/>
-              <a:t>06/05/15</a:t>
+              <a:t>07/05/15</a:t>
             </a:fld>
             <a:endParaRPr lang="en-GB"/>
           </a:p>
@@ -3057,7 +3058,7 @@
           <a:p>
             <a:fld id="{D96F9273-1B51-1D4D-B007-2EA617412104}" type="datetimeFigureOut">
               <a:rPr lang="en-US" smtClean="0"/>
-              <a:t>06/05/15</a:t>
+              <a:t>07/05/15</a:t>
             </a:fld>
             <a:endParaRPr lang="en-GB"/>
           </a:p>
@@ -3175,7 +3176,7 @@
           <a:p>
             <a:fld id="{D96F9273-1B51-1D4D-B007-2EA617412104}" type="datetimeFigureOut">
               <a:rPr lang="en-US" smtClean="0"/>
-              <a:t>06/05/15</a:t>
+              <a:t>07/05/15</a:t>
             </a:fld>
             <a:endParaRPr lang="en-GB"/>
           </a:p>
@@ -3270,7 +3271,7 @@
           <a:p>
             <a:fld id="{D96F9273-1B51-1D4D-B007-2EA617412104}" type="datetimeFigureOut">
               <a:rPr lang="en-US" smtClean="0"/>
-              <a:t>06/05/15</a:t>
+              <a:t>07/05/15</a:t>
             </a:fld>
             <a:endParaRPr lang="en-GB"/>
           </a:p>
@@ -3547,7 +3548,7 @@
           <a:p>
             <a:fld id="{D96F9273-1B51-1D4D-B007-2EA617412104}" type="datetimeFigureOut">
               <a:rPr lang="en-US" smtClean="0"/>
-              <a:t>06/05/15</a:t>
+              <a:t>07/05/15</a:t>
             </a:fld>
             <a:endParaRPr lang="en-GB"/>
           </a:p>
@@ -3800,7 +3801,7 @@
           <a:p>
             <a:fld id="{D96F9273-1B51-1D4D-B007-2EA617412104}" type="datetimeFigureOut">
               <a:rPr lang="en-US" smtClean="0"/>
-              <a:t>06/05/15</a:t>
+              <a:t>07/05/15</a:t>
             </a:fld>
             <a:endParaRPr lang="en-GB"/>
           </a:p>
@@ -4013,7 +4014,7 @@
           <a:p>
             <a:fld id="{D96F9273-1B51-1D4D-B007-2EA617412104}" type="datetimeFigureOut">
               <a:rPr lang="en-US" smtClean="0"/>
-              <a:t>06/05/15</a:t>
+              <a:t>07/05/15</a:t>
             </a:fld>
             <a:endParaRPr lang="en-GB"/>
           </a:p>
@@ -4407,15 +4408,7 @@
           <a:p>
             <a:r>
               <a:rPr lang="en-GB" dirty="0" smtClean="0"/>
-              <a:t>Advanced OpenCL </a:t>
-            </a:r>
-            <a:r>
-              <a:rPr lang="en-GB" dirty="0" smtClean="0"/>
-              <a:t>Topics:</a:t>
-            </a:r>
-            <a:r>
-              <a:rPr lang="en-GB" dirty="0" smtClean="0"/>
-              <a:t/>
+              <a:t>Advanced OpenCL Topics:</a:t>
             </a:r>
             <a:br>
               <a:rPr lang="en-GB" dirty="0" smtClean="0"/>
@@ -4670,11 +4663,11 @@
   <p:clrMapOvr>
     <a:masterClrMapping/>
   </p:clrMapOvr>
-  <mc:AlternateContent xmlns:mc="http://schemas.openxmlformats.org/markup-compatibility/2006">
-    <mc:Choice xmlns:p14="http://schemas.microsoft.com/office/powerpoint/2010/main" Requires="p14">
+  <mc:AlternateContent xmlns:mc="http://schemas.openxmlformats.org/markup-compatibility/2006" xmlns:p14="http://schemas.microsoft.com/office/powerpoint/2010/main">
+    <mc:Choice Requires="p14">
       <p:transition spd="slow" p14:dur="2000"/>
     </mc:Choice>
-    <mc:Fallback>
+    <mc:Fallback xmlns="">
       <p:transition xmlns:p14="http://schemas.microsoft.com/office/powerpoint/2010/main" spd="slow"/>
     </mc:Fallback>
   </mc:AlternateContent>
@@ -4971,11 +4964,11 @@
   <p:clrMapOvr>
     <a:masterClrMapping/>
   </p:clrMapOvr>
-  <mc:AlternateContent xmlns:mc="http://schemas.openxmlformats.org/markup-compatibility/2006">
-    <mc:Choice xmlns:p14="http://schemas.microsoft.com/office/powerpoint/2010/main" Requires="p14">
+  <mc:AlternateContent xmlns:mc="http://schemas.openxmlformats.org/markup-compatibility/2006" xmlns:p14="http://schemas.microsoft.com/office/powerpoint/2010/main">
+    <mc:Choice Requires="p14">
       <p:transition spd="slow" p14:dur="2000"/>
     </mc:Choice>
-    <mc:Fallback>
+    <mc:Fallback xmlns="">
       <p:transition xmlns:p14="http://schemas.microsoft.com/office/powerpoint/2010/main" spd="slow"/>
     </mc:Fallback>
   </mc:AlternateContent>
@@ -5097,11 +5090,11 @@
   <p:clrMapOvr>
     <a:masterClrMapping/>
   </p:clrMapOvr>
-  <mc:AlternateContent xmlns:mc="http://schemas.openxmlformats.org/markup-compatibility/2006">
-    <mc:Choice xmlns:p14="http://schemas.microsoft.com/office/powerpoint/2010/main" Requires="p14">
+  <mc:AlternateContent xmlns:mc="http://schemas.openxmlformats.org/markup-compatibility/2006" xmlns:p14="http://schemas.microsoft.com/office/powerpoint/2010/main">
+    <mc:Choice Requires="p14">
       <p:transition spd="slow" p14:dur="2000"/>
     </mc:Choice>
-    <mc:Fallback>
+    <mc:Fallback xmlns="">
       <p:transition xmlns:p14="http://schemas.microsoft.com/office/powerpoint/2010/main" spd="slow"/>
     </mc:Fallback>
   </mc:AlternateContent>
@@ -5256,11 +5249,11 @@
   <p:clrMapOvr>
     <a:masterClrMapping/>
   </p:clrMapOvr>
-  <mc:AlternateContent xmlns:mc="http://schemas.openxmlformats.org/markup-compatibility/2006">
-    <mc:Choice xmlns:p14="http://schemas.microsoft.com/office/powerpoint/2010/main" Requires="p14">
+  <mc:AlternateContent xmlns:mc="http://schemas.openxmlformats.org/markup-compatibility/2006" xmlns:p14="http://schemas.microsoft.com/office/powerpoint/2010/main">
+    <mc:Choice Requires="p14">
       <p:transition spd="slow" p14:dur="2000"/>
     </mc:Choice>
-    <mc:Fallback>
+    <mc:Fallback xmlns="">
       <p:transition xmlns:p14="http://schemas.microsoft.com/office/powerpoint/2010/main" spd="slow"/>
     </mc:Fallback>
   </mc:AlternateContent>
@@ -5368,11 +5361,11 @@
   <p:clrMapOvr>
     <a:masterClrMapping/>
   </p:clrMapOvr>
-  <mc:AlternateContent xmlns:mc="http://schemas.openxmlformats.org/markup-compatibility/2006">
-    <mc:Choice xmlns:p14="http://schemas.microsoft.com/office/powerpoint/2010/main" Requires="p14">
+  <mc:AlternateContent xmlns:mc="http://schemas.openxmlformats.org/markup-compatibility/2006" xmlns:p14="http://schemas.microsoft.com/office/powerpoint/2010/main">
+    <mc:Choice Requires="p14">
       <p:transition spd="slow" p14:dur="2000"/>
     </mc:Choice>
-    <mc:Fallback>
+    <mc:Fallback xmlns="">
       <p:transition xmlns:p14="http://schemas.microsoft.com/office/powerpoint/2010/main" spd="slow"/>
     </mc:Fallback>
   </mc:AlternateContent>
@@ -6131,11 +6124,11 @@
   <p:clrMapOvr>
     <a:masterClrMapping/>
   </p:clrMapOvr>
-  <mc:AlternateContent xmlns:mc="http://schemas.openxmlformats.org/markup-compatibility/2006">
-    <mc:Choice xmlns:p14="http://schemas.microsoft.com/office/powerpoint/2010/main" Requires="p14">
+  <mc:AlternateContent xmlns:mc="http://schemas.openxmlformats.org/markup-compatibility/2006" xmlns:p14="http://schemas.microsoft.com/office/powerpoint/2010/main">
+    <mc:Choice Requires="p14">
       <p:transition spd="slow" p14:dur="2000"/>
     </mc:Choice>
-    <mc:Fallback>
+    <mc:Fallback xmlns="">
       <p:transition xmlns:p14="http://schemas.microsoft.com/office/powerpoint/2010/main" spd="slow"/>
     </mc:Fallback>
   </mc:AlternateContent>
@@ -6413,11 +6406,11 @@
   <p:clrMapOvr>
     <a:masterClrMapping/>
   </p:clrMapOvr>
-  <mc:AlternateContent xmlns:mc="http://schemas.openxmlformats.org/markup-compatibility/2006">
-    <mc:Choice xmlns:p14="http://schemas.microsoft.com/office/powerpoint/2010/main" Requires="p14">
+  <mc:AlternateContent xmlns:mc="http://schemas.openxmlformats.org/markup-compatibility/2006" xmlns:p14="http://schemas.microsoft.com/office/powerpoint/2010/main">
+    <mc:Choice Requires="p14">
       <p:transition spd="slow" p14:dur="2000"/>
     </mc:Choice>
-    <mc:Fallback>
+    <mc:Fallback xmlns="">
       <p:transition xmlns:p14="http://schemas.microsoft.com/office/powerpoint/2010/main" spd="slow"/>
     </mc:Fallback>
   </mc:AlternateContent>
@@ -6565,11 +6558,11 @@
   <p:clrMapOvr>
     <a:masterClrMapping/>
   </p:clrMapOvr>
-  <mc:AlternateContent xmlns:mc="http://schemas.openxmlformats.org/markup-compatibility/2006">
-    <mc:Choice xmlns:p14="http://schemas.microsoft.com/office/powerpoint/2010/main" Requires="p14">
+  <mc:AlternateContent xmlns:mc="http://schemas.openxmlformats.org/markup-compatibility/2006" xmlns:p14="http://schemas.microsoft.com/office/powerpoint/2010/main">
+    <mc:Choice Requires="p14">
       <p:transition spd="slow" p14:dur="2000"/>
     </mc:Choice>
-    <mc:Fallback>
+    <mc:Fallback xmlns="">
       <p:transition xmlns:p14="http://schemas.microsoft.com/office/powerpoint/2010/main" spd="slow"/>
     </mc:Fallback>
   </mc:AlternateContent>
@@ -6723,11 +6716,11 @@
   <p:clrMapOvr>
     <a:masterClrMapping/>
   </p:clrMapOvr>
-  <mc:AlternateContent xmlns:mc="http://schemas.openxmlformats.org/markup-compatibility/2006">
-    <mc:Choice xmlns:p14="http://schemas.microsoft.com/office/powerpoint/2010/main" Requires="p14">
+  <mc:AlternateContent xmlns:mc="http://schemas.openxmlformats.org/markup-compatibility/2006" xmlns:p14="http://schemas.microsoft.com/office/powerpoint/2010/main">
+    <mc:Choice Requires="p14">
       <p:transition spd="slow" p14:dur="2000"/>
     </mc:Choice>
-    <mc:Fallback>
+    <mc:Fallback xmlns="">
       <p:transition xmlns:p14="http://schemas.microsoft.com/office/powerpoint/2010/main" spd="slow"/>
     </mc:Fallback>
   </mc:AlternateContent>
@@ -7273,11 +7266,11 @@
   <p:clrMapOvr>
     <a:masterClrMapping/>
   </p:clrMapOvr>
-  <mc:AlternateContent xmlns:mc="http://schemas.openxmlformats.org/markup-compatibility/2006">
-    <mc:Choice xmlns:p14="http://schemas.microsoft.com/office/powerpoint/2010/main" Requires="p14">
+  <mc:AlternateContent xmlns:mc="http://schemas.openxmlformats.org/markup-compatibility/2006" xmlns:p14="http://schemas.microsoft.com/office/powerpoint/2010/main">
+    <mc:Choice Requires="p14">
       <p:transition spd="slow" p14:dur="2000"/>
     </mc:Choice>
-    <mc:Fallback>
+    <mc:Fallback xmlns="">
       <p:transition xmlns:p14="http://schemas.microsoft.com/office/powerpoint/2010/main" spd="slow"/>
     </mc:Fallback>
   </mc:AlternateContent>
@@ -7777,11 +7770,11 @@
   <p:clrMapOvr>
     <a:masterClrMapping/>
   </p:clrMapOvr>
-  <mc:AlternateContent xmlns:mc="http://schemas.openxmlformats.org/markup-compatibility/2006">
-    <mc:Choice xmlns:p14="http://schemas.microsoft.com/office/powerpoint/2010/main" Requires="p14">
+  <mc:AlternateContent xmlns:mc="http://schemas.openxmlformats.org/markup-compatibility/2006" xmlns:p14="http://schemas.microsoft.com/office/powerpoint/2010/main">
+    <mc:Choice Requires="p14">
       <p:transition spd="slow" p14:dur="2000"/>
     </mc:Choice>
-    <mc:Fallback>
+    <mc:Fallback xmlns="">
       <p:transition xmlns:p14="http://schemas.microsoft.com/office/powerpoint/2010/main" spd="slow"/>
     </mc:Fallback>
   </mc:AlternateContent>
@@ -7989,11 +7982,11 @@
   <p:clrMapOvr>
     <a:masterClrMapping/>
   </p:clrMapOvr>
-  <mc:AlternateContent xmlns:mc="http://schemas.openxmlformats.org/markup-compatibility/2006">
-    <mc:Choice xmlns:p14="http://schemas.microsoft.com/office/powerpoint/2010/main" Requires="p14">
+  <mc:AlternateContent xmlns:mc="http://schemas.openxmlformats.org/markup-compatibility/2006" xmlns:p14="http://schemas.microsoft.com/office/powerpoint/2010/main">
+    <mc:Choice Requires="p14">
       <p:transition spd="slow" p14:dur="2000"/>
     </mc:Choice>
-    <mc:Fallback>
+    <mc:Fallback xmlns="">
       <p:transition xmlns:p14="http://schemas.microsoft.com/office/powerpoint/2010/main" spd="slow"/>
     </mc:Fallback>
   </mc:AlternateContent>
@@ -8204,11 +8197,11 @@
   <p:clrMapOvr>
     <a:masterClrMapping/>
   </p:clrMapOvr>
-  <mc:AlternateContent xmlns:mc="http://schemas.openxmlformats.org/markup-compatibility/2006">
-    <mc:Choice xmlns:p14="http://schemas.microsoft.com/office/powerpoint/2010/main" Requires="p14">
+  <mc:AlternateContent xmlns:mc="http://schemas.openxmlformats.org/markup-compatibility/2006" xmlns:p14="http://schemas.microsoft.com/office/powerpoint/2010/main">
+    <mc:Choice Requires="p14">
       <p:transition spd="slow" p14:dur="2000"/>
     </mc:Choice>
-    <mc:Fallback>
+    <mc:Fallback xmlns="">
       <p:transition xmlns:p14="http://schemas.microsoft.com/office/powerpoint/2010/main" spd="slow"/>
     </mc:Fallback>
   </mc:AlternateContent>
@@ -8350,11 +8343,11 @@
   <p:clrMapOvr>
     <a:masterClrMapping/>
   </p:clrMapOvr>
-  <mc:AlternateContent xmlns:mc="http://schemas.openxmlformats.org/markup-compatibility/2006">
-    <mc:Choice xmlns:p14="http://schemas.microsoft.com/office/powerpoint/2010/main" Requires="p14">
+  <mc:AlternateContent xmlns:mc="http://schemas.openxmlformats.org/markup-compatibility/2006" xmlns:p14="http://schemas.microsoft.com/office/powerpoint/2010/main">
+    <mc:Choice Requires="p14">
       <p:transition spd="slow" p14:dur="2000"/>
     </mc:Choice>
-    <mc:Fallback>
+    <mc:Fallback xmlns="">
       <p:transition xmlns:p14="http://schemas.microsoft.com/office/powerpoint/2010/main" spd="slow"/>
     </mc:Fallback>
   </mc:AlternateContent>
@@ -8504,11 +8497,11 @@
   <p:clrMapOvr>
     <a:masterClrMapping/>
   </p:clrMapOvr>
-  <mc:AlternateContent xmlns:mc="http://schemas.openxmlformats.org/markup-compatibility/2006">
-    <mc:Choice xmlns:p14="http://schemas.microsoft.com/office/powerpoint/2010/main" Requires="p14">
+  <mc:AlternateContent xmlns:mc="http://schemas.openxmlformats.org/markup-compatibility/2006" xmlns:p14="http://schemas.microsoft.com/office/powerpoint/2010/main">
+    <mc:Choice Requires="p14">
       <p:transition spd="slow" p14:dur="2000"/>
     </mc:Choice>
-    <mc:Fallback>
+    <mc:Fallback xmlns="">
       <p:transition xmlns:p14="http://schemas.microsoft.com/office/powerpoint/2010/main" spd="slow"/>
     </mc:Fallback>
   </mc:AlternateContent>
@@ -8602,11 +8595,11 @@
   <p:clrMapOvr>
     <a:masterClrMapping/>
   </p:clrMapOvr>
-  <mc:AlternateContent xmlns:mc="http://schemas.openxmlformats.org/markup-compatibility/2006">
-    <mc:Choice xmlns:p14="http://schemas.microsoft.com/office/powerpoint/2010/main" Requires="p14">
+  <mc:AlternateContent xmlns:mc="http://schemas.openxmlformats.org/markup-compatibility/2006" xmlns:p14="http://schemas.microsoft.com/office/powerpoint/2010/main">
+    <mc:Choice Requires="p14">
       <p:transition spd="slow" p14:dur="2000"/>
     </mc:Choice>
-    <mc:Fallback>
+    <mc:Fallback xmlns="">
       <p:transition xmlns:p14="http://schemas.microsoft.com/office/powerpoint/2010/main" spd="slow"/>
     </mc:Fallback>
   </mc:AlternateContent>
@@ -8760,11 +8753,11 @@
   <p:clrMapOvr>
     <a:masterClrMapping/>
   </p:clrMapOvr>
-  <mc:AlternateContent xmlns:mc="http://schemas.openxmlformats.org/markup-compatibility/2006">
-    <mc:Choice xmlns:p14="http://schemas.microsoft.com/office/powerpoint/2010/main" Requires="p14">
+  <mc:AlternateContent xmlns:mc="http://schemas.openxmlformats.org/markup-compatibility/2006" xmlns:p14="http://schemas.microsoft.com/office/powerpoint/2010/main">
+    <mc:Choice Requires="p14">
       <p:transition spd="slow" p14:dur="2000"/>
     </mc:Choice>
-    <mc:Fallback>
+    <mc:Fallback xmlns="">
       <p:transition xmlns:p14="http://schemas.microsoft.com/office/powerpoint/2010/main" spd="slow"/>
     </mc:Fallback>
   </mc:AlternateContent>
@@ -8920,11 +8913,11 @@
   <p:clrMapOvr>
     <a:masterClrMapping/>
   </p:clrMapOvr>
-  <mc:AlternateContent xmlns:mc="http://schemas.openxmlformats.org/markup-compatibility/2006">
-    <mc:Choice xmlns:p14="http://schemas.microsoft.com/office/powerpoint/2010/main" Requires="p14">
+  <mc:AlternateContent xmlns:mc="http://schemas.openxmlformats.org/markup-compatibility/2006" xmlns:p14="http://schemas.microsoft.com/office/powerpoint/2010/main">
+    <mc:Choice Requires="p14">
       <p:transition spd="slow" p14:dur="2000"/>
     </mc:Choice>
-    <mc:Fallback>
+    <mc:Fallback xmlns="">
       <p:transition xmlns:p14="http://schemas.microsoft.com/office/powerpoint/2010/main" spd="slow"/>
     </mc:Fallback>
   </mc:AlternateContent>
@@ -9142,11 +9135,11 @@
   <p:clrMapOvr>
     <a:masterClrMapping/>
   </p:clrMapOvr>
-  <mc:AlternateContent xmlns:mc="http://schemas.openxmlformats.org/markup-compatibility/2006">
-    <mc:Choice xmlns:p14="http://schemas.microsoft.com/office/powerpoint/2010/main" Requires="p14">
+  <mc:AlternateContent xmlns:mc="http://schemas.openxmlformats.org/markup-compatibility/2006" xmlns:p14="http://schemas.microsoft.com/office/powerpoint/2010/main">
+    <mc:Choice Requires="p14">
       <p:transition spd="slow" p14:dur="2000"/>
     </mc:Choice>
-    <mc:Fallback>
+    <mc:Fallback xmlns="">
       <p:transition xmlns:p14="http://schemas.microsoft.com/office/powerpoint/2010/main" spd="slow"/>
     </mc:Fallback>
   </mc:AlternateContent>
@@ -9252,11 +9245,11 @@
   <p:clrMapOvr>
     <a:masterClrMapping/>
   </p:clrMapOvr>
-  <mc:AlternateContent xmlns:mc="http://schemas.openxmlformats.org/markup-compatibility/2006">
-    <mc:Choice xmlns:p14="http://schemas.microsoft.com/office/powerpoint/2010/main" Requires="p14">
+  <mc:AlternateContent xmlns:mc="http://schemas.openxmlformats.org/markup-compatibility/2006" xmlns:p14="http://schemas.microsoft.com/office/powerpoint/2010/main">
+    <mc:Choice Requires="p14">
       <p:transition spd="slow" p14:dur="2000"/>
     </mc:Choice>
-    <mc:Fallback>
+    <mc:Fallback xmlns="">
       <p:transition xmlns:p14="http://schemas.microsoft.com/office/powerpoint/2010/main" spd="slow"/>
     </mc:Fallback>
   </mc:AlternateContent>
@@ -10464,11 +10457,11 @@
   <p:clrMapOvr>
     <a:masterClrMapping/>
   </p:clrMapOvr>
-  <mc:AlternateContent xmlns:mc="http://schemas.openxmlformats.org/markup-compatibility/2006">
-    <mc:Choice xmlns:p14="http://schemas.microsoft.com/office/powerpoint/2010/main" Requires="p14">
+  <mc:AlternateContent xmlns:mc="http://schemas.openxmlformats.org/markup-compatibility/2006" xmlns:p14="http://schemas.microsoft.com/office/powerpoint/2010/main">
+    <mc:Choice Requires="p14">
       <p:transition spd="slow" p14:dur="2000"/>
     </mc:Choice>
-    <mc:Fallback>
+    <mc:Fallback xmlns="">
       <p:transition xmlns:p14="http://schemas.microsoft.com/office/powerpoint/2010/main" spd="slow"/>
     </mc:Fallback>
   </mc:AlternateContent>
@@ -11015,11 +11008,11 @@
   <p:clrMapOvr>
     <a:masterClrMapping/>
   </p:clrMapOvr>
-  <mc:AlternateContent xmlns:mc="http://schemas.openxmlformats.org/markup-compatibility/2006">
-    <mc:Choice xmlns:p14="http://schemas.microsoft.com/office/powerpoint/2010/main" Requires="p14">
+  <mc:AlternateContent xmlns:mc="http://schemas.openxmlformats.org/markup-compatibility/2006" xmlns:p14="http://schemas.microsoft.com/office/powerpoint/2010/main">
+    <mc:Choice Requires="p14">
       <p:transition spd="slow" p14:dur="2000"/>
     </mc:Choice>
-    <mc:Fallback>
+    <mc:Fallback xmlns="">
       <p:transition xmlns:p14="http://schemas.microsoft.com/office/powerpoint/2010/main" spd="slow"/>
     </mc:Fallback>
   </mc:AlternateContent>
@@ -11303,11 +11296,11 @@
   <p:clrMapOvr>
     <a:masterClrMapping/>
   </p:clrMapOvr>
-  <mc:AlternateContent xmlns:mc="http://schemas.openxmlformats.org/markup-compatibility/2006">
-    <mc:Choice xmlns:p14="http://schemas.microsoft.com/office/powerpoint/2010/main" Requires="p14">
+  <mc:AlternateContent xmlns:mc="http://schemas.openxmlformats.org/markup-compatibility/2006" xmlns:p14="http://schemas.microsoft.com/office/powerpoint/2010/main">
+    <mc:Choice Requires="p14">
       <p:transition spd="slow" p14:dur="2000"/>
     </mc:Choice>
-    <mc:Fallback>
+    <mc:Fallback xmlns="">
       <p:transition xmlns:p14="http://schemas.microsoft.com/office/powerpoint/2010/main" spd="slow"/>
     </mc:Fallback>
   </mc:AlternateContent>
@@ -11431,11 +11424,11 @@
   <p:clrMapOvr>
     <a:masterClrMapping/>
   </p:clrMapOvr>
-  <mc:AlternateContent xmlns:mc="http://schemas.openxmlformats.org/markup-compatibility/2006">
-    <mc:Choice xmlns:p14="http://schemas.microsoft.com/office/powerpoint/2010/main" Requires="p14">
+  <mc:AlternateContent xmlns:mc="http://schemas.openxmlformats.org/markup-compatibility/2006" xmlns:p14="http://schemas.microsoft.com/office/powerpoint/2010/main">
+    <mc:Choice Requires="p14">
       <p:transition spd="slow" p14:dur="2000"/>
     </mc:Choice>
-    <mc:Fallback>
+    <mc:Fallback xmlns="">
       <p:transition xmlns:p14="http://schemas.microsoft.com/office/powerpoint/2010/main" spd="slow"/>
     </mc:Fallback>
   </mc:AlternateContent>
@@ -11667,11 +11660,11 @@
   <p:clrMapOvr>
     <a:masterClrMapping/>
   </p:clrMapOvr>
-  <mc:AlternateContent xmlns:mc="http://schemas.openxmlformats.org/markup-compatibility/2006">
-    <mc:Choice xmlns:p14="http://schemas.microsoft.com/office/powerpoint/2010/main" Requires="p14">
+  <mc:AlternateContent xmlns:mc="http://schemas.openxmlformats.org/markup-compatibility/2006" xmlns:p14="http://schemas.microsoft.com/office/powerpoint/2010/main">
+    <mc:Choice Requires="p14">
       <p:transition spd="slow" p14:dur="2000"/>
     </mc:Choice>
-    <mc:Fallback>
+    <mc:Fallback xmlns="">
       <p:transition xmlns:p14="http://schemas.microsoft.com/office/powerpoint/2010/main" spd="slow"/>
     </mc:Fallback>
   </mc:AlternateContent>
@@ -11976,11 +11969,11 @@
   <p:clrMapOvr>
     <a:masterClrMapping/>
   </p:clrMapOvr>
-  <mc:AlternateContent xmlns:mc="http://schemas.openxmlformats.org/markup-compatibility/2006">
-    <mc:Choice xmlns:p14="http://schemas.microsoft.com/office/powerpoint/2010/main" Requires="p14">
+  <mc:AlternateContent xmlns:mc="http://schemas.openxmlformats.org/markup-compatibility/2006" xmlns:p14="http://schemas.microsoft.com/office/powerpoint/2010/main">
+    <mc:Choice Requires="p14">
       <p:transition spd="slow" p14:dur="2000"/>
     </mc:Choice>
-    <mc:Fallback>
+    <mc:Fallback xmlns="">
       <p:transition xmlns:p14="http://schemas.microsoft.com/office/powerpoint/2010/main" spd="slow"/>
     </mc:Fallback>
   </mc:AlternateContent>
@@ -12210,11 +12203,11 @@
   <p:clrMapOvr>
     <a:masterClrMapping/>
   </p:clrMapOvr>
-  <mc:AlternateContent xmlns:mc="http://schemas.openxmlformats.org/markup-compatibility/2006">
-    <mc:Choice xmlns:p14="http://schemas.microsoft.com/office/powerpoint/2010/main" Requires="p14">
+  <mc:AlternateContent xmlns:mc="http://schemas.openxmlformats.org/markup-compatibility/2006" xmlns:p14="http://schemas.microsoft.com/office/powerpoint/2010/main">
+    <mc:Choice Requires="p14">
       <p:transition spd="slow" p14:dur="2000"/>
     </mc:Choice>
-    <mc:Fallback>
+    <mc:Fallback xmlns="">
       <p:transition xmlns:p14="http://schemas.microsoft.com/office/powerpoint/2010/main" spd="slow"/>
     </mc:Fallback>
   </mc:AlternateContent>
@@ -12309,11 +12302,11 @@
   <p:clrMapOvr>
     <a:masterClrMapping/>
   </p:clrMapOvr>
-  <mc:AlternateContent xmlns:mc="http://schemas.openxmlformats.org/markup-compatibility/2006">
-    <mc:Choice xmlns:p14="http://schemas.microsoft.com/office/powerpoint/2010/main" Requires="p14">
+  <mc:AlternateContent xmlns:mc="http://schemas.openxmlformats.org/markup-compatibility/2006" xmlns:p14="http://schemas.microsoft.com/office/powerpoint/2010/main">
+    <mc:Choice Requires="p14">
       <p:transition spd="slow" p14:dur="2000"/>
     </mc:Choice>
-    <mc:Fallback>
+    <mc:Fallback xmlns="">
       <p:transition xmlns:p14="http://schemas.microsoft.com/office/powerpoint/2010/main" spd="slow"/>
     </mc:Fallback>
   </mc:AlternateContent>
@@ -12444,11 +12437,11 @@
   <p:clrMapOvr>
     <a:masterClrMapping/>
   </p:clrMapOvr>
-  <mc:AlternateContent xmlns:mc="http://schemas.openxmlformats.org/markup-compatibility/2006">
-    <mc:Choice xmlns:p14="http://schemas.microsoft.com/office/powerpoint/2010/main" Requires="p14">
+  <mc:AlternateContent xmlns:mc="http://schemas.openxmlformats.org/markup-compatibility/2006" xmlns:p14="http://schemas.microsoft.com/office/powerpoint/2010/main">
+    <mc:Choice Requires="p14">
       <p:transition spd="slow" p14:dur="2000"/>
     </mc:Choice>
-    <mc:Fallback>
+    <mc:Fallback xmlns="">
       <p:transition xmlns:p14="http://schemas.microsoft.com/office/powerpoint/2010/main" spd="slow"/>
     </mc:Fallback>
   </mc:AlternateContent>
@@ -12840,11 +12833,11 @@
   <p:clrMapOvr>
     <a:masterClrMapping/>
   </p:clrMapOvr>
-  <mc:AlternateContent xmlns:mc="http://schemas.openxmlformats.org/markup-compatibility/2006">
-    <mc:Choice xmlns:p14="http://schemas.microsoft.com/office/powerpoint/2010/main" Requires="p14">
+  <mc:AlternateContent xmlns:mc="http://schemas.openxmlformats.org/markup-compatibility/2006" xmlns:p14="http://schemas.microsoft.com/office/powerpoint/2010/main">
+    <mc:Choice Requires="p14">
       <p:transition spd="slow" p14:dur="2000"/>
     </mc:Choice>
-    <mc:Fallback>
+    <mc:Fallback xmlns="">
       <p:transition xmlns:p14="http://schemas.microsoft.com/office/powerpoint/2010/main" spd="slow"/>
     </mc:Fallback>
   </mc:AlternateContent>
@@ -13000,11 +12993,11 @@
   <p:clrMapOvr>
     <a:masterClrMapping/>
   </p:clrMapOvr>
-  <mc:AlternateContent xmlns:mc="http://schemas.openxmlformats.org/markup-compatibility/2006">
-    <mc:Choice xmlns:p14="http://schemas.microsoft.com/office/powerpoint/2010/main" Requires="p14">
+  <mc:AlternateContent xmlns:mc="http://schemas.openxmlformats.org/markup-compatibility/2006" xmlns:p14="http://schemas.microsoft.com/office/powerpoint/2010/main">
+    <mc:Choice Requires="p14">
       <p:transition spd="slow" p14:dur="2000"/>
     </mc:Choice>
-    <mc:Fallback>
+    <mc:Fallback xmlns="">
       <p:transition xmlns:p14="http://schemas.microsoft.com/office/powerpoint/2010/main" spd="slow"/>
     </mc:Fallback>
   </mc:AlternateContent>
@@ -13628,11 +13621,11 @@
   <p:clrMapOvr>
     <a:masterClrMapping/>
   </p:clrMapOvr>
-  <mc:AlternateContent xmlns:mc="http://schemas.openxmlformats.org/markup-compatibility/2006">
-    <mc:Choice xmlns:p14="http://schemas.microsoft.com/office/powerpoint/2010/main" Requires="p14">
+  <mc:AlternateContent xmlns:mc="http://schemas.openxmlformats.org/markup-compatibility/2006" xmlns:p14="http://schemas.microsoft.com/office/powerpoint/2010/main">
+    <mc:Choice Requires="p14">
       <p:transition spd="slow" p14:dur="2000"/>
     </mc:Choice>
-    <mc:Fallback>
+    <mc:Fallback xmlns="">
       <p:transition xmlns:p14="http://schemas.microsoft.com/office/powerpoint/2010/main" spd="slow"/>
     </mc:Fallback>
   </mc:AlternateContent>
@@ -14109,11 +14102,11 @@
   <p:clrMapOvr>
     <a:masterClrMapping/>
   </p:clrMapOvr>
-  <mc:AlternateContent xmlns:mc="http://schemas.openxmlformats.org/markup-compatibility/2006">
-    <mc:Choice xmlns:p14="http://schemas.microsoft.com/office/powerpoint/2010/main" Requires="p14">
+  <mc:AlternateContent xmlns:mc="http://schemas.openxmlformats.org/markup-compatibility/2006" xmlns:p14="http://schemas.microsoft.com/office/powerpoint/2010/main">
+    <mc:Choice Requires="p14">
       <p:transition spd="slow" p14:dur="2000"/>
     </mc:Choice>
-    <mc:Fallback>
+    <mc:Fallback xmlns="">
       <p:transition xmlns:p14="http://schemas.microsoft.com/office/powerpoint/2010/main" spd="slow"/>
     </mc:Fallback>
   </mc:AlternateContent>
@@ -15041,11 +15034,11 @@
   <p:clrMapOvr>
     <a:masterClrMapping/>
   </p:clrMapOvr>
-  <mc:AlternateContent xmlns:mc="http://schemas.openxmlformats.org/markup-compatibility/2006">
-    <mc:Choice xmlns:p14="http://schemas.microsoft.com/office/powerpoint/2010/main" Requires="p14">
+  <mc:AlternateContent xmlns:mc="http://schemas.openxmlformats.org/markup-compatibility/2006" xmlns:p14="http://schemas.microsoft.com/office/powerpoint/2010/main">
+    <mc:Choice Requires="p14">
       <p:transition spd="slow" p14:dur="2000"/>
     </mc:Choice>
-    <mc:Fallback>
+    <mc:Fallback xmlns="">
       <p:transition xmlns:p14="http://schemas.microsoft.com/office/powerpoint/2010/main" spd="slow"/>
     </mc:Fallback>
   </mc:AlternateContent>
@@ -20331,11 +20324,11 @@
   <p:clrMapOvr>
     <a:masterClrMapping/>
   </p:clrMapOvr>
-  <mc:AlternateContent xmlns:mc="http://schemas.openxmlformats.org/markup-compatibility/2006">
-    <mc:Choice xmlns:p14="http://schemas.microsoft.com/office/powerpoint/2010/main" Requires="p14">
+  <mc:AlternateContent xmlns:mc="http://schemas.openxmlformats.org/markup-compatibility/2006" xmlns:p14="http://schemas.microsoft.com/office/powerpoint/2010/main">
+    <mc:Choice Requires="p14">
       <p:transition spd="slow" p14:dur="2000"/>
     </mc:Choice>
-    <mc:Fallback>
+    <mc:Fallback xmlns="">
       <p:transition xmlns:p14="http://schemas.microsoft.com/office/powerpoint/2010/main" spd="slow"/>
     </mc:Fallback>
   </mc:AlternateContent>
@@ -23070,11 +23063,11 @@
   <p:clrMapOvr>
     <a:masterClrMapping/>
   </p:clrMapOvr>
-  <mc:AlternateContent xmlns:mc="http://schemas.openxmlformats.org/markup-compatibility/2006">
-    <mc:Choice xmlns:p14="http://schemas.microsoft.com/office/powerpoint/2010/main" Requires="p14">
+  <mc:AlternateContent xmlns:mc="http://schemas.openxmlformats.org/markup-compatibility/2006" xmlns:p14="http://schemas.microsoft.com/office/powerpoint/2010/main">
+    <mc:Choice Requires="p14">
       <p:transition spd="slow" p14:dur="2000"/>
     </mc:Choice>
-    <mc:Fallback>
+    <mc:Fallback xmlns="">
       <p:transition xmlns:p14="http://schemas.microsoft.com/office/powerpoint/2010/main" spd="slow"/>
     </mc:Fallback>
   </mc:AlternateContent>
@@ -35207,11 +35200,11 @@
   <p:clrMapOvr>
     <a:masterClrMapping/>
   </p:clrMapOvr>
-  <mc:AlternateContent xmlns:mc="http://schemas.openxmlformats.org/markup-compatibility/2006">
-    <mc:Choice xmlns:p14="http://schemas.microsoft.com/office/powerpoint/2010/main" Requires="p14">
+  <mc:AlternateContent xmlns:mc="http://schemas.openxmlformats.org/markup-compatibility/2006" xmlns:p14="http://schemas.microsoft.com/office/powerpoint/2010/main">
+    <mc:Choice Requires="p14">
       <p:transition spd="slow" p14:dur="2000"/>
     </mc:Choice>
-    <mc:Fallback>
+    <mc:Fallback xmlns="">
       <p:transition xmlns:p14="http://schemas.microsoft.com/office/powerpoint/2010/main" spd="slow"/>
     </mc:Fallback>
   </mc:AlternateContent>
@@ -36489,11 +36482,11 @@
   <p:clrMapOvr>
     <a:masterClrMapping/>
   </p:clrMapOvr>
-  <mc:AlternateContent xmlns:mc="http://schemas.openxmlformats.org/markup-compatibility/2006">
-    <mc:Choice xmlns:p14="http://schemas.microsoft.com/office/powerpoint/2010/main" Requires="p14">
+  <mc:AlternateContent xmlns:mc="http://schemas.openxmlformats.org/markup-compatibility/2006" xmlns:p14="http://schemas.microsoft.com/office/powerpoint/2010/main">
+    <mc:Choice Requires="p14">
       <p:transition spd="slow" p14:dur="2000"/>
     </mc:Choice>
-    <mc:Fallback>
+    <mc:Fallback xmlns="">
       <p:transition xmlns:p14="http://schemas.microsoft.com/office/powerpoint/2010/main" spd="slow"/>
     </mc:Fallback>
   </mc:AlternateContent>
@@ -36896,11 +36889,11 @@
   <p:clrMapOvr>
     <a:masterClrMapping/>
   </p:clrMapOvr>
-  <mc:AlternateContent xmlns:mc="http://schemas.openxmlformats.org/markup-compatibility/2006">
-    <mc:Choice xmlns:p14="http://schemas.microsoft.com/office/powerpoint/2010/main" Requires="p14">
+  <mc:AlternateContent xmlns:mc="http://schemas.openxmlformats.org/markup-compatibility/2006" xmlns:p14="http://schemas.microsoft.com/office/powerpoint/2010/main">
+    <mc:Choice Requires="p14">
       <p:transition spd="slow" p14:dur="2000"/>
     </mc:Choice>
-    <mc:Fallback>
+    <mc:Fallback xmlns="">
       <p:transition xmlns:p14="http://schemas.microsoft.com/office/powerpoint/2010/main" spd="slow"/>
     </mc:Fallback>
   </mc:AlternateContent>
@@ -39497,11 +39490,11 @@
   <p:clrMapOvr>
     <a:masterClrMapping/>
   </p:clrMapOvr>
-  <mc:AlternateContent xmlns:mc="http://schemas.openxmlformats.org/markup-compatibility/2006">
-    <mc:Choice xmlns:p14="http://schemas.microsoft.com/office/powerpoint/2010/main" Requires="p14">
+  <mc:AlternateContent xmlns:mc="http://schemas.openxmlformats.org/markup-compatibility/2006" xmlns:p14="http://schemas.microsoft.com/office/powerpoint/2010/main">
+    <mc:Choice Requires="p14">
       <p:transition spd="slow" p14:dur="2000"/>
     </mc:Choice>
-    <mc:Fallback>
+    <mc:Fallback xmlns="">
       <p:transition xmlns:p14="http://schemas.microsoft.com/office/powerpoint/2010/main" spd="slow"/>
     </mc:Fallback>
   </mc:AlternateContent>
@@ -41749,11 +41742,11 @@
   <p:clrMapOvr>
     <a:masterClrMapping/>
   </p:clrMapOvr>
-  <mc:AlternateContent xmlns:mc="http://schemas.openxmlformats.org/markup-compatibility/2006">
-    <mc:Choice xmlns:p14="http://schemas.microsoft.com/office/powerpoint/2010/main" Requires="p14">
+  <mc:AlternateContent xmlns:mc="http://schemas.openxmlformats.org/markup-compatibility/2006" xmlns:p14="http://schemas.microsoft.com/office/powerpoint/2010/main">
+    <mc:Choice Requires="p14">
       <p:transition spd="slow" p14:dur="2000"/>
     </mc:Choice>
-    <mc:Fallback>
+    <mc:Fallback xmlns="">
       <p:transition xmlns:p14="http://schemas.microsoft.com/office/powerpoint/2010/main" spd="slow"/>
     </mc:Fallback>
   </mc:AlternateContent>
@@ -41956,7 +41949,7 @@
           <a:p>
             <a:r>
               <a:rPr lang="en-GB" dirty="0" smtClean="0"/>
-              <a:t>Image Types – Host API</a:t>
+              <a:t>Checking for Image Support</a:t>
             </a:r>
             <a:endParaRPr lang="en-GB" dirty="0"/>
           </a:p>
@@ -41983,34 +41976,14 @@
               <a:buNone/>
             </a:pPr>
             <a:r>
-              <a:rPr lang="en-GB" b="1" dirty="0">
-                <a:solidFill>
-                  <a:srgbClr val="3366FF"/>
-                </a:solidFill>
-                <a:latin typeface="Courier New"/>
-                <a:cs typeface="Courier New"/>
-              </a:rPr>
-              <a:t>cl::</a:t>
-            </a:r>
-            <a:r>
-              <a:rPr lang="en-GB" b="1" dirty="0" err="1">
-                <a:solidFill>
-                  <a:srgbClr val="3366FF"/>
-                </a:solidFill>
-                <a:latin typeface="Courier New"/>
-                <a:cs typeface="Courier New"/>
-              </a:rPr>
-              <a:t>ImageFormat</a:t>
-            </a:r>
-            <a:r>
-              <a:rPr lang="en-GB" b="1" dirty="0">
-                <a:solidFill>
-                  <a:srgbClr val="3366FF"/>
-                </a:solidFill>
-                <a:latin typeface="Courier New"/>
-                <a:cs typeface="Courier New"/>
-              </a:rPr>
-              <a:t> format(</a:t>
+              <a:rPr lang="en-GB" b="1" dirty="0" smtClean="0">
+                <a:solidFill>
+                  <a:srgbClr val="3366FF"/>
+                </a:solidFill>
+                <a:latin typeface="Courier New"/>
+                <a:cs typeface="Courier New"/>
+              </a:rPr>
+              <a:t>// Check if device supports images</a:t>
             </a:r>
           </a:p>
           <a:p>
@@ -42018,14 +41991,44 @@
               <a:buNone/>
             </a:pPr>
             <a:r>
-              <a:rPr lang="en-GB" b="1" dirty="0">
-                <a:solidFill>
-                  <a:srgbClr val="3366FF"/>
-                </a:solidFill>
-                <a:latin typeface="Courier New"/>
-                <a:cs typeface="Courier New"/>
-              </a:rPr>
-              <a:t>  CL_RGBA,      // channel order</a:t>
+              <a:rPr lang="en-GB" b="1" dirty="0" err="1" smtClean="0">
+                <a:solidFill>
+                  <a:srgbClr val="3366FF"/>
+                </a:solidFill>
+                <a:latin typeface="Courier New"/>
+                <a:cs typeface="Courier New"/>
+              </a:rPr>
+              <a:t>cl_bool</a:t>
+            </a:r>
+            <a:r>
+              <a:rPr lang="en-GB" b="1" dirty="0" smtClean="0">
+                <a:solidFill>
+                  <a:srgbClr val="3366FF"/>
+                </a:solidFill>
+                <a:latin typeface="Courier New"/>
+                <a:cs typeface="Courier New"/>
+              </a:rPr>
+              <a:t> </a:t>
+            </a:r>
+            <a:r>
+              <a:rPr lang="en-GB" b="1" dirty="0" err="1" smtClean="0">
+                <a:solidFill>
+                  <a:srgbClr val="3366FF"/>
+                </a:solidFill>
+                <a:latin typeface="Courier New"/>
+                <a:cs typeface="Courier New"/>
+              </a:rPr>
+              <a:t>imageSupport</a:t>
+            </a:r>
+            <a:r>
+              <a:rPr lang="en-GB" b="1" dirty="0" smtClean="0">
+                <a:solidFill>
+                  <a:srgbClr val="3366FF"/>
+                </a:solidFill>
+                <a:latin typeface="Courier New"/>
+                <a:cs typeface="Courier New"/>
+              </a:rPr>
+              <a:t>;</a:t>
             </a:r>
           </a:p>
           <a:p>
@@ -42033,22 +42036,76 @@
               <a:buNone/>
             </a:pPr>
             <a:r>
-              <a:rPr lang="en-GB" b="1" dirty="0">
-                <a:solidFill>
-                  <a:srgbClr val="3366FF"/>
-                </a:solidFill>
-                <a:latin typeface="Courier New"/>
-                <a:cs typeface="Courier New"/>
-              </a:rPr>
-              <a:t>  CL_UNORM_INT8 // channel data type</a:t>
-            </a:r>
+              <a:rPr lang="en-GB" b="1" dirty="0" err="1" smtClean="0">
+                <a:solidFill>
+                  <a:srgbClr val="3366FF"/>
+                </a:solidFill>
+                <a:latin typeface="Courier New"/>
+                <a:cs typeface="Courier New"/>
+              </a:rPr>
+              <a:t>device.getInfo</a:t>
+            </a:r>
+            <a:endParaRPr lang="en-GB" b="1" dirty="0" smtClean="0">
+              <a:solidFill>
+                <a:srgbClr val="3366FF"/>
+              </a:solidFill>
+              <a:latin typeface="Courier New"/>
+              <a:cs typeface="Courier New"/>
+            </a:endParaRPr>
           </a:p>
           <a:p>
             <a:pPr marL="0" indent="0">
               <a:buNone/>
             </a:pPr>
             <a:r>
-              <a:rPr lang="en-GB" b="1" dirty="0">
+              <a:rPr lang="en-GB" b="1" dirty="0" smtClean="0">
+                <a:solidFill>
+                  <a:srgbClr val="3366FF"/>
+                </a:solidFill>
+                <a:latin typeface="Courier New"/>
+                <a:cs typeface="Courier New"/>
+              </a:rPr>
+              <a:t>  &lt;CL_DEVICE_IMAGE_SUPPORT&gt;(</a:t>
+            </a:r>
+          </a:p>
+          <a:p>
+            <a:pPr marL="0" indent="0">
+              <a:buNone/>
+            </a:pPr>
+            <a:r>
+              <a:rPr lang="en-GB" b="1" dirty="0" smtClean="0">
+                <a:solidFill>
+                  <a:srgbClr val="3366FF"/>
+                </a:solidFill>
+                <a:latin typeface="Courier New"/>
+                <a:cs typeface="Courier New"/>
+              </a:rPr>
+              <a:t>  &amp;</a:t>
+            </a:r>
+            <a:r>
+              <a:rPr lang="en-GB" b="1" dirty="0" err="1" smtClean="0">
+                <a:solidFill>
+                  <a:srgbClr val="3366FF"/>
+                </a:solidFill>
+                <a:latin typeface="Courier New"/>
+                <a:cs typeface="Courier New"/>
+              </a:rPr>
+              <a:t>imageSupport</a:t>
+            </a:r>
+            <a:endParaRPr lang="en-GB" b="1" dirty="0" smtClean="0">
+              <a:solidFill>
+                <a:srgbClr val="3366FF"/>
+              </a:solidFill>
+              <a:latin typeface="Courier New"/>
+              <a:cs typeface="Courier New"/>
+            </a:endParaRPr>
+          </a:p>
+          <a:p>
+            <a:pPr marL="0" indent="0">
+              <a:buNone/>
+            </a:pPr>
+            <a:r>
+              <a:rPr lang="en-GB" b="1" dirty="0" smtClean="0">
                 <a:solidFill>
                   <a:srgbClr val="3366FF"/>
                 </a:solidFill>
@@ -42057,6 +42114,30 @@
               </a:rPr>
               <a:t>);</a:t>
             </a:r>
+          </a:p>
+          <a:p>
+            <a:pPr marL="0" indent="0">
+              <a:buNone/>
+            </a:pPr>
+            <a:endParaRPr lang="en-GB" b="1" dirty="0" smtClean="0">
+              <a:solidFill>
+                <a:srgbClr val="3366FF"/>
+              </a:solidFill>
+              <a:latin typeface="Courier New"/>
+              <a:cs typeface="Courier New"/>
+            </a:endParaRPr>
+          </a:p>
+          <a:p>
+            <a:pPr marL="0" indent="0">
+              <a:buNone/>
+            </a:pPr>
+            <a:endParaRPr lang="en-GB" b="1" dirty="0" smtClean="0">
+              <a:solidFill>
+                <a:srgbClr val="3366FF"/>
+              </a:solidFill>
+              <a:latin typeface="Courier New"/>
+              <a:cs typeface="Courier New"/>
+            </a:endParaRPr>
           </a:p>
           <a:p>
             <a:pPr marL="0" indent="0">
@@ -42075,34 +42156,14 @@
               <a:buNone/>
             </a:pPr>
             <a:r>
-              <a:rPr lang="en-GB" b="1" dirty="0">
-                <a:solidFill>
-                  <a:srgbClr val="3366FF"/>
-                </a:solidFill>
-                <a:latin typeface="Courier New"/>
-                <a:cs typeface="Courier New"/>
-              </a:rPr>
-              <a:t>cl::Image2D </a:t>
-            </a:r>
-            <a:r>
-              <a:rPr lang="en-GB" b="1" dirty="0" err="1">
-                <a:solidFill>
-                  <a:srgbClr val="3366FF"/>
-                </a:solidFill>
-                <a:latin typeface="Courier New"/>
-                <a:cs typeface="Courier New"/>
-              </a:rPr>
-              <a:t>d_image</a:t>
-            </a:r>
-            <a:r>
-              <a:rPr lang="en-GB" b="1" dirty="0">
-                <a:solidFill>
-                  <a:srgbClr val="3366FF"/>
-                </a:solidFill>
-                <a:latin typeface="Courier New"/>
-                <a:cs typeface="Courier New"/>
-              </a:rPr>
-              <a:t>(</a:t>
+              <a:rPr lang="en-GB" b="1" dirty="0" smtClean="0">
+                <a:solidFill>
+                  <a:srgbClr val="3366FF"/>
+                </a:solidFill>
+                <a:latin typeface="Courier New"/>
+                <a:cs typeface="Courier New"/>
+              </a:rPr>
+              <a:t>// Check maximum image dimensions</a:t>
             </a:r>
           </a:p>
           <a:p>
@@ -42110,14 +42171,64 @@
               <a:buNone/>
             </a:pPr>
             <a:r>
-              <a:rPr lang="en-GB" b="1" dirty="0">
-                <a:solidFill>
-                  <a:srgbClr val="3366FF"/>
-                </a:solidFill>
-                <a:latin typeface="Courier New"/>
-                <a:cs typeface="Courier New"/>
-              </a:rPr>
-              <a:t>  context,          // context object</a:t>
+              <a:rPr lang="en-GB" b="1" dirty="0" err="1" smtClean="0">
+                <a:solidFill>
+                  <a:srgbClr val="3366FF"/>
+                </a:solidFill>
+                <a:latin typeface="Courier New"/>
+                <a:cs typeface="Courier New"/>
+              </a:rPr>
+              <a:t>size_t</a:t>
+            </a:r>
+            <a:r>
+              <a:rPr lang="en-GB" b="1" dirty="0" smtClean="0">
+                <a:solidFill>
+                  <a:srgbClr val="3366FF"/>
+                </a:solidFill>
+                <a:latin typeface="Courier New"/>
+                <a:cs typeface="Courier New"/>
+              </a:rPr>
+              <a:t> </a:t>
+            </a:r>
+            <a:r>
+              <a:rPr lang="en-GB" b="1" dirty="0" err="1" smtClean="0">
+                <a:solidFill>
+                  <a:srgbClr val="3366FF"/>
+                </a:solidFill>
+                <a:latin typeface="Courier New"/>
+                <a:cs typeface="Courier New"/>
+              </a:rPr>
+              <a:t>maxWidth</a:t>
+            </a:r>
+            <a:r>
+              <a:rPr lang="en-GB" b="1" dirty="0" smtClean="0">
+                <a:solidFill>
+                  <a:srgbClr val="3366FF"/>
+                </a:solidFill>
+                <a:latin typeface="Courier New"/>
+                <a:cs typeface="Courier New"/>
+              </a:rPr>
+              <a:t>, </a:t>
+            </a:r>
+            <a:r>
+              <a:rPr lang="en-GB" b="1" dirty="0" err="1" smtClean="0">
+                <a:solidFill>
+                  <a:srgbClr val="3366FF"/>
+                </a:solidFill>
+                <a:latin typeface="Courier New"/>
+                <a:cs typeface="Courier New"/>
+              </a:rPr>
+              <a:t>maxHeight</a:t>
+            </a:r>
+            <a:r>
+              <a:rPr lang="en-GB" b="1" dirty="0" smtClean="0">
+                <a:solidFill>
+                  <a:srgbClr val="3366FF"/>
+                </a:solidFill>
+                <a:latin typeface="Courier New"/>
+                <a:cs typeface="Courier New"/>
+              </a:rPr>
+              <a:t>;</a:t>
             </a:r>
           </a:p>
           <a:p>
@@ -42125,15 +42236,22 @@
               <a:buNone/>
             </a:pPr>
             <a:r>
-              <a:rPr lang="en-GB" b="1" dirty="0">
-                <a:solidFill>
-                  <a:srgbClr val="3366FF"/>
-                </a:solidFill>
-                <a:latin typeface="Courier New"/>
-                <a:cs typeface="Courier New"/>
-              </a:rPr>
-              <a:t>  CL_MEM_READ_ONLY, // memory access flags</a:t>
-            </a:r>
+              <a:rPr lang="en-GB" b="1" dirty="0" err="1" smtClean="0">
+                <a:solidFill>
+                  <a:srgbClr val="3366FF"/>
+                </a:solidFill>
+                <a:latin typeface="Courier New"/>
+                <a:cs typeface="Courier New"/>
+              </a:rPr>
+              <a:t>device.getInfo</a:t>
+            </a:r>
+            <a:endParaRPr lang="en-GB" b="1" dirty="0" smtClean="0">
+              <a:solidFill>
+                <a:srgbClr val="3366FF"/>
+              </a:solidFill>
+              <a:latin typeface="Courier New"/>
+              <a:cs typeface="Courier New"/>
+            </a:endParaRPr>
           </a:p>
           <a:p>
             <a:pPr marL="0" indent="0">
@@ -42147,7 +42265,17 @@
                 <a:latin typeface="Courier New"/>
                 <a:cs typeface="Courier New"/>
               </a:rPr>
-              <a:t>  format,           // image format (above)</a:t>
+              <a:t> </a:t>
+            </a:r>
+            <a:r>
+              <a:rPr lang="en-GB" b="1" dirty="0" smtClean="0">
+                <a:solidFill>
+                  <a:srgbClr val="3366FF"/>
+                </a:solidFill>
+                <a:latin typeface="Courier New"/>
+                <a:cs typeface="Courier New"/>
+              </a:rPr>
+              <a:t> &lt;CL_DEVICE_IMAGE2D_MAX_WIDTH&gt;(</a:t>
             </a:r>
           </a:p>
           <a:p>
@@ -42162,22 +42290,49 @@
                 <a:latin typeface="Courier New"/>
                 <a:cs typeface="Courier New"/>
               </a:rPr>
-              <a:t>  width,            // image width</a:t>
-            </a:r>
+              <a:t> </a:t>
+            </a:r>
+            <a:r>
+              <a:rPr lang="en-GB" b="1" dirty="0" smtClean="0">
+                <a:solidFill>
+                  <a:srgbClr val="3366FF"/>
+                </a:solidFill>
+                <a:latin typeface="Courier New"/>
+                <a:cs typeface="Courier New"/>
+              </a:rPr>
+              <a:t> &amp;</a:t>
+            </a:r>
+            <a:r>
+              <a:rPr lang="en-GB" b="1" dirty="0" err="1" smtClean="0">
+                <a:solidFill>
+                  <a:srgbClr val="3366FF"/>
+                </a:solidFill>
+                <a:latin typeface="Courier New"/>
+                <a:cs typeface="Courier New"/>
+              </a:rPr>
+              <a:t>maxWidth</a:t>
+            </a:r>
+            <a:endParaRPr lang="en-GB" b="1" dirty="0" smtClean="0">
+              <a:solidFill>
+                <a:srgbClr val="3366FF"/>
+              </a:solidFill>
+              <a:latin typeface="Courier New"/>
+              <a:cs typeface="Courier New"/>
+            </a:endParaRPr>
           </a:p>
           <a:p>
             <a:pPr marL="0" indent="0">
               <a:buNone/>
             </a:pPr>
             <a:r>
-              <a:rPr lang="en-GB" b="1" dirty="0">
-                <a:solidFill>
-                  <a:srgbClr val="3366FF"/>
-                </a:solidFill>
-                <a:latin typeface="Courier New"/>
-                <a:cs typeface="Courier New"/>
-              </a:rPr>
-              <a:t>  height,           // image height</a:t>
+              <a:rPr lang="en-GB" b="1" dirty="0" smtClean="0">
+                <a:solidFill>
+                  <a:srgbClr val="3366FF"/>
+                </a:solidFill>
+                <a:latin typeface="Courier New"/>
+                <a:cs typeface="Courier New"/>
+              </a:rPr>
+              <a:t>);</a:t>
             </a:r>
           </a:p>
           <a:p>
@@ -42185,20 +42340,536 @@
               <a:buNone/>
             </a:pPr>
             <a:r>
-              <a:rPr lang="en-GB" b="1" dirty="0">
-                <a:solidFill>
-                  <a:srgbClr val="3366FF"/>
-                </a:solidFill>
-                <a:latin typeface="Courier New"/>
-                <a:cs typeface="Courier New"/>
-              </a:rPr>
-              <a:t>);</a:t>
-            </a:r>
+              <a:rPr lang="en-GB" b="1" dirty="0" err="1" smtClean="0">
+                <a:solidFill>
+                  <a:srgbClr val="3366FF"/>
+                </a:solidFill>
+                <a:latin typeface="Courier New"/>
+                <a:cs typeface="Courier New"/>
+              </a:rPr>
+              <a:t>device.getInfo</a:t>
+            </a:r>
+            <a:endParaRPr lang="en-GB" b="1" dirty="0" smtClean="0">
+              <a:solidFill>
+                <a:srgbClr val="3366FF"/>
+              </a:solidFill>
+              <a:latin typeface="Courier New"/>
+              <a:cs typeface="Courier New"/>
+            </a:endParaRPr>
           </a:p>
           <a:p>
             <a:pPr marL="0" indent="0">
               <a:buNone/>
             </a:pPr>
+            <a:r>
+              <a:rPr lang="en-GB" b="1" dirty="0">
+                <a:solidFill>
+                  <a:srgbClr val="3366FF"/>
+                </a:solidFill>
+                <a:latin typeface="Courier New"/>
+                <a:cs typeface="Courier New"/>
+              </a:rPr>
+              <a:t> </a:t>
+            </a:r>
+            <a:r>
+              <a:rPr lang="en-GB" b="1" dirty="0" smtClean="0">
+                <a:solidFill>
+                  <a:srgbClr val="3366FF"/>
+                </a:solidFill>
+                <a:latin typeface="Courier New"/>
+                <a:cs typeface="Courier New"/>
+              </a:rPr>
+              <a:t> &lt;CL_DEVICE_IMAGE2D_MAX_HEIGHT&gt;(</a:t>
+            </a:r>
+          </a:p>
+          <a:p>
+            <a:pPr marL="0" indent="0">
+              <a:buNone/>
+            </a:pPr>
+            <a:r>
+              <a:rPr lang="en-GB" b="1" dirty="0">
+                <a:solidFill>
+                  <a:srgbClr val="3366FF"/>
+                </a:solidFill>
+                <a:latin typeface="Courier New"/>
+                <a:cs typeface="Courier New"/>
+              </a:rPr>
+              <a:t> </a:t>
+            </a:r>
+            <a:r>
+              <a:rPr lang="en-GB" b="1" dirty="0" smtClean="0">
+                <a:solidFill>
+                  <a:srgbClr val="3366FF"/>
+                </a:solidFill>
+                <a:latin typeface="Courier New"/>
+                <a:cs typeface="Courier New"/>
+              </a:rPr>
+              <a:t> &amp;</a:t>
+            </a:r>
+            <a:r>
+              <a:rPr lang="en-GB" b="1" dirty="0" err="1" smtClean="0">
+                <a:solidFill>
+                  <a:srgbClr val="3366FF"/>
+                </a:solidFill>
+                <a:latin typeface="Courier New"/>
+                <a:cs typeface="Courier New"/>
+              </a:rPr>
+              <a:t>maxHeight</a:t>
+            </a:r>
+            <a:endParaRPr lang="en-GB" b="1" dirty="0" smtClean="0">
+              <a:solidFill>
+                <a:srgbClr val="3366FF"/>
+              </a:solidFill>
+              <a:latin typeface="Courier New"/>
+              <a:cs typeface="Courier New"/>
+            </a:endParaRPr>
+          </a:p>
+          <a:p>
+            <a:pPr marL="0" indent="0">
+              <a:buNone/>
+            </a:pPr>
+            <a:r>
+              <a:rPr lang="en-GB" b="1" dirty="0" smtClean="0">
+                <a:solidFill>
+                  <a:srgbClr val="3366FF"/>
+                </a:solidFill>
+                <a:latin typeface="Courier New"/>
+                <a:cs typeface="Courier New"/>
+              </a:rPr>
+              <a:t>)</a:t>
+            </a:r>
+            <a:r>
+              <a:rPr lang="en-GB" b="1" dirty="0">
+                <a:solidFill>
+                  <a:srgbClr val="3366FF"/>
+                </a:solidFill>
+                <a:latin typeface="Courier New"/>
+                <a:cs typeface="Courier New"/>
+              </a:rPr>
+              <a:t>;</a:t>
+            </a:r>
+            <a:endParaRPr lang="en-GB" b="1" dirty="0" smtClean="0">
+              <a:solidFill>
+                <a:srgbClr val="3366FF"/>
+              </a:solidFill>
+              <a:latin typeface="Courier New"/>
+              <a:cs typeface="Courier New"/>
+            </a:endParaRPr>
+          </a:p>
+          <a:p>
+            <a:pPr marL="0" indent="0">
+              <a:buNone/>
+            </a:pPr>
+            <a:endParaRPr lang="en-GB" b="1" dirty="0" smtClean="0">
+              <a:solidFill>
+                <a:srgbClr val="3366FF"/>
+              </a:solidFill>
+              <a:latin typeface="Courier New"/>
+              <a:cs typeface="Courier New"/>
+            </a:endParaRPr>
+          </a:p>
+          <a:p>
+            <a:pPr marL="0" indent="0">
+              <a:buNone/>
+            </a:pPr>
+            <a:endParaRPr lang="en-GB" b="1" dirty="0" smtClean="0">
+              <a:solidFill>
+                <a:srgbClr val="3366FF"/>
+              </a:solidFill>
+              <a:latin typeface="Courier New"/>
+              <a:cs typeface="Courier New"/>
+            </a:endParaRPr>
+          </a:p>
+          <a:p>
+            <a:pPr marL="0" indent="0">
+              <a:buNone/>
+            </a:pPr>
+            <a:endParaRPr lang="en-GB" b="1" dirty="0" smtClean="0">
+              <a:solidFill>
+                <a:srgbClr val="3366FF"/>
+              </a:solidFill>
+              <a:latin typeface="Courier New"/>
+              <a:cs typeface="Courier New"/>
+            </a:endParaRPr>
+          </a:p>
+          <a:p>
+            <a:pPr marL="0" indent="0">
+              <a:buNone/>
+            </a:pPr>
+            <a:r>
+              <a:rPr lang="en-GB" b="1" dirty="0" smtClean="0">
+                <a:solidFill>
+                  <a:srgbClr val="3366FF"/>
+                </a:solidFill>
+                <a:latin typeface="Courier New"/>
+                <a:cs typeface="Courier New"/>
+              </a:rPr>
+              <a:t>// Get list of supported image formats</a:t>
+            </a:r>
+          </a:p>
+          <a:p>
+            <a:pPr marL="0" indent="0">
+              <a:buNone/>
+            </a:pPr>
+            <a:r>
+              <a:rPr lang="en-GB" b="1" dirty="0" err="1" smtClean="0">
+                <a:solidFill>
+                  <a:srgbClr val="3366FF"/>
+                </a:solidFill>
+                <a:latin typeface="Courier New"/>
+                <a:cs typeface="Courier New"/>
+              </a:rPr>
+              <a:t>std</a:t>
+            </a:r>
+            <a:r>
+              <a:rPr lang="en-GB" b="1" dirty="0" smtClean="0">
+                <a:solidFill>
+                  <a:srgbClr val="3366FF"/>
+                </a:solidFill>
+                <a:latin typeface="Courier New"/>
+                <a:cs typeface="Courier New"/>
+              </a:rPr>
+              <a:t>::vector&lt;cl::</a:t>
+            </a:r>
+            <a:r>
+              <a:rPr lang="en-GB" b="1" dirty="0" err="1" smtClean="0">
+                <a:solidFill>
+                  <a:srgbClr val="3366FF"/>
+                </a:solidFill>
+                <a:latin typeface="Courier New"/>
+                <a:cs typeface="Courier New"/>
+              </a:rPr>
+              <a:t>ImageFormat</a:t>
+            </a:r>
+            <a:r>
+              <a:rPr lang="en-GB" b="1" dirty="0" smtClean="0">
+                <a:solidFill>
+                  <a:srgbClr val="3366FF"/>
+                </a:solidFill>
+                <a:latin typeface="Courier New"/>
+                <a:cs typeface="Courier New"/>
+              </a:rPr>
+              <a:t>&gt; formats;</a:t>
+            </a:r>
+          </a:p>
+          <a:p>
+            <a:pPr marL="0" indent="0">
+              <a:buNone/>
+            </a:pPr>
+            <a:r>
+              <a:rPr lang="en-GB" b="1" dirty="0" err="1" smtClean="0">
+                <a:solidFill>
+                  <a:srgbClr val="3366FF"/>
+                </a:solidFill>
+                <a:latin typeface="Courier New"/>
+                <a:cs typeface="Courier New"/>
+              </a:rPr>
+              <a:t>context.getSupportedImageFormats</a:t>
+            </a:r>
+            <a:r>
+              <a:rPr lang="en-GB" b="1" dirty="0" smtClean="0">
+                <a:solidFill>
+                  <a:srgbClr val="3366FF"/>
+                </a:solidFill>
+                <a:latin typeface="Courier New"/>
+                <a:cs typeface="Courier New"/>
+              </a:rPr>
+              <a:t>(</a:t>
+            </a:r>
+          </a:p>
+          <a:p>
+            <a:pPr marL="0" indent="0">
+              <a:buNone/>
+            </a:pPr>
+            <a:r>
+              <a:rPr lang="en-GB" b="1" dirty="0">
+                <a:solidFill>
+                  <a:srgbClr val="3366FF"/>
+                </a:solidFill>
+                <a:latin typeface="Courier New"/>
+                <a:cs typeface="Courier New"/>
+              </a:rPr>
+              <a:t> </a:t>
+            </a:r>
+            <a:r>
+              <a:rPr lang="en-GB" b="1" dirty="0" smtClean="0">
+                <a:solidFill>
+                  <a:srgbClr val="3366FF"/>
+                </a:solidFill>
+                <a:latin typeface="Courier New"/>
+                <a:cs typeface="Courier New"/>
+              </a:rPr>
+              <a:t> CL_MEM_READ_WRITE,</a:t>
+            </a:r>
+          </a:p>
+          <a:p>
+            <a:pPr marL="0" indent="0">
+              <a:buNone/>
+            </a:pPr>
+            <a:r>
+              <a:rPr lang="en-GB" b="1" dirty="0">
+                <a:solidFill>
+                  <a:srgbClr val="3366FF"/>
+                </a:solidFill>
+                <a:latin typeface="Courier New"/>
+                <a:cs typeface="Courier New"/>
+              </a:rPr>
+              <a:t> </a:t>
+            </a:r>
+            <a:r>
+              <a:rPr lang="en-GB" b="1" dirty="0" smtClean="0">
+                <a:solidFill>
+                  <a:srgbClr val="3366FF"/>
+                </a:solidFill>
+                <a:latin typeface="Courier New"/>
+                <a:cs typeface="Courier New"/>
+              </a:rPr>
+              <a:t> CL_MEM_OBJECT_IMAGE2D,</a:t>
+            </a:r>
+          </a:p>
+          <a:p>
+            <a:pPr marL="0" indent="0">
+              <a:buNone/>
+            </a:pPr>
+            <a:r>
+              <a:rPr lang="en-GB" b="1" dirty="0">
+                <a:solidFill>
+                  <a:srgbClr val="3366FF"/>
+                </a:solidFill>
+                <a:latin typeface="Courier New"/>
+                <a:cs typeface="Courier New"/>
+              </a:rPr>
+              <a:t> </a:t>
+            </a:r>
+            <a:r>
+              <a:rPr lang="en-GB" b="1" dirty="0" smtClean="0">
+                <a:solidFill>
+                  <a:srgbClr val="3366FF"/>
+                </a:solidFill>
+                <a:latin typeface="Courier New"/>
+                <a:cs typeface="Courier New"/>
+              </a:rPr>
+              <a:t> &amp;formats</a:t>
+            </a:r>
+          </a:p>
+          <a:p>
+            <a:pPr marL="0" indent="0">
+              <a:buNone/>
+            </a:pPr>
+            <a:r>
+              <a:rPr lang="en-GB" b="1" dirty="0" smtClean="0">
+                <a:solidFill>
+                  <a:srgbClr val="3366FF"/>
+                </a:solidFill>
+                <a:latin typeface="Courier New"/>
+                <a:cs typeface="Courier New"/>
+              </a:rPr>
+              <a:t>);</a:t>
+            </a:r>
+          </a:p>
+          <a:p>
+            <a:pPr marL="0" indent="0">
+              <a:buNone/>
+            </a:pPr>
+            <a:endParaRPr lang="en-GB" b="1" dirty="0" smtClean="0">
+              <a:solidFill>
+                <a:srgbClr val="3366FF"/>
+              </a:solidFill>
+              <a:latin typeface="Courier New"/>
+              <a:cs typeface="Courier New"/>
+            </a:endParaRPr>
+          </a:p>
+        </p:txBody>
+      </p:sp>
+      <p:sp>
+        <p:nvSpPr>
+          <p:cNvPr id="4" name="Text Placeholder 3"/>
+          <p:cNvSpPr>
+            <a:spLocks noGrp="1"/>
+          </p:cNvSpPr>
+          <p:nvPr>
+            <p:ph type="body" sz="half" idx="2"/>
+          </p:nvPr>
+        </p:nvSpPr>
+        <p:spPr>
+          <a:xfrm>
+            <a:off x="251520" y="1435100"/>
+            <a:ext cx="3240360" cy="4691063"/>
+          </a:xfrm>
+        </p:spPr>
+        <p:txBody>
+          <a:bodyPr>
+            <a:normAutofit/>
+          </a:bodyPr>
+          <a:lstStyle/>
+          <a:p>
+            <a:pPr marL="285750" indent="-285750">
+              <a:buFont typeface="Arial"/>
+              <a:buChar char="•"/>
+            </a:pPr>
+            <a:r>
+              <a:rPr lang="en-GB" dirty="0" smtClean="0"/>
+              <a:t>Presence of image support can be queried with </a:t>
+            </a:r>
+            <a:r>
+              <a:rPr lang="en-GB" b="1" dirty="0" err="1" smtClean="0">
+                <a:solidFill>
+                  <a:srgbClr val="3366FF"/>
+                </a:solidFill>
+                <a:latin typeface="Courier New"/>
+                <a:cs typeface="Courier New"/>
+              </a:rPr>
+              <a:t>getDeviceInfo</a:t>
+            </a:r>
+            <a:r>
+              <a:rPr lang="en-GB" b="1" dirty="0" smtClean="0">
+                <a:solidFill>
+                  <a:srgbClr val="3366FF"/>
+                </a:solidFill>
+                <a:latin typeface="Courier New"/>
+                <a:cs typeface="Courier New"/>
+              </a:rPr>
+              <a:t>()</a:t>
+            </a:r>
+            <a:r>
+              <a:rPr lang="en-GB" dirty="0" smtClean="0"/>
+              <a:t> and the </a:t>
+            </a:r>
+            <a:r>
+              <a:rPr lang="en-GB" b="1" dirty="0" smtClean="0">
+                <a:solidFill>
+                  <a:srgbClr val="3366FF"/>
+                </a:solidFill>
+                <a:latin typeface="Courier New"/>
+                <a:cs typeface="Courier New"/>
+              </a:rPr>
+              <a:t>CL_DEVICE_IMAGE_SUPPORT</a:t>
+            </a:r>
+            <a:r>
+              <a:rPr lang="en-GB" dirty="0" smtClean="0">
+                <a:solidFill>
+                  <a:srgbClr val="3366FF"/>
+                </a:solidFill>
+              </a:rPr>
+              <a:t> </a:t>
+            </a:r>
+            <a:r>
+              <a:rPr lang="en-GB" dirty="0" smtClean="0"/>
+              <a:t>parameter</a:t>
+            </a:r>
+          </a:p>
+          <a:p>
+            <a:pPr marL="285750" indent="-285750">
+              <a:buFont typeface="Arial"/>
+              <a:buChar char="•"/>
+            </a:pPr>
+            <a:r>
+              <a:rPr lang="en-GB" dirty="0" smtClean="0"/>
+              <a:t>The runtime will define the </a:t>
+            </a:r>
+            <a:r>
+              <a:rPr lang="en-GB" dirty="0" err="1" smtClean="0"/>
+              <a:t>preprocessor</a:t>
+            </a:r>
+            <a:r>
+              <a:rPr lang="en-GB" dirty="0" smtClean="0"/>
+              <a:t> macro </a:t>
+            </a:r>
+            <a:r>
+              <a:rPr lang="en-GB" b="1" dirty="0" smtClean="0">
+                <a:solidFill>
+                  <a:srgbClr val="3366FF"/>
+                </a:solidFill>
+                <a:latin typeface="Courier New"/>
+                <a:cs typeface="Courier New"/>
+              </a:rPr>
+              <a:t>__IMAGE_SUPPORT__=1</a:t>
+            </a:r>
+            <a:r>
+              <a:rPr lang="en-GB" dirty="0" smtClean="0"/>
+              <a:t> when building programs if images are supported</a:t>
+            </a:r>
+          </a:p>
+          <a:p>
+            <a:pPr marL="285750" indent="-285750">
+              <a:buFont typeface="Arial"/>
+              <a:buChar char="•"/>
+            </a:pPr>
+            <a:r>
+              <a:rPr lang="en-GB" dirty="0" smtClean="0"/>
+              <a:t>Maximum image dimensions can be queried with </a:t>
+            </a:r>
+            <a:r>
+              <a:rPr lang="en-GB" b="1" dirty="0" err="1" smtClean="0">
+                <a:solidFill>
+                  <a:srgbClr val="3366FF"/>
+                </a:solidFill>
+                <a:latin typeface="Courier New"/>
+                <a:cs typeface="Courier New"/>
+              </a:rPr>
+              <a:t>getDeviceInfo</a:t>
+            </a:r>
+            <a:r>
+              <a:rPr lang="en-GB" b="1" dirty="0" smtClean="0">
+                <a:solidFill>
+                  <a:srgbClr val="3366FF"/>
+                </a:solidFill>
+                <a:latin typeface="Courier New"/>
+                <a:cs typeface="Courier New"/>
+              </a:rPr>
+              <a:t>()</a:t>
+            </a:r>
+            <a:endParaRPr lang="en-GB" dirty="0" smtClean="0"/>
+          </a:p>
+          <a:p>
+            <a:pPr marL="742950" lvl="1" indent="-285750">
+              <a:buFont typeface="Arial"/>
+              <a:buChar char="•"/>
+            </a:pPr>
+            <a:r>
+              <a:rPr lang="en-GB" dirty="0" smtClean="0"/>
+              <a:t>Max for 2D must be at least 8192x8192</a:t>
+            </a:r>
+          </a:p>
+          <a:p>
+            <a:pPr marL="742950" lvl="1" indent="-285750">
+              <a:buFont typeface="Arial"/>
+              <a:buChar char="•"/>
+            </a:pPr>
+            <a:r>
+              <a:rPr lang="en-GB" dirty="0" smtClean="0"/>
+              <a:t>Max for 3D must be at least 2048x2048x2048</a:t>
+            </a:r>
+          </a:p>
+          <a:p>
+            <a:pPr marL="285750" indent="-285750">
+              <a:buFont typeface="Arial"/>
+              <a:buChar char="•"/>
+            </a:pPr>
+            <a:r>
+              <a:rPr lang="en-GB" dirty="0" smtClean="0"/>
+              <a:t>A list of image formats supported by the target device can be queried with </a:t>
+            </a:r>
+            <a:r>
+              <a:rPr lang="en-GB" b="1" dirty="0" err="1" smtClean="0">
+                <a:solidFill>
+                  <a:srgbClr val="3366FF"/>
+                </a:solidFill>
+                <a:latin typeface="Courier New"/>
+                <a:cs typeface="Courier New"/>
+              </a:rPr>
+              <a:t>getSupportedImageFormats</a:t>
+            </a:r>
+            <a:r>
+              <a:rPr lang="en-GB" b="1" dirty="0" smtClean="0">
+                <a:solidFill>
+                  <a:srgbClr val="3366FF"/>
+                </a:solidFill>
+                <a:latin typeface="Courier New"/>
+                <a:cs typeface="Courier New"/>
+              </a:rPr>
+              <a:t>()</a:t>
+            </a:r>
             <a:endParaRPr lang="en-GB" b="1" dirty="0">
               <a:solidFill>
                 <a:srgbClr val="3366FF"/>
@@ -42207,688 +42878,12 @@
               <a:cs typeface="Courier New"/>
             </a:endParaRPr>
           </a:p>
-          <a:p>
-            <a:pPr marL="0" indent="0">
-              <a:buNone/>
-            </a:pPr>
-            <a:r>
-              <a:rPr lang="hr-HR" b="1" dirty="0">
-                <a:solidFill>
-                  <a:srgbClr val="3366FF"/>
-                </a:solidFill>
-                <a:latin typeface="Courier New"/>
-                <a:cs typeface="Courier New"/>
-              </a:rPr>
-              <a:t>cl::size_t&lt;3&gt; origin;</a:t>
-            </a:r>
-          </a:p>
-          <a:p>
-            <a:pPr marL="0" indent="0">
-              <a:buNone/>
-            </a:pPr>
-            <a:r>
-              <a:rPr lang="hr-HR" b="1" dirty="0">
-                <a:solidFill>
-                  <a:srgbClr val="3366FF"/>
-                </a:solidFill>
-                <a:latin typeface="Courier New"/>
-                <a:cs typeface="Courier New"/>
-              </a:rPr>
-              <a:t>    origin[0] = origin[1] = origin[2] = 0;</a:t>
-            </a:r>
-          </a:p>
-          <a:p>
-            <a:pPr marL="0" indent="0">
-              <a:buNone/>
-            </a:pPr>
-            <a:r>
-              <a:rPr lang="hr-HR" b="1" dirty="0">
-                <a:solidFill>
-                  <a:srgbClr val="3366FF"/>
-                </a:solidFill>
-                <a:latin typeface="Courier New"/>
-                <a:cs typeface="Courier New"/>
-              </a:rPr>
-              <a:t>cl::size_t&lt;3&gt; region;</a:t>
-            </a:r>
-          </a:p>
-          <a:p>
-            <a:pPr marL="0" indent="0">
-              <a:buNone/>
-            </a:pPr>
-            <a:r>
-              <a:rPr lang="hr-HR" b="1" dirty="0">
-                <a:solidFill>
-                  <a:srgbClr val="3366FF"/>
-                </a:solidFill>
-                <a:latin typeface="Courier New"/>
-                <a:cs typeface="Courier New"/>
-              </a:rPr>
-              <a:t>    region[0] </a:t>
-            </a:r>
-            <a:r>
-              <a:rPr lang="hr-HR" b="1">
-                <a:solidFill>
-                  <a:srgbClr val="3366FF"/>
-                </a:solidFill>
-                <a:latin typeface="Courier New"/>
-                <a:cs typeface="Courier New"/>
-              </a:rPr>
-              <a:t>= </a:t>
-            </a:r>
-            <a:r>
-              <a:rPr lang="hr-HR" b="1" dirty="0">
-                <a:solidFill>
-                  <a:srgbClr val="3366FF"/>
-                </a:solidFill>
-                <a:latin typeface="Courier New"/>
-                <a:cs typeface="Courier New"/>
-              </a:rPr>
-              <a:t>image</a:t>
-            </a:r>
-            <a:r>
-              <a:rPr lang="hr-HR" b="1">
-                <a:solidFill>
-                  <a:srgbClr val="3366FF"/>
-                </a:solidFill>
-                <a:latin typeface="Courier New"/>
-                <a:cs typeface="Courier New"/>
-              </a:rPr>
-              <a:t>-&gt;</a:t>
-            </a:r>
-            <a:r>
-              <a:rPr lang="hr-HR" b="1" smtClean="0">
-                <a:solidFill>
-                  <a:srgbClr val="3366FF"/>
-                </a:solidFill>
-                <a:latin typeface="Courier New"/>
-                <a:cs typeface="Courier New"/>
-              </a:rPr>
-              <a:t>w;</a:t>
-            </a:r>
-            <a:endParaRPr lang="hr-HR" b="1" dirty="0">
-              <a:solidFill>
-                <a:srgbClr val="3366FF"/>
-              </a:solidFill>
-              <a:latin typeface="Courier New"/>
-              <a:cs typeface="Courier New"/>
-            </a:endParaRPr>
-          </a:p>
-          <a:p>
-            <a:pPr marL="0" indent="0">
-              <a:buNone/>
-            </a:pPr>
-            <a:r>
-              <a:rPr lang="hr-HR" b="1" dirty="0">
-                <a:solidFill>
-                  <a:srgbClr val="3366FF"/>
-                </a:solidFill>
-                <a:latin typeface="Courier New"/>
-                <a:cs typeface="Courier New"/>
-              </a:rPr>
-              <a:t>    region[1] </a:t>
-            </a:r>
-            <a:r>
-              <a:rPr lang="hr-HR" b="1">
-                <a:solidFill>
-                  <a:srgbClr val="3366FF"/>
-                </a:solidFill>
-                <a:latin typeface="Courier New"/>
-                <a:cs typeface="Courier New"/>
-              </a:rPr>
-              <a:t>= </a:t>
-            </a:r>
-            <a:r>
-              <a:rPr lang="hr-HR" b="1" dirty="0">
-                <a:solidFill>
-                  <a:srgbClr val="3366FF"/>
-                </a:solidFill>
-                <a:latin typeface="Courier New"/>
-                <a:cs typeface="Courier New"/>
-              </a:rPr>
-              <a:t>image</a:t>
-            </a:r>
-            <a:r>
-              <a:rPr lang="hr-HR" b="1">
-                <a:solidFill>
-                  <a:srgbClr val="3366FF"/>
-                </a:solidFill>
-                <a:latin typeface="Courier New"/>
-                <a:cs typeface="Courier New"/>
-              </a:rPr>
-              <a:t>-&gt;</a:t>
-            </a:r>
-            <a:r>
-              <a:rPr lang="hr-HR" b="1" smtClean="0">
-                <a:solidFill>
-                  <a:srgbClr val="3366FF"/>
-                </a:solidFill>
-                <a:latin typeface="Courier New"/>
-                <a:cs typeface="Courier New"/>
-              </a:rPr>
-              <a:t>h;</a:t>
-            </a:r>
-            <a:endParaRPr lang="hr-HR" b="1" dirty="0">
-              <a:solidFill>
-                <a:srgbClr val="3366FF"/>
-              </a:solidFill>
-              <a:latin typeface="Courier New"/>
-              <a:cs typeface="Courier New"/>
-            </a:endParaRPr>
-          </a:p>
-          <a:p>
-            <a:pPr marL="0" indent="0">
-              <a:buNone/>
-            </a:pPr>
-            <a:r>
-              <a:rPr lang="hr-HR" b="1" dirty="0">
-                <a:solidFill>
-                  <a:srgbClr val="3366FF"/>
-                </a:solidFill>
-                <a:latin typeface="Courier New"/>
-                <a:cs typeface="Courier New"/>
-              </a:rPr>
-              <a:t>    region[2] = 1;</a:t>
-            </a:r>
-            <a:endParaRPr lang="en-GB" b="1" dirty="0">
-              <a:solidFill>
-                <a:srgbClr val="3366FF"/>
-              </a:solidFill>
-              <a:latin typeface="Courier New"/>
-              <a:cs typeface="Courier New"/>
-            </a:endParaRPr>
-          </a:p>
-          <a:p>
-            <a:pPr marL="0" indent="0">
-              <a:buNone/>
-            </a:pPr>
-            <a:r>
-              <a:rPr lang="en-GB" b="1" dirty="0" err="1">
-                <a:solidFill>
-                  <a:srgbClr val="3366FF"/>
-                </a:solidFill>
-                <a:latin typeface="Courier New"/>
-                <a:cs typeface="Courier New"/>
-              </a:rPr>
-              <a:t>queue.enqueueWriteImage</a:t>
-            </a:r>
-            <a:r>
-              <a:rPr lang="en-GB" b="1" dirty="0">
-                <a:solidFill>
-                  <a:srgbClr val="3366FF"/>
-                </a:solidFill>
-                <a:latin typeface="Courier New"/>
-                <a:cs typeface="Courier New"/>
-              </a:rPr>
-              <a:t>(</a:t>
-            </a:r>
-          </a:p>
-          <a:p>
-            <a:pPr marL="0" indent="0">
-              <a:buNone/>
-            </a:pPr>
-            <a:r>
-              <a:rPr lang="en-GB" b="1" dirty="0">
-                <a:solidFill>
-                  <a:srgbClr val="3366FF"/>
-                </a:solidFill>
-                <a:latin typeface="Courier New"/>
-                <a:cs typeface="Courier New"/>
-              </a:rPr>
-              <a:t>  </a:t>
-            </a:r>
-            <a:r>
-              <a:rPr lang="en-GB" b="1" dirty="0" err="1">
-                <a:solidFill>
-                  <a:srgbClr val="3366FF"/>
-                </a:solidFill>
-                <a:latin typeface="Courier New"/>
-                <a:cs typeface="Courier New"/>
-              </a:rPr>
-              <a:t>d_image</a:t>
-            </a:r>
-            <a:r>
-              <a:rPr lang="en-GB" b="1" dirty="0">
-                <a:solidFill>
-                  <a:srgbClr val="3366FF"/>
-                </a:solidFill>
-                <a:latin typeface="Courier New"/>
-                <a:cs typeface="Courier New"/>
-              </a:rPr>
-              <a:t>,      // image object</a:t>
-            </a:r>
-          </a:p>
-          <a:p>
-            <a:pPr marL="0" indent="0">
-              <a:buNone/>
-            </a:pPr>
-            <a:r>
-              <a:rPr lang="en-GB" b="1" dirty="0">
-                <a:solidFill>
-                  <a:srgbClr val="3366FF"/>
-                </a:solidFill>
-                <a:latin typeface="Courier New"/>
-                <a:cs typeface="Courier New"/>
-              </a:rPr>
-              <a:t>  CL_TRUE,      // blocking read</a:t>
-            </a:r>
-          </a:p>
-          <a:p>
-            <a:pPr marL="0" indent="0">
-              <a:buNone/>
-            </a:pPr>
-            <a:r>
-              <a:rPr lang="en-GB" b="1" dirty="0">
-                <a:solidFill>
-                  <a:srgbClr val="3366FF"/>
-                </a:solidFill>
-                <a:latin typeface="Courier New"/>
-                <a:cs typeface="Courier New"/>
-              </a:rPr>
-              <a:t>  origin,       // origin of write</a:t>
-            </a:r>
-          </a:p>
-          <a:p>
-            <a:pPr marL="0" indent="0">
-              <a:buNone/>
-            </a:pPr>
-            <a:r>
-              <a:rPr lang="en-GB" b="1" dirty="0">
-                <a:solidFill>
-                  <a:srgbClr val="3366FF"/>
-                </a:solidFill>
-                <a:latin typeface="Courier New"/>
-                <a:cs typeface="Courier New"/>
-              </a:rPr>
-              <a:t>  region,       // region to write</a:t>
-            </a:r>
-          </a:p>
-          <a:p>
-            <a:pPr marL="0" indent="0">
-              <a:buNone/>
-            </a:pPr>
-            <a:r>
-              <a:rPr lang="en-GB" b="1" dirty="0">
-                <a:solidFill>
-                  <a:srgbClr val="3366FF"/>
-                </a:solidFill>
-                <a:latin typeface="Courier New"/>
-                <a:cs typeface="Courier New"/>
-              </a:rPr>
-              <a:t>  0,            // image row pitch</a:t>
-            </a:r>
-          </a:p>
-          <a:p>
-            <a:pPr marL="0" indent="0">
-              <a:buNone/>
-            </a:pPr>
-            <a:r>
-              <a:rPr lang="en-GB" b="1" dirty="0">
-                <a:solidFill>
-                  <a:srgbClr val="3366FF"/>
-                </a:solidFill>
-                <a:latin typeface="Courier New"/>
-                <a:cs typeface="Courier New"/>
-              </a:rPr>
-              <a:t>  0,            // image slice pitch (3D only)</a:t>
-            </a:r>
-          </a:p>
-          <a:p>
-            <a:pPr marL="0" indent="0">
-              <a:buNone/>
-            </a:pPr>
-            <a:r>
-              <a:rPr lang="en-GB" b="1" dirty="0">
-                <a:solidFill>
-                  <a:srgbClr val="3366FF"/>
-                </a:solidFill>
-                <a:latin typeface="Courier New"/>
-                <a:cs typeface="Courier New"/>
-              </a:rPr>
-              <a:t>  </a:t>
-            </a:r>
-            <a:r>
-              <a:rPr lang="en-GB" b="1" dirty="0" err="1">
-                <a:solidFill>
-                  <a:srgbClr val="3366FF"/>
-                </a:solidFill>
-                <a:latin typeface="Courier New"/>
-                <a:cs typeface="Courier New"/>
-              </a:rPr>
-              <a:t>h_image</a:t>
-            </a:r>
-            <a:r>
-              <a:rPr lang="en-GB" b="1" dirty="0">
-                <a:solidFill>
-                  <a:srgbClr val="3366FF"/>
-                </a:solidFill>
-                <a:latin typeface="Courier New"/>
-                <a:cs typeface="Courier New"/>
-              </a:rPr>
-              <a:t>,      // host data</a:t>
-            </a:r>
-          </a:p>
-          <a:p>
-            <a:pPr marL="0" indent="0">
-              <a:buNone/>
-            </a:pPr>
-            <a:r>
-              <a:rPr lang="en-GB" b="1" dirty="0">
-                <a:solidFill>
-                  <a:srgbClr val="3366FF"/>
-                </a:solidFill>
-                <a:latin typeface="Courier New"/>
-                <a:cs typeface="Courier New"/>
-              </a:rPr>
-              <a:t>);</a:t>
-            </a:r>
-          </a:p>
-        </p:txBody>
-      </p:sp>
-      <p:sp>
-        <p:nvSpPr>
-          <p:cNvPr id="4" name="Text Placeholder 3"/>
-          <p:cNvSpPr>
-            <a:spLocks noGrp="1"/>
-          </p:cNvSpPr>
-          <p:nvPr>
-            <p:ph type="body" sz="half" idx="2"/>
-          </p:nvPr>
-        </p:nvSpPr>
-        <p:spPr>
-          <a:xfrm>
-            <a:off x="251520" y="1435100"/>
-            <a:ext cx="3240360" cy="4691063"/>
-          </a:xfrm>
-        </p:spPr>
-        <p:txBody>
-          <a:bodyPr>
-            <a:normAutofit/>
-          </a:bodyPr>
-          <a:lstStyle/>
-          <a:p>
-            <a:pPr marL="285750" indent="-285750">
-              <a:buFont typeface="Arial"/>
-              <a:buChar char="•"/>
-            </a:pPr>
-            <a:r>
-              <a:rPr lang="en-GB" dirty="0"/>
-              <a:t>Image objects are created using the </a:t>
-            </a:r>
-            <a:r>
-              <a:rPr lang="en-GB" b="1" dirty="0">
-                <a:solidFill>
-                  <a:srgbClr val="3366FF"/>
-                </a:solidFill>
-                <a:latin typeface="Courier New"/>
-                <a:cs typeface="Courier New"/>
-              </a:rPr>
-              <a:t>Image2D </a:t>
-            </a:r>
-            <a:r>
-              <a:rPr lang="en-GB" dirty="0"/>
-              <a:t>and </a:t>
-            </a:r>
-            <a:r>
-              <a:rPr lang="en-GB" b="1" dirty="0">
-                <a:solidFill>
-                  <a:srgbClr val="3366FF"/>
-                </a:solidFill>
-                <a:latin typeface="Courier New"/>
-                <a:cs typeface="Courier New"/>
-              </a:rPr>
-              <a:t>Image3D </a:t>
-            </a:r>
-            <a:r>
-              <a:rPr lang="en-GB" dirty="0"/>
-              <a:t>types*</a:t>
-            </a:r>
-          </a:p>
-          <a:p>
-            <a:pPr marL="285750" indent="-285750">
-              <a:buFont typeface="Arial"/>
-              <a:buChar char="•"/>
-            </a:pPr>
-            <a:r>
-              <a:rPr lang="en-GB" dirty="0"/>
-              <a:t>These functions take a </a:t>
-            </a:r>
-            <a:r>
-              <a:rPr lang="en-GB" b="1" dirty="0">
-                <a:solidFill>
-                  <a:srgbClr val="3366FF"/>
-                </a:solidFill>
-                <a:latin typeface="Courier New"/>
-                <a:cs typeface="Courier New"/>
-              </a:rPr>
-              <a:t>cl::</a:t>
-            </a:r>
-            <a:r>
-              <a:rPr lang="en-GB" b="1" dirty="0" err="1">
-                <a:solidFill>
-                  <a:srgbClr val="3366FF"/>
-                </a:solidFill>
-                <a:latin typeface="Courier New"/>
-                <a:cs typeface="Courier New"/>
-              </a:rPr>
-              <a:t>ImageFormat</a:t>
-            </a:r>
-            <a:r>
-              <a:rPr lang="en-GB" b="1" dirty="0">
-                <a:solidFill>
-                  <a:srgbClr val="3366FF"/>
-                </a:solidFill>
-                <a:latin typeface="Courier New"/>
-                <a:cs typeface="Courier New"/>
-              </a:rPr>
-              <a:t> </a:t>
-            </a:r>
-            <a:r>
-              <a:rPr lang="en-GB" dirty="0"/>
-              <a:t>object which defines the data type and channel order for the image</a:t>
-            </a:r>
-          </a:p>
-          <a:p>
-            <a:pPr marL="285750" indent="-285750">
-              <a:buFont typeface="Arial"/>
-              <a:buChar char="•"/>
-            </a:pPr>
-            <a:r>
-              <a:rPr lang="en-GB" dirty="0"/>
-              <a:t>Data is copied to/from the device with the </a:t>
-            </a:r>
-            <a:r>
-              <a:rPr lang="en-GB" b="1" dirty="0" err="1">
-                <a:solidFill>
-                  <a:srgbClr val="3366FF"/>
-                </a:solidFill>
-                <a:latin typeface="Courier New"/>
-                <a:cs typeface="Courier New"/>
-              </a:rPr>
-              <a:t>enqueueWriteImage</a:t>
-            </a:r>
-            <a:r>
-              <a:rPr lang="en-GB" dirty="0"/>
-              <a:t> and </a:t>
-            </a:r>
-            <a:r>
-              <a:rPr lang="en-GB" b="1" err="1">
-                <a:solidFill>
-                  <a:srgbClr val="3366FF"/>
-                </a:solidFill>
-                <a:latin typeface="Courier New"/>
-                <a:cs typeface="Courier New"/>
-              </a:rPr>
-              <a:t>enqueueReadImage</a:t>
-            </a:r>
-            <a:r>
-              <a:rPr lang="en-GB"/>
-              <a:t> </a:t>
-            </a:r>
-            <a:r>
-              <a:rPr lang="en-GB" smtClean="0"/>
-              <a:t>functions</a:t>
-            </a:r>
-            <a:endParaRPr lang="en-GB" dirty="0"/>
-          </a:p>
-          <a:p>
-            <a:pPr marL="285750" indent="-285750">
-              <a:buFont typeface="Arial"/>
-              <a:buChar char="•"/>
-            </a:pPr>
-            <a:r>
-              <a:rPr lang="en-GB" dirty="0"/>
-              <a:t>Presence</a:t>
-            </a:r>
-            <a:r>
-              <a:rPr lang="en-GB"/>
-              <a:t> of image support </a:t>
-            </a:r>
-            <a:r>
-              <a:rPr lang="en-GB" smtClean="0"/>
-              <a:t>can </a:t>
-            </a:r>
-            <a:r>
-              <a:rPr lang="en-GB"/>
-              <a:t>be queried </a:t>
-            </a:r>
-            <a:r>
-              <a:rPr lang="en-GB" smtClean="0"/>
-              <a:t>with </a:t>
-            </a:r>
-            <a:r>
-              <a:rPr lang="en-GB" b="1" err="1">
-                <a:solidFill>
-                  <a:srgbClr val="3366FF"/>
-                </a:solidFill>
-                <a:latin typeface="Courier New"/>
-                <a:cs typeface="Courier New"/>
-              </a:rPr>
-              <a:t>getDeviceInfo</a:t>
-            </a:r>
-            <a:r>
-              <a:rPr lang="en-GB"/>
-              <a:t> </a:t>
-            </a:r>
-            <a:r>
-              <a:rPr lang="en-GB" smtClean="0"/>
-              <a:t>and </a:t>
-            </a:r>
-            <a:r>
-              <a:rPr lang="en-GB" dirty="0"/>
-              <a:t>the</a:t>
-            </a:r>
-            <a:r>
-              <a:rPr lang="en-GB"/>
-              <a:t> </a:t>
-            </a:r>
-            <a:r>
-              <a:rPr lang="en-GB" b="1">
-                <a:solidFill>
-                  <a:srgbClr val="3366FF"/>
-                </a:solidFill>
-                <a:latin typeface="Courier New"/>
-                <a:cs typeface="Courier New"/>
-              </a:rPr>
-              <a:t>CL_DEVICE_IMAGE_SUPPORT</a:t>
-            </a:r>
-            <a:r>
-              <a:rPr lang="en-GB">
-                <a:solidFill>
-                  <a:srgbClr val="3366FF"/>
-                </a:solidFill>
-              </a:rPr>
-              <a:t> </a:t>
-            </a:r>
-            <a:r>
-              <a:rPr lang="en-GB"/>
-              <a:t>parameter</a:t>
-            </a:r>
-            <a:endParaRPr lang="en-GB" dirty="0"/>
-          </a:p>
-          <a:p>
-            <a:pPr marL="285750" indent="-285750">
-              <a:buFont typeface="Arial"/>
-              <a:buChar char="•"/>
-            </a:pPr>
-            <a:r>
-              <a:rPr lang="en-GB"/>
-              <a:t>A list of image formats supported by the target device can be queried with </a:t>
-            </a:r>
-            <a:r>
-              <a:rPr lang="en-GB" b="1" smtClean="0">
-                <a:solidFill>
-                  <a:srgbClr val="3366FF"/>
-                </a:solidFill>
-                <a:latin typeface="Courier New"/>
-                <a:cs typeface="Courier New"/>
-              </a:rPr>
-              <a:t>getSupportedImageFormats</a:t>
-            </a:r>
-            <a:endParaRPr lang="en-GB" b="1" dirty="0">
-              <a:solidFill>
-                <a:srgbClr val="3366FF"/>
-              </a:solidFill>
-              <a:latin typeface="Courier New"/>
-              <a:cs typeface="Courier New"/>
-            </a:endParaRPr>
-          </a:p>
-        </p:txBody>
-      </p:sp>
-      <p:sp>
-        <p:nvSpPr>
-          <p:cNvPr id="5" name="TextBox 4"/>
-          <p:cNvSpPr txBox="1"/>
-          <p:nvPr/>
-        </p:nvSpPr>
-        <p:spPr>
-          <a:xfrm>
-            <a:off x="467544" y="6381328"/>
-            <a:ext cx="8280920" cy="276999"/>
-          </a:xfrm>
-          <a:prstGeom prst="rect">
-            <a:avLst/>
-          </a:prstGeom>
-          <a:noFill/>
-        </p:spPr>
-        <p:txBody>
-          <a:bodyPr wrap="square" rtlCol="0">
-            <a:spAutoFit/>
-          </a:bodyPr>
-          <a:lstStyle/>
-          <a:p>
-            <a:r>
-              <a:rPr lang="en-GB" sz="1200" dirty="0" smtClean="0"/>
-              <a:t>*These are deprecated in OpenCL 1.2 onwards, and have been replaced with a single </a:t>
-            </a:r>
-            <a:r>
-              <a:rPr lang="en-GB" sz="1200" b="1" dirty="0" smtClean="0">
-                <a:solidFill>
-                  <a:srgbClr val="3366FF"/>
-                </a:solidFill>
-                <a:latin typeface="Courier New"/>
-                <a:cs typeface="Courier New"/>
-              </a:rPr>
-              <a:t>Image </a:t>
-            </a:r>
-            <a:r>
-              <a:rPr lang="en-GB" sz="1200" dirty="0" smtClean="0">
-                <a:latin typeface="Trebuchet MS"/>
-                <a:cs typeface="Trebuchet MS"/>
-              </a:rPr>
-              <a:t>type</a:t>
-            </a:r>
-            <a:endParaRPr lang="en-GB" sz="1200" dirty="0">
-              <a:latin typeface="Trebuchet MS"/>
-              <a:cs typeface="Trebuchet MS"/>
-            </a:endParaRPr>
-          </a:p>
         </p:txBody>
       </p:sp>
     </p:spTree>
     <p:extLst>
       <p:ext uri="{BB962C8B-B14F-4D97-AF65-F5344CB8AC3E}">
-        <p14:creationId xmlns:p14="http://schemas.microsoft.com/office/powerpoint/2010/main" val="514725607"/>
+        <p14:creationId xmlns:p14="http://schemas.microsoft.com/office/powerpoint/2010/main" val="2579565701"/>
       </p:ext>
     </p:extLst>
   </p:cSld>
@@ -42939,7 +42934,7 @@
           <a:p>
             <a:r>
               <a:rPr lang="en-GB" dirty="0" smtClean="0"/>
-              <a:t>Image Formats </a:t>
+              <a:t>Image Types – Host API</a:t>
             </a:r>
             <a:endParaRPr lang="en-GB" dirty="0"/>
           </a:p>
@@ -42947,265 +42942,922 @@
       </p:sp>
       <p:sp>
         <p:nvSpPr>
-          <p:cNvPr id="3" name="Text Placeholder 2"/>
+          <p:cNvPr id="3" name="Content Placeholder 2"/>
           <p:cNvSpPr>
             <a:spLocks noGrp="1"/>
           </p:cNvSpPr>
           <p:nvPr>
-            <p:ph type="body" idx="1"/>
+            <p:ph idx="1"/>
           </p:nvPr>
         </p:nvSpPr>
         <p:spPr/>
         <p:txBody>
-          <a:bodyPr/>
+          <a:bodyPr>
+            <a:normAutofit fontScale="40000" lnSpcReduction="20000"/>
+          </a:bodyPr>
           <a:lstStyle/>
           <a:p>
-            <a:r>
-              <a:rPr lang="en-GB" dirty="0" smtClean="0"/>
-              <a:t>Data types</a:t>
-            </a:r>
-            <a:endParaRPr lang="en-GB" dirty="0"/>
-          </a:p>
-        </p:txBody>
-      </p:sp>
-      <p:sp>
-        <p:nvSpPr>
-          <p:cNvPr id="4" name="Content Placeholder 3"/>
+            <a:pPr marL="0" indent="0">
+              <a:buNone/>
+            </a:pPr>
+            <a:r>
+              <a:rPr lang="en-GB" b="1" dirty="0">
+                <a:solidFill>
+                  <a:srgbClr val="3366FF"/>
+                </a:solidFill>
+                <a:latin typeface="Courier New"/>
+                <a:cs typeface="Courier New"/>
+              </a:rPr>
+              <a:t>cl::</a:t>
+            </a:r>
+            <a:r>
+              <a:rPr lang="en-GB" b="1" dirty="0" err="1">
+                <a:solidFill>
+                  <a:srgbClr val="3366FF"/>
+                </a:solidFill>
+                <a:latin typeface="Courier New"/>
+                <a:cs typeface="Courier New"/>
+              </a:rPr>
+              <a:t>ImageFormat</a:t>
+            </a:r>
+            <a:r>
+              <a:rPr lang="en-GB" b="1" dirty="0">
+                <a:solidFill>
+                  <a:srgbClr val="3366FF"/>
+                </a:solidFill>
+                <a:latin typeface="Courier New"/>
+                <a:cs typeface="Courier New"/>
+              </a:rPr>
+              <a:t> format(</a:t>
+            </a:r>
+          </a:p>
+          <a:p>
+            <a:pPr marL="0" indent="0">
+              <a:buNone/>
+            </a:pPr>
+            <a:r>
+              <a:rPr lang="en-GB" b="1" dirty="0">
+                <a:solidFill>
+                  <a:srgbClr val="3366FF"/>
+                </a:solidFill>
+                <a:latin typeface="Courier New"/>
+                <a:cs typeface="Courier New"/>
+              </a:rPr>
+              <a:t>  CL_RGBA,      // channel order</a:t>
+            </a:r>
+          </a:p>
+          <a:p>
+            <a:pPr marL="0" indent="0">
+              <a:buNone/>
+            </a:pPr>
+            <a:r>
+              <a:rPr lang="en-GB" b="1" dirty="0">
+                <a:solidFill>
+                  <a:srgbClr val="3366FF"/>
+                </a:solidFill>
+                <a:latin typeface="Courier New"/>
+                <a:cs typeface="Courier New"/>
+              </a:rPr>
+              <a:t>  CL_UNORM_INT8 // channel data type</a:t>
+            </a:r>
+          </a:p>
+          <a:p>
+            <a:pPr marL="0" indent="0">
+              <a:buNone/>
+            </a:pPr>
+            <a:r>
+              <a:rPr lang="en-GB" b="1" dirty="0">
+                <a:solidFill>
+                  <a:srgbClr val="3366FF"/>
+                </a:solidFill>
+                <a:latin typeface="Courier New"/>
+                <a:cs typeface="Courier New"/>
+              </a:rPr>
+              <a:t>);</a:t>
+            </a:r>
+          </a:p>
+          <a:p>
+            <a:pPr marL="0" indent="0">
+              <a:buNone/>
+            </a:pPr>
+            <a:endParaRPr lang="en-GB" b="1" dirty="0">
+              <a:solidFill>
+                <a:srgbClr val="3366FF"/>
+              </a:solidFill>
+              <a:latin typeface="Courier New"/>
+              <a:cs typeface="Courier New"/>
+            </a:endParaRPr>
+          </a:p>
+          <a:p>
+            <a:pPr marL="0" indent="0">
+              <a:buNone/>
+            </a:pPr>
+            <a:r>
+              <a:rPr lang="en-GB" b="1" dirty="0">
+                <a:solidFill>
+                  <a:srgbClr val="3366FF"/>
+                </a:solidFill>
+                <a:latin typeface="Courier New"/>
+                <a:cs typeface="Courier New"/>
+              </a:rPr>
+              <a:t>cl::Image2D </a:t>
+            </a:r>
+            <a:r>
+              <a:rPr lang="en-GB" b="1" dirty="0" err="1">
+                <a:solidFill>
+                  <a:srgbClr val="3366FF"/>
+                </a:solidFill>
+                <a:latin typeface="Courier New"/>
+                <a:cs typeface="Courier New"/>
+              </a:rPr>
+              <a:t>d_image</a:t>
+            </a:r>
+            <a:r>
+              <a:rPr lang="en-GB" b="1" dirty="0">
+                <a:solidFill>
+                  <a:srgbClr val="3366FF"/>
+                </a:solidFill>
+                <a:latin typeface="Courier New"/>
+                <a:cs typeface="Courier New"/>
+              </a:rPr>
+              <a:t>(</a:t>
+            </a:r>
+          </a:p>
+          <a:p>
+            <a:pPr marL="0" indent="0">
+              <a:buNone/>
+            </a:pPr>
+            <a:r>
+              <a:rPr lang="en-GB" b="1" dirty="0">
+                <a:solidFill>
+                  <a:srgbClr val="3366FF"/>
+                </a:solidFill>
+                <a:latin typeface="Courier New"/>
+                <a:cs typeface="Courier New"/>
+              </a:rPr>
+              <a:t>  context,          // context object</a:t>
+            </a:r>
+          </a:p>
+          <a:p>
+            <a:pPr marL="0" indent="0">
+              <a:buNone/>
+            </a:pPr>
+            <a:r>
+              <a:rPr lang="en-GB" b="1" dirty="0">
+                <a:solidFill>
+                  <a:srgbClr val="3366FF"/>
+                </a:solidFill>
+                <a:latin typeface="Courier New"/>
+                <a:cs typeface="Courier New"/>
+              </a:rPr>
+              <a:t>  CL_MEM_READ_ONLY, // memory access flags</a:t>
+            </a:r>
+          </a:p>
+          <a:p>
+            <a:pPr marL="0" indent="0">
+              <a:buNone/>
+            </a:pPr>
+            <a:r>
+              <a:rPr lang="en-GB" b="1" dirty="0">
+                <a:solidFill>
+                  <a:srgbClr val="3366FF"/>
+                </a:solidFill>
+                <a:latin typeface="Courier New"/>
+                <a:cs typeface="Courier New"/>
+              </a:rPr>
+              <a:t>  format,           // image format (above)</a:t>
+            </a:r>
+          </a:p>
+          <a:p>
+            <a:pPr marL="0" indent="0">
+              <a:buNone/>
+            </a:pPr>
+            <a:r>
+              <a:rPr lang="en-GB" b="1" dirty="0">
+                <a:solidFill>
+                  <a:srgbClr val="3366FF"/>
+                </a:solidFill>
+                <a:latin typeface="Courier New"/>
+                <a:cs typeface="Courier New"/>
+              </a:rPr>
+              <a:t>  width,            // image width</a:t>
+            </a:r>
+          </a:p>
+          <a:p>
+            <a:pPr marL="0" indent="0">
+              <a:buNone/>
+            </a:pPr>
+            <a:r>
+              <a:rPr lang="en-GB" b="1" dirty="0">
+                <a:solidFill>
+                  <a:srgbClr val="3366FF"/>
+                </a:solidFill>
+                <a:latin typeface="Courier New"/>
+                <a:cs typeface="Courier New"/>
+              </a:rPr>
+              <a:t>  height,           // image height</a:t>
+            </a:r>
+          </a:p>
+          <a:p>
+            <a:pPr marL="0" indent="0">
+              <a:buNone/>
+            </a:pPr>
+            <a:r>
+              <a:rPr lang="en-GB" b="1" dirty="0">
+                <a:solidFill>
+                  <a:srgbClr val="3366FF"/>
+                </a:solidFill>
+                <a:latin typeface="Courier New"/>
+                <a:cs typeface="Courier New"/>
+              </a:rPr>
+              <a:t>);</a:t>
+            </a:r>
+          </a:p>
+          <a:p>
+            <a:pPr marL="0" indent="0">
+              <a:buNone/>
+            </a:pPr>
+            <a:endParaRPr lang="en-GB" b="1" dirty="0">
+              <a:solidFill>
+                <a:srgbClr val="3366FF"/>
+              </a:solidFill>
+              <a:latin typeface="Courier New"/>
+              <a:cs typeface="Courier New"/>
+            </a:endParaRPr>
+          </a:p>
+          <a:p>
+            <a:pPr marL="0" indent="0">
+              <a:buNone/>
+            </a:pPr>
+            <a:r>
+              <a:rPr lang="hr-HR" b="1" dirty="0">
+                <a:solidFill>
+                  <a:srgbClr val="3366FF"/>
+                </a:solidFill>
+                <a:latin typeface="Courier New"/>
+                <a:cs typeface="Courier New"/>
+              </a:rPr>
+              <a:t>cl::size_t&lt;3&gt; origin;</a:t>
+            </a:r>
+          </a:p>
+          <a:p>
+            <a:pPr marL="0" indent="0">
+              <a:buNone/>
+            </a:pPr>
+            <a:r>
+              <a:rPr lang="hr-HR" b="1" dirty="0">
+                <a:solidFill>
+                  <a:srgbClr val="3366FF"/>
+                </a:solidFill>
+                <a:latin typeface="Courier New"/>
+                <a:cs typeface="Courier New"/>
+              </a:rPr>
+              <a:t>    origin[0] = origin[1] = origin[2] = 0;</a:t>
+            </a:r>
+          </a:p>
+          <a:p>
+            <a:pPr marL="0" indent="0">
+              <a:buNone/>
+            </a:pPr>
+            <a:r>
+              <a:rPr lang="hr-HR" b="1" dirty="0">
+                <a:solidFill>
+                  <a:srgbClr val="3366FF"/>
+                </a:solidFill>
+                <a:latin typeface="Courier New"/>
+                <a:cs typeface="Courier New"/>
+              </a:rPr>
+              <a:t>cl::size_t&lt;3&gt; region;</a:t>
+            </a:r>
+          </a:p>
+          <a:p>
+            <a:pPr marL="0" indent="0">
+              <a:buNone/>
+            </a:pPr>
+            <a:r>
+              <a:rPr lang="hr-HR" b="1" dirty="0">
+                <a:solidFill>
+                  <a:srgbClr val="3366FF"/>
+                </a:solidFill>
+                <a:latin typeface="Courier New"/>
+                <a:cs typeface="Courier New"/>
+              </a:rPr>
+              <a:t>    region[0] </a:t>
+            </a:r>
+            <a:r>
+              <a:rPr lang="hr-HR" b="1">
+                <a:solidFill>
+                  <a:srgbClr val="3366FF"/>
+                </a:solidFill>
+                <a:latin typeface="Courier New"/>
+                <a:cs typeface="Courier New"/>
+              </a:rPr>
+              <a:t>= </a:t>
+            </a:r>
+            <a:r>
+              <a:rPr lang="hr-HR" b="1" dirty="0">
+                <a:solidFill>
+                  <a:srgbClr val="3366FF"/>
+                </a:solidFill>
+                <a:latin typeface="Courier New"/>
+                <a:cs typeface="Courier New"/>
+              </a:rPr>
+              <a:t>image</a:t>
+            </a:r>
+            <a:r>
+              <a:rPr lang="hr-HR" b="1">
+                <a:solidFill>
+                  <a:srgbClr val="3366FF"/>
+                </a:solidFill>
+                <a:latin typeface="Courier New"/>
+                <a:cs typeface="Courier New"/>
+              </a:rPr>
+              <a:t>-&gt;</a:t>
+            </a:r>
+            <a:r>
+              <a:rPr lang="hr-HR" b="1" smtClean="0">
+                <a:solidFill>
+                  <a:srgbClr val="3366FF"/>
+                </a:solidFill>
+                <a:latin typeface="Courier New"/>
+                <a:cs typeface="Courier New"/>
+              </a:rPr>
+              <a:t>w;</a:t>
+            </a:r>
+            <a:endParaRPr lang="hr-HR" b="1" dirty="0">
+              <a:solidFill>
+                <a:srgbClr val="3366FF"/>
+              </a:solidFill>
+              <a:latin typeface="Courier New"/>
+              <a:cs typeface="Courier New"/>
+            </a:endParaRPr>
+          </a:p>
+          <a:p>
+            <a:pPr marL="0" indent="0">
+              <a:buNone/>
+            </a:pPr>
+            <a:r>
+              <a:rPr lang="hr-HR" b="1" dirty="0">
+                <a:solidFill>
+                  <a:srgbClr val="3366FF"/>
+                </a:solidFill>
+                <a:latin typeface="Courier New"/>
+                <a:cs typeface="Courier New"/>
+              </a:rPr>
+              <a:t>    region[1] </a:t>
+            </a:r>
+            <a:r>
+              <a:rPr lang="hr-HR" b="1">
+                <a:solidFill>
+                  <a:srgbClr val="3366FF"/>
+                </a:solidFill>
+                <a:latin typeface="Courier New"/>
+                <a:cs typeface="Courier New"/>
+              </a:rPr>
+              <a:t>= </a:t>
+            </a:r>
+            <a:r>
+              <a:rPr lang="hr-HR" b="1" dirty="0">
+                <a:solidFill>
+                  <a:srgbClr val="3366FF"/>
+                </a:solidFill>
+                <a:latin typeface="Courier New"/>
+                <a:cs typeface="Courier New"/>
+              </a:rPr>
+              <a:t>image</a:t>
+            </a:r>
+            <a:r>
+              <a:rPr lang="hr-HR" b="1">
+                <a:solidFill>
+                  <a:srgbClr val="3366FF"/>
+                </a:solidFill>
+                <a:latin typeface="Courier New"/>
+                <a:cs typeface="Courier New"/>
+              </a:rPr>
+              <a:t>-&gt;</a:t>
+            </a:r>
+            <a:r>
+              <a:rPr lang="hr-HR" b="1" smtClean="0">
+                <a:solidFill>
+                  <a:srgbClr val="3366FF"/>
+                </a:solidFill>
+                <a:latin typeface="Courier New"/>
+                <a:cs typeface="Courier New"/>
+              </a:rPr>
+              <a:t>h;</a:t>
+            </a:r>
+            <a:endParaRPr lang="hr-HR" b="1" dirty="0">
+              <a:solidFill>
+                <a:srgbClr val="3366FF"/>
+              </a:solidFill>
+              <a:latin typeface="Courier New"/>
+              <a:cs typeface="Courier New"/>
+            </a:endParaRPr>
+          </a:p>
+          <a:p>
+            <a:pPr marL="0" indent="0">
+              <a:buNone/>
+            </a:pPr>
+            <a:r>
+              <a:rPr lang="hr-HR" b="1" dirty="0">
+                <a:solidFill>
+                  <a:srgbClr val="3366FF"/>
+                </a:solidFill>
+                <a:latin typeface="Courier New"/>
+                <a:cs typeface="Courier New"/>
+              </a:rPr>
+              <a:t>    region[2] = 1;</a:t>
+            </a:r>
+            <a:endParaRPr lang="en-GB" b="1" dirty="0">
+              <a:solidFill>
+                <a:srgbClr val="3366FF"/>
+              </a:solidFill>
+              <a:latin typeface="Courier New"/>
+              <a:cs typeface="Courier New"/>
+            </a:endParaRPr>
+          </a:p>
+          <a:p>
+            <a:pPr marL="0" indent="0">
+              <a:buNone/>
+            </a:pPr>
+            <a:r>
+              <a:rPr lang="en-GB" b="1" dirty="0" err="1">
+                <a:solidFill>
+                  <a:srgbClr val="3366FF"/>
+                </a:solidFill>
+                <a:latin typeface="Courier New"/>
+                <a:cs typeface="Courier New"/>
+              </a:rPr>
+              <a:t>queue.enqueueWriteImage</a:t>
+            </a:r>
+            <a:r>
+              <a:rPr lang="en-GB" b="1" dirty="0">
+                <a:solidFill>
+                  <a:srgbClr val="3366FF"/>
+                </a:solidFill>
+                <a:latin typeface="Courier New"/>
+                <a:cs typeface="Courier New"/>
+              </a:rPr>
+              <a:t>(</a:t>
+            </a:r>
+          </a:p>
+          <a:p>
+            <a:pPr marL="0" indent="0">
+              <a:buNone/>
+            </a:pPr>
+            <a:r>
+              <a:rPr lang="en-GB" b="1" dirty="0">
+                <a:solidFill>
+                  <a:srgbClr val="3366FF"/>
+                </a:solidFill>
+                <a:latin typeface="Courier New"/>
+                <a:cs typeface="Courier New"/>
+              </a:rPr>
+              <a:t>  </a:t>
+            </a:r>
+            <a:r>
+              <a:rPr lang="en-GB" b="1" dirty="0" err="1">
+                <a:solidFill>
+                  <a:srgbClr val="3366FF"/>
+                </a:solidFill>
+                <a:latin typeface="Courier New"/>
+                <a:cs typeface="Courier New"/>
+              </a:rPr>
+              <a:t>d_image</a:t>
+            </a:r>
+            <a:r>
+              <a:rPr lang="en-GB" b="1" dirty="0">
+                <a:solidFill>
+                  <a:srgbClr val="3366FF"/>
+                </a:solidFill>
+                <a:latin typeface="Courier New"/>
+                <a:cs typeface="Courier New"/>
+              </a:rPr>
+              <a:t>,      // image object</a:t>
+            </a:r>
+          </a:p>
+          <a:p>
+            <a:pPr marL="0" indent="0">
+              <a:buNone/>
+            </a:pPr>
+            <a:r>
+              <a:rPr lang="en-GB" b="1" dirty="0">
+                <a:solidFill>
+                  <a:srgbClr val="3366FF"/>
+                </a:solidFill>
+                <a:latin typeface="Courier New"/>
+                <a:cs typeface="Courier New"/>
+              </a:rPr>
+              <a:t>  CL_TRUE,      // blocking read</a:t>
+            </a:r>
+          </a:p>
+          <a:p>
+            <a:pPr marL="0" indent="0">
+              <a:buNone/>
+            </a:pPr>
+            <a:r>
+              <a:rPr lang="en-GB" b="1" dirty="0">
+                <a:solidFill>
+                  <a:srgbClr val="3366FF"/>
+                </a:solidFill>
+                <a:latin typeface="Courier New"/>
+                <a:cs typeface="Courier New"/>
+              </a:rPr>
+              <a:t>  origin,       // origin of write</a:t>
+            </a:r>
+          </a:p>
+          <a:p>
+            <a:pPr marL="0" indent="0">
+              <a:buNone/>
+            </a:pPr>
+            <a:r>
+              <a:rPr lang="en-GB" b="1" dirty="0">
+                <a:solidFill>
+                  <a:srgbClr val="3366FF"/>
+                </a:solidFill>
+                <a:latin typeface="Courier New"/>
+                <a:cs typeface="Courier New"/>
+              </a:rPr>
+              <a:t>  region,       // region to write</a:t>
+            </a:r>
+          </a:p>
+          <a:p>
+            <a:pPr marL="0" indent="0">
+              <a:buNone/>
+            </a:pPr>
+            <a:r>
+              <a:rPr lang="en-GB" b="1" dirty="0">
+                <a:solidFill>
+                  <a:srgbClr val="3366FF"/>
+                </a:solidFill>
+                <a:latin typeface="Courier New"/>
+                <a:cs typeface="Courier New"/>
+              </a:rPr>
+              <a:t>  0,            // image row pitch</a:t>
+            </a:r>
+          </a:p>
+          <a:p>
+            <a:pPr marL="0" indent="0">
+              <a:buNone/>
+            </a:pPr>
+            <a:r>
+              <a:rPr lang="en-GB" b="1" dirty="0">
+                <a:solidFill>
+                  <a:srgbClr val="3366FF"/>
+                </a:solidFill>
+                <a:latin typeface="Courier New"/>
+                <a:cs typeface="Courier New"/>
+              </a:rPr>
+              <a:t>  0,            // image slice pitch (3D only)</a:t>
+            </a:r>
+          </a:p>
+          <a:p>
+            <a:pPr marL="0" indent="0">
+              <a:buNone/>
+            </a:pPr>
+            <a:r>
+              <a:rPr lang="en-GB" b="1" dirty="0">
+                <a:solidFill>
+                  <a:srgbClr val="3366FF"/>
+                </a:solidFill>
+                <a:latin typeface="Courier New"/>
+                <a:cs typeface="Courier New"/>
+              </a:rPr>
+              <a:t>  </a:t>
+            </a:r>
+            <a:r>
+              <a:rPr lang="en-GB" b="1" dirty="0" err="1">
+                <a:solidFill>
+                  <a:srgbClr val="3366FF"/>
+                </a:solidFill>
+                <a:latin typeface="Courier New"/>
+                <a:cs typeface="Courier New"/>
+              </a:rPr>
+              <a:t>h_image</a:t>
+            </a:r>
+            <a:r>
+              <a:rPr lang="en-GB" b="1" dirty="0">
+                <a:solidFill>
+                  <a:srgbClr val="3366FF"/>
+                </a:solidFill>
+                <a:latin typeface="Courier New"/>
+                <a:cs typeface="Courier New"/>
+              </a:rPr>
+              <a:t>,      // host data</a:t>
+            </a:r>
+          </a:p>
+          <a:p>
+            <a:pPr marL="0" indent="0">
+              <a:buNone/>
+            </a:pPr>
+            <a:r>
+              <a:rPr lang="en-GB" b="1" dirty="0">
+                <a:solidFill>
+                  <a:srgbClr val="3366FF"/>
+                </a:solidFill>
+                <a:latin typeface="Courier New"/>
+                <a:cs typeface="Courier New"/>
+              </a:rPr>
+              <a:t>);</a:t>
+            </a:r>
+          </a:p>
+        </p:txBody>
+      </p:sp>
+      <p:sp>
+        <p:nvSpPr>
+          <p:cNvPr id="4" name="Text Placeholder 3"/>
           <p:cNvSpPr>
             <a:spLocks noGrp="1"/>
           </p:cNvSpPr>
           <p:nvPr>
-            <p:ph sz="half" idx="2"/>
+            <p:ph type="body" sz="half" idx="2"/>
           </p:nvPr>
         </p:nvSpPr>
-        <p:spPr/>
+        <p:spPr>
+          <a:xfrm>
+            <a:off x="251520" y="1435100"/>
+            <a:ext cx="3240360" cy="4691063"/>
+          </a:xfrm>
+        </p:spPr>
         <p:txBody>
           <a:bodyPr>
-            <a:normAutofit fontScale="70000" lnSpcReduction="20000"/>
+            <a:normAutofit/>
           </a:bodyPr>
           <a:lstStyle/>
           <a:p>
+            <a:pPr marL="285750" indent="-285750">
+              <a:buFont typeface="Arial"/>
+              <a:buChar char="•"/>
+            </a:pPr>
+            <a:r>
+              <a:rPr lang="en-GB" dirty="0"/>
+              <a:t>Image objects are created using the </a:t>
+            </a:r>
+            <a:r>
+              <a:rPr lang="en-GB" b="1" dirty="0">
+                <a:solidFill>
+                  <a:srgbClr val="3366FF"/>
+                </a:solidFill>
+                <a:latin typeface="Courier New"/>
+                <a:cs typeface="Courier New"/>
+              </a:rPr>
+              <a:t>Image2D </a:t>
+            </a:r>
+            <a:r>
+              <a:rPr lang="en-GB" dirty="0"/>
+              <a:t>and </a:t>
+            </a:r>
+            <a:r>
+              <a:rPr lang="en-GB" b="1" dirty="0">
+                <a:solidFill>
+                  <a:srgbClr val="3366FF"/>
+                </a:solidFill>
+                <a:latin typeface="Courier New"/>
+                <a:cs typeface="Courier New"/>
+              </a:rPr>
+              <a:t>Image3D </a:t>
+            </a:r>
+            <a:r>
+              <a:rPr lang="en-GB" dirty="0"/>
+              <a:t>types*</a:t>
+            </a:r>
+          </a:p>
+          <a:p>
+            <a:pPr marL="285750" indent="-285750">
+              <a:buFont typeface="Arial"/>
+              <a:buChar char="•"/>
+            </a:pPr>
+            <a:r>
+              <a:rPr lang="en-GB" dirty="0"/>
+              <a:t>These functions take a </a:t>
+            </a:r>
+            <a:r>
+              <a:rPr lang="en-GB" b="1" dirty="0">
+                <a:solidFill>
+                  <a:srgbClr val="3366FF"/>
+                </a:solidFill>
+                <a:latin typeface="Courier New"/>
+                <a:cs typeface="Courier New"/>
+              </a:rPr>
+              <a:t>cl::</a:t>
+            </a:r>
+            <a:r>
+              <a:rPr lang="en-GB" b="1" dirty="0" err="1">
+                <a:solidFill>
+                  <a:srgbClr val="3366FF"/>
+                </a:solidFill>
+                <a:latin typeface="Courier New"/>
+                <a:cs typeface="Courier New"/>
+              </a:rPr>
+              <a:t>ImageFormat</a:t>
+            </a:r>
+            <a:r>
+              <a:rPr lang="en-GB" b="1" dirty="0">
+                <a:solidFill>
+                  <a:srgbClr val="3366FF"/>
+                </a:solidFill>
+                <a:latin typeface="Courier New"/>
+                <a:cs typeface="Courier New"/>
+              </a:rPr>
+              <a:t> </a:t>
+            </a:r>
+            <a:r>
+              <a:rPr lang="en-GB" dirty="0"/>
+              <a:t>object which defines the data type and channel order for the image</a:t>
+            </a:r>
+          </a:p>
+          <a:p>
+            <a:pPr marL="285750" indent="-285750">
+              <a:buFont typeface="Arial"/>
+              <a:buChar char="•"/>
+            </a:pPr>
+            <a:r>
+              <a:rPr lang="en-GB" dirty="0"/>
+              <a:t>Data is copied to/from the device with the </a:t>
+            </a:r>
+            <a:r>
+              <a:rPr lang="en-GB" b="1" dirty="0" err="1">
+                <a:solidFill>
+                  <a:srgbClr val="3366FF"/>
+                </a:solidFill>
+                <a:latin typeface="Courier New"/>
+                <a:cs typeface="Courier New"/>
+              </a:rPr>
+              <a:t>enqueueWriteImage</a:t>
+            </a:r>
+            <a:r>
+              <a:rPr lang="en-GB" dirty="0"/>
+              <a:t> and </a:t>
+            </a:r>
+            <a:r>
+              <a:rPr lang="en-GB" b="1" dirty="0" err="1">
+                <a:solidFill>
+                  <a:srgbClr val="3366FF"/>
+                </a:solidFill>
+                <a:latin typeface="Courier New"/>
+                <a:cs typeface="Courier New"/>
+              </a:rPr>
+              <a:t>enqueueReadImage</a:t>
+            </a:r>
+            <a:r>
+              <a:rPr lang="en-GB" dirty="0"/>
+              <a:t> </a:t>
+            </a:r>
             <a:r>
               <a:rPr lang="en-GB" dirty="0" smtClean="0"/>
-              <a:t>CL_SNORM_INT8</a:t>
-            </a:r>
-          </a:p>
-          <a:p>
+              <a:t>functions</a:t>
+            </a:r>
+            <a:endParaRPr lang="en-GB" dirty="0"/>
+          </a:p>
+          <a:p>
+            <a:pPr marL="285750" indent="-285750">
+              <a:buFont typeface="Arial"/>
+              <a:buChar char="•"/>
+            </a:pPr>
+            <a:r>
+              <a:rPr lang="en-GB" dirty="0"/>
+              <a:t>Presence of image support </a:t>
+            </a:r>
             <a:r>
               <a:rPr lang="en-GB" dirty="0" smtClean="0"/>
-              <a:t>CL_SNORM_INT16</a:t>
-            </a:r>
-          </a:p>
-          <a:p>
+              <a:t>can </a:t>
+            </a:r>
+            <a:r>
+              <a:rPr lang="en-GB" dirty="0"/>
+              <a:t>be queried </a:t>
+            </a:r>
             <a:r>
               <a:rPr lang="en-GB" dirty="0" smtClean="0"/>
-              <a:t>CL_UNORM_INT8</a:t>
-            </a:r>
-          </a:p>
-          <a:p>
+              <a:t>with </a:t>
+            </a:r>
+            <a:r>
+              <a:rPr lang="en-GB" b="1" dirty="0" err="1">
+                <a:solidFill>
+                  <a:srgbClr val="3366FF"/>
+                </a:solidFill>
+                <a:latin typeface="Courier New"/>
+                <a:cs typeface="Courier New"/>
+              </a:rPr>
+              <a:t>getDeviceInfo</a:t>
+            </a:r>
+            <a:r>
+              <a:rPr lang="en-GB" dirty="0"/>
+              <a:t> </a:t>
+            </a:r>
             <a:r>
               <a:rPr lang="en-GB" dirty="0" smtClean="0"/>
-              <a:t>CL_UNORM_INT16</a:t>
-            </a:r>
-          </a:p>
-          <a:p>
-            <a:r>
-              <a:rPr lang="en-GB" dirty="0" smtClean="0"/>
-              <a:t>CL_UNORM_SHORT_565</a:t>
-            </a:r>
-          </a:p>
-          <a:p>
-            <a:r>
-              <a:rPr lang="en-GB" dirty="0" smtClean="0"/>
-              <a:t>CL_UNORM_SHORT_555</a:t>
-            </a:r>
-          </a:p>
-          <a:p>
-            <a:r>
-              <a:rPr lang="en-GB" dirty="0" smtClean="0"/>
-              <a:t>CL_UNORM_INT_101010</a:t>
-            </a:r>
-          </a:p>
-          <a:p>
-            <a:r>
-              <a:rPr lang="en-GB" dirty="0" smtClean="0"/>
-              <a:t>CL_SIGNED_INT8</a:t>
-            </a:r>
-          </a:p>
-          <a:p>
-            <a:r>
-              <a:rPr lang="en-GB" dirty="0" smtClean="0"/>
-              <a:t>CL_SIGNED_INT16</a:t>
-            </a:r>
-          </a:p>
-          <a:p>
-            <a:r>
-              <a:rPr lang="en-GB" dirty="0" smtClean="0"/>
-              <a:t>CL_SIGNED_INT32</a:t>
-            </a:r>
-          </a:p>
-          <a:p>
-            <a:r>
-              <a:rPr lang="en-GB" dirty="0" smtClean="0"/>
-              <a:t>CL_UNSIGNED_INT8</a:t>
-            </a:r>
-          </a:p>
-          <a:p>
-            <a:r>
-              <a:rPr lang="en-GB" dirty="0" smtClean="0"/>
-              <a:t>CL_UNSIGNED_INT16</a:t>
-            </a:r>
-          </a:p>
-          <a:p>
-            <a:r>
-              <a:rPr lang="en-GB" dirty="0" smtClean="0"/>
-              <a:t>CL_UNSIGNED_INT32</a:t>
-            </a:r>
-          </a:p>
-          <a:p>
-            <a:r>
-              <a:rPr lang="en-GB" dirty="0" smtClean="0"/>
-              <a:t>CL_HALF_FLOAT</a:t>
-            </a:r>
-          </a:p>
-          <a:p>
-            <a:r>
-              <a:rPr lang="en-GB" dirty="0" smtClean="0"/>
-              <a:t>CL_FLOAT</a:t>
-            </a:r>
-          </a:p>
-          <a:p>
-            <a:endParaRPr lang="en-GB" dirty="0" smtClean="0"/>
-          </a:p>
-        </p:txBody>
-      </p:sp>
-      <p:sp>
-        <p:nvSpPr>
-          <p:cNvPr id="5" name="Text Placeholder 4"/>
-          <p:cNvSpPr>
-            <a:spLocks noGrp="1"/>
-          </p:cNvSpPr>
-          <p:nvPr>
-            <p:ph type="body" sz="quarter" idx="3"/>
-          </p:nvPr>
-        </p:nvSpPr>
-        <p:spPr/>
-        <p:txBody>
-          <a:bodyPr/>
-          <a:lstStyle/>
-          <a:p>
-            <a:r>
-              <a:rPr lang="en-GB" dirty="0" smtClean="0"/>
-              <a:t>Channel orders</a:t>
-            </a:r>
-            <a:endParaRPr lang="en-GB" dirty="0"/>
-          </a:p>
-        </p:txBody>
-      </p:sp>
-      <p:sp>
-        <p:nvSpPr>
-          <p:cNvPr id="6" name="Content Placeholder 5"/>
-          <p:cNvSpPr>
-            <a:spLocks noGrp="1"/>
-          </p:cNvSpPr>
-          <p:nvPr>
-            <p:ph sz="quarter" idx="4"/>
-          </p:nvPr>
-        </p:nvSpPr>
-        <p:spPr/>
-        <p:txBody>
-          <a:bodyPr>
-            <a:normAutofit fontScale="77500" lnSpcReduction="20000"/>
+              <a:t>and </a:t>
+            </a:r>
+            <a:r>
+              <a:rPr lang="en-GB" dirty="0"/>
+              <a:t>the </a:t>
+            </a:r>
+            <a:r>
+              <a:rPr lang="en-GB" b="1" dirty="0">
+                <a:solidFill>
+                  <a:srgbClr val="3366FF"/>
+                </a:solidFill>
+                <a:latin typeface="Courier New"/>
+                <a:cs typeface="Courier New"/>
+              </a:rPr>
+              <a:t>CL_DEVICE_IMAGE_SUPPORT</a:t>
+            </a:r>
+            <a:r>
+              <a:rPr lang="en-GB" dirty="0">
+                <a:solidFill>
+                  <a:srgbClr val="3366FF"/>
+                </a:solidFill>
+              </a:rPr>
+              <a:t> </a:t>
+            </a:r>
+            <a:r>
+              <a:rPr lang="en-GB" dirty="0"/>
+              <a:t>parameter</a:t>
+            </a:r>
+          </a:p>
+          <a:p>
+            <a:pPr marL="285750" indent="-285750">
+              <a:buFont typeface="Arial"/>
+              <a:buChar char="•"/>
+            </a:pPr>
+            <a:r>
+              <a:rPr lang="en-GB" dirty="0"/>
+              <a:t>A list of image formats supported by the target device can be queried with </a:t>
+            </a:r>
+            <a:r>
+              <a:rPr lang="en-GB" b="1" dirty="0" err="1" smtClean="0">
+                <a:solidFill>
+                  <a:srgbClr val="3366FF"/>
+                </a:solidFill>
+                <a:latin typeface="Courier New"/>
+                <a:cs typeface="Courier New"/>
+              </a:rPr>
+              <a:t>getSupportedImageFormats</a:t>
+            </a:r>
+            <a:endParaRPr lang="en-GB" b="1" dirty="0">
+              <a:solidFill>
+                <a:srgbClr val="3366FF"/>
+              </a:solidFill>
+              <a:latin typeface="Courier New"/>
+              <a:cs typeface="Courier New"/>
+            </a:endParaRPr>
+          </a:p>
+        </p:txBody>
+      </p:sp>
+      <p:sp>
+        <p:nvSpPr>
+          <p:cNvPr id="5" name="TextBox 4"/>
+          <p:cNvSpPr txBox="1"/>
+          <p:nvPr/>
+        </p:nvSpPr>
+        <p:spPr>
+          <a:xfrm>
+            <a:off x="467544" y="6381328"/>
+            <a:ext cx="8280920" cy="276999"/>
+          </a:xfrm>
+          <a:prstGeom prst="rect">
+            <a:avLst/>
+          </a:prstGeom>
+          <a:noFill/>
+        </p:spPr>
+        <p:txBody>
+          <a:bodyPr wrap="square" rtlCol="0">
+            <a:spAutoFit/>
           </a:bodyPr>
           <a:lstStyle/>
           <a:p>
             <a:r>
-              <a:rPr lang="en-GB" dirty="0" smtClean="0"/>
-              <a:t>CL_R</a:t>
-            </a:r>
-          </a:p>
-          <a:p>
-            <a:r>
-              <a:rPr lang="en-GB" dirty="0" err="1" smtClean="0"/>
-              <a:t>CL_Rx</a:t>
-            </a:r>
-            <a:endParaRPr lang="en-GB" dirty="0"/>
-          </a:p>
-          <a:p>
-            <a:r>
-              <a:rPr lang="en-GB" dirty="0" smtClean="0"/>
-              <a:t>CL_A</a:t>
-            </a:r>
-          </a:p>
-          <a:p>
-            <a:r>
-              <a:rPr lang="en-GB" dirty="0" smtClean="0"/>
-              <a:t>CL_INTENSITY</a:t>
-            </a:r>
-          </a:p>
-          <a:p>
-            <a:r>
-              <a:rPr lang="en-GB" dirty="0" smtClean="0"/>
-              <a:t>CL_LUMINANCE</a:t>
-            </a:r>
-          </a:p>
-          <a:p>
-            <a:r>
-              <a:rPr lang="en-GB" dirty="0" smtClean="0"/>
-              <a:t>CL_RG</a:t>
-            </a:r>
-          </a:p>
-          <a:p>
-            <a:r>
-              <a:rPr lang="en-GB" dirty="0" err="1" smtClean="0"/>
-              <a:t>CL_RGx</a:t>
-            </a:r>
-            <a:endParaRPr lang="en-GB" dirty="0"/>
-          </a:p>
-          <a:p>
-            <a:r>
-              <a:rPr lang="en-GB" dirty="0" smtClean="0"/>
-              <a:t>CL_RA</a:t>
-            </a:r>
-          </a:p>
-          <a:p>
-            <a:r>
-              <a:rPr lang="en-GB" dirty="0" smtClean="0"/>
-              <a:t>CL_RGB</a:t>
-            </a:r>
-          </a:p>
-          <a:p>
-            <a:r>
-              <a:rPr lang="en-GB" dirty="0" err="1" smtClean="0"/>
-              <a:t>CL_RGBx</a:t>
-            </a:r>
-            <a:endParaRPr lang="en-GB" dirty="0" smtClean="0"/>
-          </a:p>
-          <a:p>
-            <a:r>
-              <a:rPr lang="en-GB" dirty="0" smtClean="0"/>
-              <a:t>CL_RGBA</a:t>
-            </a:r>
-          </a:p>
-          <a:p>
-            <a:r>
-              <a:rPr lang="en-GB" dirty="0" smtClean="0"/>
-              <a:t>CL_ARGB</a:t>
-            </a:r>
-          </a:p>
-          <a:p>
-            <a:r>
-              <a:rPr lang="en-GB" dirty="0" smtClean="0"/>
-              <a:t>CL_BGRA</a:t>
-            </a:r>
-            <a:endParaRPr lang="en-GB" dirty="0"/>
+              <a:rPr lang="en-GB" sz="1200" dirty="0" smtClean="0"/>
+              <a:t>*These are deprecated in OpenCL 1.2 onwards, and have been replaced with a single </a:t>
+            </a:r>
+            <a:r>
+              <a:rPr lang="en-GB" sz="1200" b="1" dirty="0" smtClean="0">
+                <a:solidFill>
+                  <a:srgbClr val="3366FF"/>
+                </a:solidFill>
+                <a:latin typeface="Courier New"/>
+                <a:cs typeface="Courier New"/>
+              </a:rPr>
+              <a:t>Image </a:t>
+            </a:r>
+            <a:r>
+              <a:rPr lang="en-GB" sz="1200" dirty="0" smtClean="0">
+                <a:latin typeface="Trebuchet MS"/>
+                <a:cs typeface="Trebuchet MS"/>
+              </a:rPr>
+              <a:t>type</a:t>
+            </a:r>
+            <a:endParaRPr lang="en-GB" sz="1200" dirty="0">
+              <a:latin typeface="Trebuchet MS"/>
+              <a:cs typeface="Trebuchet MS"/>
+            </a:endParaRPr>
           </a:p>
         </p:txBody>
       </p:sp>
     </p:spTree>
     <p:extLst>
       <p:ext uri="{BB962C8B-B14F-4D97-AF65-F5344CB8AC3E}">
-        <p14:creationId xmlns:p14="http://schemas.microsoft.com/office/powerpoint/2010/main" val="922886572"/>
+        <p14:creationId xmlns:p14="http://schemas.microsoft.com/office/powerpoint/2010/main" val="514725607"/>
       </p:ext>
     </p:extLst>
   </p:cSld>
@@ -43256,7 +43908,7 @@
           <a:p>
             <a:r>
               <a:rPr lang="en-GB" dirty="0" smtClean="0"/>
-              <a:t>Image Types – Kernel</a:t>
+              <a:t>Image Formats </a:t>
             </a:r>
             <a:endParaRPr lang="en-GB" dirty="0"/>
           </a:p>
@@ -43264,697 +43916,146 @@
       </p:sp>
       <p:sp>
         <p:nvSpPr>
-          <p:cNvPr id="3" name="Content Placeholder 2"/>
+          <p:cNvPr id="3" name="Text Placeholder 2"/>
           <p:cNvSpPr>
             <a:spLocks noGrp="1"/>
           </p:cNvSpPr>
           <p:nvPr>
-            <p:ph idx="1"/>
+            <p:ph type="body" idx="1"/>
           </p:nvPr>
         </p:nvSpPr>
         <p:spPr/>
         <p:txBody>
-          <a:bodyPr>
-            <a:normAutofit fontScale="47500" lnSpcReduction="20000"/>
-          </a:bodyPr>
+          <a:bodyPr/>
           <a:lstStyle/>
           <a:p>
-            <a:pPr marL="0" indent="0">
-              <a:buNone/>
-            </a:pPr>
-            <a:endParaRPr lang="en-GB" b="1" dirty="0" smtClean="0">
-              <a:solidFill>
-                <a:srgbClr val="3366FF"/>
-              </a:solidFill>
-              <a:latin typeface="Courier New"/>
-              <a:cs typeface="Courier New"/>
-            </a:endParaRPr>
-          </a:p>
-          <a:p>
-            <a:pPr marL="0" indent="0">
-              <a:buNone/>
-            </a:pPr>
-            <a:r>
-              <a:rPr lang="en-GB" b="1" dirty="0" smtClean="0">
-                <a:solidFill>
-                  <a:srgbClr val="3366FF"/>
-                </a:solidFill>
-                <a:latin typeface="Courier New"/>
-                <a:cs typeface="Courier New"/>
-              </a:rPr>
-              <a:t>kernel void foo(</a:t>
-            </a:r>
-          </a:p>
-          <a:p>
-            <a:pPr marL="0" indent="0">
-              <a:buNone/>
-            </a:pPr>
-            <a:r>
-              <a:rPr lang="en-GB" b="1" dirty="0">
-                <a:solidFill>
-                  <a:srgbClr val="3366FF"/>
-                </a:solidFill>
-                <a:latin typeface="Courier New"/>
-                <a:cs typeface="Courier New"/>
-              </a:rPr>
-              <a:t> </a:t>
-            </a:r>
-            <a:r>
-              <a:rPr lang="en-GB" b="1" dirty="0" smtClean="0">
-                <a:solidFill>
-                  <a:srgbClr val="3366FF"/>
-                </a:solidFill>
-                <a:latin typeface="Courier New"/>
-                <a:cs typeface="Courier New"/>
-              </a:rPr>
-              <a:t> </a:t>
-            </a:r>
-            <a:r>
-              <a:rPr lang="en-GB" b="1" dirty="0" err="1" smtClean="0">
-                <a:solidFill>
-                  <a:srgbClr val="3366FF"/>
-                </a:solidFill>
-                <a:latin typeface="Courier New"/>
-                <a:cs typeface="Courier New"/>
-              </a:rPr>
-              <a:t>read_only</a:t>
-            </a:r>
-            <a:r>
-              <a:rPr lang="en-GB" b="1" dirty="0" smtClean="0">
-                <a:solidFill>
-                  <a:srgbClr val="3366FF"/>
-                </a:solidFill>
-                <a:latin typeface="Courier New"/>
-                <a:cs typeface="Courier New"/>
-              </a:rPr>
-              <a:t> image2d_t input,</a:t>
-            </a:r>
-          </a:p>
-          <a:p>
-            <a:pPr marL="0" indent="0">
-              <a:buNone/>
-            </a:pPr>
-            <a:r>
-              <a:rPr lang="en-GB" b="1" dirty="0">
-                <a:solidFill>
-                  <a:srgbClr val="3366FF"/>
-                </a:solidFill>
-                <a:latin typeface="Courier New"/>
-                <a:cs typeface="Courier New"/>
-              </a:rPr>
-              <a:t> </a:t>
-            </a:r>
-            <a:r>
-              <a:rPr lang="en-GB" b="1" dirty="0" smtClean="0">
-                <a:solidFill>
-                  <a:srgbClr val="3366FF"/>
-                </a:solidFill>
-                <a:latin typeface="Courier New"/>
-                <a:cs typeface="Courier New"/>
-              </a:rPr>
-              <a:t> </a:t>
-            </a:r>
-            <a:r>
-              <a:rPr lang="en-GB" b="1" dirty="0" err="1" smtClean="0">
-                <a:solidFill>
-                  <a:srgbClr val="3366FF"/>
-                </a:solidFill>
-                <a:latin typeface="Courier New"/>
-                <a:cs typeface="Courier New"/>
-              </a:rPr>
-              <a:t>write_only</a:t>
-            </a:r>
-            <a:r>
-              <a:rPr lang="en-GB" b="1" dirty="0" smtClean="0">
-                <a:solidFill>
-                  <a:srgbClr val="3366FF"/>
-                </a:solidFill>
-                <a:latin typeface="Courier New"/>
-                <a:cs typeface="Courier New"/>
-              </a:rPr>
-              <a:t> image2d_t output)</a:t>
-            </a:r>
-          </a:p>
-          <a:p>
-            <a:pPr marL="0" indent="0">
-              <a:buNone/>
-            </a:pPr>
-            <a:r>
-              <a:rPr lang="en-GB" b="1" dirty="0" smtClean="0">
-                <a:solidFill>
-                  <a:srgbClr val="3366FF"/>
-                </a:solidFill>
-                <a:latin typeface="Courier New"/>
-                <a:cs typeface="Courier New"/>
-              </a:rPr>
-              <a:t>{</a:t>
-            </a:r>
-          </a:p>
-          <a:p>
-            <a:pPr marL="0" indent="0">
-              <a:buNone/>
-            </a:pPr>
-            <a:r>
-              <a:rPr lang="en-GB" b="1" dirty="0">
-                <a:solidFill>
-                  <a:srgbClr val="3366FF"/>
-                </a:solidFill>
-                <a:latin typeface="Courier New"/>
-                <a:cs typeface="Courier New"/>
-              </a:rPr>
-              <a:t> </a:t>
-            </a:r>
-            <a:r>
-              <a:rPr lang="en-GB" b="1" dirty="0" smtClean="0">
-                <a:solidFill>
-                  <a:srgbClr val="3366FF"/>
-                </a:solidFill>
-                <a:latin typeface="Courier New"/>
-                <a:cs typeface="Courier New"/>
-              </a:rPr>
-              <a:t> </a:t>
-            </a:r>
-            <a:r>
-              <a:rPr lang="en-GB" b="1" dirty="0" err="1" smtClean="0">
-                <a:solidFill>
-                  <a:srgbClr val="3366FF"/>
-                </a:solidFill>
-                <a:latin typeface="Courier New"/>
-                <a:cs typeface="Courier New"/>
-              </a:rPr>
-              <a:t>int</a:t>
-            </a:r>
-            <a:r>
-              <a:rPr lang="en-GB" b="1" dirty="0" smtClean="0">
-                <a:solidFill>
-                  <a:srgbClr val="3366FF"/>
-                </a:solidFill>
-                <a:latin typeface="Courier New"/>
-                <a:cs typeface="Courier New"/>
-              </a:rPr>
-              <a:t> x = </a:t>
-            </a:r>
-            <a:r>
-              <a:rPr lang="en-GB" b="1" dirty="0" err="1" smtClean="0">
-                <a:solidFill>
-                  <a:srgbClr val="3366FF"/>
-                </a:solidFill>
-                <a:latin typeface="Courier New"/>
-                <a:cs typeface="Courier New"/>
-              </a:rPr>
-              <a:t>get_global_id</a:t>
-            </a:r>
-            <a:r>
-              <a:rPr lang="en-GB" b="1" dirty="0" smtClean="0">
-                <a:solidFill>
-                  <a:srgbClr val="3366FF"/>
-                </a:solidFill>
-                <a:latin typeface="Courier New"/>
-                <a:cs typeface="Courier New"/>
-              </a:rPr>
-              <a:t>(0);</a:t>
-            </a:r>
-          </a:p>
-          <a:p>
-            <a:pPr marL="0" indent="0">
-              <a:buNone/>
-            </a:pPr>
-            <a:r>
-              <a:rPr lang="en-GB" b="1" dirty="0">
-                <a:solidFill>
-                  <a:srgbClr val="3366FF"/>
-                </a:solidFill>
-                <a:latin typeface="Courier New"/>
-                <a:cs typeface="Courier New"/>
-              </a:rPr>
-              <a:t> </a:t>
-            </a:r>
-            <a:r>
-              <a:rPr lang="en-GB" b="1" dirty="0" smtClean="0">
-                <a:solidFill>
-                  <a:srgbClr val="3366FF"/>
-                </a:solidFill>
-                <a:latin typeface="Courier New"/>
-                <a:cs typeface="Courier New"/>
-              </a:rPr>
-              <a:t> </a:t>
-            </a:r>
-            <a:r>
-              <a:rPr lang="en-GB" b="1" dirty="0" err="1" smtClean="0">
-                <a:solidFill>
-                  <a:srgbClr val="3366FF"/>
-                </a:solidFill>
-                <a:latin typeface="Courier New"/>
-                <a:cs typeface="Courier New"/>
-              </a:rPr>
-              <a:t>int</a:t>
-            </a:r>
-            <a:r>
-              <a:rPr lang="en-GB" b="1" dirty="0" smtClean="0">
-                <a:solidFill>
-                  <a:srgbClr val="3366FF"/>
-                </a:solidFill>
-                <a:latin typeface="Courier New"/>
-                <a:cs typeface="Courier New"/>
-              </a:rPr>
-              <a:t> y = </a:t>
-            </a:r>
-            <a:r>
-              <a:rPr lang="en-GB" b="1" dirty="0" err="1" smtClean="0">
-                <a:solidFill>
-                  <a:srgbClr val="3366FF"/>
-                </a:solidFill>
-                <a:latin typeface="Courier New"/>
-                <a:cs typeface="Courier New"/>
-              </a:rPr>
-              <a:t>get_global_id</a:t>
-            </a:r>
-            <a:r>
-              <a:rPr lang="en-GB" b="1" dirty="0" smtClean="0">
-                <a:solidFill>
-                  <a:srgbClr val="3366FF"/>
-                </a:solidFill>
-                <a:latin typeface="Courier New"/>
-                <a:cs typeface="Courier New"/>
-              </a:rPr>
-              <a:t>(1);</a:t>
-            </a:r>
-          </a:p>
-          <a:p>
-            <a:pPr marL="0" indent="0">
-              <a:buNone/>
-            </a:pPr>
-            <a:endParaRPr lang="en-GB" b="1" dirty="0">
-              <a:solidFill>
-                <a:srgbClr val="3366FF"/>
-              </a:solidFill>
-              <a:latin typeface="Courier New"/>
-              <a:cs typeface="Courier New"/>
-            </a:endParaRPr>
-          </a:p>
-          <a:p>
-            <a:pPr marL="0" indent="0">
-              <a:buNone/>
-            </a:pPr>
-            <a:r>
-              <a:rPr lang="en-GB" b="1" dirty="0" smtClean="0">
-                <a:solidFill>
-                  <a:srgbClr val="3366FF"/>
-                </a:solidFill>
-                <a:latin typeface="Courier New"/>
-                <a:cs typeface="Courier New"/>
-              </a:rPr>
-              <a:t>  // Read a normalized pixel value</a:t>
-            </a:r>
-          </a:p>
-          <a:p>
-            <a:pPr marL="0" indent="0">
-              <a:buNone/>
-            </a:pPr>
-            <a:r>
-              <a:rPr lang="en-GB" b="1" dirty="0">
-                <a:solidFill>
-                  <a:srgbClr val="3366FF"/>
-                </a:solidFill>
-                <a:latin typeface="Courier New"/>
-                <a:cs typeface="Courier New"/>
-              </a:rPr>
-              <a:t> </a:t>
-            </a:r>
-            <a:r>
-              <a:rPr lang="en-GB" b="1" dirty="0" smtClean="0">
-                <a:solidFill>
-                  <a:srgbClr val="3366FF"/>
-                </a:solidFill>
-                <a:latin typeface="Courier New"/>
-                <a:cs typeface="Courier New"/>
-              </a:rPr>
-              <a:t> float4 </a:t>
-            </a:r>
-            <a:r>
-              <a:rPr lang="en-GB" b="1" dirty="0" err="1" smtClean="0">
-                <a:solidFill>
-                  <a:srgbClr val="3366FF"/>
-                </a:solidFill>
-                <a:latin typeface="Courier New"/>
-                <a:cs typeface="Courier New"/>
-              </a:rPr>
-              <a:t>color</a:t>
-            </a:r>
-            <a:r>
-              <a:rPr lang="en-GB" b="1" dirty="0" smtClean="0">
-                <a:solidFill>
-                  <a:srgbClr val="3366FF"/>
-                </a:solidFill>
-                <a:latin typeface="Courier New"/>
-                <a:cs typeface="Courier New"/>
-              </a:rPr>
-              <a:t> = </a:t>
-            </a:r>
-            <a:r>
-              <a:rPr lang="en-GB" b="1" dirty="0" err="1" smtClean="0">
-                <a:solidFill>
-                  <a:srgbClr val="3366FF"/>
-                </a:solidFill>
-                <a:latin typeface="Courier New"/>
-                <a:cs typeface="Courier New"/>
-              </a:rPr>
-              <a:t>read_imagef</a:t>
-            </a:r>
-            <a:r>
-              <a:rPr lang="en-GB" b="1" dirty="0" smtClean="0">
-                <a:solidFill>
-                  <a:srgbClr val="3366FF"/>
-                </a:solidFill>
-                <a:latin typeface="Courier New"/>
-                <a:cs typeface="Courier New"/>
-              </a:rPr>
-              <a:t>(</a:t>
-            </a:r>
-          </a:p>
-          <a:p>
-            <a:pPr marL="0" indent="0">
-              <a:buNone/>
-            </a:pPr>
-            <a:r>
-              <a:rPr lang="en-GB" b="1" dirty="0">
-                <a:solidFill>
-                  <a:srgbClr val="3366FF"/>
-                </a:solidFill>
-                <a:latin typeface="Courier New"/>
-                <a:cs typeface="Courier New"/>
-              </a:rPr>
-              <a:t> </a:t>
-            </a:r>
-            <a:r>
-              <a:rPr lang="en-GB" b="1" dirty="0" smtClean="0">
-                <a:solidFill>
-                  <a:srgbClr val="3366FF"/>
-                </a:solidFill>
-                <a:latin typeface="Courier New"/>
-                <a:cs typeface="Courier New"/>
-              </a:rPr>
-              <a:t>   input,</a:t>
-            </a:r>
-          </a:p>
-          <a:p>
-            <a:pPr marL="0" indent="0">
-              <a:buNone/>
-            </a:pPr>
-            <a:r>
-              <a:rPr lang="en-GB" b="1" dirty="0">
-                <a:solidFill>
-                  <a:srgbClr val="3366FF"/>
-                </a:solidFill>
-                <a:latin typeface="Courier New"/>
-                <a:cs typeface="Courier New"/>
-              </a:rPr>
-              <a:t> </a:t>
-            </a:r>
-            <a:r>
-              <a:rPr lang="en-GB" b="1" dirty="0" smtClean="0">
-                <a:solidFill>
-                  <a:srgbClr val="3366FF"/>
-                </a:solidFill>
-                <a:latin typeface="Courier New"/>
-                <a:cs typeface="Courier New"/>
-              </a:rPr>
-              <a:t>   (int2)(x, y)</a:t>
-            </a:r>
-          </a:p>
-          <a:p>
-            <a:pPr marL="0" indent="0">
-              <a:buNone/>
-            </a:pPr>
-            <a:r>
-              <a:rPr lang="en-GB" b="1" dirty="0">
-                <a:solidFill>
-                  <a:srgbClr val="3366FF"/>
-                </a:solidFill>
-                <a:latin typeface="Courier New"/>
-                <a:cs typeface="Courier New"/>
-              </a:rPr>
-              <a:t> </a:t>
-            </a:r>
-            <a:r>
-              <a:rPr lang="en-GB" b="1" dirty="0" smtClean="0">
-                <a:solidFill>
-                  <a:srgbClr val="3366FF"/>
-                </a:solidFill>
-                <a:latin typeface="Courier New"/>
-                <a:cs typeface="Courier New"/>
-              </a:rPr>
-              <a:t> );</a:t>
-            </a:r>
-          </a:p>
-          <a:p>
-            <a:pPr marL="0" indent="0">
-              <a:buNone/>
-            </a:pPr>
-            <a:endParaRPr lang="en-GB" b="1" dirty="0" smtClean="0">
-              <a:solidFill>
-                <a:srgbClr val="3366FF"/>
-              </a:solidFill>
-              <a:latin typeface="Courier New"/>
-              <a:cs typeface="Courier New"/>
-            </a:endParaRPr>
-          </a:p>
-          <a:p>
-            <a:pPr marL="0" indent="0">
-              <a:buNone/>
-            </a:pPr>
-            <a:r>
-              <a:rPr lang="en-GB" b="1" dirty="0">
-                <a:solidFill>
-                  <a:srgbClr val="3366FF"/>
-                </a:solidFill>
-                <a:latin typeface="Courier New"/>
-                <a:cs typeface="Courier New"/>
-              </a:rPr>
-              <a:t> </a:t>
-            </a:r>
-            <a:r>
-              <a:rPr lang="en-GB" b="1" dirty="0" smtClean="0">
-                <a:solidFill>
-                  <a:srgbClr val="3366FF"/>
-                </a:solidFill>
-                <a:latin typeface="Courier New"/>
-                <a:cs typeface="Courier New"/>
-              </a:rPr>
-              <a:t> ...</a:t>
-            </a:r>
-          </a:p>
-          <a:p>
-            <a:pPr marL="0" indent="0">
-              <a:buNone/>
-            </a:pPr>
-            <a:endParaRPr lang="en-GB" b="1" dirty="0">
-              <a:solidFill>
-                <a:srgbClr val="3366FF"/>
-              </a:solidFill>
-              <a:latin typeface="Courier New"/>
-              <a:cs typeface="Courier New"/>
-            </a:endParaRPr>
-          </a:p>
-          <a:p>
-            <a:pPr marL="0" indent="0">
-              <a:buNone/>
-            </a:pPr>
-            <a:r>
-              <a:rPr lang="en-GB" b="1" dirty="0" smtClean="0">
-                <a:solidFill>
-                  <a:srgbClr val="3366FF"/>
-                </a:solidFill>
-                <a:latin typeface="Courier New"/>
-                <a:cs typeface="Courier New"/>
-              </a:rPr>
-              <a:t>  // Write a normalized pixel value</a:t>
-            </a:r>
-          </a:p>
-          <a:p>
-            <a:pPr marL="0" indent="0">
-              <a:buNone/>
-            </a:pPr>
-            <a:r>
-              <a:rPr lang="en-GB" b="1" dirty="0">
-                <a:solidFill>
-                  <a:srgbClr val="3366FF"/>
-                </a:solidFill>
-                <a:latin typeface="Courier New"/>
-                <a:cs typeface="Courier New"/>
-              </a:rPr>
-              <a:t> </a:t>
-            </a:r>
-            <a:r>
-              <a:rPr lang="en-GB" b="1" dirty="0" smtClean="0">
-                <a:solidFill>
-                  <a:srgbClr val="3366FF"/>
-                </a:solidFill>
-                <a:latin typeface="Courier New"/>
-                <a:cs typeface="Courier New"/>
-              </a:rPr>
-              <a:t> </a:t>
-            </a:r>
-            <a:r>
-              <a:rPr lang="en-GB" b="1" dirty="0" err="1" smtClean="0">
-                <a:solidFill>
-                  <a:srgbClr val="3366FF"/>
-                </a:solidFill>
-                <a:latin typeface="Courier New"/>
-                <a:cs typeface="Courier New"/>
-              </a:rPr>
-              <a:t>write_imagef</a:t>
-            </a:r>
-            <a:r>
-              <a:rPr lang="en-GB" b="1" dirty="0" smtClean="0">
-                <a:solidFill>
-                  <a:srgbClr val="3366FF"/>
-                </a:solidFill>
-                <a:latin typeface="Courier New"/>
-                <a:cs typeface="Courier New"/>
-              </a:rPr>
-              <a:t>(</a:t>
-            </a:r>
-          </a:p>
-          <a:p>
-            <a:pPr marL="0" indent="0">
-              <a:buNone/>
-            </a:pPr>
-            <a:r>
-              <a:rPr lang="en-GB" b="1" dirty="0">
-                <a:solidFill>
-                  <a:srgbClr val="3366FF"/>
-                </a:solidFill>
-                <a:latin typeface="Courier New"/>
-                <a:cs typeface="Courier New"/>
-              </a:rPr>
-              <a:t> </a:t>
-            </a:r>
-            <a:r>
-              <a:rPr lang="en-GB" b="1" dirty="0" smtClean="0">
-                <a:solidFill>
-                  <a:srgbClr val="3366FF"/>
-                </a:solidFill>
-                <a:latin typeface="Courier New"/>
-                <a:cs typeface="Courier New"/>
-              </a:rPr>
-              <a:t>   output,</a:t>
-            </a:r>
-          </a:p>
-          <a:p>
-            <a:pPr marL="0" indent="0">
-              <a:buNone/>
-            </a:pPr>
-            <a:r>
-              <a:rPr lang="en-GB" b="1" dirty="0">
-                <a:solidFill>
-                  <a:srgbClr val="3366FF"/>
-                </a:solidFill>
-                <a:latin typeface="Courier New"/>
-                <a:cs typeface="Courier New"/>
-              </a:rPr>
-              <a:t> </a:t>
-            </a:r>
-            <a:r>
-              <a:rPr lang="en-GB" b="1" dirty="0" smtClean="0">
-                <a:solidFill>
-                  <a:srgbClr val="3366FF"/>
-                </a:solidFill>
-                <a:latin typeface="Courier New"/>
-                <a:cs typeface="Courier New"/>
-              </a:rPr>
-              <a:t>   (int2)(x, y),</a:t>
-            </a:r>
-          </a:p>
-          <a:p>
-            <a:pPr marL="0" indent="0">
-              <a:buNone/>
-            </a:pPr>
-            <a:r>
-              <a:rPr lang="en-GB" b="1" dirty="0" smtClean="0">
-                <a:solidFill>
-                  <a:srgbClr val="3366FF"/>
-                </a:solidFill>
-                <a:latin typeface="Courier New"/>
-                <a:cs typeface="Courier New"/>
-              </a:rPr>
-              <a:t>    </a:t>
-            </a:r>
-            <a:r>
-              <a:rPr lang="en-GB" b="1" dirty="0" err="1" smtClean="0">
-                <a:solidFill>
-                  <a:srgbClr val="3366FF"/>
-                </a:solidFill>
-                <a:latin typeface="Courier New"/>
-                <a:cs typeface="Courier New"/>
-              </a:rPr>
-              <a:t>color</a:t>
-            </a:r>
-            <a:endParaRPr lang="en-GB" b="1" dirty="0" smtClean="0">
-              <a:solidFill>
-                <a:srgbClr val="3366FF"/>
-              </a:solidFill>
-              <a:latin typeface="Courier New"/>
-              <a:cs typeface="Courier New"/>
-            </a:endParaRPr>
-          </a:p>
-          <a:p>
-            <a:pPr marL="0" indent="0">
-              <a:buNone/>
-            </a:pPr>
-            <a:r>
-              <a:rPr lang="en-GB" b="1" dirty="0">
-                <a:solidFill>
-                  <a:srgbClr val="3366FF"/>
-                </a:solidFill>
-                <a:latin typeface="Courier New"/>
-                <a:cs typeface="Courier New"/>
-              </a:rPr>
-              <a:t> </a:t>
-            </a:r>
-            <a:r>
-              <a:rPr lang="en-GB" b="1" dirty="0" smtClean="0">
-                <a:solidFill>
-                  <a:srgbClr val="3366FF"/>
-                </a:solidFill>
-                <a:latin typeface="Courier New"/>
-                <a:cs typeface="Courier New"/>
-              </a:rPr>
-              <a:t> );</a:t>
-            </a:r>
-          </a:p>
-          <a:p>
-            <a:pPr marL="0" indent="0">
-              <a:buNone/>
-            </a:pPr>
-            <a:r>
-              <a:rPr lang="en-GB" b="1" dirty="0" smtClean="0">
-                <a:solidFill>
-                  <a:srgbClr val="3366FF"/>
-                </a:solidFill>
-                <a:latin typeface="Courier New"/>
-                <a:cs typeface="Courier New"/>
-              </a:rPr>
-              <a:t>}</a:t>
-            </a:r>
-            <a:endParaRPr lang="en-GB" b="1" dirty="0">
-              <a:solidFill>
-                <a:srgbClr val="3366FF"/>
-              </a:solidFill>
-              <a:latin typeface="Courier New"/>
-              <a:cs typeface="Courier New"/>
-            </a:endParaRPr>
-          </a:p>
-        </p:txBody>
-      </p:sp>
-      <p:sp>
-        <p:nvSpPr>
-          <p:cNvPr id="4" name="Text Placeholder 3"/>
+            <a:r>
+              <a:rPr lang="en-GB" dirty="0" smtClean="0"/>
+              <a:t>Data types</a:t>
+            </a:r>
+            <a:endParaRPr lang="en-GB" dirty="0"/>
+          </a:p>
+        </p:txBody>
+      </p:sp>
+      <p:sp>
+        <p:nvSpPr>
+          <p:cNvPr id="4" name="Content Placeholder 3"/>
           <p:cNvSpPr>
             <a:spLocks noGrp="1"/>
           </p:cNvSpPr>
           <p:nvPr>
-            <p:ph type="body" sz="half" idx="2"/>
+            <p:ph sz="half" idx="2"/>
+          </p:nvPr>
+        </p:nvSpPr>
+        <p:spPr/>
+        <p:txBody>
+          <a:bodyPr>
+            <a:normAutofit fontScale="70000" lnSpcReduction="20000"/>
+          </a:bodyPr>
+          <a:lstStyle/>
+          <a:p>
+            <a:r>
+              <a:rPr lang="en-GB" dirty="0" smtClean="0"/>
+              <a:t>CL_SNORM_INT8</a:t>
+            </a:r>
+          </a:p>
+          <a:p>
+            <a:r>
+              <a:rPr lang="en-GB" dirty="0" smtClean="0"/>
+              <a:t>CL_SNORM_INT16</a:t>
+            </a:r>
+          </a:p>
+          <a:p>
+            <a:r>
+              <a:rPr lang="en-GB" dirty="0" smtClean="0"/>
+              <a:t>CL_UNORM_INT8</a:t>
+            </a:r>
+          </a:p>
+          <a:p>
+            <a:r>
+              <a:rPr lang="en-GB" dirty="0" smtClean="0"/>
+              <a:t>CL_UNORM_INT16</a:t>
+            </a:r>
+          </a:p>
+          <a:p>
+            <a:r>
+              <a:rPr lang="en-GB" dirty="0" smtClean="0"/>
+              <a:t>CL_UNORM_SHORT_565</a:t>
+            </a:r>
+          </a:p>
+          <a:p>
+            <a:r>
+              <a:rPr lang="en-GB" dirty="0" smtClean="0"/>
+              <a:t>CL_UNORM_SHORT_555</a:t>
+            </a:r>
+          </a:p>
+          <a:p>
+            <a:r>
+              <a:rPr lang="en-GB" dirty="0" smtClean="0"/>
+              <a:t>CL_UNORM_INT_101010</a:t>
+            </a:r>
+          </a:p>
+          <a:p>
+            <a:r>
+              <a:rPr lang="en-GB" dirty="0" smtClean="0"/>
+              <a:t>CL_SIGNED_INT8</a:t>
+            </a:r>
+          </a:p>
+          <a:p>
+            <a:r>
+              <a:rPr lang="en-GB" dirty="0" smtClean="0"/>
+              <a:t>CL_SIGNED_INT16</a:t>
+            </a:r>
+          </a:p>
+          <a:p>
+            <a:r>
+              <a:rPr lang="en-GB" dirty="0" smtClean="0"/>
+              <a:t>CL_SIGNED_INT32</a:t>
+            </a:r>
+          </a:p>
+          <a:p>
+            <a:r>
+              <a:rPr lang="en-GB" dirty="0" smtClean="0"/>
+              <a:t>CL_UNSIGNED_INT8</a:t>
+            </a:r>
+          </a:p>
+          <a:p>
+            <a:r>
+              <a:rPr lang="en-GB" dirty="0" smtClean="0"/>
+              <a:t>CL_UNSIGNED_INT16</a:t>
+            </a:r>
+          </a:p>
+          <a:p>
+            <a:r>
+              <a:rPr lang="en-GB" dirty="0" smtClean="0"/>
+              <a:t>CL_UNSIGNED_INT32</a:t>
+            </a:r>
+          </a:p>
+          <a:p>
+            <a:r>
+              <a:rPr lang="en-GB" dirty="0" smtClean="0"/>
+              <a:t>CL_HALF_FLOAT</a:t>
+            </a:r>
+          </a:p>
+          <a:p>
+            <a:r>
+              <a:rPr lang="en-GB" dirty="0" smtClean="0"/>
+              <a:t>CL_FLOAT</a:t>
+            </a:r>
+          </a:p>
+          <a:p>
+            <a:endParaRPr lang="en-GB" dirty="0" smtClean="0"/>
+          </a:p>
+        </p:txBody>
+      </p:sp>
+      <p:sp>
+        <p:nvSpPr>
+          <p:cNvPr id="5" name="Text Placeholder 4"/>
+          <p:cNvSpPr>
+            <a:spLocks noGrp="1"/>
+          </p:cNvSpPr>
+          <p:nvPr>
+            <p:ph type="body" sz="quarter" idx="3"/>
           </p:nvPr>
         </p:nvSpPr>
         <p:spPr/>
@@ -43962,208 +44063,118 @@
           <a:bodyPr/>
           <a:lstStyle/>
           <a:p>
-            <a:pPr marL="285750" indent="-285750">
-              <a:buFont typeface="Arial"/>
-              <a:buChar char="•"/>
-            </a:pPr>
-            <a:r>
-              <a:rPr lang="en-GB" dirty="0"/>
-              <a:t>Image objects are declared with special built-in types</a:t>
-            </a:r>
-          </a:p>
-          <a:p>
-            <a:pPr marL="285750" indent="-285750">
-              <a:buFont typeface="Arial"/>
-              <a:buChar char="•"/>
-            </a:pPr>
-            <a:r>
-              <a:rPr lang="en-GB" dirty="0"/>
-              <a:t>In OpenCL 1.X, image objects can be either </a:t>
-            </a:r>
-            <a:r>
-              <a:rPr lang="en-GB" b="1" dirty="0" err="1">
-                <a:solidFill>
-                  <a:srgbClr val="3366FF"/>
-                </a:solidFill>
-                <a:latin typeface="Courier New"/>
-                <a:cs typeface="Courier New"/>
-              </a:rPr>
-              <a:t>read_only</a:t>
-            </a:r>
-            <a:r>
-              <a:rPr lang="en-GB" dirty="0">
-                <a:solidFill>
-                  <a:srgbClr val="3366FF"/>
-                </a:solidFill>
-              </a:rPr>
-              <a:t> </a:t>
-            </a:r>
-            <a:r>
-              <a:rPr lang="en-GB" dirty="0"/>
-              <a:t>or </a:t>
-            </a:r>
-            <a:r>
-              <a:rPr lang="en-GB" b="1" dirty="0" err="1">
-                <a:solidFill>
-                  <a:srgbClr val="3366FF"/>
-                </a:solidFill>
-                <a:latin typeface="Courier New"/>
-                <a:cs typeface="Courier New"/>
-              </a:rPr>
-              <a:t>write_only</a:t>
-            </a:r>
-            <a:r>
-              <a:rPr lang="en-GB" dirty="0"/>
-              <a:t>; an image object can not be both read and written from the same kernel</a:t>
-            </a:r>
-          </a:p>
-          <a:p>
-            <a:pPr marL="285750" indent="-285750">
-              <a:buFont typeface="Arial"/>
-              <a:buChar char="•"/>
-            </a:pPr>
-            <a:r>
-              <a:rPr lang="en-GB" dirty="0"/>
-              <a:t>Integer pixel values can be read with </a:t>
-            </a:r>
-            <a:r>
-              <a:rPr lang="en-GB" b="1" dirty="0" err="1">
-                <a:solidFill>
-                  <a:srgbClr val="3366FF"/>
-                </a:solidFill>
-                <a:latin typeface="Courier New"/>
-                <a:cs typeface="Courier New"/>
-              </a:rPr>
-              <a:t>read_imagei</a:t>
-            </a:r>
-            <a:r>
-              <a:rPr lang="en-GB" dirty="0"/>
-              <a:t>/</a:t>
-            </a:r>
-            <a:r>
-              <a:rPr lang="en-GB" b="1" dirty="0" err="1">
-                <a:solidFill>
-                  <a:srgbClr val="3366FF"/>
-                </a:solidFill>
-                <a:latin typeface="Courier New"/>
-                <a:cs typeface="Courier New"/>
-              </a:rPr>
-              <a:t>ui</a:t>
-            </a:r>
-            <a:endParaRPr lang="en-GB" b="1" dirty="0">
-              <a:solidFill>
-                <a:srgbClr val="3366FF"/>
-              </a:solidFill>
-              <a:latin typeface="Courier New"/>
-              <a:cs typeface="Courier New"/>
-            </a:endParaRPr>
-          </a:p>
-          <a:p>
-            <a:pPr marL="285750" indent="-285750">
-              <a:buFont typeface="Arial"/>
-              <a:buChar char="•"/>
-            </a:pPr>
-            <a:r>
-              <a:rPr lang="en-GB" dirty="0"/>
-              <a:t>Normalized floating point values can be read with </a:t>
-            </a:r>
-            <a:r>
-              <a:rPr lang="en-GB" b="1" dirty="0" err="1">
-                <a:solidFill>
-                  <a:srgbClr val="3366FF"/>
-                </a:solidFill>
-                <a:latin typeface="Courier New"/>
-                <a:cs typeface="Courier New"/>
-              </a:rPr>
-              <a:t>read_imagef</a:t>
-            </a:r>
-            <a:endParaRPr lang="en-GB" b="1" dirty="0">
-              <a:solidFill>
-                <a:srgbClr val="3366FF"/>
-              </a:solidFill>
-              <a:latin typeface="Courier New"/>
-              <a:cs typeface="Courier New"/>
-            </a:endParaRPr>
-          </a:p>
-          <a:p>
-            <a:pPr marL="285750" indent="-285750">
-              <a:buFont typeface="Arial"/>
-              <a:buChar char="•"/>
-            </a:pPr>
-            <a:r>
-              <a:rPr lang="en-GB" dirty="0"/>
-              <a:t>Pixel values can be written </a:t>
-            </a:r>
-            <a:r>
-              <a:rPr lang="en-GB"/>
-              <a:t>with </a:t>
-            </a:r>
-            <a:r>
-              <a:rPr lang="en-GB" b="1" smtClean="0">
-                <a:solidFill>
-                  <a:srgbClr val="3366FF"/>
-                </a:solidFill>
-                <a:latin typeface="Courier New"/>
-                <a:cs typeface="Courier New"/>
-              </a:rPr>
-              <a:t>write_imagef</a:t>
+            <a:r>
+              <a:rPr lang="en-GB" dirty="0" smtClean="0"/>
+              <a:t>Channel orders</a:t>
             </a:r>
             <a:endParaRPr lang="en-GB" dirty="0"/>
           </a:p>
-          <a:p>
-            <a:pPr marL="285750" indent="-285750">
-              <a:buFont typeface="Arial"/>
-              <a:buChar char="•"/>
-            </a:pPr>
-            <a:r>
-              <a:rPr lang="en-GB" dirty="0"/>
-              <a:t>These functions operate on 4-element vectors, regardless of the image channel order</a:t>
-            </a:r>
-          </a:p>
-        </p:txBody>
-      </p:sp>
-      <p:sp>
-        <p:nvSpPr>
-          <p:cNvPr id="5" name="TextBox 4"/>
-          <p:cNvSpPr txBox="1"/>
-          <p:nvPr/>
-        </p:nvSpPr>
-        <p:spPr>
-          <a:xfrm>
-            <a:off x="1436414" y="6297448"/>
-            <a:ext cx="4923380" cy="369332"/>
-          </a:xfrm>
-          <a:prstGeom prst="rect">
-            <a:avLst/>
-          </a:prstGeom>
-          <a:noFill/>
-        </p:spPr>
-        <p:txBody>
-          <a:bodyPr wrap="none" rtlCol="0">
-            <a:spAutoFit/>
+        </p:txBody>
+      </p:sp>
+      <p:sp>
+        <p:nvSpPr>
+          <p:cNvPr id="6" name="Content Placeholder 5"/>
+          <p:cNvSpPr>
+            <a:spLocks noGrp="1"/>
+          </p:cNvSpPr>
+          <p:nvPr>
+            <p:ph sz="quarter" idx="4"/>
+          </p:nvPr>
+        </p:nvSpPr>
+        <p:spPr/>
+        <p:txBody>
+          <a:bodyPr>
+            <a:normAutofit fontScale="77500" lnSpcReduction="20000"/>
           </a:bodyPr>
           <a:lstStyle/>
           <a:p>
             <a:r>
-              <a:rPr lang="en-US" dirty="0" smtClean="0"/>
-              <a:t>Note: the sampler-less reads are </a:t>
-            </a:r>
-            <a:r>
-              <a:rPr lang="en-US" dirty="0" err="1" smtClean="0"/>
-              <a:t>OpenCL</a:t>
-            </a:r>
-            <a:r>
-              <a:rPr lang="en-US" dirty="0" smtClean="0"/>
-              <a:t> 1.2+ only</a:t>
-            </a:r>
-            <a:endParaRPr lang="en-US" dirty="0"/>
+              <a:rPr lang="en-GB" dirty="0" smtClean="0"/>
+              <a:t>CL_R</a:t>
+            </a:r>
+          </a:p>
+          <a:p>
+            <a:r>
+              <a:rPr lang="en-GB" dirty="0" err="1" smtClean="0"/>
+              <a:t>CL_Rx</a:t>
+            </a:r>
+            <a:endParaRPr lang="en-GB" dirty="0"/>
+          </a:p>
+          <a:p>
+            <a:r>
+              <a:rPr lang="en-GB" dirty="0" smtClean="0"/>
+              <a:t>CL_A</a:t>
+            </a:r>
+          </a:p>
+          <a:p>
+            <a:r>
+              <a:rPr lang="en-GB" dirty="0" smtClean="0"/>
+              <a:t>CL_INTENSITY</a:t>
+            </a:r>
+          </a:p>
+          <a:p>
+            <a:r>
+              <a:rPr lang="en-GB" dirty="0" smtClean="0"/>
+              <a:t>CL_LUMINANCE</a:t>
+            </a:r>
+          </a:p>
+          <a:p>
+            <a:r>
+              <a:rPr lang="en-GB" dirty="0" smtClean="0"/>
+              <a:t>CL_RG</a:t>
+            </a:r>
+          </a:p>
+          <a:p>
+            <a:r>
+              <a:rPr lang="en-GB" dirty="0" err="1" smtClean="0"/>
+              <a:t>CL_RGx</a:t>
+            </a:r>
+            <a:endParaRPr lang="en-GB" dirty="0"/>
+          </a:p>
+          <a:p>
+            <a:r>
+              <a:rPr lang="en-GB" dirty="0" smtClean="0"/>
+              <a:t>CL_RA</a:t>
+            </a:r>
+          </a:p>
+          <a:p>
+            <a:r>
+              <a:rPr lang="en-GB" dirty="0" smtClean="0"/>
+              <a:t>CL_RGB</a:t>
+            </a:r>
+          </a:p>
+          <a:p>
+            <a:r>
+              <a:rPr lang="en-GB" dirty="0" err="1" smtClean="0"/>
+              <a:t>CL_RGBx</a:t>
+            </a:r>
+            <a:endParaRPr lang="en-GB" dirty="0" smtClean="0"/>
+          </a:p>
+          <a:p>
+            <a:r>
+              <a:rPr lang="en-GB" dirty="0" smtClean="0"/>
+              <a:t>CL_RGBA</a:t>
+            </a:r>
+          </a:p>
+          <a:p>
+            <a:r>
+              <a:rPr lang="en-GB" dirty="0" smtClean="0"/>
+              <a:t>CL_ARGB</a:t>
+            </a:r>
+          </a:p>
+          <a:p>
+            <a:r>
+              <a:rPr lang="en-GB" dirty="0" smtClean="0"/>
+              <a:t>CL_BGRA</a:t>
+            </a:r>
+            <a:endParaRPr lang="en-GB" dirty="0"/>
           </a:p>
         </p:txBody>
       </p:sp>
     </p:spTree>
     <p:extLst>
       <p:ext uri="{BB962C8B-B14F-4D97-AF65-F5344CB8AC3E}">
-        <p14:creationId xmlns:p14="http://schemas.microsoft.com/office/powerpoint/2010/main" val="1003612921"/>
+        <p14:creationId xmlns:p14="http://schemas.microsoft.com/office/powerpoint/2010/main" val="922886572"/>
       </p:ext>
     </p:extLst>
   </p:cSld>
@@ -44214,7 +44225,7 @@
           <a:p>
             <a:r>
               <a:rPr lang="en-GB" dirty="0" smtClean="0"/>
-              <a:t>Image Samplers</a:t>
+              <a:t>Image Types – Kernel</a:t>
             </a:r>
             <a:endParaRPr lang="en-GB" dirty="0"/>
           </a:p>
@@ -44233,144 +44244,9 @@
         <p:spPr/>
         <p:txBody>
           <a:bodyPr>
-            <a:normAutofit fontScale="32500" lnSpcReduction="20000"/>
+            <a:normAutofit fontScale="47500" lnSpcReduction="20000"/>
           </a:bodyPr>
           <a:lstStyle/>
-          <a:p>
-            <a:pPr marL="0" indent="0">
-              <a:buNone/>
-            </a:pPr>
-            <a:r>
-              <a:rPr lang="en-GB" b="1" dirty="0" smtClean="0">
-                <a:solidFill>
-                  <a:srgbClr val="3366FF"/>
-                </a:solidFill>
-                <a:latin typeface="Courier New"/>
-                <a:cs typeface="Courier New"/>
-              </a:rPr>
-              <a:t>// Create a sampler object</a:t>
-            </a:r>
-          </a:p>
-          <a:p>
-            <a:pPr marL="0" indent="0">
-              <a:buNone/>
-            </a:pPr>
-            <a:r>
-              <a:rPr lang="en-GB" b="1" dirty="0" smtClean="0">
-                <a:solidFill>
-                  <a:srgbClr val="3366FF"/>
-                </a:solidFill>
-                <a:latin typeface="Courier New"/>
-                <a:cs typeface="Courier New"/>
-              </a:rPr>
-              <a:t>cl::Sampler sampler(</a:t>
-            </a:r>
-          </a:p>
-          <a:p>
-            <a:pPr marL="0" indent="0">
-              <a:buNone/>
-            </a:pPr>
-            <a:r>
-              <a:rPr lang="en-GB" b="1" dirty="0">
-                <a:solidFill>
-                  <a:srgbClr val="3366FF"/>
-                </a:solidFill>
-                <a:latin typeface="Courier New"/>
-                <a:cs typeface="Courier New"/>
-              </a:rPr>
-              <a:t> </a:t>
-            </a:r>
-            <a:r>
-              <a:rPr lang="en-GB" b="1" dirty="0" smtClean="0">
-                <a:solidFill>
-                  <a:srgbClr val="3366FF"/>
-                </a:solidFill>
-                <a:latin typeface="Courier New"/>
-                <a:cs typeface="Courier New"/>
-              </a:rPr>
-              <a:t> context,           // context objects</a:t>
-            </a:r>
-          </a:p>
-          <a:p>
-            <a:pPr marL="0" indent="0">
-              <a:buNone/>
-            </a:pPr>
-            <a:r>
-              <a:rPr lang="en-GB" b="1" dirty="0">
-                <a:solidFill>
-                  <a:srgbClr val="3366FF"/>
-                </a:solidFill>
-                <a:latin typeface="Courier New"/>
-                <a:cs typeface="Courier New"/>
-              </a:rPr>
-              <a:t> </a:t>
-            </a:r>
-            <a:r>
-              <a:rPr lang="en-GB" b="1" dirty="0" smtClean="0">
-                <a:solidFill>
-                  <a:srgbClr val="3366FF"/>
-                </a:solidFill>
-                <a:latin typeface="Courier New"/>
-                <a:cs typeface="Courier New"/>
-              </a:rPr>
-              <a:t> CL_FALSE,          // normalized coordinates</a:t>
-            </a:r>
-          </a:p>
-          <a:p>
-            <a:pPr marL="0" indent="0">
-              <a:buNone/>
-            </a:pPr>
-            <a:r>
-              <a:rPr lang="en-GB" b="1" dirty="0" smtClean="0">
-                <a:solidFill>
-                  <a:srgbClr val="3366FF"/>
-                </a:solidFill>
-                <a:latin typeface="Courier New"/>
-                <a:cs typeface="Courier New"/>
-              </a:rPr>
-              <a:t>  CL_ADDRESS_REPEAT, // addressing mode</a:t>
-            </a:r>
-          </a:p>
-          <a:p>
-            <a:pPr marL="0" indent="0">
-              <a:buNone/>
-            </a:pPr>
-            <a:r>
-              <a:rPr lang="en-GB" b="1" dirty="0">
-                <a:solidFill>
-                  <a:srgbClr val="3366FF"/>
-                </a:solidFill>
-                <a:latin typeface="Courier New"/>
-                <a:cs typeface="Courier New"/>
-              </a:rPr>
-              <a:t> </a:t>
-            </a:r>
-            <a:r>
-              <a:rPr lang="en-GB" b="1" dirty="0" smtClean="0">
-                <a:solidFill>
-                  <a:srgbClr val="3366FF"/>
-                </a:solidFill>
-                <a:latin typeface="Courier New"/>
-                <a:cs typeface="Courier New"/>
-              </a:rPr>
-              <a:t> CL_FILTER_NEAREST, // filtering mode</a:t>
-            </a:r>
-          </a:p>
-          <a:p>
-            <a:pPr marL="0" indent="0">
-              <a:buNone/>
-            </a:pPr>
-            <a:r>
-              <a:rPr lang="en-GB" b="1" dirty="0" smtClean="0">
-                <a:solidFill>
-                  <a:srgbClr val="3366FF"/>
-                </a:solidFill>
-                <a:latin typeface="Courier New"/>
-                <a:cs typeface="Courier New"/>
-              </a:rPr>
-              <a:t>);</a:t>
-            </a:r>
-          </a:p>
           <a:p>
             <a:pPr marL="0" indent="0">
               <a:buNone/>
@@ -44395,8 +44271,248 @@
                 <a:latin typeface="Courier New"/>
                 <a:cs typeface="Courier New"/>
               </a:rPr>
-              <a:t>// Pass sampler to kernel as an argument</a:t>
-            </a:r>
+              <a:t>kernel void foo(</a:t>
+            </a:r>
+          </a:p>
+          <a:p>
+            <a:pPr marL="0" indent="0">
+              <a:buNone/>
+            </a:pPr>
+            <a:r>
+              <a:rPr lang="en-GB" b="1" dirty="0">
+                <a:solidFill>
+                  <a:srgbClr val="3366FF"/>
+                </a:solidFill>
+                <a:latin typeface="Courier New"/>
+                <a:cs typeface="Courier New"/>
+              </a:rPr>
+              <a:t> </a:t>
+            </a:r>
+            <a:r>
+              <a:rPr lang="en-GB" b="1" dirty="0" smtClean="0">
+                <a:solidFill>
+                  <a:srgbClr val="3366FF"/>
+                </a:solidFill>
+                <a:latin typeface="Courier New"/>
+                <a:cs typeface="Courier New"/>
+              </a:rPr>
+              <a:t> </a:t>
+            </a:r>
+            <a:r>
+              <a:rPr lang="en-GB" b="1" dirty="0" err="1" smtClean="0">
+                <a:solidFill>
+                  <a:srgbClr val="3366FF"/>
+                </a:solidFill>
+                <a:latin typeface="Courier New"/>
+                <a:cs typeface="Courier New"/>
+              </a:rPr>
+              <a:t>read_only</a:t>
+            </a:r>
+            <a:r>
+              <a:rPr lang="en-GB" b="1" dirty="0" smtClean="0">
+                <a:solidFill>
+                  <a:srgbClr val="3366FF"/>
+                </a:solidFill>
+                <a:latin typeface="Courier New"/>
+                <a:cs typeface="Courier New"/>
+              </a:rPr>
+              <a:t> image2d_t input,</a:t>
+            </a:r>
+          </a:p>
+          <a:p>
+            <a:pPr marL="0" indent="0">
+              <a:buNone/>
+            </a:pPr>
+            <a:r>
+              <a:rPr lang="en-GB" b="1" dirty="0">
+                <a:solidFill>
+                  <a:srgbClr val="3366FF"/>
+                </a:solidFill>
+                <a:latin typeface="Courier New"/>
+                <a:cs typeface="Courier New"/>
+              </a:rPr>
+              <a:t> </a:t>
+            </a:r>
+            <a:r>
+              <a:rPr lang="en-GB" b="1" dirty="0" smtClean="0">
+                <a:solidFill>
+                  <a:srgbClr val="3366FF"/>
+                </a:solidFill>
+                <a:latin typeface="Courier New"/>
+                <a:cs typeface="Courier New"/>
+              </a:rPr>
+              <a:t> </a:t>
+            </a:r>
+            <a:r>
+              <a:rPr lang="en-GB" b="1" dirty="0" err="1" smtClean="0">
+                <a:solidFill>
+                  <a:srgbClr val="3366FF"/>
+                </a:solidFill>
+                <a:latin typeface="Courier New"/>
+                <a:cs typeface="Courier New"/>
+              </a:rPr>
+              <a:t>write_only</a:t>
+            </a:r>
+            <a:r>
+              <a:rPr lang="en-GB" b="1" dirty="0" smtClean="0">
+                <a:solidFill>
+                  <a:srgbClr val="3366FF"/>
+                </a:solidFill>
+                <a:latin typeface="Courier New"/>
+                <a:cs typeface="Courier New"/>
+              </a:rPr>
+              <a:t> image2d_t output)</a:t>
+            </a:r>
+          </a:p>
+          <a:p>
+            <a:pPr marL="0" indent="0">
+              <a:buNone/>
+            </a:pPr>
+            <a:r>
+              <a:rPr lang="en-GB" b="1" dirty="0" smtClean="0">
+                <a:solidFill>
+                  <a:srgbClr val="3366FF"/>
+                </a:solidFill>
+                <a:latin typeface="Courier New"/>
+                <a:cs typeface="Courier New"/>
+              </a:rPr>
+              <a:t>{</a:t>
+            </a:r>
+          </a:p>
+          <a:p>
+            <a:pPr marL="0" indent="0">
+              <a:buNone/>
+            </a:pPr>
+            <a:r>
+              <a:rPr lang="en-GB" b="1" dirty="0">
+                <a:solidFill>
+                  <a:srgbClr val="3366FF"/>
+                </a:solidFill>
+                <a:latin typeface="Courier New"/>
+                <a:cs typeface="Courier New"/>
+              </a:rPr>
+              <a:t> </a:t>
+            </a:r>
+            <a:r>
+              <a:rPr lang="en-GB" b="1" dirty="0" smtClean="0">
+                <a:solidFill>
+                  <a:srgbClr val="3366FF"/>
+                </a:solidFill>
+                <a:latin typeface="Courier New"/>
+                <a:cs typeface="Courier New"/>
+              </a:rPr>
+              <a:t> </a:t>
+            </a:r>
+            <a:r>
+              <a:rPr lang="en-GB" b="1" dirty="0" err="1" smtClean="0">
+                <a:solidFill>
+                  <a:srgbClr val="3366FF"/>
+                </a:solidFill>
+                <a:latin typeface="Courier New"/>
+                <a:cs typeface="Courier New"/>
+              </a:rPr>
+              <a:t>int</a:t>
+            </a:r>
+            <a:r>
+              <a:rPr lang="en-GB" b="1" dirty="0" smtClean="0">
+                <a:solidFill>
+                  <a:srgbClr val="3366FF"/>
+                </a:solidFill>
+                <a:latin typeface="Courier New"/>
+                <a:cs typeface="Courier New"/>
+              </a:rPr>
+              <a:t> x = </a:t>
+            </a:r>
+            <a:r>
+              <a:rPr lang="en-GB" b="1" dirty="0" err="1" smtClean="0">
+                <a:solidFill>
+                  <a:srgbClr val="3366FF"/>
+                </a:solidFill>
+                <a:latin typeface="Courier New"/>
+                <a:cs typeface="Courier New"/>
+              </a:rPr>
+              <a:t>get_global_id</a:t>
+            </a:r>
+            <a:r>
+              <a:rPr lang="en-GB" b="1" dirty="0" smtClean="0">
+                <a:solidFill>
+                  <a:srgbClr val="3366FF"/>
+                </a:solidFill>
+                <a:latin typeface="Courier New"/>
+                <a:cs typeface="Courier New"/>
+              </a:rPr>
+              <a:t>(0);</a:t>
+            </a:r>
+          </a:p>
+          <a:p>
+            <a:pPr marL="0" indent="0">
+              <a:buNone/>
+            </a:pPr>
+            <a:r>
+              <a:rPr lang="en-GB" b="1" dirty="0">
+                <a:solidFill>
+                  <a:srgbClr val="3366FF"/>
+                </a:solidFill>
+                <a:latin typeface="Courier New"/>
+                <a:cs typeface="Courier New"/>
+              </a:rPr>
+              <a:t> </a:t>
+            </a:r>
+            <a:r>
+              <a:rPr lang="en-GB" b="1" dirty="0" smtClean="0">
+                <a:solidFill>
+                  <a:srgbClr val="3366FF"/>
+                </a:solidFill>
+                <a:latin typeface="Courier New"/>
+                <a:cs typeface="Courier New"/>
+              </a:rPr>
+              <a:t> </a:t>
+            </a:r>
+            <a:r>
+              <a:rPr lang="en-GB" b="1" dirty="0" err="1" smtClean="0">
+                <a:solidFill>
+                  <a:srgbClr val="3366FF"/>
+                </a:solidFill>
+                <a:latin typeface="Courier New"/>
+                <a:cs typeface="Courier New"/>
+              </a:rPr>
+              <a:t>int</a:t>
+            </a:r>
+            <a:r>
+              <a:rPr lang="en-GB" b="1" dirty="0" smtClean="0">
+                <a:solidFill>
+                  <a:srgbClr val="3366FF"/>
+                </a:solidFill>
+                <a:latin typeface="Courier New"/>
+                <a:cs typeface="Courier New"/>
+              </a:rPr>
+              <a:t> y = </a:t>
+            </a:r>
+            <a:r>
+              <a:rPr lang="en-GB" b="1" dirty="0" err="1" smtClean="0">
+                <a:solidFill>
+                  <a:srgbClr val="3366FF"/>
+                </a:solidFill>
+                <a:latin typeface="Courier New"/>
+                <a:cs typeface="Courier New"/>
+              </a:rPr>
+              <a:t>get_global_id</a:t>
+            </a:r>
+            <a:r>
+              <a:rPr lang="en-GB" b="1" dirty="0" smtClean="0">
+                <a:solidFill>
+                  <a:srgbClr val="3366FF"/>
+                </a:solidFill>
+                <a:latin typeface="Courier New"/>
+                <a:cs typeface="Courier New"/>
+              </a:rPr>
+              <a:t>(1);</a:t>
+            </a:r>
+          </a:p>
+          <a:p>
+            <a:pPr marL="0" indent="0">
+              <a:buNone/>
+            </a:pPr>
             <a:endParaRPr lang="en-GB" b="1" dirty="0">
               <a:solidFill>
                 <a:srgbClr val="3366FF"/>
@@ -44414,60 +44530,150 @@
                 <a:solidFill>
                   <a:srgbClr val="3366FF"/>
                 </a:solidFill>
-                <a:latin typeface="Courier New" panose="02070309020205020404" pitchFamily="49" charset="0"/>
-                <a:cs typeface="Courier New" panose="02070309020205020404" pitchFamily="49" charset="0"/>
-              </a:rPr>
-              <a:t>kernel</a:t>
-            </a:r>
+                <a:latin typeface="Courier New"/>
+                <a:cs typeface="Courier New"/>
+              </a:rPr>
+              <a:t>  // Read a normalized pixel value</a:t>
+            </a:r>
+          </a:p>
+          <a:p>
+            <a:pPr marL="0" indent="0">
+              <a:buNone/>
+            </a:pPr>
             <a:r>
               <a:rPr lang="en-GB" b="1" dirty="0">
                 <a:solidFill>
                   <a:srgbClr val="3366FF"/>
                 </a:solidFill>
-                <a:latin typeface="Courier New" panose="02070309020205020404" pitchFamily="49" charset="0"/>
-                <a:cs typeface="Courier New" panose="02070309020205020404" pitchFamily="49" charset="0"/>
-              </a:rPr>
-              <a:t>(cl::</a:t>
-            </a:r>
-            <a:r>
-              <a:rPr lang="en-GB" b="1" dirty="0" err="1">
-                <a:solidFill>
-                  <a:srgbClr val="3366FF"/>
-                </a:solidFill>
-                <a:latin typeface="Courier New" panose="02070309020205020404" pitchFamily="49" charset="0"/>
-                <a:cs typeface="Courier New" panose="02070309020205020404" pitchFamily="49" charset="0"/>
-              </a:rPr>
-              <a:t>EnqueueArgs</a:t>
-            </a:r>
+                <a:latin typeface="Courier New"/>
+                <a:cs typeface="Courier New"/>
+              </a:rPr>
+              <a:t> </a:t>
+            </a:r>
+            <a:r>
+              <a:rPr lang="en-GB" b="1" dirty="0" smtClean="0">
+                <a:solidFill>
+                  <a:srgbClr val="3366FF"/>
+                </a:solidFill>
+                <a:latin typeface="Courier New"/>
+                <a:cs typeface="Courier New"/>
+              </a:rPr>
+              <a:t> float4 </a:t>
+            </a:r>
+            <a:r>
+              <a:rPr lang="en-GB" b="1" dirty="0" err="1" smtClean="0">
+                <a:solidFill>
+                  <a:srgbClr val="3366FF"/>
+                </a:solidFill>
+                <a:latin typeface="Courier New"/>
+                <a:cs typeface="Courier New"/>
+              </a:rPr>
+              <a:t>color</a:t>
+            </a:r>
+            <a:r>
+              <a:rPr lang="en-GB" b="1" dirty="0" smtClean="0">
+                <a:solidFill>
+                  <a:srgbClr val="3366FF"/>
+                </a:solidFill>
+                <a:latin typeface="Courier New"/>
+                <a:cs typeface="Courier New"/>
+              </a:rPr>
+              <a:t> = </a:t>
+            </a:r>
+            <a:r>
+              <a:rPr lang="en-GB" b="1" dirty="0" err="1" smtClean="0">
+                <a:solidFill>
+                  <a:srgbClr val="3366FF"/>
+                </a:solidFill>
+                <a:latin typeface="Courier New"/>
+                <a:cs typeface="Courier New"/>
+              </a:rPr>
+              <a:t>read_imagef</a:t>
+            </a:r>
+            <a:r>
+              <a:rPr lang="en-GB" b="1" dirty="0" smtClean="0">
+                <a:solidFill>
+                  <a:srgbClr val="3366FF"/>
+                </a:solidFill>
+                <a:latin typeface="Courier New"/>
+                <a:cs typeface="Courier New"/>
+              </a:rPr>
+              <a:t>(</a:t>
+            </a:r>
+          </a:p>
+          <a:p>
+            <a:pPr marL="0" indent="0">
+              <a:buNone/>
+            </a:pPr>
             <a:r>
               <a:rPr lang="en-GB" b="1" dirty="0">
                 <a:solidFill>
                   <a:srgbClr val="3366FF"/>
                 </a:solidFill>
-                <a:latin typeface="Courier New" panose="02070309020205020404" pitchFamily="49" charset="0"/>
-                <a:cs typeface="Courier New" panose="02070309020205020404" pitchFamily="49" charset="0"/>
-              </a:rPr>
-              <a:t>(queue, global), </a:t>
+                <a:latin typeface="Courier New"/>
+                <a:cs typeface="Courier New"/>
+              </a:rPr>
+              <a:t> </a:t>
             </a:r>
             <a:r>
               <a:rPr lang="en-GB" b="1" dirty="0" smtClean="0">
                 <a:solidFill>
                   <a:srgbClr val="3366FF"/>
                 </a:solidFill>
-                <a:latin typeface="Courier New" panose="02070309020205020404" pitchFamily="49" charset="0"/>
-                <a:cs typeface="Courier New" panose="02070309020205020404" pitchFamily="49" charset="0"/>
-              </a:rPr>
-              <a:t>…, sampler, …)</a:t>
-            </a:r>
+                <a:latin typeface="Courier New"/>
+                <a:cs typeface="Courier New"/>
+              </a:rPr>
+              <a:t>   input,</a:t>
+            </a:r>
+          </a:p>
+          <a:p>
+            <a:pPr marL="0" indent="0">
+              <a:buNone/>
+            </a:pPr>
             <a:r>
               <a:rPr lang="en-GB" b="1" dirty="0">
                 <a:solidFill>
                   <a:srgbClr val="3366FF"/>
                 </a:solidFill>
-                <a:latin typeface="Courier New" panose="02070309020205020404" pitchFamily="49" charset="0"/>
-                <a:cs typeface="Courier New" panose="02070309020205020404" pitchFamily="49" charset="0"/>
-              </a:rPr>
-              <a:t>;</a:t>
+                <a:latin typeface="Courier New"/>
+                <a:cs typeface="Courier New"/>
+              </a:rPr>
+              <a:t> </a:t>
+            </a:r>
+            <a:r>
+              <a:rPr lang="en-GB" b="1" dirty="0" smtClean="0">
+                <a:solidFill>
+                  <a:srgbClr val="3366FF"/>
+                </a:solidFill>
+                <a:latin typeface="Courier New"/>
+                <a:cs typeface="Courier New"/>
+              </a:rPr>
+              <a:t>   (int2)(x, y)</a:t>
+            </a:r>
+          </a:p>
+          <a:p>
+            <a:pPr marL="0" indent="0">
+              <a:buNone/>
+            </a:pPr>
+            <a:r>
+              <a:rPr lang="en-GB" b="1" dirty="0">
+                <a:solidFill>
+                  <a:srgbClr val="3366FF"/>
+                </a:solidFill>
+                <a:latin typeface="Courier New"/>
+                <a:cs typeface="Courier New"/>
+              </a:rPr>
+              <a:t> </a:t>
+            </a:r>
+            <a:r>
+              <a:rPr lang="en-GB" b="1" dirty="0" smtClean="0">
+                <a:solidFill>
+                  <a:srgbClr val="3366FF"/>
+                </a:solidFill>
+                <a:latin typeface="Courier New"/>
+                <a:cs typeface="Courier New"/>
+              </a:rPr>
+              <a:t> );</a:t>
             </a:r>
           </a:p>
           <a:p>
@@ -44486,6 +44692,173 @@
             <a:pPr marL="0" indent="0">
               <a:buNone/>
             </a:pPr>
+            <a:r>
+              <a:rPr lang="en-GB" b="1" dirty="0">
+                <a:solidFill>
+                  <a:srgbClr val="3366FF"/>
+                </a:solidFill>
+                <a:latin typeface="Courier New"/>
+                <a:cs typeface="Courier New"/>
+              </a:rPr>
+              <a:t> </a:t>
+            </a:r>
+            <a:r>
+              <a:rPr lang="en-GB" b="1" dirty="0" smtClean="0">
+                <a:solidFill>
+                  <a:srgbClr val="3366FF"/>
+                </a:solidFill>
+                <a:latin typeface="Courier New"/>
+                <a:cs typeface="Courier New"/>
+              </a:rPr>
+              <a:t> ...</a:t>
+            </a:r>
+          </a:p>
+          <a:p>
+            <a:pPr marL="0" indent="0">
+              <a:buNone/>
+            </a:pPr>
+            <a:endParaRPr lang="en-GB" b="1" dirty="0">
+              <a:solidFill>
+                <a:srgbClr val="3366FF"/>
+              </a:solidFill>
+              <a:latin typeface="Courier New"/>
+              <a:cs typeface="Courier New"/>
+            </a:endParaRPr>
+          </a:p>
+          <a:p>
+            <a:pPr marL="0" indent="0">
+              <a:buNone/>
+            </a:pPr>
+            <a:r>
+              <a:rPr lang="en-GB" b="1" dirty="0" smtClean="0">
+                <a:solidFill>
+                  <a:srgbClr val="3366FF"/>
+                </a:solidFill>
+                <a:latin typeface="Courier New"/>
+                <a:cs typeface="Courier New"/>
+              </a:rPr>
+              <a:t>  // Write a normalized pixel value</a:t>
+            </a:r>
+          </a:p>
+          <a:p>
+            <a:pPr marL="0" indent="0">
+              <a:buNone/>
+            </a:pPr>
+            <a:r>
+              <a:rPr lang="en-GB" b="1" dirty="0">
+                <a:solidFill>
+                  <a:srgbClr val="3366FF"/>
+                </a:solidFill>
+                <a:latin typeface="Courier New"/>
+                <a:cs typeface="Courier New"/>
+              </a:rPr>
+              <a:t> </a:t>
+            </a:r>
+            <a:r>
+              <a:rPr lang="en-GB" b="1" dirty="0" smtClean="0">
+                <a:solidFill>
+                  <a:srgbClr val="3366FF"/>
+                </a:solidFill>
+                <a:latin typeface="Courier New"/>
+                <a:cs typeface="Courier New"/>
+              </a:rPr>
+              <a:t> </a:t>
+            </a:r>
+            <a:r>
+              <a:rPr lang="en-GB" b="1" dirty="0" err="1" smtClean="0">
+                <a:solidFill>
+                  <a:srgbClr val="3366FF"/>
+                </a:solidFill>
+                <a:latin typeface="Courier New"/>
+                <a:cs typeface="Courier New"/>
+              </a:rPr>
+              <a:t>write_imagef</a:t>
+            </a:r>
+            <a:r>
+              <a:rPr lang="en-GB" b="1" dirty="0" smtClean="0">
+                <a:solidFill>
+                  <a:srgbClr val="3366FF"/>
+                </a:solidFill>
+                <a:latin typeface="Courier New"/>
+                <a:cs typeface="Courier New"/>
+              </a:rPr>
+              <a:t>(</a:t>
+            </a:r>
+          </a:p>
+          <a:p>
+            <a:pPr marL="0" indent="0">
+              <a:buNone/>
+            </a:pPr>
+            <a:r>
+              <a:rPr lang="en-GB" b="1" dirty="0">
+                <a:solidFill>
+                  <a:srgbClr val="3366FF"/>
+                </a:solidFill>
+                <a:latin typeface="Courier New"/>
+                <a:cs typeface="Courier New"/>
+              </a:rPr>
+              <a:t> </a:t>
+            </a:r>
+            <a:r>
+              <a:rPr lang="en-GB" b="1" dirty="0" smtClean="0">
+                <a:solidFill>
+                  <a:srgbClr val="3366FF"/>
+                </a:solidFill>
+                <a:latin typeface="Courier New"/>
+                <a:cs typeface="Courier New"/>
+              </a:rPr>
+              <a:t>   output,</a:t>
+            </a:r>
+          </a:p>
+          <a:p>
+            <a:pPr marL="0" indent="0">
+              <a:buNone/>
+            </a:pPr>
+            <a:r>
+              <a:rPr lang="en-GB" b="1" dirty="0">
+                <a:solidFill>
+                  <a:srgbClr val="3366FF"/>
+                </a:solidFill>
+                <a:latin typeface="Courier New"/>
+                <a:cs typeface="Courier New"/>
+              </a:rPr>
+              <a:t> </a:t>
+            </a:r>
+            <a:r>
+              <a:rPr lang="en-GB" b="1" dirty="0" smtClean="0">
+                <a:solidFill>
+                  <a:srgbClr val="3366FF"/>
+                </a:solidFill>
+                <a:latin typeface="Courier New"/>
+                <a:cs typeface="Courier New"/>
+              </a:rPr>
+              <a:t>   (int2)(x, y),</a:t>
+            </a:r>
+          </a:p>
+          <a:p>
+            <a:pPr marL="0" indent="0">
+              <a:buNone/>
+            </a:pPr>
+            <a:r>
+              <a:rPr lang="en-GB" b="1" dirty="0" smtClean="0">
+                <a:solidFill>
+                  <a:srgbClr val="3366FF"/>
+                </a:solidFill>
+                <a:latin typeface="Courier New"/>
+                <a:cs typeface="Courier New"/>
+              </a:rPr>
+              <a:t>    </a:t>
+            </a:r>
+            <a:r>
+              <a:rPr lang="en-GB" b="1" dirty="0" err="1" smtClean="0">
+                <a:solidFill>
+                  <a:srgbClr val="3366FF"/>
+                </a:solidFill>
+                <a:latin typeface="Courier New"/>
+                <a:cs typeface="Courier New"/>
+              </a:rPr>
+              <a:t>color</a:t>
+            </a:r>
             <a:endParaRPr lang="en-GB" b="1" dirty="0" smtClean="0">
               <a:solidFill>
                 <a:srgbClr val="3366FF"/>
@@ -44499,6 +44872,16 @@
               <a:buNone/>
             </a:pPr>
             <a:r>
+              <a:rPr lang="en-GB" b="1" dirty="0">
+                <a:solidFill>
+                  <a:srgbClr val="3366FF"/>
+                </a:solidFill>
+                <a:latin typeface="Courier New"/>
+                <a:cs typeface="Courier New"/>
+              </a:rPr>
+              <a:t> </a:t>
+            </a:r>
+            <a:r>
               <a:rPr lang="en-GB" b="1" dirty="0" smtClean="0">
                 <a:solidFill>
                   <a:srgbClr val="3366FF"/>
@@ -44506,17 +44889,7 @@
                 <a:latin typeface="Courier New"/>
                 <a:cs typeface="Courier New"/>
               </a:rPr>
-              <a:t>kernel </a:t>
-            </a:r>
-            <a:r>
-              <a:rPr lang="en-GB" b="1" dirty="0">
-                <a:solidFill>
-                  <a:srgbClr val="3366FF"/>
-                </a:solidFill>
-                <a:latin typeface="Courier New"/>
-                <a:cs typeface="Courier New"/>
-              </a:rPr>
-              <a:t>void foo(</a:t>
+              <a:t> );</a:t>
             </a:r>
           </a:p>
           <a:p>
@@ -44524,71 +44897,6 @@
               <a:buNone/>
             </a:pPr>
             <a:r>
-              <a:rPr lang="en-GB" b="1" dirty="0">
-                <a:solidFill>
-                  <a:srgbClr val="3366FF"/>
-                </a:solidFill>
-                <a:latin typeface="Courier New"/>
-                <a:cs typeface="Courier New"/>
-              </a:rPr>
-              <a:t>  </a:t>
-            </a:r>
-            <a:r>
-              <a:rPr lang="en-GB" b="1" dirty="0" err="1">
-                <a:solidFill>
-                  <a:srgbClr val="3366FF"/>
-                </a:solidFill>
-                <a:latin typeface="Courier New"/>
-                <a:cs typeface="Courier New"/>
-              </a:rPr>
-              <a:t>read_only</a:t>
-            </a:r>
-            <a:r>
-              <a:rPr lang="en-GB" b="1" dirty="0">
-                <a:solidFill>
-                  <a:srgbClr val="3366FF"/>
-                </a:solidFill>
-                <a:latin typeface="Courier New"/>
-                <a:cs typeface="Courier New"/>
-              </a:rPr>
-              <a:t> image2d_t input,</a:t>
-            </a:r>
-          </a:p>
-          <a:p>
-            <a:pPr marL="0" indent="0">
-              <a:buNone/>
-            </a:pPr>
-            <a:r>
-              <a:rPr lang="en-GB" b="1" dirty="0">
-                <a:solidFill>
-                  <a:srgbClr val="3366FF"/>
-                </a:solidFill>
-                <a:latin typeface="Courier New"/>
-                <a:cs typeface="Courier New"/>
-              </a:rPr>
-              <a:t>  </a:t>
-            </a:r>
-            <a:r>
-              <a:rPr lang="en-GB" b="1" dirty="0" err="1">
-                <a:solidFill>
-                  <a:srgbClr val="3366FF"/>
-                </a:solidFill>
-                <a:latin typeface="Courier New"/>
-                <a:cs typeface="Courier New"/>
-              </a:rPr>
-              <a:t>write_only</a:t>
-            </a:r>
-            <a:r>
-              <a:rPr lang="en-GB" b="1" dirty="0">
-                <a:solidFill>
-                  <a:srgbClr val="3366FF"/>
-                </a:solidFill>
-                <a:latin typeface="Courier New"/>
-                <a:cs typeface="Courier New"/>
-              </a:rPr>
-              <a:t> image2d_t </a:t>
-            </a:r>
-            <a:r>
               <a:rPr lang="en-GB" b="1" dirty="0" smtClean="0">
                 <a:solidFill>
                   <a:srgbClr val="3366FF"/>
@@ -44596,62 +44904,7 @@
                 <a:latin typeface="Courier New"/>
                 <a:cs typeface="Courier New"/>
               </a:rPr>
-              <a:t>output,</a:t>
-            </a:r>
-          </a:p>
-          <a:p>
-            <a:pPr marL="0" indent="0">
-              <a:buNone/>
-            </a:pPr>
-            <a:r>
-              <a:rPr lang="en-GB" b="1" dirty="0" smtClean="0">
-                <a:solidFill>
-                  <a:srgbClr val="3366FF"/>
-                </a:solidFill>
-                <a:latin typeface="Courier New"/>
-                <a:cs typeface="Courier New"/>
-              </a:rPr>
-              <a:t>  </a:t>
-            </a:r>
-            <a:r>
-              <a:rPr lang="en-GB" b="1" dirty="0" err="1" smtClean="0">
-                <a:solidFill>
-                  <a:srgbClr val="3366FF"/>
-                </a:solidFill>
-                <a:latin typeface="Courier New"/>
-                <a:cs typeface="Courier New"/>
-              </a:rPr>
-              <a:t>const</a:t>
-            </a:r>
-            <a:r>
-              <a:rPr lang="en-GB" b="1" dirty="0" smtClean="0">
-                <a:solidFill>
-                  <a:srgbClr val="3366FF"/>
-                </a:solidFill>
-                <a:latin typeface="Courier New"/>
-                <a:cs typeface="Courier New"/>
-              </a:rPr>
-              <a:t> </a:t>
-            </a:r>
-            <a:r>
-              <a:rPr lang="en-GB" b="1" dirty="0" err="1" smtClean="0">
-                <a:solidFill>
-                  <a:srgbClr val="3366FF"/>
-                </a:solidFill>
-                <a:latin typeface="Courier New"/>
-                <a:cs typeface="Courier New"/>
-              </a:rPr>
-              <a:t>sampler_t</a:t>
-            </a:r>
-            <a:r>
-              <a:rPr lang="en-GB" b="1" dirty="0" smtClean="0">
-                <a:solidFill>
-                  <a:srgbClr val="3366FF"/>
-                </a:solidFill>
-                <a:latin typeface="Courier New"/>
-                <a:cs typeface="Courier New"/>
-              </a:rPr>
-              <a:t> sampler)</a:t>
+              <a:t>}</a:t>
             </a:r>
             <a:endParaRPr lang="en-GB" b="1" dirty="0">
               <a:solidFill>
@@ -44661,176 +44914,110 @@
               <a:cs typeface="Courier New"/>
             </a:endParaRPr>
           </a:p>
-          <a:p>
-            <a:pPr marL="0" indent="0">
-              <a:buNone/>
-            </a:pPr>
-            <a:r>
-              <a:rPr lang="en-GB" b="1" dirty="0" smtClean="0">
-                <a:solidFill>
-                  <a:srgbClr val="3366FF"/>
-                </a:solidFill>
-                <a:latin typeface="Courier New"/>
-                <a:cs typeface="Courier New"/>
-              </a:rPr>
-              <a:t>{</a:t>
-            </a:r>
-          </a:p>
-          <a:p>
-            <a:pPr marL="0" indent="0">
-              <a:buNone/>
-            </a:pPr>
-            <a:r>
-              <a:rPr lang="en-GB" b="1" dirty="0" smtClean="0">
-                <a:solidFill>
-                  <a:srgbClr val="3366FF"/>
-                </a:solidFill>
-                <a:latin typeface="Courier New"/>
-                <a:cs typeface="Courier New"/>
-              </a:rPr>
-              <a:t>  </a:t>
-            </a:r>
-            <a:r>
-              <a:rPr lang="en-GB" b="1" dirty="0" err="1" smtClean="0">
-                <a:solidFill>
-                  <a:srgbClr val="3366FF"/>
-                </a:solidFill>
-                <a:latin typeface="Courier New"/>
-                <a:cs typeface="Courier New"/>
-              </a:rPr>
-              <a:t>int</a:t>
-            </a:r>
-            <a:r>
-              <a:rPr lang="en-GB" b="1" dirty="0" smtClean="0">
-                <a:solidFill>
-                  <a:srgbClr val="3366FF"/>
-                </a:solidFill>
-                <a:latin typeface="Courier New"/>
-                <a:cs typeface="Courier New"/>
-              </a:rPr>
-              <a:t> x = </a:t>
-            </a:r>
-            <a:r>
-              <a:rPr lang="en-GB" b="1" dirty="0" err="1" smtClean="0">
-                <a:solidFill>
-                  <a:srgbClr val="3366FF"/>
-                </a:solidFill>
-                <a:latin typeface="Courier New"/>
-                <a:cs typeface="Courier New"/>
-              </a:rPr>
-              <a:t>get_global_id</a:t>
-            </a:r>
-            <a:r>
-              <a:rPr lang="en-GB" b="1" dirty="0" smtClean="0">
-                <a:solidFill>
-                  <a:srgbClr val="3366FF"/>
-                </a:solidFill>
-                <a:latin typeface="Courier New"/>
-                <a:cs typeface="Courier New"/>
-              </a:rPr>
-              <a:t>(0);</a:t>
-            </a:r>
-          </a:p>
-          <a:p>
-            <a:pPr marL="0" indent="0">
-              <a:buNone/>
-            </a:pPr>
-            <a:r>
-              <a:rPr lang="en-GB" b="1" dirty="0" smtClean="0">
-                <a:solidFill>
-                  <a:srgbClr val="3366FF"/>
-                </a:solidFill>
-                <a:latin typeface="Courier New"/>
-                <a:cs typeface="Courier New"/>
-              </a:rPr>
-              <a:t>  </a:t>
-            </a:r>
-            <a:r>
-              <a:rPr lang="en-GB" b="1" dirty="0" err="1" smtClean="0">
-                <a:solidFill>
-                  <a:srgbClr val="3366FF"/>
-                </a:solidFill>
-                <a:latin typeface="Courier New"/>
-                <a:cs typeface="Courier New"/>
-              </a:rPr>
-              <a:t>int</a:t>
-            </a:r>
-            <a:r>
-              <a:rPr lang="en-GB" b="1" dirty="0" smtClean="0">
-                <a:solidFill>
-                  <a:srgbClr val="3366FF"/>
-                </a:solidFill>
-                <a:latin typeface="Courier New"/>
-                <a:cs typeface="Courier New"/>
-              </a:rPr>
-              <a:t> y = </a:t>
-            </a:r>
-            <a:r>
-              <a:rPr lang="en-GB" b="1" dirty="0" err="1" smtClean="0">
-                <a:solidFill>
-                  <a:srgbClr val="3366FF"/>
-                </a:solidFill>
-                <a:latin typeface="Courier New"/>
-                <a:cs typeface="Courier New"/>
-              </a:rPr>
-              <a:t>get_global_id</a:t>
-            </a:r>
-            <a:r>
-              <a:rPr lang="en-GB" b="1" dirty="0" smtClean="0">
-                <a:solidFill>
-                  <a:srgbClr val="3366FF"/>
-                </a:solidFill>
-                <a:latin typeface="Courier New"/>
-                <a:cs typeface="Courier New"/>
-              </a:rPr>
-              <a:t>(1);</a:t>
-            </a:r>
-          </a:p>
-          <a:p>
-            <a:pPr marL="0" indent="0">
-              <a:buNone/>
-            </a:pPr>
-            <a:endParaRPr lang="en-GB" b="1" dirty="0" smtClean="0">
-              <a:solidFill>
-                <a:srgbClr val="3366FF"/>
-              </a:solidFill>
-              <a:latin typeface="Courier New"/>
-              <a:cs typeface="Courier New"/>
-            </a:endParaRPr>
-          </a:p>
-          <a:p>
-            <a:pPr marL="0" indent="0">
-              <a:buNone/>
-            </a:pPr>
-            <a:r>
-              <a:rPr lang="en-GB" b="1" dirty="0" smtClean="0">
-                <a:solidFill>
-                  <a:srgbClr val="3366FF"/>
-                </a:solidFill>
-                <a:latin typeface="Courier New"/>
-                <a:cs typeface="Courier New"/>
-              </a:rPr>
-              <a:t>  </a:t>
-            </a:r>
-            <a:r>
-              <a:rPr lang="en-GB" b="1" dirty="0">
-                <a:solidFill>
-                  <a:srgbClr val="3366FF"/>
-                </a:solidFill>
-                <a:latin typeface="Courier New"/>
-                <a:cs typeface="Courier New"/>
-              </a:rPr>
-              <a:t>// Read a normalized pixel </a:t>
-            </a:r>
-            <a:r>
-              <a:rPr lang="en-GB" b="1" dirty="0" smtClean="0">
-                <a:solidFill>
-                  <a:srgbClr val="3366FF"/>
-                </a:solidFill>
-                <a:latin typeface="Courier New"/>
-                <a:cs typeface="Courier New"/>
-              </a:rPr>
-              <a:t>value using a sampler</a:t>
+        </p:txBody>
+      </p:sp>
+      <p:sp>
+        <p:nvSpPr>
+          <p:cNvPr id="4" name="Text Placeholder 3"/>
+          <p:cNvSpPr>
+            <a:spLocks noGrp="1"/>
+          </p:cNvSpPr>
+          <p:nvPr>
+            <p:ph type="body" sz="half" idx="2"/>
+          </p:nvPr>
+        </p:nvSpPr>
+        <p:spPr/>
+        <p:txBody>
+          <a:bodyPr/>
+          <a:lstStyle/>
+          <a:p>
+            <a:pPr marL="285750" indent="-285750">
+              <a:buFont typeface="Arial"/>
+              <a:buChar char="•"/>
+            </a:pPr>
+            <a:r>
+              <a:rPr lang="en-GB" dirty="0"/>
+              <a:t>Image objects are declared with special built-in types</a:t>
+            </a:r>
+          </a:p>
+          <a:p>
+            <a:pPr marL="285750" indent="-285750">
+              <a:buFont typeface="Arial"/>
+              <a:buChar char="•"/>
+            </a:pPr>
+            <a:r>
+              <a:rPr lang="en-GB" dirty="0"/>
+              <a:t>In OpenCL 1.X, image objects can be either </a:t>
+            </a:r>
+            <a:r>
+              <a:rPr lang="en-GB" b="1" dirty="0" err="1">
+                <a:solidFill>
+                  <a:srgbClr val="3366FF"/>
+                </a:solidFill>
+                <a:latin typeface="Courier New"/>
+                <a:cs typeface="Courier New"/>
+              </a:rPr>
+              <a:t>read_only</a:t>
+            </a:r>
+            <a:r>
+              <a:rPr lang="en-GB" dirty="0">
+                <a:solidFill>
+                  <a:srgbClr val="3366FF"/>
+                </a:solidFill>
+              </a:rPr>
+              <a:t> </a:t>
+            </a:r>
+            <a:r>
+              <a:rPr lang="en-GB" dirty="0"/>
+              <a:t>or </a:t>
+            </a:r>
+            <a:r>
+              <a:rPr lang="en-GB" b="1" dirty="0" err="1">
+                <a:solidFill>
+                  <a:srgbClr val="3366FF"/>
+                </a:solidFill>
+                <a:latin typeface="Courier New"/>
+                <a:cs typeface="Courier New"/>
+              </a:rPr>
+              <a:t>write_only</a:t>
+            </a:r>
+            <a:r>
+              <a:rPr lang="en-GB" dirty="0"/>
+              <a:t>; an image object can not be both read and written from the same kernel</a:t>
+            </a:r>
+          </a:p>
+          <a:p>
+            <a:pPr marL="285750" indent="-285750">
+              <a:buFont typeface="Arial"/>
+              <a:buChar char="•"/>
+            </a:pPr>
+            <a:r>
+              <a:rPr lang="en-GB" dirty="0"/>
+              <a:t>Integer pixel values can be read with </a:t>
+            </a:r>
+            <a:r>
+              <a:rPr lang="en-GB" b="1" dirty="0" err="1">
+                <a:solidFill>
+                  <a:srgbClr val="3366FF"/>
+                </a:solidFill>
+                <a:latin typeface="Courier New"/>
+                <a:cs typeface="Courier New"/>
+              </a:rPr>
+              <a:t>read_imagei</a:t>
+            </a:r>
+            <a:r>
+              <a:rPr lang="en-GB" dirty="0"/>
+              <a:t>/</a:t>
+            </a:r>
+            <a:r>
+              <a:rPr lang="en-GB" b="1" dirty="0" err="1">
+                <a:solidFill>
+                  <a:srgbClr val="3366FF"/>
+                </a:solidFill>
+                <a:latin typeface="Courier New"/>
+                <a:cs typeface="Courier New"/>
+              </a:rPr>
+              <a:t>ui</a:t>
             </a:r>
             <a:endParaRPr lang="en-GB" b="1" dirty="0">
               <a:solidFill>
@@ -44841,18 +45028,13 @@
             </a:endParaRPr>
           </a:p>
           <a:p>
-            <a:pPr marL="0" indent="0">
-              <a:buNone/>
-            </a:pPr>
-            <a:r>
-              <a:rPr lang="en-GB" b="1" dirty="0">
-                <a:solidFill>
-                  <a:srgbClr val="3366FF"/>
-                </a:solidFill>
-                <a:latin typeface="Courier New"/>
-                <a:cs typeface="Courier New"/>
-              </a:rPr>
-              <a:t>  float4 </a:t>
+            <a:pPr marL="285750" indent="-285750">
+              <a:buFont typeface="Arial"/>
+              <a:buChar char="•"/>
+            </a:pPr>
+            <a:r>
+              <a:rPr lang="en-GB" dirty="0"/>
+              <a:t>Normalized floating point values can be read with </a:t>
             </a:r>
             <a:r>
               <a:rPr lang="en-GB" b="1" dirty="0" err="1">
@@ -44862,104 +45044,9 @@
                 <a:latin typeface="Courier New"/>
                 <a:cs typeface="Courier New"/>
               </a:rPr>
-              <a:t>color</a:t>
-            </a:r>
-            <a:r>
-              <a:rPr lang="en-GB" b="1" dirty="0">
-                <a:solidFill>
-                  <a:srgbClr val="3366FF"/>
-                </a:solidFill>
-                <a:latin typeface="Courier New"/>
-                <a:cs typeface="Courier New"/>
-              </a:rPr>
-              <a:t> = </a:t>
-            </a:r>
-            <a:r>
-              <a:rPr lang="en-GB" b="1" dirty="0" err="1">
-                <a:solidFill>
-                  <a:srgbClr val="3366FF"/>
-                </a:solidFill>
-                <a:latin typeface="Courier New"/>
-                <a:cs typeface="Courier New"/>
-              </a:rPr>
               <a:t>read_imagef</a:t>
             </a:r>
-            <a:r>
-              <a:rPr lang="en-GB" b="1" dirty="0" smtClean="0">
-                <a:solidFill>
-                  <a:srgbClr val="3366FF"/>
-                </a:solidFill>
-                <a:latin typeface="Courier New"/>
-                <a:cs typeface="Courier New"/>
-              </a:rPr>
-              <a:t>(</a:t>
-            </a:r>
-          </a:p>
-          <a:p>
-            <a:pPr marL="0" indent="0">
-              <a:buNone/>
-            </a:pPr>
-            <a:r>
-              <a:rPr lang="en-GB" b="1" dirty="0" smtClean="0">
-                <a:solidFill>
-                  <a:srgbClr val="3366FF"/>
-                </a:solidFill>
-                <a:latin typeface="Courier New"/>
-                <a:cs typeface="Courier New"/>
-              </a:rPr>
-              <a:t>    input,</a:t>
-            </a:r>
-          </a:p>
-          <a:p>
-            <a:pPr marL="0" indent="0">
-              <a:buNone/>
-            </a:pPr>
-            <a:r>
-              <a:rPr lang="en-GB" b="1" dirty="0" smtClean="0">
-                <a:solidFill>
-                  <a:srgbClr val="3366FF"/>
-                </a:solidFill>
-                <a:latin typeface="Courier New"/>
-                <a:cs typeface="Courier New"/>
-              </a:rPr>
-              <a:t>    sampler,</a:t>
-            </a:r>
-          </a:p>
-          <a:p>
-            <a:pPr marL="0" indent="0">
-              <a:buNone/>
-            </a:pPr>
-            <a:r>
-              <a:rPr lang="en-GB" b="1" dirty="0" smtClean="0">
-                <a:solidFill>
-                  <a:srgbClr val="3366FF"/>
-                </a:solidFill>
-                <a:latin typeface="Courier New"/>
-                <a:cs typeface="Courier New"/>
-              </a:rPr>
-              <a:t>    (int2)(x, y)</a:t>
-            </a:r>
-          </a:p>
-          <a:p>
-            <a:pPr marL="0" indent="0">
-              <a:buNone/>
-            </a:pPr>
-            <a:r>
-              <a:rPr lang="en-GB" b="1" dirty="0" smtClean="0">
-                <a:solidFill>
-                  <a:srgbClr val="3366FF"/>
-                </a:solidFill>
-                <a:latin typeface="Courier New"/>
-                <a:cs typeface="Courier New"/>
-              </a:rPr>
-              <a:t>  );</a:t>
-            </a:r>
-          </a:p>
-          <a:p>
-            <a:pPr marL="0" indent="0">
-              <a:buNone/>
-            </a:pPr>
-            <a:endParaRPr lang="en-GB" b="1" dirty="0" smtClean="0">
+            <a:endParaRPr lang="en-GB" b="1" dirty="0">
               <a:solidFill>
                 <a:srgbClr val="3366FF"/>
               </a:solidFill>
@@ -44968,221 +45055,29 @@
             </a:endParaRPr>
           </a:p>
           <a:p>
-            <a:pPr marL="0" indent="0">
-              <a:buNone/>
-            </a:pPr>
-            <a:r>
-              <a:rPr lang="en-GB" b="1" dirty="0" smtClean="0">
-                <a:solidFill>
-                  <a:srgbClr val="3366FF"/>
-                </a:solidFill>
-                <a:latin typeface="Courier New"/>
-                <a:cs typeface="Courier New"/>
-              </a:rPr>
-              <a:t>  ...</a:t>
-            </a:r>
-          </a:p>
-          <a:p>
-            <a:pPr marL="0" indent="0">
-              <a:buNone/>
-            </a:pPr>
-            <a:r>
-              <a:rPr lang="en-GB" b="1" dirty="0" smtClean="0">
-                <a:solidFill>
-                  <a:srgbClr val="3366FF"/>
-                </a:solidFill>
-                <a:latin typeface="Courier New"/>
-                <a:cs typeface="Courier New"/>
-              </a:rPr>
-              <a:t>}</a:t>
-            </a:r>
-          </a:p>
-          <a:p>
-            <a:pPr marL="0" indent="0">
-              <a:buNone/>
-            </a:pPr>
-            <a:endParaRPr lang="en-GB" b="1" dirty="0" smtClean="0">
-              <a:solidFill>
-                <a:srgbClr val="3366FF"/>
-              </a:solidFill>
-              <a:latin typeface="Courier New"/>
-              <a:cs typeface="Courier New"/>
-            </a:endParaRPr>
-          </a:p>
-          <a:p>
-            <a:pPr marL="0" indent="0">
-              <a:buNone/>
-            </a:pPr>
-            <a:endParaRPr lang="en-GB" b="1" dirty="0" smtClean="0">
-              <a:solidFill>
-                <a:srgbClr val="3366FF"/>
-              </a:solidFill>
-              <a:latin typeface="Courier New"/>
-              <a:cs typeface="Courier New"/>
-            </a:endParaRPr>
-          </a:p>
-          <a:p>
-            <a:pPr marL="0" indent="0">
-              <a:buNone/>
-            </a:pPr>
-            <a:r>
-              <a:rPr lang="en-GB" b="1" dirty="0" smtClean="0">
-                <a:solidFill>
-                  <a:srgbClr val="3366FF"/>
-                </a:solidFill>
-                <a:latin typeface="Courier New"/>
-                <a:cs typeface="Courier New"/>
-              </a:rPr>
-              <a:t>// Alternatively, declare the sampler inside the kernel source</a:t>
-            </a:r>
-          </a:p>
-          <a:p>
-            <a:pPr marL="0" indent="0">
-              <a:buNone/>
-            </a:pPr>
-            <a:r>
-              <a:rPr lang="en-GB" b="1" dirty="0" err="1">
-                <a:solidFill>
-                  <a:srgbClr val="3366FF"/>
-                </a:solidFill>
-                <a:latin typeface="Courier New"/>
-                <a:cs typeface="Courier New"/>
-              </a:rPr>
-              <a:t>const</a:t>
-            </a:r>
-            <a:r>
-              <a:rPr lang="en-GB" b="1" dirty="0">
-                <a:solidFill>
-                  <a:srgbClr val="3366FF"/>
-                </a:solidFill>
-                <a:latin typeface="Courier New"/>
-                <a:cs typeface="Courier New"/>
-              </a:rPr>
-              <a:t> </a:t>
-            </a:r>
-            <a:r>
-              <a:rPr lang="en-GB" b="1" dirty="0" err="1">
-                <a:solidFill>
-                  <a:srgbClr val="3366FF"/>
-                </a:solidFill>
-                <a:latin typeface="Courier New"/>
-                <a:cs typeface="Courier New"/>
-              </a:rPr>
-              <a:t>sampler_t</a:t>
-            </a:r>
-            <a:r>
-              <a:rPr lang="en-GB" b="1" dirty="0">
-                <a:solidFill>
-                  <a:srgbClr val="3366FF"/>
-                </a:solidFill>
-                <a:latin typeface="Courier New"/>
-                <a:cs typeface="Courier New"/>
-              </a:rPr>
-              <a:t> sampler =</a:t>
-            </a:r>
-          </a:p>
-          <a:p>
-            <a:pPr marL="0" indent="0">
-              <a:buNone/>
-            </a:pPr>
-            <a:r>
-              <a:rPr lang="en-GB" b="1" dirty="0">
-                <a:solidFill>
-                  <a:srgbClr val="3366FF"/>
-                </a:solidFill>
-                <a:latin typeface="Courier New"/>
-                <a:cs typeface="Courier New"/>
-              </a:rPr>
-              <a:t>  CLK_NORMALIZED_COORDS_FALSE |</a:t>
-            </a:r>
-          </a:p>
-          <a:p>
-            <a:pPr marL="0" indent="0">
-              <a:buNone/>
-            </a:pPr>
-            <a:r>
-              <a:rPr lang="en-GB" b="1" dirty="0">
-                <a:solidFill>
-                  <a:srgbClr val="3366FF"/>
-                </a:solidFill>
-                <a:latin typeface="Courier New"/>
-                <a:cs typeface="Courier New"/>
-              </a:rPr>
-              <a:t>  CLK_ADDRESS_CLAMP_TO_EDGE   |</a:t>
-            </a:r>
-          </a:p>
-          <a:p>
-            <a:pPr marL="0" indent="0">
-              <a:buNone/>
-            </a:pPr>
-            <a:r>
-              <a:rPr lang="en-GB" b="1" dirty="0">
-                <a:solidFill>
-                  <a:srgbClr val="3366FF"/>
-                </a:solidFill>
-                <a:latin typeface="Courier New"/>
-                <a:cs typeface="Courier New"/>
-              </a:rPr>
-              <a:t>  CLK_FILTER_NEAREST;</a:t>
-            </a:r>
-          </a:p>
-        </p:txBody>
-      </p:sp>
-      <p:sp>
-        <p:nvSpPr>
-          <p:cNvPr id="4" name="Text Placeholder 3"/>
-          <p:cNvSpPr>
-            <a:spLocks noGrp="1"/>
-          </p:cNvSpPr>
-          <p:nvPr>
-            <p:ph type="body" sz="half" idx="2"/>
-          </p:nvPr>
-        </p:nvSpPr>
-        <p:spPr/>
-        <p:txBody>
-          <a:bodyPr/>
-          <a:lstStyle/>
-          <a:p>
             <a:pPr marL="285750" indent="-285750">
               <a:buFont typeface="Arial"/>
               <a:buChar char="•"/>
             </a:pPr>
             <a:r>
               <a:rPr lang="en-GB" dirty="0"/>
-              <a:t>The </a:t>
-            </a:r>
-            <a:r>
-              <a:rPr lang="en-GB" b="1" dirty="0" err="1">
-                <a:solidFill>
-                  <a:srgbClr val="3366FF"/>
-                </a:solidFill>
-                <a:latin typeface="Courier New"/>
-                <a:cs typeface="Courier New"/>
-              </a:rPr>
-              <a:t>read_image</a:t>
-            </a:r>
-            <a:r>
-              <a:rPr lang="en-GB" b="1" dirty="0">
-                <a:solidFill>
-                  <a:srgbClr val="3366FF"/>
-                </a:solidFill>
-                <a:latin typeface="Courier New"/>
-                <a:cs typeface="Courier New"/>
-              </a:rPr>
-              <a:t>*</a:t>
-            </a:r>
-            <a:r>
-              <a:rPr lang="en-GB" dirty="0"/>
-              <a:t> functions can optionally use a </a:t>
-            </a:r>
-            <a:r>
-              <a:rPr lang="en-GB" i="1" dirty="0"/>
-              <a:t>sampler</a:t>
-            </a:r>
-            <a:r>
-              <a:rPr lang="en-GB" dirty="0"/>
-              <a:t> object to control how the data is read</a:t>
-            </a:r>
+              <a:t>Pixel values can be written </a:t>
+            </a:r>
+            <a:r>
+              <a:rPr lang="en-GB"/>
+              <a:t>with </a:t>
+            </a:r>
+            <a:r>
+              <a:rPr lang="en-GB" b="1" smtClean="0">
+                <a:solidFill>
+                  <a:srgbClr val="3366FF"/>
+                </a:solidFill>
+                <a:latin typeface="Courier New"/>
+                <a:cs typeface="Courier New"/>
+              </a:rPr>
+              <a:t>write_imagef</a:t>
+            </a:r>
+            <a:endParaRPr lang="en-GB" dirty="0"/>
           </a:p>
           <a:p>
             <a:pPr marL="285750" indent="-285750">
@@ -45191,178 +45086,53 @@
             </a:pPr>
             <a:r>
               <a:rPr lang="en-GB" dirty="0"/>
-              <a:t>Samplers can be created on the </a:t>
-            </a:r>
-            <a:r>
-              <a:rPr lang="en-GB"/>
-              <a:t>host (</a:t>
-            </a:r>
-            <a:r>
-              <a:rPr lang="en-GB" b="1" smtClean="0">
-                <a:solidFill>
-                  <a:srgbClr val="3366FF"/>
-                </a:solidFill>
-                <a:latin typeface="Courier New"/>
-                <a:cs typeface="Courier New"/>
-              </a:rPr>
-              <a:t>clCreateSampler</a:t>
-            </a:r>
-            <a:r>
-              <a:rPr lang="en-GB" smtClean="0"/>
-              <a:t>) </a:t>
-            </a:r>
-            <a:r>
-              <a:rPr lang="en-GB" dirty="0"/>
-              <a:t>and passed as an argument (</a:t>
-            </a:r>
-            <a:r>
-              <a:rPr lang="en-GB" b="1" dirty="0" err="1">
-                <a:solidFill>
-                  <a:srgbClr val="3366FF"/>
-                </a:solidFill>
-                <a:latin typeface="Courier New"/>
-                <a:cs typeface="Courier New"/>
-              </a:rPr>
-              <a:t>sampler_t</a:t>
-            </a:r>
-            <a:r>
-              <a:rPr lang="en-GB" dirty="0"/>
-              <a:t>), or declared inside the OpenCL source file as a constant value</a:t>
-            </a:r>
-          </a:p>
-          <a:p>
-            <a:pPr marL="285750" indent="-285750">
-              <a:buFont typeface="Arial"/>
-              <a:buChar char="•"/>
-            </a:pPr>
-            <a:r>
-              <a:rPr lang="en-GB" dirty="0"/>
-              <a:t>Samplers control whether to use normalized coordinates for addressing pixels, how to deal with out-of-range coordinates (</a:t>
-            </a:r>
-            <a:r>
-              <a:rPr lang="en-GB" b="1" dirty="0">
-                <a:solidFill>
-                  <a:srgbClr val="3366FF"/>
-                </a:solidFill>
-                <a:latin typeface="Courier New"/>
-                <a:cs typeface="Courier New"/>
-              </a:rPr>
-              <a:t>CLAMP</a:t>
-            </a:r>
-            <a:r>
-              <a:rPr lang="en-GB" dirty="0"/>
-              <a:t>, </a:t>
-            </a:r>
-            <a:r>
-              <a:rPr lang="en-GB" b="1" dirty="0">
-                <a:solidFill>
-                  <a:srgbClr val="3366FF"/>
-                </a:solidFill>
-                <a:latin typeface="Courier New"/>
-                <a:cs typeface="Courier New"/>
-              </a:rPr>
-              <a:t>CLAMP_TO_EDGE</a:t>
-            </a:r>
-            <a:r>
-              <a:rPr lang="en-GB" dirty="0"/>
-              <a:t>, </a:t>
-            </a:r>
-            <a:r>
-              <a:rPr lang="en-GB" b="1" dirty="0">
-                <a:solidFill>
-                  <a:srgbClr val="3366FF"/>
-                </a:solidFill>
-                <a:latin typeface="Courier New"/>
-                <a:cs typeface="Courier New"/>
-              </a:rPr>
-              <a:t>REPEAT</a:t>
-            </a:r>
-            <a:r>
-              <a:rPr lang="en-GB" dirty="0"/>
-              <a:t>, </a:t>
-            </a:r>
-            <a:r>
-              <a:rPr lang="en-GB" b="1" dirty="0">
-                <a:solidFill>
-                  <a:srgbClr val="3366FF"/>
-                </a:solidFill>
-                <a:latin typeface="Courier New"/>
-                <a:cs typeface="Courier New"/>
-              </a:rPr>
-              <a:t>MIRRORED_REPEAT</a:t>
-            </a:r>
-            <a:r>
-              <a:rPr lang="en-GB" dirty="0">
-                <a:solidFill>
-                  <a:srgbClr val="3366FF"/>
-                </a:solidFill>
-              </a:rPr>
-              <a:t> </a:t>
-            </a:r>
-            <a:r>
-              <a:rPr lang="en-GB" dirty="0"/>
-              <a:t>or </a:t>
-            </a:r>
-            <a:r>
-              <a:rPr lang="en-GB" b="1" dirty="0">
-                <a:solidFill>
-                  <a:srgbClr val="3366FF"/>
-                </a:solidFill>
-                <a:latin typeface="Courier New"/>
-                <a:cs typeface="Courier New"/>
-              </a:rPr>
-              <a:t>NONE</a:t>
-            </a:r>
-            <a:r>
-              <a:rPr lang="en-GB" dirty="0"/>
-              <a:t>) and how to filter pixels values (</a:t>
-            </a:r>
-            <a:r>
-              <a:rPr lang="en-GB" b="1" dirty="0">
-                <a:solidFill>
-                  <a:srgbClr val="3366FF"/>
-                </a:solidFill>
-                <a:latin typeface="Courier New"/>
-                <a:cs typeface="Courier New"/>
-              </a:rPr>
-              <a:t>NEAREST</a:t>
-            </a:r>
-            <a:r>
-              <a:rPr lang="en-GB" dirty="0">
-                <a:solidFill>
-                  <a:srgbClr val="3366FF"/>
-                </a:solidFill>
-              </a:rPr>
-              <a:t> </a:t>
-            </a:r>
-            <a:r>
-              <a:rPr lang="en-GB" dirty="0"/>
-              <a:t>or </a:t>
-            </a:r>
-            <a:r>
-              <a:rPr lang="en-GB" b="1" dirty="0">
-                <a:solidFill>
-                  <a:srgbClr val="3366FF"/>
-                </a:solidFill>
-                <a:latin typeface="Courier New"/>
-                <a:cs typeface="Courier New"/>
-              </a:rPr>
-              <a:t>LINEAR</a:t>
-            </a:r>
-            <a:r>
-              <a:rPr lang="en-GB" dirty="0"/>
-              <a:t>)</a:t>
-            </a:r>
-          </a:p>
-          <a:p>
-            <a:endParaRPr lang="en-GB" dirty="0"/>
+              <a:t>These functions operate on 4-element vectors, regardless of the image channel order</a:t>
+            </a:r>
+          </a:p>
+        </p:txBody>
+      </p:sp>
+      <p:sp>
+        <p:nvSpPr>
+          <p:cNvPr id="5" name="TextBox 4"/>
+          <p:cNvSpPr txBox="1"/>
+          <p:nvPr/>
+        </p:nvSpPr>
+        <p:spPr>
+          <a:xfrm>
+            <a:off x="1436414" y="6297448"/>
+            <a:ext cx="4923380" cy="369332"/>
+          </a:xfrm>
+          <a:prstGeom prst="rect">
+            <a:avLst/>
+          </a:prstGeom>
+          <a:noFill/>
+        </p:spPr>
+        <p:txBody>
+          <a:bodyPr wrap="none" rtlCol="0">
+            <a:spAutoFit/>
+          </a:bodyPr>
+          <a:lstStyle/>
+          <a:p>
+            <a:r>
+              <a:rPr lang="en-US" dirty="0" smtClean="0"/>
+              <a:t>Note: the sampler-less reads are </a:t>
+            </a:r>
+            <a:r>
+              <a:rPr lang="en-US" dirty="0" err="1" smtClean="0"/>
+              <a:t>OpenCL</a:t>
+            </a:r>
+            <a:r>
+              <a:rPr lang="en-US" dirty="0" smtClean="0"/>
+              <a:t> 1.2+ only</a:t>
+            </a:r>
+            <a:endParaRPr lang="en-US" dirty="0"/>
           </a:p>
         </p:txBody>
       </p:sp>
     </p:spTree>
     <p:extLst>
       <p:ext uri="{BB962C8B-B14F-4D97-AF65-F5344CB8AC3E}">
-        <p14:creationId xmlns:p14="http://schemas.microsoft.com/office/powerpoint/2010/main" val="4060139288"/>
+        <p14:creationId xmlns:p14="http://schemas.microsoft.com/office/powerpoint/2010/main" val="1003612921"/>
       </p:ext>
     </p:extLst>
   </p:cSld>
@@ -45413,7 +45183,7 @@
           <a:p>
             <a:r>
               <a:rPr lang="en-GB" dirty="0" smtClean="0"/>
-              <a:t>Exercise 3</a:t>
+              <a:t>Image Samplers</a:t>
             </a:r>
             <a:endParaRPr lang="en-GB" dirty="0"/>
           </a:p>
@@ -45429,97 +45199,1139 @@
             <p:ph idx="1"/>
           </p:nvPr>
         </p:nvSpPr>
-        <p:spPr>
-          <a:xfrm>
-            <a:off x="457200" y="1600200"/>
-            <a:ext cx="8229600" cy="4995041"/>
-          </a:xfrm>
-        </p:spPr>
+        <p:spPr/>
         <p:txBody>
           <a:bodyPr>
-            <a:normAutofit fontScale="92500" lnSpcReduction="20000"/>
+            <a:normAutofit fontScale="32500" lnSpcReduction="20000"/>
           </a:bodyPr>
           <a:lstStyle/>
           <a:p>
-            <a:r>
-              <a:rPr lang="en-GB" dirty="0" smtClean="0"/>
-              <a:t>Start with the </a:t>
-            </a:r>
-            <a:r>
-              <a:rPr lang="en-GB" smtClean="0">
-                <a:latin typeface="Courier New"/>
-                <a:cs typeface="Courier New"/>
-              </a:rPr>
-              <a:t>Bilateral</a:t>
+            <a:pPr marL="0" indent="0">
+              <a:buNone/>
+            </a:pPr>
+            <a:r>
+              <a:rPr lang="en-GB" b="1" dirty="0" smtClean="0">
+                <a:solidFill>
+                  <a:srgbClr val="3366FF"/>
+                </a:solidFill>
+                <a:latin typeface="Courier New"/>
+                <a:cs typeface="Courier New"/>
+              </a:rPr>
+              <a:t>// Create a sampler object</a:t>
+            </a:r>
+          </a:p>
+          <a:p>
+            <a:pPr marL="0" indent="0">
+              <a:buNone/>
+            </a:pPr>
+            <a:r>
+              <a:rPr lang="en-GB" b="1" dirty="0" smtClean="0">
+                <a:solidFill>
+                  <a:srgbClr val="3366FF"/>
+                </a:solidFill>
+                <a:latin typeface="Courier New"/>
+                <a:cs typeface="Courier New"/>
+              </a:rPr>
+              <a:t>cl::Sampler sampler(</a:t>
+            </a:r>
+          </a:p>
+          <a:p>
+            <a:pPr marL="0" indent="0">
+              <a:buNone/>
+            </a:pPr>
+            <a:r>
+              <a:rPr lang="en-GB" b="1" dirty="0">
+                <a:solidFill>
+                  <a:srgbClr val="3366FF"/>
+                </a:solidFill>
+                <a:latin typeface="Courier New"/>
+                <a:cs typeface="Courier New"/>
+              </a:rPr>
+              <a:t> </a:t>
+            </a:r>
+            <a:r>
+              <a:rPr lang="en-GB" b="1" dirty="0" smtClean="0">
+                <a:solidFill>
+                  <a:srgbClr val="3366FF"/>
+                </a:solidFill>
+                <a:latin typeface="Courier New"/>
+                <a:cs typeface="Courier New"/>
+              </a:rPr>
+              <a:t> context,           // context objects</a:t>
+            </a:r>
+          </a:p>
+          <a:p>
+            <a:pPr marL="0" indent="0">
+              <a:buNone/>
+            </a:pPr>
+            <a:r>
+              <a:rPr lang="en-GB" b="1" dirty="0">
+                <a:solidFill>
+                  <a:srgbClr val="3366FF"/>
+                </a:solidFill>
+                <a:latin typeface="Courier New"/>
+                <a:cs typeface="Courier New"/>
+              </a:rPr>
+              <a:t> </a:t>
+            </a:r>
+            <a:r>
+              <a:rPr lang="en-GB" b="1" dirty="0" smtClean="0">
+                <a:solidFill>
+                  <a:srgbClr val="3366FF"/>
+                </a:solidFill>
+                <a:latin typeface="Courier New"/>
+                <a:cs typeface="Courier New"/>
+              </a:rPr>
+              <a:t> CL_FALSE,          // normalized coordinates</a:t>
+            </a:r>
+          </a:p>
+          <a:p>
+            <a:pPr marL="0" indent="0">
+              <a:buNone/>
+            </a:pPr>
+            <a:r>
+              <a:rPr lang="en-GB" b="1" dirty="0" smtClean="0">
+                <a:solidFill>
+                  <a:srgbClr val="3366FF"/>
+                </a:solidFill>
+                <a:latin typeface="Courier New"/>
+                <a:cs typeface="Courier New"/>
+              </a:rPr>
+              <a:t>  CL_ADDRESS_REPEAT, // addressing mode</a:t>
+            </a:r>
+          </a:p>
+          <a:p>
+            <a:pPr marL="0" indent="0">
+              <a:buNone/>
+            </a:pPr>
+            <a:r>
+              <a:rPr lang="en-GB" b="1" dirty="0">
+                <a:solidFill>
+                  <a:srgbClr val="3366FF"/>
+                </a:solidFill>
+                <a:latin typeface="Courier New"/>
+                <a:cs typeface="Courier New"/>
+              </a:rPr>
+              <a:t> </a:t>
+            </a:r>
+            <a:r>
+              <a:rPr lang="en-GB" b="1" dirty="0" smtClean="0">
+                <a:solidFill>
+                  <a:srgbClr val="3366FF"/>
+                </a:solidFill>
+                <a:latin typeface="Courier New"/>
+                <a:cs typeface="Courier New"/>
+              </a:rPr>
+              <a:t> CL_FILTER_NEAREST, // filtering mode</a:t>
+            </a:r>
+          </a:p>
+          <a:p>
+            <a:pPr marL="0" indent="0">
+              <a:buNone/>
+            </a:pPr>
+            <a:r>
+              <a:rPr lang="en-GB" b="1" dirty="0" smtClean="0">
+                <a:solidFill>
+                  <a:srgbClr val="3366FF"/>
+                </a:solidFill>
+                <a:latin typeface="Courier New"/>
+                <a:cs typeface="Courier New"/>
+              </a:rPr>
+              <a:t>);</a:t>
+            </a:r>
+          </a:p>
+          <a:p>
+            <a:pPr marL="0" indent="0">
+              <a:buNone/>
+            </a:pPr>
+            <a:endParaRPr lang="en-GB" b="1" dirty="0" smtClean="0">
+              <a:solidFill>
+                <a:srgbClr val="3366FF"/>
+              </a:solidFill>
+              <a:latin typeface="Courier New"/>
+              <a:cs typeface="Courier New"/>
+            </a:endParaRPr>
+          </a:p>
+          <a:p>
+            <a:pPr marL="0" indent="0">
+              <a:buNone/>
+            </a:pPr>
+            <a:r>
+              <a:rPr lang="en-GB" b="1" dirty="0" smtClean="0">
+                <a:solidFill>
+                  <a:srgbClr val="3366FF"/>
+                </a:solidFill>
+                <a:latin typeface="Courier New"/>
+                <a:cs typeface="Courier New"/>
+              </a:rPr>
+              <a:t>// Pass sampler to kernel as an argument</a:t>
+            </a:r>
+            <a:endParaRPr lang="en-GB" b="1" dirty="0">
+              <a:solidFill>
+                <a:srgbClr val="3366FF"/>
+              </a:solidFill>
+              <a:latin typeface="Courier New"/>
+              <a:cs typeface="Courier New"/>
+            </a:endParaRPr>
+          </a:p>
+          <a:p>
+            <a:pPr marL="0" indent="0">
+              <a:buNone/>
+            </a:pPr>
+            <a:r>
+              <a:rPr lang="en-GB" b="1" dirty="0" smtClean="0">
+                <a:solidFill>
+                  <a:srgbClr val="3366FF"/>
+                </a:solidFill>
+                <a:latin typeface="Courier New" panose="02070309020205020404" pitchFamily="49" charset="0"/>
+                <a:cs typeface="Courier New" panose="02070309020205020404" pitchFamily="49" charset="0"/>
+              </a:rPr>
+              <a:t>kernel</a:t>
+            </a:r>
+            <a:r>
+              <a:rPr lang="en-GB" b="1" dirty="0">
+                <a:solidFill>
+                  <a:srgbClr val="3366FF"/>
+                </a:solidFill>
+                <a:latin typeface="Courier New" panose="02070309020205020404" pitchFamily="49" charset="0"/>
+                <a:cs typeface="Courier New" panose="02070309020205020404" pitchFamily="49" charset="0"/>
+              </a:rPr>
+              <a:t>(cl::</a:t>
+            </a:r>
+            <a:r>
+              <a:rPr lang="en-GB" b="1" dirty="0" err="1">
+                <a:solidFill>
+                  <a:srgbClr val="3366FF"/>
+                </a:solidFill>
+                <a:latin typeface="Courier New" panose="02070309020205020404" pitchFamily="49" charset="0"/>
+                <a:cs typeface="Courier New" panose="02070309020205020404" pitchFamily="49" charset="0"/>
+              </a:rPr>
+              <a:t>EnqueueArgs</a:t>
+            </a:r>
+            <a:r>
+              <a:rPr lang="en-GB" b="1" dirty="0">
+                <a:solidFill>
+                  <a:srgbClr val="3366FF"/>
+                </a:solidFill>
+                <a:latin typeface="Courier New" panose="02070309020205020404" pitchFamily="49" charset="0"/>
+                <a:cs typeface="Courier New" panose="02070309020205020404" pitchFamily="49" charset="0"/>
+              </a:rPr>
+              <a:t>(queue, global), </a:t>
+            </a:r>
+            <a:r>
+              <a:rPr lang="en-GB" b="1" dirty="0" smtClean="0">
+                <a:solidFill>
+                  <a:srgbClr val="3366FF"/>
+                </a:solidFill>
+                <a:latin typeface="Courier New" panose="02070309020205020404" pitchFamily="49" charset="0"/>
+                <a:cs typeface="Courier New" panose="02070309020205020404" pitchFamily="49" charset="0"/>
+              </a:rPr>
+              <a:t>…, sampler, …)</a:t>
+            </a:r>
+            <a:r>
+              <a:rPr lang="en-GB" b="1" dirty="0">
+                <a:solidFill>
+                  <a:srgbClr val="3366FF"/>
+                </a:solidFill>
+                <a:latin typeface="Courier New" panose="02070309020205020404" pitchFamily="49" charset="0"/>
+                <a:cs typeface="Courier New" panose="02070309020205020404" pitchFamily="49" charset="0"/>
+              </a:rPr>
+              <a:t>;</a:t>
+            </a:r>
+          </a:p>
+          <a:p>
+            <a:pPr marL="0" indent="0">
+              <a:buNone/>
+            </a:pPr>
+            <a:endParaRPr lang="en-GB" b="1" dirty="0" smtClean="0">
+              <a:solidFill>
+                <a:srgbClr val="3366FF"/>
+              </a:solidFill>
+              <a:latin typeface="Courier New"/>
+              <a:cs typeface="Courier New"/>
+            </a:endParaRPr>
+          </a:p>
+          <a:p>
+            <a:pPr marL="0" indent="0">
+              <a:buNone/>
+            </a:pPr>
+            <a:endParaRPr lang="en-GB" b="1" dirty="0" smtClean="0">
+              <a:solidFill>
+                <a:srgbClr val="3366FF"/>
+              </a:solidFill>
+              <a:latin typeface="Courier New"/>
+              <a:cs typeface="Courier New"/>
+            </a:endParaRPr>
+          </a:p>
+          <a:p>
+            <a:pPr marL="0" indent="0">
+              <a:buNone/>
+            </a:pPr>
+            <a:r>
+              <a:rPr lang="en-GB" b="1" dirty="0" smtClean="0">
+                <a:solidFill>
+                  <a:srgbClr val="3366FF"/>
+                </a:solidFill>
+                <a:latin typeface="Courier New"/>
+                <a:cs typeface="Courier New"/>
+              </a:rPr>
+              <a:t>kernel </a:t>
+            </a:r>
+            <a:r>
+              <a:rPr lang="en-GB" b="1" dirty="0">
+                <a:solidFill>
+                  <a:srgbClr val="3366FF"/>
+                </a:solidFill>
+                <a:latin typeface="Courier New"/>
+                <a:cs typeface="Courier New"/>
+              </a:rPr>
+              <a:t>void foo(</a:t>
+            </a:r>
+          </a:p>
+          <a:p>
+            <a:pPr marL="0" indent="0">
+              <a:buNone/>
+            </a:pPr>
+            <a:r>
+              <a:rPr lang="en-GB" b="1" dirty="0">
+                <a:solidFill>
+                  <a:srgbClr val="3366FF"/>
+                </a:solidFill>
+                <a:latin typeface="Courier New"/>
+                <a:cs typeface="Courier New"/>
+              </a:rPr>
+              <a:t>  </a:t>
+            </a:r>
+            <a:r>
+              <a:rPr lang="en-GB" b="1" dirty="0" err="1">
+                <a:solidFill>
+                  <a:srgbClr val="3366FF"/>
+                </a:solidFill>
+                <a:latin typeface="Courier New"/>
+                <a:cs typeface="Courier New"/>
+              </a:rPr>
+              <a:t>read_only</a:t>
+            </a:r>
+            <a:r>
+              <a:rPr lang="en-GB" b="1" dirty="0">
+                <a:solidFill>
+                  <a:srgbClr val="3366FF"/>
+                </a:solidFill>
+                <a:latin typeface="Courier New"/>
+                <a:cs typeface="Courier New"/>
+              </a:rPr>
+              <a:t> image2d_t input,</a:t>
+            </a:r>
+          </a:p>
+          <a:p>
+            <a:pPr marL="0" indent="0">
+              <a:buNone/>
+            </a:pPr>
+            <a:r>
+              <a:rPr lang="en-GB" b="1" dirty="0">
+                <a:solidFill>
+                  <a:srgbClr val="3366FF"/>
+                </a:solidFill>
+                <a:latin typeface="Courier New"/>
+                <a:cs typeface="Courier New"/>
+              </a:rPr>
+              <a:t>  </a:t>
+            </a:r>
+            <a:r>
+              <a:rPr lang="en-GB" b="1" dirty="0" err="1">
+                <a:solidFill>
+                  <a:srgbClr val="3366FF"/>
+                </a:solidFill>
+                <a:latin typeface="Courier New"/>
+                <a:cs typeface="Courier New"/>
+              </a:rPr>
+              <a:t>write_only</a:t>
+            </a:r>
+            <a:r>
+              <a:rPr lang="en-GB" b="1" dirty="0">
+                <a:solidFill>
+                  <a:srgbClr val="3366FF"/>
+                </a:solidFill>
+                <a:latin typeface="Courier New"/>
+                <a:cs typeface="Courier New"/>
+              </a:rPr>
+              <a:t> image2d_t </a:t>
+            </a:r>
+            <a:r>
+              <a:rPr lang="en-GB" b="1" dirty="0" smtClean="0">
+                <a:solidFill>
+                  <a:srgbClr val="3366FF"/>
+                </a:solidFill>
+                <a:latin typeface="Courier New"/>
+                <a:cs typeface="Courier New"/>
+              </a:rPr>
+              <a:t>output,</a:t>
+            </a:r>
+          </a:p>
+          <a:p>
+            <a:pPr marL="0" indent="0">
+              <a:buNone/>
+            </a:pPr>
+            <a:r>
+              <a:rPr lang="en-GB" b="1" dirty="0" smtClean="0">
+                <a:solidFill>
+                  <a:srgbClr val="3366FF"/>
+                </a:solidFill>
+                <a:latin typeface="Courier New"/>
+                <a:cs typeface="Courier New"/>
+              </a:rPr>
+              <a:t>  </a:t>
+            </a:r>
+            <a:r>
+              <a:rPr lang="en-GB" b="1" dirty="0" err="1" smtClean="0">
+                <a:solidFill>
+                  <a:srgbClr val="3366FF"/>
+                </a:solidFill>
+                <a:latin typeface="Courier New"/>
+                <a:cs typeface="Courier New"/>
+              </a:rPr>
+              <a:t>const</a:t>
+            </a:r>
+            <a:r>
+              <a:rPr lang="en-GB" b="1" dirty="0" smtClean="0">
+                <a:solidFill>
+                  <a:srgbClr val="3366FF"/>
+                </a:solidFill>
+                <a:latin typeface="Courier New"/>
+                <a:cs typeface="Courier New"/>
+              </a:rPr>
+              <a:t> </a:t>
+            </a:r>
+            <a:r>
+              <a:rPr lang="en-GB" b="1" dirty="0" err="1" smtClean="0">
+                <a:solidFill>
+                  <a:srgbClr val="3366FF"/>
+                </a:solidFill>
+                <a:latin typeface="Courier New"/>
+                <a:cs typeface="Courier New"/>
+              </a:rPr>
+              <a:t>sampler_t</a:t>
+            </a:r>
+            <a:r>
+              <a:rPr lang="en-GB" b="1" dirty="0" smtClean="0">
+                <a:solidFill>
+                  <a:srgbClr val="3366FF"/>
+                </a:solidFill>
+                <a:latin typeface="Courier New"/>
+                <a:cs typeface="Courier New"/>
+              </a:rPr>
+              <a:t> sampler)</a:t>
+            </a:r>
+            <a:endParaRPr lang="en-GB" b="1" dirty="0">
+              <a:solidFill>
+                <a:srgbClr val="3366FF"/>
+              </a:solidFill>
+              <a:latin typeface="Courier New"/>
+              <a:cs typeface="Courier New"/>
+            </a:endParaRPr>
+          </a:p>
+          <a:p>
+            <a:pPr marL="0" indent="0">
+              <a:buNone/>
+            </a:pPr>
+            <a:r>
+              <a:rPr lang="en-GB" b="1" dirty="0" smtClean="0">
+                <a:solidFill>
+                  <a:srgbClr val="3366FF"/>
+                </a:solidFill>
+                <a:latin typeface="Courier New"/>
+                <a:cs typeface="Courier New"/>
+              </a:rPr>
+              <a:t>{</a:t>
+            </a:r>
+          </a:p>
+          <a:p>
+            <a:pPr marL="0" indent="0">
+              <a:buNone/>
+            </a:pPr>
+            <a:r>
+              <a:rPr lang="en-GB" b="1" dirty="0" smtClean="0">
+                <a:solidFill>
+                  <a:srgbClr val="3366FF"/>
+                </a:solidFill>
+                <a:latin typeface="Courier New"/>
+                <a:cs typeface="Courier New"/>
+              </a:rPr>
+              <a:t>  </a:t>
+            </a:r>
+            <a:r>
+              <a:rPr lang="en-GB" b="1" dirty="0" err="1" smtClean="0">
+                <a:solidFill>
+                  <a:srgbClr val="3366FF"/>
+                </a:solidFill>
+                <a:latin typeface="Courier New"/>
+                <a:cs typeface="Courier New"/>
+              </a:rPr>
+              <a:t>int</a:t>
+            </a:r>
+            <a:r>
+              <a:rPr lang="en-GB" b="1" dirty="0" smtClean="0">
+                <a:solidFill>
+                  <a:srgbClr val="3366FF"/>
+                </a:solidFill>
+                <a:latin typeface="Courier New"/>
+                <a:cs typeface="Courier New"/>
+              </a:rPr>
+              <a:t> x = </a:t>
+            </a:r>
+            <a:r>
+              <a:rPr lang="en-GB" b="1" dirty="0" err="1" smtClean="0">
+                <a:solidFill>
+                  <a:srgbClr val="3366FF"/>
+                </a:solidFill>
+                <a:latin typeface="Courier New"/>
+                <a:cs typeface="Courier New"/>
+              </a:rPr>
+              <a:t>get_global_id</a:t>
+            </a:r>
+            <a:r>
+              <a:rPr lang="en-GB" b="1" dirty="0" smtClean="0">
+                <a:solidFill>
+                  <a:srgbClr val="3366FF"/>
+                </a:solidFill>
+                <a:latin typeface="Courier New"/>
+                <a:cs typeface="Courier New"/>
+              </a:rPr>
+              <a:t>(0);</a:t>
+            </a:r>
+          </a:p>
+          <a:p>
+            <a:pPr marL="0" indent="0">
+              <a:buNone/>
+            </a:pPr>
+            <a:r>
+              <a:rPr lang="en-GB" b="1" dirty="0" smtClean="0">
+                <a:solidFill>
+                  <a:srgbClr val="3366FF"/>
+                </a:solidFill>
+                <a:latin typeface="Courier New"/>
+                <a:cs typeface="Courier New"/>
+              </a:rPr>
+              <a:t>  </a:t>
+            </a:r>
+            <a:r>
+              <a:rPr lang="en-GB" b="1" dirty="0" err="1" smtClean="0">
+                <a:solidFill>
+                  <a:srgbClr val="3366FF"/>
+                </a:solidFill>
+                <a:latin typeface="Courier New"/>
+                <a:cs typeface="Courier New"/>
+              </a:rPr>
+              <a:t>int</a:t>
+            </a:r>
+            <a:r>
+              <a:rPr lang="en-GB" b="1" dirty="0" smtClean="0">
+                <a:solidFill>
+                  <a:srgbClr val="3366FF"/>
+                </a:solidFill>
+                <a:latin typeface="Courier New"/>
+                <a:cs typeface="Courier New"/>
+              </a:rPr>
+              <a:t> y = </a:t>
+            </a:r>
+            <a:r>
+              <a:rPr lang="en-GB" b="1" dirty="0" err="1" smtClean="0">
+                <a:solidFill>
+                  <a:srgbClr val="3366FF"/>
+                </a:solidFill>
+                <a:latin typeface="Courier New"/>
+                <a:cs typeface="Courier New"/>
+              </a:rPr>
+              <a:t>get_global_id</a:t>
+            </a:r>
+            <a:r>
+              <a:rPr lang="en-GB" b="1" dirty="0" smtClean="0">
+                <a:solidFill>
+                  <a:srgbClr val="3366FF"/>
+                </a:solidFill>
+                <a:latin typeface="Courier New"/>
+                <a:cs typeface="Courier New"/>
+              </a:rPr>
+              <a:t>(1);</a:t>
+            </a:r>
+          </a:p>
+          <a:p>
+            <a:pPr marL="0" indent="0">
+              <a:buNone/>
+            </a:pPr>
+            <a:endParaRPr lang="en-GB" b="1" dirty="0" smtClean="0">
+              <a:solidFill>
+                <a:srgbClr val="3366FF"/>
+              </a:solidFill>
+              <a:latin typeface="Courier New"/>
+              <a:cs typeface="Courier New"/>
+            </a:endParaRPr>
+          </a:p>
+          <a:p>
+            <a:pPr marL="0" indent="0">
+              <a:buNone/>
+            </a:pPr>
+            <a:r>
+              <a:rPr lang="en-GB" b="1" dirty="0" smtClean="0">
+                <a:solidFill>
+                  <a:srgbClr val="3366FF"/>
+                </a:solidFill>
+                <a:latin typeface="Courier New"/>
+                <a:cs typeface="Courier New"/>
+              </a:rPr>
+              <a:t>  </a:t>
+            </a:r>
+            <a:r>
+              <a:rPr lang="en-GB" b="1" dirty="0">
+                <a:solidFill>
+                  <a:srgbClr val="3366FF"/>
+                </a:solidFill>
+                <a:latin typeface="Courier New"/>
+                <a:cs typeface="Courier New"/>
+              </a:rPr>
+              <a:t>// Read a normalized pixel </a:t>
+            </a:r>
+            <a:r>
+              <a:rPr lang="en-GB" b="1" dirty="0" smtClean="0">
+                <a:solidFill>
+                  <a:srgbClr val="3366FF"/>
+                </a:solidFill>
+                <a:latin typeface="Courier New"/>
+                <a:cs typeface="Courier New"/>
+              </a:rPr>
+              <a:t>value using a sampler</a:t>
+            </a:r>
+            <a:endParaRPr lang="en-GB" b="1" dirty="0">
+              <a:solidFill>
+                <a:srgbClr val="3366FF"/>
+              </a:solidFill>
+              <a:latin typeface="Courier New"/>
+              <a:cs typeface="Courier New"/>
+            </a:endParaRPr>
+          </a:p>
+          <a:p>
+            <a:pPr marL="0" indent="0">
+              <a:buNone/>
+            </a:pPr>
+            <a:r>
+              <a:rPr lang="en-GB" b="1" dirty="0">
+                <a:solidFill>
+                  <a:srgbClr val="3366FF"/>
+                </a:solidFill>
+                <a:latin typeface="Courier New"/>
+                <a:cs typeface="Courier New"/>
+              </a:rPr>
+              <a:t>  float4 </a:t>
+            </a:r>
+            <a:r>
+              <a:rPr lang="en-GB" b="1" dirty="0" err="1">
+                <a:solidFill>
+                  <a:srgbClr val="3366FF"/>
+                </a:solidFill>
+                <a:latin typeface="Courier New"/>
+                <a:cs typeface="Courier New"/>
+              </a:rPr>
+              <a:t>color</a:t>
+            </a:r>
+            <a:r>
+              <a:rPr lang="en-GB" b="1" dirty="0">
+                <a:solidFill>
+                  <a:srgbClr val="3366FF"/>
+                </a:solidFill>
+                <a:latin typeface="Courier New"/>
+                <a:cs typeface="Courier New"/>
+              </a:rPr>
+              <a:t> = </a:t>
+            </a:r>
+            <a:r>
+              <a:rPr lang="en-GB" b="1" dirty="0" err="1">
+                <a:solidFill>
+                  <a:srgbClr val="3366FF"/>
+                </a:solidFill>
+                <a:latin typeface="Courier New"/>
+                <a:cs typeface="Courier New"/>
+              </a:rPr>
+              <a:t>read_imagef</a:t>
+            </a:r>
+            <a:r>
+              <a:rPr lang="en-GB" b="1" dirty="0" smtClean="0">
+                <a:solidFill>
+                  <a:srgbClr val="3366FF"/>
+                </a:solidFill>
+                <a:latin typeface="Courier New"/>
+                <a:cs typeface="Courier New"/>
+              </a:rPr>
+              <a:t>(</a:t>
+            </a:r>
+          </a:p>
+          <a:p>
+            <a:pPr marL="0" indent="0">
+              <a:buNone/>
+            </a:pPr>
+            <a:r>
+              <a:rPr lang="en-GB" b="1" dirty="0" smtClean="0">
+                <a:solidFill>
+                  <a:srgbClr val="3366FF"/>
+                </a:solidFill>
+                <a:latin typeface="Courier New"/>
+                <a:cs typeface="Courier New"/>
+              </a:rPr>
+              <a:t>    input,</a:t>
+            </a:r>
+          </a:p>
+          <a:p>
+            <a:pPr marL="0" indent="0">
+              <a:buNone/>
+            </a:pPr>
+            <a:r>
+              <a:rPr lang="en-GB" b="1" dirty="0" smtClean="0">
+                <a:solidFill>
+                  <a:srgbClr val="3366FF"/>
+                </a:solidFill>
+                <a:latin typeface="Courier New"/>
+                <a:cs typeface="Courier New"/>
+              </a:rPr>
+              <a:t>    sampler,</a:t>
+            </a:r>
+          </a:p>
+          <a:p>
+            <a:pPr marL="0" indent="0">
+              <a:buNone/>
+            </a:pPr>
+            <a:r>
+              <a:rPr lang="en-GB" b="1" dirty="0" smtClean="0">
+                <a:solidFill>
+                  <a:srgbClr val="3366FF"/>
+                </a:solidFill>
+                <a:latin typeface="Courier New"/>
+                <a:cs typeface="Courier New"/>
+              </a:rPr>
+              <a:t>    (int2)(x, y)</a:t>
+            </a:r>
+          </a:p>
+          <a:p>
+            <a:pPr marL="0" indent="0">
+              <a:buNone/>
+            </a:pPr>
+            <a:r>
+              <a:rPr lang="en-GB" b="1" dirty="0" smtClean="0">
+                <a:solidFill>
+                  <a:srgbClr val="3366FF"/>
+                </a:solidFill>
+                <a:latin typeface="Courier New"/>
+                <a:cs typeface="Courier New"/>
+              </a:rPr>
+              <a:t>  );</a:t>
+            </a:r>
+          </a:p>
+          <a:p>
+            <a:pPr marL="0" indent="0">
+              <a:buNone/>
+            </a:pPr>
+            <a:endParaRPr lang="en-GB" b="1" dirty="0" smtClean="0">
+              <a:solidFill>
+                <a:srgbClr val="3366FF"/>
+              </a:solidFill>
+              <a:latin typeface="Courier New"/>
+              <a:cs typeface="Courier New"/>
+            </a:endParaRPr>
+          </a:p>
+          <a:p>
+            <a:pPr marL="0" indent="0">
+              <a:buNone/>
+            </a:pPr>
+            <a:r>
+              <a:rPr lang="en-GB" b="1" dirty="0" smtClean="0">
+                <a:solidFill>
+                  <a:srgbClr val="3366FF"/>
+                </a:solidFill>
+                <a:latin typeface="Courier New"/>
+                <a:cs typeface="Courier New"/>
+              </a:rPr>
+              <a:t>  ...</a:t>
+            </a:r>
+          </a:p>
+          <a:p>
+            <a:pPr marL="0" indent="0">
+              <a:buNone/>
+            </a:pPr>
+            <a:r>
+              <a:rPr lang="en-GB" b="1" dirty="0" smtClean="0">
+                <a:solidFill>
+                  <a:srgbClr val="3366FF"/>
+                </a:solidFill>
+                <a:latin typeface="Courier New"/>
+                <a:cs typeface="Courier New"/>
+              </a:rPr>
+              <a:t>}</a:t>
+            </a:r>
+          </a:p>
+          <a:p>
+            <a:pPr marL="0" indent="0">
+              <a:buNone/>
+            </a:pPr>
+            <a:endParaRPr lang="en-GB" b="1" dirty="0" smtClean="0">
+              <a:solidFill>
+                <a:srgbClr val="3366FF"/>
+              </a:solidFill>
+              <a:latin typeface="Courier New"/>
+              <a:cs typeface="Courier New"/>
+            </a:endParaRPr>
+          </a:p>
+          <a:p>
+            <a:pPr marL="0" indent="0">
+              <a:buNone/>
+            </a:pPr>
+            <a:endParaRPr lang="en-GB" b="1" dirty="0" smtClean="0">
+              <a:solidFill>
+                <a:srgbClr val="3366FF"/>
+              </a:solidFill>
+              <a:latin typeface="Courier New"/>
+              <a:cs typeface="Courier New"/>
+            </a:endParaRPr>
+          </a:p>
+          <a:p>
+            <a:pPr marL="0" indent="0">
+              <a:buNone/>
+            </a:pPr>
+            <a:r>
+              <a:rPr lang="en-GB" b="1" dirty="0" smtClean="0">
+                <a:solidFill>
+                  <a:srgbClr val="3366FF"/>
+                </a:solidFill>
+                <a:latin typeface="Courier New"/>
+                <a:cs typeface="Courier New"/>
+              </a:rPr>
+              <a:t>// Alternatively, declare the sampler inside the kernel source</a:t>
+            </a:r>
+          </a:p>
+          <a:p>
+            <a:pPr marL="0" indent="0">
+              <a:buNone/>
+            </a:pPr>
+            <a:r>
+              <a:rPr lang="en-GB" b="1" dirty="0" err="1">
+                <a:solidFill>
+                  <a:srgbClr val="3366FF"/>
+                </a:solidFill>
+                <a:latin typeface="Courier New"/>
+                <a:cs typeface="Courier New"/>
+              </a:rPr>
+              <a:t>const</a:t>
+            </a:r>
+            <a:r>
+              <a:rPr lang="en-GB" b="1" dirty="0">
+                <a:solidFill>
+                  <a:srgbClr val="3366FF"/>
+                </a:solidFill>
+                <a:latin typeface="Courier New"/>
+                <a:cs typeface="Courier New"/>
+              </a:rPr>
+              <a:t> </a:t>
+            </a:r>
+            <a:r>
+              <a:rPr lang="en-GB" b="1" dirty="0" err="1">
+                <a:solidFill>
+                  <a:srgbClr val="3366FF"/>
+                </a:solidFill>
+                <a:latin typeface="Courier New"/>
+                <a:cs typeface="Courier New"/>
+              </a:rPr>
+              <a:t>sampler_t</a:t>
+            </a:r>
+            <a:r>
+              <a:rPr lang="en-GB" b="1" dirty="0">
+                <a:solidFill>
+                  <a:srgbClr val="3366FF"/>
+                </a:solidFill>
+                <a:latin typeface="Courier New"/>
+                <a:cs typeface="Courier New"/>
+              </a:rPr>
+              <a:t> sampler =</a:t>
+            </a:r>
+          </a:p>
+          <a:p>
+            <a:pPr marL="0" indent="0">
+              <a:buNone/>
+            </a:pPr>
+            <a:r>
+              <a:rPr lang="en-GB" b="1" dirty="0">
+                <a:solidFill>
+                  <a:srgbClr val="3366FF"/>
+                </a:solidFill>
+                <a:latin typeface="Courier New"/>
+                <a:cs typeface="Courier New"/>
+              </a:rPr>
+              <a:t>  CLK_NORMALIZED_COORDS_FALSE |</a:t>
+            </a:r>
+          </a:p>
+          <a:p>
+            <a:pPr marL="0" indent="0">
+              <a:buNone/>
+            </a:pPr>
+            <a:r>
+              <a:rPr lang="en-GB" b="1" dirty="0">
+                <a:solidFill>
+                  <a:srgbClr val="3366FF"/>
+                </a:solidFill>
+                <a:latin typeface="Courier New"/>
+                <a:cs typeface="Courier New"/>
+              </a:rPr>
+              <a:t>  CLK_ADDRESS_CLAMP_TO_EDGE   |</a:t>
+            </a:r>
+          </a:p>
+          <a:p>
+            <a:pPr marL="0" indent="0">
+              <a:buNone/>
+            </a:pPr>
+            <a:r>
+              <a:rPr lang="en-GB" b="1" dirty="0">
+                <a:solidFill>
+                  <a:srgbClr val="3366FF"/>
+                </a:solidFill>
+                <a:latin typeface="Courier New"/>
+                <a:cs typeface="Courier New"/>
+              </a:rPr>
+              <a:t>  CLK_FILTER_NEAREST;</a:t>
+            </a:r>
+          </a:p>
+        </p:txBody>
+      </p:sp>
+      <p:sp>
+        <p:nvSpPr>
+          <p:cNvPr id="4" name="Text Placeholder 3"/>
+          <p:cNvSpPr>
+            <a:spLocks noGrp="1"/>
+          </p:cNvSpPr>
+          <p:nvPr>
+            <p:ph type="body" sz="half" idx="2"/>
+          </p:nvPr>
+        </p:nvSpPr>
+        <p:spPr/>
+        <p:txBody>
+          <a:bodyPr/>
+          <a:lstStyle/>
+          <a:p>
+            <a:pPr marL="285750" indent="-285750">
+              <a:buFont typeface="Arial"/>
+              <a:buChar char="•"/>
+            </a:pPr>
+            <a:r>
+              <a:rPr lang="en-GB" dirty="0"/>
+              <a:t>The </a:t>
+            </a:r>
+            <a:r>
+              <a:rPr lang="en-GB" b="1" dirty="0" err="1">
+                <a:solidFill>
+                  <a:srgbClr val="3366FF"/>
+                </a:solidFill>
+                <a:latin typeface="Courier New"/>
+                <a:cs typeface="Courier New"/>
+              </a:rPr>
+              <a:t>read_image</a:t>
+            </a:r>
+            <a:r>
+              <a:rPr lang="en-GB" b="1" dirty="0">
+                <a:solidFill>
+                  <a:srgbClr val="3366FF"/>
+                </a:solidFill>
+                <a:latin typeface="Courier New"/>
+                <a:cs typeface="Courier New"/>
+              </a:rPr>
+              <a:t>*</a:t>
+            </a:r>
+            <a:r>
+              <a:rPr lang="en-GB" dirty="0"/>
+              <a:t> functions can optionally use a </a:t>
+            </a:r>
+            <a:r>
+              <a:rPr lang="en-GB" i="1" dirty="0"/>
+              <a:t>sampler</a:t>
+            </a:r>
+            <a:r>
+              <a:rPr lang="en-GB" dirty="0"/>
+              <a:t> object to control how the data is read</a:t>
+            </a:r>
+          </a:p>
+          <a:p>
+            <a:pPr marL="285750" indent="-285750">
+              <a:buFont typeface="Arial"/>
+              <a:buChar char="•"/>
+            </a:pPr>
+            <a:r>
+              <a:rPr lang="en-GB" dirty="0"/>
+              <a:t>Samplers can be created on the </a:t>
+            </a:r>
+            <a:r>
+              <a:rPr lang="en-GB"/>
+              <a:t>host (</a:t>
+            </a:r>
+            <a:r>
+              <a:rPr lang="en-GB" b="1" smtClean="0">
+                <a:solidFill>
+                  <a:srgbClr val="3366FF"/>
+                </a:solidFill>
+                <a:latin typeface="Courier New"/>
+                <a:cs typeface="Courier New"/>
+              </a:rPr>
+              <a:t>clCreateSampler</a:t>
             </a:r>
             <a:r>
               <a:rPr lang="en-GB" smtClean="0"/>
-              <a:t> example</a:t>
-            </a:r>
+              <a:t>) </a:t>
+            </a:r>
+            <a:r>
+              <a:rPr lang="en-GB" dirty="0"/>
+              <a:t>and passed as an argument (</a:t>
+            </a:r>
+            <a:r>
+              <a:rPr lang="en-GB" b="1" dirty="0" err="1">
+                <a:solidFill>
+                  <a:srgbClr val="3366FF"/>
+                </a:solidFill>
+                <a:latin typeface="Courier New"/>
+                <a:cs typeface="Courier New"/>
+              </a:rPr>
+              <a:t>sampler_t</a:t>
+            </a:r>
+            <a:r>
+              <a:rPr lang="en-GB" dirty="0"/>
+              <a:t>), or declared inside the OpenCL source file as a constant value</a:t>
+            </a:r>
+          </a:p>
+          <a:p>
+            <a:pPr marL="285750" indent="-285750">
+              <a:buFont typeface="Arial"/>
+              <a:buChar char="•"/>
+            </a:pPr>
+            <a:r>
+              <a:rPr lang="en-GB" dirty="0"/>
+              <a:t>Samplers control whether to use normalized coordinates for addressing pixels, how to deal with out-of-range coordinates (</a:t>
+            </a:r>
+            <a:r>
+              <a:rPr lang="en-GB" b="1" dirty="0">
+                <a:solidFill>
+                  <a:srgbClr val="3366FF"/>
+                </a:solidFill>
+                <a:latin typeface="Courier New"/>
+                <a:cs typeface="Courier New"/>
+              </a:rPr>
+              <a:t>CLAMP</a:t>
+            </a:r>
+            <a:r>
+              <a:rPr lang="en-GB" dirty="0"/>
+              <a:t>, </a:t>
+            </a:r>
+            <a:r>
+              <a:rPr lang="en-GB" b="1" dirty="0">
+                <a:solidFill>
+                  <a:srgbClr val="3366FF"/>
+                </a:solidFill>
+                <a:latin typeface="Courier New"/>
+                <a:cs typeface="Courier New"/>
+              </a:rPr>
+              <a:t>CLAMP_TO_EDGE</a:t>
+            </a:r>
+            <a:r>
+              <a:rPr lang="en-GB" dirty="0"/>
+              <a:t>, </a:t>
+            </a:r>
+            <a:r>
+              <a:rPr lang="en-GB" b="1" dirty="0">
+                <a:solidFill>
+                  <a:srgbClr val="3366FF"/>
+                </a:solidFill>
+                <a:latin typeface="Courier New"/>
+                <a:cs typeface="Courier New"/>
+              </a:rPr>
+              <a:t>REPEAT</a:t>
+            </a:r>
+            <a:r>
+              <a:rPr lang="en-GB" dirty="0"/>
+              <a:t>, </a:t>
+            </a:r>
+            <a:r>
+              <a:rPr lang="en-GB" b="1" dirty="0">
+                <a:solidFill>
+                  <a:srgbClr val="3366FF"/>
+                </a:solidFill>
+                <a:latin typeface="Courier New"/>
+                <a:cs typeface="Courier New"/>
+              </a:rPr>
+              <a:t>MIRRORED_REPEAT</a:t>
+            </a:r>
+            <a:r>
+              <a:rPr lang="en-GB" dirty="0">
+                <a:solidFill>
+                  <a:srgbClr val="3366FF"/>
+                </a:solidFill>
+              </a:rPr>
+              <a:t> </a:t>
+            </a:r>
+            <a:r>
+              <a:rPr lang="en-GB" dirty="0"/>
+              <a:t>or </a:t>
+            </a:r>
+            <a:r>
+              <a:rPr lang="en-GB" b="1" dirty="0">
+                <a:solidFill>
+                  <a:srgbClr val="3366FF"/>
+                </a:solidFill>
+                <a:latin typeface="Courier New"/>
+                <a:cs typeface="Courier New"/>
+              </a:rPr>
+              <a:t>NONE</a:t>
+            </a:r>
+            <a:r>
+              <a:rPr lang="en-GB" dirty="0"/>
+              <a:t>) and how to filter pixels values (</a:t>
+            </a:r>
+            <a:r>
+              <a:rPr lang="en-GB" b="1" dirty="0">
+                <a:solidFill>
+                  <a:srgbClr val="3366FF"/>
+                </a:solidFill>
+                <a:latin typeface="Courier New"/>
+                <a:cs typeface="Courier New"/>
+              </a:rPr>
+              <a:t>NEAREST</a:t>
+            </a:r>
+            <a:r>
+              <a:rPr lang="en-GB" dirty="0">
+                <a:solidFill>
+                  <a:srgbClr val="3366FF"/>
+                </a:solidFill>
+              </a:rPr>
+              <a:t> </a:t>
+            </a:r>
+            <a:r>
+              <a:rPr lang="en-GB" dirty="0"/>
+              <a:t>or </a:t>
+            </a:r>
+            <a:r>
+              <a:rPr lang="en-GB" b="1" dirty="0">
+                <a:solidFill>
+                  <a:srgbClr val="3366FF"/>
+                </a:solidFill>
+                <a:latin typeface="Courier New"/>
+                <a:cs typeface="Courier New"/>
+              </a:rPr>
+              <a:t>LINEAR</a:t>
+            </a:r>
+            <a:r>
+              <a:rPr lang="en-GB" dirty="0"/>
+              <a:t>)</a:t>
+            </a:r>
+          </a:p>
+          <a:p>
             <a:endParaRPr lang="en-GB" dirty="0"/>
-          </a:p>
-          <a:p>
-            <a:r>
-              <a:rPr lang="en-GB" dirty="0" smtClean="0"/>
-              <a:t>Convert the kernel and host program to use image types</a:t>
-            </a:r>
-          </a:p>
-          <a:p>
-            <a:pPr lvl="1"/>
-            <a:r>
-              <a:rPr lang="en-GB" dirty="0" smtClean="0"/>
-              <a:t>The data is RGBA, 8-bit per channel, so you can use an image format with </a:t>
-            </a:r>
-            <a:r>
-              <a:rPr lang="en-GB" dirty="0"/>
-              <a:t>CL_RGBA</a:t>
-            </a:r>
-            <a:r>
-              <a:rPr lang="en-GB" dirty="0" smtClean="0"/>
-              <a:t> and either </a:t>
-            </a:r>
-            <a:r>
-              <a:rPr lang="en-GB" dirty="0"/>
-              <a:t>CL_UNSIGNED_INT8</a:t>
-            </a:r>
-            <a:r>
-              <a:rPr lang="en-GB" dirty="0" smtClean="0"/>
-              <a:t> or </a:t>
-            </a:r>
-            <a:r>
-              <a:rPr lang="en-GB" dirty="0"/>
-              <a:t>CL_UNORM_INT8</a:t>
-            </a:r>
-            <a:r>
-              <a:rPr lang="en-GB" dirty="0" smtClean="0"/>
-              <a:t> </a:t>
-            </a:r>
-            <a:endParaRPr lang="en-GB" dirty="0"/>
-          </a:p>
-          <a:p>
-            <a:r>
-              <a:rPr lang="en-GB" dirty="0" smtClean="0"/>
-              <a:t>Use a sampler to automatically perform normalization and bounds checking</a:t>
-            </a:r>
-          </a:p>
-          <a:p>
-            <a:r>
-              <a:rPr lang="en-GB" dirty="0" smtClean="0"/>
-              <a:t>Compare the performance to the buffer version for different devices</a:t>
-            </a:r>
-          </a:p>
-          <a:p>
-            <a:r>
-              <a:rPr lang="en-GB" dirty="0" smtClean="0"/>
-              <a:t>Extra: try some other optimizations such as native functions</a:t>
-            </a:r>
           </a:p>
         </p:txBody>
       </p:sp>
     </p:spTree>
     <p:extLst>
       <p:ext uri="{BB962C8B-B14F-4D97-AF65-F5344CB8AC3E}">
-        <p14:creationId xmlns:p14="http://schemas.microsoft.com/office/powerpoint/2010/main" val="224497518"/>
+        <p14:creationId xmlns:p14="http://schemas.microsoft.com/office/powerpoint/2010/main" val="4060139288"/>
       </p:ext>
     </p:extLst>
   </p:cSld>
@@ -45645,14 +46457,171 @@
   <p:clrMapOvr>
     <a:masterClrMapping/>
   </p:clrMapOvr>
-  <mc:AlternateContent xmlns:mc="http://schemas.openxmlformats.org/markup-compatibility/2006">
-    <mc:Choice xmlns:p14="http://schemas.microsoft.com/office/powerpoint/2010/main" Requires="p14">
+  <mc:AlternateContent xmlns:mc="http://schemas.openxmlformats.org/markup-compatibility/2006" xmlns:p14="http://schemas.microsoft.com/office/powerpoint/2010/main">
+    <mc:Choice Requires="p14">
       <p:transition spd="slow" p14:dur="2000"/>
     </mc:Choice>
-    <mc:Fallback>
+    <mc:Fallback xmlns="">
       <p:transition xmlns:p14="http://schemas.microsoft.com/office/powerpoint/2010/main" spd="slow"/>
     </mc:Fallback>
   </mc:AlternateContent>
+  <p:timing>
+    <p:tnLst>
+      <p:par>
+        <p:cTn xmlns:p14="http://schemas.microsoft.com/office/powerpoint/2010/main" id="1" dur="indefinite" restart="never" nodeType="tmRoot"/>
+      </p:par>
+    </p:tnLst>
+  </p:timing>
+</p:sld>
+</file>
+
+<file path=ppt/slides/slide80.xml><?xml version="1.0" encoding="utf-8"?>
+<p:sld xmlns:a="http://schemas.openxmlformats.org/drawingml/2006/main" xmlns:r="http://schemas.openxmlformats.org/officeDocument/2006/relationships" xmlns:p="http://schemas.openxmlformats.org/presentationml/2006/main">
+  <p:cSld>
+    <p:spTree>
+      <p:nvGrpSpPr>
+        <p:cNvPr id="1" name=""/>
+        <p:cNvGrpSpPr/>
+        <p:nvPr/>
+      </p:nvGrpSpPr>
+      <p:grpSpPr>
+        <a:xfrm>
+          <a:off x="0" y="0"/>
+          <a:ext cx="0" cy="0"/>
+          <a:chOff x="0" y="0"/>
+          <a:chExt cx="0" cy="0"/>
+        </a:xfrm>
+      </p:grpSpPr>
+      <p:sp>
+        <p:nvSpPr>
+          <p:cNvPr id="2" name="Title 1"/>
+          <p:cNvSpPr>
+            <a:spLocks noGrp="1"/>
+          </p:cNvSpPr>
+          <p:nvPr>
+            <p:ph type="title"/>
+          </p:nvPr>
+        </p:nvSpPr>
+        <p:spPr/>
+        <p:txBody>
+          <a:bodyPr/>
+          <a:lstStyle/>
+          <a:p>
+            <a:r>
+              <a:rPr lang="en-GB" dirty="0" smtClean="0"/>
+              <a:t>Exercise 3</a:t>
+            </a:r>
+            <a:endParaRPr lang="en-GB" dirty="0"/>
+          </a:p>
+        </p:txBody>
+      </p:sp>
+      <p:sp>
+        <p:nvSpPr>
+          <p:cNvPr id="3" name="Content Placeholder 2"/>
+          <p:cNvSpPr>
+            <a:spLocks noGrp="1"/>
+          </p:cNvSpPr>
+          <p:nvPr>
+            <p:ph idx="1"/>
+          </p:nvPr>
+        </p:nvSpPr>
+        <p:spPr>
+          <a:xfrm>
+            <a:off x="457200" y="1600200"/>
+            <a:ext cx="8229600" cy="4995041"/>
+          </a:xfrm>
+        </p:spPr>
+        <p:txBody>
+          <a:bodyPr>
+            <a:normAutofit fontScale="92500" lnSpcReduction="20000"/>
+          </a:bodyPr>
+          <a:lstStyle/>
+          <a:p>
+            <a:r>
+              <a:rPr lang="en-GB" dirty="0" smtClean="0"/>
+              <a:t>Start with the </a:t>
+            </a:r>
+            <a:r>
+              <a:rPr lang="en-GB" smtClean="0">
+                <a:latin typeface="Courier New"/>
+                <a:cs typeface="Courier New"/>
+              </a:rPr>
+              <a:t>Bilateral</a:t>
+            </a:r>
+            <a:r>
+              <a:rPr lang="en-GB" smtClean="0"/>
+              <a:t> example</a:t>
+            </a:r>
+            <a:endParaRPr lang="en-GB" dirty="0"/>
+          </a:p>
+          <a:p>
+            <a:r>
+              <a:rPr lang="en-GB" dirty="0" smtClean="0"/>
+              <a:t>Convert the kernel and host program to use image types</a:t>
+            </a:r>
+          </a:p>
+          <a:p>
+            <a:pPr lvl="1"/>
+            <a:r>
+              <a:rPr lang="en-GB" dirty="0" smtClean="0"/>
+              <a:t>The data is RGBA, 8-bit per channel, so you can use an image format with </a:t>
+            </a:r>
+            <a:r>
+              <a:rPr lang="en-GB" dirty="0"/>
+              <a:t>CL_RGBA</a:t>
+            </a:r>
+            <a:r>
+              <a:rPr lang="en-GB" dirty="0" smtClean="0"/>
+              <a:t> and either </a:t>
+            </a:r>
+            <a:r>
+              <a:rPr lang="en-GB" dirty="0"/>
+              <a:t>CL_UNSIGNED_INT8</a:t>
+            </a:r>
+            <a:r>
+              <a:rPr lang="en-GB" dirty="0" smtClean="0"/>
+              <a:t> or </a:t>
+            </a:r>
+            <a:r>
+              <a:rPr lang="en-GB" dirty="0"/>
+              <a:t>CL_UNORM_INT8</a:t>
+            </a:r>
+            <a:r>
+              <a:rPr lang="en-GB" dirty="0" smtClean="0"/>
+              <a:t> </a:t>
+            </a:r>
+            <a:endParaRPr lang="en-GB" dirty="0"/>
+          </a:p>
+          <a:p>
+            <a:r>
+              <a:rPr lang="en-GB" dirty="0" smtClean="0"/>
+              <a:t>Use a sampler to automatically perform normalization and bounds checking</a:t>
+            </a:r>
+          </a:p>
+          <a:p>
+            <a:r>
+              <a:rPr lang="en-GB" dirty="0" smtClean="0"/>
+              <a:t>Compare the performance to the buffer version for different devices</a:t>
+            </a:r>
+          </a:p>
+          <a:p>
+            <a:r>
+              <a:rPr lang="en-GB" dirty="0" smtClean="0"/>
+              <a:t>Extra: try some other optimizations such as native functions</a:t>
+            </a:r>
+          </a:p>
+        </p:txBody>
+      </p:sp>
+    </p:spTree>
+    <p:extLst>
+      <p:ext uri="{BB962C8B-B14F-4D97-AF65-F5344CB8AC3E}">
+        <p14:creationId xmlns:p14="http://schemas.microsoft.com/office/powerpoint/2010/main" val="224497518"/>
+      </p:ext>
+    </p:extLst>
+  </p:cSld>
+  <p:clrMapOvr>
+    <a:masterClrMapping/>
+  </p:clrMapOvr>
   <p:timing>
     <p:tnLst>
       <p:par>
@@ -45947,11 +46916,11 @@
   <p:clrMapOvr>
     <a:masterClrMapping/>
   </p:clrMapOvr>
-  <mc:AlternateContent xmlns:mc="http://schemas.openxmlformats.org/markup-compatibility/2006">
-    <mc:Choice xmlns:p14="http://schemas.microsoft.com/office/powerpoint/2010/main" Requires="p14">
+  <mc:AlternateContent xmlns:mc="http://schemas.openxmlformats.org/markup-compatibility/2006" xmlns:p14="http://schemas.microsoft.com/office/powerpoint/2010/main">
+    <mc:Choice Requires="p14">
       <p:transition spd="slow" p14:dur="2000"/>
     </mc:Choice>
-    <mc:Fallback>
+    <mc:Fallback xmlns="">
       <p:transition xmlns:p14="http://schemas.microsoft.com/office/powerpoint/2010/main" spd="slow"/>
     </mc:Fallback>
   </mc:AlternateContent>

--- a/slides/advanced_part3.pptx
+++ b/slides/advanced_part3.pptx
@@ -271,7 +271,7 @@
           <a:p>
             <a:fld id="{154B9960-65DD-7948-AAE5-CA021B06E14D}" type="datetimeFigureOut">
               <a:rPr lang="en-US" smtClean="0"/>
-              <a:t>07/05/15</a:t>
+              <a:t>09/05/15</a:t>
             </a:fld>
             <a:endParaRPr lang="en-GB"/>
           </a:p>
@@ -1582,7 +1582,7 @@
           <a:p>
             <a:fld id="{D96F9273-1B51-1D4D-B007-2EA617412104}" type="datetimeFigureOut">
               <a:rPr lang="en-US" smtClean="0"/>
-              <a:t>07/05/15</a:t>
+              <a:t>09/05/15</a:t>
             </a:fld>
             <a:endParaRPr lang="en-GB"/>
           </a:p>
@@ -1752,7 +1752,7 @@
           <a:p>
             <a:fld id="{D96F9273-1B51-1D4D-B007-2EA617412104}" type="datetimeFigureOut">
               <a:rPr lang="en-US" smtClean="0"/>
-              <a:t>07/05/15</a:t>
+              <a:t>09/05/15</a:t>
             </a:fld>
             <a:endParaRPr lang="en-GB"/>
           </a:p>
@@ -1932,7 +1932,7 @@
           <a:p>
             <a:fld id="{D96F9273-1B51-1D4D-B007-2EA617412104}" type="datetimeFigureOut">
               <a:rPr lang="en-US" smtClean="0"/>
-              <a:t>07/05/15</a:t>
+              <a:t>09/05/15</a:t>
             </a:fld>
             <a:endParaRPr lang="en-GB"/>
           </a:p>
@@ -2102,7 +2102,7 @@
           <a:p>
             <a:fld id="{D96F9273-1B51-1D4D-B007-2EA617412104}" type="datetimeFigureOut">
               <a:rPr lang="en-US" smtClean="0"/>
-              <a:t>07/05/15</a:t>
+              <a:t>09/05/15</a:t>
             </a:fld>
             <a:endParaRPr lang="en-GB"/>
           </a:p>
@@ -2348,7 +2348,7 @@
           <a:p>
             <a:fld id="{D96F9273-1B51-1D4D-B007-2EA617412104}" type="datetimeFigureOut">
               <a:rPr lang="en-US" smtClean="0"/>
-              <a:t>07/05/15</a:t>
+              <a:t>09/05/15</a:t>
             </a:fld>
             <a:endParaRPr lang="en-GB"/>
           </a:p>
@@ -2636,7 +2636,7 @@
           <a:p>
             <a:fld id="{D96F9273-1B51-1D4D-B007-2EA617412104}" type="datetimeFigureOut">
               <a:rPr lang="en-US" smtClean="0"/>
-              <a:t>07/05/15</a:t>
+              <a:t>09/05/15</a:t>
             </a:fld>
             <a:endParaRPr lang="en-GB"/>
           </a:p>
@@ -3058,7 +3058,7 @@
           <a:p>
             <a:fld id="{D96F9273-1B51-1D4D-B007-2EA617412104}" type="datetimeFigureOut">
               <a:rPr lang="en-US" smtClean="0"/>
-              <a:t>07/05/15</a:t>
+              <a:t>09/05/15</a:t>
             </a:fld>
             <a:endParaRPr lang="en-GB"/>
           </a:p>
@@ -3176,7 +3176,7 @@
           <a:p>
             <a:fld id="{D96F9273-1B51-1D4D-B007-2EA617412104}" type="datetimeFigureOut">
               <a:rPr lang="en-US" smtClean="0"/>
-              <a:t>07/05/15</a:t>
+              <a:t>09/05/15</a:t>
             </a:fld>
             <a:endParaRPr lang="en-GB"/>
           </a:p>
@@ -3271,7 +3271,7 @@
           <a:p>
             <a:fld id="{D96F9273-1B51-1D4D-B007-2EA617412104}" type="datetimeFigureOut">
               <a:rPr lang="en-US" smtClean="0"/>
-              <a:t>07/05/15</a:t>
+              <a:t>09/05/15</a:t>
             </a:fld>
             <a:endParaRPr lang="en-GB"/>
           </a:p>
@@ -3548,7 +3548,7 @@
           <a:p>
             <a:fld id="{D96F9273-1B51-1D4D-B007-2EA617412104}" type="datetimeFigureOut">
               <a:rPr lang="en-US" smtClean="0"/>
-              <a:t>07/05/15</a:t>
+              <a:t>09/05/15</a:t>
             </a:fld>
             <a:endParaRPr lang="en-GB"/>
           </a:p>
@@ -3801,7 +3801,7 @@
           <a:p>
             <a:fld id="{D96F9273-1B51-1D4D-B007-2EA617412104}" type="datetimeFigureOut">
               <a:rPr lang="en-US" smtClean="0"/>
-              <a:t>07/05/15</a:t>
+              <a:t>09/05/15</a:t>
             </a:fld>
             <a:endParaRPr lang="en-GB"/>
           </a:p>
@@ -4014,7 +4014,7 @@
           <a:p>
             <a:fld id="{D96F9273-1B51-1D4D-B007-2EA617412104}" type="datetimeFigureOut">
               <a:rPr lang="en-US" smtClean="0"/>
-              <a:t>07/05/15</a:t>
+              <a:t>09/05/15</a:t>
             </a:fld>
             <a:endParaRPr lang="en-GB"/>
           </a:p>
@@ -43771,36 +43771,10 @@
               <a:t> </a:t>
             </a:r>
             <a:r>
-              <a:rPr lang="en-GB" dirty="0"/>
+              <a:rPr lang="en-GB" dirty="0" smtClean="0"/>
               <a:t>parameter</a:t>
             </a:r>
-          </a:p>
-          <a:p>
-            <a:pPr marL="285750" indent="-285750">
-              <a:buFont typeface="Arial"/>
-              <a:buChar char="•"/>
-            </a:pPr>
-            <a:r>
-              <a:rPr lang="en-GB" dirty="0"/>
-              <a:t>A list of image formats supported by the target device can be queried with </a:t>
-            </a:r>
-            <a:r>
-              <a:rPr lang="en-GB" b="1" dirty="0" err="1" smtClean="0">
-                <a:solidFill>
-                  <a:srgbClr val="3366FF"/>
-                </a:solidFill>
-                <a:latin typeface="Courier New"/>
-                <a:cs typeface="Courier New"/>
-              </a:rPr>
-              <a:t>getSupportedImageFormats</a:t>
-            </a:r>
-            <a:endParaRPr lang="en-GB" b="1" dirty="0">
-              <a:solidFill>
-                <a:srgbClr val="3366FF"/>
-              </a:solidFill>
-              <a:latin typeface="Courier New"/>
-              <a:cs typeface="Courier New"/>
-            </a:endParaRPr>
+            <a:endParaRPr lang="en-GB" dirty="0"/>
           </a:p>
         </p:txBody>
       </p:sp>

--- a/slides/advanced_part3.pptx
+++ b/slides/advanced_part3.pptx
@@ -619,6 +619,527 @@
     <p:extLst>
       <p:ext uri="{BB962C8B-B14F-4D97-AF65-F5344CB8AC3E}">
         <p14:creationId xmlns:p14="http://schemas.microsoft.com/office/powerpoint/2010/main" val="767422648"/>
+      </p:ext>
+    </p:extLst>
+  </p:cSld>
+  <p:clrMapOvr>
+    <a:masterClrMapping/>
+  </p:clrMapOvr>
+</p:notes>
+</file>
+
+<file path=ppt/notesSlides/notesSlide10.xml><?xml version="1.0" encoding="utf-8"?>
+<p:notes xmlns:a="http://schemas.openxmlformats.org/drawingml/2006/main" xmlns:r="http://schemas.openxmlformats.org/officeDocument/2006/relationships" xmlns:p="http://schemas.openxmlformats.org/presentationml/2006/main">
+  <p:cSld>
+    <p:spTree>
+      <p:nvGrpSpPr>
+        <p:cNvPr id="1" name=""/>
+        <p:cNvGrpSpPr/>
+        <p:nvPr/>
+      </p:nvGrpSpPr>
+      <p:grpSpPr>
+        <a:xfrm>
+          <a:off x="0" y="0"/>
+          <a:ext cx="0" cy="0"/>
+          <a:chOff x="0" y="0"/>
+          <a:chExt cx="0" cy="0"/>
+        </a:xfrm>
+      </p:grpSpPr>
+      <p:sp>
+        <p:nvSpPr>
+          <p:cNvPr id="2" name="Slide Image Placeholder 1"/>
+          <p:cNvSpPr>
+            <a:spLocks noGrp="1" noRot="1" noChangeAspect="1"/>
+          </p:cNvSpPr>
+          <p:nvPr>
+            <p:ph type="sldImg"/>
+          </p:nvPr>
+        </p:nvSpPr>
+        <p:spPr/>
+      </p:sp>
+      <p:sp>
+        <p:nvSpPr>
+          <p:cNvPr id="3" name="Notes Placeholder 2"/>
+          <p:cNvSpPr>
+            <a:spLocks noGrp="1"/>
+          </p:cNvSpPr>
+          <p:nvPr>
+            <p:ph type="body" idx="1"/>
+          </p:nvPr>
+        </p:nvSpPr>
+        <p:spPr/>
+        <p:txBody>
+          <a:bodyPr/>
+          <a:lstStyle/>
+          <a:p>
+            <a:r>
+              <a:rPr lang="en-GB" dirty="0" smtClean="0"/>
+              <a:t>Intel Xeon Phi is only platform we’ve come across that doesn’t support images</a:t>
+            </a:r>
+          </a:p>
+          <a:p>
+            <a:r>
+              <a:rPr lang="en-GB" dirty="0" smtClean="0"/>
+              <a:t>As well as being faster on many devices, also more convenient</a:t>
+            </a:r>
+            <a:r>
+              <a:rPr lang="en-GB" baseline="0" dirty="0" smtClean="0"/>
+              <a:t> (bounds checking, normalization, interpolation)</a:t>
+            </a:r>
+            <a:endParaRPr lang="en-GB" dirty="0"/>
+          </a:p>
+        </p:txBody>
+      </p:sp>
+      <p:sp>
+        <p:nvSpPr>
+          <p:cNvPr id="4" name="Slide Number Placeholder 3"/>
+          <p:cNvSpPr>
+            <a:spLocks noGrp="1"/>
+          </p:cNvSpPr>
+          <p:nvPr>
+            <p:ph type="sldNum" sz="quarter" idx="10"/>
+          </p:nvPr>
+        </p:nvSpPr>
+        <p:spPr/>
+        <p:txBody>
+          <a:bodyPr/>
+          <a:lstStyle/>
+          <a:p>
+            <a:fld id="{09586968-7D7C-644F-B08A-4E148D7B3FC9}" type="slidenum">
+              <a:rPr lang="en-GB" smtClean="0"/>
+              <a:t>74</a:t>
+            </a:fld>
+            <a:endParaRPr lang="en-GB"/>
+          </a:p>
+        </p:txBody>
+      </p:sp>
+    </p:spTree>
+    <p:extLst>
+      <p:ext uri="{BB962C8B-B14F-4D97-AF65-F5344CB8AC3E}">
+        <p14:creationId xmlns:p14="http://schemas.microsoft.com/office/powerpoint/2010/main" val="1455476205"/>
+      </p:ext>
+    </p:extLst>
+  </p:cSld>
+  <p:clrMapOvr>
+    <a:masterClrMapping/>
+  </p:clrMapOvr>
+</p:notes>
+</file>
+
+<file path=ppt/notesSlides/notesSlide11.xml><?xml version="1.0" encoding="utf-8"?>
+<p:notes xmlns:a="http://schemas.openxmlformats.org/drawingml/2006/main" xmlns:r="http://schemas.openxmlformats.org/officeDocument/2006/relationships" xmlns:p="http://schemas.openxmlformats.org/presentationml/2006/main">
+  <p:cSld>
+    <p:spTree>
+      <p:nvGrpSpPr>
+        <p:cNvPr id="1" name=""/>
+        <p:cNvGrpSpPr/>
+        <p:nvPr/>
+      </p:nvGrpSpPr>
+      <p:grpSpPr>
+        <a:xfrm>
+          <a:off x="0" y="0"/>
+          <a:ext cx="0" cy="0"/>
+          <a:chOff x="0" y="0"/>
+          <a:chExt cx="0" cy="0"/>
+        </a:xfrm>
+      </p:grpSpPr>
+      <p:sp>
+        <p:nvSpPr>
+          <p:cNvPr id="2" name="Slide Image Placeholder 1"/>
+          <p:cNvSpPr>
+            <a:spLocks noGrp="1" noRot="1" noChangeAspect="1"/>
+          </p:cNvSpPr>
+          <p:nvPr>
+            <p:ph type="sldImg"/>
+          </p:nvPr>
+        </p:nvSpPr>
+        <p:spPr/>
+      </p:sp>
+      <p:sp>
+        <p:nvSpPr>
+          <p:cNvPr id="3" name="Notes Placeholder 2"/>
+          <p:cNvSpPr>
+            <a:spLocks noGrp="1"/>
+          </p:cNvSpPr>
+          <p:nvPr>
+            <p:ph type="body" idx="1"/>
+          </p:nvPr>
+        </p:nvSpPr>
+        <p:spPr/>
+        <p:txBody>
+          <a:bodyPr/>
+          <a:lstStyle/>
+          <a:p>
+            <a:r>
+              <a:rPr lang="en-GB" dirty="0" smtClean="0"/>
+              <a:t>OpenCL</a:t>
+            </a:r>
+            <a:r>
+              <a:rPr lang="en-GB" baseline="0" dirty="0" smtClean="0"/>
+              <a:t> 1.2 introduced 1D images as well</a:t>
+            </a:r>
+            <a:endParaRPr lang="en-GB" dirty="0"/>
+          </a:p>
+        </p:txBody>
+      </p:sp>
+      <p:sp>
+        <p:nvSpPr>
+          <p:cNvPr id="4" name="Slide Number Placeholder 3"/>
+          <p:cNvSpPr>
+            <a:spLocks noGrp="1"/>
+          </p:cNvSpPr>
+          <p:nvPr>
+            <p:ph type="sldNum" sz="quarter" idx="10"/>
+          </p:nvPr>
+        </p:nvSpPr>
+        <p:spPr/>
+        <p:txBody>
+          <a:bodyPr/>
+          <a:lstStyle/>
+          <a:p>
+            <a:fld id="{09586968-7D7C-644F-B08A-4E148D7B3FC9}" type="slidenum">
+              <a:rPr lang="en-GB" smtClean="0"/>
+              <a:t>75</a:t>
+            </a:fld>
+            <a:endParaRPr lang="en-GB"/>
+          </a:p>
+        </p:txBody>
+      </p:sp>
+    </p:spTree>
+    <p:extLst>
+      <p:ext uri="{BB962C8B-B14F-4D97-AF65-F5344CB8AC3E}">
+        <p14:creationId xmlns:p14="http://schemas.microsoft.com/office/powerpoint/2010/main" val="1548980618"/>
+      </p:ext>
+    </p:extLst>
+  </p:cSld>
+  <p:clrMapOvr>
+    <a:masterClrMapping/>
+  </p:clrMapOvr>
+</p:notes>
+</file>
+
+<file path=ppt/notesSlides/notesSlide12.xml><?xml version="1.0" encoding="utf-8"?>
+<p:notes xmlns:a="http://schemas.openxmlformats.org/drawingml/2006/main" xmlns:r="http://schemas.openxmlformats.org/officeDocument/2006/relationships" xmlns:p="http://schemas.openxmlformats.org/presentationml/2006/main">
+  <p:cSld>
+    <p:spTree>
+      <p:nvGrpSpPr>
+        <p:cNvPr id="1" name=""/>
+        <p:cNvGrpSpPr/>
+        <p:nvPr/>
+      </p:nvGrpSpPr>
+      <p:grpSpPr>
+        <a:xfrm>
+          <a:off x="0" y="0"/>
+          <a:ext cx="0" cy="0"/>
+          <a:chOff x="0" y="0"/>
+          <a:chExt cx="0" cy="0"/>
+        </a:xfrm>
+      </p:grpSpPr>
+      <p:sp>
+        <p:nvSpPr>
+          <p:cNvPr id="2" name="Slide Image Placeholder 1"/>
+          <p:cNvSpPr>
+            <a:spLocks noGrp="1" noRot="1" noChangeAspect="1"/>
+          </p:cNvSpPr>
+          <p:nvPr>
+            <p:ph type="sldImg"/>
+          </p:nvPr>
+        </p:nvSpPr>
+        <p:spPr/>
+      </p:sp>
+      <p:sp>
+        <p:nvSpPr>
+          <p:cNvPr id="3" name="Notes Placeholder 2"/>
+          <p:cNvSpPr>
+            <a:spLocks noGrp="1"/>
+          </p:cNvSpPr>
+          <p:nvPr>
+            <p:ph type="body" idx="1"/>
+          </p:nvPr>
+        </p:nvSpPr>
+        <p:spPr/>
+        <p:txBody>
+          <a:bodyPr/>
+          <a:lstStyle/>
+          <a:p>
+            <a:r>
+              <a:rPr lang="en-GB" dirty="0" smtClean="0"/>
+              <a:t>Not all combinations of</a:t>
+            </a:r>
+            <a:r>
+              <a:rPr lang="en-GB" baseline="0" dirty="0" smtClean="0"/>
+              <a:t> data-type/channel order are valid (see table in spec)</a:t>
+            </a:r>
+          </a:p>
+          <a:p>
+            <a:r>
+              <a:rPr lang="en-GB" baseline="0" dirty="0" smtClean="0"/>
+              <a:t>Min requirement is for CL_RGBA with the UNORM, SIGNED, UNSIGNED and *_FLOAT types, and CL_BGRA with CL_UNORM_INT8</a:t>
+            </a:r>
+          </a:p>
+          <a:p>
+            <a:r>
+              <a:rPr lang="en-GB" baseline="0" dirty="0" smtClean="0"/>
+              <a:t>CL_*x variants affect border </a:t>
+            </a:r>
+            <a:r>
+              <a:rPr lang="en-GB" baseline="0" dirty="0" err="1" smtClean="0"/>
+              <a:t>color</a:t>
+            </a:r>
+            <a:r>
+              <a:rPr lang="en-GB" baseline="0" dirty="0" smtClean="0"/>
+              <a:t> when clamping out-of-range </a:t>
+            </a:r>
+            <a:r>
+              <a:rPr lang="en-GB" baseline="0" dirty="0" err="1" smtClean="0"/>
+              <a:t>coords</a:t>
+            </a:r>
+            <a:r>
+              <a:rPr lang="en-GB" baseline="0" dirty="0" smtClean="0"/>
+              <a:t> – x means alpha is 0, otherwise 1</a:t>
+            </a:r>
+          </a:p>
+          <a:p>
+            <a:r>
+              <a:rPr lang="en-GB" baseline="0" dirty="0" smtClean="0"/>
+              <a:t>INTENSITY </a:t>
+            </a:r>
+            <a:r>
+              <a:rPr lang="en-GB" baseline="0" dirty="0" err="1" smtClean="0"/>
+              <a:t>vs</a:t>
+            </a:r>
+            <a:r>
+              <a:rPr lang="en-GB" baseline="0" dirty="0" smtClean="0"/>
+              <a:t> LUMINANCE – also affects border </a:t>
+            </a:r>
+            <a:r>
+              <a:rPr lang="en-GB" baseline="0" dirty="0" err="1" smtClean="0"/>
+              <a:t>color</a:t>
+            </a:r>
+            <a:r>
+              <a:rPr lang="en-GB" baseline="0" dirty="0" smtClean="0"/>
+              <a:t> (INTENSITY means alpha is 0, otherwise 1)</a:t>
+            </a:r>
+          </a:p>
+          <a:p>
+            <a:endParaRPr lang="en-GB" dirty="0"/>
+          </a:p>
+        </p:txBody>
+      </p:sp>
+      <p:sp>
+        <p:nvSpPr>
+          <p:cNvPr id="4" name="Slide Number Placeholder 3"/>
+          <p:cNvSpPr>
+            <a:spLocks noGrp="1"/>
+          </p:cNvSpPr>
+          <p:nvPr>
+            <p:ph type="sldNum" sz="quarter" idx="10"/>
+          </p:nvPr>
+        </p:nvSpPr>
+        <p:spPr/>
+        <p:txBody>
+          <a:bodyPr/>
+          <a:lstStyle/>
+          <a:p>
+            <a:fld id="{09586968-7D7C-644F-B08A-4E148D7B3FC9}" type="slidenum">
+              <a:rPr lang="en-GB" smtClean="0"/>
+              <a:t>77</a:t>
+            </a:fld>
+            <a:endParaRPr lang="en-GB"/>
+          </a:p>
+        </p:txBody>
+      </p:sp>
+    </p:spTree>
+    <p:extLst>
+      <p:ext uri="{BB962C8B-B14F-4D97-AF65-F5344CB8AC3E}">
+        <p14:creationId xmlns:p14="http://schemas.microsoft.com/office/powerpoint/2010/main" val="1497800764"/>
+      </p:ext>
+    </p:extLst>
+  </p:cSld>
+  <p:clrMapOvr>
+    <a:masterClrMapping/>
+  </p:clrMapOvr>
+</p:notes>
+</file>
+
+<file path=ppt/notesSlides/notesSlide13.xml><?xml version="1.0" encoding="utf-8"?>
+<p:notes xmlns:a="http://schemas.openxmlformats.org/drawingml/2006/main" xmlns:r="http://schemas.openxmlformats.org/officeDocument/2006/relationships" xmlns:p="http://schemas.openxmlformats.org/presentationml/2006/main">
+  <p:cSld>
+    <p:spTree>
+      <p:nvGrpSpPr>
+        <p:cNvPr id="1" name=""/>
+        <p:cNvGrpSpPr/>
+        <p:nvPr/>
+      </p:nvGrpSpPr>
+      <p:grpSpPr>
+        <a:xfrm>
+          <a:off x="0" y="0"/>
+          <a:ext cx="0" cy="0"/>
+          <a:chOff x="0" y="0"/>
+          <a:chExt cx="0" cy="0"/>
+        </a:xfrm>
+      </p:grpSpPr>
+      <p:sp>
+        <p:nvSpPr>
+          <p:cNvPr id="2" name="Slide Image Placeholder 1"/>
+          <p:cNvSpPr>
+            <a:spLocks noGrp="1" noRot="1" noChangeAspect="1"/>
+          </p:cNvSpPr>
+          <p:nvPr>
+            <p:ph type="sldImg"/>
+          </p:nvPr>
+        </p:nvSpPr>
+        <p:spPr/>
+      </p:sp>
+      <p:sp>
+        <p:nvSpPr>
+          <p:cNvPr id="3" name="Notes Placeholder 2"/>
+          <p:cNvSpPr>
+            <a:spLocks noGrp="1"/>
+          </p:cNvSpPr>
+          <p:nvPr>
+            <p:ph type="body" idx="1"/>
+          </p:nvPr>
+        </p:nvSpPr>
+        <p:spPr/>
+        <p:txBody>
+          <a:bodyPr/>
+          <a:lstStyle/>
+          <a:p>
+            <a:r>
+              <a:rPr lang="en-GB" dirty="0" smtClean="0"/>
+              <a:t>OpenCL 2.0 introduced </a:t>
+            </a:r>
+            <a:r>
+              <a:rPr lang="en-GB" b="1" dirty="0" err="1" smtClean="0">
+                <a:latin typeface="Courier New"/>
+                <a:cs typeface="Courier New"/>
+              </a:rPr>
+              <a:t>read_write</a:t>
+            </a:r>
+            <a:r>
+              <a:rPr lang="en-GB" dirty="0" smtClean="0"/>
+              <a:t> attribute for images</a:t>
+            </a:r>
+            <a:endParaRPr lang="en-GB" dirty="0"/>
+          </a:p>
+        </p:txBody>
+      </p:sp>
+      <p:sp>
+        <p:nvSpPr>
+          <p:cNvPr id="4" name="Slide Number Placeholder 3"/>
+          <p:cNvSpPr>
+            <a:spLocks noGrp="1"/>
+          </p:cNvSpPr>
+          <p:nvPr>
+            <p:ph type="sldNum" sz="quarter" idx="10"/>
+          </p:nvPr>
+        </p:nvSpPr>
+        <p:spPr/>
+        <p:txBody>
+          <a:bodyPr/>
+          <a:lstStyle/>
+          <a:p>
+            <a:fld id="{09586968-7D7C-644F-B08A-4E148D7B3FC9}" type="slidenum">
+              <a:rPr lang="en-GB" smtClean="0"/>
+              <a:t>78</a:t>
+            </a:fld>
+            <a:endParaRPr lang="en-GB"/>
+          </a:p>
+        </p:txBody>
+      </p:sp>
+    </p:spTree>
+    <p:extLst>
+      <p:ext uri="{BB962C8B-B14F-4D97-AF65-F5344CB8AC3E}">
+        <p14:creationId xmlns:p14="http://schemas.microsoft.com/office/powerpoint/2010/main" val="399853659"/>
+      </p:ext>
+    </p:extLst>
+  </p:cSld>
+  <p:clrMapOvr>
+    <a:masterClrMapping/>
+  </p:clrMapOvr>
+</p:notes>
+</file>
+
+<file path=ppt/notesSlides/notesSlide14.xml><?xml version="1.0" encoding="utf-8"?>
+<p:notes xmlns:a="http://schemas.openxmlformats.org/drawingml/2006/main" xmlns:r="http://schemas.openxmlformats.org/officeDocument/2006/relationships" xmlns:p="http://schemas.openxmlformats.org/presentationml/2006/main">
+  <p:cSld>
+    <p:spTree>
+      <p:nvGrpSpPr>
+        <p:cNvPr id="1" name=""/>
+        <p:cNvGrpSpPr/>
+        <p:nvPr/>
+      </p:nvGrpSpPr>
+      <p:grpSpPr>
+        <a:xfrm>
+          <a:off x="0" y="0"/>
+          <a:ext cx="0" cy="0"/>
+          <a:chOff x="0" y="0"/>
+          <a:chExt cx="0" cy="0"/>
+        </a:xfrm>
+      </p:grpSpPr>
+      <p:sp>
+        <p:nvSpPr>
+          <p:cNvPr id="2" name="Slide Image Placeholder 1"/>
+          <p:cNvSpPr>
+            <a:spLocks noGrp="1" noRot="1" noChangeAspect="1"/>
+          </p:cNvSpPr>
+          <p:nvPr>
+            <p:ph type="sldImg"/>
+          </p:nvPr>
+        </p:nvSpPr>
+        <p:spPr/>
+      </p:sp>
+      <p:sp>
+        <p:nvSpPr>
+          <p:cNvPr id="3" name="Notes Placeholder 2"/>
+          <p:cNvSpPr>
+            <a:spLocks noGrp="1"/>
+          </p:cNvSpPr>
+          <p:nvPr>
+            <p:ph type="body" idx="1"/>
+          </p:nvPr>
+        </p:nvSpPr>
+        <p:spPr/>
+        <p:txBody>
+          <a:bodyPr/>
+          <a:lstStyle/>
+          <a:p>
+            <a:r>
+              <a:rPr lang="en-GB" dirty="0" smtClean="0"/>
+              <a:t>Declaring the sample inside the OpenCL program may be faster – compiler can optimize</a:t>
+            </a:r>
+            <a:endParaRPr lang="en-GB" dirty="0"/>
+          </a:p>
+        </p:txBody>
+      </p:sp>
+      <p:sp>
+        <p:nvSpPr>
+          <p:cNvPr id="4" name="Slide Number Placeholder 3"/>
+          <p:cNvSpPr>
+            <a:spLocks noGrp="1"/>
+          </p:cNvSpPr>
+          <p:nvPr>
+            <p:ph type="sldNum" sz="quarter" idx="10"/>
+          </p:nvPr>
+        </p:nvSpPr>
+        <p:spPr/>
+        <p:txBody>
+          <a:bodyPr/>
+          <a:lstStyle/>
+          <a:p>
+            <a:fld id="{09586968-7D7C-644F-B08A-4E148D7B3FC9}" type="slidenum">
+              <a:rPr lang="en-GB" smtClean="0"/>
+              <a:t>79</a:t>
+            </a:fld>
+            <a:endParaRPr lang="en-GB"/>
+          </a:p>
+        </p:txBody>
+      </p:sp>
+    </p:spTree>
+    <p:extLst>
+      <p:ext uri="{BB962C8B-B14F-4D97-AF65-F5344CB8AC3E}">
+        <p14:creationId xmlns:p14="http://schemas.microsoft.com/office/powerpoint/2010/main" val="400922365"/>
       </p:ext>
     </p:extLst>
   </p:cSld>
@@ -43601,7 +44122,16 @@
                 <a:latin typeface="Courier New"/>
                 <a:cs typeface="Courier New"/>
               </a:rPr>
-              <a:t>Image2D </a:t>
+              <a:t>Image2D</a:t>
+            </a:r>
+            <a:r>
+              <a:rPr lang="en-GB" b="1" dirty="0">
+                <a:solidFill>
+                  <a:srgbClr val="3366FF"/>
+                </a:solidFill>
+                <a:cs typeface="Courier New"/>
+              </a:rPr>
+              <a:t> </a:t>
             </a:r>
             <a:r>
               <a:rPr lang="en-GB" dirty="0"/>
@@ -43615,7 +44145,17 @@
                 <a:latin typeface="Courier New"/>
                 <a:cs typeface="Courier New"/>
               </a:rPr>
-              <a:t>Image3D </a:t>
+              <a:t>Image3D</a:t>
+            </a:r>
+            <a:r>
+              <a:rPr lang="en-GB" b="1" dirty="0">
+                <a:solidFill>
+                  <a:srgbClr val="3366FF"/>
+                </a:solidFill>
+                <a:latin typeface="Calibri"/>
+                <a:cs typeface="Calibri"/>
+              </a:rPr>
+              <a:t> </a:t>
             </a:r>
             <a:r>
               <a:rPr lang="en-GB" dirty="0"/>
@@ -43707,7 +44247,23 @@
               <a:rPr lang="en-GB" dirty="0" smtClean="0"/>
               <a:t>functions</a:t>
             </a:r>
-            <a:endParaRPr lang="en-GB" dirty="0"/>
+          </a:p>
+          <a:p>
+            <a:pPr marL="285750" indent="-285750">
+              <a:buFont typeface="Arial"/>
+              <a:buChar char="•"/>
+            </a:pPr>
+            <a:r>
+              <a:rPr lang="en-GB" dirty="0" smtClean="0"/>
+              <a:t>Can also copy between buffers and images</a:t>
+            </a:r>
+            <a:endParaRPr lang="en-GB" b="1" dirty="0">
+              <a:solidFill>
+                <a:srgbClr val="3366FF"/>
+              </a:solidFill>
+              <a:latin typeface="Courier New"/>
+              <a:cs typeface="Courier New"/>
+            </a:endParaRPr>
           </a:p>
           <a:p>
             <a:pPr marL="285750" indent="-285750">
@@ -43812,7 +44368,17 @@
                 <a:latin typeface="Courier New"/>
                 <a:cs typeface="Courier New"/>
               </a:rPr>
-              <a:t>Image </a:t>
+              <a:t>Image</a:t>
+            </a:r>
+            <a:r>
+              <a:rPr lang="en-GB" sz="1200" b="1" dirty="0" smtClean="0">
+                <a:solidFill>
+                  <a:srgbClr val="3366FF"/>
+                </a:solidFill>
+                <a:latin typeface="Calibri"/>
+                <a:cs typeface="Calibri"/>
+              </a:rPr>
+              <a:t> </a:t>
             </a:r>
             <a:r>
               <a:rPr lang="en-GB" sz="1200" dirty="0" smtClean="0">
@@ -45074,7 +45640,7 @@
         <p:spPr>
           <a:xfrm>
             <a:off x="1436414" y="6297448"/>
-            <a:ext cx="4923380" cy="369332"/>
+            <a:ext cx="5962915" cy="369332"/>
           </a:xfrm>
           <a:prstGeom prst="rect">
             <a:avLst/>
@@ -45089,15 +45655,23 @@
           <a:p>
             <a:r>
               <a:rPr lang="en-US" dirty="0" smtClean="0"/>
-              <a:t>Note: the sampler-less reads are </a:t>
-            </a:r>
-            <a:r>
-              <a:rPr lang="en-US" dirty="0" err="1" smtClean="0"/>
-              <a:t>OpenCL</a:t>
+              <a:t>Note: </a:t>
             </a:r>
             <a:r>
               <a:rPr lang="en-US" dirty="0" smtClean="0"/>
-              <a:t> 1.2+ only</a:t>
+              <a:t>these </a:t>
+            </a:r>
+            <a:r>
+              <a:rPr lang="en-US" dirty="0" smtClean="0"/>
+              <a:t>sampler-less </a:t>
+            </a:r>
+            <a:r>
+              <a:rPr lang="en-US" dirty="0" smtClean="0"/>
+              <a:t>read functions </a:t>
+            </a:r>
+            <a:r>
+              <a:rPr lang="en-US" dirty="0" smtClean="0"/>
+              <a:t>are OpenCL 1.2+ only</a:t>
             </a:r>
             <a:endParaRPr lang="en-US" dirty="0"/>
           </a:p>

--- a/slides/advanced_part3.pptx
+++ b/slides/advanced_part3.pptx
@@ -271,7 +271,7 @@
           <a:p>
             <a:fld id="{154B9960-65DD-7948-AAE5-CA021B06E14D}" type="datetimeFigureOut">
               <a:rPr lang="en-US" smtClean="0"/>
-              <a:t>09/05/15</a:t>
+              <a:t>10/05/15</a:t>
             </a:fld>
             <a:endParaRPr lang="en-GB"/>
           </a:p>
@@ -674,17 +674,24 @@
           <a:p>
             <a:r>
               <a:rPr lang="en-GB" dirty="0" smtClean="0"/>
-              <a:t>Intel Xeon Phi is only platform we’ve come across that doesn’t support images</a:t>
-            </a:r>
+              <a:t>Example of the barriers which can speed up code by making a barrier between accessing different bits of memory. </a:t>
+            </a:r>
+          </a:p>
+          <a:p>
+            <a:endParaRPr lang="en-GB" dirty="0" smtClean="0"/>
           </a:p>
           <a:p>
             <a:r>
               <a:rPr lang="en-GB" dirty="0" smtClean="0"/>
-              <a:t>As well as being faster on many devices, also more convenient</a:t>
-            </a:r>
-            <a:r>
-              <a:rPr lang="en-GB" baseline="0" dirty="0" smtClean="0"/>
-              <a:t> (bounds checking, normalization, interpolation)</a:t>
+              <a:t>From the </a:t>
+            </a:r>
+            <a:r>
+              <a:rPr lang="en-GB" dirty="0" err="1" smtClean="0"/>
+              <a:t>CloverLeaf</a:t>
+            </a:r>
+            <a:r>
+              <a:rPr lang="en-GB" dirty="0" smtClean="0"/>
+              <a:t> benchmark (2D structured grid code for Hydrodynamics).</a:t>
             </a:r>
             <a:endParaRPr lang="en-GB" dirty="0"/>
           </a:p>
@@ -705,9 +712,10 @@
           <a:bodyPr/>
           <a:lstStyle/>
           <a:p>
-            <a:fld id="{09586968-7D7C-644F-B08A-4E148D7B3FC9}" type="slidenum">
+            <a:fld id="{9B3F2D69-97A9-4C41-91BD-6A22F8270148}" type="slidenum">
               <a:rPr lang="en-GB" smtClean="0"/>
-              <a:t>74</a:t>
+              <a:pPr/>
+              <a:t>64</a:t>
             </a:fld>
             <a:endParaRPr lang="en-GB"/>
           </a:p>
@@ -716,7 +724,7 @@
     </p:spTree>
     <p:extLst>
       <p:ext uri="{BB962C8B-B14F-4D97-AF65-F5344CB8AC3E}">
-        <p14:creationId xmlns:p14="http://schemas.microsoft.com/office/powerpoint/2010/main" val="1455476205"/>
+        <p14:creationId xmlns:p14="http://schemas.microsoft.com/office/powerpoint/2010/main" val="941717049"/>
       </p:ext>
     </p:extLst>
   </p:cSld>
@@ -770,15 +778,30 @@
           <a:bodyPr/>
           <a:lstStyle/>
           <a:p>
-            <a:r>
-              <a:rPr lang="en-GB" dirty="0" smtClean="0"/>
-              <a:t>OpenCL</a:t>
-            </a:r>
-            <a:r>
-              <a:rPr lang="en-GB" baseline="0" dirty="0" smtClean="0"/>
-              <a:t> 1.2 introduced 1D images as well</a:t>
-            </a:r>
-            <a:endParaRPr lang="en-GB" dirty="0"/>
+            <a:pPr marL="0" marR="0" indent="0" algn="l" defTabSz="457200" rtl="0" eaLnBrk="1" fontAlgn="auto" latinLnBrk="0" hangingPunct="1">
+              <a:lnSpc>
+                <a:spcPct val="100000"/>
+              </a:lnSpc>
+              <a:spcBef>
+                <a:spcPts val="0"/>
+              </a:spcBef>
+              <a:spcAft>
+                <a:spcPts val="0"/>
+              </a:spcAft>
+              <a:buClrTx/>
+              <a:buSzTx/>
+              <a:buFontTx/>
+              <a:buNone/>
+              <a:tabLst/>
+              <a:defRPr/>
+            </a:pPr>
+            <a:r>
+              <a:rPr lang="en-US" dirty="0" smtClean="0"/>
+              <a:t>Mask 0 if a &lt;= b </a:t>
+            </a:r>
+          </a:p>
+          <a:p>
+            <a:endParaRPr lang="en-US" dirty="0"/>
           </a:p>
         </p:txBody>
       </p:sp>
@@ -799,7 +822,7 @@
           <a:p>
             <a:fld id="{09586968-7D7C-644F-B08A-4E148D7B3FC9}" type="slidenum">
               <a:rPr lang="en-GB" smtClean="0"/>
-              <a:t>75</a:t>
+              <a:t>70</a:t>
             </a:fld>
             <a:endParaRPr lang="en-GB"/>
           </a:p>
@@ -808,7 +831,7 @@
     </p:spTree>
     <p:extLst>
       <p:ext uri="{BB962C8B-B14F-4D97-AF65-F5344CB8AC3E}">
-        <p14:creationId xmlns:p14="http://schemas.microsoft.com/office/powerpoint/2010/main" val="1548980618"/>
+        <p14:creationId xmlns:p14="http://schemas.microsoft.com/office/powerpoint/2010/main" val="4019362909"/>
       </p:ext>
     </p:extLst>
   </p:cSld>
@@ -864,64 +887,18 @@
           <a:p>
             <a:r>
               <a:rPr lang="en-GB" dirty="0" smtClean="0"/>
-              <a:t>Not all combinations of</a:t>
+              <a:t>Intel Xeon Phi is only platform we’ve come across that doesn’t support images</a:t>
+            </a:r>
+          </a:p>
+          <a:p>
+            <a:r>
+              <a:rPr lang="en-GB" dirty="0" smtClean="0"/>
+              <a:t>As well as being faster on many devices, also more convenient</a:t>
             </a:r>
             <a:r>
               <a:rPr lang="en-GB" baseline="0" dirty="0" smtClean="0"/>
-              <a:t> data-type/channel order are valid (see table in spec)</a:t>
-            </a:r>
-          </a:p>
-          <a:p>
-            <a:r>
-              <a:rPr lang="en-GB" baseline="0" dirty="0" smtClean="0"/>
-              <a:t>Min requirement is for CL_RGBA with the UNORM, SIGNED, UNSIGNED and *_FLOAT types, and CL_BGRA with CL_UNORM_INT8</a:t>
-            </a:r>
-          </a:p>
-          <a:p>
-            <a:r>
-              <a:rPr lang="en-GB" baseline="0" dirty="0" smtClean="0"/>
-              <a:t>CL_*x variants affect border </a:t>
-            </a:r>
-            <a:r>
-              <a:rPr lang="en-GB" baseline="0" dirty="0" err="1" smtClean="0"/>
-              <a:t>color</a:t>
-            </a:r>
-            <a:r>
-              <a:rPr lang="en-GB" baseline="0" dirty="0" smtClean="0"/>
-              <a:t> when clamping out-of-range </a:t>
-            </a:r>
-            <a:r>
-              <a:rPr lang="en-GB" baseline="0" dirty="0" err="1" smtClean="0"/>
-              <a:t>coords</a:t>
-            </a:r>
-            <a:r>
-              <a:rPr lang="en-GB" baseline="0" dirty="0" smtClean="0"/>
-              <a:t> – x means alpha is 0, otherwise 1</a:t>
-            </a:r>
-          </a:p>
-          <a:p>
-            <a:r>
-              <a:rPr lang="en-GB" baseline="0" dirty="0" smtClean="0"/>
-              <a:t>INTENSITY </a:t>
-            </a:r>
-            <a:r>
-              <a:rPr lang="en-GB" baseline="0" dirty="0" err="1" smtClean="0"/>
-              <a:t>vs</a:t>
-            </a:r>
-            <a:r>
-              <a:rPr lang="en-GB" baseline="0" dirty="0" smtClean="0"/>
-              <a:t> LUMINANCE – also affects border </a:t>
-            </a:r>
-            <a:r>
-              <a:rPr lang="en-GB" baseline="0" dirty="0" err="1" smtClean="0"/>
-              <a:t>color</a:t>
-            </a:r>
-            <a:r>
-              <a:rPr lang="en-GB" baseline="0" dirty="0" smtClean="0"/>
-              <a:t> (INTENSITY means alpha is 0, otherwise 1)</a:t>
-            </a:r>
-          </a:p>
-          <a:p>
+              <a:t> (bounds checking, normalization, interpolation)</a:t>
+            </a:r>
             <a:endParaRPr lang="en-GB" dirty="0"/>
           </a:p>
         </p:txBody>
@@ -943,7 +920,7 @@
           <a:p>
             <a:fld id="{09586968-7D7C-644F-B08A-4E148D7B3FC9}" type="slidenum">
               <a:rPr lang="en-GB" smtClean="0"/>
-              <a:t>77</a:t>
+              <a:t>74</a:t>
             </a:fld>
             <a:endParaRPr lang="en-GB"/>
           </a:p>
@@ -952,7 +929,7 @@
     </p:spTree>
     <p:extLst>
       <p:ext uri="{BB962C8B-B14F-4D97-AF65-F5344CB8AC3E}">
-        <p14:creationId xmlns:p14="http://schemas.microsoft.com/office/powerpoint/2010/main" val="1497800764"/>
+        <p14:creationId xmlns:p14="http://schemas.microsoft.com/office/powerpoint/2010/main" val="1455476205"/>
       </p:ext>
     </p:extLst>
   </p:cSld>
@@ -1008,6 +985,242 @@
           <a:p>
             <a:r>
               <a:rPr lang="en-GB" dirty="0" smtClean="0"/>
+              <a:t>OpenCL</a:t>
+            </a:r>
+            <a:r>
+              <a:rPr lang="en-GB" baseline="0" dirty="0" smtClean="0"/>
+              <a:t> 1.2 introduced 1D images as well</a:t>
+            </a:r>
+            <a:endParaRPr lang="en-GB" dirty="0"/>
+          </a:p>
+        </p:txBody>
+      </p:sp>
+      <p:sp>
+        <p:nvSpPr>
+          <p:cNvPr id="4" name="Slide Number Placeholder 3"/>
+          <p:cNvSpPr>
+            <a:spLocks noGrp="1"/>
+          </p:cNvSpPr>
+          <p:nvPr>
+            <p:ph type="sldNum" sz="quarter" idx="10"/>
+          </p:nvPr>
+        </p:nvSpPr>
+        <p:spPr/>
+        <p:txBody>
+          <a:bodyPr/>
+          <a:lstStyle/>
+          <a:p>
+            <a:fld id="{09586968-7D7C-644F-B08A-4E148D7B3FC9}" type="slidenum">
+              <a:rPr lang="en-GB" smtClean="0"/>
+              <a:t>75</a:t>
+            </a:fld>
+            <a:endParaRPr lang="en-GB"/>
+          </a:p>
+        </p:txBody>
+      </p:sp>
+    </p:spTree>
+    <p:extLst>
+      <p:ext uri="{BB962C8B-B14F-4D97-AF65-F5344CB8AC3E}">
+        <p14:creationId xmlns:p14="http://schemas.microsoft.com/office/powerpoint/2010/main" val="1548980618"/>
+      </p:ext>
+    </p:extLst>
+  </p:cSld>
+  <p:clrMapOvr>
+    <a:masterClrMapping/>
+  </p:clrMapOvr>
+</p:notes>
+</file>
+
+<file path=ppt/notesSlides/notesSlide14.xml><?xml version="1.0" encoding="utf-8"?>
+<p:notes xmlns:a="http://schemas.openxmlformats.org/drawingml/2006/main" xmlns:r="http://schemas.openxmlformats.org/officeDocument/2006/relationships" xmlns:p="http://schemas.openxmlformats.org/presentationml/2006/main">
+  <p:cSld>
+    <p:spTree>
+      <p:nvGrpSpPr>
+        <p:cNvPr id="1" name=""/>
+        <p:cNvGrpSpPr/>
+        <p:nvPr/>
+      </p:nvGrpSpPr>
+      <p:grpSpPr>
+        <a:xfrm>
+          <a:off x="0" y="0"/>
+          <a:ext cx="0" cy="0"/>
+          <a:chOff x="0" y="0"/>
+          <a:chExt cx="0" cy="0"/>
+        </a:xfrm>
+      </p:grpSpPr>
+      <p:sp>
+        <p:nvSpPr>
+          <p:cNvPr id="2" name="Slide Image Placeholder 1"/>
+          <p:cNvSpPr>
+            <a:spLocks noGrp="1" noRot="1" noChangeAspect="1"/>
+          </p:cNvSpPr>
+          <p:nvPr>
+            <p:ph type="sldImg"/>
+          </p:nvPr>
+        </p:nvSpPr>
+        <p:spPr/>
+      </p:sp>
+      <p:sp>
+        <p:nvSpPr>
+          <p:cNvPr id="3" name="Notes Placeholder 2"/>
+          <p:cNvSpPr>
+            <a:spLocks noGrp="1"/>
+          </p:cNvSpPr>
+          <p:nvPr>
+            <p:ph type="body" idx="1"/>
+          </p:nvPr>
+        </p:nvSpPr>
+        <p:spPr/>
+        <p:txBody>
+          <a:bodyPr/>
+          <a:lstStyle/>
+          <a:p>
+            <a:r>
+              <a:rPr lang="en-GB" dirty="0" smtClean="0"/>
+              <a:t>Not all combinations of</a:t>
+            </a:r>
+            <a:r>
+              <a:rPr lang="en-GB" baseline="0" dirty="0" smtClean="0"/>
+              <a:t> data-type/channel order are valid (see table in spec)</a:t>
+            </a:r>
+          </a:p>
+          <a:p>
+            <a:r>
+              <a:rPr lang="en-GB" baseline="0" dirty="0" smtClean="0"/>
+              <a:t>Min requirement is for CL_RGBA with the UNORM, SIGNED, UNSIGNED and *_FLOAT types, and CL_BGRA with CL_UNORM_INT8</a:t>
+            </a:r>
+          </a:p>
+          <a:p>
+            <a:r>
+              <a:rPr lang="en-GB" baseline="0" dirty="0" smtClean="0"/>
+              <a:t>CL_*x variants affect border </a:t>
+            </a:r>
+            <a:r>
+              <a:rPr lang="en-GB" baseline="0" dirty="0" err="1" smtClean="0"/>
+              <a:t>color</a:t>
+            </a:r>
+            <a:r>
+              <a:rPr lang="en-GB" baseline="0" dirty="0" smtClean="0"/>
+              <a:t> when clamping out-of-range </a:t>
+            </a:r>
+            <a:r>
+              <a:rPr lang="en-GB" baseline="0" dirty="0" err="1" smtClean="0"/>
+              <a:t>coords</a:t>
+            </a:r>
+            <a:r>
+              <a:rPr lang="en-GB" baseline="0" dirty="0" smtClean="0"/>
+              <a:t> – x means alpha is 0, otherwise 1</a:t>
+            </a:r>
+          </a:p>
+          <a:p>
+            <a:r>
+              <a:rPr lang="en-GB" baseline="0" dirty="0" smtClean="0"/>
+              <a:t>INTENSITY </a:t>
+            </a:r>
+            <a:r>
+              <a:rPr lang="en-GB" baseline="0" dirty="0" err="1" smtClean="0"/>
+              <a:t>vs</a:t>
+            </a:r>
+            <a:r>
+              <a:rPr lang="en-GB" baseline="0" dirty="0" smtClean="0"/>
+              <a:t> LUMINANCE – also affects border </a:t>
+            </a:r>
+            <a:r>
+              <a:rPr lang="en-GB" baseline="0" dirty="0" err="1" smtClean="0"/>
+              <a:t>color</a:t>
+            </a:r>
+            <a:r>
+              <a:rPr lang="en-GB" baseline="0" dirty="0" smtClean="0"/>
+              <a:t> (INTENSITY means alpha is 0, otherwise 1)</a:t>
+            </a:r>
+          </a:p>
+          <a:p>
+            <a:endParaRPr lang="en-GB" dirty="0"/>
+          </a:p>
+        </p:txBody>
+      </p:sp>
+      <p:sp>
+        <p:nvSpPr>
+          <p:cNvPr id="4" name="Slide Number Placeholder 3"/>
+          <p:cNvSpPr>
+            <a:spLocks noGrp="1"/>
+          </p:cNvSpPr>
+          <p:nvPr>
+            <p:ph type="sldNum" sz="quarter" idx="10"/>
+          </p:nvPr>
+        </p:nvSpPr>
+        <p:spPr/>
+        <p:txBody>
+          <a:bodyPr/>
+          <a:lstStyle/>
+          <a:p>
+            <a:fld id="{09586968-7D7C-644F-B08A-4E148D7B3FC9}" type="slidenum">
+              <a:rPr lang="en-GB" smtClean="0"/>
+              <a:t>77</a:t>
+            </a:fld>
+            <a:endParaRPr lang="en-GB"/>
+          </a:p>
+        </p:txBody>
+      </p:sp>
+    </p:spTree>
+    <p:extLst>
+      <p:ext uri="{BB962C8B-B14F-4D97-AF65-F5344CB8AC3E}">
+        <p14:creationId xmlns:p14="http://schemas.microsoft.com/office/powerpoint/2010/main" val="1497800764"/>
+      </p:ext>
+    </p:extLst>
+  </p:cSld>
+  <p:clrMapOvr>
+    <a:masterClrMapping/>
+  </p:clrMapOvr>
+</p:notes>
+</file>
+
+<file path=ppt/notesSlides/notesSlide15.xml><?xml version="1.0" encoding="utf-8"?>
+<p:notes xmlns:a="http://schemas.openxmlformats.org/drawingml/2006/main" xmlns:r="http://schemas.openxmlformats.org/officeDocument/2006/relationships" xmlns:p="http://schemas.openxmlformats.org/presentationml/2006/main">
+  <p:cSld>
+    <p:spTree>
+      <p:nvGrpSpPr>
+        <p:cNvPr id="1" name=""/>
+        <p:cNvGrpSpPr/>
+        <p:nvPr/>
+      </p:nvGrpSpPr>
+      <p:grpSpPr>
+        <a:xfrm>
+          <a:off x="0" y="0"/>
+          <a:ext cx="0" cy="0"/>
+          <a:chOff x="0" y="0"/>
+          <a:chExt cx="0" cy="0"/>
+        </a:xfrm>
+      </p:grpSpPr>
+      <p:sp>
+        <p:nvSpPr>
+          <p:cNvPr id="2" name="Slide Image Placeholder 1"/>
+          <p:cNvSpPr>
+            <a:spLocks noGrp="1" noRot="1" noChangeAspect="1"/>
+          </p:cNvSpPr>
+          <p:nvPr>
+            <p:ph type="sldImg"/>
+          </p:nvPr>
+        </p:nvSpPr>
+        <p:spPr/>
+      </p:sp>
+      <p:sp>
+        <p:nvSpPr>
+          <p:cNvPr id="3" name="Notes Placeholder 2"/>
+          <p:cNvSpPr>
+            <a:spLocks noGrp="1"/>
+          </p:cNvSpPr>
+          <p:nvPr>
+            <p:ph type="body" idx="1"/>
+          </p:nvPr>
+        </p:nvSpPr>
+        <p:spPr/>
+        <p:txBody>
+          <a:bodyPr/>
+          <a:lstStyle/>
+          <a:p>
+            <a:r>
+              <a:rPr lang="en-GB" dirty="0" smtClean="0"/>
               <a:t>OpenCL 2.0 introduced </a:t>
             </a:r>
             <a:r>
@@ -1061,7 +1274,7 @@
 </p:notes>
 </file>
 
-<file path=ppt/notesSlides/notesSlide14.xml><?xml version="1.0" encoding="utf-8"?>
+<file path=ppt/notesSlides/notesSlide16.xml><?xml version="1.0" encoding="utf-8"?>
 <p:notes xmlns:a="http://schemas.openxmlformats.org/drawingml/2006/main" xmlns:r="http://schemas.openxmlformats.org/officeDocument/2006/relationships" xmlns:p="http://schemas.openxmlformats.org/presentationml/2006/main">
   <p:cSld>
     <p:spTree>
@@ -1282,6 +1495,191 @@
           <a:bodyPr/>
           <a:lstStyle/>
           <a:p>
+            <a:r>
+              <a:rPr lang="en-US" dirty="0" smtClean="0"/>
+              <a:t>Suite </a:t>
+            </a:r>
+            <a:r>
+              <a:rPr lang="en-US" dirty="0" err="1" smtClean="0"/>
+              <a:t>of</a:t>
+            </a:r>
+            <a:r>
+              <a:rPr lang="en-US" baseline="0" dirty="0" err="1" smtClean="0"/>
+              <a:t>profiling</a:t>
+            </a:r>
+            <a:r>
+              <a:rPr lang="en-US" baseline="0" dirty="0" smtClean="0"/>
+              <a:t> tools. </a:t>
+            </a:r>
+            <a:endParaRPr lang="en-US" dirty="0" smtClean="0"/>
+          </a:p>
+          <a:p>
+            <a:r>
+              <a:rPr lang="en-US" dirty="0" smtClean="0"/>
+              <a:t>Intel </a:t>
+            </a:r>
+            <a:r>
+              <a:rPr lang="en-US" dirty="0" err="1" smtClean="0"/>
+              <a:t>vTune</a:t>
+            </a:r>
+            <a:r>
+              <a:rPr lang="en-US" dirty="0" smtClean="0"/>
+              <a:t> – Commercial,</a:t>
+            </a:r>
+            <a:r>
+              <a:rPr lang="en-US" baseline="0" dirty="0" smtClean="0"/>
+              <a:t> 30 day free trial. </a:t>
+            </a:r>
+          </a:p>
+          <a:p>
+            <a:r>
+              <a:rPr lang="en-GB" dirty="0" smtClean="0"/>
+              <a:t>Intel's offline compiler shows whether your kernel is being </a:t>
+            </a:r>
+            <a:r>
+              <a:rPr lang="en-GB" dirty="0" err="1" smtClean="0"/>
+              <a:t>vectorised</a:t>
+            </a:r>
+            <a:r>
+              <a:rPr lang="en-GB" dirty="0" smtClean="0"/>
+              <a:t> for the target device – if it can’t </a:t>
+            </a:r>
+            <a:r>
+              <a:rPr lang="en-GB" dirty="0" err="1" smtClean="0"/>
+              <a:t>vectorise</a:t>
+            </a:r>
+            <a:r>
+              <a:rPr lang="en-GB" dirty="0" smtClean="0"/>
+              <a:t> it, then it won’t run well!</a:t>
+            </a:r>
+          </a:p>
+          <a:p>
+            <a:r>
+              <a:rPr lang="en-GB" dirty="0" smtClean="0"/>
+              <a:t>Intel's </a:t>
+            </a:r>
+            <a:r>
+              <a:rPr lang="en-GB" dirty="0" err="1" smtClean="0"/>
+              <a:t>VTune</a:t>
+            </a:r>
+            <a:r>
+              <a:rPr lang="en-GB" dirty="0" smtClean="0"/>
+              <a:t> shows memory use, parallelism, instructions taken etc. for </a:t>
+            </a:r>
+            <a:r>
+              <a:rPr lang="en-GB" dirty="0" err="1" smtClean="0"/>
+              <a:t>OpenCL</a:t>
+            </a:r>
+            <a:r>
+              <a:rPr lang="en-GB" dirty="0" smtClean="0"/>
+              <a:t> kernels, and has source level profiling</a:t>
+            </a:r>
+          </a:p>
+          <a:p>
+            <a:r>
+              <a:rPr lang="en-GB" dirty="0" smtClean="0"/>
+              <a:t>Old versions of NVIDIA's </a:t>
+            </a:r>
+            <a:r>
+              <a:rPr lang="en-GB" dirty="0" err="1" smtClean="0"/>
+              <a:t>nvvp</a:t>
+            </a:r>
+            <a:r>
+              <a:rPr lang="en-GB" dirty="0" smtClean="0"/>
+              <a:t> show memory bandwidth, occupancy, etc.</a:t>
+            </a:r>
+          </a:p>
+          <a:p>
+            <a:r>
+              <a:rPr lang="en-GB" dirty="0" smtClean="0"/>
+              <a:t>AMD's </a:t>
+            </a:r>
+            <a:r>
+              <a:rPr lang="en-GB" dirty="0" err="1" smtClean="0"/>
+              <a:t>CodeXL</a:t>
+            </a:r>
+            <a:r>
+              <a:rPr lang="en-GB" dirty="0" smtClean="0"/>
+              <a:t> provides similar functionality for AMD hardware</a:t>
+            </a:r>
+          </a:p>
+          <a:p>
+            <a:pPr marL="0" indent="0">
+              <a:buFont typeface="+mj-lt"/>
+              <a:buNone/>
+            </a:pPr>
+            <a:endParaRPr lang="en-GB" dirty="0" smtClean="0"/>
+          </a:p>
+          <a:p>
+            <a:pPr marL="0" indent="0">
+              <a:buFont typeface="+mj-lt"/>
+              <a:buNone/>
+            </a:pPr>
+            <a:r>
+              <a:rPr lang="en-GB" dirty="0" err="1" smtClean="0"/>
+              <a:t>Extrae</a:t>
+            </a:r>
+            <a:r>
+              <a:rPr lang="en-GB" dirty="0" smtClean="0"/>
+              <a:t> </a:t>
+            </a:r>
+            <a:r>
+              <a:rPr lang="en-GB" i="1" dirty="0" smtClean="0"/>
+              <a:t>instruments</a:t>
+            </a:r>
+            <a:r>
+              <a:rPr lang="en-GB" dirty="0" smtClean="0"/>
+              <a:t> your application and produces “</a:t>
+            </a:r>
+            <a:r>
+              <a:rPr lang="en-GB" dirty="0" err="1" smtClean="0"/>
+              <a:t>timestamped</a:t>
+            </a:r>
+            <a:r>
+              <a:rPr lang="en-GB" dirty="0" smtClean="0"/>
+              <a:t> events of runtime calls, performance counters and source code references”</a:t>
+            </a:r>
+          </a:p>
+          <a:p>
+            <a:pPr marL="914400" lvl="1" indent="-514350"/>
+            <a:r>
+              <a:rPr lang="en-GB" dirty="0" smtClean="0"/>
+              <a:t>Allows you to measure the run times of your API and kernel calls</a:t>
+            </a:r>
+          </a:p>
+          <a:p>
+            <a:pPr marL="514350" indent="-514350">
+              <a:buFont typeface="+mj-lt"/>
+              <a:buAutoNum type="arabicPeriod"/>
+            </a:pPr>
+            <a:endParaRPr lang="en-GB" dirty="0" smtClean="0"/>
+          </a:p>
+          <a:p>
+            <a:pPr marL="0" indent="0">
+              <a:buFont typeface="+mj-lt"/>
+              <a:buNone/>
+            </a:pPr>
+            <a:r>
+              <a:rPr lang="en-GB" dirty="0" err="1" smtClean="0"/>
+              <a:t>Paraver</a:t>
+            </a:r>
+            <a:r>
+              <a:rPr lang="en-GB" dirty="0" smtClean="0"/>
+              <a:t> provides a way to view and </a:t>
+            </a:r>
+            <a:r>
+              <a:rPr lang="en-GB" dirty="0" err="1" smtClean="0"/>
+              <a:t>analyze</a:t>
+            </a:r>
+            <a:r>
+              <a:rPr lang="en-GB" dirty="0" smtClean="0"/>
+              <a:t> these traces in a graphical way</a:t>
+            </a:r>
+          </a:p>
+          <a:p>
+            <a:endParaRPr lang="en-GB" dirty="0" smtClean="0"/>
+          </a:p>
+          <a:p>
             <a:endParaRPr lang="en-US" dirty="0"/>
           </a:p>
         </p:txBody>
@@ -1476,10 +1874,84 @@
           <a:lstStyle/>
           <a:p>
             <a:r>
-              <a:rPr lang="en-GB" dirty="0" smtClean="0"/>
-              <a:t>Quick notes about it – mention paper? </a:t>
-            </a:r>
-            <a:endParaRPr lang="en-GB" dirty="0"/>
+              <a:rPr lang="en-US" dirty="0" smtClean="0"/>
+              <a:t>AMD </a:t>
+            </a:r>
+            <a:r>
+              <a:rPr lang="en-US" dirty="0" err="1" smtClean="0"/>
+              <a:t>CodeXL</a:t>
+            </a:r>
+            <a:r>
+              <a:rPr lang="en-US" dirty="0" smtClean="0"/>
+              <a:t> – classic</a:t>
+            </a:r>
+            <a:r>
+              <a:rPr lang="en-US" baseline="0" dirty="0" smtClean="0"/>
+              <a:t> debugging abilities, step through code and inspect state on AMD GPUs</a:t>
+            </a:r>
+          </a:p>
+          <a:p>
+            <a:r>
+              <a:rPr lang="en-US" baseline="0" dirty="0" smtClean="0"/>
+              <a:t>Intel INDE – starter edition free, offline compiling, Visual Studio plugin with debugging</a:t>
+            </a:r>
+          </a:p>
+          <a:p>
+            <a:r>
+              <a:rPr lang="en-US" baseline="0" dirty="0" err="1" smtClean="0"/>
+              <a:t>Oclgrind</a:t>
+            </a:r>
+            <a:r>
+              <a:rPr lang="en-US" baseline="0" dirty="0" smtClean="0"/>
+              <a:t> – Presents as an </a:t>
+            </a:r>
+            <a:r>
+              <a:rPr lang="en-US" baseline="0" dirty="0" err="1" smtClean="0"/>
+              <a:t>OpenCL</a:t>
+            </a:r>
+            <a:r>
+              <a:rPr lang="en-US" baseline="0" dirty="0" smtClean="0"/>
+              <a:t> platform, simulates your code and identifies issues </a:t>
+            </a:r>
+          </a:p>
+          <a:p>
+            <a:r>
+              <a:rPr lang="en-US" baseline="0" dirty="0" err="1" smtClean="0"/>
+              <a:t>GPUVerify</a:t>
+            </a:r>
+            <a:r>
+              <a:rPr lang="en-US" baseline="0" dirty="0" smtClean="0"/>
+              <a:t> – Formal analysis of GPU kernels, data races and bugs</a:t>
+            </a:r>
+          </a:p>
+          <a:p>
+            <a:r>
+              <a:rPr lang="en-US" baseline="0" dirty="0" err="1" smtClean="0"/>
+              <a:t>Printf</a:t>
+            </a:r>
+            <a:r>
+              <a:rPr lang="en-US" baseline="0" dirty="0" smtClean="0"/>
+              <a:t> – Works (almost!) everywhere, careful not to print too much. </a:t>
+            </a:r>
+          </a:p>
+          <a:p>
+            <a:endParaRPr lang="en-US" baseline="0" dirty="0" smtClean="0"/>
+          </a:p>
+          <a:p>
+            <a:r>
+              <a:rPr lang="en-US" baseline="0" dirty="0" smtClean="0"/>
+              <a:t>Also mention:</a:t>
+            </a:r>
+          </a:p>
+          <a:p>
+            <a:r>
+              <a:rPr lang="en-US" baseline="0" dirty="0" smtClean="0"/>
+              <a:t>Copy to host and inspect. </a:t>
+            </a:r>
+            <a:endParaRPr lang="en-US" dirty="0" smtClean="0"/>
+          </a:p>
+          <a:p>
+            <a:endParaRPr lang="en-US" dirty="0"/>
           </a:p>
         </p:txBody>
       </p:sp>
@@ -1498,10 +1970,9 @@
           <a:bodyPr/>
           <a:lstStyle/>
           <a:p>
-            <a:fld id="{9B3F2D69-97A9-4C41-91BD-6A22F8270148}" type="slidenum">
+            <a:fld id="{09586968-7D7C-644F-B08A-4E148D7B3FC9}" type="slidenum">
               <a:rPr lang="en-GB" smtClean="0"/>
-              <a:pPr/>
-              <a:t>40</a:t>
+              <a:t>32</a:t>
             </a:fld>
             <a:endParaRPr lang="en-GB"/>
           </a:p>
@@ -1510,7 +1981,7 @@
     </p:spTree>
     <p:extLst>
       <p:ext uri="{BB962C8B-B14F-4D97-AF65-F5344CB8AC3E}">
-        <p14:creationId xmlns:p14="http://schemas.microsoft.com/office/powerpoint/2010/main" val="2151607468"/>
+        <p14:creationId xmlns:p14="http://schemas.microsoft.com/office/powerpoint/2010/main" val="2175079394"/>
       </p:ext>
     </p:extLst>
   </p:cSld>
@@ -1565,16 +2036,8 @@
           <a:lstStyle/>
           <a:p>
             <a:r>
-              <a:rPr lang="en-GB" baseline="0" dirty="0" smtClean="0"/>
-              <a:t>Work group sizes – maybe obvious. Mention </a:t>
-            </a:r>
-            <a:r>
-              <a:rPr lang="en-GB" baseline="0" dirty="0" err="1" smtClean="0"/>
-              <a:t>opencl</a:t>
-            </a:r>
-            <a:r>
-              <a:rPr lang="en-GB" baseline="0" dirty="0" smtClean="0"/>
-              <a:t> 2 padded work group sizes</a:t>
+              <a:rPr lang="en-GB" dirty="0" smtClean="0"/>
+              <a:t>Quick notes about it – mention paper? </a:t>
             </a:r>
             <a:endParaRPr lang="en-GB" dirty="0"/>
           </a:p>
@@ -1598,7 +2061,7 @@
             <a:fld id="{9B3F2D69-97A9-4C41-91BD-6A22F8270148}" type="slidenum">
               <a:rPr lang="en-GB" smtClean="0"/>
               <a:pPr/>
-              <a:t>56</a:t>
+              <a:t>40</a:t>
             </a:fld>
             <a:endParaRPr lang="en-GB"/>
           </a:p>
@@ -1607,7 +2070,7 @@
     </p:spTree>
     <p:extLst>
       <p:ext uri="{BB962C8B-B14F-4D97-AF65-F5344CB8AC3E}">
-        <p14:creationId xmlns:p14="http://schemas.microsoft.com/office/powerpoint/2010/main" val="459045051"/>
+        <p14:creationId xmlns:p14="http://schemas.microsoft.com/office/powerpoint/2010/main" val="2151607468"/>
       </p:ext>
     </p:extLst>
   </p:cSld>
@@ -1663,24 +2126,15 @@
           <a:p>
             <a:r>
               <a:rPr lang="en-GB" baseline="0" dirty="0" smtClean="0"/>
-              <a:t>Results from our 2D lattice Boltzmann code, results from the ISC paper.</a:t>
-            </a:r>
-          </a:p>
-          <a:p>
-            <a:endParaRPr lang="en-GB" baseline="0" dirty="0" smtClean="0"/>
-          </a:p>
-          <a:p>
+              <a:t>Work group sizes – maybe obvious. Mention </a:t>
+            </a:r>
+            <a:r>
+              <a:rPr lang="en-GB" baseline="0" dirty="0" err="1" smtClean="0"/>
+              <a:t>opencl</a:t>
+            </a:r>
             <a:r>
               <a:rPr lang="en-GB" baseline="0" dirty="0" smtClean="0"/>
-              <a:t>Top left is AMD, top right is </a:t>
-            </a:r>
-            <a:r>
-              <a:rPr lang="en-GB" baseline="0" dirty="0" err="1" smtClean="0"/>
-              <a:t>Nvidia</a:t>
-            </a:r>
-            <a:r>
-              <a:rPr lang="en-GB" baseline="0" dirty="0" smtClean="0"/>
-              <a:t>, bottom is Intel CPU.</a:t>
+              <a:t> 2 padded work group sizes, which will allocate remainder box sizes.</a:t>
             </a:r>
             <a:endParaRPr lang="en-GB" dirty="0"/>
           </a:p>
@@ -1704,7 +2158,7 @@
             <a:fld id="{9B3F2D69-97A9-4C41-91BD-6A22F8270148}" type="slidenum">
               <a:rPr lang="en-GB" smtClean="0"/>
               <a:pPr/>
-              <a:t>57</a:t>
+              <a:t>56</a:t>
             </a:fld>
             <a:endParaRPr lang="en-GB"/>
           </a:p>
@@ -1713,7 +2167,7 @@
     </p:spTree>
     <p:extLst>
       <p:ext uri="{BB962C8B-B14F-4D97-AF65-F5344CB8AC3E}">
-        <p14:creationId xmlns:p14="http://schemas.microsoft.com/office/powerpoint/2010/main" val="1332754836"/>
+        <p14:creationId xmlns:p14="http://schemas.microsoft.com/office/powerpoint/2010/main" val="459045051"/>
       </p:ext>
     </p:extLst>
   </p:cSld>
@@ -1768,12 +2222,25 @@
           <a:lstStyle/>
           <a:p>
             <a:r>
-              <a:rPr lang="en-GB" dirty="0" smtClean="0"/>
-              <a:t>Barriers between code for better cache use </a:t>
-            </a:r>
-            <a:r>
-              <a:rPr lang="en-GB" dirty="0" err="1" smtClean="0"/>
-              <a:t>etc</a:t>
+              <a:rPr lang="en-GB" baseline="0" dirty="0" smtClean="0"/>
+              <a:t>Results from our 2D lattice Boltzmann code, results from the ISC paper.</a:t>
+            </a:r>
+          </a:p>
+          <a:p>
+            <a:endParaRPr lang="en-GB" baseline="0" dirty="0" smtClean="0"/>
+          </a:p>
+          <a:p>
+            <a:r>
+              <a:rPr lang="en-GB" baseline="0" dirty="0" smtClean="0"/>
+              <a:t>Top left is AMD, top right is </a:t>
+            </a:r>
+            <a:r>
+              <a:rPr lang="en-GB" baseline="0" dirty="0" err="1" smtClean="0"/>
+              <a:t>Nvidia</a:t>
+            </a:r>
+            <a:r>
+              <a:rPr lang="en-GB" baseline="0" dirty="0" smtClean="0"/>
+              <a:t>, bottom is Intel CPU.</a:t>
             </a:r>
             <a:endParaRPr lang="en-GB" dirty="0"/>
           </a:p>
@@ -1797,7 +2264,7 @@
             <a:fld id="{9B3F2D69-97A9-4C41-91BD-6A22F8270148}" type="slidenum">
               <a:rPr lang="en-GB" smtClean="0"/>
               <a:pPr/>
-              <a:t>63</a:t>
+              <a:t>57</a:t>
             </a:fld>
             <a:endParaRPr lang="en-GB"/>
           </a:p>
@@ -1806,7 +2273,7 @@
     </p:spTree>
     <p:extLst>
       <p:ext uri="{BB962C8B-B14F-4D97-AF65-F5344CB8AC3E}">
-        <p14:creationId xmlns:p14="http://schemas.microsoft.com/office/powerpoint/2010/main" val="80389277"/>
+        <p14:creationId xmlns:p14="http://schemas.microsoft.com/office/powerpoint/2010/main" val="1332754836"/>
       </p:ext>
     </p:extLst>
   </p:cSld>
@@ -1862,24 +2329,25 @@
           <a:p>
             <a:r>
               <a:rPr lang="en-GB" dirty="0" smtClean="0"/>
-              <a:t>Example of the barriers which can speed up code by making a barrier between accessing different bits of memory. </a:t>
-            </a:r>
-          </a:p>
-          <a:p>
+              <a:t>Barriers between code for better cache use </a:t>
+            </a:r>
+            <a:r>
+              <a:rPr lang="en-GB" dirty="0" err="1" smtClean="0"/>
+              <a:t>etc</a:t>
+            </a:r>
             <a:endParaRPr lang="en-GB" dirty="0" smtClean="0"/>
           </a:p>
           <a:p>
+            <a:endParaRPr lang="en-GB" dirty="0" smtClean="0"/>
+          </a:p>
+          <a:p>
             <a:r>
               <a:rPr lang="en-GB" dirty="0" smtClean="0"/>
-              <a:t>From the </a:t>
-            </a:r>
-            <a:r>
-              <a:rPr lang="en-GB" dirty="0" err="1" smtClean="0"/>
-              <a:t>CloverLeaf</a:t>
-            </a:r>
-            <a:r>
-              <a:rPr lang="en-GB" dirty="0" smtClean="0"/>
-              <a:t> benchmark (2D structured grid code for Hydrodynamics).</a:t>
+              <a:t>Architecture dependent, may not always</a:t>
+            </a:r>
+            <a:r>
+              <a:rPr lang="en-GB" baseline="0" dirty="0" smtClean="0"/>
+              <a:t> be useful</a:t>
             </a:r>
             <a:endParaRPr lang="en-GB" dirty="0"/>
           </a:p>
@@ -1903,7 +2371,7 @@
             <a:fld id="{9B3F2D69-97A9-4C41-91BD-6A22F8270148}" type="slidenum">
               <a:rPr lang="en-GB" smtClean="0"/>
               <a:pPr/>
-              <a:t>64</a:t>
+              <a:t>63</a:t>
             </a:fld>
             <a:endParaRPr lang="en-GB"/>
           </a:p>
@@ -1912,7 +2380,7 @@
     </p:spTree>
     <p:extLst>
       <p:ext uri="{BB962C8B-B14F-4D97-AF65-F5344CB8AC3E}">
-        <p14:creationId xmlns:p14="http://schemas.microsoft.com/office/powerpoint/2010/main" val="941717049"/>
+        <p14:creationId xmlns:p14="http://schemas.microsoft.com/office/powerpoint/2010/main" val="80389277"/>
       </p:ext>
     </p:extLst>
   </p:cSld>
@@ -2103,7 +2571,7 @@
           <a:p>
             <a:fld id="{D96F9273-1B51-1D4D-B007-2EA617412104}" type="datetimeFigureOut">
               <a:rPr lang="en-US" smtClean="0"/>
-              <a:t>09/05/15</a:t>
+              <a:t>10/05/15</a:t>
             </a:fld>
             <a:endParaRPr lang="en-GB"/>
           </a:p>
@@ -2273,7 +2741,7 @@
           <a:p>
             <a:fld id="{D96F9273-1B51-1D4D-B007-2EA617412104}" type="datetimeFigureOut">
               <a:rPr lang="en-US" smtClean="0"/>
-              <a:t>09/05/15</a:t>
+              <a:t>10/05/15</a:t>
             </a:fld>
             <a:endParaRPr lang="en-GB"/>
           </a:p>
@@ -2453,7 +2921,7 @@
           <a:p>
             <a:fld id="{D96F9273-1B51-1D4D-B007-2EA617412104}" type="datetimeFigureOut">
               <a:rPr lang="en-US" smtClean="0"/>
-              <a:t>09/05/15</a:t>
+              <a:t>10/05/15</a:t>
             </a:fld>
             <a:endParaRPr lang="en-GB"/>
           </a:p>
@@ -2623,7 +3091,7 @@
           <a:p>
             <a:fld id="{D96F9273-1B51-1D4D-B007-2EA617412104}" type="datetimeFigureOut">
               <a:rPr lang="en-US" smtClean="0"/>
-              <a:t>09/05/15</a:t>
+              <a:t>10/05/15</a:t>
             </a:fld>
             <a:endParaRPr lang="en-GB"/>
           </a:p>
@@ -2869,7 +3337,7 @@
           <a:p>
             <a:fld id="{D96F9273-1B51-1D4D-B007-2EA617412104}" type="datetimeFigureOut">
               <a:rPr lang="en-US" smtClean="0"/>
-              <a:t>09/05/15</a:t>
+              <a:t>10/05/15</a:t>
             </a:fld>
             <a:endParaRPr lang="en-GB"/>
           </a:p>
@@ -3157,7 +3625,7 @@
           <a:p>
             <a:fld id="{D96F9273-1B51-1D4D-B007-2EA617412104}" type="datetimeFigureOut">
               <a:rPr lang="en-US" smtClean="0"/>
-              <a:t>09/05/15</a:t>
+              <a:t>10/05/15</a:t>
             </a:fld>
             <a:endParaRPr lang="en-GB"/>
           </a:p>
@@ -3579,7 +4047,7 @@
           <a:p>
             <a:fld id="{D96F9273-1B51-1D4D-B007-2EA617412104}" type="datetimeFigureOut">
               <a:rPr lang="en-US" smtClean="0"/>
-              <a:t>09/05/15</a:t>
+              <a:t>10/05/15</a:t>
             </a:fld>
             <a:endParaRPr lang="en-GB"/>
           </a:p>
@@ -3697,7 +4165,7 @@
           <a:p>
             <a:fld id="{D96F9273-1B51-1D4D-B007-2EA617412104}" type="datetimeFigureOut">
               <a:rPr lang="en-US" smtClean="0"/>
-              <a:t>09/05/15</a:t>
+              <a:t>10/05/15</a:t>
             </a:fld>
             <a:endParaRPr lang="en-GB"/>
           </a:p>
@@ -3792,7 +4260,7 @@
           <a:p>
             <a:fld id="{D96F9273-1B51-1D4D-B007-2EA617412104}" type="datetimeFigureOut">
               <a:rPr lang="en-US" smtClean="0"/>
-              <a:t>09/05/15</a:t>
+              <a:t>10/05/15</a:t>
             </a:fld>
             <a:endParaRPr lang="en-GB"/>
           </a:p>
@@ -4069,7 +4537,7 @@
           <a:p>
             <a:fld id="{D96F9273-1B51-1D4D-B007-2EA617412104}" type="datetimeFigureOut">
               <a:rPr lang="en-US" smtClean="0"/>
-              <a:t>09/05/15</a:t>
+              <a:t>10/05/15</a:t>
             </a:fld>
             <a:endParaRPr lang="en-GB"/>
           </a:p>
@@ -4322,7 +4790,7 @@
           <a:p>
             <a:fld id="{D96F9273-1B51-1D4D-B007-2EA617412104}" type="datetimeFigureOut">
               <a:rPr lang="en-US" smtClean="0"/>
-              <a:t>09/05/15</a:t>
+              <a:t>10/05/15</a:t>
             </a:fld>
             <a:endParaRPr lang="en-GB"/>
           </a:p>
@@ -4535,7 +5003,7 @@
           <a:p>
             <a:fld id="{D96F9273-1B51-1D4D-B007-2EA617412104}" type="datetimeFigureOut">
               <a:rPr lang="en-US" smtClean="0"/>
-              <a:t>09/05/15</a:t>
+              <a:t>10/05/15</a:t>
             </a:fld>
             <a:endParaRPr lang="en-GB"/>
           </a:p>
@@ -5184,11 +5652,11 @@
   <p:clrMapOvr>
     <a:masterClrMapping/>
   </p:clrMapOvr>
-  <mc:AlternateContent xmlns:mc="http://schemas.openxmlformats.org/markup-compatibility/2006" xmlns:p14="http://schemas.microsoft.com/office/powerpoint/2010/main">
-    <mc:Choice Requires="p14">
+  <mc:AlternateContent xmlns:mc="http://schemas.openxmlformats.org/markup-compatibility/2006">
+    <mc:Choice xmlns:p14="http://schemas.microsoft.com/office/powerpoint/2010/main" Requires="p14">
       <p:transition spd="slow" p14:dur="2000"/>
     </mc:Choice>
-    <mc:Fallback xmlns="">
+    <mc:Fallback>
       <p:transition xmlns:p14="http://schemas.microsoft.com/office/powerpoint/2010/main" spd="slow"/>
     </mc:Fallback>
   </mc:AlternateContent>
@@ -5485,11 +5953,11 @@
   <p:clrMapOvr>
     <a:masterClrMapping/>
   </p:clrMapOvr>
-  <mc:AlternateContent xmlns:mc="http://schemas.openxmlformats.org/markup-compatibility/2006" xmlns:p14="http://schemas.microsoft.com/office/powerpoint/2010/main">
-    <mc:Choice Requires="p14">
+  <mc:AlternateContent xmlns:mc="http://schemas.openxmlformats.org/markup-compatibility/2006">
+    <mc:Choice xmlns:p14="http://schemas.microsoft.com/office/powerpoint/2010/main" Requires="p14">
       <p:transition spd="slow" p14:dur="2000"/>
     </mc:Choice>
-    <mc:Fallback xmlns="">
+    <mc:Fallback>
       <p:transition xmlns:p14="http://schemas.microsoft.com/office/powerpoint/2010/main" spd="slow"/>
     </mc:Fallback>
   </mc:AlternateContent>
@@ -5611,11 +6079,11 @@
   <p:clrMapOvr>
     <a:masterClrMapping/>
   </p:clrMapOvr>
-  <mc:AlternateContent xmlns:mc="http://schemas.openxmlformats.org/markup-compatibility/2006" xmlns:p14="http://schemas.microsoft.com/office/powerpoint/2010/main">
-    <mc:Choice Requires="p14">
+  <mc:AlternateContent xmlns:mc="http://schemas.openxmlformats.org/markup-compatibility/2006">
+    <mc:Choice xmlns:p14="http://schemas.microsoft.com/office/powerpoint/2010/main" Requires="p14">
       <p:transition spd="slow" p14:dur="2000"/>
     </mc:Choice>
-    <mc:Fallback xmlns="">
+    <mc:Fallback>
       <p:transition xmlns:p14="http://schemas.microsoft.com/office/powerpoint/2010/main" spd="slow"/>
     </mc:Fallback>
   </mc:AlternateContent>
@@ -5770,11 +6238,11 @@
   <p:clrMapOvr>
     <a:masterClrMapping/>
   </p:clrMapOvr>
-  <mc:AlternateContent xmlns:mc="http://schemas.openxmlformats.org/markup-compatibility/2006" xmlns:p14="http://schemas.microsoft.com/office/powerpoint/2010/main">
-    <mc:Choice Requires="p14">
+  <mc:AlternateContent xmlns:mc="http://schemas.openxmlformats.org/markup-compatibility/2006">
+    <mc:Choice xmlns:p14="http://schemas.microsoft.com/office/powerpoint/2010/main" Requires="p14">
       <p:transition spd="slow" p14:dur="2000"/>
     </mc:Choice>
-    <mc:Fallback xmlns="">
+    <mc:Fallback>
       <p:transition xmlns:p14="http://schemas.microsoft.com/office/powerpoint/2010/main" spd="slow"/>
     </mc:Fallback>
   </mc:AlternateContent>
@@ -5882,11 +6350,11 @@
   <p:clrMapOvr>
     <a:masterClrMapping/>
   </p:clrMapOvr>
-  <mc:AlternateContent xmlns:mc="http://schemas.openxmlformats.org/markup-compatibility/2006" xmlns:p14="http://schemas.microsoft.com/office/powerpoint/2010/main">
-    <mc:Choice Requires="p14">
+  <mc:AlternateContent xmlns:mc="http://schemas.openxmlformats.org/markup-compatibility/2006">
+    <mc:Choice xmlns:p14="http://schemas.microsoft.com/office/powerpoint/2010/main" Requires="p14">
       <p:transition spd="slow" p14:dur="2000"/>
     </mc:Choice>
-    <mc:Fallback xmlns="">
+    <mc:Fallback>
       <p:transition xmlns:p14="http://schemas.microsoft.com/office/powerpoint/2010/main" spd="slow"/>
     </mc:Fallback>
   </mc:AlternateContent>
@@ -6645,11 +7113,11 @@
   <p:clrMapOvr>
     <a:masterClrMapping/>
   </p:clrMapOvr>
-  <mc:AlternateContent xmlns:mc="http://schemas.openxmlformats.org/markup-compatibility/2006" xmlns:p14="http://schemas.microsoft.com/office/powerpoint/2010/main">
-    <mc:Choice Requires="p14">
+  <mc:AlternateContent xmlns:mc="http://schemas.openxmlformats.org/markup-compatibility/2006">
+    <mc:Choice xmlns:p14="http://schemas.microsoft.com/office/powerpoint/2010/main" Requires="p14">
       <p:transition spd="slow" p14:dur="2000"/>
     </mc:Choice>
-    <mc:Fallback xmlns="">
+    <mc:Fallback>
       <p:transition xmlns:p14="http://schemas.microsoft.com/office/powerpoint/2010/main" spd="slow"/>
     </mc:Fallback>
   </mc:AlternateContent>
@@ -6927,11 +7395,11 @@
   <p:clrMapOvr>
     <a:masterClrMapping/>
   </p:clrMapOvr>
-  <mc:AlternateContent xmlns:mc="http://schemas.openxmlformats.org/markup-compatibility/2006" xmlns:p14="http://schemas.microsoft.com/office/powerpoint/2010/main">
-    <mc:Choice Requires="p14">
+  <mc:AlternateContent xmlns:mc="http://schemas.openxmlformats.org/markup-compatibility/2006">
+    <mc:Choice xmlns:p14="http://schemas.microsoft.com/office/powerpoint/2010/main" Requires="p14">
       <p:transition spd="slow" p14:dur="2000"/>
     </mc:Choice>
-    <mc:Fallback xmlns="">
+    <mc:Fallback>
       <p:transition xmlns:p14="http://schemas.microsoft.com/office/powerpoint/2010/main" spd="slow"/>
     </mc:Fallback>
   </mc:AlternateContent>
@@ -7079,11 +7547,11 @@
   <p:clrMapOvr>
     <a:masterClrMapping/>
   </p:clrMapOvr>
-  <mc:AlternateContent xmlns:mc="http://schemas.openxmlformats.org/markup-compatibility/2006" xmlns:p14="http://schemas.microsoft.com/office/powerpoint/2010/main">
-    <mc:Choice Requires="p14">
+  <mc:AlternateContent xmlns:mc="http://schemas.openxmlformats.org/markup-compatibility/2006">
+    <mc:Choice xmlns:p14="http://schemas.microsoft.com/office/powerpoint/2010/main" Requires="p14">
       <p:transition spd="slow" p14:dur="2000"/>
     </mc:Choice>
-    <mc:Fallback xmlns="">
+    <mc:Fallback>
       <p:transition xmlns:p14="http://schemas.microsoft.com/office/powerpoint/2010/main" spd="slow"/>
     </mc:Fallback>
   </mc:AlternateContent>
@@ -7237,11 +7705,11 @@
   <p:clrMapOvr>
     <a:masterClrMapping/>
   </p:clrMapOvr>
-  <mc:AlternateContent xmlns:mc="http://schemas.openxmlformats.org/markup-compatibility/2006" xmlns:p14="http://schemas.microsoft.com/office/powerpoint/2010/main">
-    <mc:Choice Requires="p14">
+  <mc:AlternateContent xmlns:mc="http://schemas.openxmlformats.org/markup-compatibility/2006">
+    <mc:Choice xmlns:p14="http://schemas.microsoft.com/office/powerpoint/2010/main" Requires="p14">
       <p:transition spd="slow" p14:dur="2000"/>
     </mc:Choice>
-    <mc:Fallback xmlns="">
+    <mc:Fallback>
       <p:transition xmlns:p14="http://schemas.microsoft.com/office/powerpoint/2010/main" spd="slow"/>
     </mc:Fallback>
   </mc:AlternateContent>
@@ -7787,11 +8255,11 @@
   <p:clrMapOvr>
     <a:masterClrMapping/>
   </p:clrMapOvr>
-  <mc:AlternateContent xmlns:mc="http://schemas.openxmlformats.org/markup-compatibility/2006" xmlns:p14="http://schemas.microsoft.com/office/powerpoint/2010/main">
-    <mc:Choice Requires="p14">
+  <mc:AlternateContent xmlns:mc="http://schemas.openxmlformats.org/markup-compatibility/2006">
+    <mc:Choice xmlns:p14="http://schemas.microsoft.com/office/powerpoint/2010/main" Requires="p14">
       <p:transition spd="slow" p14:dur="2000"/>
     </mc:Choice>
-    <mc:Fallback xmlns="">
+    <mc:Fallback>
       <p:transition xmlns:p14="http://schemas.microsoft.com/office/powerpoint/2010/main" spd="slow"/>
     </mc:Fallback>
   </mc:AlternateContent>
@@ -8291,11 +8759,11 @@
   <p:clrMapOvr>
     <a:masterClrMapping/>
   </p:clrMapOvr>
-  <mc:AlternateContent xmlns:mc="http://schemas.openxmlformats.org/markup-compatibility/2006" xmlns:p14="http://schemas.microsoft.com/office/powerpoint/2010/main">
-    <mc:Choice Requires="p14">
+  <mc:AlternateContent xmlns:mc="http://schemas.openxmlformats.org/markup-compatibility/2006">
+    <mc:Choice xmlns:p14="http://schemas.microsoft.com/office/powerpoint/2010/main" Requires="p14">
       <p:transition spd="slow" p14:dur="2000"/>
     </mc:Choice>
-    <mc:Fallback xmlns="">
+    <mc:Fallback>
       <p:transition xmlns:p14="http://schemas.microsoft.com/office/powerpoint/2010/main" spd="slow"/>
     </mc:Fallback>
   </mc:AlternateContent>
@@ -8503,11 +8971,11 @@
   <p:clrMapOvr>
     <a:masterClrMapping/>
   </p:clrMapOvr>
-  <mc:AlternateContent xmlns:mc="http://schemas.openxmlformats.org/markup-compatibility/2006" xmlns:p14="http://schemas.microsoft.com/office/powerpoint/2010/main">
-    <mc:Choice Requires="p14">
+  <mc:AlternateContent xmlns:mc="http://schemas.openxmlformats.org/markup-compatibility/2006">
+    <mc:Choice xmlns:p14="http://schemas.microsoft.com/office/powerpoint/2010/main" Requires="p14">
       <p:transition spd="slow" p14:dur="2000"/>
     </mc:Choice>
-    <mc:Fallback xmlns="">
+    <mc:Fallback>
       <p:transition xmlns:p14="http://schemas.microsoft.com/office/powerpoint/2010/main" spd="slow"/>
     </mc:Fallback>
   </mc:AlternateContent>
@@ -8718,11 +9186,11 @@
   <p:clrMapOvr>
     <a:masterClrMapping/>
   </p:clrMapOvr>
-  <mc:AlternateContent xmlns:mc="http://schemas.openxmlformats.org/markup-compatibility/2006" xmlns:p14="http://schemas.microsoft.com/office/powerpoint/2010/main">
-    <mc:Choice Requires="p14">
+  <mc:AlternateContent xmlns:mc="http://schemas.openxmlformats.org/markup-compatibility/2006">
+    <mc:Choice xmlns:p14="http://schemas.microsoft.com/office/powerpoint/2010/main" Requires="p14">
       <p:transition spd="slow" p14:dur="2000"/>
     </mc:Choice>
-    <mc:Fallback xmlns="">
+    <mc:Fallback>
       <p:transition xmlns:p14="http://schemas.microsoft.com/office/powerpoint/2010/main" spd="slow"/>
     </mc:Fallback>
   </mc:AlternateContent>
@@ -8864,11 +9332,11 @@
   <p:clrMapOvr>
     <a:masterClrMapping/>
   </p:clrMapOvr>
-  <mc:AlternateContent xmlns:mc="http://schemas.openxmlformats.org/markup-compatibility/2006" xmlns:p14="http://schemas.microsoft.com/office/powerpoint/2010/main">
-    <mc:Choice Requires="p14">
+  <mc:AlternateContent xmlns:mc="http://schemas.openxmlformats.org/markup-compatibility/2006">
+    <mc:Choice xmlns:p14="http://schemas.microsoft.com/office/powerpoint/2010/main" Requires="p14">
       <p:transition spd="slow" p14:dur="2000"/>
     </mc:Choice>
-    <mc:Fallback xmlns="">
+    <mc:Fallback>
       <p:transition xmlns:p14="http://schemas.microsoft.com/office/powerpoint/2010/main" spd="slow"/>
     </mc:Fallback>
   </mc:AlternateContent>
@@ -9018,11 +9486,11 @@
   <p:clrMapOvr>
     <a:masterClrMapping/>
   </p:clrMapOvr>
-  <mc:AlternateContent xmlns:mc="http://schemas.openxmlformats.org/markup-compatibility/2006" xmlns:p14="http://schemas.microsoft.com/office/powerpoint/2010/main">
-    <mc:Choice Requires="p14">
+  <mc:AlternateContent xmlns:mc="http://schemas.openxmlformats.org/markup-compatibility/2006">
+    <mc:Choice xmlns:p14="http://schemas.microsoft.com/office/powerpoint/2010/main" Requires="p14">
       <p:transition spd="slow" p14:dur="2000"/>
     </mc:Choice>
-    <mc:Fallback xmlns="">
+    <mc:Fallback>
       <p:transition xmlns:p14="http://schemas.microsoft.com/office/powerpoint/2010/main" spd="slow"/>
     </mc:Fallback>
   </mc:AlternateContent>
@@ -9116,11 +9584,11 @@
   <p:clrMapOvr>
     <a:masterClrMapping/>
   </p:clrMapOvr>
-  <mc:AlternateContent xmlns:mc="http://schemas.openxmlformats.org/markup-compatibility/2006" xmlns:p14="http://schemas.microsoft.com/office/powerpoint/2010/main">
-    <mc:Choice Requires="p14">
+  <mc:AlternateContent xmlns:mc="http://schemas.openxmlformats.org/markup-compatibility/2006">
+    <mc:Choice xmlns:p14="http://schemas.microsoft.com/office/powerpoint/2010/main" Requires="p14">
       <p:transition spd="slow" p14:dur="2000"/>
     </mc:Choice>
-    <mc:Fallback xmlns="">
+    <mc:Fallback>
       <p:transition xmlns:p14="http://schemas.microsoft.com/office/powerpoint/2010/main" spd="slow"/>
     </mc:Fallback>
   </mc:AlternateContent>
@@ -9274,11 +9742,11 @@
   <p:clrMapOvr>
     <a:masterClrMapping/>
   </p:clrMapOvr>
-  <mc:AlternateContent xmlns:mc="http://schemas.openxmlformats.org/markup-compatibility/2006" xmlns:p14="http://schemas.microsoft.com/office/powerpoint/2010/main">
-    <mc:Choice Requires="p14">
+  <mc:AlternateContent xmlns:mc="http://schemas.openxmlformats.org/markup-compatibility/2006">
+    <mc:Choice xmlns:p14="http://schemas.microsoft.com/office/powerpoint/2010/main" Requires="p14">
       <p:transition spd="slow" p14:dur="2000"/>
     </mc:Choice>
-    <mc:Fallback xmlns="">
+    <mc:Fallback>
       <p:transition xmlns:p14="http://schemas.microsoft.com/office/powerpoint/2010/main" spd="slow"/>
     </mc:Fallback>
   </mc:AlternateContent>
@@ -9434,11 +9902,11 @@
   <p:clrMapOvr>
     <a:masterClrMapping/>
   </p:clrMapOvr>
-  <mc:AlternateContent xmlns:mc="http://schemas.openxmlformats.org/markup-compatibility/2006" xmlns:p14="http://schemas.microsoft.com/office/powerpoint/2010/main">
-    <mc:Choice Requires="p14">
+  <mc:AlternateContent xmlns:mc="http://schemas.openxmlformats.org/markup-compatibility/2006">
+    <mc:Choice xmlns:p14="http://schemas.microsoft.com/office/powerpoint/2010/main" Requires="p14">
       <p:transition spd="slow" p14:dur="2000"/>
     </mc:Choice>
-    <mc:Fallback xmlns="">
+    <mc:Fallback>
       <p:transition xmlns:p14="http://schemas.microsoft.com/office/powerpoint/2010/main" spd="slow"/>
     </mc:Fallback>
   </mc:AlternateContent>
@@ -9656,11 +10124,11 @@
   <p:clrMapOvr>
     <a:masterClrMapping/>
   </p:clrMapOvr>
-  <mc:AlternateContent xmlns:mc="http://schemas.openxmlformats.org/markup-compatibility/2006" xmlns:p14="http://schemas.microsoft.com/office/powerpoint/2010/main">
-    <mc:Choice Requires="p14">
+  <mc:AlternateContent xmlns:mc="http://schemas.openxmlformats.org/markup-compatibility/2006">
+    <mc:Choice xmlns:p14="http://schemas.microsoft.com/office/powerpoint/2010/main" Requires="p14">
       <p:transition spd="slow" p14:dur="2000"/>
     </mc:Choice>
-    <mc:Fallback xmlns="">
+    <mc:Fallback>
       <p:transition xmlns:p14="http://schemas.microsoft.com/office/powerpoint/2010/main" spd="slow"/>
     </mc:Fallback>
   </mc:AlternateContent>
@@ -9766,11 +10234,11 @@
   <p:clrMapOvr>
     <a:masterClrMapping/>
   </p:clrMapOvr>
-  <mc:AlternateContent xmlns:mc="http://schemas.openxmlformats.org/markup-compatibility/2006" xmlns:p14="http://schemas.microsoft.com/office/powerpoint/2010/main">
-    <mc:Choice Requires="p14">
+  <mc:AlternateContent xmlns:mc="http://schemas.openxmlformats.org/markup-compatibility/2006">
+    <mc:Choice xmlns:p14="http://schemas.microsoft.com/office/powerpoint/2010/main" Requires="p14">
       <p:transition spd="slow" p14:dur="2000"/>
     </mc:Choice>
-    <mc:Fallback xmlns="">
+    <mc:Fallback>
       <p:transition xmlns:p14="http://schemas.microsoft.com/office/powerpoint/2010/main" spd="slow"/>
     </mc:Fallback>
   </mc:AlternateContent>
@@ -10978,11 +11446,11 @@
   <p:clrMapOvr>
     <a:masterClrMapping/>
   </p:clrMapOvr>
-  <mc:AlternateContent xmlns:mc="http://schemas.openxmlformats.org/markup-compatibility/2006" xmlns:p14="http://schemas.microsoft.com/office/powerpoint/2010/main">
-    <mc:Choice Requires="p14">
+  <mc:AlternateContent xmlns:mc="http://schemas.openxmlformats.org/markup-compatibility/2006">
+    <mc:Choice xmlns:p14="http://schemas.microsoft.com/office/powerpoint/2010/main" Requires="p14">
       <p:transition spd="slow" p14:dur="2000"/>
     </mc:Choice>
-    <mc:Fallback xmlns="">
+    <mc:Fallback>
       <p:transition xmlns:p14="http://schemas.microsoft.com/office/powerpoint/2010/main" spd="slow"/>
     </mc:Fallback>
   </mc:AlternateContent>
@@ -11529,11 +11997,11 @@
   <p:clrMapOvr>
     <a:masterClrMapping/>
   </p:clrMapOvr>
-  <mc:AlternateContent xmlns:mc="http://schemas.openxmlformats.org/markup-compatibility/2006" xmlns:p14="http://schemas.microsoft.com/office/powerpoint/2010/main">
-    <mc:Choice Requires="p14">
+  <mc:AlternateContent xmlns:mc="http://schemas.openxmlformats.org/markup-compatibility/2006">
+    <mc:Choice xmlns:p14="http://schemas.microsoft.com/office/powerpoint/2010/main" Requires="p14">
       <p:transition spd="slow" p14:dur="2000"/>
     </mc:Choice>
-    <mc:Fallback xmlns="">
+    <mc:Fallback>
       <p:transition xmlns:p14="http://schemas.microsoft.com/office/powerpoint/2010/main" spd="slow"/>
     </mc:Fallback>
   </mc:AlternateContent>
@@ -11817,11 +12285,11 @@
   <p:clrMapOvr>
     <a:masterClrMapping/>
   </p:clrMapOvr>
-  <mc:AlternateContent xmlns:mc="http://schemas.openxmlformats.org/markup-compatibility/2006" xmlns:p14="http://schemas.microsoft.com/office/powerpoint/2010/main">
-    <mc:Choice Requires="p14">
+  <mc:AlternateContent xmlns:mc="http://schemas.openxmlformats.org/markup-compatibility/2006">
+    <mc:Choice xmlns:p14="http://schemas.microsoft.com/office/powerpoint/2010/main" Requires="p14">
       <p:transition spd="slow" p14:dur="2000"/>
     </mc:Choice>
-    <mc:Fallback xmlns="">
+    <mc:Fallback>
       <p:transition xmlns:p14="http://schemas.microsoft.com/office/powerpoint/2010/main" spd="slow"/>
     </mc:Fallback>
   </mc:AlternateContent>
@@ -11945,11 +12413,11 @@
   <p:clrMapOvr>
     <a:masterClrMapping/>
   </p:clrMapOvr>
-  <mc:AlternateContent xmlns:mc="http://schemas.openxmlformats.org/markup-compatibility/2006" xmlns:p14="http://schemas.microsoft.com/office/powerpoint/2010/main">
-    <mc:Choice Requires="p14">
+  <mc:AlternateContent xmlns:mc="http://schemas.openxmlformats.org/markup-compatibility/2006">
+    <mc:Choice xmlns:p14="http://schemas.microsoft.com/office/powerpoint/2010/main" Requires="p14">
       <p:transition spd="slow" p14:dur="2000"/>
     </mc:Choice>
-    <mc:Fallback xmlns="">
+    <mc:Fallback>
       <p:transition xmlns:p14="http://schemas.microsoft.com/office/powerpoint/2010/main" spd="slow"/>
     </mc:Fallback>
   </mc:AlternateContent>
@@ -12181,11 +12649,11 @@
   <p:clrMapOvr>
     <a:masterClrMapping/>
   </p:clrMapOvr>
-  <mc:AlternateContent xmlns:mc="http://schemas.openxmlformats.org/markup-compatibility/2006" xmlns:p14="http://schemas.microsoft.com/office/powerpoint/2010/main">
-    <mc:Choice Requires="p14">
+  <mc:AlternateContent xmlns:mc="http://schemas.openxmlformats.org/markup-compatibility/2006">
+    <mc:Choice xmlns:p14="http://schemas.microsoft.com/office/powerpoint/2010/main" Requires="p14">
       <p:transition spd="slow" p14:dur="2000"/>
     </mc:Choice>
-    <mc:Fallback xmlns="">
+    <mc:Fallback>
       <p:transition xmlns:p14="http://schemas.microsoft.com/office/powerpoint/2010/main" spd="slow"/>
     </mc:Fallback>
   </mc:AlternateContent>
@@ -12490,11 +12958,11 @@
   <p:clrMapOvr>
     <a:masterClrMapping/>
   </p:clrMapOvr>
-  <mc:AlternateContent xmlns:mc="http://schemas.openxmlformats.org/markup-compatibility/2006" xmlns:p14="http://schemas.microsoft.com/office/powerpoint/2010/main">
-    <mc:Choice Requires="p14">
+  <mc:AlternateContent xmlns:mc="http://schemas.openxmlformats.org/markup-compatibility/2006">
+    <mc:Choice xmlns:p14="http://schemas.microsoft.com/office/powerpoint/2010/main" Requires="p14">
       <p:transition spd="slow" p14:dur="2000"/>
     </mc:Choice>
-    <mc:Fallback xmlns="">
+    <mc:Fallback>
       <p:transition xmlns:p14="http://schemas.microsoft.com/office/powerpoint/2010/main" spd="slow"/>
     </mc:Fallback>
   </mc:AlternateContent>
@@ -12724,11 +13192,11 @@
   <p:clrMapOvr>
     <a:masterClrMapping/>
   </p:clrMapOvr>
-  <mc:AlternateContent xmlns:mc="http://schemas.openxmlformats.org/markup-compatibility/2006" xmlns:p14="http://schemas.microsoft.com/office/powerpoint/2010/main">
-    <mc:Choice Requires="p14">
+  <mc:AlternateContent xmlns:mc="http://schemas.openxmlformats.org/markup-compatibility/2006">
+    <mc:Choice xmlns:p14="http://schemas.microsoft.com/office/powerpoint/2010/main" Requires="p14">
       <p:transition spd="slow" p14:dur="2000"/>
     </mc:Choice>
-    <mc:Fallback xmlns="">
+    <mc:Fallback>
       <p:transition xmlns:p14="http://schemas.microsoft.com/office/powerpoint/2010/main" spd="slow"/>
     </mc:Fallback>
   </mc:AlternateContent>
@@ -12823,11 +13291,11 @@
   <p:clrMapOvr>
     <a:masterClrMapping/>
   </p:clrMapOvr>
-  <mc:AlternateContent xmlns:mc="http://schemas.openxmlformats.org/markup-compatibility/2006" xmlns:p14="http://schemas.microsoft.com/office/powerpoint/2010/main">
-    <mc:Choice Requires="p14">
+  <mc:AlternateContent xmlns:mc="http://schemas.openxmlformats.org/markup-compatibility/2006">
+    <mc:Choice xmlns:p14="http://schemas.microsoft.com/office/powerpoint/2010/main" Requires="p14">
       <p:transition spd="slow" p14:dur="2000"/>
     </mc:Choice>
-    <mc:Fallback xmlns="">
+    <mc:Fallback>
       <p:transition xmlns:p14="http://schemas.microsoft.com/office/powerpoint/2010/main" spd="slow"/>
     </mc:Fallback>
   </mc:AlternateContent>
@@ -12958,11 +13426,11 @@
   <p:clrMapOvr>
     <a:masterClrMapping/>
   </p:clrMapOvr>
-  <mc:AlternateContent xmlns:mc="http://schemas.openxmlformats.org/markup-compatibility/2006" xmlns:p14="http://schemas.microsoft.com/office/powerpoint/2010/main">
-    <mc:Choice Requires="p14">
+  <mc:AlternateContent xmlns:mc="http://schemas.openxmlformats.org/markup-compatibility/2006">
+    <mc:Choice xmlns:p14="http://schemas.microsoft.com/office/powerpoint/2010/main" Requires="p14">
       <p:transition spd="slow" p14:dur="2000"/>
     </mc:Choice>
-    <mc:Fallback xmlns="">
+    <mc:Fallback>
       <p:transition xmlns:p14="http://schemas.microsoft.com/office/powerpoint/2010/main" spd="slow"/>
     </mc:Fallback>
   </mc:AlternateContent>
@@ -13354,11 +13822,11 @@
   <p:clrMapOvr>
     <a:masterClrMapping/>
   </p:clrMapOvr>
-  <mc:AlternateContent xmlns:mc="http://schemas.openxmlformats.org/markup-compatibility/2006" xmlns:p14="http://schemas.microsoft.com/office/powerpoint/2010/main">
-    <mc:Choice Requires="p14">
+  <mc:AlternateContent xmlns:mc="http://schemas.openxmlformats.org/markup-compatibility/2006">
+    <mc:Choice xmlns:p14="http://schemas.microsoft.com/office/powerpoint/2010/main" Requires="p14">
       <p:transition spd="slow" p14:dur="2000"/>
     </mc:Choice>
-    <mc:Fallback xmlns="">
+    <mc:Fallback>
       <p:transition xmlns:p14="http://schemas.microsoft.com/office/powerpoint/2010/main" spd="slow"/>
     </mc:Fallback>
   </mc:AlternateContent>
@@ -13514,11 +13982,11 @@
   <p:clrMapOvr>
     <a:masterClrMapping/>
   </p:clrMapOvr>
-  <mc:AlternateContent xmlns:mc="http://schemas.openxmlformats.org/markup-compatibility/2006" xmlns:p14="http://schemas.microsoft.com/office/powerpoint/2010/main">
-    <mc:Choice Requires="p14">
+  <mc:AlternateContent xmlns:mc="http://schemas.openxmlformats.org/markup-compatibility/2006">
+    <mc:Choice xmlns:p14="http://schemas.microsoft.com/office/powerpoint/2010/main" Requires="p14">
       <p:transition spd="slow" p14:dur="2000"/>
     </mc:Choice>
-    <mc:Fallback xmlns="">
+    <mc:Fallback>
       <p:transition xmlns:p14="http://schemas.microsoft.com/office/powerpoint/2010/main" spd="slow"/>
     </mc:Fallback>
   </mc:AlternateContent>
@@ -14142,11 +14610,11 @@
   <p:clrMapOvr>
     <a:masterClrMapping/>
   </p:clrMapOvr>
-  <mc:AlternateContent xmlns:mc="http://schemas.openxmlformats.org/markup-compatibility/2006" xmlns:p14="http://schemas.microsoft.com/office/powerpoint/2010/main">
-    <mc:Choice Requires="p14">
+  <mc:AlternateContent xmlns:mc="http://schemas.openxmlformats.org/markup-compatibility/2006">
+    <mc:Choice xmlns:p14="http://schemas.microsoft.com/office/powerpoint/2010/main" Requires="p14">
       <p:transition spd="slow" p14:dur="2000"/>
     </mc:Choice>
-    <mc:Fallback xmlns="">
+    <mc:Fallback>
       <p:transition xmlns:p14="http://schemas.microsoft.com/office/powerpoint/2010/main" spd="slow"/>
     </mc:Fallback>
   </mc:AlternateContent>
@@ -14623,11 +15091,11 @@
   <p:clrMapOvr>
     <a:masterClrMapping/>
   </p:clrMapOvr>
-  <mc:AlternateContent xmlns:mc="http://schemas.openxmlformats.org/markup-compatibility/2006" xmlns:p14="http://schemas.microsoft.com/office/powerpoint/2010/main">
-    <mc:Choice Requires="p14">
+  <mc:AlternateContent xmlns:mc="http://schemas.openxmlformats.org/markup-compatibility/2006">
+    <mc:Choice xmlns:p14="http://schemas.microsoft.com/office/powerpoint/2010/main" Requires="p14">
       <p:transition spd="slow" p14:dur="2000"/>
     </mc:Choice>
-    <mc:Fallback xmlns="">
+    <mc:Fallback>
       <p:transition xmlns:p14="http://schemas.microsoft.com/office/powerpoint/2010/main" spd="slow"/>
     </mc:Fallback>
   </mc:AlternateContent>
@@ -15555,11 +16023,11 @@
   <p:clrMapOvr>
     <a:masterClrMapping/>
   </p:clrMapOvr>
-  <mc:AlternateContent xmlns:mc="http://schemas.openxmlformats.org/markup-compatibility/2006" xmlns:p14="http://schemas.microsoft.com/office/powerpoint/2010/main">
-    <mc:Choice Requires="p14">
+  <mc:AlternateContent xmlns:mc="http://schemas.openxmlformats.org/markup-compatibility/2006">
+    <mc:Choice xmlns:p14="http://schemas.microsoft.com/office/powerpoint/2010/main" Requires="p14">
       <p:transition spd="slow" p14:dur="2000"/>
     </mc:Choice>
-    <mc:Fallback xmlns="">
+    <mc:Fallback>
       <p:transition xmlns:p14="http://schemas.microsoft.com/office/powerpoint/2010/main" spd="slow"/>
     </mc:Fallback>
   </mc:AlternateContent>
@@ -20845,11 +21313,11 @@
   <p:clrMapOvr>
     <a:masterClrMapping/>
   </p:clrMapOvr>
-  <mc:AlternateContent xmlns:mc="http://schemas.openxmlformats.org/markup-compatibility/2006" xmlns:p14="http://schemas.microsoft.com/office/powerpoint/2010/main">
-    <mc:Choice Requires="p14">
+  <mc:AlternateContent xmlns:mc="http://schemas.openxmlformats.org/markup-compatibility/2006">
+    <mc:Choice xmlns:p14="http://schemas.microsoft.com/office/powerpoint/2010/main" Requires="p14">
       <p:transition spd="slow" p14:dur="2000"/>
     </mc:Choice>
-    <mc:Fallback xmlns="">
+    <mc:Fallback>
       <p:transition xmlns:p14="http://schemas.microsoft.com/office/powerpoint/2010/main" spd="slow"/>
     </mc:Fallback>
   </mc:AlternateContent>
@@ -23584,11 +24052,11 @@
   <p:clrMapOvr>
     <a:masterClrMapping/>
   </p:clrMapOvr>
-  <mc:AlternateContent xmlns:mc="http://schemas.openxmlformats.org/markup-compatibility/2006" xmlns:p14="http://schemas.microsoft.com/office/powerpoint/2010/main">
-    <mc:Choice Requires="p14">
+  <mc:AlternateContent xmlns:mc="http://schemas.openxmlformats.org/markup-compatibility/2006">
+    <mc:Choice xmlns:p14="http://schemas.microsoft.com/office/powerpoint/2010/main" Requires="p14">
       <p:transition spd="slow" p14:dur="2000"/>
     </mc:Choice>
-    <mc:Fallback xmlns="">
+    <mc:Fallback>
       <p:transition xmlns:p14="http://schemas.microsoft.com/office/powerpoint/2010/main" spd="slow"/>
     </mc:Fallback>
   </mc:AlternateContent>
@@ -35721,11 +36189,11 @@
   <p:clrMapOvr>
     <a:masterClrMapping/>
   </p:clrMapOvr>
-  <mc:AlternateContent xmlns:mc="http://schemas.openxmlformats.org/markup-compatibility/2006" xmlns:p14="http://schemas.microsoft.com/office/powerpoint/2010/main">
-    <mc:Choice Requires="p14">
+  <mc:AlternateContent xmlns:mc="http://schemas.openxmlformats.org/markup-compatibility/2006">
+    <mc:Choice xmlns:p14="http://schemas.microsoft.com/office/powerpoint/2010/main" Requires="p14">
       <p:transition spd="slow" p14:dur="2000"/>
     </mc:Choice>
-    <mc:Fallback xmlns="">
+    <mc:Fallback>
       <p:transition xmlns:p14="http://schemas.microsoft.com/office/powerpoint/2010/main" spd="slow"/>
     </mc:Fallback>
   </mc:AlternateContent>
@@ -37003,11 +37471,11 @@
   <p:clrMapOvr>
     <a:masterClrMapping/>
   </p:clrMapOvr>
-  <mc:AlternateContent xmlns:mc="http://schemas.openxmlformats.org/markup-compatibility/2006" xmlns:p14="http://schemas.microsoft.com/office/powerpoint/2010/main">
-    <mc:Choice Requires="p14">
+  <mc:AlternateContent xmlns:mc="http://schemas.openxmlformats.org/markup-compatibility/2006">
+    <mc:Choice xmlns:p14="http://schemas.microsoft.com/office/powerpoint/2010/main" Requires="p14">
       <p:transition spd="slow" p14:dur="2000"/>
     </mc:Choice>
-    <mc:Fallback xmlns="">
+    <mc:Fallback>
       <p:transition xmlns:p14="http://schemas.microsoft.com/office/powerpoint/2010/main" spd="slow"/>
     </mc:Fallback>
   </mc:AlternateContent>
@@ -37410,11 +37878,11 @@
   <p:clrMapOvr>
     <a:masterClrMapping/>
   </p:clrMapOvr>
-  <mc:AlternateContent xmlns:mc="http://schemas.openxmlformats.org/markup-compatibility/2006" xmlns:p14="http://schemas.microsoft.com/office/powerpoint/2010/main">
-    <mc:Choice Requires="p14">
+  <mc:AlternateContent xmlns:mc="http://schemas.openxmlformats.org/markup-compatibility/2006">
+    <mc:Choice xmlns:p14="http://schemas.microsoft.com/office/powerpoint/2010/main" Requires="p14">
       <p:transition spd="slow" p14:dur="2000"/>
     </mc:Choice>
-    <mc:Fallback xmlns="">
+    <mc:Fallback>
       <p:transition xmlns:p14="http://schemas.microsoft.com/office/powerpoint/2010/main" spd="slow"/>
     </mc:Fallback>
   </mc:AlternateContent>
@@ -40011,11 +40479,11 @@
   <p:clrMapOvr>
     <a:masterClrMapping/>
   </p:clrMapOvr>
-  <mc:AlternateContent xmlns:mc="http://schemas.openxmlformats.org/markup-compatibility/2006" xmlns:p14="http://schemas.microsoft.com/office/powerpoint/2010/main">
-    <mc:Choice Requires="p14">
+  <mc:AlternateContent xmlns:mc="http://schemas.openxmlformats.org/markup-compatibility/2006">
+    <mc:Choice xmlns:p14="http://schemas.microsoft.com/office/powerpoint/2010/main" Requires="p14">
       <p:transition spd="slow" p14:dur="2000"/>
     </mc:Choice>
-    <mc:Fallback xmlns="">
+    <mc:Fallback>
       <p:transition xmlns:p14="http://schemas.microsoft.com/office/powerpoint/2010/main" spd="slow"/>
     </mc:Fallback>
   </mc:AlternateContent>
@@ -42263,11 +42731,11 @@
   <p:clrMapOvr>
     <a:masterClrMapping/>
   </p:clrMapOvr>
-  <mc:AlternateContent xmlns:mc="http://schemas.openxmlformats.org/markup-compatibility/2006" xmlns:p14="http://schemas.microsoft.com/office/powerpoint/2010/main">
-    <mc:Choice Requires="p14">
+  <mc:AlternateContent xmlns:mc="http://schemas.openxmlformats.org/markup-compatibility/2006">
+    <mc:Choice xmlns:p14="http://schemas.microsoft.com/office/powerpoint/2010/main" Requires="p14">
       <p:transition spd="slow" p14:dur="2000"/>
     </mc:Choice>
-    <mc:Fallback xmlns="">
+    <mc:Fallback>
       <p:transition xmlns:p14="http://schemas.microsoft.com/office/powerpoint/2010/main" spd="slow"/>
     </mc:Fallback>
   </mc:AlternateContent>
@@ -45655,23 +46123,7 @@
           <a:p>
             <a:r>
               <a:rPr lang="en-US" dirty="0" smtClean="0"/>
-              <a:t>Note: </a:t>
-            </a:r>
-            <a:r>
-              <a:rPr lang="en-US" dirty="0" smtClean="0"/>
-              <a:t>these </a:t>
-            </a:r>
-            <a:r>
-              <a:rPr lang="en-US" dirty="0" smtClean="0"/>
-              <a:t>sampler-less </a:t>
-            </a:r>
-            <a:r>
-              <a:rPr lang="en-US" dirty="0" smtClean="0"/>
-              <a:t>read functions </a:t>
-            </a:r>
-            <a:r>
-              <a:rPr lang="en-US" dirty="0" smtClean="0"/>
-              <a:t>are OpenCL 1.2+ only</a:t>
+              <a:t>Note: these sampler-less read functions are OpenCL 1.2+ only</a:t>
             </a:r>
             <a:endParaRPr lang="en-US" dirty="0"/>
           </a:p>
@@ -47005,11 +47457,11 @@
   <p:clrMapOvr>
     <a:masterClrMapping/>
   </p:clrMapOvr>
-  <mc:AlternateContent xmlns:mc="http://schemas.openxmlformats.org/markup-compatibility/2006" xmlns:p14="http://schemas.microsoft.com/office/powerpoint/2010/main">
-    <mc:Choice Requires="p14">
+  <mc:AlternateContent xmlns:mc="http://schemas.openxmlformats.org/markup-compatibility/2006">
+    <mc:Choice xmlns:p14="http://schemas.microsoft.com/office/powerpoint/2010/main" Requires="p14">
       <p:transition spd="slow" p14:dur="2000"/>
     </mc:Choice>
-    <mc:Fallback xmlns="">
+    <mc:Fallback>
       <p:transition xmlns:p14="http://schemas.microsoft.com/office/powerpoint/2010/main" spd="slow"/>
     </mc:Fallback>
   </mc:AlternateContent>
@@ -47464,11 +47916,11 @@
   <p:clrMapOvr>
     <a:masterClrMapping/>
   </p:clrMapOvr>
-  <mc:AlternateContent xmlns:mc="http://schemas.openxmlformats.org/markup-compatibility/2006" xmlns:p14="http://schemas.microsoft.com/office/powerpoint/2010/main">
-    <mc:Choice Requires="p14">
+  <mc:AlternateContent xmlns:mc="http://schemas.openxmlformats.org/markup-compatibility/2006">
+    <mc:Choice xmlns:p14="http://schemas.microsoft.com/office/powerpoint/2010/main" Requires="p14">
       <p:transition spd="slow" p14:dur="2000"/>
     </mc:Choice>
-    <mc:Fallback xmlns="">
+    <mc:Fallback>
       <p:transition xmlns:p14="http://schemas.microsoft.com/office/powerpoint/2010/main" spd="slow"/>
     </mc:Fallback>
   </mc:AlternateContent>

--- a/slides/advanced_part3.pptx
+++ b/slides/advanced_part3.pptx
@@ -674,24 +674,11 @@
           <a:p>
             <a:r>
               <a:rPr lang="en-GB" dirty="0" smtClean="0"/>
-              <a:t>Example of the barriers which can speed up code by making a barrier between accessing different bits of memory. </a:t>
-            </a:r>
-          </a:p>
-          <a:p>
-            <a:endParaRPr lang="en-GB" dirty="0" smtClean="0"/>
-          </a:p>
-          <a:p>
-            <a:r>
-              <a:rPr lang="en-GB" dirty="0" smtClean="0"/>
-              <a:t>From the </a:t>
-            </a:r>
-            <a:r>
-              <a:rPr lang="en-GB" dirty="0" err="1" smtClean="0"/>
-              <a:t>CloverLeaf</a:t>
-            </a:r>
-            <a:r>
-              <a:rPr lang="en-GB" dirty="0" smtClean="0"/>
-              <a:t> benchmark (2D structured grid code for Hydrodynamics).</a:t>
+              <a:t>Still have</a:t>
+            </a:r>
+            <a:r>
+              <a:rPr lang="en-GB" baseline="0" dirty="0" smtClean="0"/>
+              <a:t> to expose the implementation decisions in your code though (e.g. via command-line options)</a:t>
             </a:r>
             <a:endParaRPr lang="en-GB" dirty="0"/>
           </a:p>
@@ -712,10 +699,9 @@
           <a:bodyPr/>
           <a:lstStyle/>
           <a:p>
-            <a:fld id="{9B3F2D69-97A9-4C41-91BD-6A22F8270148}" type="slidenum">
+            <a:fld id="{09586968-7D7C-644F-B08A-4E148D7B3FC9}" type="slidenum">
               <a:rPr lang="en-GB" smtClean="0"/>
-              <a:pPr/>
-              <a:t>64</a:t>
+              <a:t>61</a:t>
             </a:fld>
             <a:endParaRPr lang="en-GB"/>
           </a:p>
@@ -724,7 +710,7 @@
     </p:spTree>
     <p:extLst>
       <p:ext uri="{BB962C8B-B14F-4D97-AF65-F5344CB8AC3E}">
-        <p14:creationId xmlns:p14="http://schemas.microsoft.com/office/powerpoint/2010/main" val="941717049"/>
+        <p14:creationId xmlns:p14="http://schemas.microsoft.com/office/powerpoint/2010/main" val="1145895828"/>
       </p:ext>
     </p:extLst>
   </p:cSld>
@@ -778,30 +764,29 @@
           <a:bodyPr/>
           <a:lstStyle/>
           <a:p>
-            <a:pPr marL="0" marR="0" indent="0" algn="l" defTabSz="457200" rtl="0" eaLnBrk="1" fontAlgn="auto" latinLnBrk="0" hangingPunct="1">
-              <a:lnSpc>
-                <a:spcPct val="100000"/>
-              </a:lnSpc>
-              <a:spcBef>
-                <a:spcPts val="0"/>
-              </a:spcBef>
-              <a:spcAft>
-                <a:spcPts val="0"/>
-              </a:spcAft>
-              <a:buClrTx/>
-              <a:buSzTx/>
-              <a:buFontTx/>
-              <a:buNone/>
-              <a:tabLst/>
-              <a:defRPr/>
-            </a:pPr>
-            <a:r>
-              <a:rPr lang="en-US" dirty="0" smtClean="0"/>
-              <a:t>Mask 0 if a &lt;= b </a:t>
-            </a:r>
-          </a:p>
-          <a:p>
-            <a:endParaRPr lang="en-US" dirty="0"/>
+            <a:r>
+              <a:rPr lang="en-GB" dirty="0" smtClean="0"/>
+              <a:t>Barriers between code for better cache use </a:t>
+            </a:r>
+            <a:r>
+              <a:rPr lang="en-GB" dirty="0" err="1" smtClean="0"/>
+              <a:t>etc</a:t>
+            </a:r>
+            <a:endParaRPr lang="en-GB" dirty="0" smtClean="0"/>
+          </a:p>
+          <a:p>
+            <a:endParaRPr lang="en-GB" dirty="0" smtClean="0"/>
+          </a:p>
+          <a:p>
+            <a:r>
+              <a:rPr lang="en-GB" dirty="0" smtClean="0"/>
+              <a:t>Architecture dependent, may not always</a:t>
+            </a:r>
+            <a:r>
+              <a:rPr lang="en-GB" baseline="0" dirty="0" smtClean="0"/>
+              <a:t> be useful</a:t>
+            </a:r>
+            <a:endParaRPr lang="en-GB" dirty="0"/>
           </a:p>
         </p:txBody>
       </p:sp>
@@ -820,9 +805,10 @@
           <a:bodyPr/>
           <a:lstStyle/>
           <a:p>
-            <a:fld id="{09586968-7D7C-644F-B08A-4E148D7B3FC9}" type="slidenum">
+            <a:fld id="{9B3F2D69-97A9-4C41-91BD-6A22F8270148}" type="slidenum">
               <a:rPr lang="en-GB" smtClean="0"/>
-              <a:t>70</a:t>
+              <a:pPr/>
+              <a:t>63</a:t>
             </a:fld>
             <a:endParaRPr lang="en-GB"/>
           </a:p>
@@ -831,7 +817,7 @@
     </p:spTree>
     <p:extLst>
       <p:ext uri="{BB962C8B-B14F-4D97-AF65-F5344CB8AC3E}">
-        <p14:creationId xmlns:p14="http://schemas.microsoft.com/office/powerpoint/2010/main" val="4019362909"/>
+        <p14:creationId xmlns:p14="http://schemas.microsoft.com/office/powerpoint/2010/main" val="80389277"/>
       </p:ext>
     </p:extLst>
   </p:cSld>
@@ -887,17 +873,24 @@
           <a:p>
             <a:r>
               <a:rPr lang="en-GB" dirty="0" smtClean="0"/>
-              <a:t>Intel Xeon Phi is only platform we’ve come across that doesn’t support images</a:t>
-            </a:r>
+              <a:t>Example of the barriers which can speed up code by making a barrier between accessing different bits of memory. </a:t>
+            </a:r>
+          </a:p>
+          <a:p>
+            <a:endParaRPr lang="en-GB" dirty="0" smtClean="0"/>
           </a:p>
           <a:p>
             <a:r>
               <a:rPr lang="en-GB" dirty="0" smtClean="0"/>
-              <a:t>As well as being faster on many devices, also more convenient</a:t>
-            </a:r>
-            <a:r>
-              <a:rPr lang="en-GB" baseline="0" dirty="0" smtClean="0"/>
-              <a:t> (bounds checking, normalization, interpolation)</a:t>
+              <a:t>From the </a:t>
+            </a:r>
+            <a:r>
+              <a:rPr lang="en-GB" dirty="0" err="1" smtClean="0"/>
+              <a:t>CloverLeaf</a:t>
+            </a:r>
+            <a:r>
+              <a:rPr lang="en-GB" dirty="0" smtClean="0"/>
+              <a:t> benchmark (2D structured grid code for Hydrodynamics).</a:t>
             </a:r>
             <a:endParaRPr lang="en-GB" dirty="0"/>
           </a:p>
@@ -918,9 +911,10 @@
           <a:bodyPr/>
           <a:lstStyle/>
           <a:p>
-            <a:fld id="{09586968-7D7C-644F-B08A-4E148D7B3FC9}" type="slidenum">
+            <a:fld id="{9B3F2D69-97A9-4C41-91BD-6A22F8270148}" type="slidenum">
               <a:rPr lang="en-GB" smtClean="0"/>
-              <a:t>74</a:t>
+              <a:pPr/>
+              <a:t>64</a:t>
             </a:fld>
             <a:endParaRPr lang="en-GB"/>
           </a:p>
@@ -929,7 +923,7 @@
     </p:spTree>
     <p:extLst>
       <p:ext uri="{BB962C8B-B14F-4D97-AF65-F5344CB8AC3E}">
-        <p14:creationId xmlns:p14="http://schemas.microsoft.com/office/powerpoint/2010/main" val="1455476205"/>
+        <p14:creationId xmlns:p14="http://schemas.microsoft.com/office/powerpoint/2010/main" val="941717049"/>
       </p:ext>
     </p:extLst>
   </p:cSld>
@@ -985,11 +979,31 @@
           <a:p>
             <a:r>
               <a:rPr lang="en-GB" dirty="0" smtClean="0"/>
-              <a:t>OpenCL</a:t>
+              <a:t>All standard math functions (</a:t>
+            </a:r>
+            <a:r>
+              <a:rPr lang="en-GB" dirty="0" err="1" smtClean="0"/>
+              <a:t>sqrt</a:t>
+            </a:r>
+            <a:r>
+              <a:rPr lang="en-GB" dirty="0" smtClean="0"/>
+              <a:t>, sin</a:t>
             </a:r>
             <a:r>
               <a:rPr lang="en-GB" baseline="0" dirty="0" smtClean="0"/>
-              <a:t> 1.2 introduced 1D images as well</a:t>
+              <a:t> </a:t>
+            </a:r>
+            <a:r>
+              <a:rPr lang="en-GB" baseline="0" dirty="0" err="1" smtClean="0"/>
+              <a:t>etc</a:t>
+            </a:r>
+            <a:r>
+              <a:rPr lang="en-GB" dirty="0" smtClean="0"/>
+              <a:t>) work on these</a:t>
+            </a:r>
+            <a:r>
+              <a:rPr lang="en-GB" baseline="0" dirty="0" smtClean="0"/>
+              <a:t> vector types (component-wise)</a:t>
             </a:r>
             <a:endParaRPr lang="en-GB" dirty="0"/>
           </a:p>
@@ -1012,7 +1026,7 @@
           <a:p>
             <a:fld id="{09586968-7D7C-644F-B08A-4E148D7B3FC9}" type="slidenum">
               <a:rPr lang="en-GB" smtClean="0"/>
-              <a:t>75</a:t>
+              <a:t>65</a:t>
             </a:fld>
             <a:endParaRPr lang="en-GB"/>
           </a:p>
@@ -1021,7 +1035,7 @@
     </p:spTree>
     <p:extLst>
       <p:ext uri="{BB962C8B-B14F-4D97-AF65-F5344CB8AC3E}">
-        <p14:creationId xmlns:p14="http://schemas.microsoft.com/office/powerpoint/2010/main" val="1548980618"/>
+        <p14:creationId xmlns:p14="http://schemas.microsoft.com/office/powerpoint/2010/main" val="4261164090"/>
       </p:ext>
     </p:extLst>
   </p:cSld>
@@ -1077,64 +1091,16 @@
           <a:p>
             <a:r>
               <a:rPr lang="en-GB" dirty="0" smtClean="0"/>
-              <a:t>Not all combinations of</a:t>
+              <a:t>This device query would return 1 on platforms that implicitly</a:t>
             </a:r>
             <a:r>
               <a:rPr lang="en-GB" baseline="0" dirty="0" smtClean="0"/>
-              <a:t> data-type/channel order are valid (see table in spec)</a:t>
-            </a:r>
-          </a:p>
-          <a:p>
-            <a:r>
-              <a:rPr lang="en-GB" baseline="0" dirty="0" smtClean="0"/>
-              <a:t>Min requirement is for CL_RGBA with the UNORM, SIGNED, UNSIGNED and *_FLOAT types, and CL_BGRA with CL_UNORM_INT8</a:t>
-            </a:r>
-          </a:p>
-          <a:p>
-            <a:r>
-              <a:rPr lang="en-GB" baseline="0" dirty="0" smtClean="0"/>
-              <a:t>CL_*x variants affect border </a:t>
+              <a:t> </a:t>
             </a:r>
             <a:r>
               <a:rPr lang="en-GB" baseline="0" dirty="0" err="1" smtClean="0"/>
-              <a:t>color</a:t>
-            </a:r>
-            <a:r>
-              <a:rPr lang="en-GB" baseline="0" dirty="0" smtClean="0"/>
-              <a:t> when clamping out-of-range </a:t>
-            </a:r>
-            <a:r>
-              <a:rPr lang="en-GB" baseline="0" dirty="0" err="1" smtClean="0"/>
-              <a:t>coords</a:t>
-            </a:r>
-            <a:r>
-              <a:rPr lang="en-GB" baseline="0" dirty="0" smtClean="0"/>
-              <a:t> – x means alpha is 0, otherwise 1</a:t>
-            </a:r>
-          </a:p>
-          <a:p>
-            <a:r>
-              <a:rPr lang="en-GB" baseline="0" dirty="0" smtClean="0"/>
-              <a:t>INTENSITY </a:t>
-            </a:r>
-            <a:r>
-              <a:rPr lang="en-GB" baseline="0" dirty="0" err="1" smtClean="0"/>
-              <a:t>vs</a:t>
-            </a:r>
-            <a:r>
-              <a:rPr lang="en-GB" baseline="0" dirty="0" smtClean="0"/>
-              <a:t> LUMINANCE – also affects border </a:t>
-            </a:r>
-            <a:r>
-              <a:rPr lang="en-GB" baseline="0" dirty="0" err="1" smtClean="0"/>
-              <a:t>color</a:t>
-            </a:r>
-            <a:r>
-              <a:rPr lang="en-GB" baseline="0" dirty="0" smtClean="0"/>
-              <a:t> (INTENSITY means alpha is 0, otherwise 1)</a:t>
-            </a:r>
-          </a:p>
-          <a:p>
+              <a:t>vectorize</a:t>
+            </a:r>
             <a:endParaRPr lang="en-GB" dirty="0"/>
           </a:p>
         </p:txBody>
@@ -1156,7 +1122,7 @@
           <a:p>
             <a:fld id="{09586968-7D7C-644F-B08A-4E148D7B3FC9}" type="slidenum">
               <a:rPr lang="en-GB" smtClean="0"/>
-              <a:t>77</a:t>
+              <a:t>68</a:t>
             </a:fld>
             <a:endParaRPr lang="en-GB"/>
           </a:p>
@@ -1165,7 +1131,7 @@
     </p:spTree>
     <p:extLst>
       <p:ext uri="{BB962C8B-B14F-4D97-AF65-F5344CB8AC3E}">
-        <p14:creationId xmlns:p14="http://schemas.microsoft.com/office/powerpoint/2010/main" val="1497800764"/>
+        <p14:creationId xmlns:p14="http://schemas.microsoft.com/office/powerpoint/2010/main" val="3581421292"/>
       </p:ext>
     </p:extLst>
   </p:cSld>
@@ -1221,18 +1187,11 @@
           <a:p>
             <a:r>
               <a:rPr lang="en-GB" dirty="0" smtClean="0"/>
-              <a:t>OpenCL 2.0 introduced </a:t>
-            </a:r>
-            <a:r>
-              <a:rPr lang="en-GB" b="1" dirty="0" err="1" smtClean="0">
-                <a:latin typeface="Courier New"/>
-                <a:cs typeface="Courier New"/>
-              </a:rPr>
-              <a:t>read_write</a:t>
-            </a:r>
-            <a:r>
-              <a:rPr lang="en-GB" dirty="0" smtClean="0"/>
-              <a:t> attribute for images</a:t>
+              <a:t>Branches</a:t>
+            </a:r>
+            <a:r>
+              <a:rPr lang="en-GB" baseline="0" dirty="0" smtClean="0"/>
+              <a:t> will cause pipeline stalls if there’s no branch prediction/speculative execution</a:t>
             </a:r>
             <a:endParaRPr lang="en-GB" dirty="0"/>
           </a:p>
@@ -1255,7 +1214,7 @@
           <a:p>
             <a:fld id="{09586968-7D7C-644F-B08A-4E148D7B3FC9}" type="slidenum">
               <a:rPr lang="en-GB" smtClean="0"/>
-              <a:t>78</a:t>
+              <a:t>69</a:t>
             </a:fld>
             <a:endParaRPr lang="en-GB"/>
           </a:p>
@@ -1264,7 +1223,7 @@
     </p:spTree>
     <p:extLst>
       <p:ext uri="{BB962C8B-B14F-4D97-AF65-F5344CB8AC3E}">
-        <p14:creationId xmlns:p14="http://schemas.microsoft.com/office/powerpoint/2010/main" val="399853659"/>
+        <p14:creationId xmlns:p14="http://schemas.microsoft.com/office/powerpoint/2010/main" val="1154213089"/>
       </p:ext>
     </p:extLst>
   </p:cSld>
@@ -1318,11 +1277,77 @@
           <a:bodyPr/>
           <a:lstStyle/>
           <a:p>
-            <a:r>
-              <a:rPr lang="en-GB" dirty="0" smtClean="0"/>
-              <a:t>Declaring the sample inside the OpenCL program may be faster – compiler can optimize</a:t>
-            </a:r>
-            <a:endParaRPr lang="en-GB" dirty="0"/>
+            <a:pPr marL="0" marR="0" indent="0" algn="l" defTabSz="457200" rtl="0" eaLnBrk="1" fontAlgn="auto" latinLnBrk="0" hangingPunct="1">
+              <a:lnSpc>
+                <a:spcPct val="100000"/>
+              </a:lnSpc>
+              <a:spcBef>
+                <a:spcPts val="0"/>
+              </a:spcBef>
+              <a:spcAft>
+                <a:spcPts val="0"/>
+              </a:spcAft>
+              <a:buClrTx/>
+              <a:buSzTx/>
+              <a:buFontTx/>
+              <a:buNone/>
+              <a:tabLst/>
+              <a:defRPr/>
+            </a:pPr>
+            <a:r>
+              <a:rPr lang="en-US" dirty="0" smtClean="0"/>
+              <a:t>Mask 0 if a &lt;= b </a:t>
+            </a:r>
+          </a:p>
+          <a:p>
+            <a:endParaRPr lang="en-US" dirty="0" smtClean="0"/>
+          </a:p>
+          <a:p>
+            <a:r>
+              <a:rPr lang="en-US" dirty="0" smtClean="0"/>
+              <a:t>Single</a:t>
+            </a:r>
+            <a:r>
+              <a:rPr lang="en-US" baseline="0" dirty="0" smtClean="0"/>
+              <a:t>-cycle multiply-add means we get the extra multiplication by the mask for free</a:t>
+            </a:r>
+          </a:p>
+          <a:p>
+            <a:r>
+              <a:rPr lang="en-US" baseline="0" dirty="0" smtClean="0"/>
+              <a:t>No branches means there won’t be any pipeline stalls</a:t>
+            </a:r>
+          </a:p>
+          <a:p>
+            <a:r>
+              <a:rPr lang="en-US" baseline="0" dirty="0" smtClean="0"/>
+              <a:t>Subtle point: more instruction level parallelism in second example: the </a:t>
+            </a:r>
+            <a:r>
+              <a:rPr lang="en-US" baseline="0" dirty="0" err="1" smtClean="0"/>
+              <a:t>mul</a:t>
+            </a:r>
+            <a:r>
+              <a:rPr lang="en-US" baseline="0" dirty="0" smtClean="0"/>
+              <a:t> and sub can be issued independently from the </a:t>
+            </a:r>
+            <a:r>
+              <a:rPr lang="en-US" baseline="0" dirty="0" err="1" smtClean="0"/>
+              <a:t>setp</a:t>
+            </a:r>
+            <a:r>
+              <a:rPr lang="en-US" baseline="0" dirty="0" smtClean="0"/>
+              <a:t> and </a:t>
+            </a:r>
+            <a:r>
+              <a:rPr lang="en-US" baseline="0" dirty="0" err="1" smtClean="0"/>
+              <a:t>selp</a:t>
+            </a:r>
+            <a:r>
+              <a:rPr lang="en-US" baseline="0" dirty="0" smtClean="0"/>
+              <a:t> on dual-issue architectures</a:t>
+            </a:r>
+            <a:endParaRPr lang="en-US" dirty="0"/>
           </a:p>
         </p:txBody>
       </p:sp>
@@ -1343,7 +1368,7 @@
           <a:p>
             <a:fld id="{09586968-7D7C-644F-B08A-4E148D7B3FC9}" type="slidenum">
               <a:rPr lang="en-GB" smtClean="0"/>
-              <a:t>79</a:t>
+              <a:t>70</a:t>
             </a:fld>
             <a:endParaRPr lang="en-GB"/>
           </a:p>
@@ -1352,7 +1377,281 @@
     </p:spTree>
     <p:extLst>
       <p:ext uri="{BB962C8B-B14F-4D97-AF65-F5344CB8AC3E}">
-        <p14:creationId xmlns:p14="http://schemas.microsoft.com/office/powerpoint/2010/main" val="400922365"/>
+        <p14:creationId xmlns:p14="http://schemas.microsoft.com/office/powerpoint/2010/main" val="4019362909"/>
+      </p:ext>
+    </p:extLst>
+  </p:cSld>
+  <p:clrMapOvr>
+    <a:masterClrMapping/>
+  </p:clrMapOvr>
+</p:notes>
+</file>
+
+<file path=ppt/notesSlides/notesSlide17.xml><?xml version="1.0" encoding="utf-8"?>
+<p:notes xmlns:a="http://schemas.openxmlformats.org/drawingml/2006/main" xmlns:r="http://schemas.openxmlformats.org/officeDocument/2006/relationships" xmlns:p="http://schemas.openxmlformats.org/presentationml/2006/main">
+  <p:cSld>
+    <p:spTree>
+      <p:nvGrpSpPr>
+        <p:cNvPr id="1" name=""/>
+        <p:cNvGrpSpPr/>
+        <p:nvPr/>
+      </p:nvGrpSpPr>
+      <p:grpSpPr>
+        <a:xfrm>
+          <a:off x="0" y="0"/>
+          <a:ext cx="0" cy="0"/>
+          <a:chOff x="0" y="0"/>
+          <a:chExt cx="0" cy="0"/>
+        </a:xfrm>
+      </p:grpSpPr>
+      <p:sp>
+        <p:nvSpPr>
+          <p:cNvPr id="2" name="Slide Image Placeholder 1"/>
+          <p:cNvSpPr>
+            <a:spLocks noGrp="1" noRot="1" noChangeAspect="1"/>
+          </p:cNvSpPr>
+          <p:nvPr>
+            <p:ph type="sldImg"/>
+          </p:nvPr>
+        </p:nvSpPr>
+        <p:spPr/>
+      </p:sp>
+      <p:sp>
+        <p:nvSpPr>
+          <p:cNvPr id="3" name="Notes Placeholder 2"/>
+          <p:cNvSpPr>
+            <a:spLocks noGrp="1"/>
+          </p:cNvSpPr>
+          <p:nvPr>
+            <p:ph type="body" idx="1"/>
+          </p:nvPr>
+        </p:nvSpPr>
+        <p:spPr/>
+        <p:txBody>
+          <a:bodyPr/>
+          <a:lstStyle/>
+          <a:p>
+            <a:r>
+              <a:rPr lang="en-GB" dirty="0" smtClean="0"/>
+              <a:t>***no precision guarantees at all*** for native functions – need</a:t>
+            </a:r>
+            <a:r>
+              <a:rPr lang="en-GB" baseline="0" dirty="0" smtClean="0"/>
+              <a:t> to be careful</a:t>
+            </a:r>
+            <a:endParaRPr lang="en-GB" dirty="0"/>
+          </a:p>
+        </p:txBody>
+      </p:sp>
+      <p:sp>
+        <p:nvSpPr>
+          <p:cNvPr id="4" name="Slide Number Placeholder 3"/>
+          <p:cNvSpPr>
+            <a:spLocks noGrp="1"/>
+          </p:cNvSpPr>
+          <p:nvPr>
+            <p:ph type="sldNum" sz="quarter" idx="10"/>
+          </p:nvPr>
+        </p:nvSpPr>
+        <p:spPr/>
+        <p:txBody>
+          <a:bodyPr/>
+          <a:lstStyle/>
+          <a:p>
+            <a:fld id="{09586968-7D7C-644F-B08A-4E148D7B3FC9}" type="slidenum">
+              <a:rPr lang="en-GB" smtClean="0"/>
+              <a:t>71</a:t>
+            </a:fld>
+            <a:endParaRPr lang="en-GB"/>
+          </a:p>
+        </p:txBody>
+      </p:sp>
+    </p:spTree>
+    <p:extLst>
+      <p:ext uri="{BB962C8B-B14F-4D97-AF65-F5344CB8AC3E}">
+        <p14:creationId xmlns:p14="http://schemas.microsoft.com/office/powerpoint/2010/main" val="1610227844"/>
+      </p:ext>
+    </p:extLst>
+  </p:cSld>
+  <p:clrMapOvr>
+    <a:masterClrMapping/>
+  </p:clrMapOvr>
+</p:notes>
+</file>
+
+<file path=ppt/notesSlides/notesSlide18.xml><?xml version="1.0" encoding="utf-8"?>
+<p:notes xmlns:a="http://schemas.openxmlformats.org/drawingml/2006/main" xmlns:r="http://schemas.openxmlformats.org/officeDocument/2006/relationships" xmlns:p="http://schemas.openxmlformats.org/presentationml/2006/main">
+  <p:cSld>
+    <p:spTree>
+      <p:nvGrpSpPr>
+        <p:cNvPr id="1" name=""/>
+        <p:cNvGrpSpPr/>
+        <p:nvPr/>
+      </p:nvGrpSpPr>
+      <p:grpSpPr>
+        <a:xfrm>
+          <a:off x="0" y="0"/>
+          <a:ext cx="0" cy="0"/>
+          <a:chOff x="0" y="0"/>
+          <a:chExt cx="0" cy="0"/>
+        </a:xfrm>
+      </p:grpSpPr>
+      <p:sp>
+        <p:nvSpPr>
+          <p:cNvPr id="2" name="Slide Image Placeholder 1"/>
+          <p:cNvSpPr>
+            <a:spLocks noGrp="1" noRot="1" noChangeAspect="1"/>
+          </p:cNvSpPr>
+          <p:nvPr>
+            <p:ph type="sldImg"/>
+          </p:nvPr>
+        </p:nvSpPr>
+        <p:spPr/>
+      </p:sp>
+      <p:sp>
+        <p:nvSpPr>
+          <p:cNvPr id="3" name="Notes Placeholder 2"/>
+          <p:cNvSpPr>
+            <a:spLocks noGrp="1"/>
+          </p:cNvSpPr>
+          <p:nvPr>
+            <p:ph type="body" idx="1"/>
+          </p:nvPr>
+        </p:nvSpPr>
+        <p:spPr/>
+        <p:txBody>
+          <a:bodyPr/>
+          <a:lstStyle/>
+          <a:p>
+            <a:endParaRPr lang="en-GB" dirty="0"/>
+          </a:p>
+        </p:txBody>
+      </p:sp>
+      <p:sp>
+        <p:nvSpPr>
+          <p:cNvPr id="4" name="Slide Number Placeholder 3"/>
+          <p:cNvSpPr>
+            <a:spLocks noGrp="1"/>
+          </p:cNvSpPr>
+          <p:nvPr>
+            <p:ph type="sldNum" sz="quarter" idx="10"/>
+          </p:nvPr>
+        </p:nvSpPr>
+        <p:spPr/>
+        <p:txBody>
+          <a:bodyPr/>
+          <a:lstStyle/>
+          <a:p>
+            <a:fld id="{09586968-7D7C-644F-B08A-4E148D7B3FC9}" type="slidenum">
+              <a:rPr lang="en-GB" smtClean="0"/>
+              <a:t>72</a:t>
+            </a:fld>
+            <a:endParaRPr lang="en-GB"/>
+          </a:p>
+        </p:txBody>
+      </p:sp>
+    </p:spTree>
+    <p:extLst>
+      <p:ext uri="{BB962C8B-B14F-4D97-AF65-F5344CB8AC3E}">
+        <p14:creationId xmlns:p14="http://schemas.microsoft.com/office/powerpoint/2010/main" val="1133319794"/>
+      </p:ext>
+    </p:extLst>
+  </p:cSld>
+  <p:clrMapOvr>
+    <a:masterClrMapping/>
+  </p:clrMapOvr>
+</p:notes>
+</file>
+
+<file path=ppt/notesSlides/notesSlide19.xml><?xml version="1.0" encoding="utf-8"?>
+<p:notes xmlns:a="http://schemas.openxmlformats.org/drawingml/2006/main" xmlns:r="http://schemas.openxmlformats.org/officeDocument/2006/relationships" xmlns:p="http://schemas.openxmlformats.org/presentationml/2006/main">
+  <p:cSld>
+    <p:spTree>
+      <p:nvGrpSpPr>
+        <p:cNvPr id="1" name=""/>
+        <p:cNvGrpSpPr/>
+        <p:nvPr/>
+      </p:nvGrpSpPr>
+      <p:grpSpPr>
+        <a:xfrm>
+          <a:off x="0" y="0"/>
+          <a:ext cx="0" cy="0"/>
+          <a:chOff x="0" y="0"/>
+          <a:chExt cx="0" cy="0"/>
+        </a:xfrm>
+      </p:grpSpPr>
+      <p:sp>
+        <p:nvSpPr>
+          <p:cNvPr id="2" name="Slide Image Placeholder 1"/>
+          <p:cNvSpPr>
+            <a:spLocks noGrp="1" noRot="1" noChangeAspect="1"/>
+          </p:cNvSpPr>
+          <p:nvPr>
+            <p:ph type="sldImg"/>
+          </p:nvPr>
+        </p:nvSpPr>
+        <p:spPr/>
+      </p:sp>
+      <p:sp>
+        <p:nvSpPr>
+          <p:cNvPr id="3" name="Notes Placeholder 2"/>
+          <p:cNvSpPr>
+            <a:spLocks noGrp="1"/>
+          </p:cNvSpPr>
+          <p:nvPr>
+            <p:ph type="body" idx="1"/>
+          </p:nvPr>
+        </p:nvSpPr>
+        <p:spPr/>
+        <p:txBody>
+          <a:bodyPr/>
+          <a:lstStyle/>
+          <a:p>
+            <a:r>
+              <a:rPr lang="en-GB" dirty="0" smtClean="0"/>
+              <a:t>Intel Xeon Phi is only platform we’ve come across that doesn’t support images</a:t>
+            </a:r>
+          </a:p>
+          <a:p>
+            <a:r>
+              <a:rPr lang="en-GB" dirty="0" smtClean="0"/>
+              <a:t>As well as being faster on many devices, also more convenient</a:t>
+            </a:r>
+            <a:r>
+              <a:rPr lang="en-GB" baseline="0" dirty="0" smtClean="0"/>
+              <a:t> (bounds checking, normalization, interpolation)</a:t>
+            </a:r>
+            <a:endParaRPr lang="en-GB" dirty="0"/>
+          </a:p>
+        </p:txBody>
+      </p:sp>
+      <p:sp>
+        <p:nvSpPr>
+          <p:cNvPr id="4" name="Slide Number Placeholder 3"/>
+          <p:cNvSpPr>
+            <a:spLocks noGrp="1"/>
+          </p:cNvSpPr>
+          <p:nvPr>
+            <p:ph type="sldNum" sz="quarter" idx="10"/>
+          </p:nvPr>
+        </p:nvSpPr>
+        <p:spPr/>
+        <p:txBody>
+          <a:bodyPr/>
+          <a:lstStyle/>
+          <a:p>
+            <a:fld id="{09586968-7D7C-644F-B08A-4E148D7B3FC9}" type="slidenum">
+              <a:rPr lang="en-GB" smtClean="0"/>
+              <a:t>74</a:t>
+            </a:fld>
+            <a:endParaRPr lang="en-GB"/>
+          </a:p>
+        </p:txBody>
+      </p:sp>
+    </p:spTree>
+    <p:extLst>
+      <p:ext uri="{BB962C8B-B14F-4D97-AF65-F5344CB8AC3E}">
+        <p14:creationId xmlns:p14="http://schemas.microsoft.com/office/powerpoint/2010/main" val="1455476205"/>
       </p:ext>
     </p:extLst>
   </p:cSld>
@@ -1442,6 +1741,437 @@
     <p:extLst>
       <p:ext uri="{BB962C8B-B14F-4D97-AF65-F5344CB8AC3E}">
         <p14:creationId xmlns:p14="http://schemas.microsoft.com/office/powerpoint/2010/main" val="2474384275"/>
+      </p:ext>
+    </p:extLst>
+  </p:cSld>
+  <p:clrMapOvr>
+    <a:masterClrMapping/>
+  </p:clrMapOvr>
+</p:notes>
+</file>
+
+<file path=ppt/notesSlides/notesSlide20.xml><?xml version="1.0" encoding="utf-8"?>
+<p:notes xmlns:a="http://schemas.openxmlformats.org/drawingml/2006/main" xmlns:r="http://schemas.openxmlformats.org/officeDocument/2006/relationships" xmlns:p="http://schemas.openxmlformats.org/presentationml/2006/main">
+  <p:cSld>
+    <p:spTree>
+      <p:nvGrpSpPr>
+        <p:cNvPr id="1" name=""/>
+        <p:cNvGrpSpPr/>
+        <p:nvPr/>
+      </p:nvGrpSpPr>
+      <p:grpSpPr>
+        <a:xfrm>
+          <a:off x="0" y="0"/>
+          <a:ext cx="0" cy="0"/>
+          <a:chOff x="0" y="0"/>
+          <a:chExt cx="0" cy="0"/>
+        </a:xfrm>
+      </p:grpSpPr>
+      <p:sp>
+        <p:nvSpPr>
+          <p:cNvPr id="2" name="Slide Image Placeholder 1"/>
+          <p:cNvSpPr>
+            <a:spLocks noGrp="1" noRot="1" noChangeAspect="1"/>
+          </p:cNvSpPr>
+          <p:nvPr>
+            <p:ph type="sldImg"/>
+          </p:nvPr>
+        </p:nvSpPr>
+        <p:spPr/>
+      </p:sp>
+      <p:sp>
+        <p:nvSpPr>
+          <p:cNvPr id="3" name="Notes Placeholder 2"/>
+          <p:cNvSpPr>
+            <a:spLocks noGrp="1"/>
+          </p:cNvSpPr>
+          <p:nvPr>
+            <p:ph type="body" idx="1"/>
+          </p:nvPr>
+        </p:nvSpPr>
+        <p:spPr/>
+        <p:txBody>
+          <a:bodyPr/>
+          <a:lstStyle/>
+          <a:p>
+            <a:r>
+              <a:rPr lang="en-GB" dirty="0" smtClean="0"/>
+              <a:t>OpenCL</a:t>
+            </a:r>
+            <a:r>
+              <a:rPr lang="en-GB" baseline="0" dirty="0" smtClean="0"/>
+              <a:t> 1.2 introduced 1D images as well</a:t>
+            </a:r>
+            <a:endParaRPr lang="en-GB" dirty="0"/>
+          </a:p>
+        </p:txBody>
+      </p:sp>
+      <p:sp>
+        <p:nvSpPr>
+          <p:cNvPr id="4" name="Slide Number Placeholder 3"/>
+          <p:cNvSpPr>
+            <a:spLocks noGrp="1"/>
+          </p:cNvSpPr>
+          <p:nvPr>
+            <p:ph type="sldNum" sz="quarter" idx="10"/>
+          </p:nvPr>
+        </p:nvSpPr>
+        <p:spPr/>
+        <p:txBody>
+          <a:bodyPr/>
+          <a:lstStyle/>
+          <a:p>
+            <a:fld id="{09586968-7D7C-644F-B08A-4E148D7B3FC9}" type="slidenum">
+              <a:rPr lang="en-GB" smtClean="0"/>
+              <a:t>75</a:t>
+            </a:fld>
+            <a:endParaRPr lang="en-GB"/>
+          </a:p>
+        </p:txBody>
+      </p:sp>
+    </p:spTree>
+    <p:extLst>
+      <p:ext uri="{BB962C8B-B14F-4D97-AF65-F5344CB8AC3E}">
+        <p14:creationId xmlns:p14="http://schemas.microsoft.com/office/powerpoint/2010/main" val="1548980618"/>
+      </p:ext>
+    </p:extLst>
+  </p:cSld>
+  <p:clrMapOvr>
+    <a:masterClrMapping/>
+  </p:clrMapOvr>
+</p:notes>
+</file>
+
+<file path=ppt/notesSlides/notesSlide21.xml><?xml version="1.0" encoding="utf-8"?>
+<p:notes xmlns:a="http://schemas.openxmlformats.org/drawingml/2006/main" xmlns:r="http://schemas.openxmlformats.org/officeDocument/2006/relationships" xmlns:p="http://schemas.openxmlformats.org/presentationml/2006/main">
+  <p:cSld>
+    <p:spTree>
+      <p:nvGrpSpPr>
+        <p:cNvPr id="1" name=""/>
+        <p:cNvGrpSpPr/>
+        <p:nvPr/>
+      </p:nvGrpSpPr>
+      <p:grpSpPr>
+        <a:xfrm>
+          <a:off x="0" y="0"/>
+          <a:ext cx="0" cy="0"/>
+          <a:chOff x="0" y="0"/>
+          <a:chExt cx="0" cy="0"/>
+        </a:xfrm>
+      </p:grpSpPr>
+      <p:sp>
+        <p:nvSpPr>
+          <p:cNvPr id="2" name="Slide Image Placeholder 1"/>
+          <p:cNvSpPr>
+            <a:spLocks noGrp="1" noRot="1" noChangeAspect="1"/>
+          </p:cNvSpPr>
+          <p:nvPr>
+            <p:ph type="sldImg"/>
+          </p:nvPr>
+        </p:nvSpPr>
+        <p:spPr/>
+      </p:sp>
+      <p:sp>
+        <p:nvSpPr>
+          <p:cNvPr id="3" name="Notes Placeholder 2"/>
+          <p:cNvSpPr>
+            <a:spLocks noGrp="1"/>
+          </p:cNvSpPr>
+          <p:nvPr>
+            <p:ph type="body" idx="1"/>
+          </p:nvPr>
+        </p:nvSpPr>
+        <p:spPr/>
+        <p:txBody>
+          <a:bodyPr/>
+          <a:lstStyle/>
+          <a:p>
+            <a:r>
+              <a:rPr lang="en-GB" dirty="0" smtClean="0"/>
+              <a:t>Not all combinations of</a:t>
+            </a:r>
+            <a:r>
+              <a:rPr lang="en-GB" baseline="0" dirty="0" smtClean="0"/>
+              <a:t> data-type/channel order are valid (see table in spec)</a:t>
+            </a:r>
+          </a:p>
+          <a:p>
+            <a:r>
+              <a:rPr lang="en-GB" baseline="0" dirty="0" smtClean="0"/>
+              <a:t>Min requirement is for CL_RGBA with the UNORM, SIGNED, UNSIGNED and *_FLOAT types, and CL_BGRA with CL_UNORM_INT8</a:t>
+            </a:r>
+          </a:p>
+          <a:p>
+            <a:r>
+              <a:rPr lang="en-GB" baseline="0" dirty="0" smtClean="0"/>
+              <a:t>CL_*x variants affect border </a:t>
+            </a:r>
+            <a:r>
+              <a:rPr lang="en-GB" baseline="0" dirty="0" err="1" smtClean="0"/>
+              <a:t>color</a:t>
+            </a:r>
+            <a:r>
+              <a:rPr lang="en-GB" baseline="0" dirty="0" smtClean="0"/>
+              <a:t> when clamping out-of-range </a:t>
+            </a:r>
+            <a:r>
+              <a:rPr lang="en-GB" baseline="0" dirty="0" err="1" smtClean="0"/>
+              <a:t>coords</a:t>
+            </a:r>
+            <a:r>
+              <a:rPr lang="en-GB" baseline="0" dirty="0" smtClean="0"/>
+              <a:t> – x means alpha is 0, otherwise 1</a:t>
+            </a:r>
+          </a:p>
+          <a:p>
+            <a:r>
+              <a:rPr lang="en-GB" baseline="0" dirty="0" smtClean="0"/>
+              <a:t>INTENSITY </a:t>
+            </a:r>
+            <a:r>
+              <a:rPr lang="en-GB" baseline="0" dirty="0" err="1" smtClean="0"/>
+              <a:t>vs</a:t>
+            </a:r>
+            <a:r>
+              <a:rPr lang="en-GB" baseline="0" dirty="0" smtClean="0"/>
+              <a:t> LUMINANCE – also affects border </a:t>
+            </a:r>
+            <a:r>
+              <a:rPr lang="en-GB" baseline="0" dirty="0" err="1" smtClean="0"/>
+              <a:t>color</a:t>
+            </a:r>
+            <a:r>
+              <a:rPr lang="en-GB" baseline="0" dirty="0" smtClean="0"/>
+              <a:t> (INTENSITY means alpha is 0, otherwise 1)</a:t>
+            </a:r>
+          </a:p>
+          <a:p>
+            <a:endParaRPr lang="en-GB" dirty="0"/>
+          </a:p>
+        </p:txBody>
+      </p:sp>
+      <p:sp>
+        <p:nvSpPr>
+          <p:cNvPr id="4" name="Slide Number Placeholder 3"/>
+          <p:cNvSpPr>
+            <a:spLocks noGrp="1"/>
+          </p:cNvSpPr>
+          <p:nvPr>
+            <p:ph type="sldNum" sz="quarter" idx="10"/>
+          </p:nvPr>
+        </p:nvSpPr>
+        <p:spPr/>
+        <p:txBody>
+          <a:bodyPr/>
+          <a:lstStyle/>
+          <a:p>
+            <a:fld id="{09586968-7D7C-644F-B08A-4E148D7B3FC9}" type="slidenum">
+              <a:rPr lang="en-GB" smtClean="0"/>
+              <a:t>77</a:t>
+            </a:fld>
+            <a:endParaRPr lang="en-GB"/>
+          </a:p>
+        </p:txBody>
+      </p:sp>
+    </p:spTree>
+    <p:extLst>
+      <p:ext uri="{BB962C8B-B14F-4D97-AF65-F5344CB8AC3E}">
+        <p14:creationId xmlns:p14="http://schemas.microsoft.com/office/powerpoint/2010/main" val="1497800764"/>
+      </p:ext>
+    </p:extLst>
+  </p:cSld>
+  <p:clrMapOvr>
+    <a:masterClrMapping/>
+  </p:clrMapOvr>
+</p:notes>
+</file>
+
+<file path=ppt/notesSlides/notesSlide22.xml><?xml version="1.0" encoding="utf-8"?>
+<p:notes xmlns:a="http://schemas.openxmlformats.org/drawingml/2006/main" xmlns:r="http://schemas.openxmlformats.org/officeDocument/2006/relationships" xmlns:p="http://schemas.openxmlformats.org/presentationml/2006/main">
+  <p:cSld>
+    <p:spTree>
+      <p:nvGrpSpPr>
+        <p:cNvPr id="1" name=""/>
+        <p:cNvGrpSpPr/>
+        <p:nvPr/>
+      </p:nvGrpSpPr>
+      <p:grpSpPr>
+        <a:xfrm>
+          <a:off x="0" y="0"/>
+          <a:ext cx="0" cy="0"/>
+          <a:chOff x="0" y="0"/>
+          <a:chExt cx="0" cy="0"/>
+        </a:xfrm>
+      </p:grpSpPr>
+      <p:sp>
+        <p:nvSpPr>
+          <p:cNvPr id="2" name="Slide Image Placeholder 1"/>
+          <p:cNvSpPr>
+            <a:spLocks noGrp="1" noRot="1" noChangeAspect="1"/>
+          </p:cNvSpPr>
+          <p:nvPr>
+            <p:ph type="sldImg"/>
+          </p:nvPr>
+        </p:nvSpPr>
+        <p:spPr/>
+      </p:sp>
+      <p:sp>
+        <p:nvSpPr>
+          <p:cNvPr id="3" name="Notes Placeholder 2"/>
+          <p:cNvSpPr>
+            <a:spLocks noGrp="1"/>
+          </p:cNvSpPr>
+          <p:nvPr>
+            <p:ph type="body" idx="1"/>
+          </p:nvPr>
+        </p:nvSpPr>
+        <p:spPr/>
+        <p:txBody>
+          <a:bodyPr/>
+          <a:lstStyle/>
+          <a:p>
+            <a:r>
+              <a:rPr lang="en-GB" dirty="0" smtClean="0"/>
+              <a:t>OpenCL 2.0 introduced </a:t>
+            </a:r>
+            <a:r>
+              <a:rPr lang="en-GB" b="1" dirty="0" err="1" smtClean="0">
+                <a:latin typeface="Courier New"/>
+                <a:cs typeface="Courier New"/>
+              </a:rPr>
+              <a:t>read_write</a:t>
+            </a:r>
+            <a:r>
+              <a:rPr lang="en-GB" dirty="0" smtClean="0"/>
+              <a:t> attribute for images</a:t>
+            </a:r>
+            <a:endParaRPr lang="en-GB" dirty="0"/>
+          </a:p>
+        </p:txBody>
+      </p:sp>
+      <p:sp>
+        <p:nvSpPr>
+          <p:cNvPr id="4" name="Slide Number Placeholder 3"/>
+          <p:cNvSpPr>
+            <a:spLocks noGrp="1"/>
+          </p:cNvSpPr>
+          <p:nvPr>
+            <p:ph type="sldNum" sz="quarter" idx="10"/>
+          </p:nvPr>
+        </p:nvSpPr>
+        <p:spPr/>
+        <p:txBody>
+          <a:bodyPr/>
+          <a:lstStyle/>
+          <a:p>
+            <a:fld id="{09586968-7D7C-644F-B08A-4E148D7B3FC9}" type="slidenum">
+              <a:rPr lang="en-GB" smtClean="0"/>
+              <a:t>78</a:t>
+            </a:fld>
+            <a:endParaRPr lang="en-GB"/>
+          </a:p>
+        </p:txBody>
+      </p:sp>
+    </p:spTree>
+    <p:extLst>
+      <p:ext uri="{BB962C8B-B14F-4D97-AF65-F5344CB8AC3E}">
+        <p14:creationId xmlns:p14="http://schemas.microsoft.com/office/powerpoint/2010/main" val="399853659"/>
+      </p:ext>
+    </p:extLst>
+  </p:cSld>
+  <p:clrMapOvr>
+    <a:masterClrMapping/>
+  </p:clrMapOvr>
+</p:notes>
+</file>
+
+<file path=ppt/notesSlides/notesSlide23.xml><?xml version="1.0" encoding="utf-8"?>
+<p:notes xmlns:a="http://schemas.openxmlformats.org/drawingml/2006/main" xmlns:r="http://schemas.openxmlformats.org/officeDocument/2006/relationships" xmlns:p="http://schemas.openxmlformats.org/presentationml/2006/main">
+  <p:cSld>
+    <p:spTree>
+      <p:nvGrpSpPr>
+        <p:cNvPr id="1" name=""/>
+        <p:cNvGrpSpPr/>
+        <p:nvPr/>
+      </p:nvGrpSpPr>
+      <p:grpSpPr>
+        <a:xfrm>
+          <a:off x="0" y="0"/>
+          <a:ext cx="0" cy="0"/>
+          <a:chOff x="0" y="0"/>
+          <a:chExt cx="0" cy="0"/>
+        </a:xfrm>
+      </p:grpSpPr>
+      <p:sp>
+        <p:nvSpPr>
+          <p:cNvPr id="2" name="Slide Image Placeholder 1"/>
+          <p:cNvSpPr>
+            <a:spLocks noGrp="1" noRot="1" noChangeAspect="1"/>
+          </p:cNvSpPr>
+          <p:nvPr>
+            <p:ph type="sldImg"/>
+          </p:nvPr>
+        </p:nvSpPr>
+        <p:spPr/>
+      </p:sp>
+      <p:sp>
+        <p:nvSpPr>
+          <p:cNvPr id="3" name="Notes Placeholder 2"/>
+          <p:cNvSpPr>
+            <a:spLocks noGrp="1"/>
+          </p:cNvSpPr>
+          <p:nvPr>
+            <p:ph type="body" idx="1"/>
+          </p:nvPr>
+        </p:nvSpPr>
+        <p:spPr/>
+        <p:txBody>
+          <a:bodyPr/>
+          <a:lstStyle/>
+          <a:p>
+            <a:r>
+              <a:rPr lang="en-GB" dirty="0" smtClean="0"/>
+              <a:t>Declaring the </a:t>
+            </a:r>
+            <a:r>
+              <a:rPr lang="en-GB" dirty="0" smtClean="0"/>
+              <a:t>sampler </a:t>
+            </a:r>
+            <a:r>
+              <a:rPr lang="en-GB" dirty="0" smtClean="0"/>
+              <a:t>inside the OpenCL program may be faster – compiler can optimize</a:t>
+            </a:r>
+            <a:endParaRPr lang="en-GB" dirty="0"/>
+          </a:p>
+        </p:txBody>
+      </p:sp>
+      <p:sp>
+        <p:nvSpPr>
+          <p:cNvPr id="4" name="Slide Number Placeholder 3"/>
+          <p:cNvSpPr>
+            <a:spLocks noGrp="1"/>
+          </p:cNvSpPr>
+          <p:nvPr>
+            <p:ph type="sldNum" sz="quarter" idx="10"/>
+          </p:nvPr>
+        </p:nvSpPr>
+        <p:spPr/>
+        <p:txBody>
+          <a:bodyPr/>
+          <a:lstStyle/>
+          <a:p>
+            <a:fld id="{09586968-7D7C-644F-B08A-4E148D7B3FC9}" type="slidenum">
+              <a:rPr lang="en-GB" smtClean="0"/>
+              <a:t>79</a:t>
+            </a:fld>
+            <a:endParaRPr lang="en-GB"/>
+          </a:p>
+        </p:txBody>
+      </p:sp>
+    </p:spTree>
+    <p:extLst>
+      <p:ext uri="{BB962C8B-B14F-4D97-AF65-F5344CB8AC3E}">
+        <p14:creationId xmlns:p14="http://schemas.microsoft.com/office/powerpoint/2010/main" val="400922365"/>
       </p:ext>
     </p:extLst>
   </p:cSld>
@@ -2125,16 +2855,18 @@
           <a:lstStyle/>
           <a:p>
             <a:r>
+              <a:rPr lang="en-GB" dirty="0" smtClean="0"/>
+              <a:t>Can query the maximum size of a constant memory allocation</a:t>
+            </a:r>
+            <a:r>
               <a:rPr lang="en-GB" baseline="0" dirty="0" smtClean="0"/>
-              <a:t>Work group sizes – maybe obvious. Mention </a:t>
-            </a:r>
-            <a:r>
-              <a:rPr lang="en-GB" baseline="0" dirty="0" err="1" smtClean="0"/>
-              <a:t>opencl</a:t>
-            </a:r>
+              <a:t> with CL_DEVICE_MAX_CONSTANT_BUFFER_SIZE</a:t>
+            </a:r>
+          </a:p>
+          <a:p>
             <a:r>
               <a:rPr lang="en-GB" baseline="0" dirty="0" smtClean="0"/>
-              <a:t> 2 padded work group sizes, which will allocate remainder box sizes.</a:t>
+              <a:t>Limited number of constant memory arguments per kernel – CL_DEVICE_MAX_CONSTANT_ARGS</a:t>
             </a:r>
             <a:endParaRPr lang="en-GB" dirty="0"/>
           </a:p>
@@ -2155,10 +2887,9 @@
           <a:bodyPr/>
           <a:lstStyle/>
           <a:p>
-            <a:fld id="{9B3F2D69-97A9-4C41-91BD-6A22F8270148}" type="slidenum">
+            <a:fld id="{09586968-7D7C-644F-B08A-4E148D7B3FC9}" type="slidenum">
               <a:rPr lang="en-GB" smtClean="0"/>
-              <a:pPr/>
-              <a:t>56</a:t>
+              <a:t>55</a:t>
             </a:fld>
             <a:endParaRPr lang="en-GB"/>
           </a:p>
@@ -2167,7 +2898,7 @@
     </p:spTree>
     <p:extLst>
       <p:ext uri="{BB962C8B-B14F-4D97-AF65-F5344CB8AC3E}">
-        <p14:creationId xmlns:p14="http://schemas.microsoft.com/office/powerpoint/2010/main" val="459045051"/>
+        <p14:creationId xmlns:p14="http://schemas.microsoft.com/office/powerpoint/2010/main" val="793593648"/>
       </p:ext>
     </p:extLst>
   </p:cSld>
@@ -2223,24 +2954,15 @@
           <a:p>
             <a:r>
               <a:rPr lang="en-GB" baseline="0" dirty="0" smtClean="0"/>
-              <a:t>Results from our 2D lattice Boltzmann code, results from the ISC paper.</a:t>
-            </a:r>
-          </a:p>
-          <a:p>
-            <a:endParaRPr lang="en-GB" baseline="0" dirty="0" smtClean="0"/>
-          </a:p>
-          <a:p>
+              <a:t>Work group sizes – maybe obvious. Mention </a:t>
+            </a:r>
+            <a:r>
+              <a:rPr lang="en-GB" baseline="0" dirty="0" err="1" smtClean="0"/>
+              <a:t>opencl</a:t>
+            </a:r>
             <a:r>
               <a:rPr lang="en-GB" baseline="0" dirty="0" smtClean="0"/>
-              <a:t>Top left is AMD, top right is </a:t>
-            </a:r>
-            <a:r>
-              <a:rPr lang="en-GB" baseline="0" dirty="0" err="1" smtClean="0"/>
-              <a:t>Nvidia</a:t>
-            </a:r>
-            <a:r>
-              <a:rPr lang="en-GB" baseline="0" dirty="0" smtClean="0"/>
-              <a:t>, bottom is Intel CPU.</a:t>
+              <a:t> 2 padded work group sizes, which will allocate remainder box sizes.</a:t>
             </a:r>
             <a:endParaRPr lang="en-GB" dirty="0"/>
           </a:p>
@@ -2264,7 +2986,7 @@
             <a:fld id="{9B3F2D69-97A9-4C41-91BD-6A22F8270148}" type="slidenum">
               <a:rPr lang="en-GB" smtClean="0"/>
               <a:pPr/>
-              <a:t>57</a:t>
+              <a:t>56</a:t>
             </a:fld>
             <a:endParaRPr lang="en-GB"/>
           </a:p>
@@ -2273,7 +2995,7 @@
     </p:spTree>
     <p:extLst>
       <p:ext uri="{BB962C8B-B14F-4D97-AF65-F5344CB8AC3E}">
-        <p14:creationId xmlns:p14="http://schemas.microsoft.com/office/powerpoint/2010/main" val="1332754836"/>
+        <p14:creationId xmlns:p14="http://schemas.microsoft.com/office/powerpoint/2010/main" val="459045051"/>
       </p:ext>
     </p:extLst>
   </p:cSld>
@@ -2328,26 +3050,25 @@
           <a:lstStyle/>
           <a:p>
             <a:r>
-              <a:rPr lang="en-GB" dirty="0" smtClean="0"/>
-              <a:t>Barriers between code for better cache use </a:t>
-            </a:r>
-            <a:r>
-              <a:rPr lang="en-GB" dirty="0" err="1" smtClean="0"/>
-              <a:t>etc</a:t>
-            </a:r>
-            <a:endParaRPr lang="en-GB" dirty="0" smtClean="0"/>
-          </a:p>
-          <a:p>
-            <a:endParaRPr lang="en-GB" dirty="0" smtClean="0"/>
-          </a:p>
-          <a:p>
-            <a:r>
-              <a:rPr lang="en-GB" dirty="0" smtClean="0"/>
-              <a:t>Architecture dependent, may not always</a:t>
-            </a:r>
-            <a:r>
               <a:rPr lang="en-GB" baseline="0" dirty="0" smtClean="0"/>
-              <a:t> be useful</a:t>
+              <a:t>Results from our 2D lattice Boltzmann code, results from the ISC paper.</a:t>
+            </a:r>
+          </a:p>
+          <a:p>
+            <a:endParaRPr lang="en-GB" baseline="0" dirty="0" smtClean="0"/>
+          </a:p>
+          <a:p>
+            <a:r>
+              <a:rPr lang="en-GB" baseline="0" dirty="0" smtClean="0"/>
+              <a:t>Top left is AMD, top right is </a:t>
+            </a:r>
+            <a:r>
+              <a:rPr lang="en-GB" baseline="0" dirty="0" err="1" smtClean="0"/>
+              <a:t>Nvidia</a:t>
+            </a:r>
+            <a:r>
+              <a:rPr lang="en-GB" baseline="0" dirty="0" smtClean="0"/>
+              <a:t>, bottom is Intel CPU.</a:t>
             </a:r>
             <a:endParaRPr lang="en-GB" dirty="0"/>
           </a:p>
@@ -2371,7 +3092,7 @@
             <a:fld id="{9B3F2D69-97A9-4C41-91BD-6A22F8270148}" type="slidenum">
               <a:rPr lang="en-GB" smtClean="0"/>
               <a:pPr/>
-              <a:t>63</a:t>
+              <a:t>57</a:t>
             </a:fld>
             <a:endParaRPr lang="en-GB"/>
           </a:p>
@@ -2380,7 +3101,7 @@
     </p:spTree>
     <p:extLst>
       <p:ext uri="{BB962C8B-B14F-4D97-AF65-F5344CB8AC3E}">
-        <p14:creationId xmlns:p14="http://schemas.microsoft.com/office/powerpoint/2010/main" val="80389277"/>
+        <p14:creationId xmlns:p14="http://schemas.microsoft.com/office/powerpoint/2010/main" val="1332754836"/>
       </p:ext>
     </p:extLst>
   </p:cSld>
@@ -5652,11 +6373,11 @@
   <p:clrMapOvr>
     <a:masterClrMapping/>
   </p:clrMapOvr>
-  <mc:AlternateContent xmlns:mc="http://schemas.openxmlformats.org/markup-compatibility/2006">
-    <mc:Choice xmlns:p14="http://schemas.microsoft.com/office/powerpoint/2010/main" Requires="p14">
+  <mc:AlternateContent xmlns:mc="http://schemas.openxmlformats.org/markup-compatibility/2006" xmlns:p14="http://schemas.microsoft.com/office/powerpoint/2010/main">
+    <mc:Choice Requires="p14">
       <p:transition spd="slow" p14:dur="2000"/>
     </mc:Choice>
-    <mc:Fallback>
+    <mc:Fallback xmlns="">
       <p:transition xmlns:p14="http://schemas.microsoft.com/office/powerpoint/2010/main" spd="slow"/>
     </mc:Fallback>
   </mc:AlternateContent>
@@ -5953,11 +6674,11 @@
   <p:clrMapOvr>
     <a:masterClrMapping/>
   </p:clrMapOvr>
-  <mc:AlternateContent xmlns:mc="http://schemas.openxmlformats.org/markup-compatibility/2006">
-    <mc:Choice xmlns:p14="http://schemas.microsoft.com/office/powerpoint/2010/main" Requires="p14">
+  <mc:AlternateContent xmlns:mc="http://schemas.openxmlformats.org/markup-compatibility/2006" xmlns:p14="http://schemas.microsoft.com/office/powerpoint/2010/main">
+    <mc:Choice Requires="p14">
       <p:transition spd="slow" p14:dur="2000"/>
     </mc:Choice>
-    <mc:Fallback>
+    <mc:Fallback xmlns="">
       <p:transition xmlns:p14="http://schemas.microsoft.com/office/powerpoint/2010/main" spd="slow"/>
     </mc:Fallback>
   </mc:AlternateContent>
@@ -6079,11 +6800,11 @@
   <p:clrMapOvr>
     <a:masterClrMapping/>
   </p:clrMapOvr>
-  <mc:AlternateContent xmlns:mc="http://schemas.openxmlformats.org/markup-compatibility/2006">
-    <mc:Choice xmlns:p14="http://schemas.microsoft.com/office/powerpoint/2010/main" Requires="p14">
+  <mc:AlternateContent xmlns:mc="http://schemas.openxmlformats.org/markup-compatibility/2006" xmlns:p14="http://schemas.microsoft.com/office/powerpoint/2010/main">
+    <mc:Choice Requires="p14">
       <p:transition spd="slow" p14:dur="2000"/>
     </mc:Choice>
-    <mc:Fallback>
+    <mc:Fallback xmlns="">
       <p:transition xmlns:p14="http://schemas.microsoft.com/office/powerpoint/2010/main" spd="slow"/>
     </mc:Fallback>
   </mc:AlternateContent>
@@ -6238,11 +6959,11 @@
   <p:clrMapOvr>
     <a:masterClrMapping/>
   </p:clrMapOvr>
-  <mc:AlternateContent xmlns:mc="http://schemas.openxmlformats.org/markup-compatibility/2006">
-    <mc:Choice xmlns:p14="http://schemas.microsoft.com/office/powerpoint/2010/main" Requires="p14">
+  <mc:AlternateContent xmlns:mc="http://schemas.openxmlformats.org/markup-compatibility/2006" xmlns:p14="http://schemas.microsoft.com/office/powerpoint/2010/main">
+    <mc:Choice Requires="p14">
       <p:transition spd="slow" p14:dur="2000"/>
     </mc:Choice>
-    <mc:Fallback>
+    <mc:Fallback xmlns="">
       <p:transition xmlns:p14="http://schemas.microsoft.com/office/powerpoint/2010/main" spd="slow"/>
     </mc:Fallback>
   </mc:AlternateContent>
@@ -6350,11 +7071,11 @@
   <p:clrMapOvr>
     <a:masterClrMapping/>
   </p:clrMapOvr>
-  <mc:AlternateContent xmlns:mc="http://schemas.openxmlformats.org/markup-compatibility/2006">
-    <mc:Choice xmlns:p14="http://schemas.microsoft.com/office/powerpoint/2010/main" Requires="p14">
+  <mc:AlternateContent xmlns:mc="http://schemas.openxmlformats.org/markup-compatibility/2006" xmlns:p14="http://schemas.microsoft.com/office/powerpoint/2010/main">
+    <mc:Choice Requires="p14">
       <p:transition spd="slow" p14:dur="2000"/>
     </mc:Choice>
-    <mc:Fallback>
+    <mc:Fallback xmlns="">
       <p:transition xmlns:p14="http://schemas.microsoft.com/office/powerpoint/2010/main" spd="slow"/>
     </mc:Fallback>
   </mc:AlternateContent>
@@ -7113,11 +7834,11 @@
   <p:clrMapOvr>
     <a:masterClrMapping/>
   </p:clrMapOvr>
-  <mc:AlternateContent xmlns:mc="http://schemas.openxmlformats.org/markup-compatibility/2006">
-    <mc:Choice xmlns:p14="http://schemas.microsoft.com/office/powerpoint/2010/main" Requires="p14">
+  <mc:AlternateContent xmlns:mc="http://schemas.openxmlformats.org/markup-compatibility/2006" xmlns:p14="http://schemas.microsoft.com/office/powerpoint/2010/main">
+    <mc:Choice Requires="p14">
       <p:transition spd="slow" p14:dur="2000"/>
     </mc:Choice>
-    <mc:Fallback>
+    <mc:Fallback xmlns="">
       <p:transition xmlns:p14="http://schemas.microsoft.com/office/powerpoint/2010/main" spd="slow"/>
     </mc:Fallback>
   </mc:AlternateContent>
@@ -7395,11 +8116,11 @@
   <p:clrMapOvr>
     <a:masterClrMapping/>
   </p:clrMapOvr>
-  <mc:AlternateContent xmlns:mc="http://schemas.openxmlformats.org/markup-compatibility/2006">
-    <mc:Choice xmlns:p14="http://schemas.microsoft.com/office/powerpoint/2010/main" Requires="p14">
+  <mc:AlternateContent xmlns:mc="http://schemas.openxmlformats.org/markup-compatibility/2006" xmlns:p14="http://schemas.microsoft.com/office/powerpoint/2010/main">
+    <mc:Choice Requires="p14">
       <p:transition spd="slow" p14:dur="2000"/>
     </mc:Choice>
-    <mc:Fallback>
+    <mc:Fallback xmlns="">
       <p:transition xmlns:p14="http://schemas.microsoft.com/office/powerpoint/2010/main" spd="slow"/>
     </mc:Fallback>
   </mc:AlternateContent>
@@ -7547,11 +8268,11 @@
   <p:clrMapOvr>
     <a:masterClrMapping/>
   </p:clrMapOvr>
-  <mc:AlternateContent xmlns:mc="http://schemas.openxmlformats.org/markup-compatibility/2006">
-    <mc:Choice xmlns:p14="http://schemas.microsoft.com/office/powerpoint/2010/main" Requires="p14">
+  <mc:AlternateContent xmlns:mc="http://schemas.openxmlformats.org/markup-compatibility/2006" xmlns:p14="http://schemas.microsoft.com/office/powerpoint/2010/main">
+    <mc:Choice Requires="p14">
       <p:transition spd="slow" p14:dur="2000"/>
     </mc:Choice>
-    <mc:Fallback>
+    <mc:Fallback xmlns="">
       <p:transition xmlns:p14="http://schemas.microsoft.com/office/powerpoint/2010/main" spd="slow"/>
     </mc:Fallback>
   </mc:AlternateContent>
@@ -7705,11 +8426,11 @@
   <p:clrMapOvr>
     <a:masterClrMapping/>
   </p:clrMapOvr>
-  <mc:AlternateContent xmlns:mc="http://schemas.openxmlformats.org/markup-compatibility/2006">
-    <mc:Choice xmlns:p14="http://schemas.microsoft.com/office/powerpoint/2010/main" Requires="p14">
+  <mc:AlternateContent xmlns:mc="http://schemas.openxmlformats.org/markup-compatibility/2006" xmlns:p14="http://schemas.microsoft.com/office/powerpoint/2010/main">
+    <mc:Choice Requires="p14">
       <p:transition spd="slow" p14:dur="2000"/>
     </mc:Choice>
-    <mc:Fallback>
+    <mc:Fallback xmlns="">
       <p:transition xmlns:p14="http://schemas.microsoft.com/office/powerpoint/2010/main" spd="slow"/>
     </mc:Fallback>
   </mc:AlternateContent>
@@ -8255,11 +8976,11 @@
   <p:clrMapOvr>
     <a:masterClrMapping/>
   </p:clrMapOvr>
-  <mc:AlternateContent xmlns:mc="http://schemas.openxmlformats.org/markup-compatibility/2006">
-    <mc:Choice xmlns:p14="http://schemas.microsoft.com/office/powerpoint/2010/main" Requires="p14">
+  <mc:AlternateContent xmlns:mc="http://schemas.openxmlformats.org/markup-compatibility/2006" xmlns:p14="http://schemas.microsoft.com/office/powerpoint/2010/main">
+    <mc:Choice Requires="p14">
       <p:transition spd="slow" p14:dur="2000"/>
     </mc:Choice>
-    <mc:Fallback>
+    <mc:Fallback xmlns="">
       <p:transition xmlns:p14="http://schemas.microsoft.com/office/powerpoint/2010/main" spd="slow"/>
     </mc:Fallback>
   </mc:AlternateContent>
@@ -8759,11 +9480,11 @@
   <p:clrMapOvr>
     <a:masterClrMapping/>
   </p:clrMapOvr>
-  <mc:AlternateContent xmlns:mc="http://schemas.openxmlformats.org/markup-compatibility/2006">
-    <mc:Choice xmlns:p14="http://schemas.microsoft.com/office/powerpoint/2010/main" Requires="p14">
+  <mc:AlternateContent xmlns:mc="http://schemas.openxmlformats.org/markup-compatibility/2006" xmlns:p14="http://schemas.microsoft.com/office/powerpoint/2010/main">
+    <mc:Choice Requires="p14">
       <p:transition spd="slow" p14:dur="2000"/>
     </mc:Choice>
-    <mc:Fallback>
+    <mc:Fallback xmlns="">
       <p:transition xmlns:p14="http://schemas.microsoft.com/office/powerpoint/2010/main" spd="slow"/>
     </mc:Fallback>
   </mc:AlternateContent>
@@ -8971,11 +9692,11 @@
   <p:clrMapOvr>
     <a:masterClrMapping/>
   </p:clrMapOvr>
-  <mc:AlternateContent xmlns:mc="http://schemas.openxmlformats.org/markup-compatibility/2006">
-    <mc:Choice xmlns:p14="http://schemas.microsoft.com/office/powerpoint/2010/main" Requires="p14">
+  <mc:AlternateContent xmlns:mc="http://schemas.openxmlformats.org/markup-compatibility/2006" xmlns:p14="http://schemas.microsoft.com/office/powerpoint/2010/main">
+    <mc:Choice Requires="p14">
       <p:transition spd="slow" p14:dur="2000"/>
     </mc:Choice>
-    <mc:Fallback>
+    <mc:Fallback xmlns="">
       <p:transition xmlns:p14="http://schemas.microsoft.com/office/powerpoint/2010/main" spd="slow"/>
     </mc:Fallback>
   </mc:AlternateContent>
@@ -9186,11 +9907,11 @@
   <p:clrMapOvr>
     <a:masterClrMapping/>
   </p:clrMapOvr>
-  <mc:AlternateContent xmlns:mc="http://schemas.openxmlformats.org/markup-compatibility/2006">
-    <mc:Choice xmlns:p14="http://schemas.microsoft.com/office/powerpoint/2010/main" Requires="p14">
+  <mc:AlternateContent xmlns:mc="http://schemas.openxmlformats.org/markup-compatibility/2006" xmlns:p14="http://schemas.microsoft.com/office/powerpoint/2010/main">
+    <mc:Choice Requires="p14">
       <p:transition spd="slow" p14:dur="2000"/>
     </mc:Choice>
-    <mc:Fallback>
+    <mc:Fallback xmlns="">
       <p:transition xmlns:p14="http://schemas.microsoft.com/office/powerpoint/2010/main" spd="slow"/>
     </mc:Fallback>
   </mc:AlternateContent>
@@ -9332,11 +10053,11 @@
   <p:clrMapOvr>
     <a:masterClrMapping/>
   </p:clrMapOvr>
-  <mc:AlternateContent xmlns:mc="http://schemas.openxmlformats.org/markup-compatibility/2006">
-    <mc:Choice xmlns:p14="http://schemas.microsoft.com/office/powerpoint/2010/main" Requires="p14">
+  <mc:AlternateContent xmlns:mc="http://schemas.openxmlformats.org/markup-compatibility/2006" xmlns:p14="http://schemas.microsoft.com/office/powerpoint/2010/main">
+    <mc:Choice Requires="p14">
       <p:transition spd="slow" p14:dur="2000"/>
     </mc:Choice>
-    <mc:Fallback>
+    <mc:Fallback xmlns="">
       <p:transition xmlns:p14="http://schemas.microsoft.com/office/powerpoint/2010/main" spd="slow"/>
     </mc:Fallback>
   </mc:AlternateContent>
@@ -9486,11 +10207,11 @@
   <p:clrMapOvr>
     <a:masterClrMapping/>
   </p:clrMapOvr>
-  <mc:AlternateContent xmlns:mc="http://schemas.openxmlformats.org/markup-compatibility/2006">
-    <mc:Choice xmlns:p14="http://schemas.microsoft.com/office/powerpoint/2010/main" Requires="p14">
+  <mc:AlternateContent xmlns:mc="http://schemas.openxmlformats.org/markup-compatibility/2006" xmlns:p14="http://schemas.microsoft.com/office/powerpoint/2010/main">
+    <mc:Choice Requires="p14">
       <p:transition spd="slow" p14:dur="2000"/>
     </mc:Choice>
-    <mc:Fallback>
+    <mc:Fallback xmlns="">
       <p:transition xmlns:p14="http://schemas.microsoft.com/office/powerpoint/2010/main" spd="slow"/>
     </mc:Fallback>
   </mc:AlternateContent>
@@ -9584,11 +10305,11 @@
   <p:clrMapOvr>
     <a:masterClrMapping/>
   </p:clrMapOvr>
-  <mc:AlternateContent xmlns:mc="http://schemas.openxmlformats.org/markup-compatibility/2006">
-    <mc:Choice xmlns:p14="http://schemas.microsoft.com/office/powerpoint/2010/main" Requires="p14">
+  <mc:AlternateContent xmlns:mc="http://schemas.openxmlformats.org/markup-compatibility/2006" xmlns:p14="http://schemas.microsoft.com/office/powerpoint/2010/main">
+    <mc:Choice Requires="p14">
       <p:transition spd="slow" p14:dur="2000"/>
     </mc:Choice>
-    <mc:Fallback>
+    <mc:Fallback xmlns="">
       <p:transition xmlns:p14="http://schemas.microsoft.com/office/powerpoint/2010/main" spd="slow"/>
     </mc:Fallback>
   </mc:AlternateContent>
@@ -9742,11 +10463,11 @@
   <p:clrMapOvr>
     <a:masterClrMapping/>
   </p:clrMapOvr>
-  <mc:AlternateContent xmlns:mc="http://schemas.openxmlformats.org/markup-compatibility/2006">
-    <mc:Choice xmlns:p14="http://schemas.microsoft.com/office/powerpoint/2010/main" Requires="p14">
+  <mc:AlternateContent xmlns:mc="http://schemas.openxmlformats.org/markup-compatibility/2006" xmlns:p14="http://schemas.microsoft.com/office/powerpoint/2010/main">
+    <mc:Choice Requires="p14">
       <p:transition spd="slow" p14:dur="2000"/>
     </mc:Choice>
-    <mc:Fallback>
+    <mc:Fallback xmlns="">
       <p:transition xmlns:p14="http://schemas.microsoft.com/office/powerpoint/2010/main" spd="slow"/>
     </mc:Fallback>
   </mc:AlternateContent>
@@ -9902,11 +10623,11 @@
   <p:clrMapOvr>
     <a:masterClrMapping/>
   </p:clrMapOvr>
-  <mc:AlternateContent xmlns:mc="http://schemas.openxmlformats.org/markup-compatibility/2006">
-    <mc:Choice xmlns:p14="http://schemas.microsoft.com/office/powerpoint/2010/main" Requires="p14">
+  <mc:AlternateContent xmlns:mc="http://schemas.openxmlformats.org/markup-compatibility/2006" xmlns:p14="http://schemas.microsoft.com/office/powerpoint/2010/main">
+    <mc:Choice Requires="p14">
       <p:transition spd="slow" p14:dur="2000"/>
     </mc:Choice>
-    <mc:Fallback>
+    <mc:Fallback xmlns="">
       <p:transition xmlns:p14="http://schemas.microsoft.com/office/powerpoint/2010/main" spd="slow"/>
     </mc:Fallback>
   </mc:AlternateContent>
@@ -10124,11 +10845,11 @@
   <p:clrMapOvr>
     <a:masterClrMapping/>
   </p:clrMapOvr>
-  <mc:AlternateContent xmlns:mc="http://schemas.openxmlformats.org/markup-compatibility/2006">
-    <mc:Choice xmlns:p14="http://schemas.microsoft.com/office/powerpoint/2010/main" Requires="p14">
+  <mc:AlternateContent xmlns:mc="http://schemas.openxmlformats.org/markup-compatibility/2006" xmlns:p14="http://schemas.microsoft.com/office/powerpoint/2010/main">
+    <mc:Choice Requires="p14">
       <p:transition spd="slow" p14:dur="2000"/>
     </mc:Choice>
-    <mc:Fallback>
+    <mc:Fallback xmlns="">
       <p:transition xmlns:p14="http://schemas.microsoft.com/office/powerpoint/2010/main" spd="slow"/>
     </mc:Fallback>
   </mc:AlternateContent>
@@ -10234,11 +10955,11 @@
   <p:clrMapOvr>
     <a:masterClrMapping/>
   </p:clrMapOvr>
-  <mc:AlternateContent xmlns:mc="http://schemas.openxmlformats.org/markup-compatibility/2006">
-    <mc:Choice xmlns:p14="http://schemas.microsoft.com/office/powerpoint/2010/main" Requires="p14">
+  <mc:AlternateContent xmlns:mc="http://schemas.openxmlformats.org/markup-compatibility/2006" xmlns:p14="http://schemas.microsoft.com/office/powerpoint/2010/main">
+    <mc:Choice Requires="p14">
       <p:transition spd="slow" p14:dur="2000"/>
     </mc:Choice>
-    <mc:Fallback>
+    <mc:Fallback xmlns="">
       <p:transition xmlns:p14="http://schemas.microsoft.com/office/powerpoint/2010/main" spd="slow"/>
     </mc:Fallback>
   </mc:AlternateContent>
@@ -11446,11 +12167,11 @@
   <p:clrMapOvr>
     <a:masterClrMapping/>
   </p:clrMapOvr>
-  <mc:AlternateContent xmlns:mc="http://schemas.openxmlformats.org/markup-compatibility/2006">
-    <mc:Choice xmlns:p14="http://schemas.microsoft.com/office/powerpoint/2010/main" Requires="p14">
+  <mc:AlternateContent xmlns:mc="http://schemas.openxmlformats.org/markup-compatibility/2006" xmlns:p14="http://schemas.microsoft.com/office/powerpoint/2010/main">
+    <mc:Choice Requires="p14">
       <p:transition spd="slow" p14:dur="2000"/>
     </mc:Choice>
-    <mc:Fallback>
+    <mc:Fallback xmlns="">
       <p:transition xmlns:p14="http://schemas.microsoft.com/office/powerpoint/2010/main" spd="slow"/>
     </mc:Fallback>
   </mc:AlternateContent>
@@ -11997,11 +12718,11 @@
   <p:clrMapOvr>
     <a:masterClrMapping/>
   </p:clrMapOvr>
-  <mc:AlternateContent xmlns:mc="http://schemas.openxmlformats.org/markup-compatibility/2006">
-    <mc:Choice xmlns:p14="http://schemas.microsoft.com/office/powerpoint/2010/main" Requires="p14">
+  <mc:AlternateContent xmlns:mc="http://schemas.openxmlformats.org/markup-compatibility/2006" xmlns:p14="http://schemas.microsoft.com/office/powerpoint/2010/main">
+    <mc:Choice Requires="p14">
       <p:transition spd="slow" p14:dur="2000"/>
     </mc:Choice>
-    <mc:Fallback>
+    <mc:Fallback xmlns="">
       <p:transition xmlns:p14="http://schemas.microsoft.com/office/powerpoint/2010/main" spd="slow"/>
     </mc:Fallback>
   </mc:AlternateContent>
@@ -12285,11 +13006,11 @@
   <p:clrMapOvr>
     <a:masterClrMapping/>
   </p:clrMapOvr>
-  <mc:AlternateContent xmlns:mc="http://schemas.openxmlformats.org/markup-compatibility/2006">
-    <mc:Choice xmlns:p14="http://schemas.microsoft.com/office/powerpoint/2010/main" Requires="p14">
+  <mc:AlternateContent xmlns:mc="http://schemas.openxmlformats.org/markup-compatibility/2006" xmlns:p14="http://schemas.microsoft.com/office/powerpoint/2010/main">
+    <mc:Choice Requires="p14">
       <p:transition spd="slow" p14:dur="2000"/>
     </mc:Choice>
-    <mc:Fallback>
+    <mc:Fallback xmlns="">
       <p:transition xmlns:p14="http://schemas.microsoft.com/office/powerpoint/2010/main" spd="slow"/>
     </mc:Fallback>
   </mc:AlternateContent>
@@ -12413,11 +13134,11 @@
   <p:clrMapOvr>
     <a:masterClrMapping/>
   </p:clrMapOvr>
-  <mc:AlternateContent xmlns:mc="http://schemas.openxmlformats.org/markup-compatibility/2006">
-    <mc:Choice xmlns:p14="http://schemas.microsoft.com/office/powerpoint/2010/main" Requires="p14">
+  <mc:AlternateContent xmlns:mc="http://schemas.openxmlformats.org/markup-compatibility/2006" xmlns:p14="http://schemas.microsoft.com/office/powerpoint/2010/main">
+    <mc:Choice Requires="p14">
       <p:transition spd="slow" p14:dur="2000"/>
     </mc:Choice>
-    <mc:Fallback>
+    <mc:Fallback xmlns="">
       <p:transition xmlns:p14="http://schemas.microsoft.com/office/powerpoint/2010/main" spd="slow"/>
     </mc:Fallback>
   </mc:AlternateContent>
@@ -12649,11 +13370,11 @@
   <p:clrMapOvr>
     <a:masterClrMapping/>
   </p:clrMapOvr>
-  <mc:AlternateContent xmlns:mc="http://schemas.openxmlformats.org/markup-compatibility/2006">
-    <mc:Choice xmlns:p14="http://schemas.microsoft.com/office/powerpoint/2010/main" Requires="p14">
+  <mc:AlternateContent xmlns:mc="http://schemas.openxmlformats.org/markup-compatibility/2006" xmlns:p14="http://schemas.microsoft.com/office/powerpoint/2010/main">
+    <mc:Choice Requires="p14">
       <p:transition spd="slow" p14:dur="2000"/>
     </mc:Choice>
-    <mc:Fallback>
+    <mc:Fallback xmlns="">
       <p:transition xmlns:p14="http://schemas.microsoft.com/office/powerpoint/2010/main" spd="slow"/>
     </mc:Fallback>
   </mc:AlternateContent>
@@ -12958,11 +13679,11 @@
   <p:clrMapOvr>
     <a:masterClrMapping/>
   </p:clrMapOvr>
-  <mc:AlternateContent xmlns:mc="http://schemas.openxmlformats.org/markup-compatibility/2006">
-    <mc:Choice xmlns:p14="http://schemas.microsoft.com/office/powerpoint/2010/main" Requires="p14">
+  <mc:AlternateContent xmlns:mc="http://schemas.openxmlformats.org/markup-compatibility/2006" xmlns:p14="http://schemas.microsoft.com/office/powerpoint/2010/main">
+    <mc:Choice Requires="p14">
       <p:transition spd="slow" p14:dur="2000"/>
     </mc:Choice>
-    <mc:Fallback>
+    <mc:Fallback xmlns="">
       <p:transition xmlns:p14="http://schemas.microsoft.com/office/powerpoint/2010/main" spd="slow"/>
     </mc:Fallback>
   </mc:AlternateContent>
@@ -13192,11 +13913,11 @@
   <p:clrMapOvr>
     <a:masterClrMapping/>
   </p:clrMapOvr>
-  <mc:AlternateContent xmlns:mc="http://schemas.openxmlformats.org/markup-compatibility/2006">
-    <mc:Choice xmlns:p14="http://schemas.microsoft.com/office/powerpoint/2010/main" Requires="p14">
+  <mc:AlternateContent xmlns:mc="http://schemas.openxmlformats.org/markup-compatibility/2006" xmlns:p14="http://schemas.microsoft.com/office/powerpoint/2010/main">
+    <mc:Choice Requires="p14">
       <p:transition spd="slow" p14:dur="2000"/>
     </mc:Choice>
-    <mc:Fallback>
+    <mc:Fallback xmlns="">
       <p:transition xmlns:p14="http://schemas.microsoft.com/office/powerpoint/2010/main" spd="slow"/>
     </mc:Fallback>
   </mc:AlternateContent>
@@ -13291,11 +14012,11 @@
   <p:clrMapOvr>
     <a:masterClrMapping/>
   </p:clrMapOvr>
-  <mc:AlternateContent xmlns:mc="http://schemas.openxmlformats.org/markup-compatibility/2006">
-    <mc:Choice xmlns:p14="http://schemas.microsoft.com/office/powerpoint/2010/main" Requires="p14">
+  <mc:AlternateContent xmlns:mc="http://schemas.openxmlformats.org/markup-compatibility/2006" xmlns:p14="http://schemas.microsoft.com/office/powerpoint/2010/main">
+    <mc:Choice Requires="p14">
       <p:transition spd="slow" p14:dur="2000"/>
     </mc:Choice>
-    <mc:Fallback>
+    <mc:Fallback xmlns="">
       <p:transition xmlns:p14="http://schemas.microsoft.com/office/powerpoint/2010/main" spd="slow"/>
     </mc:Fallback>
   </mc:AlternateContent>
@@ -13426,11 +14147,11 @@
   <p:clrMapOvr>
     <a:masterClrMapping/>
   </p:clrMapOvr>
-  <mc:AlternateContent xmlns:mc="http://schemas.openxmlformats.org/markup-compatibility/2006">
-    <mc:Choice xmlns:p14="http://schemas.microsoft.com/office/powerpoint/2010/main" Requires="p14">
+  <mc:AlternateContent xmlns:mc="http://schemas.openxmlformats.org/markup-compatibility/2006" xmlns:p14="http://schemas.microsoft.com/office/powerpoint/2010/main">
+    <mc:Choice Requires="p14">
       <p:transition spd="slow" p14:dur="2000"/>
     </mc:Choice>
-    <mc:Fallback>
+    <mc:Fallback xmlns="">
       <p:transition xmlns:p14="http://schemas.microsoft.com/office/powerpoint/2010/main" spd="slow"/>
     </mc:Fallback>
   </mc:AlternateContent>
@@ -13822,11 +14543,11 @@
   <p:clrMapOvr>
     <a:masterClrMapping/>
   </p:clrMapOvr>
-  <mc:AlternateContent xmlns:mc="http://schemas.openxmlformats.org/markup-compatibility/2006">
-    <mc:Choice xmlns:p14="http://schemas.microsoft.com/office/powerpoint/2010/main" Requires="p14">
+  <mc:AlternateContent xmlns:mc="http://schemas.openxmlformats.org/markup-compatibility/2006" xmlns:p14="http://schemas.microsoft.com/office/powerpoint/2010/main">
+    <mc:Choice Requires="p14">
       <p:transition spd="slow" p14:dur="2000"/>
     </mc:Choice>
-    <mc:Fallback>
+    <mc:Fallback xmlns="">
       <p:transition xmlns:p14="http://schemas.microsoft.com/office/powerpoint/2010/main" spd="slow"/>
     </mc:Fallback>
   </mc:AlternateContent>
@@ -13982,11 +14703,11 @@
   <p:clrMapOvr>
     <a:masterClrMapping/>
   </p:clrMapOvr>
-  <mc:AlternateContent xmlns:mc="http://schemas.openxmlformats.org/markup-compatibility/2006">
-    <mc:Choice xmlns:p14="http://schemas.microsoft.com/office/powerpoint/2010/main" Requires="p14">
+  <mc:AlternateContent xmlns:mc="http://schemas.openxmlformats.org/markup-compatibility/2006" xmlns:p14="http://schemas.microsoft.com/office/powerpoint/2010/main">
+    <mc:Choice Requires="p14">
       <p:transition spd="slow" p14:dur="2000"/>
     </mc:Choice>
-    <mc:Fallback>
+    <mc:Fallback xmlns="">
       <p:transition xmlns:p14="http://schemas.microsoft.com/office/powerpoint/2010/main" spd="slow"/>
     </mc:Fallback>
   </mc:AlternateContent>
@@ -14610,11 +15331,11 @@
   <p:clrMapOvr>
     <a:masterClrMapping/>
   </p:clrMapOvr>
-  <mc:AlternateContent xmlns:mc="http://schemas.openxmlformats.org/markup-compatibility/2006">
-    <mc:Choice xmlns:p14="http://schemas.microsoft.com/office/powerpoint/2010/main" Requires="p14">
+  <mc:AlternateContent xmlns:mc="http://schemas.openxmlformats.org/markup-compatibility/2006" xmlns:p14="http://schemas.microsoft.com/office/powerpoint/2010/main">
+    <mc:Choice Requires="p14">
       <p:transition spd="slow" p14:dur="2000"/>
     </mc:Choice>
-    <mc:Fallback>
+    <mc:Fallback xmlns="">
       <p:transition xmlns:p14="http://schemas.microsoft.com/office/powerpoint/2010/main" spd="slow"/>
     </mc:Fallback>
   </mc:AlternateContent>
@@ -15091,11 +15812,11 @@
   <p:clrMapOvr>
     <a:masterClrMapping/>
   </p:clrMapOvr>
-  <mc:AlternateContent xmlns:mc="http://schemas.openxmlformats.org/markup-compatibility/2006">
-    <mc:Choice xmlns:p14="http://schemas.microsoft.com/office/powerpoint/2010/main" Requires="p14">
+  <mc:AlternateContent xmlns:mc="http://schemas.openxmlformats.org/markup-compatibility/2006" xmlns:p14="http://schemas.microsoft.com/office/powerpoint/2010/main">
+    <mc:Choice Requires="p14">
       <p:transition spd="slow" p14:dur="2000"/>
     </mc:Choice>
-    <mc:Fallback>
+    <mc:Fallback xmlns="">
       <p:transition xmlns:p14="http://schemas.microsoft.com/office/powerpoint/2010/main" spd="slow"/>
     </mc:Fallback>
   </mc:AlternateContent>
@@ -16023,11 +16744,11 @@
   <p:clrMapOvr>
     <a:masterClrMapping/>
   </p:clrMapOvr>
-  <mc:AlternateContent xmlns:mc="http://schemas.openxmlformats.org/markup-compatibility/2006">
-    <mc:Choice xmlns:p14="http://schemas.microsoft.com/office/powerpoint/2010/main" Requires="p14">
+  <mc:AlternateContent xmlns:mc="http://schemas.openxmlformats.org/markup-compatibility/2006" xmlns:p14="http://schemas.microsoft.com/office/powerpoint/2010/main">
+    <mc:Choice Requires="p14">
       <p:transition spd="slow" p14:dur="2000"/>
     </mc:Choice>
-    <mc:Fallback>
+    <mc:Fallback xmlns="">
       <p:transition xmlns:p14="http://schemas.microsoft.com/office/powerpoint/2010/main" spd="slow"/>
     </mc:Fallback>
   </mc:AlternateContent>
@@ -16297,19 +17018,16 @@
               <a:t>struct</a:t>
             </a:r>
             <a:r>
-              <a:rPr lang="en-GB" b="1" dirty="0" smtClean="0">
-                <a:solidFill>
-                  <a:schemeClr val="accent2"/>
-                </a:solidFill>
-                <a:latin typeface="Courier New Bold"/>
-              </a:rPr>
-              <a:t> </a:t>
-            </a:r>
-            <a:r>
               <a:rPr lang="en-GB" b="1" dirty="0">
                 <a:latin typeface="Courier New Bold"/>
               </a:rPr>
-              <a:t>{ </a:t>
+              <a:t> </a:t>
+            </a:r>
+            <a:r>
+              <a:rPr lang="en-GB" b="1" dirty="0" smtClean="0">
+                <a:latin typeface="Courier New Bold"/>
+              </a:rPr>
+              <a:t>Point{ </a:t>
             </a:r>
             <a:r>
               <a:rPr lang="en-GB" b="1" dirty="0">
@@ -16330,8 +17048,11 @@
               <a:rPr lang="en-GB" b="1" dirty="0" smtClean="0">
                 <a:latin typeface="Courier New Bold"/>
               </a:rPr>
-              <a:t>} Point;</a:t>
-            </a:r>
+              <a:t>};</a:t>
+            </a:r>
+            <a:endParaRPr lang="en-GB" b="1" dirty="0" smtClean="0">
+              <a:latin typeface="Courier New Bold"/>
+            </a:endParaRPr>
           </a:p>
           <a:p>
             <a:pPr marL="0" indent="0">
@@ -21313,11 +22034,11 @@
   <p:clrMapOvr>
     <a:masterClrMapping/>
   </p:clrMapOvr>
-  <mc:AlternateContent xmlns:mc="http://schemas.openxmlformats.org/markup-compatibility/2006">
-    <mc:Choice xmlns:p14="http://schemas.microsoft.com/office/powerpoint/2010/main" Requires="p14">
+  <mc:AlternateContent xmlns:mc="http://schemas.openxmlformats.org/markup-compatibility/2006" xmlns:p14="http://schemas.microsoft.com/office/powerpoint/2010/main">
+    <mc:Choice Requires="p14">
       <p:transition spd="slow" p14:dur="2000"/>
     </mc:Choice>
-    <mc:Fallback>
+    <mc:Fallback xmlns="">
       <p:transition xmlns:p14="http://schemas.microsoft.com/office/powerpoint/2010/main" spd="slow"/>
     </mc:Fallback>
   </mc:AlternateContent>
@@ -24052,11 +24773,11 @@
   <p:clrMapOvr>
     <a:masterClrMapping/>
   </p:clrMapOvr>
-  <mc:AlternateContent xmlns:mc="http://schemas.openxmlformats.org/markup-compatibility/2006">
-    <mc:Choice xmlns:p14="http://schemas.microsoft.com/office/powerpoint/2010/main" Requires="p14">
+  <mc:AlternateContent xmlns:mc="http://schemas.openxmlformats.org/markup-compatibility/2006" xmlns:p14="http://schemas.microsoft.com/office/powerpoint/2010/main">
+    <mc:Choice Requires="p14">
       <p:transition spd="slow" p14:dur="2000"/>
     </mc:Choice>
-    <mc:Fallback>
+    <mc:Fallback xmlns="">
       <p:transition xmlns:p14="http://schemas.microsoft.com/office/powerpoint/2010/main" spd="slow"/>
     </mc:Fallback>
   </mc:AlternateContent>
@@ -36189,11 +36910,11 @@
   <p:clrMapOvr>
     <a:masterClrMapping/>
   </p:clrMapOvr>
-  <mc:AlternateContent xmlns:mc="http://schemas.openxmlformats.org/markup-compatibility/2006">
-    <mc:Choice xmlns:p14="http://schemas.microsoft.com/office/powerpoint/2010/main" Requires="p14">
+  <mc:AlternateContent xmlns:mc="http://schemas.openxmlformats.org/markup-compatibility/2006" xmlns:p14="http://schemas.microsoft.com/office/powerpoint/2010/main">
+    <mc:Choice Requires="p14">
       <p:transition spd="slow" p14:dur="2000"/>
     </mc:Choice>
-    <mc:Fallback>
+    <mc:Fallback xmlns="">
       <p:transition xmlns:p14="http://schemas.microsoft.com/office/powerpoint/2010/main" spd="slow"/>
     </mc:Fallback>
   </mc:AlternateContent>
@@ -36280,8 +37001,21 @@
             </a:pPr>
             <a:r>
               <a:rPr lang="en-US" sz="1800" dirty="0" smtClean="0"/>
-              <a:t>Constant memory can be considered a store for variables that never change </a:t>
-            </a:r>
+              <a:t>Constant memory can be considered a store for </a:t>
+            </a:r>
+            <a:r>
+              <a:rPr lang="en-US" sz="1800" dirty="0" smtClean="0"/>
+              <a:t>data that </a:t>
+            </a:r>
+            <a:r>
+              <a:rPr lang="en-US" sz="1800" dirty="0" smtClean="0"/>
+              <a:t>never </a:t>
+            </a:r>
+            <a:r>
+              <a:rPr lang="en-US" sz="1800" dirty="0" smtClean="0"/>
+              <a:t>changes</a:t>
+            </a:r>
+            <a:endParaRPr lang="en-US" sz="1800" dirty="0" smtClean="0"/>
           </a:p>
           <a:p>
             <a:pPr marL="285750" indent="-285750">
@@ -36326,8 +37060,9 @@
             </a:pPr>
             <a:r>
               <a:rPr lang="en-US" sz="1800" dirty="0" smtClean="0"/>
-              <a:t>If a device has constant memory, upon kernel execution the data will be copied once from global</a:t>
-            </a:r>
+              <a:t>Some devices may have dedicated on-chip caches or data-paths for constant memory</a:t>
+            </a:r>
+            <a:endParaRPr lang="en-US" sz="1800" dirty="0" smtClean="0"/>
           </a:p>
           <a:p>
             <a:pPr marL="285750" indent="-285750">
@@ -36336,7 +37071,7 @@
             </a:pPr>
             <a:r>
               <a:rPr lang="en-US" sz="1800" dirty="0" smtClean="0"/>
-              <a:t>GPUs typically have ~64kB of constant memory</a:t>
+              <a:t>Devices are guaranteed to support constant memory allocations of at least 64kB</a:t>
             </a:r>
           </a:p>
           <a:p>
@@ -36346,7 +37081,11 @@
             </a:pPr>
             <a:r>
               <a:rPr lang="en-US" sz="1800" dirty="0" smtClean="0"/>
-              <a:t>Can declare OpenCL program scope constant data, but this has to be initialized at OpenCL program compile time</a:t>
+              <a:t>Can also declare </a:t>
+            </a:r>
+            <a:r>
+              <a:rPr lang="en-US" sz="1800" dirty="0" smtClean="0"/>
+              <a:t>OpenCL program scope constant data, but this has to be initialized at OpenCL program compile time</a:t>
             </a:r>
           </a:p>
         </p:txBody>
@@ -37471,11 +38210,11 @@
   <p:clrMapOvr>
     <a:masterClrMapping/>
   </p:clrMapOvr>
-  <mc:AlternateContent xmlns:mc="http://schemas.openxmlformats.org/markup-compatibility/2006">
-    <mc:Choice xmlns:p14="http://schemas.microsoft.com/office/powerpoint/2010/main" Requires="p14">
+  <mc:AlternateContent xmlns:mc="http://schemas.openxmlformats.org/markup-compatibility/2006" xmlns:p14="http://schemas.microsoft.com/office/powerpoint/2010/main">
+    <mc:Choice Requires="p14">
       <p:transition spd="slow" p14:dur="2000"/>
     </mc:Choice>
-    <mc:Fallback>
+    <mc:Fallback xmlns="">
       <p:transition xmlns:p14="http://schemas.microsoft.com/office/powerpoint/2010/main" spd="slow"/>
     </mc:Fallback>
   </mc:AlternateContent>
@@ -37827,13 +38566,13 @@
           <a:p>
             <a:r>
               <a:rPr lang="en-GB" dirty="0">
-                <a:hlinkClick r:id="rId2"/>
+                <a:hlinkClick r:id="rId3"/>
               </a:rPr>
               <a:t>http://mistymountain.co.uk/flamingo</a:t>
             </a:r>
             <a:r>
               <a:rPr lang="en-GB" dirty="0" smtClean="0">
-                <a:hlinkClick r:id="rId2"/>
+                <a:hlinkClick r:id="rId3"/>
               </a:rPr>
               <a:t>/</a:t>
             </a:r>
@@ -37878,11 +38617,11 @@
   <p:clrMapOvr>
     <a:masterClrMapping/>
   </p:clrMapOvr>
-  <mc:AlternateContent xmlns:mc="http://schemas.openxmlformats.org/markup-compatibility/2006">
-    <mc:Choice xmlns:p14="http://schemas.microsoft.com/office/powerpoint/2010/main" Requires="p14">
+  <mc:AlternateContent xmlns:mc="http://schemas.openxmlformats.org/markup-compatibility/2006" xmlns:p14="http://schemas.microsoft.com/office/powerpoint/2010/main">
+    <mc:Choice Requires="p14">
       <p:transition spd="slow" p14:dur="2000"/>
     </mc:Choice>
-    <mc:Fallback>
+    <mc:Fallback xmlns="">
       <p:transition xmlns:p14="http://schemas.microsoft.com/office/powerpoint/2010/main" spd="slow"/>
     </mc:Fallback>
   </mc:AlternateContent>
@@ -38323,7 +39062,11 @@
           <a:p>
             <a:r>
               <a:rPr lang="en-GB" dirty="0" smtClean="0"/>
-              <a:t>Architecture dependent</a:t>
+              <a:t>Architecture </a:t>
+            </a:r>
+            <a:r>
+              <a:rPr lang="en-GB" dirty="0" smtClean="0"/>
+              <a:t>dependent</a:t>
             </a:r>
             <a:endParaRPr lang="en-GB" dirty="0"/>
           </a:p>
@@ -39465,7 +40208,15 @@
             </a:pPr>
             <a:r>
               <a:rPr lang="en-GB" dirty="0" smtClean="0"/>
-              <a:t>In the past, several platforms required the use of these types in order to make use of their vector ALUs (e.g. AMD’s pre-GCN architectures and Intel’s initial CPU implementation)</a:t>
+              <a:t>In the past, several platforms </a:t>
+            </a:r>
+            <a:r>
+              <a:rPr lang="en-GB" i="1" dirty="0" smtClean="0"/>
+              <a:t>required</a:t>
+            </a:r>
+            <a:r>
+              <a:rPr lang="en-GB" dirty="0" smtClean="0"/>
+              <a:t> the use of these types in order to make use of their vector ALUs (e.g. AMD’s pre-GCN architectures and Intel’s initial CPU implementation)</a:t>
             </a:r>
           </a:p>
           <a:p>
@@ -39794,7 +40545,7 @@
         </p:spPr>
         <p:txBody>
           <a:bodyPr>
-            <a:normAutofit/>
+            <a:normAutofit lnSpcReduction="10000"/>
           </a:bodyPr>
           <a:lstStyle/>
           <a:p>
@@ -39805,7 +40556,15 @@
             </a:pPr>
             <a:r>
               <a:rPr lang="en-GB" dirty="0" smtClean="0"/>
-              <a:t>You many come across some platforms that still require explicit </a:t>
+              <a:t>You </a:t>
+            </a:r>
+            <a:r>
+              <a:rPr lang="en-GB" dirty="0" smtClean="0"/>
+              <a:t>may </a:t>
+            </a:r>
+            <a:r>
+              <a:rPr lang="en-GB" dirty="0" smtClean="0"/>
+              <a:t>come across some platforms that still require explicit </a:t>
             </a:r>
             <a:r>
               <a:rPr lang="en-GB" dirty="0" err="1" smtClean="0"/>
@@ -39832,7 +40591,19 @@
             </a:pPr>
             <a:r>
               <a:rPr lang="en-GB" dirty="0" smtClean="0"/>
-              <a:t>You can query an OpenCL device to determine whether it prefers scalar or vector data types:</a:t>
+              <a:t>You can query an OpenCL device to determine whether it prefers scalar or vector data </a:t>
+            </a:r>
+            <a:r>
+              <a:rPr lang="en-GB" dirty="0" smtClean="0"/>
+              <a:t>types, </a:t>
+            </a:r>
+            <a:r>
+              <a:rPr lang="en-GB" dirty="0" err="1" smtClean="0"/>
+              <a:t>e.g</a:t>
+            </a:r>
+            <a:r>
+              <a:rPr lang="en-GB" dirty="0" smtClean="0"/>
+              <a:t>:</a:t>
             </a:r>
             <a:endParaRPr lang="en-GB" dirty="0"/>
           </a:p>
@@ -40479,11 +41250,11 @@
   <p:clrMapOvr>
     <a:masterClrMapping/>
   </p:clrMapOvr>
-  <mc:AlternateContent xmlns:mc="http://schemas.openxmlformats.org/markup-compatibility/2006">
-    <mc:Choice xmlns:p14="http://schemas.microsoft.com/office/powerpoint/2010/main" Requires="p14">
+  <mc:AlternateContent xmlns:mc="http://schemas.openxmlformats.org/markup-compatibility/2006" xmlns:p14="http://schemas.microsoft.com/office/powerpoint/2010/main">
+    <mc:Choice Requires="p14">
       <p:transition spd="slow" p14:dur="2000"/>
     </mc:Choice>
-    <mc:Fallback>
+    <mc:Fallback xmlns="">
       <p:transition xmlns:p14="http://schemas.microsoft.com/office/powerpoint/2010/main" spd="slow"/>
     </mc:Fallback>
   </mc:AlternateContent>
@@ -42731,11 +43502,11 @@
   <p:clrMapOvr>
     <a:masterClrMapping/>
   </p:clrMapOvr>
-  <mc:AlternateContent xmlns:mc="http://schemas.openxmlformats.org/markup-compatibility/2006">
-    <mc:Choice xmlns:p14="http://schemas.microsoft.com/office/powerpoint/2010/main" Requires="p14">
+  <mc:AlternateContent xmlns:mc="http://schemas.openxmlformats.org/markup-compatibility/2006" xmlns:p14="http://schemas.microsoft.com/office/powerpoint/2010/main">
+    <mc:Choice Requires="p14">
       <p:transition spd="slow" p14:dur="2000"/>
     </mc:Choice>
-    <mc:Fallback>
+    <mc:Fallback xmlns="">
       <p:transition xmlns:p14="http://schemas.microsoft.com/office/powerpoint/2010/main" spd="slow"/>
     </mc:Fallback>
   </mc:AlternateContent>
@@ -44231,47 +45002,17 @@
                 <a:latin typeface="Courier New"/>
                 <a:cs typeface="Courier New"/>
               </a:rPr>
-              <a:t>    region[0] </a:t>
-            </a:r>
-            <a:r>
-              <a:rPr lang="hr-HR" b="1">
-                <a:solidFill>
-                  <a:srgbClr val="3366FF"/>
-                </a:solidFill>
-                <a:latin typeface="Courier New"/>
-                <a:cs typeface="Courier New"/>
-              </a:rPr>
-              <a:t>= </a:t>
-            </a:r>
-            <a:r>
-              <a:rPr lang="hr-HR" b="1" dirty="0">
-                <a:solidFill>
-                  <a:srgbClr val="3366FF"/>
-                </a:solidFill>
-                <a:latin typeface="Courier New"/>
-                <a:cs typeface="Courier New"/>
-              </a:rPr>
-              <a:t>image</a:t>
-            </a:r>
-            <a:r>
-              <a:rPr lang="hr-HR" b="1">
-                <a:solidFill>
-                  <a:srgbClr val="3366FF"/>
-                </a:solidFill>
-                <a:latin typeface="Courier New"/>
-                <a:cs typeface="Courier New"/>
-              </a:rPr>
-              <a:t>-&gt;</a:t>
-            </a:r>
-            <a:r>
-              <a:rPr lang="hr-HR" b="1" smtClean="0">
-                <a:solidFill>
-                  <a:srgbClr val="3366FF"/>
-                </a:solidFill>
-                <a:latin typeface="Courier New"/>
-                <a:cs typeface="Courier New"/>
-              </a:rPr>
-              <a:t>w;</a:t>
+              <a:t>    region[0] = </a:t>
+            </a:r>
+            <a:r>
+              <a:rPr lang="hr-HR" b="1" dirty="0" smtClean="0">
+                <a:solidFill>
+                  <a:srgbClr val="3366FF"/>
+                </a:solidFill>
+                <a:latin typeface="Courier New"/>
+                <a:cs typeface="Courier New"/>
+              </a:rPr>
+              <a:t>width;</a:t>
             </a:r>
             <a:endParaRPr lang="hr-HR" b="1" dirty="0">
               <a:solidFill>
@@ -44293,47 +45034,17 @@
                 <a:latin typeface="Courier New"/>
                 <a:cs typeface="Courier New"/>
               </a:rPr>
-              <a:t>    region[1] </a:t>
-            </a:r>
-            <a:r>
-              <a:rPr lang="hr-HR" b="1">
-                <a:solidFill>
-                  <a:srgbClr val="3366FF"/>
-                </a:solidFill>
-                <a:latin typeface="Courier New"/>
-                <a:cs typeface="Courier New"/>
-              </a:rPr>
-              <a:t>= </a:t>
-            </a:r>
-            <a:r>
-              <a:rPr lang="hr-HR" b="1" dirty="0">
-                <a:solidFill>
-                  <a:srgbClr val="3366FF"/>
-                </a:solidFill>
-                <a:latin typeface="Courier New"/>
-                <a:cs typeface="Courier New"/>
-              </a:rPr>
-              <a:t>image</a:t>
-            </a:r>
-            <a:r>
-              <a:rPr lang="hr-HR" b="1">
-                <a:solidFill>
-                  <a:srgbClr val="3366FF"/>
-                </a:solidFill>
-                <a:latin typeface="Courier New"/>
-                <a:cs typeface="Courier New"/>
-              </a:rPr>
-              <a:t>-&gt;</a:t>
-            </a:r>
-            <a:r>
-              <a:rPr lang="hr-HR" b="1" smtClean="0">
-                <a:solidFill>
-                  <a:srgbClr val="3366FF"/>
-                </a:solidFill>
-                <a:latin typeface="Courier New"/>
-                <a:cs typeface="Courier New"/>
-              </a:rPr>
-              <a:t>h;</a:t>
+              <a:t>    region[1] = </a:t>
+            </a:r>
+            <a:r>
+              <a:rPr lang="hr-HR" b="1" dirty="0" smtClean="0">
+                <a:solidFill>
+                  <a:srgbClr val="3366FF"/>
+                </a:solidFill>
+                <a:latin typeface="Courier New"/>
+                <a:cs typeface="Courier New"/>
+              </a:rPr>
+              <a:t>height;</a:t>
             </a:r>
             <a:endParaRPr lang="hr-HR" b="1" dirty="0">
               <a:solidFill>
@@ -47457,11 +48168,11 @@
   <p:clrMapOvr>
     <a:masterClrMapping/>
   </p:clrMapOvr>
-  <mc:AlternateContent xmlns:mc="http://schemas.openxmlformats.org/markup-compatibility/2006">
-    <mc:Choice xmlns:p14="http://schemas.microsoft.com/office/powerpoint/2010/main" Requires="p14">
+  <mc:AlternateContent xmlns:mc="http://schemas.openxmlformats.org/markup-compatibility/2006" xmlns:p14="http://schemas.microsoft.com/office/powerpoint/2010/main">
+    <mc:Choice Requires="p14">
       <p:transition spd="slow" p14:dur="2000"/>
     </mc:Choice>
-    <mc:Fallback>
+    <mc:Fallback xmlns="">
       <p:transition xmlns:p14="http://schemas.microsoft.com/office/powerpoint/2010/main" spd="slow"/>
     </mc:Fallback>
   </mc:AlternateContent>
@@ -47916,11 +48627,11 @@
   <p:clrMapOvr>
     <a:masterClrMapping/>
   </p:clrMapOvr>
-  <mc:AlternateContent xmlns:mc="http://schemas.openxmlformats.org/markup-compatibility/2006">
-    <mc:Choice xmlns:p14="http://schemas.microsoft.com/office/powerpoint/2010/main" Requires="p14">
+  <mc:AlternateContent xmlns:mc="http://schemas.openxmlformats.org/markup-compatibility/2006" xmlns:p14="http://schemas.microsoft.com/office/powerpoint/2010/main">
+    <mc:Choice Requires="p14">
       <p:transition spd="slow" p14:dur="2000"/>
     </mc:Choice>
-    <mc:Fallback>
+    <mc:Fallback xmlns="">
       <p:transition xmlns:p14="http://schemas.microsoft.com/office/powerpoint/2010/main" spd="slow"/>
     </mc:Fallback>
   </mc:AlternateContent>

--- a/slides/advanced_part3.pptx
+++ b/slides/advanced_part3.pptx
@@ -12778,15 +12778,7 @@
           <a:p>
             <a:r>
               <a:rPr lang="en-US" dirty="0" smtClean="0"/>
-              <a:t>Intel </a:t>
-            </a:r>
-            <a:r>
-              <a:rPr lang="en-US" dirty="0" smtClean="0"/>
-              <a:t>SDK (</a:t>
-            </a:r>
-            <a:r>
-              <a:rPr lang="en-US" dirty="0" smtClean="0"/>
-              <a:t>Visual Studio plugin)</a:t>
+              <a:t>Intel SDK (Visual Studio plugin)</a:t>
             </a:r>
           </a:p>
           <a:p>
@@ -12794,7 +12786,6 @@
               <a:rPr lang="en-US" dirty="0" smtClean="0"/>
               <a:t>GDB (CPU platforms)</a:t>
             </a:r>
-            <a:endParaRPr lang="en-US" dirty="0" smtClean="0"/>
           </a:p>
           <a:p>
             <a:r>
@@ -12836,28 +12827,7 @@
                 <a:latin typeface="Calibri"/>
                 <a:cs typeface="Calibri"/>
               </a:rPr>
-              <a:t>( from </a:t>
-            </a:r>
-            <a:r>
-              <a:rPr lang="en-US" dirty="0" smtClean="0">
-                <a:latin typeface="Calibri"/>
-                <a:cs typeface="Calibri"/>
-              </a:rPr>
-              <a:t>OpenCL </a:t>
-            </a:r>
-            <a:r>
-              <a:rPr lang="en-US" dirty="0" smtClean="0">
-                <a:latin typeface="Calibri"/>
-                <a:cs typeface="Calibri"/>
-              </a:rPr>
-              <a:t>1.2 onwards </a:t>
-            </a:r>
-            <a:r>
-              <a:rPr lang="en-US" dirty="0" smtClean="0">
-                <a:latin typeface="Calibri"/>
-                <a:cs typeface="Calibri"/>
-              </a:rPr>
-              <a:t>)</a:t>
+              <a:t>( from OpenCL 1.2 onwards )</a:t>
             </a:r>
             <a:endParaRPr lang="en-US" b="1" dirty="0" smtClean="0">
               <a:solidFill>
@@ -14220,11 +14190,7 @@
           <a:p>
             <a:r>
               <a:rPr lang="en-US" dirty="0" smtClean="0"/>
-              <a:t>Intel </a:t>
-            </a:r>
-            <a:r>
-              <a:rPr lang="en-US" dirty="0" smtClean="0"/>
-              <a:t>System Analyzer, Platform Analyzer, </a:t>
+              <a:t>Intel System Analyzer, Platform Analyzer, </a:t>
             </a:r>
             <a:r>
               <a:rPr lang="en-US" dirty="0" err="1" smtClean="0"/>
@@ -14422,11 +14388,7 @@
           <a:p>
             <a:r>
               <a:rPr lang="en-GB" dirty="0" smtClean="0"/>
-              <a:t>Profile (events should work </a:t>
-            </a:r>
-            <a:r>
-              <a:rPr lang="en-GB" dirty="0" smtClean="0"/>
-              <a:t>everywhere)</a:t>
+              <a:t>Profile (events should work everywhere)</a:t>
             </a:r>
             <a:endParaRPr lang="en-GB" dirty="0"/>
           </a:p>
@@ -16890,11 +16852,7 @@
             </a:r>
             <a:r>
               <a:rPr lang="en-US" dirty="0" smtClean="0"/>
-              <a:t>(Array of Structures vs</a:t>
-            </a:r>
-            <a:r>
-              <a:rPr lang="en-US" dirty="0" smtClean="0"/>
-              <a:t>. Structure of Arrays)</a:t>
+              <a:t>(Array of Structures vs. Structure of Arrays)</a:t>
             </a:r>
             <a:endParaRPr lang="en-US" dirty="0" smtClean="0">
               <a:solidFill>
@@ -17028,11 +16986,7 @@
             </a:r>
             <a:r>
               <a:rPr lang="en-GB" dirty="0" smtClean="0"/>
-              <a:t>often </a:t>
-            </a:r>
-            <a:r>
-              <a:rPr lang="en-GB" dirty="0" smtClean="0"/>
-              <a:t>more </a:t>
+              <a:t>often more </a:t>
             </a:r>
             <a:r>
               <a:rPr lang="en-GB" dirty="0"/>
@@ -37255,17 +37209,7 @@
                 <a:latin typeface="Courier New"/>
                 <a:cs typeface="Courier New"/>
               </a:rPr>
-              <a:t>/ constant </a:t>
-            </a:r>
-            <a:r>
-              <a:rPr lang="en-US" sz="1400" b="1" dirty="0" smtClean="0">
-                <a:solidFill>
-                  <a:srgbClr val="3366FF"/>
-                </a:solidFill>
-                <a:latin typeface="Courier New"/>
-                <a:cs typeface="Courier New"/>
-              </a:rPr>
-              <a:t>memory </a:t>
+              <a:t>/ constant memory </a:t>
             </a:r>
             <a:r>
               <a:rPr lang="en-US" sz="1400" b="1" dirty="0">
@@ -37369,27 +37313,7 @@
                 <a:latin typeface="Courier New"/>
                 <a:cs typeface="Courier New"/>
               </a:rPr>
-              <a:t>  /</a:t>
-            </a:r>
-            <a:r>
-              <a:rPr lang="en-US" sz="1400" b="1" dirty="0" smtClean="0">
-                <a:solidFill>
-                  <a:srgbClr val="3366FF"/>
-                </a:solidFill>
-                <a:latin typeface="Courier New"/>
-                <a:cs typeface="Courier New"/>
-              </a:rPr>
-              <a:t>/ code </a:t>
-            </a:r>
-            <a:r>
-              <a:rPr lang="en-US" sz="1400" b="1" dirty="0" smtClean="0">
-                <a:solidFill>
-                  <a:srgbClr val="3366FF"/>
-                </a:solidFill>
-                <a:latin typeface="Courier New"/>
-                <a:cs typeface="Courier New"/>
-              </a:rPr>
-              <a:t>here</a:t>
+              <a:t>  // code here</a:t>
             </a:r>
           </a:p>
           <a:p>
@@ -38019,13 +37943,8 @@
             <a:pPr lvl="1"/>
             <a:r>
               <a:rPr lang="en-GB" dirty="0" smtClean="0"/>
-              <a:t>What is the best work-group size, for </a:t>
-            </a:r>
-            <a:r>
-              <a:rPr lang="en-GB" dirty="0" smtClean="0"/>
-              <a:t>example?</a:t>
-            </a:r>
-            <a:endParaRPr lang="en-GB" dirty="0" smtClean="0"/>
+              <a:t>What is the best work-group size, for example?</a:t>
+            </a:r>
           </a:p>
           <a:p>
             <a:endParaRPr lang="en-GB" dirty="0"/>
@@ -39105,11 +39024,7 @@
           <a:p>
             <a:r>
               <a:rPr lang="en-GB" dirty="0" smtClean="0"/>
-              <a:t>Barriers between memory access-heavy kernel code sections might actually speed it up by </a:t>
-            </a:r>
-            <a:r>
-              <a:rPr lang="en-GB" dirty="0" smtClean="0"/>
-              <a:t>improving the cache behaviour</a:t>
+              <a:t>Barriers between memory access-heavy kernel code sections might actually speed it up by improving the cache behaviour</a:t>
             </a:r>
           </a:p>
           <a:p>
@@ -39125,7 +39040,6 @@
               <a:rPr lang="en-GB" dirty="0" smtClean="0"/>
               <a:t>Works by stopping some work-items from racing ahead and trashing the cache before all the other work-items have finished working with the current contents</a:t>
             </a:r>
-            <a:endParaRPr lang="en-GB" dirty="0" smtClean="0"/>
           </a:p>
           <a:p>
             <a:r>
@@ -40855,11 +40769,7 @@
             </a:pPr>
             <a:r>
               <a:rPr lang="en-GB" dirty="0" smtClean="0"/>
-              <a:t>We </a:t>
-            </a:r>
-            <a:r>
-              <a:rPr lang="en-GB" dirty="0" smtClean="0"/>
-              <a:t>can use predication, selection and masking to convert conditional control flow into straight line code and significantly improve the performance of code that has lots of conditional branches</a:t>
+              <a:t>We can use predication, selection and masking to convert conditional control flow into straight line code and significantly improve the performance of code that has lots of conditional branches</a:t>
             </a:r>
             <a:endParaRPr lang="en-GB" dirty="0"/>
           </a:p>
@@ -44189,19 +44099,7 @@
             </a:pPr>
             <a:r>
               <a:rPr lang="en-GB" dirty="0" smtClean="0"/>
-              <a:t>If </a:t>
-            </a:r>
-            <a:r>
-              <a:rPr lang="en-GB" dirty="0" smtClean="0"/>
-              <a:t>you can settle for reduced precision, then </a:t>
-            </a:r>
-            <a:r>
-              <a:rPr lang="en-GB" dirty="0" smtClean="0"/>
-              <a:t>native/half functions </a:t>
-            </a:r>
-            <a:r>
-              <a:rPr lang="en-GB" dirty="0" smtClean="0"/>
-              <a:t>can significantly improve performance</a:t>
+              <a:t>If you can settle for reduced precision, then native/half functions can significantly improve performance</a:t>
             </a:r>
           </a:p>
           <a:p>
@@ -44348,11 +44246,7 @@
             <a:pPr lvl="1"/>
             <a:r>
               <a:rPr lang="en-GB" dirty="0" smtClean="0"/>
-              <a:t>This can only be used as </a:t>
-            </a:r>
-            <a:r>
-              <a:rPr lang="en-GB" dirty="0" smtClean="0"/>
-              <a:t>storage </a:t>
+              <a:t>This can only be used as storage </a:t>
             </a:r>
           </a:p>
           <a:p>
@@ -44365,15 +44259,7 @@
             </a:r>
             <a:r>
               <a:rPr lang="en-GB" dirty="0" smtClean="0"/>
-              <a:t> </a:t>
-            </a:r>
-            <a:r>
-              <a:rPr lang="en-GB" dirty="0" smtClean="0"/>
-              <a:t> </a:t>
-            </a:r>
-            <a:r>
-              <a:rPr lang="en-GB" dirty="0" smtClean="0"/>
-              <a:t>(</a:t>
+              <a:t>  (</a:t>
             </a:r>
             <a:r>
               <a:rPr lang="en-GB" b="1" dirty="0" smtClean="0">
@@ -44435,11 +44321,7 @@
           <a:p>
             <a:r>
               <a:rPr lang="en-GB" dirty="0" smtClean="0"/>
-              <a:t>If the device </a:t>
-            </a:r>
-            <a:r>
-              <a:rPr lang="en-GB" dirty="0" smtClean="0"/>
-              <a:t>supports the </a:t>
+              <a:t>If the device supports the </a:t>
             </a:r>
             <a:r>
               <a:rPr lang="en-GB" b="1" dirty="0" smtClean="0">
@@ -44457,17 +44339,8 @@
             </a:r>
             <a:r>
               <a:rPr lang="en-GB" dirty="0" smtClean="0"/>
-              <a:t>extension, you </a:t>
-            </a:r>
-            <a:r>
-              <a:rPr lang="en-GB" dirty="0" smtClean="0"/>
-              <a:t>can also perform arithmetic on these types, and use the built-in math </a:t>
-            </a:r>
-            <a:r>
-              <a:rPr lang="en-GB" dirty="0" smtClean="0"/>
-              <a:t>functions</a:t>
-            </a:r>
-            <a:endParaRPr lang="en-GB" dirty="0" smtClean="0"/>
+              <a:t>extension, you can also perform arithmetic on these types, and use the built-in math functions</a:t>
+            </a:r>
           </a:p>
         </p:txBody>
       </p:sp>
@@ -45621,15 +45494,7 @@
             </a:pPr>
             <a:r>
               <a:rPr lang="en-GB" dirty="0" smtClean="0"/>
-              <a:t>The </a:t>
-            </a:r>
-            <a:r>
-              <a:rPr lang="en-GB" dirty="0" smtClean="0"/>
-              <a:t>kernel compiler will </a:t>
-            </a:r>
-            <a:r>
-              <a:rPr lang="en-GB" dirty="0" smtClean="0"/>
-              <a:t>define the </a:t>
+              <a:t>The kernel compiler will define the </a:t>
             </a:r>
             <a:r>
               <a:rPr lang="en-GB" dirty="0" err="1" smtClean="0"/>
@@ -49323,8 +49188,12 @@
           <a:lstStyle/>
           <a:p>
             <a:r>
+              <a:rPr lang="en-GB" smtClean="0"/>
+              <a:t>Exercise: image </a:t>
+            </a:r>
+            <a:r>
               <a:rPr lang="en-GB" dirty="0" smtClean="0"/>
-              <a:t>Exercise 3</a:t>
+              <a:t>types</a:t>
             </a:r>
             <a:endParaRPr lang="en-GB" dirty="0"/>
           </a:p>

--- a/slides/advanced_part3.pptx
+++ b/slides/advanced_part3.pptx
@@ -272,7 +272,7 @@
           <a:p>
             <a:fld id="{154B9960-65DD-7948-AAE5-CA021B06E14D}" type="datetimeFigureOut">
               <a:rPr lang="en-US" smtClean="0"/>
-              <a:t>07/04/16</a:t>
+              <a:t>08/04/16</a:t>
             </a:fld>
             <a:endParaRPr lang="en-GB"/>
           </a:p>
@@ -3266,7 +3266,7 @@
           <a:p>
             <a:fld id="{D96F9273-1B51-1D4D-B007-2EA617412104}" type="datetimeFigureOut">
               <a:rPr lang="en-US" smtClean="0"/>
-              <a:t>07/04/16</a:t>
+              <a:t>08/04/16</a:t>
             </a:fld>
             <a:endParaRPr lang="en-GB"/>
           </a:p>
@@ -3436,7 +3436,7 @@
           <a:p>
             <a:fld id="{D96F9273-1B51-1D4D-B007-2EA617412104}" type="datetimeFigureOut">
               <a:rPr lang="en-US" smtClean="0"/>
-              <a:t>07/04/16</a:t>
+              <a:t>08/04/16</a:t>
             </a:fld>
             <a:endParaRPr lang="en-GB"/>
           </a:p>
@@ -3616,7 +3616,7 @@
           <a:p>
             <a:fld id="{D96F9273-1B51-1D4D-B007-2EA617412104}" type="datetimeFigureOut">
               <a:rPr lang="en-US" smtClean="0"/>
-              <a:t>07/04/16</a:t>
+              <a:t>08/04/16</a:t>
             </a:fld>
             <a:endParaRPr lang="en-GB"/>
           </a:p>
@@ -3786,7 +3786,7 @@
           <a:p>
             <a:fld id="{D96F9273-1B51-1D4D-B007-2EA617412104}" type="datetimeFigureOut">
               <a:rPr lang="en-US" smtClean="0"/>
-              <a:t>07/04/16</a:t>
+              <a:t>08/04/16</a:t>
             </a:fld>
             <a:endParaRPr lang="en-GB"/>
           </a:p>
@@ -4032,7 +4032,7 @@
           <a:p>
             <a:fld id="{D96F9273-1B51-1D4D-B007-2EA617412104}" type="datetimeFigureOut">
               <a:rPr lang="en-US" smtClean="0"/>
-              <a:t>07/04/16</a:t>
+              <a:t>08/04/16</a:t>
             </a:fld>
             <a:endParaRPr lang="en-GB"/>
           </a:p>
@@ -4320,7 +4320,7 @@
           <a:p>
             <a:fld id="{D96F9273-1B51-1D4D-B007-2EA617412104}" type="datetimeFigureOut">
               <a:rPr lang="en-US" smtClean="0"/>
-              <a:t>07/04/16</a:t>
+              <a:t>08/04/16</a:t>
             </a:fld>
             <a:endParaRPr lang="en-GB"/>
           </a:p>
@@ -4742,7 +4742,7 @@
           <a:p>
             <a:fld id="{D96F9273-1B51-1D4D-B007-2EA617412104}" type="datetimeFigureOut">
               <a:rPr lang="en-US" smtClean="0"/>
-              <a:t>07/04/16</a:t>
+              <a:t>08/04/16</a:t>
             </a:fld>
             <a:endParaRPr lang="en-GB"/>
           </a:p>
@@ -4860,7 +4860,7 @@
           <a:p>
             <a:fld id="{D96F9273-1B51-1D4D-B007-2EA617412104}" type="datetimeFigureOut">
               <a:rPr lang="en-US" smtClean="0"/>
-              <a:t>07/04/16</a:t>
+              <a:t>08/04/16</a:t>
             </a:fld>
             <a:endParaRPr lang="en-GB"/>
           </a:p>
@@ -4955,7 +4955,7 @@
           <a:p>
             <a:fld id="{D96F9273-1B51-1D4D-B007-2EA617412104}" type="datetimeFigureOut">
               <a:rPr lang="en-US" smtClean="0"/>
-              <a:t>07/04/16</a:t>
+              <a:t>08/04/16</a:t>
             </a:fld>
             <a:endParaRPr lang="en-GB"/>
           </a:p>
@@ -5232,7 +5232,7 @@
           <a:p>
             <a:fld id="{D96F9273-1B51-1D4D-B007-2EA617412104}" type="datetimeFigureOut">
               <a:rPr lang="en-US" smtClean="0"/>
-              <a:t>07/04/16</a:t>
+              <a:t>08/04/16</a:t>
             </a:fld>
             <a:endParaRPr lang="en-GB"/>
           </a:p>
@@ -5485,7 +5485,7 @@
           <a:p>
             <a:fld id="{D96F9273-1B51-1D4D-B007-2EA617412104}" type="datetimeFigureOut">
               <a:rPr lang="en-US" smtClean="0"/>
-              <a:t>07/04/16</a:t>
+              <a:t>08/04/16</a:t>
             </a:fld>
             <a:endParaRPr lang="en-GB"/>
           </a:p>
@@ -5698,7 +5698,7 @@
           <a:p>
             <a:fld id="{D96F9273-1B51-1D4D-B007-2EA617412104}" type="datetimeFigureOut">
               <a:rPr lang="en-US" smtClean="0"/>
-              <a:t>07/04/16</a:t>
+              <a:t>08/04/16</a:t>
             </a:fld>
             <a:endParaRPr lang="en-GB"/>
           </a:p>
@@ -49217,7 +49217,7 @@
         </p:spPr>
         <p:txBody>
           <a:bodyPr>
-            <a:normAutofit fontScale="92500" lnSpcReduction="20000"/>
+            <a:normAutofit fontScale="77500" lnSpcReduction="20000"/>
           </a:bodyPr>
           <a:lstStyle/>
           <a:p>
@@ -49226,14 +49226,14 @@
               <a:t>Start with the </a:t>
             </a:r>
             <a:r>
-              <a:rPr lang="en-GB" smtClean="0">
+              <a:rPr lang="en-GB" dirty="0" smtClean="0">
                 <a:latin typeface="Courier New"/>
                 <a:cs typeface="Courier New"/>
               </a:rPr>
               <a:t>Bilateral</a:t>
             </a:r>
             <a:r>
-              <a:rPr lang="en-GB" smtClean="0"/>
+              <a:rPr lang="en-GB" dirty="0" smtClean="0"/>
               <a:t> example</a:t>
             </a:r>
             <a:endParaRPr lang="en-GB" dirty="0"/>
@@ -49291,8 +49291,63 @@
           <a:p>
             <a:r>
               <a:rPr lang="en-GB" dirty="0" smtClean="0"/>
-              <a:t>Extra: try some other optimizations such as native functions</a:t>
-            </a:r>
+              <a:t>Extra: try some other optimizations such as native </a:t>
+            </a:r>
+            <a:r>
+              <a:rPr lang="en-GB" dirty="0" smtClean="0"/>
+              <a:t>functions</a:t>
+            </a:r>
+          </a:p>
+          <a:p>
+            <a:r>
+              <a:rPr lang="en-GB" dirty="0"/>
+              <a:t>Tip: If verification is too slow, use </a:t>
+            </a:r>
+            <a:r>
+              <a:rPr lang="en-GB" b="1" dirty="0">
+                <a:solidFill>
+                  <a:srgbClr val="3366FF"/>
+                </a:solidFill>
+                <a:latin typeface="Courier New"/>
+                <a:cs typeface="Courier New"/>
+              </a:rPr>
+              <a:t>--</a:t>
+            </a:r>
+            <a:r>
+              <a:rPr lang="en-GB" b="1" dirty="0" err="1">
+                <a:solidFill>
+                  <a:srgbClr val="3366FF"/>
+                </a:solidFill>
+                <a:latin typeface="Courier New"/>
+                <a:cs typeface="Courier New"/>
+              </a:rPr>
+              <a:t>noverify</a:t>
+            </a:r>
+            <a:r>
+              <a:rPr lang="en-GB" dirty="0"/>
+              <a:t> flag or set </a:t>
+            </a:r>
+            <a:r>
+              <a:rPr lang="en-GB" b="1" dirty="0">
+                <a:solidFill>
+                  <a:srgbClr val="3366FF"/>
+                </a:solidFill>
+                <a:latin typeface="Courier New"/>
+                <a:cs typeface="Courier New"/>
+              </a:rPr>
+              <a:t>verify = </a:t>
+            </a:r>
+            <a:r>
+              <a:rPr lang="en-GB" b="1" dirty="0" smtClean="0">
+                <a:solidFill>
+                  <a:srgbClr val="3366FF"/>
+                </a:solidFill>
+                <a:latin typeface="Courier New"/>
+                <a:cs typeface="Courier New"/>
+              </a:rPr>
+              <a:t>false</a:t>
+            </a:r>
+            <a:endParaRPr lang="en-GB" dirty="0"/>
           </a:p>
         </p:txBody>
       </p:sp>

--- a/slides/advanced_part3.pptx
+++ b/slides/advanced_part3.pptx
@@ -5,7 +5,7 @@
     <p:sldMasterId id="2147483648" r:id="rId1"/>
   </p:sldMasterIdLst>
   <p:notesMasterIdLst>
-    <p:notesMasterId r:id="rId83"/>
+    <p:notesMasterId r:id="rId84"/>
   </p:notesMasterIdLst>
   <p:sldIdLst>
     <p:sldId id="257" r:id="rId2"/>
@@ -89,6 +89,7 @@
     <p:sldId id="332" r:id="rId80"/>
     <p:sldId id="333" r:id="rId81"/>
     <p:sldId id="334" r:id="rId82"/>
+    <p:sldId id="339" r:id="rId83"/>
   </p:sldIdLst>
   <p:sldSz cx="9144000" cy="6858000" type="screen4x3"/>
   <p:notesSz cx="6858000" cy="9144000"/>
@@ -272,7 +273,7 @@
           <a:p>
             <a:fld id="{154B9960-65DD-7948-AAE5-CA021B06E14D}" type="datetimeFigureOut">
               <a:rPr lang="en-US" smtClean="0"/>
-              <a:t>08/04/16</a:t>
+              <a:t>14/04/16</a:t>
             </a:fld>
             <a:endParaRPr lang="en-GB"/>
           </a:p>
@@ -3266,7 +3267,7 @@
           <a:p>
             <a:fld id="{D96F9273-1B51-1D4D-B007-2EA617412104}" type="datetimeFigureOut">
               <a:rPr lang="en-US" smtClean="0"/>
-              <a:t>08/04/16</a:t>
+              <a:t>14/04/16</a:t>
             </a:fld>
             <a:endParaRPr lang="en-GB"/>
           </a:p>
@@ -3436,7 +3437,7 @@
           <a:p>
             <a:fld id="{D96F9273-1B51-1D4D-B007-2EA617412104}" type="datetimeFigureOut">
               <a:rPr lang="en-US" smtClean="0"/>
-              <a:t>08/04/16</a:t>
+              <a:t>14/04/16</a:t>
             </a:fld>
             <a:endParaRPr lang="en-GB"/>
           </a:p>
@@ -3616,7 +3617,7 @@
           <a:p>
             <a:fld id="{D96F9273-1B51-1D4D-B007-2EA617412104}" type="datetimeFigureOut">
               <a:rPr lang="en-US" smtClean="0"/>
-              <a:t>08/04/16</a:t>
+              <a:t>14/04/16</a:t>
             </a:fld>
             <a:endParaRPr lang="en-GB"/>
           </a:p>
@@ -3786,7 +3787,7 @@
           <a:p>
             <a:fld id="{D96F9273-1B51-1D4D-B007-2EA617412104}" type="datetimeFigureOut">
               <a:rPr lang="en-US" smtClean="0"/>
-              <a:t>08/04/16</a:t>
+              <a:t>14/04/16</a:t>
             </a:fld>
             <a:endParaRPr lang="en-GB"/>
           </a:p>
@@ -4032,7 +4033,7 @@
           <a:p>
             <a:fld id="{D96F9273-1B51-1D4D-B007-2EA617412104}" type="datetimeFigureOut">
               <a:rPr lang="en-US" smtClean="0"/>
-              <a:t>08/04/16</a:t>
+              <a:t>14/04/16</a:t>
             </a:fld>
             <a:endParaRPr lang="en-GB"/>
           </a:p>
@@ -4320,7 +4321,7 @@
           <a:p>
             <a:fld id="{D96F9273-1B51-1D4D-B007-2EA617412104}" type="datetimeFigureOut">
               <a:rPr lang="en-US" smtClean="0"/>
-              <a:t>08/04/16</a:t>
+              <a:t>14/04/16</a:t>
             </a:fld>
             <a:endParaRPr lang="en-GB"/>
           </a:p>
@@ -4742,7 +4743,7 @@
           <a:p>
             <a:fld id="{D96F9273-1B51-1D4D-B007-2EA617412104}" type="datetimeFigureOut">
               <a:rPr lang="en-US" smtClean="0"/>
-              <a:t>08/04/16</a:t>
+              <a:t>14/04/16</a:t>
             </a:fld>
             <a:endParaRPr lang="en-GB"/>
           </a:p>
@@ -4860,7 +4861,7 @@
           <a:p>
             <a:fld id="{D96F9273-1B51-1D4D-B007-2EA617412104}" type="datetimeFigureOut">
               <a:rPr lang="en-US" smtClean="0"/>
-              <a:t>08/04/16</a:t>
+              <a:t>14/04/16</a:t>
             </a:fld>
             <a:endParaRPr lang="en-GB"/>
           </a:p>
@@ -4955,7 +4956,7 @@
           <a:p>
             <a:fld id="{D96F9273-1B51-1D4D-B007-2EA617412104}" type="datetimeFigureOut">
               <a:rPr lang="en-US" smtClean="0"/>
-              <a:t>08/04/16</a:t>
+              <a:t>14/04/16</a:t>
             </a:fld>
             <a:endParaRPr lang="en-GB"/>
           </a:p>
@@ -5232,7 +5233,7 @@
           <a:p>
             <a:fld id="{D96F9273-1B51-1D4D-B007-2EA617412104}" type="datetimeFigureOut">
               <a:rPr lang="en-US" smtClean="0"/>
-              <a:t>08/04/16</a:t>
+              <a:t>14/04/16</a:t>
             </a:fld>
             <a:endParaRPr lang="en-GB"/>
           </a:p>
@@ -5485,7 +5486,7 @@
           <a:p>
             <a:fld id="{D96F9273-1B51-1D4D-B007-2EA617412104}" type="datetimeFigureOut">
               <a:rPr lang="en-US" smtClean="0"/>
-              <a:t>08/04/16</a:t>
+              <a:t>14/04/16</a:t>
             </a:fld>
             <a:endParaRPr lang="en-GB"/>
           </a:p>
@@ -5698,7 +5699,7 @@
           <a:p>
             <a:fld id="{D96F9273-1B51-1D4D-B007-2EA617412104}" type="datetimeFigureOut">
               <a:rPr lang="en-US" smtClean="0"/>
-              <a:t>08/04/16</a:t>
+              <a:t>14/04/16</a:t>
             </a:fld>
             <a:endParaRPr lang="en-GB"/>
           </a:p>
@@ -6347,11 +6348,11 @@
   <p:clrMapOvr>
     <a:masterClrMapping/>
   </p:clrMapOvr>
-  <mc:AlternateContent xmlns:mc="http://schemas.openxmlformats.org/markup-compatibility/2006" xmlns:p14="http://schemas.microsoft.com/office/powerpoint/2010/main">
-    <mc:Choice Requires="p14">
+  <mc:AlternateContent xmlns:mc="http://schemas.openxmlformats.org/markup-compatibility/2006">
+    <mc:Choice xmlns:p14="http://schemas.microsoft.com/office/powerpoint/2010/main" Requires="p14">
       <p:transition spd="slow" p14:dur="2000"/>
     </mc:Choice>
-    <mc:Fallback xmlns="">
+    <mc:Fallback>
       <p:transition xmlns:p14="http://schemas.microsoft.com/office/powerpoint/2010/main" spd="slow"/>
     </mc:Fallback>
   </mc:AlternateContent>
@@ -6648,11 +6649,11 @@
   <p:clrMapOvr>
     <a:masterClrMapping/>
   </p:clrMapOvr>
-  <mc:AlternateContent xmlns:mc="http://schemas.openxmlformats.org/markup-compatibility/2006" xmlns:p14="http://schemas.microsoft.com/office/powerpoint/2010/main">
-    <mc:Choice Requires="p14">
+  <mc:AlternateContent xmlns:mc="http://schemas.openxmlformats.org/markup-compatibility/2006">
+    <mc:Choice xmlns:p14="http://schemas.microsoft.com/office/powerpoint/2010/main" Requires="p14">
       <p:transition spd="slow" p14:dur="2000"/>
     </mc:Choice>
-    <mc:Fallback xmlns="">
+    <mc:Fallback>
       <p:transition xmlns:p14="http://schemas.microsoft.com/office/powerpoint/2010/main" spd="slow"/>
     </mc:Fallback>
   </mc:AlternateContent>
@@ -6774,11 +6775,11 @@
   <p:clrMapOvr>
     <a:masterClrMapping/>
   </p:clrMapOvr>
-  <mc:AlternateContent xmlns:mc="http://schemas.openxmlformats.org/markup-compatibility/2006" xmlns:p14="http://schemas.microsoft.com/office/powerpoint/2010/main">
-    <mc:Choice Requires="p14">
+  <mc:AlternateContent xmlns:mc="http://schemas.openxmlformats.org/markup-compatibility/2006">
+    <mc:Choice xmlns:p14="http://schemas.microsoft.com/office/powerpoint/2010/main" Requires="p14">
       <p:transition spd="slow" p14:dur="2000"/>
     </mc:Choice>
-    <mc:Fallback xmlns="">
+    <mc:Fallback>
       <p:transition xmlns:p14="http://schemas.microsoft.com/office/powerpoint/2010/main" spd="slow"/>
     </mc:Fallback>
   </mc:AlternateContent>
@@ -6933,11 +6934,11 @@
   <p:clrMapOvr>
     <a:masterClrMapping/>
   </p:clrMapOvr>
-  <mc:AlternateContent xmlns:mc="http://schemas.openxmlformats.org/markup-compatibility/2006" xmlns:p14="http://schemas.microsoft.com/office/powerpoint/2010/main">
-    <mc:Choice Requires="p14">
+  <mc:AlternateContent xmlns:mc="http://schemas.openxmlformats.org/markup-compatibility/2006">
+    <mc:Choice xmlns:p14="http://schemas.microsoft.com/office/powerpoint/2010/main" Requires="p14">
       <p:transition spd="slow" p14:dur="2000"/>
     </mc:Choice>
-    <mc:Fallback xmlns="">
+    <mc:Fallback>
       <p:transition xmlns:p14="http://schemas.microsoft.com/office/powerpoint/2010/main" spd="slow"/>
     </mc:Fallback>
   </mc:AlternateContent>
@@ -7045,11 +7046,11 @@
   <p:clrMapOvr>
     <a:masterClrMapping/>
   </p:clrMapOvr>
-  <mc:AlternateContent xmlns:mc="http://schemas.openxmlformats.org/markup-compatibility/2006" xmlns:p14="http://schemas.microsoft.com/office/powerpoint/2010/main">
-    <mc:Choice Requires="p14">
+  <mc:AlternateContent xmlns:mc="http://schemas.openxmlformats.org/markup-compatibility/2006">
+    <mc:Choice xmlns:p14="http://schemas.microsoft.com/office/powerpoint/2010/main" Requires="p14">
       <p:transition spd="slow" p14:dur="2000"/>
     </mc:Choice>
-    <mc:Fallback xmlns="">
+    <mc:Fallback>
       <p:transition xmlns:p14="http://schemas.microsoft.com/office/powerpoint/2010/main" spd="slow"/>
     </mc:Fallback>
   </mc:AlternateContent>
@@ -7808,11 +7809,11 @@
   <p:clrMapOvr>
     <a:masterClrMapping/>
   </p:clrMapOvr>
-  <mc:AlternateContent xmlns:mc="http://schemas.openxmlformats.org/markup-compatibility/2006" xmlns:p14="http://schemas.microsoft.com/office/powerpoint/2010/main">
-    <mc:Choice Requires="p14">
+  <mc:AlternateContent xmlns:mc="http://schemas.openxmlformats.org/markup-compatibility/2006">
+    <mc:Choice xmlns:p14="http://schemas.microsoft.com/office/powerpoint/2010/main" Requires="p14">
       <p:transition spd="slow" p14:dur="2000"/>
     </mc:Choice>
-    <mc:Fallback xmlns="">
+    <mc:Fallback>
       <p:transition xmlns:p14="http://schemas.microsoft.com/office/powerpoint/2010/main" spd="slow"/>
     </mc:Fallback>
   </mc:AlternateContent>
@@ -8090,11 +8091,11 @@
   <p:clrMapOvr>
     <a:masterClrMapping/>
   </p:clrMapOvr>
-  <mc:AlternateContent xmlns:mc="http://schemas.openxmlformats.org/markup-compatibility/2006" xmlns:p14="http://schemas.microsoft.com/office/powerpoint/2010/main">
-    <mc:Choice Requires="p14">
+  <mc:AlternateContent xmlns:mc="http://schemas.openxmlformats.org/markup-compatibility/2006">
+    <mc:Choice xmlns:p14="http://schemas.microsoft.com/office/powerpoint/2010/main" Requires="p14">
       <p:transition spd="slow" p14:dur="2000"/>
     </mc:Choice>
-    <mc:Fallback xmlns="">
+    <mc:Fallback>
       <p:transition xmlns:p14="http://schemas.microsoft.com/office/powerpoint/2010/main" spd="slow"/>
     </mc:Fallback>
   </mc:AlternateContent>
@@ -8242,11 +8243,11 @@
   <p:clrMapOvr>
     <a:masterClrMapping/>
   </p:clrMapOvr>
-  <mc:AlternateContent xmlns:mc="http://schemas.openxmlformats.org/markup-compatibility/2006" xmlns:p14="http://schemas.microsoft.com/office/powerpoint/2010/main">
-    <mc:Choice Requires="p14">
+  <mc:AlternateContent xmlns:mc="http://schemas.openxmlformats.org/markup-compatibility/2006">
+    <mc:Choice xmlns:p14="http://schemas.microsoft.com/office/powerpoint/2010/main" Requires="p14">
       <p:transition spd="slow" p14:dur="2000"/>
     </mc:Choice>
-    <mc:Fallback xmlns="">
+    <mc:Fallback>
       <p:transition xmlns:p14="http://schemas.microsoft.com/office/powerpoint/2010/main" spd="slow"/>
     </mc:Fallback>
   </mc:AlternateContent>
@@ -8400,11 +8401,11 @@
   <p:clrMapOvr>
     <a:masterClrMapping/>
   </p:clrMapOvr>
-  <mc:AlternateContent xmlns:mc="http://schemas.openxmlformats.org/markup-compatibility/2006" xmlns:p14="http://schemas.microsoft.com/office/powerpoint/2010/main">
-    <mc:Choice Requires="p14">
+  <mc:AlternateContent xmlns:mc="http://schemas.openxmlformats.org/markup-compatibility/2006">
+    <mc:Choice xmlns:p14="http://schemas.microsoft.com/office/powerpoint/2010/main" Requires="p14">
       <p:transition spd="slow" p14:dur="2000"/>
     </mc:Choice>
-    <mc:Fallback xmlns="">
+    <mc:Fallback>
       <p:transition xmlns:p14="http://schemas.microsoft.com/office/powerpoint/2010/main" spd="slow"/>
     </mc:Fallback>
   </mc:AlternateContent>
@@ -8950,11 +8951,11 @@
   <p:clrMapOvr>
     <a:masterClrMapping/>
   </p:clrMapOvr>
-  <mc:AlternateContent xmlns:mc="http://schemas.openxmlformats.org/markup-compatibility/2006" xmlns:p14="http://schemas.microsoft.com/office/powerpoint/2010/main">
-    <mc:Choice Requires="p14">
+  <mc:AlternateContent xmlns:mc="http://schemas.openxmlformats.org/markup-compatibility/2006">
+    <mc:Choice xmlns:p14="http://schemas.microsoft.com/office/powerpoint/2010/main" Requires="p14">
       <p:transition spd="slow" p14:dur="2000"/>
     </mc:Choice>
-    <mc:Fallback xmlns="">
+    <mc:Fallback>
       <p:transition xmlns:p14="http://schemas.microsoft.com/office/powerpoint/2010/main" spd="slow"/>
     </mc:Fallback>
   </mc:AlternateContent>
@@ -9454,11 +9455,11 @@
   <p:clrMapOvr>
     <a:masterClrMapping/>
   </p:clrMapOvr>
-  <mc:AlternateContent xmlns:mc="http://schemas.openxmlformats.org/markup-compatibility/2006" xmlns:p14="http://schemas.microsoft.com/office/powerpoint/2010/main">
-    <mc:Choice Requires="p14">
+  <mc:AlternateContent xmlns:mc="http://schemas.openxmlformats.org/markup-compatibility/2006">
+    <mc:Choice xmlns:p14="http://schemas.microsoft.com/office/powerpoint/2010/main" Requires="p14">
       <p:transition spd="slow" p14:dur="2000"/>
     </mc:Choice>
-    <mc:Fallback xmlns="">
+    <mc:Fallback>
       <p:transition xmlns:p14="http://schemas.microsoft.com/office/powerpoint/2010/main" spd="slow"/>
     </mc:Fallback>
   </mc:AlternateContent>
@@ -9666,11 +9667,11 @@
   <p:clrMapOvr>
     <a:masterClrMapping/>
   </p:clrMapOvr>
-  <mc:AlternateContent xmlns:mc="http://schemas.openxmlformats.org/markup-compatibility/2006" xmlns:p14="http://schemas.microsoft.com/office/powerpoint/2010/main">
-    <mc:Choice Requires="p14">
+  <mc:AlternateContent xmlns:mc="http://schemas.openxmlformats.org/markup-compatibility/2006">
+    <mc:Choice xmlns:p14="http://schemas.microsoft.com/office/powerpoint/2010/main" Requires="p14">
       <p:transition spd="slow" p14:dur="2000"/>
     </mc:Choice>
-    <mc:Fallback xmlns="">
+    <mc:Fallback>
       <p:transition xmlns:p14="http://schemas.microsoft.com/office/powerpoint/2010/main" spd="slow"/>
     </mc:Fallback>
   </mc:AlternateContent>
@@ -9881,11 +9882,11 @@
   <p:clrMapOvr>
     <a:masterClrMapping/>
   </p:clrMapOvr>
-  <mc:AlternateContent xmlns:mc="http://schemas.openxmlformats.org/markup-compatibility/2006" xmlns:p14="http://schemas.microsoft.com/office/powerpoint/2010/main">
-    <mc:Choice Requires="p14">
+  <mc:AlternateContent xmlns:mc="http://schemas.openxmlformats.org/markup-compatibility/2006">
+    <mc:Choice xmlns:p14="http://schemas.microsoft.com/office/powerpoint/2010/main" Requires="p14">
       <p:transition spd="slow" p14:dur="2000"/>
     </mc:Choice>
-    <mc:Fallback xmlns="">
+    <mc:Fallback>
       <p:transition xmlns:p14="http://schemas.microsoft.com/office/powerpoint/2010/main" spd="slow"/>
     </mc:Fallback>
   </mc:AlternateContent>
@@ -10027,11 +10028,11 @@
   <p:clrMapOvr>
     <a:masterClrMapping/>
   </p:clrMapOvr>
-  <mc:AlternateContent xmlns:mc="http://schemas.openxmlformats.org/markup-compatibility/2006" xmlns:p14="http://schemas.microsoft.com/office/powerpoint/2010/main">
-    <mc:Choice Requires="p14">
+  <mc:AlternateContent xmlns:mc="http://schemas.openxmlformats.org/markup-compatibility/2006">
+    <mc:Choice xmlns:p14="http://schemas.microsoft.com/office/powerpoint/2010/main" Requires="p14">
       <p:transition spd="slow" p14:dur="2000"/>
     </mc:Choice>
-    <mc:Fallback xmlns="">
+    <mc:Fallback>
       <p:transition xmlns:p14="http://schemas.microsoft.com/office/powerpoint/2010/main" spd="slow"/>
     </mc:Fallback>
   </mc:AlternateContent>
@@ -10181,11 +10182,11 @@
   <p:clrMapOvr>
     <a:masterClrMapping/>
   </p:clrMapOvr>
-  <mc:AlternateContent xmlns:mc="http://schemas.openxmlformats.org/markup-compatibility/2006" xmlns:p14="http://schemas.microsoft.com/office/powerpoint/2010/main">
-    <mc:Choice Requires="p14">
+  <mc:AlternateContent xmlns:mc="http://schemas.openxmlformats.org/markup-compatibility/2006">
+    <mc:Choice xmlns:p14="http://schemas.microsoft.com/office/powerpoint/2010/main" Requires="p14">
       <p:transition spd="slow" p14:dur="2000"/>
     </mc:Choice>
-    <mc:Fallback xmlns="">
+    <mc:Fallback>
       <p:transition xmlns:p14="http://schemas.microsoft.com/office/powerpoint/2010/main" spd="slow"/>
     </mc:Fallback>
   </mc:AlternateContent>
@@ -10279,11 +10280,11 @@
   <p:clrMapOvr>
     <a:masterClrMapping/>
   </p:clrMapOvr>
-  <mc:AlternateContent xmlns:mc="http://schemas.openxmlformats.org/markup-compatibility/2006" xmlns:p14="http://schemas.microsoft.com/office/powerpoint/2010/main">
-    <mc:Choice Requires="p14">
+  <mc:AlternateContent xmlns:mc="http://schemas.openxmlformats.org/markup-compatibility/2006">
+    <mc:Choice xmlns:p14="http://schemas.microsoft.com/office/powerpoint/2010/main" Requires="p14">
       <p:transition spd="slow" p14:dur="2000"/>
     </mc:Choice>
-    <mc:Fallback xmlns="">
+    <mc:Fallback>
       <p:transition xmlns:p14="http://schemas.microsoft.com/office/powerpoint/2010/main" spd="slow"/>
     </mc:Fallback>
   </mc:AlternateContent>
@@ -10437,11 +10438,11 @@
   <p:clrMapOvr>
     <a:masterClrMapping/>
   </p:clrMapOvr>
-  <mc:AlternateContent xmlns:mc="http://schemas.openxmlformats.org/markup-compatibility/2006" xmlns:p14="http://schemas.microsoft.com/office/powerpoint/2010/main">
-    <mc:Choice Requires="p14">
+  <mc:AlternateContent xmlns:mc="http://schemas.openxmlformats.org/markup-compatibility/2006">
+    <mc:Choice xmlns:p14="http://schemas.microsoft.com/office/powerpoint/2010/main" Requires="p14">
       <p:transition spd="slow" p14:dur="2000"/>
     </mc:Choice>
-    <mc:Fallback xmlns="">
+    <mc:Fallback>
       <p:transition xmlns:p14="http://schemas.microsoft.com/office/powerpoint/2010/main" spd="slow"/>
     </mc:Fallback>
   </mc:AlternateContent>
@@ -10597,11 +10598,11 @@
   <p:clrMapOvr>
     <a:masterClrMapping/>
   </p:clrMapOvr>
-  <mc:AlternateContent xmlns:mc="http://schemas.openxmlformats.org/markup-compatibility/2006" xmlns:p14="http://schemas.microsoft.com/office/powerpoint/2010/main">
-    <mc:Choice Requires="p14">
+  <mc:AlternateContent xmlns:mc="http://schemas.openxmlformats.org/markup-compatibility/2006">
+    <mc:Choice xmlns:p14="http://schemas.microsoft.com/office/powerpoint/2010/main" Requires="p14">
       <p:transition spd="slow" p14:dur="2000"/>
     </mc:Choice>
-    <mc:Fallback xmlns="">
+    <mc:Fallback>
       <p:transition xmlns:p14="http://schemas.microsoft.com/office/powerpoint/2010/main" spd="slow"/>
     </mc:Fallback>
   </mc:AlternateContent>
@@ -10819,11 +10820,11 @@
   <p:clrMapOvr>
     <a:masterClrMapping/>
   </p:clrMapOvr>
-  <mc:AlternateContent xmlns:mc="http://schemas.openxmlformats.org/markup-compatibility/2006" xmlns:p14="http://schemas.microsoft.com/office/powerpoint/2010/main">
-    <mc:Choice Requires="p14">
+  <mc:AlternateContent xmlns:mc="http://schemas.openxmlformats.org/markup-compatibility/2006">
+    <mc:Choice xmlns:p14="http://schemas.microsoft.com/office/powerpoint/2010/main" Requires="p14">
       <p:transition spd="slow" p14:dur="2000"/>
     </mc:Choice>
-    <mc:Fallback xmlns="">
+    <mc:Fallback>
       <p:transition xmlns:p14="http://schemas.microsoft.com/office/powerpoint/2010/main" spd="slow"/>
     </mc:Fallback>
   </mc:AlternateContent>
@@ -10929,11 +10930,11 @@
   <p:clrMapOvr>
     <a:masterClrMapping/>
   </p:clrMapOvr>
-  <mc:AlternateContent xmlns:mc="http://schemas.openxmlformats.org/markup-compatibility/2006" xmlns:p14="http://schemas.microsoft.com/office/powerpoint/2010/main">
-    <mc:Choice Requires="p14">
+  <mc:AlternateContent xmlns:mc="http://schemas.openxmlformats.org/markup-compatibility/2006">
+    <mc:Choice xmlns:p14="http://schemas.microsoft.com/office/powerpoint/2010/main" Requires="p14">
       <p:transition spd="slow" p14:dur="2000"/>
     </mc:Choice>
-    <mc:Fallback xmlns="">
+    <mc:Fallback>
       <p:transition xmlns:p14="http://schemas.microsoft.com/office/powerpoint/2010/main" spd="slow"/>
     </mc:Fallback>
   </mc:AlternateContent>
@@ -12141,11 +12142,11 @@
   <p:clrMapOvr>
     <a:masterClrMapping/>
   </p:clrMapOvr>
-  <mc:AlternateContent xmlns:mc="http://schemas.openxmlformats.org/markup-compatibility/2006" xmlns:p14="http://schemas.microsoft.com/office/powerpoint/2010/main">
-    <mc:Choice Requires="p14">
+  <mc:AlternateContent xmlns:mc="http://schemas.openxmlformats.org/markup-compatibility/2006">
+    <mc:Choice xmlns:p14="http://schemas.microsoft.com/office/powerpoint/2010/main" Requires="p14">
       <p:transition spd="slow" p14:dur="2000"/>
     </mc:Choice>
-    <mc:Fallback xmlns="">
+    <mc:Fallback>
       <p:transition xmlns:p14="http://schemas.microsoft.com/office/powerpoint/2010/main" spd="slow"/>
     </mc:Fallback>
   </mc:AlternateContent>
@@ -12692,11 +12693,11 @@
   <p:clrMapOvr>
     <a:masterClrMapping/>
   </p:clrMapOvr>
-  <mc:AlternateContent xmlns:mc="http://schemas.openxmlformats.org/markup-compatibility/2006" xmlns:p14="http://schemas.microsoft.com/office/powerpoint/2010/main">
-    <mc:Choice Requires="p14">
+  <mc:AlternateContent xmlns:mc="http://schemas.openxmlformats.org/markup-compatibility/2006">
+    <mc:Choice xmlns:p14="http://schemas.microsoft.com/office/powerpoint/2010/main" Requires="p14">
       <p:transition spd="slow" p14:dur="2000"/>
     </mc:Choice>
-    <mc:Fallback xmlns="">
+    <mc:Fallback>
       <p:transition xmlns:p14="http://schemas.microsoft.com/office/powerpoint/2010/main" spd="slow"/>
     </mc:Fallback>
   </mc:AlternateContent>
@@ -12972,11 +12973,11 @@
   <p:clrMapOvr>
     <a:masterClrMapping/>
   </p:clrMapOvr>
-  <mc:AlternateContent xmlns:mc="http://schemas.openxmlformats.org/markup-compatibility/2006" xmlns:p14="http://schemas.microsoft.com/office/powerpoint/2010/main">
-    <mc:Choice Requires="p14">
+  <mc:AlternateContent xmlns:mc="http://schemas.openxmlformats.org/markup-compatibility/2006">
+    <mc:Choice xmlns:p14="http://schemas.microsoft.com/office/powerpoint/2010/main" Requires="p14">
       <p:transition spd="slow" p14:dur="2000"/>
     </mc:Choice>
-    <mc:Fallback xmlns="">
+    <mc:Fallback>
       <p:transition xmlns:p14="http://schemas.microsoft.com/office/powerpoint/2010/main" spd="slow"/>
     </mc:Fallback>
   </mc:AlternateContent>
@@ -13100,11 +13101,11 @@
   <p:clrMapOvr>
     <a:masterClrMapping/>
   </p:clrMapOvr>
-  <mc:AlternateContent xmlns:mc="http://schemas.openxmlformats.org/markup-compatibility/2006" xmlns:p14="http://schemas.microsoft.com/office/powerpoint/2010/main">
-    <mc:Choice Requires="p14">
+  <mc:AlternateContent xmlns:mc="http://schemas.openxmlformats.org/markup-compatibility/2006">
+    <mc:Choice xmlns:p14="http://schemas.microsoft.com/office/powerpoint/2010/main" Requires="p14">
       <p:transition spd="slow" p14:dur="2000"/>
     </mc:Choice>
-    <mc:Fallback xmlns="">
+    <mc:Fallback>
       <p:transition xmlns:p14="http://schemas.microsoft.com/office/powerpoint/2010/main" spd="slow"/>
     </mc:Fallback>
   </mc:AlternateContent>
@@ -13336,11 +13337,11 @@
   <p:clrMapOvr>
     <a:masterClrMapping/>
   </p:clrMapOvr>
-  <mc:AlternateContent xmlns:mc="http://schemas.openxmlformats.org/markup-compatibility/2006" xmlns:p14="http://schemas.microsoft.com/office/powerpoint/2010/main">
-    <mc:Choice Requires="p14">
+  <mc:AlternateContent xmlns:mc="http://schemas.openxmlformats.org/markup-compatibility/2006">
+    <mc:Choice xmlns:p14="http://schemas.microsoft.com/office/powerpoint/2010/main" Requires="p14">
       <p:transition spd="slow" p14:dur="2000"/>
     </mc:Choice>
-    <mc:Fallback xmlns="">
+    <mc:Fallback>
       <p:transition xmlns:p14="http://schemas.microsoft.com/office/powerpoint/2010/main" spd="slow"/>
     </mc:Fallback>
   </mc:AlternateContent>
@@ -13355,7 +13356,7 @@
 </file>
 
 <file path=ppt/slides/slide36.xml><?xml version="1.0" encoding="utf-8"?>
-<p:sld xmlns:a="http://schemas.openxmlformats.org/drawingml/2006/main" xmlns:r="http://schemas.openxmlformats.org/officeDocument/2006/relationships" xmlns:p="http://schemas.openxmlformats.org/presentationml/2006/main" show="0">
+<p:sld xmlns:a="http://schemas.openxmlformats.org/drawingml/2006/main" xmlns:r="http://schemas.openxmlformats.org/officeDocument/2006/relationships" xmlns:p="http://schemas.openxmlformats.org/presentationml/2006/main">
   <p:cSld>
     <p:spTree>
       <p:nvGrpSpPr>
@@ -13645,11 +13646,11 @@
   <p:clrMapOvr>
     <a:masterClrMapping/>
   </p:clrMapOvr>
-  <mc:AlternateContent xmlns:mc="http://schemas.openxmlformats.org/markup-compatibility/2006" xmlns:p14="http://schemas.microsoft.com/office/powerpoint/2010/main">
-    <mc:Choice Requires="p14">
+  <mc:AlternateContent xmlns:mc="http://schemas.openxmlformats.org/markup-compatibility/2006">
+    <mc:Choice xmlns:p14="http://schemas.microsoft.com/office/powerpoint/2010/main" Requires="p14">
       <p:transition spd="slow" p14:dur="2000"/>
     </mc:Choice>
-    <mc:Fallback xmlns="">
+    <mc:Fallback>
       <p:transition xmlns:p14="http://schemas.microsoft.com/office/powerpoint/2010/main" spd="slow"/>
     </mc:Fallback>
   </mc:AlternateContent>
@@ -13879,11 +13880,11 @@
   <p:clrMapOvr>
     <a:masterClrMapping/>
   </p:clrMapOvr>
-  <mc:AlternateContent xmlns:mc="http://schemas.openxmlformats.org/markup-compatibility/2006" xmlns:p14="http://schemas.microsoft.com/office/powerpoint/2010/main">
-    <mc:Choice Requires="p14">
+  <mc:AlternateContent xmlns:mc="http://schemas.openxmlformats.org/markup-compatibility/2006">
+    <mc:Choice xmlns:p14="http://schemas.microsoft.com/office/powerpoint/2010/main" Requires="p14">
       <p:transition spd="slow" p14:dur="2000"/>
     </mc:Choice>
-    <mc:Fallback xmlns="">
+    <mc:Fallback>
       <p:transition xmlns:p14="http://schemas.microsoft.com/office/powerpoint/2010/main" spd="slow"/>
     </mc:Fallback>
   </mc:AlternateContent>
@@ -13978,11 +13979,11 @@
   <p:clrMapOvr>
     <a:masterClrMapping/>
   </p:clrMapOvr>
-  <mc:AlternateContent xmlns:mc="http://schemas.openxmlformats.org/markup-compatibility/2006" xmlns:p14="http://schemas.microsoft.com/office/powerpoint/2010/main">
-    <mc:Choice Requires="p14">
+  <mc:AlternateContent xmlns:mc="http://schemas.openxmlformats.org/markup-compatibility/2006">
+    <mc:Choice xmlns:p14="http://schemas.microsoft.com/office/powerpoint/2010/main" Requires="p14">
       <p:transition spd="slow" p14:dur="2000"/>
     </mc:Choice>
-    <mc:Fallback xmlns="">
+    <mc:Fallback>
       <p:transition xmlns:p14="http://schemas.microsoft.com/office/powerpoint/2010/main" spd="slow"/>
     </mc:Fallback>
   </mc:AlternateContent>
@@ -14113,11 +14114,11 @@
   <p:clrMapOvr>
     <a:masterClrMapping/>
   </p:clrMapOvr>
-  <mc:AlternateContent xmlns:mc="http://schemas.openxmlformats.org/markup-compatibility/2006" xmlns:p14="http://schemas.microsoft.com/office/powerpoint/2010/main">
-    <mc:Choice Requires="p14">
+  <mc:AlternateContent xmlns:mc="http://schemas.openxmlformats.org/markup-compatibility/2006">
+    <mc:Choice xmlns:p14="http://schemas.microsoft.com/office/powerpoint/2010/main" Requires="p14">
       <p:transition spd="slow" p14:dur="2000"/>
     </mc:Choice>
-    <mc:Fallback xmlns="">
+    <mc:Fallback>
       <p:transition xmlns:p14="http://schemas.microsoft.com/office/powerpoint/2010/main" spd="slow"/>
     </mc:Fallback>
   </mc:AlternateContent>
@@ -14509,11 +14510,11 @@
   <p:clrMapOvr>
     <a:masterClrMapping/>
   </p:clrMapOvr>
-  <mc:AlternateContent xmlns:mc="http://schemas.openxmlformats.org/markup-compatibility/2006" xmlns:p14="http://schemas.microsoft.com/office/powerpoint/2010/main">
-    <mc:Choice Requires="p14">
+  <mc:AlternateContent xmlns:mc="http://schemas.openxmlformats.org/markup-compatibility/2006">
+    <mc:Choice xmlns:p14="http://schemas.microsoft.com/office/powerpoint/2010/main" Requires="p14">
       <p:transition spd="slow" p14:dur="2000"/>
     </mc:Choice>
-    <mc:Fallback xmlns="">
+    <mc:Fallback>
       <p:transition xmlns:p14="http://schemas.microsoft.com/office/powerpoint/2010/main" spd="slow"/>
     </mc:Fallback>
   </mc:AlternateContent>
@@ -14669,11 +14670,11 @@
   <p:clrMapOvr>
     <a:masterClrMapping/>
   </p:clrMapOvr>
-  <mc:AlternateContent xmlns:mc="http://schemas.openxmlformats.org/markup-compatibility/2006" xmlns:p14="http://schemas.microsoft.com/office/powerpoint/2010/main">
-    <mc:Choice Requires="p14">
+  <mc:AlternateContent xmlns:mc="http://schemas.openxmlformats.org/markup-compatibility/2006">
+    <mc:Choice xmlns:p14="http://schemas.microsoft.com/office/powerpoint/2010/main" Requires="p14">
       <p:transition spd="slow" p14:dur="2000"/>
     </mc:Choice>
-    <mc:Fallback xmlns="">
+    <mc:Fallback>
       <p:transition xmlns:p14="http://schemas.microsoft.com/office/powerpoint/2010/main" spd="slow"/>
     </mc:Fallback>
   </mc:AlternateContent>
@@ -15297,11 +15298,11 @@
   <p:clrMapOvr>
     <a:masterClrMapping/>
   </p:clrMapOvr>
-  <mc:AlternateContent xmlns:mc="http://schemas.openxmlformats.org/markup-compatibility/2006" xmlns:p14="http://schemas.microsoft.com/office/powerpoint/2010/main">
-    <mc:Choice Requires="p14">
+  <mc:AlternateContent xmlns:mc="http://schemas.openxmlformats.org/markup-compatibility/2006">
+    <mc:Choice xmlns:p14="http://schemas.microsoft.com/office/powerpoint/2010/main" Requires="p14">
       <p:transition spd="slow" p14:dur="2000"/>
     </mc:Choice>
-    <mc:Fallback xmlns="">
+    <mc:Fallback>
       <p:transition xmlns:p14="http://schemas.microsoft.com/office/powerpoint/2010/main" spd="slow"/>
     </mc:Fallback>
   </mc:AlternateContent>
@@ -15778,11 +15779,11 @@
   <p:clrMapOvr>
     <a:masterClrMapping/>
   </p:clrMapOvr>
-  <mc:AlternateContent xmlns:mc="http://schemas.openxmlformats.org/markup-compatibility/2006" xmlns:p14="http://schemas.microsoft.com/office/powerpoint/2010/main">
-    <mc:Choice Requires="p14">
+  <mc:AlternateContent xmlns:mc="http://schemas.openxmlformats.org/markup-compatibility/2006">
+    <mc:Choice xmlns:p14="http://schemas.microsoft.com/office/powerpoint/2010/main" Requires="p14">
       <p:transition spd="slow" p14:dur="2000"/>
     </mc:Choice>
-    <mc:Fallback xmlns="">
+    <mc:Fallback>
       <p:transition xmlns:p14="http://schemas.microsoft.com/office/powerpoint/2010/main" spd="slow"/>
     </mc:Fallback>
   </mc:AlternateContent>
@@ -16710,11 +16711,11 @@
   <p:clrMapOvr>
     <a:masterClrMapping/>
   </p:clrMapOvr>
-  <mc:AlternateContent xmlns:mc="http://schemas.openxmlformats.org/markup-compatibility/2006" xmlns:p14="http://schemas.microsoft.com/office/powerpoint/2010/main">
-    <mc:Choice Requires="p14">
+  <mc:AlternateContent xmlns:mc="http://schemas.openxmlformats.org/markup-compatibility/2006">
+    <mc:Choice xmlns:p14="http://schemas.microsoft.com/office/powerpoint/2010/main" Requires="p14">
       <p:transition spd="slow" p14:dur="2000"/>
     </mc:Choice>
-    <mc:Fallback xmlns="">
+    <mc:Fallback>
       <p:transition xmlns:p14="http://schemas.microsoft.com/office/powerpoint/2010/main" spd="slow"/>
     </mc:Fallback>
   </mc:AlternateContent>
@@ -16767,7 +16768,11 @@
           <a:p>
             <a:r>
               <a:rPr lang="en-US" dirty="0" smtClean="0"/>
-              <a:t>Coalesced Access</a:t>
+              <a:t>Coalesced </a:t>
+            </a:r>
+            <a:r>
+              <a:rPr lang="en-US" dirty="0" smtClean="0"/>
+              <a:t>Memory Access</a:t>
             </a:r>
             <a:endParaRPr lang="en-US" dirty="0"/>
           </a:p>
@@ -21306,7 +21311,7 @@
             </a:pPr>
             <a:r>
               <a:rPr lang="en-GB" sz="4000" dirty="0" smtClean="0"/>
-              <a:t>Coalescence</a:t>
+              <a:t>Memory Access Coalescence</a:t>
             </a:r>
             <a:endParaRPr sz="4000" dirty="0"/>
           </a:p>
@@ -21345,8 +21350,12 @@
               </a:defRPr>
             </a:pPr>
             <a:r>
+              <a:rPr sz="2400" b="1" dirty="0"/>
+              <a:t>Coalesce</a:t>
+            </a:r>
+            <a:r>
               <a:rPr sz="2400" dirty="0"/>
-              <a:t>Coalesce - to combine into </a:t>
+              <a:t> - to combine into </a:t>
             </a:r>
             <a:r>
               <a:rPr sz="2400" dirty="0" smtClean="0"/>
@@ -22029,11 +22038,11 @@
   <p:clrMapOvr>
     <a:masterClrMapping/>
   </p:clrMapOvr>
-  <mc:AlternateContent xmlns:mc="http://schemas.openxmlformats.org/markup-compatibility/2006" xmlns:p14="http://schemas.microsoft.com/office/powerpoint/2010/main">
-    <mc:Choice Requires="p14">
+  <mc:AlternateContent xmlns:mc="http://schemas.openxmlformats.org/markup-compatibility/2006">
+    <mc:Choice xmlns:p14="http://schemas.microsoft.com/office/powerpoint/2010/main" Requires="p14">
       <p:transition spd="slow" p14:dur="2000"/>
     </mc:Choice>
-    <mc:Fallback xmlns="">
+    <mc:Fallback>
       <p:transition xmlns:p14="http://schemas.microsoft.com/office/powerpoint/2010/main" spd="slow"/>
     </mc:Fallback>
   </mc:AlternateContent>
@@ -24768,11 +24777,11 @@
   <p:clrMapOvr>
     <a:masterClrMapping/>
   </p:clrMapOvr>
-  <mc:AlternateContent xmlns:mc="http://schemas.openxmlformats.org/markup-compatibility/2006" xmlns:p14="http://schemas.microsoft.com/office/powerpoint/2010/main">
-    <mc:Choice Requires="p14">
+  <mc:AlternateContent xmlns:mc="http://schemas.openxmlformats.org/markup-compatibility/2006">
+    <mc:Choice xmlns:p14="http://schemas.microsoft.com/office/powerpoint/2010/main" Requires="p14">
       <p:transition spd="slow" p14:dur="2000"/>
     </mc:Choice>
-    <mc:Fallback xmlns="">
+    <mc:Fallback>
       <p:transition xmlns:p14="http://schemas.microsoft.com/office/powerpoint/2010/main" spd="slow"/>
     </mc:Fallback>
   </mc:AlternateContent>
@@ -36905,11 +36914,11 @@
   <p:clrMapOvr>
     <a:masterClrMapping/>
   </p:clrMapOvr>
-  <mc:AlternateContent xmlns:mc="http://schemas.openxmlformats.org/markup-compatibility/2006" xmlns:p14="http://schemas.microsoft.com/office/powerpoint/2010/main">
-    <mc:Choice Requires="p14">
+  <mc:AlternateContent xmlns:mc="http://schemas.openxmlformats.org/markup-compatibility/2006">
+    <mc:Choice xmlns:p14="http://schemas.microsoft.com/office/powerpoint/2010/main" Requires="p14">
       <p:transition spd="slow" p14:dur="2000"/>
     </mc:Choice>
-    <mc:Fallback xmlns="">
+    <mc:Fallback>
       <p:transition xmlns:p14="http://schemas.microsoft.com/office/powerpoint/2010/main" spd="slow"/>
     </mc:Fallback>
   </mc:AlternateContent>
@@ -37429,7 +37438,23 @@
             </a:pPr>
             <a:r>
               <a:rPr lang="en-GB" dirty="0" smtClean="0"/>
-              <a:t>Work-group sizes being a power of 2 helps on most architectures. At a minimum:</a:t>
+              <a:t>Work-group sizes </a:t>
+            </a:r>
+            <a:r>
+              <a:rPr lang="en-GB" dirty="0" smtClean="0"/>
+              <a:t>that are </a:t>
+            </a:r>
+            <a:r>
+              <a:rPr lang="en-GB" dirty="0" smtClean="0"/>
+              <a:t>a power of 2 </a:t>
+            </a:r>
+            <a:r>
+              <a:rPr lang="en-GB" dirty="0" smtClean="0"/>
+              <a:t>help </a:t>
+            </a:r>
+            <a:r>
+              <a:rPr lang="en-GB" dirty="0" smtClean="0"/>
+              <a:t>on most architectures. At a minimum:</a:t>
             </a:r>
           </a:p>
           <a:p>
@@ -38184,11 +38209,11 @@
   <p:clrMapOvr>
     <a:masterClrMapping/>
   </p:clrMapOvr>
-  <mc:AlternateContent xmlns:mc="http://schemas.openxmlformats.org/markup-compatibility/2006" xmlns:p14="http://schemas.microsoft.com/office/powerpoint/2010/main">
-    <mc:Choice Requires="p14">
+  <mc:AlternateContent xmlns:mc="http://schemas.openxmlformats.org/markup-compatibility/2006">
+    <mc:Choice xmlns:p14="http://schemas.microsoft.com/office/powerpoint/2010/main" Requires="p14">
       <p:transition spd="slow" p14:dur="2000"/>
     </mc:Choice>
-    <mc:Fallback xmlns="">
+    <mc:Fallback>
       <p:transition xmlns:p14="http://schemas.microsoft.com/office/powerpoint/2010/main" spd="slow"/>
     </mc:Fallback>
   </mc:AlternateContent>
@@ -38591,11 +38616,11 @@
   <p:clrMapOvr>
     <a:masterClrMapping/>
   </p:clrMapOvr>
-  <mc:AlternateContent xmlns:mc="http://schemas.openxmlformats.org/markup-compatibility/2006" xmlns:p14="http://schemas.microsoft.com/office/powerpoint/2010/main">
-    <mc:Choice Requires="p14">
+  <mc:AlternateContent xmlns:mc="http://schemas.openxmlformats.org/markup-compatibility/2006">
+    <mc:Choice xmlns:p14="http://schemas.microsoft.com/office/powerpoint/2010/main" Requires="p14">
       <p:transition spd="slow" p14:dur="2000"/>
     </mc:Choice>
-    <mc:Fallback xmlns="">
+    <mc:Fallback>
       <p:transition xmlns:p14="http://schemas.microsoft.com/office/powerpoint/2010/main" spd="slow"/>
     </mc:Fallback>
   </mc:AlternateContent>
@@ -39024,7 +39049,15 @@
           <a:p>
             <a:r>
               <a:rPr lang="en-GB" dirty="0" smtClean="0"/>
-              <a:t>Barriers between memory access-heavy kernel code sections might actually speed it up by improving the cache behaviour</a:t>
+              <a:t>Barriers between memory access-heavy kernel code sections might actually speed </a:t>
+            </a:r>
+            <a:r>
+              <a:rPr lang="en-GB" dirty="0" smtClean="0"/>
+              <a:t>up your code by </a:t>
+            </a:r>
+            <a:r>
+              <a:rPr lang="en-GB" dirty="0" smtClean="0"/>
+              <a:t>improving the cache behaviour</a:t>
             </a:r>
           </a:p>
           <a:p>
@@ -41169,11 +41202,11 @@
   <p:clrMapOvr>
     <a:masterClrMapping/>
   </p:clrMapOvr>
-  <mc:AlternateContent xmlns:mc="http://schemas.openxmlformats.org/markup-compatibility/2006" xmlns:p14="http://schemas.microsoft.com/office/powerpoint/2010/main">
-    <mc:Choice Requires="p14">
+  <mc:AlternateContent xmlns:mc="http://schemas.openxmlformats.org/markup-compatibility/2006">
+    <mc:Choice xmlns:p14="http://schemas.microsoft.com/office/powerpoint/2010/main" Requires="p14">
       <p:transition spd="slow" p14:dur="2000"/>
     </mc:Choice>
-    <mc:Fallback xmlns="">
+    <mc:Fallback>
       <p:transition xmlns:p14="http://schemas.microsoft.com/office/powerpoint/2010/main" spd="slow"/>
     </mc:Fallback>
   </mc:AlternateContent>
@@ -44471,11 +44504,11 @@
   <p:clrMapOvr>
     <a:masterClrMapping/>
   </p:clrMapOvr>
-  <mc:AlternateContent xmlns:mc="http://schemas.openxmlformats.org/markup-compatibility/2006" xmlns:p14="http://schemas.microsoft.com/office/powerpoint/2010/main">
-    <mc:Choice Requires="p14">
+  <mc:AlternateContent xmlns:mc="http://schemas.openxmlformats.org/markup-compatibility/2006">
+    <mc:Choice xmlns:p14="http://schemas.microsoft.com/office/powerpoint/2010/main" Requires="p14">
       <p:transition spd="slow" p14:dur="2000"/>
     </mc:Choice>
-    <mc:Fallback xmlns="">
+    <mc:Fallback>
       <p:transition xmlns:p14="http://schemas.microsoft.com/office/powerpoint/2010/main" spd="slow"/>
     </mc:Fallback>
   </mc:AlternateContent>
@@ -47938,11 +47971,11 @@
   <p:clrMapOvr>
     <a:masterClrMapping/>
   </p:clrMapOvr>
-  <mc:AlternateContent xmlns:mc="http://schemas.openxmlformats.org/markup-compatibility/2006" xmlns:p14="http://schemas.microsoft.com/office/powerpoint/2010/main">
-    <mc:Choice Requires="p14">
+  <mc:AlternateContent xmlns:mc="http://schemas.openxmlformats.org/markup-compatibility/2006">
+    <mc:Choice xmlns:p14="http://schemas.microsoft.com/office/powerpoint/2010/main" Requires="p14">
       <p:transition spd="slow" p14:dur="2000"/>
     </mc:Choice>
-    <mc:Fallback xmlns="">
+    <mc:Fallback>
       <p:transition xmlns:p14="http://schemas.microsoft.com/office/powerpoint/2010/main" spd="slow"/>
     </mc:Fallback>
   </mc:AlternateContent>
@@ -49188,12 +49221,8 @@
           <a:lstStyle/>
           <a:p>
             <a:r>
-              <a:rPr lang="en-GB" smtClean="0"/>
-              <a:t>Exercise: image </a:t>
-            </a:r>
-            <a:r>
               <a:rPr lang="en-GB" dirty="0" smtClean="0"/>
-              <a:t>types</a:t>
+              <a:t>Exercise: image types</a:t>
             </a:r>
             <a:endParaRPr lang="en-GB" dirty="0"/>
           </a:p>
@@ -49291,11 +49320,7 @@
           <a:p>
             <a:r>
               <a:rPr lang="en-GB" dirty="0" smtClean="0"/>
-              <a:t>Extra: try some other optimizations such as native </a:t>
-            </a:r>
-            <a:r>
-              <a:rPr lang="en-GB" dirty="0" smtClean="0"/>
-              <a:t>functions</a:t>
+              <a:t>Extra: try some other optimizations such as native functions</a:t>
             </a:r>
           </a:p>
           <a:p>
@@ -49371,6 +49396,254 @@
 </p:sld>
 </file>
 
+<file path=ppt/slides/slide82.xml><?xml version="1.0" encoding="utf-8"?>
+<p:sld xmlns:a="http://schemas.openxmlformats.org/drawingml/2006/main" xmlns:r="http://schemas.openxmlformats.org/officeDocument/2006/relationships" xmlns:p="http://schemas.openxmlformats.org/presentationml/2006/main">
+  <p:cSld>
+    <p:spTree>
+      <p:nvGrpSpPr>
+        <p:cNvPr id="1" name=""/>
+        <p:cNvGrpSpPr/>
+        <p:nvPr/>
+      </p:nvGrpSpPr>
+      <p:grpSpPr>
+        <a:xfrm>
+          <a:off x="0" y="0"/>
+          <a:ext cx="0" cy="0"/>
+          <a:chOff x="0" y="0"/>
+          <a:chExt cx="0" cy="0"/>
+        </a:xfrm>
+      </p:grpSpPr>
+      <p:sp>
+        <p:nvSpPr>
+          <p:cNvPr id="2" name="Title 1"/>
+          <p:cNvSpPr>
+            <a:spLocks noGrp="1"/>
+          </p:cNvSpPr>
+          <p:nvPr>
+            <p:ph type="title"/>
+          </p:nvPr>
+        </p:nvSpPr>
+        <p:spPr/>
+        <p:txBody>
+          <a:bodyPr/>
+          <a:lstStyle/>
+          <a:p>
+            <a:r>
+              <a:rPr lang="en-GB" dirty="0"/>
+              <a:t>Exercise: image types</a:t>
+            </a:r>
+            <a:endParaRPr lang="en-GB" dirty="0"/>
+          </a:p>
+        </p:txBody>
+      </p:sp>
+      <p:sp>
+        <p:nvSpPr>
+          <p:cNvPr id="3" name="Content Placeholder 2"/>
+          <p:cNvSpPr>
+            <a:spLocks noGrp="1"/>
+          </p:cNvSpPr>
+          <p:nvPr>
+            <p:ph idx="1"/>
+          </p:nvPr>
+        </p:nvSpPr>
+        <p:spPr>
+          <a:xfrm>
+            <a:off x="457200" y="1417638"/>
+            <a:ext cx="8229600" cy="5440362"/>
+          </a:xfrm>
+        </p:spPr>
+        <p:txBody>
+          <a:bodyPr>
+            <a:normAutofit fontScale="77500" lnSpcReduction="20000"/>
+          </a:bodyPr>
+          <a:lstStyle/>
+          <a:p>
+            <a:pPr marL="0" indent="0">
+              <a:buNone/>
+            </a:pPr>
+            <a:r>
+              <a:rPr lang="en-GB" dirty="0" smtClean="0"/>
+              <a:t>Results from 3 different versions (meta programming, optimised and images) on an </a:t>
+            </a:r>
+            <a:r>
+              <a:rPr lang="en-GB" dirty="0" err="1" smtClean="0"/>
+              <a:t>Nvidia</a:t>
+            </a:r>
+            <a:r>
+              <a:rPr lang="en-GB" dirty="0" smtClean="0"/>
+              <a:t> K40:</a:t>
+            </a:r>
+          </a:p>
+          <a:p>
+            <a:pPr marL="0" indent="0">
+              <a:buNone/>
+            </a:pPr>
+            <a:endParaRPr lang="en-GB" dirty="0" smtClean="0"/>
+          </a:p>
+          <a:p>
+            <a:pPr marL="0" indent="0">
+              <a:buNone/>
+            </a:pPr>
+            <a:r>
+              <a:rPr lang="en-GB" dirty="0"/>
+              <a:t>Running reference...</a:t>
+            </a:r>
+          </a:p>
+          <a:p>
+            <a:pPr marL="0" indent="0">
+              <a:buNone/>
+            </a:pPr>
+            <a:r>
+              <a:rPr lang="en-GB" dirty="0"/>
+              <a:t>Reference took 7784.3ms (1 frame)</a:t>
+            </a:r>
+          </a:p>
+          <a:p>
+            <a:pPr marL="0" indent="0">
+              <a:buNone/>
+            </a:pPr>
+            <a:endParaRPr lang="en-GB" dirty="0" smtClean="0"/>
+          </a:p>
+          <a:p>
+            <a:pPr marL="0" indent="0">
+              <a:buNone/>
+            </a:pPr>
+            <a:r>
+              <a:rPr lang="en-GB" dirty="0"/>
+              <a:t>~/IWOCL2016/solutions/Bilateral$ </a:t>
+            </a:r>
+            <a:r>
+              <a:rPr lang="en-GB" b="1" dirty="0"/>
+              <a:t>./</a:t>
+            </a:r>
+            <a:r>
+              <a:rPr lang="en-GB" b="1" dirty="0" err="1"/>
+              <a:t>bilateral_meta</a:t>
+            </a:r>
+            <a:r>
+              <a:rPr lang="en-GB" b="1" dirty="0"/>
+              <a:t> </a:t>
+            </a:r>
+          </a:p>
+          <a:p>
+            <a:pPr marL="0" indent="0">
+              <a:buNone/>
+            </a:pPr>
+            <a:r>
+              <a:rPr lang="en-GB" dirty="0" smtClean="0"/>
+              <a:t>OpenCL </a:t>
+            </a:r>
+            <a:r>
+              <a:rPr lang="en-GB" dirty="0"/>
+              <a:t>took 357.9ms (11.2ms / frame</a:t>
+            </a:r>
+            <a:r>
+              <a:rPr lang="en-GB" dirty="0" smtClean="0"/>
+              <a:t>)</a:t>
+            </a:r>
+            <a:endParaRPr lang="en-GB" dirty="0"/>
+          </a:p>
+          <a:p>
+            <a:pPr marL="0" indent="0">
+              <a:buNone/>
+            </a:pPr>
+            <a:endParaRPr lang="en-GB" dirty="0"/>
+          </a:p>
+          <a:p>
+            <a:pPr marL="0" indent="0">
+              <a:buNone/>
+            </a:pPr>
+            <a:r>
+              <a:rPr lang="en-GB" dirty="0"/>
+              <a:t>~/IWOCL2016/solutions/Bilateral$ </a:t>
+            </a:r>
+            <a:r>
+              <a:rPr lang="en-GB" b="1" dirty="0"/>
+              <a:t>./</a:t>
+            </a:r>
+            <a:r>
+              <a:rPr lang="en-GB" b="1" dirty="0" err="1"/>
+              <a:t>bilateral_opt</a:t>
+            </a:r>
+            <a:endParaRPr lang="en-GB" b="1" dirty="0"/>
+          </a:p>
+          <a:p>
+            <a:pPr marL="0" indent="0">
+              <a:buNone/>
+            </a:pPr>
+            <a:r>
+              <a:rPr lang="en-GB" dirty="0" smtClean="0"/>
+              <a:t>OpenCL </a:t>
+            </a:r>
+            <a:r>
+              <a:rPr lang="en-GB" dirty="0"/>
+              <a:t>took 74.0ms (2.3ms / frame</a:t>
+            </a:r>
+            <a:r>
+              <a:rPr lang="en-GB" dirty="0" smtClean="0"/>
+              <a:t>)</a:t>
+            </a:r>
+          </a:p>
+          <a:p>
+            <a:pPr marL="0" indent="0">
+              <a:buNone/>
+            </a:pPr>
+            <a:endParaRPr lang="en-GB" dirty="0"/>
+          </a:p>
+          <a:p>
+            <a:pPr marL="0" indent="0">
+              <a:buNone/>
+            </a:pPr>
+            <a:r>
+              <a:rPr lang="en-GB" dirty="0"/>
+              <a:t>~/IWOCL2016/solutions/Bilateral$ </a:t>
+            </a:r>
+            <a:r>
+              <a:rPr lang="en-GB" b="1" dirty="0"/>
+              <a:t>./</a:t>
+            </a:r>
+            <a:r>
+              <a:rPr lang="en-GB" b="1" dirty="0" err="1"/>
+              <a:t>bilateral_images</a:t>
+            </a:r>
+            <a:r>
+              <a:rPr lang="en-GB" b="1" dirty="0"/>
+              <a:t> </a:t>
+            </a:r>
+          </a:p>
+          <a:p>
+            <a:pPr marL="0" indent="0">
+              <a:buNone/>
+            </a:pPr>
+            <a:r>
+              <a:rPr lang="en-GB" dirty="0" smtClean="0"/>
+              <a:t>OpenCL </a:t>
+            </a:r>
+            <a:r>
+              <a:rPr lang="en-GB" dirty="0"/>
+              <a:t>took 41.8ms (1.3ms / frame</a:t>
+            </a:r>
+            <a:r>
+              <a:rPr lang="en-GB" dirty="0" smtClean="0"/>
+              <a:t>)</a:t>
+            </a:r>
+            <a:endParaRPr lang="en-GB" dirty="0"/>
+          </a:p>
+        </p:txBody>
+      </p:sp>
+    </p:spTree>
+    <p:extLst>
+      <p:ext uri="{BB962C8B-B14F-4D97-AF65-F5344CB8AC3E}">
+        <p14:creationId xmlns:p14="http://schemas.microsoft.com/office/powerpoint/2010/main" val="1664308935"/>
+      </p:ext>
+    </p:extLst>
+  </p:cSld>
+  <p:clrMapOvr>
+    <a:masterClrMapping/>
+  </p:clrMapOvr>
+</p:sld>
+</file>
+
 <file path=ppt/slides/slide9.xml><?xml version="1.0" encoding="utf-8"?>
 <p:sld xmlns:a="http://schemas.openxmlformats.org/drawingml/2006/main" xmlns:r="http://schemas.openxmlformats.org/officeDocument/2006/relationships" xmlns:p="http://schemas.openxmlformats.org/presentationml/2006/main" show="0">
   <p:cSld>
@@ -49655,11 +49928,11 @@
   <p:clrMapOvr>
     <a:masterClrMapping/>
   </p:clrMapOvr>
-  <mc:AlternateContent xmlns:mc="http://schemas.openxmlformats.org/markup-compatibility/2006" xmlns:p14="http://schemas.microsoft.com/office/powerpoint/2010/main">
-    <mc:Choice Requires="p14">
+  <mc:AlternateContent xmlns:mc="http://schemas.openxmlformats.org/markup-compatibility/2006">
+    <mc:Choice xmlns:p14="http://schemas.microsoft.com/office/powerpoint/2010/main" Requires="p14">
       <p:transition spd="slow" p14:dur="2000"/>
     </mc:Choice>
-    <mc:Fallback xmlns="">
+    <mc:Fallback>
       <p:transition xmlns:p14="http://schemas.microsoft.com/office/powerpoint/2010/main" spd="slow"/>
     </mc:Fallback>
   </mc:AlternateContent>

--- a/slides/advanced_part3.pptx
+++ b/slides/advanced_part3.pptx
@@ -273,7 +273,7 @@
           <a:p>
             <a:fld id="{154B9960-65DD-7948-AAE5-CA021B06E14D}" type="datetimeFigureOut">
               <a:rPr lang="en-US" smtClean="0"/>
-              <a:t>14/04/16</a:t>
+              <a:t>19/04/16</a:t>
             </a:fld>
             <a:endParaRPr lang="en-GB"/>
           </a:p>
@@ -3267,7 +3267,7 @@
           <a:p>
             <a:fld id="{D96F9273-1B51-1D4D-B007-2EA617412104}" type="datetimeFigureOut">
               <a:rPr lang="en-US" smtClean="0"/>
-              <a:t>14/04/16</a:t>
+              <a:t>19/04/16</a:t>
             </a:fld>
             <a:endParaRPr lang="en-GB"/>
           </a:p>
@@ -3437,7 +3437,7 @@
           <a:p>
             <a:fld id="{D96F9273-1B51-1D4D-B007-2EA617412104}" type="datetimeFigureOut">
               <a:rPr lang="en-US" smtClean="0"/>
-              <a:t>14/04/16</a:t>
+              <a:t>19/04/16</a:t>
             </a:fld>
             <a:endParaRPr lang="en-GB"/>
           </a:p>
@@ -3617,7 +3617,7 @@
           <a:p>
             <a:fld id="{D96F9273-1B51-1D4D-B007-2EA617412104}" type="datetimeFigureOut">
               <a:rPr lang="en-US" smtClean="0"/>
-              <a:t>14/04/16</a:t>
+              <a:t>19/04/16</a:t>
             </a:fld>
             <a:endParaRPr lang="en-GB"/>
           </a:p>
@@ -3787,7 +3787,7 @@
           <a:p>
             <a:fld id="{D96F9273-1B51-1D4D-B007-2EA617412104}" type="datetimeFigureOut">
               <a:rPr lang="en-US" smtClean="0"/>
-              <a:t>14/04/16</a:t>
+              <a:t>19/04/16</a:t>
             </a:fld>
             <a:endParaRPr lang="en-GB"/>
           </a:p>
@@ -4033,7 +4033,7 @@
           <a:p>
             <a:fld id="{D96F9273-1B51-1D4D-B007-2EA617412104}" type="datetimeFigureOut">
               <a:rPr lang="en-US" smtClean="0"/>
-              <a:t>14/04/16</a:t>
+              <a:t>19/04/16</a:t>
             </a:fld>
             <a:endParaRPr lang="en-GB"/>
           </a:p>
@@ -4321,7 +4321,7 @@
           <a:p>
             <a:fld id="{D96F9273-1B51-1D4D-B007-2EA617412104}" type="datetimeFigureOut">
               <a:rPr lang="en-US" smtClean="0"/>
-              <a:t>14/04/16</a:t>
+              <a:t>19/04/16</a:t>
             </a:fld>
             <a:endParaRPr lang="en-GB"/>
           </a:p>
@@ -4743,7 +4743,7 @@
           <a:p>
             <a:fld id="{D96F9273-1B51-1D4D-B007-2EA617412104}" type="datetimeFigureOut">
               <a:rPr lang="en-US" smtClean="0"/>
-              <a:t>14/04/16</a:t>
+              <a:t>19/04/16</a:t>
             </a:fld>
             <a:endParaRPr lang="en-GB"/>
           </a:p>
@@ -4861,7 +4861,7 @@
           <a:p>
             <a:fld id="{D96F9273-1B51-1D4D-B007-2EA617412104}" type="datetimeFigureOut">
               <a:rPr lang="en-US" smtClean="0"/>
-              <a:t>14/04/16</a:t>
+              <a:t>19/04/16</a:t>
             </a:fld>
             <a:endParaRPr lang="en-GB"/>
           </a:p>
@@ -4956,7 +4956,7 @@
           <a:p>
             <a:fld id="{D96F9273-1B51-1D4D-B007-2EA617412104}" type="datetimeFigureOut">
               <a:rPr lang="en-US" smtClean="0"/>
-              <a:t>14/04/16</a:t>
+              <a:t>19/04/16</a:t>
             </a:fld>
             <a:endParaRPr lang="en-GB"/>
           </a:p>
@@ -5233,7 +5233,7 @@
           <a:p>
             <a:fld id="{D96F9273-1B51-1D4D-B007-2EA617412104}" type="datetimeFigureOut">
               <a:rPr lang="en-US" smtClean="0"/>
-              <a:t>14/04/16</a:t>
+              <a:t>19/04/16</a:t>
             </a:fld>
             <a:endParaRPr lang="en-GB"/>
           </a:p>
@@ -5486,7 +5486,7 @@
           <a:p>
             <a:fld id="{D96F9273-1B51-1D4D-B007-2EA617412104}" type="datetimeFigureOut">
               <a:rPr lang="en-US" smtClean="0"/>
-              <a:t>14/04/16</a:t>
+              <a:t>19/04/16</a:t>
             </a:fld>
             <a:endParaRPr lang="en-GB"/>
           </a:p>
@@ -5699,7 +5699,7 @@
           <a:p>
             <a:fld id="{D96F9273-1B51-1D4D-B007-2EA617412104}" type="datetimeFigureOut">
               <a:rPr lang="en-US" smtClean="0"/>
-              <a:t>14/04/16</a:t>
+              <a:t>19/04/16</a:t>
             </a:fld>
             <a:endParaRPr lang="en-GB"/>
           </a:p>
@@ -6348,11 +6348,11 @@
   <p:clrMapOvr>
     <a:masterClrMapping/>
   </p:clrMapOvr>
-  <mc:AlternateContent xmlns:mc="http://schemas.openxmlformats.org/markup-compatibility/2006">
-    <mc:Choice xmlns:p14="http://schemas.microsoft.com/office/powerpoint/2010/main" Requires="p14">
+  <mc:AlternateContent xmlns:mc="http://schemas.openxmlformats.org/markup-compatibility/2006" xmlns:p14="http://schemas.microsoft.com/office/powerpoint/2010/main">
+    <mc:Choice Requires="p14">
       <p:transition spd="slow" p14:dur="2000"/>
     </mc:Choice>
-    <mc:Fallback>
+    <mc:Fallback xmlns="">
       <p:transition xmlns:p14="http://schemas.microsoft.com/office/powerpoint/2010/main" spd="slow"/>
     </mc:Fallback>
   </mc:AlternateContent>
@@ -6649,11 +6649,11 @@
   <p:clrMapOvr>
     <a:masterClrMapping/>
   </p:clrMapOvr>
-  <mc:AlternateContent xmlns:mc="http://schemas.openxmlformats.org/markup-compatibility/2006">
-    <mc:Choice xmlns:p14="http://schemas.microsoft.com/office/powerpoint/2010/main" Requires="p14">
+  <mc:AlternateContent xmlns:mc="http://schemas.openxmlformats.org/markup-compatibility/2006" xmlns:p14="http://schemas.microsoft.com/office/powerpoint/2010/main">
+    <mc:Choice Requires="p14">
       <p:transition spd="slow" p14:dur="2000"/>
     </mc:Choice>
-    <mc:Fallback>
+    <mc:Fallback xmlns="">
       <p:transition xmlns:p14="http://schemas.microsoft.com/office/powerpoint/2010/main" spd="slow"/>
     </mc:Fallback>
   </mc:AlternateContent>
@@ -6775,11 +6775,11 @@
   <p:clrMapOvr>
     <a:masterClrMapping/>
   </p:clrMapOvr>
-  <mc:AlternateContent xmlns:mc="http://schemas.openxmlformats.org/markup-compatibility/2006">
-    <mc:Choice xmlns:p14="http://schemas.microsoft.com/office/powerpoint/2010/main" Requires="p14">
+  <mc:AlternateContent xmlns:mc="http://schemas.openxmlformats.org/markup-compatibility/2006" xmlns:p14="http://schemas.microsoft.com/office/powerpoint/2010/main">
+    <mc:Choice Requires="p14">
       <p:transition spd="slow" p14:dur="2000"/>
     </mc:Choice>
-    <mc:Fallback>
+    <mc:Fallback xmlns="">
       <p:transition xmlns:p14="http://schemas.microsoft.com/office/powerpoint/2010/main" spd="slow"/>
     </mc:Fallback>
   </mc:AlternateContent>
@@ -6934,11 +6934,11 @@
   <p:clrMapOvr>
     <a:masterClrMapping/>
   </p:clrMapOvr>
-  <mc:AlternateContent xmlns:mc="http://schemas.openxmlformats.org/markup-compatibility/2006">
-    <mc:Choice xmlns:p14="http://schemas.microsoft.com/office/powerpoint/2010/main" Requires="p14">
+  <mc:AlternateContent xmlns:mc="http://schemas.openxmlformats.org/markup-compatibility/2006" xmlns:p14="http://schemas.microsoft.com/office/powerpoint/2010/main">
+    <mc:Choice Requires="p14">
       <p:transition spd="slow" p14:dur="2000"/>
     </mc:Choice>
-    <mc:Fallback>
+    <mc:Fallback xmlns="">
       <p:transition xmlns:p14="http://schemas.microsoft.com/office/powerpoint/2010/main" spd="slow"/>
     </mc:Fallback>
   </mc:AlternateContent>
@@ -7046,11 +7046,11 @@
   <p:clrMapOvr>
     <a:masterClrMapping/>
   </p:clrMapOvr>
-  <mc:AlternateContent xmlns:mc="http://schemas.openxmlformats.org/markup-compatibility/2006">
-    <mc:Choice xmlns:p14="http://schemas.microsoft.com/office/powerpoint/2010/main" Requires="p14">
+  <mc:AlternateContent xmlns:mc="http://schemas.openxmlformats.org/markup-compatibility/2006" xmlns:p14="http://schemas.microsoft.com/office/powerpoint/2010/main">
+    <mc:Choice Requires="p14">
       <p:transition spd="slow" p14:dur="2000"/>
     </mc:Choice>
-    <mc:Fallback>
+    <mc:Fallback xmlns="">
       <p:transition xmlns:p14="http://schemas.microsoft.com/office/powerpoint/2010/main" spd="slow"/>
     </mc:Fallback>
   </mc:AlternateContent>
@@ -7809,11 +7809,11 @@
   <p:clrMapOvr>
     <a:masterClrMapping/>
   </p:clrMapOvr>
-  <mc:AlternateContent xmlns:mc="http://schemas.openxmlformats.org/markup-compatibility/2006">
-    <mc:Choice xmlns:p14="http://schemas.microsoft.com/office/powerpoint/2010/main" Requires="p14">
+  <mc:AlternateContent xmlns:mc="http://schemas.openxmlformats.org/markup-compatibility/2006" xmlns:p14="http://schemas.microsoft.com/office/powerpoint/2010/main">
+    <mc:Choice Requires="p14">
       <p:transition spd="slow" p14:dur="2000"/>
     </mc:Choice>
-    <mc:Fallback>
+    <mc:Fallback xmlns="">
       <p:transition xmlns:p14="http://schemas.microsoft.com/office/powerpoint/2010/main" spd="slow"/>
     </mc:Fallback>
   </mc:AlternateContent>
@@ -8091,11 +8091,11 @@
   <p:clrMapOvr>
     <a:masterClrMapping/>
   </p:clrMapOvr>
-  <mc:AlternateContent xmlns:mc="http://schemas.openxmlformats.org/markup-compatibility/2006">
-    <mc:Choice xmlns:p14="http://schemas.microsoft.com/office/powerpoint/2010/main" Requires="p14">
+  <mc:AlternateContent xmlns:mc="http://schemas.openxmlformats.org/markup-compatibility/2006" xmlns:p14="http://schemas.microsoft.com/office/powerpoint/2010/main">
+    <mc:Choice Requires="p14">
       <p:transition spd="slow" p14:dur="2000"/>
     </mc:Choice>
-    <mc:Fallback>
+    <mc:Fallback xmlns="">
       <p:transition xmlns:p14="http://schemas.microsoft.com/office/powerpoint/2010/main" spd="slow"/>
     </mc:Fallback>
   </mc:AlternateContent>
@@ -8243,11 +8243,11 @@
   <p:clrMapOvr>
     <a:masterClrMapping/>
   </p:clrMapOvr>
-  <mc:AlternateContent xmlns:mc="http://schemas.openxmlformats.org/markup-compatibility/2006">
-    <mc:Choice xmlns:p14="http://schemas.microsoft.com/office/powerpoint/2010/main" Requires="p14">
+  <mc:AlternateContent xmlns:mc="http://schemas.openxmlformats.org/markup-compatibility/2006" xmlns:p14="http://schemas.microsoft.com/office/powerpoint/2010/main">
+    <mc:Choice Requires="p14">
       <p:transition spd="slow" p14:dur="2000"/>
     </mc:Choice>
-    <mc:Fallback>
+    <mc:Fallback xmlns="">
       <p:transition xmlns:p14="http://schemas.microsoft.com/office/powerpoint/2010/main" spd="slow"/>
     </mc:Fallback>
   </mc:AlternateContent>
@@ -8401,11 +8401,11 @@
   <p:clrMapOvr>
     <a:masterClrMapping/>
   </p:clrMapOvr>
-  <mc:AlternateContent xmlns:mc="http://schemas.openxmlformats.org/markup-compatibility/2006">
-    <mc:Choice xmlns:p14="http://schemas.microsoft.com/office/powerpoint/2010/main" Requires="p14">
+  <mc:AlternateContent xmlns:mc="http://schemas.openxmlformats.org/markup-compatibility/2006" xmlns:p14="http://schemas.microsoft.com/office/powerpoint/2010/main">
+    <mc:Choice Requires="p14">
       <p:transition spd="slow" p14:dur="2000"/>
     </mc:Choice>
-    <mc:Fallback>
+    <mc:Fallback xmlns="">
       <p:transition xmlns:p14="http://schemas.microsoft.com/office/powerpoint/2010/main" spd="slow"/>
     </mc:Fallback>
   </mc:AlternateContent>
@@ -8951,11 +8951,11 @@
   <p:clrMapOvr>
     <a:masterClrMapping/>
   </p:clrMapOvr>
-  <mc:AlternateContent xmlns:mc="http://schemas.openxmlformats.org/markup-compatibility/2006">
-    <mc:Choice xmlns:p14="http://schemas.microsoft.com/office/powerpoint/2010/main" Requires="p14">
+  <mc:AlternateContent xmlns:mc="http://schemas.openxmlformats.org/markup-compatibility/2006" xmlns:p14="http://schemas.microsoft.com/office/powerpoint/2010/main">
+    <mc:Choice Requires="p14">
       <p:transition spd="slow" p14:dur="2000"/>
     </mc:Choice>
-    <mc:Fallback>
+    <mc:Fallback xmlns="">
       <p:transition xmlns:p14="http://schemas.microsoft.com/office/powerpoint/2010/main" spd="slow"/>
     </mc:Fallback>
   </mc:AlternateContent>
@@ -9455,11 +9455,11 @@
   <p:clrMapOvr>
     <a:masterClrMapping/>
   </p:clrMapOvr>
-  <mc:AlternateContent xmlns:mc="http://schemas.openxmlformats.org/markup-compatibility/2006">
-    <mc:Choice xmlns:p14="http://schemas.microsoft.com/office/powerpoint/2010/main" Requires="p14">
+  <mc:AlternateContent xmlns:mc="http://schemas.openxmlformats.org/markup-compatibility/2006" xmlns:p14="http://schemas.microsoft.com/office/powerpoint/2010/main">
+    <mc:Choice Requires="p14">
       <p:transition spd="slow" p14:dur="2000"/>
     </mc:Choice>
-    <mc:Fallback>
+    <mc:Fallback xmlns="">
       <p:transition xmlns:p14="http://schemas.microsoft.com/office/powerpoint/2010/main" spd="slow"/>
     </mc:Fallback>
   </mc:AlternateContent>
@@ -9667,11 +9667,11 @@
   <p:clrMapOvr>
     <a:masterClrMapping/>
   </p:clrMapOvr>
-  <mc:AlternateContent xmlns:mc="http://schemas.openxmlformats.org/markup-compatibility/2006">
-    <mc:Choice xmlns:p14="http://schemas.microsoft.com/office/powerpoint/2010/main" Requires="p14">
+  <mc:AlternateContent xmlns:mc="http://schemas.openxmlformats.org/markup-compatibility/2006" xmlns:p14="http://schemas.microsoft.com/office/powerpoint/2010/main">
+    <mc:Choice Requires="p14">
       <p:transition spd="slow" p14:dur="2000"/>
     </mc:Choice>
-    <mc:Fallback>
+    <mc:Fallback xmlns="">
       <p:transition xmlns:p14="http://schemas.microsoft.com/office/powerpoint/2010/main" spd="slow"/>
     </mc:Fallback>
   </mc:AlternateContent>
@@ -9882,11 +9882,11 @@
   <p:clrMapOvr>
     <a:masterClrMapping/>
   </p:clrMapOvr>
-  <mc:AlternateContent xmlns:mc="http://schemas.openxmlformats.org/markup-compatibility/2006">
-    <mc:Choice xmlns:p14="http://schemas.microsoft.com/office/powerpoint/2010/main" Requires="p14">
+  <mc:AlternateContent xmlns:mc="http://schemas.openxmlformats.org/markup-compatibility/2006" xmlns:p14="http://schemas.microsoft.com/office/powerpoint/2010/main">
+    <mc:Choice Requires="p14">
       <p:transition spd="slow" p14:dur="2000"/>
     </mc:Choice>
-    <mc:Fallback>
+    <mc:Fallback xmlns="">
       <p:transition xmlns:p14="http://schemas.microsoft.com/office/powerpoint/2010/main" spd="slow"/>
     </mc:Fallback>
   </mc:AlternateContent>
@@ -10028,11 +10028,11 @@
   <p:clrMapOvr>
     <a:masterClrMapping/>
   </p:clrMapOvr>
-  <mc:AlternateContent xmlns:mc="http://schemas.openxmlformats.org/markup-compatibility/2006">
-    <mc:Choice xmlns:p14="http://schemas.microsoft.com/office/powerpoint/2010/main" Requires="p14">
+  <mc:AlternateContent xmlns:mc="http://schemas.openxmlformats.org/markup-compatibility/2006" xmlns:p14="http://schemas.microsoft.com/office/powerpoint/2010/main">
+    <mc:Choice Requires="p14">
       <p:transition spd="slow" p14:dur="2000"/>
     </mc:Choice>
-    <mc:Fallback>
+    <mc:Fallback xmlns="">
       <p:transition xmlns:p14="http://schemas.microsoft.com/office/powerpoint/2010/main" spd="slow"/>
     </mc:Fallback>
   </mc:AlternateContent>
@@ -10182,11 +10182,11 @@
   <p:clrMapOvr>
     <a:masterClrMapping/>
   </p:clrMapOvr>
-  <mc:AlternateContent xmlns:mc="http://schemas.openxmlformats.org/markup-compatibility/2006">
-    <mc:Choice xmlns:p14="http://schemas.microsoft.com/office/powerpoint/2010/main" Requires="p14">
+  <mc:AlternateContent xmlns:mc="http://schemas.openxmlformats.org/markup-compatibility/2006" xmlns:p14="http://schemas.microsoft.com/office/powerpoint/2010/main">
+    <mc:Choice Requires="p14">
       <p:transition spd="slow" p14:dur="2000"/>
     </mc:Choice>
-    <mc:Fallback>
+    <mc:Fallback xmlns="">
       <p:transition xmlns:p14="http://schemas.microsoft.com/office/powerpoint/2010/main" spd="slow"/>
     </mc:Fallback>
   </mc:AlternateContent>
@@ -10280,11 +10280,11 @@
   <p:clrMapOvr>
     <a:masterClrMapping/>
   </p:clrMapOvr>
-  <mc:AlternateContent xmlns:mc="http://schemas.openxmlformats.org/markup-compatibility/2006">
-    <mc:Choice xmlns:p14="http://schemas.microsoft.com/office/powerpoint/2010/main" Requires="p14">
+  <mc:AlternateContent xmlns:mc="http://schemas.openxmlformats.org/markup-compatibility/2006" xmlns:p14="http://schemas.microsoft.com/office/powerpoint/2010/main">
+    <mc:Choice Requires="p14">
       <p:transition spd="slow" p14:dur="2000"/>
     </mc:Choice>
-    <mc:Fallback>
+    <mc:Fallback xmlns="">
       <p:transition xmlns:p14="http://schemas.microsoft.com/office/powerpoint/2010/main" spd="slow"/>
     </mc:Fallback>
   </mc:AlternateContent>
@@ -10438,11 +10438,11 @@
   <p:clrMapOvr>
     <a:masterClrMapping/>
   </p:clrMapOvr>
-  <mc:AlternateContent xmlns:mc="http://schemas.openxmlformats.org/markup-compatibility/2006">
-    <mc:Choice xmlns:p14="http://schemas.microsoft.com/office/powerpoint/2010/main" Requires="p14">
+  <mc:AlternateContent xmlns:mc="http://schemas.openxmlformats.org/markup-compatibility/2006" xmlns:p14="http://schemas.microsoft.com/office/powerpoint/2010/main">
+    <mc:Choice Requires="p14">
       <p:transition spd="slow" p14:dur="2000"/>
     </mc:Choice>
-    <mc:Fallback>
+    <mc:Fallback xmlns="">
       <p:transition xmlns:p14="http://schemas.microsoft.com/office/powerpoint/2010/main" spd="slow"/>
     </mc:Fallback>
   </mc:AlternateContent>
@@ -10598,11 +10598,11 @@
   <p:clrMapOvr>
     <a:masterClrMapping/>
   </p:clrMapOvr>
-  <mc:AlternateContent xmlns:mc="http://schemas.openxmlformats.org/markup-compatibility/2006">
-    <mc:Choice xmlns:p14="http://schemas.microsoft.com/office/powerpoint/2010/main" Requires="p14">
+  <mc:AlternateContent xmlns:mc="http://schemas.openxmlformats.org/markup-compatibility/2006" xmlns:p14="http://schemas.microsoft.com/office/powerpoint/2010/main">
+    <mc:Choice Requires="p14">
       <p:transition spd="slow" p14:dur="2000"/>
     </mc:Choice>
-    <mc:Fallback>
+    <mc:Fallback xmlns="">
       <p:transition xmlns:p14="http://schemas.microsoft.com/office/powerpoint/2010/main" spd="slow"/>
     </mc:Fallback>
   </mc:AlternateContent>
@@ -10820,11 +10820,11 @@
   <p:clrMapOvr>
     <a:masterClrMapping/>
   </p:clrMapOvr>
-  <mc:AlternateContent xmlns:mc="http://schemas.openxmlformats.org/markup-compatibility/2006">
-    <mc:Choice xmlns:p14="http://schemas.microsoft.com/office/powerpoint/2010/main" Requires="p14">
+  <mc:AlternateContent xmlns:mc="http://schemas.openxmlformats.org/markup-compatibility/2006" xmlns:p14="http://schemas.microsoft.com/office/powerpoint/2010/main">
+    <mc:Choice Requires="p14">
       <p:transition spd="slow" p14:dur="2000"/>
     </mc:Choice>
-    <mc:Fallback>
+    <mc:Fallback xmlns="">
       <p:transition xmlns:p14="http://schemas.microsoft.com/office/powerpoint/2010/main" spd="slow"/>
     </mc:Fallback>
   </mc:AlternateContent>
@@ -10930,11 +10930,11 @@
   <p:clrMapOvr>
     <a:masterClrMapping/>
   </p:clrMapOvr>
-  <mc:AlternateContent xmlns:mc="http://schemas.openxmlformats.org/markup-compatibility/2006">
-    <mc:Choice xmlns:p14="http://schemas.microsoft.com/office/powerpoint/2010/main" Requires="p14">
+  <mc:AlternateContent xmlns:mc="http://schemas.openxmlformats.org/markup-compatibility/2006" xmlns:p14="http://schemas.microsoft.com/office/powerpoint/2010/main">
+    <mc:Choice Requires="p14">
       <p:transition spd="slow" p14:dur="2000"/>
     </mc:Choice>
-    <mc:Fallback>
+    <mc:Fallback xmlns="">
       <p:transition xmlns:p14="http://schemas.microsoft.com/office/powerpoint/2010/main" spd="slow"/>
     </mc:Fallback>
   </mc:AlternateContent>
@@ -11061,9 +11061,6 @@
             </a:r>
             <a:r>
               <a:rPr lang="en-GB" b="1" dirty="0" smtClean="0">
-                <a:solidFill>
-                  <a:srgbClr val="3366FF"/>
-                </a:solidFill>
                 <a:latin typeface="Courier New"/>
                 <a:cs typeface="Courier New"/>
               </a:rPr>
@@ -11082,9 +11079,6 @@
             </a:pPr>
             <a:r>
               <a:rPr lang="en-GB" b="1" dirty="0" smtClean="0">
-                <a:solidFill>
-                  <a:srgbClr val="3366FF"/>
-                </a:solidFill>
                 <a:latin typeface="Courier New" panose="02070309020205020404" pitchFamily="49" charset="0"/>
                 <a:cs typeface="Courier New" panose="02070309020205020404" pitchFamily="49" charset="0"/>
               </a:rPr>
@@ -11092,9 +11086,6 @@
             </a:r>
             <a:r>
               <a:rPr lang="en-GB" b="1" dirty="0">
-                <a:solidFill>
-                  <a:srgbClr val="3366FF"/>
-                </a:solidFill>
                 <a:latin typeface="Courier New" panose="02070309020205020404" pitchFamily="49" charset="0"/>
                 <a:cs typeface="Courier New" panose="02070309020205020404" pitchFamily="49" charset="0"/>
               </a:rPr>
@@ -11102,33 +11093,27 @@
             </a:r>
             <a:r>
               <a:rPr lang="en-GB" b="1" dirty="0" smtClean="0">
-                <a:solidFill>
-                  <a:srgbClr val="3366FF"/>
-                </a:solidFill>
                 <a:latin typeface="Courier New" panose="02070309020205020404" pitchFamily="49" charset="0"/>
                 <a:cs typeface="Courier New" panose="02070309020205020404" pitchFamily="49" charset="0"/>
               </a:rPr>
-              <a:t>event = kernel</a:t>
-            </a:r>
-            <a:r>
-              <a:rPr lang="en-GB" b="1" dirty="0">
+              <a:t>event = </a:t>
+            </a:r>
+            <a:r>
+              <a:rPr lang="en-GB" b="1" dirty="0" smtClean="0">
                 <a:solidFill>
                   <a:srgbClr val="3366FF"/>
                 </a:solidFill>
                 <a:latin typeface="Courier New" panose="02070309020205020404" pitchFamily="49" charset="0"/>
                 <a:cs typeface="Courier New" panose="02070309020205020404" pitchFamily="49" charset="0"/>
               </a:rPr>
-              <a:t>(cl::</a:t>
-            </a:r>
-            <a:r>
-              <a:rPr lang="en-GB" b="1" dirty="0" err="1">
-                <a:solidFill>
-                  <a:srgbClr val="3366FF"/>
-                </a:solidFill>
+              <a:t>kernel</a:t>
+            </a:r>
+            <a:r>
+              <a:rPr lang="en-GB" b="1" dirty="0">
                 <a:latin typeface="Courier New" panose="02070309020205020404" pitchFamily="49" charset="0"/>
                 <a:cs typeface="Courier New" panose="02070309020205020404" pitchFamily="49" charset="0"/>
               </a:rPr>
-              <a:t>EnqueueArgs</a:t>
+              <a:t>(</a:t>
             </a:r>
             <a:r>
               <a:rPr lang="en-GB" b="1" dirty="0">
@@ -11138,13 +11123,27 @@
                 <a:latin typeface="Courier New" panose="02070309020205020404" pitchFamily="49" charset="0"/>
                 <a:cs typeface="Courier New" panose="02070309020205020404" pitchFamily="49" charset="0"/>
               </a:rPr>
+              <a:t>cl::</a:t>
+            </a:r>
+            <a:r>
+              <a:rPr lang="en-GB" b="1" dirty="0" err="1">
+                <a:solidFill>
+                  <a:srgbClr val="3366FF"/>
+                </a:solidFill>
+                <a:latin typeface="Courier New" panose="02070309020205020404" pitchFamily="49" charset="0"/>
+                <a:cs typeface="Courier New" panose="02070309020205020404" pitchFamily="49" charset="0"/>
+              </a:rPr>
+              <a:t>EnqueueArgs</a:t>
+            </a:r>
+            <a:r>
+              <a:rPr lang="en-GB" b="1" dirty="0">
+                <a:latin typeface="Courier New" panose="02070309020205020404" pitchFamily="49" charset="0"/>
+                <a:cs typeface="Courier New" panose="02070309020205020404" pitchFamily="49" charset="0"/>
+              </a:rPr>
               <a:t>(queue, global), …)</a:t>
             </a:r>
             <a:r>
               <a:rPr lang="en-GB" b="1" dirty="0" smtClean="0">
-                <a:solidFill>
-                  <a:srgbClr val="3366FF"/>
-                </a:solidFill>
                 <a:latin typeface="Courier New" panose="02070309020205020404" pitchFamily="49" charset="0"/>
                 <a:cs typeface="Courier New" panose="02070309020205020404" pitchFamily="49" charset="0"/>
               </a:rPr>
@@ -11169,19 +11168,23 @@
             </a:pPr>
             <a:r>
               <a:rPr lang="en-GB" b="1" dirty="0" err="1" smtClean="0">
+                <a:latin typeface="Courier New"/>
+                <a:cs typeface="Courier New"/>
+              </a:rPr>
+              <a:t>queue.</a:t>
+            </a:r>
+            <a:r>
+              <a:rPr lang="en-GB" b="1" dirty="0" err="1" smtClean="0">
                 <a:solidFill>
                   <a:srgbClr val="3366FF"/>
                 </a:solidFill>
                 <a:latin typeface="Courier New"/>
                 <a:cs typeface="Courier New"/>
               </a:rPr>
-              <a:t>queue.enqueueReadBuffer</a:t>
+              <a:t>enqueueReadBuffer</a:t>
             </a:r>
             <a:r>
               <a:rPr lang="en-GB" b="1" dirty="0" smtClean="0">
-                <a:solidFill>
-                  <a:srgbClr val="3366FF"/>
-                </a:solidFill>
                 <a:latin typeface="Courier New"/>
                 <a:cs typeface="Courier New"/>
               </a:rPr>
@@ -11189,9 +11192,6 @@
             </a:r>
             <a:r>
               <a:rPr lang="en-GB" b="1" dirty="0" err="1" smtClean="0">
-                <a:solidFill>
-                  <a:srgbClr val="3366FF"/>
-                </a:solidFill>
                 <a:latin typeface="Courier New"/>
                 <a:cs typeface="Courier New"/>
               </a:rPr>
@@ -11199,9 +11199,6 @@
             </a:r>
             <a:r>
               <a:rPr lang="en-GB" b="1" dirty="0" smtClean="0">
-                <a:solidFill>
-                  <a:srgbClr val="3366FF"/>
-                </a:solidFill>
                 <a:latin typeface="Courier New"/>
                 <a:cs typeface="Courier New"/>
               </a:rPr>
@@ -11214,9 +11211,6 @@
             </a:pPr>
             <a:r>
               <a:rPr lang="en-GB" b="1" dirty="0">
-                <a:solidFill>
-                  <a:srgbClr val="3366FF"/>
-                </a:solidFill>
                 <a:latin typeface="Courier New"/>
                 <a:cs typeface="Courier New"/>
               </a:rPr>
@@ -11224,19 +11218,30 @@
             </a:r>
             <a:r>
               <a:rPr lang="en-GB" b="1" dirty="0" smtClean="0">
-                <a:solidFill>
-                  <a:srgbClr val="3366FF"/>
-                </a:solidFill>
-                <a:latin typeface="Courier New"/>
-                <a:cs typeface="Courier New"/>
-              </a:rPr>
-              <a:t>                       0, </a:t>
+                <a:latin typeface="Courier New"/>
+                <a:cs typeface="Courier New"/>
+              </a:rPr>
+              <a:t>                       </a:t>
+            </a:r>
+            <a:r>
+              <a:rPr lang="en-GB" b="1" dirty="0" smtClean="0">
+                <a:solidFill>
+                  <a:srgbClr val="FF00FF"/>
+                </a:solidFill>
+                <a:latin typeface="Courier New"/>
+                <a:cs typeface="Courier New"/>
+              </a:rPr>
+              <a:t>0</a:t>
+            </a:r>
+            <a:r>
+              <a:rPr lang="en-GB" b="1" dirty="0" smtClean="0">
+                <a:latin typeface="Courier New"/>
+                <a:cs typeface="Courier New"/>
+              </a:rPr>
+              <a:t>, </a:t>
             </a:r>
             <a:r>
               <a:rPr lang="en-GB" b="1" dirty="0" err="1" smtClean="0">
-                <a:solidFill>
-                  <a:srgbClr val="3366FF"/>
-                </a:solidFill>
                 <a:latin typeface="Courier New"/>
                 <a:cs typeface="Courier New"/>
               </a:rPr>
@@ -11244,9 +11249,6 @@
             </a:r>
             <a:r>
               <a:rPr lang="en-GB" b="1" dirty="0" smtClean="0">
-                <a:solidFill>
-                  <a:srgbClr val="3366FF"/>
-                </a:solidFill>
                 <a:latin typeface="Courier New"/>
                 <a:cs typeface="Courier New"/>
               </a:rPr>
@@ -11254,9 +11256,6 @@
             </a:r>
             <a:r>
               <a:rPr lang="en-GB" b="1" dirty="0" err="1" smtClean="0">
-                <a:solidFill>
-                  <a:srgbClr val="3366FF"/>
-                </a:solidFill>
                 <a:latin typeface="Courier New"/>
                 <a:cs typeface="Courier New"/>
               </a:rPr>
@@ -11264,13 +11263,27 @@
             </a:r>
             <a:r>
               <a:rPr lang="en-GB" b="1" dirty="0" smtClean="0">
-                <a:solidFill>
-                  <a:srgbClr val="3366FF"/>
-                </a:solidFill>
-                <a:latin typeface="Courier New"/>
-                <a:cs typeface="Courier New"/>
-              </a:rPr>
-              <a:t>, NULL, &amp;event);</a:t>
+                <a:latin typeface="Courier New"/>
+                <a:cs typeface="Courier New"/>
+              </a:rPr>
+              <a:t>, </a:t>
+            </a:r>
+            <a:r>
+              <a:rPr lang="en-GB" b="1" dirty="0" smtClean="0">
+                <a:solidFill>
+                  <a:srgbClr val="FF00FF"/>
+                </a:solidFill>
+                <a:latin typeface="Courier New"/>
+                <a:cs typeface="Courier New"/>
+              </a:rPr>
+              <a:t>NULL</a:t>
+            </a:r>
+            <a:r>
+              <a:rPr lang="en-GB" b="1" dirty="0" smtClean="0">
+                <a:latin typeface="Courier New"/>
+                <a:cs typeface="Courier New"/>
+              </a:rPr>
+              <a:t>, &amp;event);</a:t>
             </a:r>
           </a:p>
           <a:p>
@@ -11286,7 +11299,7 @@
             <a:r>
               <a:rPr lang="en-GB" b="1" dirty="0">
                 <a:solidFill>
-                  <a:srgbClr val="3366FF"/>
+                  <a:srgbClr val="008000"/>
                 </a:solidFill>
                 <a:latin typeface="Courier New" panose="02070309020205020404" pitchFamily="49" charset="0"/>
                 <a:cs typeface="Courier New" panose="02070309020205020404" pitchFamily="49" charset="0"/>
@@ -11296,7 +11309,7 @@
             <a:r>
               <a:rPr lang="en-GB" b="1" dirty="0" smtClean="0">
                 <a:solidFill>
-                  <a:srgbClr val="3366FF"/>
+                  <a:srgbClr val="008000"/>
                 </a:solidFill>
                 <a:latin typeface="Courier New" panose="02070309020205020404" pitchFamily="49" charset="0"/>
                 <a:cs typeface="Courier New" panose="02070309020205020404" pitchFamily="49" charset="0"/>
@@ -11310,32 +11323,33 @@
             </a:pPr>
             <a:r>
               <a:rPr lang="en-GB" b="1" dirty="0" err="1" smtClean="0">
-                <a:solidFill>
-                  <a:srgbClr val="3366FF"/>
-                </a:solidFill>
                 <a:latin typeface="Courier New" panose="02070309020205020404" pitchFamily="49" charset="0"/>
                 <a:cs typeface="Courier New" panose="02070309020205020404" pitchFamily="49" charset="0"/>
               </a:rPr>
-              <a:t>event.wait</a:t>
-            </a:r>
-            <a:r>
-              <a:rPr lang="en-GB" b="1" dirty="0" smtClean="0">
+              <a:t>event.</a:t>
+            </a:r>
+            <a:r>
+              <a:rPr lang="en-GB" b="1" dirty="0" err="1" smtClean="0">
                 <a:solidFill>
                   <a:srgbClr val="3366FF"/>
                 </a:solidFill>
                 <a:latin typeface="Courier New" panose="02070309020205020404" pitchFamily="49" charset="0"/>
                 <a:cs typeface="Courier New" panose="02070309020205020404" pitchFamily="49" charset="0"/>
               </a:rPr>
-              <a:t>(</a:t>
-            </a:r>
-            <a:r>
-              <a:rPr lang="en-GB" b="1" dirty="0">
-                <a:solidFill>
-                  <a:srgbClr val="3366FF"/>
-                </a:solidFill>
+              <a:t>wait</a:t>
+            </a:r>
+            <a:r>
+              <a:rPr lang="en-GB" b="1" dirty="0" smtClean="0">
                 <a:latin typeface="Courier New" panose="02070309020205020404" pitchFamily="49" charset="0"/>
                 <a:cs typeface="Courier New" panose="02070309020205020404" pitchFamily="49" charset="0"/>
               </a:rPr>
+              <a:t>(</a:t>
+            </a:r>
+            <a:r>
+              <a:rPr lang="en-GB" b="1" dirty="0">
+                <a:latin typeface="Courier New" panose="02070309020205020404" pitchFamily="49" charset="0"/>
+                <a:cs typeface="Courier New" panose="02070309020205020404" pitchFamily="49" charset="0"/>
+              </a:rPr>
               <a:t>); </a:t>
             </a:r>
           </a:p>
@@ -11344,9 +11358,6 @@
               <a:buNone/>
             </a:pPr>
             <a:endParaRPr lang="en-GB" b="1" dirty="0" smtClean="0">
-              <a:solidFill>
-                <a:srgbClr val="3366FF"/>
-              </a:solidFill>
               <a:latin typeface="Courier New" panose="02070309020205020404" pitchFamily="49" charset="0"/>
               <a:cs typeface="Courier New" panose="02070309020205020404" pitchFamily="49" charset="0"/>
             </a:endParaRPr>
@@ -11358,7 +11369,7 @@
             <a:r>
               <a:rPr lang="en-GB" b="1" dirty="0" smtClean="0">
                 <a:solidFill>
-                  <a:srgbClr val="3366FF"/>
+                  <a:srgbClr val="008000"/>
                 </a:solidFill>
                 <a:latin typeface="Courier New" panose="02070309020205020404" pitchFamily="49" charset="0"/>
                 <a:cs typeface="Courier New" panose="02070309020205020404" pitchFamily="49" charset="0"/>
@@ -11371,7 +11382,7 @@
               <a:buNone/>
             </a:pPr>
             <a:r>
-              <a:rPr lang="en-GB" b="1" dirty="0" err="1" smtClean="0">
+              <a:rPr lang="en-GB" b="1" i="1" dirty="0" err="1" smtClean="0">
                 <a:solidFill>
                   <a:srgbClr val="3366FF"/>
                 </a:solidFill>
@@ -11382,9 +11393,6 @@
             </a:r>
             <a:r>
               <a:rPr lang="en-GB" b="1" dirty="0" smtClean="0">
-                <a:solidFill>
-                  <a:srgbClr val="3366FF"/>
-                </a:solidFill>
                 <a:latin typeface="Courier New" panose="02070309020205020404" pitchFamily="49" charset="0"/>
                 <a:cs typeface="Courier New" panose="02070309020205020404" pitchFamily="49" charset="0"/>
               </a:rPr>
@@ -11397,9 +11405,6 @@
             </a:pPr>
             <a:r>
               <a:rPr lang="en-GB" b="1" dirty="0">
-                <a:solidFill>
-                  <a:srgbClr val="3366FF"/>
-                </a:solidFill>
                 <a:latin typeface="Courier New" panose="02070309020205020404" pitchFamily="49" charset="0"/>
                 <a:cs typeface="Courier New" panose="02070309020205020404" pitchFamily="49" charset="0"/>
               </a:rPr>
@@ -11407,9 +11412,6 @@
             </a:r>
             <a:r>
               <a:rPr lang="en-GB" b="1" dirty="0" smtClean="0">
-                <a:solidFill>
-                  <a:srgbClr val="3366FF"/>
-                </a:solidFill>
                 <a:latin typeface="Courier New" panose="02070309020205020404" pitchFamily="49" charset="0"/>
                 <a:cs typeface="Courier New" panose="02070309020205020404" pitchFamily="49" charset="0"/>
               </a:rPr>
@@ -11417,32 +11419,33 @@
             </a:r>
             <a:r>
               <a:rPr lang="en-GB" b="1" dirty="0" err="1" smtClean="0">
-                <a:solidFill>
-                  <a:srgbClr val="3366FF"/>
-                </a:solidFill>
                 <a:latin typeface="Courier New" panose="02070309020205020404" pitchFamily="49" charset="0"/>
                 <a:cs typeface="Courier New" panose="02070309020205020404" pitchFamily="49" charset="0"/>
               </a:rPr>
-              <a:t>event.getProfilingInfo</a:t>
-            </a:r>
-            <a:r>
-              <a:rPr lang="en-GB" b="1" dirty="0">
+              <a:t>event.</a:t>
+            </a:r>
+            <a:r>
+              <a:rPr lang="en-GB" b="1" dirty="0" err="1" smtClean="0">
                 <a:solidFill>
                   <a:srgbClr val="3366FF"/>
                 </a:solidFill>
                 <a:latin typeface="Courier New" panose="02070309020205020404" pitchFamily="49" charset="0"/>
                 <a:cs typeface="Courier New" panose="02070309020205020404" pitchFamily="49" charset="0"/>
               </a:rPr>
-              <a:t>&lt;</a:t>
-            </a:r>
-            <a:r>
-              <a:rPr lang="en-GB" b="1" dirty="0" smtClean="0">
-                <a:solidFill>
-                  <a:srgbClr val="3366FF"/>
-                </a:solidFill>
+              <a:t>getProfilingInfo</a:t>
+            </a:r>
+            <a:r>
+              <a:rPr lang="en-GB" b="1" dirty="0">
                 <a:latin typeface="Courier New" panose="02070309020205020404" pitchFamily="49" charset="0"/>
                 <a:cs typeface="Courier New" panose="02070309020205020404" pitchFamily="49" charset="0"/>
               </a:rPr>
+              <a:t>&lt;</a:t>
+            </a:r>
+            <a:r>
+              <a:rPr lang="en-GB" b="1" dirty="0" smtClean="0">
+                <a:latin typeface="Courier New" panose="02070309020205020404" pitchFamily="49" charset="0"/>
+                <a:cs typeface="Courier New" panose="02070309020205020404" pitchFamily="49" charset="0"/>
+              </a:rPr>
               <a:t>CL_PROFILING_COMMAND_START&gt;();</a:t>
             </a:r>
           </a:p>
@@ -11452,9 +11455,6 @@
             </a:pPr>
             <a:r>
               <a:rPr lang="en-GB" b="1" dirty="0">
-                <a:solidFill>
-                  <a:srgbClr val="3366FF"/>
-                </a:solidFill>
                 <a:latin typeface="Courier New" panose="02070309020205020404" pitchFamily="49" charset="0"/>
                 <a:cs typeface="Courier New" panose="02070309020205020404" pitchFamily="49" charset="0"/>
               </a:rPr>
@@ -11462,9 +11462,6 @@
             </a:r>
             <a:r>
               <a:rPr lang="en-GB" b="1" dirty="0" smtClean="0">
-                <a:solidFill>
-                  <a:srgbClr val="3366FF"/>
-                </a:solidFill>
                 <a:latin typeface="Courier New" panose="02070309020205020404" pitchFamily="49" charset="0"/>
                 <a:cs typeface="Courier New" panose="02070309020205020404" pitchFamily="49" charset="0"/>
               </a:rPr>
@@ -11472,32 +11469,33 @@
             </a:r>
             <a:r>
               <a:rPr lang="en-GB" b="1" dirty="0" err="1" smtClean="0">
-                <a:solidFill>
-                  <a:srgbClr val="3366FF"/>
-                </a:solidFill>
                 <a:latin typeface="Courier New" panose="02070309020205020404" pitchFamily="49" charset="0"/>
                 <a:cs typeface="Courier New" panose="02070309020205020404" pitchFamily="49" charset="0"/>
               </a:rPr>
-              <a:t>event.getProfilingInfo</a:t>
-            </a:r>
-            <a:r>
-              <a:rPr lang="en-GB" b="1" dirty="0">
+              <a:t>event.</a:t>
+            </a:r>
+            <a:r>
+              <a:rPr lang="en-GB" b="1" dirty="0" err="1" smtClean="0">
                 <a:solidFill>
                   <a:srgbClr val="3366FF"/>
                 </a:solidFill>
                 <a:latin typeface="Courier New" panose="02070309020205020404" pitchFamily="49" charset="0"/>
                 <a:cs typeface="Courier New" panose="02070309020205020404" pitchFamily="49" charset="0"/>
               </a:rPr>
-              <a:t>&lt;</a:t>
-            </a:r>
-            <a:r>
-              <a:rPr lang="en-GB" b="1" dirty="0" smtClean="0">
-                <a:solidFill>
-                  <a:srgbClr val="3366FF"/>
-                </a:solidFill>
+              <a:t>getProfilingInfo</a:t>
+            </a:r>
+            <a:r>
+              <a:rPr lang="en-GB" b="1" dirty="0">
                 <a:latin typeface="Courier New" panose="02070309020205020404" pitchFamily="49" charset="0"/>
                 <a:cs typeface="Courier New" panose="02070309020205020404" pitchFamily="49" charset="0"/>
               </a:rPr>
+              <a:t>&lt;</a:t>
+            </a:r>
+            <a:r>
+              <a:rPr lang="en-GB" b="1" dirty="0" smtClean="0">
+                <a:latin typeface="Courier New" panose="02070309020205020404" pitchFamily="49" charset="0"/>
+                <a:cs typeface="Courier New" panose="02070309020205020404" pitchFamily="49" charset="0"/>
+              </a:rPr>
               <a:t>CL_PROFILING_COMMAND_END&gt;();</a:t>
             </a:r>
           </a:p>
@@ -11506,9 +11504,6 @@
               <a:buNone/>
             </a:pPr>
             <a:endParaRPr lang="en-GB" b="1" dirty="0" smtClean="0">
-              <a:solidFill>
-                <a:srgbClr val="3366FF"/>
-              </a:solidFill>
               <a:latin typeface="Courier New" panose="02070309020205020404" pitchFamily="49" charset="0"/>
               <a:cs typeface="Courier New" panose="02070309020205020404" pitchFamily="49" charset="0"/>
             </a:endParaRPr>
@@ -11520,7 +11515,7 @@
             <a:r>
               <a:rPr lang="en-GB" b="1" dirty="0">
                 <a:solidFill>
-                  <a:srgbClr val="3366FF"/>
+                  <a:srgbClr val="008000"/>
                 </a:solidFill>
                 <a:latin typeface="Courier New" panose="02070309020205020404" pitchFamily="49" charset="0"/>
                 <a:cs typeface="Courier New" panose="02070309020205020404" pitchFamily="49" charset="0"/>
@@ -11530,7 +11525,7 @@
             <a:r>
               <a:rPr lang="en-GB" b="1" dirty="0" smtClean="0">
                 <a:solidFill>
-                  <a:srgbClr val="3366FF"/>
+                  <a:srgbClr val="008000"/>
                 </a:solidFill>
                 <a:latin typeface="Courier New" panose="02070309020205020404" pitchFamily="49" charset="0"/>
                 <a:cs typeface="Courier New" panose="02070309020205020404" pitchFamily="49" charset="0"/>
@@ -11543,54 +11538,59 @@
               <a:buNone/>
             </a:pPr>
             <a:r>
-              <a:rPr lang="en-GB" b="1" dirty="0" smtClean="0">
+              <a:rPr lang="en-GB" b="1" i="1" dirty="0" smtClean="0">
                 <a:solidFill>
                   <a:srgbClr val="3366FF"/>
                 </a:solidFill>
                 <a:latin typeface="Courier New" panose="02070309020205020404" pitchFamily="49" charset="0"/>
                 <a:cs typeface="Courier New" panose="02070309020205020404" pitchFamily="49" charset="0"/>
               </a:rPr>
-              <a:t>double </a:t>
-            </a:r>
-            <a:r>
-              <a:rPr lang="en-GB" b="1" dirty="0" err="1">
-                <a:solidFill>
-                  <a:srgbClr val="3366FF"/>
-                </a:solidFill>
+              <a:t>double</a:t>
+            </a:r>
+            <a:r>
+              <a:rPr lang="en-GB" b="1" dirty="0" smtClean="0">
                 <a:latin typeface="Courier New" panose="02070309020205020404" pitchFamily="49" charset="0"/>
                 <a:cs typeface="Courier New" panose="02070309020205020404" pitchFamily="49" charset="0"/>
               </a:rPr>
-              <a:t>time_taken</a:t>
-            </a:r>
-            <a:r>
-              <a:rPr lang="en-GB" b="1" dirty="0">
-                <a:solidFill>
-                  <a:srgbClr val="3366FF"/>
-                </a:solidFill>
+              <a:t> </a:t>
+            </a:r>
+            <a:r>
+              <a:rPr lang="en-GB" b="1" dirty="0" err="1">
                 <a:latin typeface="Courier New" panose="02070309020205020404" pitchFamily="49" charset="0"/>
                 <a:cs typeface="Courier New" panose="02070309020205020404" pitchFamily="49" charset="0"/>
               </a:rPr>
-              <a:t> = </a:t>
-            </a:r>
-            <a:r>
-              <a:rPr lang="en-GB" b="1" dirty="0" smtClean="0">
-                <a:solidFill>
-                  <a:srgbClr val="3366FF"/>
-                </a:solidFill>
+              <a:t>time_taken</a:t>
+            </a:r>
+            <a:r>
+              <a:rPr lang="en-GB" b="1" dirty="0">
                 <a:latin typeface="Courier New" panose="02070309020205020404" pitchFamily="49" charset="0"/>
                 <a:cs typeface="Courier New" panose="02070309020205020404" pitchFamily="49" charset="0"/>
               </a:rPr>
-              <a:t>(end</a:t>
-            </a:r>
-            <a:r>
-              <a:rPr lang="en-GB" b="1" dirty="0">
-                <a:solidFill>
-                  <a:srgbClr val="3366FF"/>
-                </a:solidFill>
+              <a:t> = </a:t>
+            </a:r>
+            <a:r>
+              <a:rPr lang="en-GB" b="1" dirty="0" smtClean="0">
                 <a:latin typeface="Courier New" panose="02070309020205020404" pitchFamily="49" charset="0"/>
                 <a:cs typeface="Courier New" panose="02070309020205020404" pitchFamily="49" charset="0"/>
               </a:rPr>
-              <a:t>-start)*1.0e-6</a:t>
+              <a:t>(end</a:t>
+            </a:r>
+            <a:r>
+              <a:rPr lang="en-GB" b="1" dirty="0">
+                <a:latin typeface="Courier New" panose="02070309020205020404" pitchFamily="49" charset="0"/>
+                <a:cs typeface="Courier New" panose="02070309020205020404" pitchFamily="49" charset="0"/>
+              </a:rPr>
+              <a:t>-start)*</a:t>
+            </a:r>
+            <a:r>
+              <a:rPr lang="en-GB" b="1" dirty="0">
+                <a:solidFill>
+                  <a:srgbClr val="FF00FF"/>
+                </a:solidFill>
+                <a:latin typeface="Courier New" panose="02070309020205020404" pitchFamily="49" charset="0"/>
+                <a:cs typeface="Courier New" panose="02070309020205020404" pitchFamily="49" charset="0"/>
+              </a:rPr>
+              <a:t>1.0e-6</a:t>
             </a:r>
             <a:r>
               <a:rPr lang="en-GB" b="1" dirty="0" smtClean="0">
@@ -12142,11 +12142,11 @@
   <p:clrMapOvr>
     <a:masterClrMapping/>
   </p:clrMapOvr>
-  <mc:AlternateContent xmlns:mc="http://schemas.openxmlformats.org/markup-compatibility/2006">
-    <mc:Choice xmlns:p14="http://schemas.microsoft.com/office/powerpoint/2010/main" Requires="p14">
+  <mc:AlternateContent xmlns:mc="http://schemas.openxmlformats.org/markup-compatibility/2006" xmlns:p14="http://schemas.microsoft.com/office/powerpoint/2010/main">
+    <mc:Choice Requires="p14">
       <p:transition spd="slow" p14:dur="2000"/>
     </mc:Choice>
-    <mc:Fallback>
+    <mc:Fallback xmlns="">
       <p:transition xmlns:p14="http://schemas.microsoft.com/office/powerpoint/2010/main" spd="slow"/>
     </mc:Fallback>
   </mc:AlternateContent>
@@ -12693,11 +12693,11 @@
   <p:clrMapOvr>
     <a:masterClrMapping/>
   </p:clrMapOvr>
-  <mc:AlternateContent xmlns:mc="http://schemas.openxmlformats.org/markup-compatibility/2006">
-    <mc:Choice xmlns:p14="http://schemas.microsoft.com/office/powerpoint/2010/main" Requires="p14">
+  <mc:AlternateContent xmlns:mc="http://schemas.openxmlformats.org/markup-compatibility/2006" xmlns:p14="http://schemas.microsoft.com/office/powerpoint/2010/main">
+    <mc:Choice Requires="p14">
       <p:transition spd="slow" p14:dur="2000"/>
     </mc:Choice>
-    <mc:Fallback>
+    <mc:Fallback xmlns="">
       <p:transition xmlns:p14="http://schemas.microsoft.com/office/powerpoint/2010/main" spd="slow"/>
     </mc:Fallback>
   </mc:AlternateContent>
@@ -12973,11 +12973,11 @@
   <p:clrMapOvr>
     <a:masterClrMapping/>
   </p:clrMapOvr>
-  <mc:AlternateContent xmlns:mc="http://schemas.openxmlformats.org/markup-compatibility/2006">
-    <mc:Choice xmlns:p14="http://schemas.microsoft.com/office/powerpoint/2010/main" Requires="p14">
+  <mc:AlternateContent xmlns:mc="http://schemas.openxmlformats.org/markup-compatibility/2006" xmlns:p14="http://schemas.microsoft.com/office/powerpoint/2010/main">
+    <mc:Choice Requires="p14">
       <p:transition spd="slow" p14:dur="2000"/>
     </mc:Choice>
-    <mc:Fallback>
+    <mc:Fallback xmlns="">
       <p:transition xmlns:p14="http://schemas.microsoft.com/office/powerpoint/2010/main" spd="slow"/>
     </mc:Fallback>
   </mc:AlternateContent>
@@ -13101,11 +13101,11 @@
   <p:clrMapOvr>
     <a:masterClrMapping/>
   </p:clrMapOvr>
-  <mc:AlternateContent xmlns:mc="http://schemas.openxmlformats.org/markup-compatibility/2006">
-    <mc:Choice xmlns:p14="http://schemas.microsoft.com/office/powerpoint/2010/main" Requires="p14">
+  <mc:AlternateContent xmlns:mc="http://schemas.openxmlformats.org/markup-compatibility/2006" xmlns:p14="http://schemas.microsoft.com/office/powerpoint/2010/main">
+    <mc:Choice Requires="p14">
       <p:transition spd="slow" p14:dur="2000"/>
     </mc:Choice>
-    <mc:Fallback>
+    <mc:Fallback xmlns="">
       <p:transition xmlns:p14="http://schemas.microsoft.com/office/powerpoint/2010/main" spd="slow"/>
     </mc:Fallback>
   </mc:AlternateContent>
@@ -13337,11 +13337,11 @@
   <p:clrMapOvr>
     <a:masterClrMapping/>
   </p:clrMapOvr>
-  <mc:AlternateContent xmlns:mc="http://schemas.openxmlformats.org/markup-compatibility/2006">
-    <mc:Choice xmlns:p14="http://schemas.microsoft.com/office/powerpoint/2010/main" Requires="p14">
+  <mc:AlternateContent xmlns:mc="http://schemas.openxmlformats.org/markup-compatibility/2006" xmlns:p14="http://schemas.microsoft.com/office/powerpoint/2010/main">
+    <mc:Choice Requires="p14">
       <p:transition spd="slow" p14:dur="2000"/>
     </mc:Choice>
-    <mc:Fallback>
+    <mc:Fallback xmlns="">
       <p:transition xmlns:p14="http://schemas.microsoft.com/office/powerpoint/2010/main" spd="slow"/>
     </mc:Fallback>
   </mc:AlternateContent>
@@ -13646,11 +13646,11 @@
   <p:clrMapOvr>
     <a:masterClrMapping/>
   </p:clrMapOvr>
-  <mc:AlternateContent xmlns:mc="http://schemas.openxmlformats.org/markup-compatibility/2006">
-    <mc:Choice xmlns:p14="http://schemas.microsoft.com/office/powerpoint/2010/main" Requires="p14">
+  <mc:AlternateContent xmlns:mc="http://schemas.openxmlformats.org/markup-compatibility/2006" xmlns:p14="http://schemas.microsoft.com/office/powerpoint/2010/main">
+    <mc:Choice Requires="p14">
       <p:transition spd="slow" p14:dur="2000"/>
     </mc:Choice>
-    <mc:Fallback>
+    <mc:Fallback xmlns="">
       <p:transition xmlns:p14="http://schemas.microsoft.com/office/powerpoint/2010/main" spd="slow"/>
     </mc:Fallback>
   </mc:AlternateContent>
@@ -13880,11 +13880,11 @@
   <p:clrMapOvr>
     <a:masterClrMapping/>
   </p:clrMapOvr>
-  <mc:AlternateContent xmlns:mc="http://schemas.openxmlformats.org/markup-compatibility/2006">
-    <mc:Choice xmlns:p14="http://schemas.microsoft.com/office/powerpoint/2010/main" Requires="p14">
+  <mc:AlternateContent xmlns:mc="http://schemas.openxmlformats.org/markup-compatibility/2006" xmlns:p14="http://schemas.microsoft.com/office/powerpoint/2010/main">
+    <mc:Choice Requires="p14">
       <p:transition spd="slow" p14:dur="2000"/>
     </mc:Choice>
-    <mc:Fallback>
+    <mc:Fallback xmlns="">
       <p:transition xmlns:p14="http://schemas.microsoft.com/office/powerpoint/2010/main" spd="slow"/>
     </mc:Fallback>
   </mc:AlternateContent>
@@ -13979,11 +13979,11 @@
   <p:clrMapOvr>
     <a:masterClrMapping/>
   </p:clrMapOvr>
-  <mc:AlternateContent xmlns:mc="http://schemas.openxmlformats.org/markup-compatibility/2006">
-    <mc:Choice xmlns:p14="http://schemas.microsoft.com/office/powerpoint/2010/main" Requires="p14">
+  <mc:AlternateContent xmlns:mc="http://schemas.openxmlformats.org/markup-compatibility/2006" xmlns:p14="http://schemas.microsoft.com/office/powerpoint/2010/main">
+    <mc:Choice Requires="p14">
       <p:transition spd="slow" p14:dur="2000"/>
     </mc:Choice>
-    <mc:Fallback>
+    <mc:Fallback xmlns="">
       <p:transition xmlns:p14="http://schemas.microsoft.com/office/powerpoint/2010/main" spd="slow"/>
     </mc:Fallback>
   </mc:AlternateContent>
@@ -14114,11 +14114,11 @@
   <p:clrMapOvr>
     <a:masterClrMapping/>
   </p:clrMapOvr>
-  <mc:AlternateContent xmlns:mc="http://schemas.openxmlformats.org/markup-compatibility/2006">
-    <mc:Choice xmlns:p14="http://schemas.microsoft.com/office/powerpoint/2010/main" Requires="p14">
+  <mc:AlternateContent xmlns:mc="http://schemas.openxmlformats.org/markup-compatibility/2006" xmlns:p14="http://schemas.microsoft.com/office/powerpoint/2010/main">
+    <mc:Choice Requires="p14">
       <p:transition spd="slow" p14:dur="2000"/>
     </mc:Choice>
-    <mc:Fallback>
+    <mc:Fallback xmlns="">
       <p:transition xmlns:p14="http://schemas.microsoft.com/office/powerpoint/2010/main" spd="slow"/>
     </mc:Fallback>
   </mc:AlternateContent>
@@ -14510,11 +14510,11 @@
   <p:clrMapOvr>
     <a:masterClrMapping/>
   </p:clrMapOvr>
-  <mc:AlternateContent xmlns:mc="http://schemas.openxmlformats.org/markup-compatibility/2006">
-    <mc:Choice xmlns:p14="http://schemas.microsoft.com/office/powerpoint/2010/main" Requires="p14">
+  <mc:AlternateContent xmlns:mc="http://schemas.openxmlformats.org/markup-compatibility/2006" xmlns:p14="http://schemas.microsoft.com/office/powerpoint/2010/main">
+    <mc:Choice Requires="p14">
       <p:transition spd="slow" p14:dur="2000"/>
     </mc:Choice>
-    <mc:Fallback>
+    <mc:Fallback xmlns="">
       <p:transition xmlns:p14="http://schemas.microsoft.com/office/powerpoint/2010/main" spd="slow"/>
     </mc:Fallback>
   </mc:AlternateContent>
@@ -14670,11 +14670,11 @@
   <p:clrMapOvr>
     <a:masterClrMapping/>
   </p:clrMapOvr>
-  <mc:AlternateContent xmlns:mc="http://schemas.openxmlformats.org/markup-compatibility/2006">
-    <mc:Choice xmlns:p14="http://schemas.microsoft.com/office/powerpoint/2010/main" Requires="p14">
+  <mc:AlternateContent xmlns:mc="http://schemas.openxmlformats.org/markup-compatibility/2006" xmlns:p14="http://schemas.microsoft.com/office/powerpoint/2010/main">
+    <mc:Choice Requires="p14">
       <p:transition spd="slow" p14:dur="2000"/>
     </mc:Choice>
-    <mc:Fallback>
+    <mc:Fallback xmlns="">
       <p:transition xmlns:p14="http://schemas.microsoft.com/office/powerpoint/2010/main" spd="slow"/>
     </mc:Fallback>
   </mc:AlternateContent>
@@ -15298,11 +15298,11 @@
   <p:clrMapOvr>
     <a:masterClrMapping/>
   </p:clrMapOvr>
-  <mc:AlternateContent xmlns:mc="http://schemas.openxmlformats.org/markup-compatibility/2006">
-    <mc:Choice xmlns:p14="http://schemas.microsoft.com/office/powerpoint/2010/main" Requires="p14">
+  <mc:AlternateContent xmlns:mc="http://schemas.openxmlformats.org/markup-compatibility/2006" xmlns:p14="http://schemas.microsoft.com/office/powerpoint/2010/main">
+    <mc:Choice Requires="p14">
       <p:transition spd="slow" p14:dur="2000"/>
     </mc:Choice>
-    <mc:Fallback>
+    <mc:Fallback xmlns="">
       <p:transition xmlns:p14="http://schemas.microsoft.com/office/powerpoint/2010/main" spd="slow"/>
     </mc:Fallback>
   </mc:AlternateContent>
@@ -15779,11 +15779,11 @@
   <p:clrMapOvr>
     <a:masterClrMapping/>
   </p:clrMapOvr>
-  <mc:AlternateContent xmlns:mc="http://schemas.openxmlformats.org/markup-compatibility/2006">
-    <mc:Choice xmlns:p14="http://schemas.microsoft.com/office/powerpoint/2010/main" Requires="p14">
+  <mc:AlternateContent xmlns:mc="http://schemas.openxmlformats.org/markup-compatibility/2006" xmlns:p14="http://schemas.microsoft.com/office/powerpoint/2010/main">
+    <mc:Choice Requires="p14">
       <p:transition spd="slow" p14:dur="2000"/>
     </mc:Choice>
-    <mc:Fallback>
+    <mc:Fallback xmlns="">
       <p:transition xmlns:p14="http://schemas.microsoft.com/office/powerpoint/2010/main" spd="slow"/>
     </mc:Fallback>
   </mc:AlternateContent>
@@ -16711,11 +16711,11 @@
   <p:clrMapOvr>
     <a:masterClrMapping/>
   </p:clrMapOvr>
-  <mc:AlternateContent xmlns:mc="http://schemas.openxmlformats.org/markup-compatibility/2006">
-    <mc:Choice xmlns:p14="http://schemas.microsoft.com/office/powerpoint/2010/main" Requires="p14">
+  <mc:AlternateContent xmlns:mc="http://schemas.openxmlformats.org/markup-compatibility/2006" xmlns:p14="http://schemas.microsoft.com/office/powerpoint/2010/main">
+    <mc:Choice Requires="p14">
       <p:transition spd="slow" p14:dur="2000"/>
     </mc:Choice>
-    <mc:Fallback>
+    <mc:Fallback xmlns="">
       <p:transition xmlns:p14="http://schemas.microsoft.com/office/powerpoint/2010/main" spd="slow"/>
     </mc:Fallback>
   </mc:AlternateContent>
@@ -16768,11 +16768,7 @@
           <a:p>
             <a:r>
               <a:rPr lang="en-US" dirty="0" smtClean="0"/>
-              <a:t>Coalesced </a:t>
-            </a:r>
-            <a:r>
-              <a:rPr lang="en-US" dirty="0" smtClean="0"/>
-              <a:t>Memory Access</a:t>
+              <a:t>Coalesced Memory Access</a:t>
             </a:r>
             <a:endParaRPr lang="en-US" dirty="0"/>
           </a:p>
@@ -21477,21 +21473,102 @@
               <a:defRPr sz="1800"/>
             </a:pPr>
             <a:r>
+              <a:rPr sz="1400" b="1" dirty="0" smtClean="0">
+                <a:solidFill>
+                  <a:schemeClr val="accent2"/>
+                </a:solidFill>
+                <a:latin typeface="Courier New"/>
+                <a:cs typeface="Courier New"/>
+                <a:sym typeface="Menlo Regular"/>
+              </a:rPr>
+              <a:t>kernel</a:t>
+            </a:r>
+            <a:r>
+              <a:rPr sz="1400" b="1" dirty="0" smtClean="0">
+                <a:latin typeface="Courier New"/>
+                <a:cs typeface="Courier New"/>
+                <a:sym typeface="Menlo Regular"/>
+              </a:rPr>
+              <a:t> </a:t>
+            </a:r>
+            <a:r>
+              <a:rPr lang="en-GB" sz="1400" b="1" i="1" dirty="0" smtClean="0">
+                <a:solidFill>
+                  <a:srgbClr val="3366FF"/>
+                </a:solidFill>
+                <a:latin typeface="Courier New"/>
+                <a:cs typeface="Courier New"/>
+                <a:sym typeface="Menlo Regular"/>
+              </a:rPr>
+              <a:t>void</a:t>
+            </a:r>
+            <a:r>
+              <a:rPr lang="en-GB" sz="1400" b="1" dirty="0" smtClean="0">
+                <a:latin typeface="Courier New"/>
+                <a:cs typeface="Courier New"/>
+                <a:sym typeface="Menlo Regular"/>
+              </a:rPr>
+              <a:t> </a:t>
+            </a:r>
+            <a:r>
+              <a:rPr sz="1400" b="1" dirty="0" smtClean="0">
+                <a:solidFill>
+                  <a:schemeClr val="accent3"/>
+                </a:solidFill>
+                <a:latin typeface="Courier New"/>
+                <a:cs typeface="Courier New"/>
+                <a:sym typeface="Menlo Regular"/>
+              </a:rPr>
+              <a:t>func</a:t>
+            </a:r>
+            <a:r>
+              <a:rPr sz="1400" b="1" dirty="0" smtClean="0">
+                <a:latin typeface="Courier New"/>
+                <a:cs typeface="Courier New"/>
+                <a:sym typeface="Menlo Regular"/>
+              </a:rPr>
+              <a:t>(</a:t>
+            </a:r>
+            <a:r>
+              <a:rPr sz="1400" b="1" dirty="0" smtClean="0">
+                <a:solidFill>
+                  <a:srgbClr val="C0504D"/>
+                </a:solidFill>
+                <a:latin typeface="Courier New"/>
+                <a:cs typeface="Courier New"/>
+                <a:sym typeface="Menlo Regular"/>
+              </a:rPr>
+              <a:t>global</a:t>
+            </a:r>
+            <a:r>
+              <a:rPr sz="1400" b="1" dirty="0" smtClean="0">
+                <a:latin typeface="Courier New"/>
+                <a:cs typeface="Courier New"/>
+                <a:sym typeface="Menlo Regular"/>
+              </a:rPr>
+              <a:t> </a:t>
+            </a:r>
+            <a:r>
+              <a:rPr sz="1400" b="1" i="1" dirty="0">
+                <a:solidFill>
+                  <a:srgbClr val="3366FF"/>
+                </a:solidFill>
+                <a:latin typeface="Courier New"/>
+                <a:cs typeface="Courier New"/>
+                <a:sym typeface="Menlo Regular"/>
+              </a:rPr>
+              <a:t>float</a:t>
+            </a:r>
+            <a:r>
               <a:rPr sz="1400" b="1" dirty="0">
-                <a:solidFill>
-                  <a:srgbClr val="3366FF"/>
-                </a:solidFill>
                 <a:latin typeface="Courier New"/>
                 <a:cs typeface="Courier New"/>
                 <a:sym typeface="Menlo Regular"/>
               </a:rPr>
-              <a:t>__kernel func( __global float </a:t>
+              <a:t> </a:t>
             </a:r>
             <a:r>
               <a:rPr sz="1400" b="1" dirty="0" smtClean="0">
-                <a:solidFill>
-                  <a:srgbClr val="3366FF"/>
-                </a:solidFill>
                 <a:latin typeface="Courier New"/>
                 <a:cs typeface="Courier New"/>
                 <a:sym typeface="Menlo Regular"/>
@@ -21500,9 +21577,6 @@
             </a:r>
             <a:r>
               <a:rPr sz="1400" b="1" dirty="0">
-                <a:solidFill>
-                  <a:srgbClr val="3366FF"/>
-                </a:solidFill>
                 <a:latin typeface="Courier New"/>
                 <a:cs typeface="Courier New"/>
                 <a:sym typeface="Menlo Regular"/>
@@ -21511,9 +21585,6 @@
             </a:r>
             <a:r>
               <a:rPr lang="en-GB" sz="1400" b="1" dirty="0" smtClean="0">
-                <a:solidFill>
-                  <a:srgbClr val="3366FF"/>
-                </a:solidFill>
                 <a:latin typeface="Courier New"/>
                 <a:cs typeface="Courier New"/>
                 <a:sym typeface="Menlo Regular"/>
@@ -21522,6 +21593,40 @@
             </a:r>
             <a:br>
               <a:rPr lang="en-GB" sz="1400" b="1" dirty="0" smtClean="0">
+                <a:latin typeface="Courier New"/>
+                <a:cs typeface="Courier New"/>
+                <a:sym typeface="Menlo Regular"/>
+              </a:rPr>
+            </a:br>
+            <a:r>
+              <a:rPr lang="en-GB" sz="1400" b="1" dirty="0" smtClean="0">
+                <a:latin typeface="Courier New"/>
+                <a:cs typeface="Courier New"/>
+                <a:sym typeface="Menlo Regular"/>
+              </a:rPr>
+              <a:t>                 </a:t>
+            </a:r>
+            <a:r>
+              <a:rPr sz="1400" b="1" dirty="0" smtClean="0">
+                <a:solidFill>
+                  <a:srgbClr val="C0504D"/>
+                </a:solidFill>
+                <a:latin typeface="Courier New"/>
+                <a:cs typeface="Courier New"/>
+                <a:sym typeface="Menlo Regular"/>
+              </a:rPr>
+              <a:t>global</a:t>
+            </a:r>
+            <a:r>
+              <a:rPr sz="1400" b="1" dirty="0" smtClean="0">
+                <a:latin typeface="Courier New"/>
+                <a:cs typeface="Courier New"/>
+                <a:sym typeface="Menlo Regular"/>
+              </a:rPr>
+              <a:t> </a:t>
+            </a:r>
+            <a:r>
+              <a:rPr sz="1400" b="1" i="1" dirty="0" smtClean="0">
                 <a:solidFill>
                   <a:srgbClr val="3366FF"/>
                 </a:solidFill>
@@ -21529,39 +21634,23 @@
                 <a:cs typeface="Courier New"/>
                 <a:sym typeface="Menlo Regular"/>
               </a:rPr>
-            </a:br>
-            <a:r>
-              <a:rPr lang="en-GB" sz="1400" b="1" dirty="0" smtClean="0">
-                <a:solidFill>
-                  <a:srgbClr val="3366FF"/>
-                </a:solidFill>
+              <a:t>float</a:t>
+            </a:r>
+            <a:r>
+              <a:rPr sz="1400" b="1" dirty="0" smtClean="0">
                 <a:latin typeface="Courier New"/>
                 <a:cs typeface="Courier New"/>
                 <a:sym typeface="Menlo Regular"/>
               </a:rPr>
-              <a:t>               </a:t>
-            </a:r>
-            <a:r>
-              <a:rPr sz="1400" b="1" dirty="0" smtClean="0">
-                <a:solidFill>
-                  <a:srgbClr val="3366FF"/>
-                </a:solidFill>
+              <a:t> *</a:t>
+            </a:r>
+            <a:r>
+              <a:rPr sz="1400" b="1" dirty="0">
                 <a:latin typeface="Courier New"/>
                 <a:cs typeface="Courier New"/>
                 <a:sym typeface="Menlo Regular"/>
               </a:rPr>
-              <a:t>__global </a:t>
-            </a:r>
-            <a:r>
-              <a:rPr sz="1400" b="1" dirty="0">
-                <a:solidFill>
-                  <a:srgbClr val="3366FF"/>
-                </a:solidFill>
-                <a:latin typeface="Courier New"/>
-                <a:cs typeface="Courier New"/>
-                <a:sym typeface="Menlo Regular"/>
-              </a:rPr>
-              <a:t>float *memB)</a:t>
+              <a:t>memB)</a:t>
             </a:r>
           </a:p>
           <a:p>
@@ -21569,7 +21658,74 @@
               <a:defRPr sz="1800"/>
             </a:pPr>
             <a:r>
+              <a:rPr sz="1400" b="1" dirty="0" smtClean="0">
+                <a:latin typeface="Courier New"/>
+                <a:cs typeface="Courier New"/>
+                <a:sym typeface="Menlo Regular"/>
+              </a:rPr>
+              <a:t>{</a:t>
+            </a:r>
+            <a:endParaRPr lang="en-GB" sz="1400" b="1" dirty="0" smtClean="0">
+              <a:latin typeface="Courier New"/>
+              <a:cs typeface="Courier New"/>
+              <a:sym typeface="Menlo Regular"/>
+            </a:endParaRPr>
+          </a:p>
+          <a:p>
+            <a:pPr defTabSz="410751">
+              <a:defRPr sz="1800"/>
+            </a:pPr>
+            <a:r>
+              <a:rPr lang="en-GB" sz="1400" b="1" i="1" dirty="0">
+                <a:solidFill>
+                  <a:srgbClr val="3366FF"/>
+                </a:solidFill>
+                <a:latin typeface="Courier New"/>
+                <a:cs typeface="Courier New"/>
+                <a:sym typeface="Menlo Regular"/>
+              </a:rPr>
+              <a:t> </a:t>
+            </a:r>
+            <a:r>
+              <a:rPr lang="en-GB" sz="1400" b="1" i="1" dirty="0" smtClean="0">
+                <a:solidFill>
+                  <a:srgbClr val="3366FF"/>
+                </a:solidFill>
+                <a:latin typeface="Courier New"/>
+                <a:cs typeface="Courier New"/>
+                <a:sym typeface="Menlo Regular"/>
+              </a:rPr>
+              <a:t> </a:t>
+            </a:r>
+            <a:r>
+              <a:rPr sz="1400" b="1" i="1" dirty="0" smtClean="0">
+                <a:solidFill>
+                  <a:srgbClr val="3366FF"/>
+                </a:solidFill>
+                <a:latin typeface="Courier New"/>
+                <a:cs typeface="Courier New"/>
+                <a:sym typeface="Menlo Regular"/>
+              </a:rPr>
+              <a:t>int</a:t>
+            </a:r>
+            <a:r>
+              <a:rPr sz="1400" b="1" dirty="0" smtClean="0">
+                <a:latin typeface="Courier New"/>
+                <a:cs typeface="Courier New"/>
+                <a:sym typeface="Menlo Regular"/>
+              </a:rPr>
+              <a:t> </a:t>
+            </a:r>
+            <a:r>
               <a:rPr sz="1400" b="1" dirty="0">
+                <a:latin typeface="Courier New"/>
+                <a:cs typeface="Courier New"/>
+                <a:sym typeface="Menlo Regular"/>
+              </a:rPr>
+              <a:t>g_id = </a:t>
+            </a:r>
+            <a:r>
+              <a:rPr sz="1400" b="1" dirty="0">
                 <a:solidFill>
                   <a:srgbClr val="3366FF"/>
                 </a:solidFill>
@@ -21577,32 +21733,138 @@
                 <a:cs typeface="Courier New"/>
                 <a:sym typeface="Menlo Regular"/>
               </a:rPr>
-              <a:t>{</a:t>
-            </a:r>
-          </a:p>
-          <a:p>
-            <a:pPr lvl="1" indent="241093" defTabSz="410751">
+              <a:t>get_global_id</a:t>
+            </a:r>
+            <a:r>
+              <a:rPr sz="1400" b="1" dirty="0">
+                <a:latin typeface="Courier New"/>
+                <a:cs typeface="Courier New"/>
+                <a:sym typeface="Menlo Regular"/>
+              </a:rPr>
+              <a:t>(</a:t>
+            </a:r>
+            <a:r>
+              <a:rPr sz="1400" b="1" dirty="0">
+                <a:solidFill>
+                  <a:srgbClr val="FF00FF"/>
+                </a:solidFill>
+                <a:latin typeface="Courier New"/>
+                <a:cs typeface="Courier New"/>
+                <a:sym typeface="Menlo Regular"/>
+              </a:rPr>
+              <a:t>0</a:t>
+            </a:r>
+            <a:r>
+              <a:rPr sz="1400" b="1" dirty="0">
+                <a:latin typeface="Courier New"/>
+                <a:cs typeface="Courier New"/>
+                <a:sym typeface="Menlo Regular"/>
+              </a:rPr>
+              <a:t>)</a:t>
+            </a:r>
+            <a:r>
+              <a:rPr sz="1400" b="1" dirty="0" smtClean="0">
+                <a:latin typeface="Courier New"/>
+                <a:cs typeface="Courier New"/>
+                <a:sym typeface="Menlo Regular"/>
+              </a:rPr>
+              <a:t>;</a:t>
+            </a:r>
+            <a:endParaRPr lang="en-GB" sz="1400" b="1" dirty="0" smtClean="0">
+              <a:latin typeface="Courier New"/>
+              <a:cs typeface="Courier New"/>
+              <a:sym typeface="Menlo Regular"/>
+            </a:endParaRPr>
+          </a:p>
+          <a:p>
+            <a:pPr defTabSz="410751">
               <a:defRPr sz="1800"/>
             </a:pPr>
             <a:r>
-              <a:rPr sz="1400" b="1" dirty="0">
-                <a:solidFill>
-                  <a:srgbClr val="3366FF"/>
+              <a:rPr lang="en-GB" sz="1400" b="1" dirty="0">
+                <a:solidFill>
+                  <a:srgbClr val="008000"/>
                 </a:solidFill>
                 <a:latin typeface="Courier New"/>
                 <a:cs typeface="Courier New"/>
                 <a:sym typeface="Menlo Regular"/>
               </a:rPr>
-              <a:t>int g_id = get_global_id(0);</a:t>
-            </a:r>
-          </a:p>
-          <a:p>
-            <a:pPr lvl="1" indent="241093" defTabSz="410751">
+              <a:t> </a:t>
+            </a:r>
+            <a:r>
+              <a:rPr lang="en-GB" sz="1400" b="1" dirty="0" smtClean="0">
+                <a:solidFill>
+                  <a:srgbClr val="008000"/>
+                </a:solidFill>
+                <a:latin typeface="Courier New"/>
+                <a:cs typeface="Courier New"/>
+                <a:sym typeface="Menlo Regular"/>
+              </a:rPr>
+              <a:t> </a:t>
+            </a:r>
+          </a:p>
+          <a:p>
+            <a:pPr defTabSz="410751">
               <a:defRPr sz="1800"/>
             </a:pPr>
-            <a:endParaRPr sz="1400" b="1" dirty="0">
+            <a:r>
+              <a:rPr lang="en-GB" sz="1400" b="1" dirty="0">
+                <a:solidFill>
+                  <a:srgbClr val="008000"/>
+                </a:solidFill>
+                <a:latin typeface="Courier New"/>
+                <a:cs typeface="Courier New"/>
+                <a:sym typeface="Menlo Regular"/>
+              </a:rPr>
+              <a:t> </a:t>
+            </a:r>
+            <a:r>
+              <a:rPr lang="en-GB" sz="1400" b="1" dirty="0" smtClean="0">
+                <a:solidFill>
+                  <a:srgbClr val="008000"/>
+                </a:solidFill>
+                <a:latin typeface="Courier New"/>
+                <a:cs typeface="Courier New"/>
+                <a:sym typeface="Menlo Regular"/>
+              </a:rPr>
+              <a:t> </a:t>
+            </a:r>
+            <a:r>
+              <a:rPr sz="1400" b="1" dirty="0" smtClean="0">
+                <a:solidFill>
+                  <a:srgbClr val="008000"/>
+                </a:solidFill>
+                <a:latin typeface="Courier New"/>
+                <a:cs typeface="Courier New"/>
+                <a:sym typeface="Menlo Regular"/>
+              </a:rPr>
+              <a:t>//</a:t>
+            </a:r>
+            <a:r>
+              <a:rPr lang="en-GB" sz="1400" b="1" dirty="0" smtClean="0">
+                <a:solidFill>
+                  <a:srgbClr val="008000"/>
+                </a:solidFill>
+                <a:latin typeface="Courier New"/>
+                <a:cs typeface="Courier New"/>
+                <a:sym typeface="Menlo Regular"/>
+              </a:rPr>
+              <a:t> </a:t>
+            </a:r>
+            <a:r>
+              <a:rPr sz="1400" b="1" dirty="0" smtClean="0">
+                <a:solidFill>
+                  <a:srgbClr val="008000"/>
+                </a:solidFill>
+                <a:latin typeface="Courier New"/>
+                <a:cs typeface="Courier New"/>
+                <a:sym typeface="Menlo Regular"/>
+              </a:rPr>
+              <a:t>ideal</a:t>
+            </a:r>
+            <a:endParaRPr lang="en-GB" sz="1400" b="1" dirty="0">
               <a:solidFill>
-                <a:srgbClr val="3366FF"/>
+                <a:srgbClr val="008000"/>
               </a:solidFill>
               <a:latin typeface="Courier New"/>
               <a:cs typeface="Courier New"/>
@@ -21610,56 +21872,79 @@
             </a:endParaRPr>
           </a:p>
           <a:p>
-            <a:pPr lvl="1" indent="241093" defTabSz="410751">
+            <a:pPr defTabSz="410751">
               <a:defRPr sz="1800"/>
             </a:pPr>
             <a:r>
+              <a:rPr lang="en-GB" sz="1400" b="1" i="1" dirty="0">
+                <a:solidFill>
+                  <a:srgbClr val="008000"/>
+                </a:solidFill>
+                <a:latin typeface="Courier New"/>
+                <a:cs typeface="Courier New"/>
+                <a:sym typeface="Menlo Regular"/>
+              </a:rPr>
+              <a:t> </a:t>
+            </a:r>
+            <a:r>
+              <a:rPr lang="en-GB" sz="1400" b="1" i="1" dirty="0" smtClean="0">
+                <a:solidFill>
+                  <a:srgbClr val="008000"/>
+                </a:solidFill>
+                <a:latin typeface="Courier New"/>
+                <a:cs typeface="Courier New"/>
+                <a:sym typeface="Menlo Regular"/>
+              </a:rPr>
+              <a:t> </a:t>
+            </a:r>
+            <a:r>
+              <a:rPr sz="1400" b="1" i="1" dirty="0" smtClean="0">
+                <a:solidFill>
+                  <a:srgbClr val="3366FF"/>
+                </a:solidFill>
+                <a:latin typeface="Courier New"/>
+                <a:cs typeface="Courier New"/>
+                <a:sym typeface="Menlo Regular"/>
+              </a:rPr>
+              <a:t>float</a:t>
+            </a:r>
+            <a:r>
+              <a:rPr sz="1400" b="1" dirty="0" smtClean="0">
+                <a:latin typeface="Courier New"/>
+                <a:cs typeface="Courier New"/>
+                <a:sym typeface="Menlo Regular"/>
+              </a:rPr>
+              <a:t> </a:t>
+            </a:r>
+            <a:r>
               <a:rPr sz="1400" b="1" dirty="0">
-                <a:solidFill>
-                  <a:srgbClr val="3366FF"/>
-                </a:solidFill>
                 <a:latin typeface="Courier New"/>
                 <a:cs typeface="Courier New"/>
                 <a:sym typeface="Menlo Regular"/>
               </a:rPr>
-              <a:t>/</a:t>
+              <a:t>val1 = memA[g_id]</a:t>
             </a:r>
             <a:r>
               <a:rPr sz="1400" b="1" dirty="0" smtClean="0">
-                <a:solidFill>
-                  <a:srgbClr val="3366FF"/>
-                </a:solidFill>
                 <a:latin typeface="Courier New"/>
                 <a:cs typeface="Courier New"/>
                 <a:sym typeface="Menlo Regular"/>
               </a:rPr>
-              <a:t>/</a:t>
-            </a:r>
-            <a:r>
-              <a:rPr lang="en-GB" sz="1400" b="1" dirty="0" smtClean="0">
-                <a:solidFill>
-                  <a:srgbClr val="3366FF"/>
-                </a:solidFill>
-                <a:latin typeface="Courier New"/>
-                <a:cs typeface="Courier New"/>
-                <a:sym typeface="Menlo Regular"/>
-              </a:rPr>
-              <a:t> </a:t>
-            </a:r>
-            <a:r>
-              <a:rPr sz="1400" b="1" dirty="0" smtClean="0">
-                <a:solidFill>
-                  <a:srgbClr val="3366FF"/>
-                </a:solidFill>
-                <a:latin typeface="Courier New"/>
-                <a:cs typeface="Courier New"/>
-                <a:sym typeface="Menlo Regular"/>
-              </a:rPr>
-              <a:t>ideal</a:t>
-            </a:r>
-            <a:endParaRPr sz="1400" b="1" dirty="0">
+              <a:t>;</a:t>
+            </a:r>
+            <a:endParaRPr lang="en-GB" sz="1400" b="1" dirty="0" smtClean="0">
+              <a:latin typeface="Courier New"/>
+              <a:cs typeface="Courier New"/>
+              <a:sym typeface="Menlo Regular"/>
+            </a:endParaRPr>
+          </a:p>
+          <a:p>
+            <a:pPr defTabSz="410751">
+              <a:defRPr sz="1800"/>
+            </a:pPr>
+            <a:endParaRPr lang="en-GB" sz="1400" b="1" dirty="0">
               <a:solidFill>
-                <a:srgbClr val="3366FF"/>
+                <a:srgbClr val="008000"/>
               </a:solidFill>
               <a:latin typeface="Courier New"/>
               <a:cs typeface="Courier New"/>
@@ -21667,28 +21952,67 @@
             </a:endParaRPr>
           </a:p>
           <a:p>
-            <a:pPr lvl="1" indent="241093" defTabSz="410751">
+            <a:pPr defTabSz="410751">
               <a:defRPr sz="1800"/>
             </a:pPr>
             <a:r>
+              <a:rPr lang="en-GB" sz="1400" b="1" dirty="0" smtClean="0">
+                <a:solidFill>
+                  <a:srgbClr val="008000"/>
+                </a:solidFill>
+                <a:latin typeface="Courier New"/>
+                <a:cs typeface="Courier New"/>
+                <a:sym typeface="Menlo Regular"/>
+              </a:rPr>
+              <a:t>  </a:t>
+            </a:r>
+            <a:r>
+              <a:rPr sz="1400" b="1" dirty="0" smtClean="0">
+                <a:solidFill>
+                  <a:srgbClr val="008000"/>
+                </a:solidFill>
+                <a:latin typeface="Courier New"/>
+                <a:cs typeface="Courier New"/>
+                <a:sym typeface="Menlo Regular"/>
+              </a:rPr>
+              <a:t>//</a:t>
+            </a:r>
+            <a:r>
+              <a:rPr lang="en-GB" sz="1400" b="1" dirty="0" smtClean="0">
+                <a:solidFill>
+                  <a:srgbClr val="008000"/>
+                </a:solidFill>
+                <a:latin typeface="Courier New"/>
+                <a:cs typeface="Courier New"/>
+                <a:sym typeface="Menlo Regular"/>
+              </a:rPr>
+              <a:t> </a:t>
+            </a:r>
+            <a:r>
+              <a:rPr sz="1400" b="1" dirty="0" smtClean="0">
+                <a:solidFill>
+                  <a:srgbClr val="008000"/>
+                </a:solidFill>
+                <a:latin typeface="Courier New"/>
+                <a:cs typeface="Courier New"/>
+                <a:sym typeface="Menlo Regular"/>
+              </a:rPr>
+              <a:t>still </a:t>
+            </a:r>
+            <a:r>
               <a:rPr sz="1400" b="1" dirty="0">
                 <a:solidFill>
-                  <a:srgbClr val="3366FF"/>
+                  <a:srgbClr val="008000"/>
                 </a:solidFill>
                 <a:latin typeface="Courier New"/>
                 <a:cs typeface="Courier New"/>
                 <a:sym typeface="Menlo Regular"/>
               </a:rPr>
-              <a:t>float val1 = memA[g_id];</a:t>
-            </a:r>
-          </a:p>
-          <a:p>
-            <a:pPr lvl="1" indent="241093" defTabSz="410751">
-              <a:defRPr sz="1800"/>
-            </a:pPr>
-            <a:endParaRPr sz="1400" b="1" dirty="0">
+              <a:t>pretty good </a:t>
+            </a:r>
+            <a:endParaRPr lang="en-GB" sz="1400" b="1" dirty="0" smtClean="0">
               <a:solidFill>
-                <a:srgbClr val="3366FF"/>
+                <a:srgbClr val="008000"/>
               </a:solidFill>
               <a:latin typeface="Courier New"/>
               <a:cs typeface="Courier New"/>
@@ -21696,11 +22020,100 @@
             </a:endParaRPr>
           </a:p>
           <a:p>
-            <a:pPr lvl="1" indent="241093" defTabSz="410751">
+            <a:pPr defTabSz="410751">
               <a:defRPr sz="1800"/>
             </a:pPr>
             <a:r>
+              <a:rPr lang="en-GB" sz="1400" b="1" dirty="0">
+                <a:solidFill>
+                  <a:srgbClr val="008000"/>
+                </a:solidFill>
+                <a:latin typeface="Courier New"/>
+                <a:cs typeface="Courier New"/>
+                <a:sym typeface="Menlo Regular"/>
+              </a:rPr>
+              <a:t> </a:t>
+            </a:r>
+            <a:r>
+              <a:rPr lang="en-GB" sz="1400" b="1" dirty="0" smtClean="0">
+                <a:solidFill>
+                  <a:srgbClr val="008000"/>
+                </a:solidFill>
+                <a:latin typeface="Courier New"/>
+                <a:cs typeface="Courier New"/>
+                <a:sym typeface="Menlo Regular"/>
+              </a:rPr>
+              <a:t> </a:t>
+            </a:r>
+            <a:r>
+              <a:rPr sz="1400" b="1" dirty="0" smtClean="0">
+                <a:solidFill>
+                  <a:srgbClr val="C0504D"/>
+                </a:solidFill>
+                <a:latin typeface="Courier New"/>
+                <a:cs typeface="Courier New"/>
+                <a:sym typeface="Menlo Regular"/>
+              </a:rPr>
+              <a:t>const</a:t>
+            </a:r>
+            <a:r>
+              <a:rPr sz="1400" b="1" dirty="0" smtClean="0">
+                <a:latin typeface="Courier New"/>
+                <a:cs typeface="Courier New"/>
+                <a:sym typeface="Menlo Regular"/>
+              </a:rPr>
+              <a:t> </a:t>
+            </a:r>
+            <a:r>
+              <a:rPr sz="1400" b="1" i="1" dirty="0">
+                <a:solidFill>
+                  <a:srgbClr val="3366FF"/>
+                </a:solidFill>
+                <a:latin typeface="Courier New"/>
+                <a:cs typeface="Courier New"/>
+                <a:sym typeface="Menlo Regular"/>
+              </a:rPr>
+              <a:t>int</a:t>
+            </a:r>
+            <a:r>
               <a:rPr sz="1400" b="1" dirty="0">
+                <a:latin typeface="Courier New"/>
+                <a:cs typeface="Courier New"/>
+                <a:sym typeface="Menlo Regular"/>
+              </a:rPr>
+              <a:t> c = </a:t>
+            </a:r>
+            <a:r>
+              <a:rPr sz="1400" b="1" dirty="0">
+                <a:solidFill>
+                  <a:srgbClr val="FF00FF"/>
+                </a:solidFill>
+                <a:latin typeface="Courier New"/>
+                <a:cs typeface="Courier New"/>
+                <a:sym typeface="Menlo Regular"/>
+              </a:rPr>
+              <a:t>3</a:t>
+            </a:r>
+            <a:r>
+              <a:rPr sz="1400" b="1" dirty="0" smtClean="0">
+                <a:latin typeface="Courier New"/>
+                <a:cs typeface="Courier New"/>
+                <a:sym typeface="Menlo Regular"/>
+              </a:rPr>
+              <a:t>;</a:t>
+            </a:r>
+            <a:endParaRPr lang="en-GB" sz="1400" b="1" dirty="0">
+              <a:latin typeface="Courier New"/>
+              <a:cs typeface="Courier New"/>
+              <a:sym typeface="Menlo Regular"/>
+            </a:endParaRPr>
+          </a:p>
+          <a:p>
+            <a:pPr defTabSz="410751">
+              <a:defRPr sz="1800"/>
+            </a:pPr>
+            <a:r>
+              <a:rPr lang="en-GB" sz="1400" b="1" i="1" dirty="0" smtClean="0">
                 <a:solidFill>
                   <a:srgbClr val="3366FF"/>
                 </a:solidFill>
@@ -21708,92 +22121,56 @@
                 <a:cs typeface="Courier New"/>
                 <a:sym typeface="Menlo Regular"/>
               </a:rPr>
-              <a:t>/</a:t>
+              <a:t>  </a:t>
+            </a:r>
+            <a:r>
+              <a:rPr sz="1400" b="1" i="1" dirty="0" smtClean="0">
+                <a:solidFill>
+                  <a:srgbClr val="3366FF"/>
+                </a:solidFill>
+                <a:latin typeface="Courier New"/>
+                <a:cs typeface="Courier New"/>
+                <a:sym typeface="Menlo Regular"/>
+              </a:rPr>
+              <a:t>float</a:t>
             </a:r>
             <a:r>
               <a:rPr sz="1400" b="1" dirty="0" smtClean="0">
-                <a:solidFill>
-                  <a:srgbClr val="3366FF"/>
-                </a:solidFill>
                 <a:latin typeface="Courier New"/>
                 <a:cs typeface="Courier New"/>
                 <a:sym typeface="Menlo Regular"/>
               </a:rPr>
-              <a:t>/</a:t>
-            </a:r>
-            <a:r>
-              <a:rPr lang="en-GB" sz="1400" b="1" dirty="0" smtClean="0">
-                <a:solidFill>
-                  <a:srgbClr val="3366FF"/>
-                </a:solidFill>
+              <a:t> </a:t>
+            </a:r>
+            <a:r>
+              <a:rPr sz="1400" b="1" dirty="0">
                 <a:latin typeface="Courier New"/>
                 <a:cs typeface="Courier New"/>
                 <a:sym typeface="Menlo Regular"/>
               </a:rPr>
-              <a:t> </a:t>
+              <a:t>val2 = memA[g_id + c]</a:t>
             </a:r>
             <a:r>
               <a:rPr sz="1400" b="1" dirty="0" smtClean="0">
-                <a:solidFill>
-                  <a:srgbClr val="3366FF"/>
-                </a:solidFill>
                 <a:latin typeface="Courier New"/>
                 <a:cs typeface="Courier New"/>
                 <a:sym typeface="Menlo Regular"/>
               </a:rPr>
-              <a:t>still </a:t>
-            </a:r>
-            <a:r>
-              <a:rPr sz="1400" b="1" dirty="0">
-                <a:solidFill>
-                  <a:srgbClr val="3366FF"/>
-                </a:solidFill>
-                <a:latin typeface="Courier New"/>
-                <a:cs typeface="Courier New"/>
-                <a:sym typeface="Menlo Regular"/>
-              </a:rPr>
-              <a:t>pretty good </a:t>
-            </a:r>
-          </a:p>
-          <a:p>
-            <a:pPr lvl="1" indent="241093" defTabSz="410751">
+              <a:t>;</a:t>
+            </a:r>
+            <a:endParaRPr lang="en-GB" sz="1400" b="1" dirty="0" smtClean="0">
+              <a:latin typeface="Courier New"/>
+              <a:cs typeface="Courier New"/>
+              <a:sym typeface="Menlo Regular"/>
+            </a:endParaRPr>
+          </a:p>
+          <a:p>
+            <a:pPr defTabSz="410751">
               <a:defRPr sz="1800"/>
             </a:pPr>
-            <a:r>
-              <a:rPr sz="1400" b="1" dirty="0">
-                <a:solidFill>
-                  <a:srgbClr val="3366FF"/>
-                </a:solidFill>
-                <a:latin typeface="Courier New"/>
-                <a:cs typeface="Courier New"/>
-                <a:sym typeface="Menlo Regular"/>
-              </a:rPr>
-              <a:t>const int c = 3;</a:t>
-            </a:r>
-          </a:p>
-          <a:p>
-            <a:pPr lvl="1" indent="241093" defTabSz="410751">
-              <a:defRPr sz="1800"/>
-            </a:pPr>
-            <a:r>
-              <a:rPr sz="1400" b="1" dirty="0">
-                <a:solidFill>
-                  <a:srgbClr val="3366FF"/>
-                </a:solidFill>
-                <a:latin typeface="Courier New"/>
-                <a:cs typeface="Courier New"/>
-                <a:sym typeface="Menlo Regular"/>
-              </a:rPr>
-              <a:t>float val2 = memA[g_id + c];</a:t>
-            </a:r>
-          </a:p>
-          <a:p>
-            <a:pPr lvl="1" indent="241093" defTabSz="410751">
-              <a:defRPr sz="1800"/>
-            </a:pPr>
-            <a:endParaRPr sz="1400" b="1" dirty="0">
+            <a:endParaRPr lang="en-GB" sz="1400" b="1" dirty="0">
               <a:solidFill>
-                <a:srgbClr val="3366FF"/>
+                <a:srgbClr val="008000"/>
               </a:solidFill>
               <a:latin typeface="Courier New"/>
               <a:cs typeface="Courier New"/>
@@ -21801,88 +22178,161 @@
             </a:endParaRPr>
           </a:p>
           <a:p>
-            <a:pPr lvl="1" indent="241093" defTabSz="410751">
+            <a:pPr defTabSz="410751">
               <a:defRPr sz="1800"/>
             </a:pPr>
             <a:r>
+              <a:rPr lang="en-GB" sz="1400" b="1" dirty="0" smtClean="0">
+                <a:solidFill>
+                  <a:srgbClr val="008000"/>
+                </a:solidFill>
+                <a:latin typeface="Courier New"/>
+                <a:cs typeface="Courier New"/>
+                <a:sym typeface="Menlo Regular"/>
+              </a:rPr>
+              <a:t>  </a:t>
+            </a:r>
+            <a:r>
+              <a:rPr sz="1400" b="1" dirty="0" smtClean="0">
+                <a:solidFill>
+                  <a:srgbClr val="008000"/>
+                </a:solidFill>
+                <a:latin typeface="Courier New"/>
+                <a:cs typeface="Courier New"/>
+                <a:sym typeface="Menlo Regular"/>
+              </a:rPr>
+              <a:t>//</a:t>
+            </a:r>
+            <a:r>
+              <a:rPr lang="en-GB" sz="1400" b="1" dirty="0" smtClean="0">
+                <a:solidFill>
+                  <a:srgbClr val="008000"/>
+                </a:solidFill>
+                <a:latin typeface="Courier New"/>
+                <a:cs typeface="Courier New"/>
+                <a:sym typeface="Menlo Regular"/>
+              </a:rPr>
+              <a:t> </a:t>
+            </a:r>
+            <a:r>
+              <a:rPr sz="1400" b="1" dirty="0" smtClean="0">
+                <a:solidFill>
+                  <a:srgbClr val="008000"/>
+                </a:solidFill>
+                <a:latin typeface="Courier New"/>
+                <a:cs typeface="Courier New"/>
+                <a:sym typeface="Menlo Regular"/>
+              </a:rPr>
+              <a:t>stride </a:t>
+            </a:r>
+            <a:r>
               <a:rPr sz="1400" b="1" dirty="0">
                 <a:solidFill>
+                  <a:srgbClr val="008000"/>
+                </a:solidFill>
+                <a:latin typeface="Courier New"/>
+                <a:cs typeface="Courier New"/>
+                <a:sym typeface="Menlo Regular"/>
+              </a:rPr>
+              <a:t>size is not so </a:t>
+            </a:r>
+            <a:r>
+              <a:rPr sz="1400" b="1" dirty="0" smtClean="0">
+                <a:solidFill>
+                  <a:srgbClr val="008000"/>
+                </a:solidFill>
+                <a:latin typeface="Courier New"/>
+                <a:cs typeface="Courier New"/>
+                <a:sym typeface="Menlo Regular"/>
+              </a:rPr>
+              <a:t>goo</a:t>
+            </a:r>
+            <a:r>
+              <a:rPr lang="en-GB" sz="1400" b="1" dirty="0" smtClean="0">
+                <a:solidFill>
+                  <a:srgbClr val="008000"/>
+                </a:solidFill>
+                <a:latin typeface="Courier New"/>
+                <a:cs typeface="Courier New"/>
+                <a:sym typeface="Menlo Regular"/>
+              </a:rPr>
+              <a:t>d</a:t>
+            </a:r>
+          </a:p>
+          <a:p>
+            <a:pPr defTabSz="410751">
+              <a:defRPr sz="1800"/>
+            </a:pPr>
+            <a:r>
+              <a:rPr lang="en-GB" sz="1400" b="1" i="1" dirty="0">
+                <a:solidFill>
+                  <a:srgbClr val="008000"/>
+                </a:solidFill>
+                <a:latin typeface="Courier New"/>
+                <a:cs typeface="Courier New"/>
+                <a:sym typeface="Menlo Regular"/>
+              </a:rPr>
+              <a:t> </a:t>
+            </a:r>
+            <a:r>
+              <a:rPr lang="en-GB" sz="1400" b="1" i="1" dirty="0" smtClean="0">
+                <a:solidFill>
+                  <a:srgbClr val="008000"/>
+                </a:solidFill>
+                <a:latin typeface="Courier New"/>
+                <a:cs typeface="Courier New"/>
+                <a:sym typeface="Menlo Regular"/>
+              </a:rPr>
+              <a:t> </a:t>
+            </a:r>
+            <a:r>
+              <a:rPr sz="1400" b="1" i="1" dirty="0" smtClean="0">
+                <a:solidFill>
                   <a:srgbClr val="3366FF"/>
                 </a:solidFill>
                 <a:latin typeface="Courier New"/>
                 <a:cs typeface="Courier New"/>
                 <a:sym typeface="Menlo Regular"/>
               </a:rPr>
-              <a:t>/</a:t>
+              <a:t>float</a:t>
             </a:r>
             <a:r>
               <a:rPr sz="1400" b="1" dirty="0" smtClean="0">
-                <a:solidFill>
-                  <a:srgbClr val="3366FF"/>
-                </a:solidFill>
                 <a:latin typeface="Courier New"/>
                 <a:cs typeface="Courier New"/>
                 <a:sym typeface="Menlo Regular"/>
               </a:rPr>
-              <a:t>/</a:t>
-            </a:r>
-            <a:r>
-              <a:rPr lang="en-GB" sz="1400" b="1" dirty="0" smtClean="0">
-                <a:solidFill>
-                  <a:srgbClr val="3366FF"/>
-                </a:solidFill>
+              <a:t> </a:t>
+            </a:r>
+            <a:r>
+              <a:rPr sz="1400" b="1" dirty="0">
                 <a:latin typeface="Courier New"/>
                 <a:cs typeface="Courier New"/>
                 <a:sym typeface="Menlo Regular"/>
               </a:rPr>
-              <a:t> </a:t>
+              <a:t>val3 = memA[c*g_id]</a:t>
             </a:r>
             <a:r>
               <a:rPr sz="1400" b="1" dirty="0" smtClean="0">
-                <a:solidFill>
-                  <a:srgbClr val="3366FF"/>
-                </a:solidFill>
                 <a:latin typeface="Courier New"/>
                 <a:cs typeface="Courier New"/>
                 <a:sym typeface="Menlo Regular"/>
               </a:rPr>
-              <a:t>stride </a:t>
-            </a:r>
-            <a:r>
-              <a:rPr sz="1400" b="1" dirty="0">
-                <a:solidFill>
-                  <a:srgbClr val="3366FF"/>
-                </a:solidFill>
-                <a:latin typeface="Courier New"/>
-                <a:cs typeface="Courier New"/>
-                <a:sym typeface="Menlo Regular"/>
-              </a:rPr>
-              <a:t>size is not so good</a:t>
-            </a:r>
-          </a:p>
-          <a:p>
-            <a:pPr lvl="1" indent="241093" defTabSz="410751">
+              <a:t>;</a:t>
+            </a:r>
+            <a:endParaRPr lang="en-GB" sz="1400" b="1" dirty="0" smtClean="0">
+              <a:latin typeface="Courier New"/>
+              <a:cs typeface="Courier New"/>
+              <a:sym typeface="Menlo Regular"/>
+            </a:endParaRPr>
+          </a:p>
+          <a:p>
+            <a:pPr defTabSz="410751">
               <a:defRPr sz="1800"/>
             </a:pPr>
-            <a:r>
-              <a:rPr sz="1400" b="1" dirty="0">
-                <a:solidFill>
-                  <a:srgbClr val="3366FF"/>
-                </a:solidFill>
-                <a:latin typeface="Courier New"/>
-                <a:cs typeface="Courier New"/>
-                <a:sym typeface="Menlo Regular"/>
-              </a:rPr>
-              <a:t>float val3 = memA[c*g_id];</a:t>
-            </a:r>
-          </a:p>
-          <a:p>
-            <a:pPr lvl="1" indent="241093" defTabSz="410751">
-              <a:defRPr sz="1800"/>
-            </a:pPr>
-            <a:endParaRPr sz="1400" b="1" dirty="0">
+            <a:endParaRPr lang="en-GB" sz="1400" b="1" dirty="0">
               <a:solidFill>
-                <a:srgbClr val="3366FF"/>
+                <a:srgbClr val="C0504D"/>
               </a:solidFill>
               <a:latin typeface="Courier New"/>
               <a:cs typeface="Courier New"/>
@@ -21890,11 +22340,81 @@
             </a:endParaRPr>
           </a:p>
           <a:p>
-            <a:pPr lvl="1" indent="241093" defTabSz="410751">
+            <a:pPr defTabSz="410751">
               <a:defRPr sz="1800"/>
             </a:pPr>
             <a:r>
+              <a:rPr lang="en-GB" sz="1400" b="1" dirty="0" smtClean="0">
+                <a:solidFill>
+                  <a:srgbClr val="C0504D"/>
+                </a:solidFill>
+                <a:latin typeface="Courier New"/>
+                <a:cs typeface="Courier New"/>
+                <a:sym typeface="Menlo Regular"/>
+              </a:rPr>
+              <a:t>  </a:t>
+            </a:r>
+            <a:r>
+              <a:rPr sz="1400" b="1" dirty="0" smtClean="0">
+                <a:solidFill>
+                  <a:srgbClr val="C0504D"/>
+                </a:solidFill>
+                <a:latin typeface="Courier New"/>
+                <a:cs typeface="Courier New"/>
+                <a:sym typeface="Menlo Regular"/>
+              </a:rPr>
+              <a:t>const</a:t>
+            </a:r>
+            <a:r>
+              <a:rPr sz="1400" b="1" dirty="0" smtClean="0">
+                <a:latin typeface="Courier New"/>
+                <a:cs typeface="Courier New"/>
+                <a:sym typeface="Menlo Regular"/>
+              </a:rPr>
+              <a:t> </a:t>
+            </a:r>
+            <a:r>
+              <a:rPr sz="1400" b="1" i="1" dirty="0">
+                <a:solidFill>
+                  <a:srgbClr val="3366FF"/>
+                </a:solidFill>
+                <a:latin typeface="Courier New"/>
+                <a:cs typeface="Courier New"/>
+                <a:sym typeface="Menlo Regular"/>
+              </a:rPr>
+              <a:t>int</a:t>
+            </a:r>
+            <a:r>
               <a:rPr sz="1400" b="1" dirty="0">
+                <a:latin typeface="Courier New"/>
+                <a:cs typeface="Courier New"/>
+                <a:sym typeface="Menlo Regular"/>
+              </a:rPr>
+              <a:t> </a:t>
+            </a:r>
+            <a:r>
+              <a:rPr sz="1400" b="1" dirty="0" smtClean="0">
+                <a:latin typeface="Courier New"/>
+                <a:cs typeface="Courier New"/>
+                <a:sym typeface="Menlo Regular"/>
+              </a:rPr>
+              <a:t>loc</a:t>
+            </a:r>
+            <a:r>
+              <a:rPr lang="en-GB" sz="1400" b="1" dirty="0" smtClean="0">
+                <a:latin typeface="Courier New"/>
+                <a:cs typeface="Courier New"/>
+                <a:sym typeface="Menlo Regular"/>
+              </a:rPr>
+              <a:t> = </a:t>
+            </a:r>
+          </a:p>
+          <a:p>
+            <a:pPr defTabSz="410751">
+              <a:defRPr sz="1800"/>
+            </a:pPr>
+            <a:r>
+              <a:rPr lang="en-GB" sz="1400" b="1" dirty="0">
                 <a:solidFill>
                   <a:srgbClr val="3366FF"/>
                 </a:solidFill>
@@ -21902,32 +22422,59 @@
                 <a:cs typeface="Courier New"/>
                 <a:sym typeface="Menlo Regular"/>
               </a:rPr>
-              <a:t>const int loc =</a:t>
-            </a:r>
-          </a:p>
-          <a:p>
-            <a:pPr lvl="1" indent="241093" defTabSz="410751">
+              <a:t> </a:t>
+            </a:r>
+            <a:r>
+              <a:rPr lang="en-GB" sz="1400" b="1" dirty="0" smtClean="0">
+                <a:solidFill>
+                  <a:srgbClr val="3366FF"/>
+                </a:solidFill>
+                <a:latin typeface="Courier New"/>
+                <a:cs typeface="Courier New"/>
+                <a:sym typeface="Menlo Regular"/>
+              </a:rPr>
+              <a:t>   </a:t>
+            </a:r>
+            <a:r>
+              <a:rPr sz="1400" b="1" dirty="0" smtClean="0">
+                <a:solidFill>
+                  <a:srgbClr val="3366FF"/>
+                </a:solidFill>
+                <a:latin typeface="Courier New"/>
+                <a:cs typeface="Courier New"/>
+                <a:sym typeface="Menlo Regular"/>
+              </a:rPr>
+              <a:t>some_strange_func</a:t>
+            </a:r>
+            <a:r>
+              <a:rPr sz="1400" b="1" dirty="0">
+                <a:latin typeface="Courier New"/>
+                <a:cs typeface="Courier New"/>
+                <a:sym typeface="Menlo Regular"/>
+              </a:rPr>
+              <a:t>(g_id)</a:t>
+            </a:r>
+            <a:r>
+              <a:rPr sz="1400" b="1" dirty="0" smtClean="0">
+                <a:latin typeface="Courier New"/>
+                <a:cs typeface="Courier New"/>
+                <a:sym typeface="Menlo Regular"/>
+              </a:rPr>
+              <a:t>;</a:t>
+            </a:r>
+            <a:endParaRPr lang="en-GB" sz="1400" b="1" dirty="0" smtClean="0">
+              <a:latin typeface="Courier New"/>
+              <a:cs typeface="Courier New"/>
+              <a:sym typeface="Menlo Regular"/>
+            </a:endParaRPr>
+          </a:p>
+          <a:p>
+            <a:pPr defTabSz="410751">
               <a:defRPr sz="1800"/>
             </a:pPr>
-            <a:r>
-              <a:rPr sz="1400" b="1" dirty="0">
-                <a:solidFill>
-                  <a:srgbClr val="3366FF"/>
-                </a:solidFill>
-                <a:latin typeface="Courier New"/>
-                <a:cs typeface="Courier New"/>
-                <a:sym typeface="Menlo Regular"/>
-              </a:rPr>
-              <a:t>  some_strange_func(g_id);</a:t>
-            </a:r>
-          </a:p>
-          <a:p>
-            <a:pPr lvl="1" indent="241093" defTabSz="410751">
-              <a:defRPr sz="1800"/>
-            </a:pPr>
-            <a:endParaRPr sz="1400" b="1" dirty="0">
+            <a:endParaRPr lang="en-GB" sz="1400" b="1" dirty="0">
               <a:solidFill>
-                <a:srgbClr val="3366FF"/>
+                <a:srgbClr val="008000"/>
               </a:solidFill>
               <a:latin typeface="Courier New"/>
               <a:cs typeface="Courier New"/>
@@ -21935,90 +22482,122 @@
             </a:endParaRPr>
           </a:p>
           <a:p>
-            <a:pPr lvl="1" indent="241093" defTabSz="410751">
-              <a:defRPr sz="1800"/>
-            </a:pPr>
-            <a:r>
-              <a:rPr sz="1400" b="1" dirty="0">
-                <a:solidFill>
-                  <a:srgbClr val="3366FF"/>
-                </a:solidFill>
-                <a:latin typeface="Courier New"/>
-                <a:cs typeface="Courier New"/>
-                <a:sym typeface="Menlo Regular"/>
-              </a:rPr>
-              <a:t>/</a:t>
-            </a:r>
-            <a:r>
-              <a:rPr sz="1400" b="1" dirty="0" smtClean="0">
-                <a:solidFill>
-                  <a:srgbClr val="3366FF"/>
-                </a:solidFill>
-                <a:latin typeface="Courier New"/>
-                <a:cs typeface="Courier New"/>
-                <a:sym typeface="Menlo Regular"/>
-              </a:rPr>
-              <a:t>/</a:t>
-            </a:r>
-            <a:r>
-              <a:rPr lang="en-GB" sz="1400" b="1" dirty="0" smtClean="0">
-                <a:solidFill>
-                  <a:srgbClr val="3366FF"/>
-                </a:solidFill>
-                <a:latin typeface="Courier New"/>
-                <a:cs typeface="Courier New"/>
-                <a:sym typeface="Menlo Regular"/>
-              </a:rPr>
-              <a:t> </a:t>
-            </a:r>
-            <a:r>
-              <a:rPr sz="1400" b="1" dirty="0" smtClean="0">
-                <a:solidFill>
-                  <a:srgbClr val="3366FF"/>
-                </a:solidFill>
-                <a:latin typeface="Courier New"/>
-                <a:cs typeface="Courier New"/>
-                <a:sym typeface="Menlo Regular"/>
-              </a:rPr>
-              <a:t>terrible</a:t>
-            </a:r>
-            <a:r>
-              <a:rPr sz="1400" b="1" dirty="0">
-                <a:solidFill>
-                  <a:srgbClr val="3366FF"/>
-                </a:solidFill>
-                <a:latin typeface="Courier New"/>
-                <a:cs typeface="Courier New"/>
-                <a:sym typeface="Menlo Regular"/>
-              </a:rPr>
-              <a:t>!</a:t>
-            </a:r>
-          </a:p>
-          <a:p>
-            <a:pPr lvl="1" indent="241093" defTabSz="410751">
-              <a:defRPr sz="1800"/>
-            </a:pPr>
-            <a:r>
-              <a:rPr sz="1400" b="1" dirty="0">
-                <a:solidFill>
-                  <a:srgbClr val="3366FF"/>
-                </a:solidFill>
-                <a:latin typeface="Courier New"/>
-                <a:cs typeface="Courier New"/>
-                <a:sym typeface="Menlo Regular"/>
-              </a:rPr>
-              <a:t>float val4 = memA[loc];</a:t>
-            </a:r>
-          </a:p>
-          <a:p>
             <a:pPr defTabSz="410751">
               <a:defRPr sz="1800"/>
             </a:pPr>
             <a:r>
+              <a:rPr lang="en-GB" sz="1400" b="1" dirty="0" smtClean="0">
+                <a:solidFill>
+                  <a:srgbClr val="008000"/>
+                </a:solidFill>
+                <a:latin typeface="Courier New"/>
+                <a:cs typeface="Courier New"/>
+                <a:sym typeface="Menlo Regular"/>
+              </a:rPr>
+              <a:t>  </a:t>
+            </a:r>
+            <a:r>
+              <a:rPr sz="1400" b="1" dirty="0" smtClean="0">
+                <a:solidFill>
+                  <a:srgbClr val="008000"/>
+                </a:solidFill>
+                <a:latin typeface="Courier New"/>
+                <a:cs typeface="Courier New"/>
+                <a:sym typeface="Menlo Regular"/>
+              </a:rPr>
+              <a:t>//</a:t>
+            </a:r>
+            <a:r>
+              <a:rPr lang="en-GB" sz="1400" b="1" dirty="0" smtClean="0">
+                <a:solidFill>
+                  <a:srgbClr val="008000"/>
+                </a:solidFill>
+                <a:latin typeface="Courier New"/>
+                <a:cs typeface="Courier New"/>
+                <a:sym typeface="Menlo Regular"/>
+              </a:rPr>
+              <a:t> </a:t>
+            </a:r>
+            <a:r>
+              <a:rPr sz="1400" b="1" dirty="0" smtClean="0">
+                <a:solidFill>
+                  <a:srgbClr val="008000"/>
+                </a:solidFill>
+                <a:latin typeface="Courier New"/>
+                <a:cs typeface="Courier New"/>
+                <a:sym typeface="Menlo Regular"/>
+              </a:rPr>
+              <a:t>terrible!</a:t>
+            </a:r>
+            <a:endParaRPr lang="en-GB" sz="1400" b="1" dirty="0" smtClean="0">
+              <a:solidFill>
+                <a:srgbClr val="008000"/>
+              </a:solidFill>
+              <a:latin typeface="Courier New"/>
+              <a:cs typeface="Courier New"/>
+              <a:sym typeface="Menlo Regular"/>
+            </a:endParaRPr>
+          </a:p>
+          <a:p>
+            <a:pPr defTabSz="410751">
+              <a:defRPr sz="1800"/>
+            </a:pPr>
+            <a:r>
+              <a:rPr lang="en-GB" sz="1400" b="1" i="1" dirty="0">
+                <a:solidFill>
+                  <a:srgbClr val="008000"/>
+                </a:solidFill>
+                <a:latin typeface="Courier New"/>
+                <a:cs typeface="Courier New"/>
+                <a:sym typeface="Menlo Regular"/>
+              </a:rPr>
+              <a:t> </a:t>
+            </a:r>
+            <a:r>
+              <a:rPr lang="en-GB" sz="1400" b="1" i="1" dirty="0" smtClean="0">
+                <a:solidFill>
+                  <a:srgbClr val="008000"/>
+                </a:solidFill>
+                <a:latin typeface="Courier New"/>
+                <a:cs typeface="Courier New"/>
+                <a:sym typeface="Menlo Regular"/>
+              </a:rPr>
+              <a:t> </a:t>
+            </a:r>
+            <a:r>
+              <a:rPr sz="1400" b="1" i="1" dirty="0" smtClean="0">
+                <a:solidFill>
+                  <a:srgbClr val="3366FF"/>
+                </a:solidFill>
+                <a:latin typeface="Courier New"/>
+                <a:cs typeface="Courier New"/>
+                <a:sym typeface="Menlo Regular"/>
+              </a:rPr>
+              <a:t>float</a:t>
+            </a:r>
+            <a:r>
+              <a:rPr sz="1400" b="1" dirty="0" smtClean="0">
+                <a:latin typeface="Courier New"/>
+                <a:cs typeface="Courier New"/>
+                <a:sym typeface="Menlo Regular"/>
+              </a:rPr>
+              <a:t> </a:t>
+            </a:r>
+            <a:r>
               <a:rPr sz="1400" b="1" dirty="0">
-                <a:solidFill>
-                  <a:srgbClr val="3366FF"/>
-                </a:solidFill>
+                <a:latin typeface="Courier New"/>
+                <a:cs typeface="Courier New"/>
+                <a:sym typeface="Menlo Regular"/>
+              </a:rPr>
+              <a:t>val4 = memA[loc];</a:t>
+            </a:r>
+          </a:p>
+          <a:p>
+            <a:pPr defTabSz="410751">
+              <a:defRPr sz="1800"/>
+            </a:pPr>
+            <a:r>
+              <a:rPr sz="1400" b="1" dirty="0">
                 <a:latin typeface="Courier New"/>
                 <a:cs typeface="Courier New"/>
                 <a:sym typeface="Menlo Regular"/>
@@ -22038,11 +22617,11 @@
   <p:clrMapOvr>
     <a:masterClrMapping/>
   </p:clrMapOvr>
-  <mc:AlternateContent xmlns:mc="http://schemas.openxmlformats.org/markup-compatibility/2006">
-    <mc:Choice xmlns:p14="http://schemas.microsoft.com/office/powerpoint/2010/main" Requires="p14">
+  <mc:AlternateContent xmlns:mc="http://schemas.openxmlformats.org/markup-compatibility/2006" xmlns:p14="http://schemas.microsoft.com/office/powerpoint/2010/main">
+    <mc:Choice Requires="p14">
       <p:transition spd="slow" p14:dur="2000"/>
     </mc:Choice>
-    <mc:Fallback>
+    <mc:Fallback xmlns="">
       <p:transition xmlns:p14="http://schemas.microsoft.com/office/powerpoint/2010/main" spd="slow"/>
     </mc:Fallback>
   </mc:AlternateContent>
@@ -24777,11 +25356,11 @@
   <p:clrMapOvr>
     <a:masterClrMapping/>
   </p:clrMapOvr>
-  <mc:AlternateContent xmlns:mc="http://schemas.openxmlformats.org/markup-compatibility/2006">
-    <mc:Choice xmlns:p14="http://schemas.microsoft.com/office/powerpoint/2010/main" Requires="p14">
+  <mc:AlternateContent xmlns:mc="http://schemas.openxmlformats.org/markup-compatibility/2006" xmlns:p14="http://schemas.microsoft.com/office/powerpoint/2010/main">
+    <mc:Choice Requires="p14">
       <p:transition spd="slow" p14:dur="2000"/>
     </mc:Choice>
-    <mc:Fallback>
+    <mc:Fallback xmlns="">
       <p:transition xmlns:p14="http://schemas.microsoft.com/office/powerpoint/2010/main" spd="slow"/>
     </mc:Fallback>
   </mc:AlternateContent>
@@ -36914,11 +37493,11 @@
   <p:clrMapOvr>
     <a:masterClrMapping/>
   </p:clrMapOvr>
-  <mc:AlternateContent xmlns:mc="http://schemas.openxmlformats.org/markup-compatibility/2006">
-    <mc:Choice xmlns:p14="http://schemas.microsoft.com/office/powerpoint/2010/main" Requires="p14">
+  <mc:AlternateContent xmlns:mc="http://schemas.openxmlformats.org/markup-compatibility/2006" xmlns:p14="http://schemas.microsoft.com/office/powerpoint/2010/main">
+    <mc:Choice Requires="p14">
       <p:transition spd="slow" p14:dur="2000"/>
     </mc:Choice>
-    <mc:Fallback>
+    <mc:Fallback xmlns="">
       <p:transition xmlns:p14="http://schemas.microsoft.com/office/powerpoint/2010/main" spd="slow"/>
     </mc:Fallback>
   </mc:AlternateContent>
@@ -37104,17 +37683,41 @@
             <a:r>
               <a:rPr lang="en-US" sz="1400" b="1" dirty="0" smtClean="0">
                 <a:solidFill>
+                  <a:schemeClr val="accent2"/>
+                </a:solidFill>
+                <a:latin typeface="Courier New"/>
+                <a:cs typeface="Courier New"/>
+              </a:rPr>
+              <a:t>kernel</a:t>
+            </a:r>
+            <a:r>
+              <a:rPr lang="en-US" sz="1400" b="1" dirty="0" smtClean="0">
+                <a:latin typeface="Courier New"/>
+                <a:cs typeface="Courier New"/>
+              </a:rPr>
+              <a:t> </a:t>
+            </a:r>
+            <a:r>
+              <a:rPr lang="en-US" sz="1400" b="1" i="1" dirty="0" smtClean="0">
+                <a:solidFill>
                   <a:srgbClr val="3366FF"/>
                 </a:solidFill>
                 <a:latin typeface="Courier New"/>
                 <a:cs typeface="Courier New"/>
               </a:rPr>
-              <a:t>kernel void </a:t>
+              <a:t>void</a:t>
+            </a:r>
+            <a:r>
+              <a:rPr lang="en-US" sz="1400" b="1" dirty="0" smtClean="0">
+                <a:latin typeface="Courier New"/>
+                <a:cs typeface="Courier New"/>
+              </a:rPr>
+              <a:t> </a:t>
             </a:r>
             <a:r>
               <a:rPr lang="en-US" sz="1400" b="1" dirty="0" err="1" smtClean="0">
                 <a:solidFill>
-                  <a:srgbClr val="3366FF"/>
+                  <a:schemeClr val="accent3"/>
                 </a:solidFill>
                 <a:latin typeface="Courier New"/>
                 <a:cs typeface="Courier New"/>
@@ -37123,18 +37726,12 @@
             </a:r>
             <a:r>
               <a:rPr lang="en-US" sz="1400" b="1" dirty="0" smtClean="0">
-                <a:solidFill>
-                  <a:srgbClr val="3366FF"/>
-                </a:solidFill>
                 <a:latin typeface="Courier New"/>
                 <a:cs typeface="Courier New"/>
               </a:rPr>
               <a:t>(</a:t>
             </a:r>
             <a:endParaRPr lang="en-US" sz="1400" b="1" dirty="0">
-              <a:solidFill>
-                <a:srgbClr val="3366FF"/>
-              </a:solidFill>
               <a:latin typeface="Courier New"/>
               <a:cs typeface="Courier New"/>
             </a:endParaRPr>
@@ -37145,13 +37742,44 @@
             </a:pPr>
             <a:r>
               <a:rPr lang="en-US" sz="1400" b="1" dirty="0">
+                <a:latin typeface="Courier New"/>
+                <a:cs typeface="Courier New"/>
+              </a:rPr>
+              <a:t>  </a:t>
+            </a:r>
+            <a:r>
+              <a:rPr lang="en-US" sz="1400" b="1" dirty="0">
+                <a:solidFill>
+                  <a:srgbClr val="C0504D"/>
+                </a:solidFill>
+                <a:latin typeface="Courier New"/>
+                <a:cs typeface="Courier New"/>
+              </a:rPr>
+              <a:t>global</a:t>
+            </a:r>
+            <a:r>
+              <a:rPr lang="en-US" sz="1400" b="1" dirty="0">
+                <a:latin typeface="Courier New"/>
+                <a:cs typeface="Courier New"/>
+              </a:rPr>
+              <a:t> </a:t>
+            </a:r>
+            <a:r>
+              <a:rPr lang="en-US" sz="1400" b="1" i="1" dirty="0">
                 <a:solidFill>
                   <a:srgbClr val="3366FF"/>
                 </a:solidFill>
                 <a:latin typeface="Courier New"/>
                 <a:cs typeface="Courier New"/>
               </a:rPr>
-              <a:t>  global float *a, </a:t>
+              <a:t>float</a:t>
+            </a:r>
+            <a:r>
+              <a:rPr lang="en-US" sz="1400" b="1" dirty="0">
+                <a:latin typeface="Courier New"/>
+                <a:cs typeface="Courier New"/>
+              </a:rPr>
+              <a:t> *a, </a:t>
             </a:r>
           </a:p>
           <a:p>
@@ -37160,13 +37788,44 @@
             </a:pPr>
             <a:r>
               <a:rPr lang="en-US" sz="1400" b="1" dirty="0">
+                <a:latin typeface="Courier New"/>
+                <a:cs typeface="Courier New"/>
+              </a:rPr>
+              <a:t>  </a:t>
+            </a:r>
+            <a:r>
+              <a:rPr lang="en-US" sz="1400" b="1" dirty="0">
+                <a:solidFill>
+                  <a:srgbClr val="C0504D"/>
+                </a:solidFill>
+                <a:latin typeface="Courier New"/>
+                <a:cs typeface="Courier New"/>
+              </a:rPr>
+              <a:t>global</a:t>
+            </a:r>
+            <a:r>
+              <a:rPr lang="en-US" sz="1400" b="1" dirty="0">
+                <a:latin typeface="Courier New"/>
+                <a:cs typeface="Courier New"/>
+              </a:rPr>
+              <a:t> </a:t>
+            </a:r>
+            <a:r>
+              <a:rPr lang="en-US" sz="1400" b="1" i="1" dirty="0">
                 <a:solidFill>
                   <a:srgbClr val="3366FF"/>
                 </a:solidFill>
                 <a:latin typeface="Courier New"/>
                 <a:cs typeface="Courier New"/>
               </a:rPr>
-              <a:t>  global float *b, </a:t>
+              <a:t>float</a:t>
+            </a:r>
+            <a:r>
+              <a:rPr lang="en-US" sz="1400" b="1" dirty="0">
+                <a:latin typeface="Courier New"/>
+                <a:cs typeface="Courier New"/>
+              </a:rPr>
+              <a:t> *b, </a:t>
             </a:r>
           </a:p>
           <a:p>
@@ -37175,13 +37834,44 @@
             </a:pPr>
             <a:r>
               <a:rPr lang="en-US" sz="1400" b="1" dirty="0">
+                <a:latin typeface="Courier New"/>
+                <a:cs typeface="Courier New"/>
+              </a:rPr>
+              <a:t>  </a:t>
+            </a:r>
+            <a:r>
+              <a:rPr lang="en-US" sz="1400" b="1" dirty="0">
+                <a:solidFill>
+                  <a:srgbClr val="C0504D"/>
+                </a:solidFill>
+                <a:latin typeface="Courier New"/>
+                <a:cs typeface="Courier New"/>
+              </a:rPr>
+              <a:t>global</a:t>
+            </a:r>
+            <a:r>
+              <a:rPr lang="en-US" sz="1400" b="1" dirty="0">
+                <a:latin typeface="Courier New"/>
+                <a:cs typeface="Courier New"/>
+              </a:rPr>
+              <a:t> </a:t>
+            </a:r>
+            <a:r>
+              <a:rPr lang="en-US" sz="1400" b="1" i="1" dirty="0">
                 <a:solidFill>
                   <a:srgbClr val="3366FF"/>
                 </a:solidFill>
                 <a:latin typeface="Courier New"/>
                 <a:cs typeface="Courier New"/>
               </a:rPr>
-              <a:t>  global float *c,</a:t>
+              <a:t>float</a:t>
+            </a:r>
+            <a:r>
+              <a:rPr lang="en-US" sz="1400" b="1" dirty="0">
+                <a:latin typeface="Courier New"/>
+                <a:cs typeface="Courier New"/>
+              </a:rPr>
+              <a:t> *c,</a:t>
             </a:r>
           </a:p>
           <a:p>
@@ -37189,9 +37879,6 @@
               <a:buNone/>
             </a:pPr>
             <a:endParaRPr lang="en-US" sz="1400" b="1" dirty="0">
-              <a:solidFill>
-                <a:srgbClr val="3366FF"/>
-              </a:solidFill>
               <a:latin typeface="Courier New"/>
               <a:cs typeface="Courier New"/>
             </a:endParaRPr>
@@ -37202,18 +37889,25 @@
             </a:pPr>
             <a:r>
               <a:rPr lang="en-US" sz="1400" b="1" dirty="0">
-                <a:solidFill>
-                  <a:srgbClr val="3366FF"/>
-                </a:solidFill>
-                <a:latin typeface="Courier New"/>
-                <a:cs typeface="Courier New"/>
-              </a:rPr>
-              <a:t>  /</a:t>
+                <a:latin typeface="Courier New"/>
+                <a:cs typeface="Courier New"/>
+              </a:rPr>
+              <a:t>  </a:t>
+            </a:r>
+            <a:r>
+              <a:rPr lang="en-US" sz="1400" b="1" dirty="0">
+                <a:solidFill>
+                  <a:srgbClr val="008000"/>
+                </a:solidFill>
+                <a:latin typeface="Courier New"/>
+                <a:cs typeface="Courier New"/>
+              </a:rPr>
+              <a:t>/</a:t>
             </a:r>
             <a:r>
               <a:rPr lang="en-US" sz="1400" b="1" dirty="0" smtClean="0">
                 <a:solidFill>
-                  <a:srgbClr val="3366FF"/>
+                  <a:srgbClr val="008000"/>
                 </a:solidFill>
                 <a:latin typeface="Courier New"/>
                 <a:cs typeface="Courier New"/>
@@ -37223,7 +37917,7 @@
             <a:r>
               <a:rPr lang="en-US" sz="1400" b="1" dirty="0">
                 <a:solidFill>
-                  <a:srgbClr val="3366FF"/>
+                  <a:srgbClr val="008000"/>
                 </a:solidFill>
                 <a:latin typeface="Courier New"/>
                 <a:cs typeface="Courier New"/>
@@ -37237,38 +37931,53 @@
             </a:pPr>
             <a:r>
               <a:rPr lang="en-US" sz="1400" b="1" dirty="0">
+                <a:latin typeface="Courier New"/>
+                <a:cs typeface="Courier New"/>
+              </a:rPr>
+              <a:t>  </a:t>
+            </a:r>
+            <a:r>
+              <a:rPr lang="en-US" sz="1400" b="1" dirty="0" smtClean="0">
+                <a:solidFill>
+                  <a:srgbClr val="C0504D"/>
+                </a:solidFill>
+                <a:latin typeface="Courier New"/>
+                <a:cs typeface="Courier New"/>
+              </a:rPr>
+              <a:t>constant</a:t>
+            </a:r>
+            <a:r>
+              <a:rPr lang="en-US" sz="1400" b="1" dirty="0" smtClean="0">
+                <a:latin typeface="Courier New"/>
+                <a:cs typeface="Courier New"/>
+              </a:rPr>
+              <a:t> </a:t>
+            </a:r>
+            <a:r>
+              <a:rPr lang="en-US" sz="1400" b="1" i="1" dirty="0" smtClean="0">
                 <a:solidFill>
                   <a:srgbClr val="3366FF"/>
                 </a:solidFill>
                 <a:latin typeface="Courier New"/>
                 <a:cs typeface="Courier New"/>
               </a:rPr>
-              <a:t>  </a:t>
+              <a:t>float</a:t>
             </a:r>
             <a:r>
               <a:rPr lang="en-US" sz="1400" b="1" dirty="0" smtClean="0">
-                <a:solidFill>
-                  <a:srgbClr val="3366FF"/>
-                </a:solidFill>
-                <a:latin typeface="Courier New"/>
-                <a:cs typeface="Courier New"/>
-              </a:rPr>
-              <a:t>constant float *</a:t>
+                <a:latin typeface="Courier New"/>
+                <a:cs typeface="Courier New"/>
+              </a:rPr>
+              <a:t> *</a:t>
             </a:r>
             <a:r>
               <a:rPr lang="en-US" sz="1400" b="1" dirty="0" err="1" smtClean="0">
-                <a:solidFill>
-                  <a:srgbClr val="3366FF"/>
-                </a:solidFill>
                 <a:latin typeface="Courier New"/>
                 <a:cs typeface="Courier New"/>
               </a:rPr>
               <a:t>params</a:t>
             </a:r>
             <a:endParaRPr lang="en-US" sz="1400" b="1" dirty="0">
-              <a:solidFill>
-                <a:srgbClr val="3366FF"/>
-              </a:solidFill>
               <a:latin typeface="Courier New"/>
               <a:cs typeface="Courier New"/>
             </a:endParaRPr>
@@ -37279,18 +37988,12 @@
             </a:pPr>
             <a:r>
               <a:rPr lang="en-US" sz="1400" b="1" dirty="0" smtClean="0">
-                <a:solidFill>
-                  <a:srgbClr val="3366FF"/>
-                </a:solidFill>
                 <a:latin typeface="Courier New"/>
                 <a:cs typeface="Courier New"/>
               </a:rPr>
               <a:t>)</a:t>
             </a:r>
             <a:endParaRPr lang="en-US" sz="1400" b="1" dirty="0">
-              <a:solidFill>
-                <a:srgbClr val="3366FF"/>
-              </a:solidFill>
               <a:latin typeface="Courier New"/>
               <a:cs typeface="Courier New"/>
             </a:endParaRPr>
@@ -37301,9 +38004,6 @@
             </a:pPr>
             <a:r>
               <a:rPr lang="en-US" sz="1400" b="1" dirty="0">
-                <a:solidFill>
-                  <a:srgbClr val="3366FF"/>
-                </a:solidFill>
                 <a:latin typeface="Courier New"/>
                 <a:cs typeface="Courier New"/>
               </a:rPr>
@@ -37316,13 +38016,20 @@
             </a:pPr>
             <a:r>
               <a:rPr lang="en-US" sz="1400" b="1" dirty="0" smtClean="0">
-                <a:solidFill>
-                  <a:srgbClr val="3366FF"/>
-                </a:solidFill>
-                <a:latin typeface="Courier New"/>
-                <a:cs typeface="Courier New"/>
-              </a:rPr>
-              <a:t>  // code here</a:t>
+                <a:latin typeface="Courier New"/>
+                <a:cs typeface="Courier New"/>
+              </a:rPr>
+              <a:t>  </a:t>
+            </a:r>
+            <a:r>
+              <a:rPr lang="en-US" sz="1400" b="1" dirty="0" smtClean="0">
+                <a:solidFill>
+                  <a:srgbClr val="008000"/>
+                </a:solidFill>
+                <a:latin typeface="Courier New"/>
+                <a:cs typeface="Courier New"/>
+              </a:rPr>
+              <a:t>// code here</a:t>
             </a:r>
           </a:p>
           <a:p>
@@ -37331,18 +38038,12 @@
             </a:pPr>
             <a:r>
               <a:rPr lang="en-US" sz="1400" b="1" dirty="0" smtClean="0">
-                <a:solidFill>
-                  <a:srgbClr val="3366FF"/>
-                </a:solidFill>
                 <a:latin typeface="Courier New"/>
                 <a:cs typeface="Courier New"/>
               </a:rPr>
               <a:t>}</a:t>
             </a:r>
             <a:endParaRPr lang="en-US" sz="1400" b="1" dirty="0">
-              <a:solidFill>
-                <a:srgbClr val="3366FF"/>
-              </a:solidFill>
               <a:latin typeface="Courier New"/>
               <a:cs typeface="Courier New"/>
             </a:endParaRPr>
@@ -37438,23 +38139,7 @@
             </a:pPr>
             <a:r>
               <a:rPr lang="en-GB" dirty="0" smtClean="0"/>
-              <a:t>Work-group sizes </a:t>
-            </a:r>
-            <a:r>
-              <a:rPr lang="en-GB" dirty="0" smtClean="0"/>
-              <a:t>that are </a:t>
-            </a:r>
-            <a:r>
-              <a:rPr lang="en-GB" dirty="0" smtClean="0"/>
-              <a:t>a power of 2 </a:t>
-            </a:r>
-            <a:r>
-              <a:rPr lang="en-GB" dirty="0" smtClean="0"/>
-              <a:t>help </a:t>
-            </a:r>
-            <a:r>
-              <a:rPr lang="en-GB" dirty="0" smtClean="0"/>
-              <a:t>on most architectures. At a minimum:</a:t>
+              <a:t>Work-group sizes that are a power of 2 help on most architectures. At a minimum:</a:t>
             </a:r>
           </a:p>
           <a:p>
@@ -38209,11 +38894,11 @@
   <p:clrMapOvr>
     <a:masterClrMapping/>
   </p:clrMapOvr>
-  <mc:AlternateContent xmlns:mc="http://schemas.openxmlformats.org/markup-compatibility/2006">
-    <mc:Choice xmlns:p14="http://schemas.microsoft.com/office/powerpoint/2010/main" Requires="p14">
+  <mc:AlternateContent xmlns:mc="http://schemas.openxmlformats.org/markup-compatibility/2006" xmlns:p14="http://schemas.microsoft.com/office/powerpoint/2010/main">
+    <mc:Choice Requires="p14">
       <p:transition spd="slow" p14:dur="2000"/>
     </mc:Choice>
-    <mc:Fallback>
+    <mc:Fallback xmlns="">
       <p:transition xmlns:p14="http://schemas.microsoft.com/office/powerpoint/2010/main" spd="slow"/>
     </mc:Fallback>
   </mc:AlternateContent>
@@ -38616,11 +39301,11 @@
   <p:clrMapOvr>
     <a:masterClrMapping/>
   </p:clrMapOvr>
-  <mc:AlternateContent xmlns:mc="http://schemas.openxmlformats.org/markup-compatibility/2006">
-    <mc:Choice xmlns:p14="http://schemas.microsoft.com/office/powerpoint/2010/main" Requires="p14">
+  <mc:AlternateContent xmlns:mc="http://schemas.openxmlformats.org/markup-compatibility/2006" xmlns:p14="http://schemas.microsoft.com/office/powerpoint/2010/main">
+    <mc:Choice Requires="p14">
       <p:transition spd="slow" p14:dur="2000"/>
     </mc:Choice>
-    <mc:Fallback>
+    <mc:Fallback xmlns="">
       <p:transition xmlns:p14="http://schemas.microsoft.com/office/powerpoint/2010/main" spd="slow"/>
     </mc:Fallback>
   </mc:AlternateContent>
@@ -39049,15 +39734,7 @@
           <a:p>
             <a:r>
               <a:rPr lang="en-GB" dirty="0" smtClean="0"/>
-              <a:t>Barriers between memory access-heavy kernel code sections might actually speed </a:t>
-            </a:r>
-            <a:r>
-              <a:rPr lang="en-GB" dirty="0" smtClean="0"/>
-              <a:t>up your code by </a:t>
-            </a:r>
-            <a:r>
-              <a:rPr lang="en-GB" dirty="0" smtClean="0"/>
-              <a:t>improving the cache behaviour</a:t>
+              <a:t>Barriers between memory access-heavy kernel code sections might actually speed up your code by improving the cache behaviour</a:t>
             </a:r>
           </a:p>
           <a:p>
@@ -41202,11 +41879,11 @@
   <p:clrMapOvr>
     <a:masterClrMapping/>
   </p:clrMapOvr>
-  <mc:AlternateContent xmlns:mc="http://schemas.openxmlformats.org/markup-compatibility/2006">
-    <mc:Choice xmlns:p14="http://schemas.microsoft.com/office/powerpoint/2010/main" Requires="p14">
+  <mc:AlternateContent xmlns:mc="http://schemas.openxmlformats.org/markup-compatibility/2006" xmlns:p14="http://schemas.microsoft.com/office/powerpoint/2010/main">
+    <mc:Choice Requires="p14">
       <p:transition spd="slow" p14:dur="2000"/>
     </mc:Choice>
-    <mc:Fallback>
+    <mc:Fallback xmlns="">
       <p:transition xmlns:p14="http://schemas.microsoft.com/office/powerpoint/2010/main" spd="slow"/>
     </mc:Fallback>
   </mc:AlternateContent>
@@ -42344,7 +43021,7 @@
             <a:r>
               <a:rPr lang="en-GB" sz="1400" b="1" dirty="0" smtClean="0">
                 <a:solidFill>
-                  <a:srgbClr val="3366FF"/>
+                  <a:srgbClr val="008000"/>
                 </a:solidFill>
                 <a:latin typeface="Courier New"/>
                 <a:cs typeface="Courier New"/>
@@ -42359,7 +43036,7 @@
             <a:r>
               <a:rPr lang="en-GB" sz="1400" b="1" dirty="0" smtClean="0">
                 <a:solidFill>
-                  <a:srgbClr val="3366FF"/>
+                  <a:srgbClr val="008000"/>
                 </a:solidFill>
                 <a:latin typeface="Courier New"/>
                 <a:cs typeface="Courier New"/>
@@ -42374,18 +43051,22 @@
             <a:r>
               <a:rPr lang="en-GB" sz="1400" b="1" dirty="0" smtClean="0">
                 <a:solidFill>
-                  <a:srgbClr val="3366FF"/>
-                </a:solidFill>
-                <a:latin typeface="Courier New"/>
-                <a:cs typeface="Courier New"/>
-              </a:rPr>
-              <a:t>if </a:t>
+                  <a:schemeClr val="accent2"/>
+                </a:solidFill>
+                <a:latin typeface="Courier New"/>
+                <a:cs typeface="Courier New"/>
+              </a:rPr>
+              <a:t>if</a:t>
+            </a:r>
+            <a:r>
+              <a:rPr lang="en-GB" sz="1400" b="1" dirty="0" smtClean="0">
+                <a:latin typeface="Courier New"/>
+                <a:cs typeface="Courier New"/>
+              </a:rPr>
+              <a:t> </a:t>
             </a:r>
             <a:r>
               <a:rPr lang="en-GB" sz="1400" b="1" dirty="0">
-                <a:solidFill>
-                  <a:srgbClr val="3366FF"/>
-                </a:solidFill>
                 <a:latin typeface="Courier New"/>
                 <a:cs typeface="Courier New"/>
               </a:rPr>
@@ -42398,9 +43079,6 @@
             </a:pPr>
             <a:r>
               <a:rPr lang="en-GB" sz="1400" b="1" dirty="0">
-                <a:solidFill>
-                  <a:srgbClr val="3366FF"/>
-                </a:solidFill>
                 <a:latin typeface="Courier New"/>
                 <a:cs typeface="Courier New"/>
               </a:rPr>
@@ -42413,9 +43091,6 @@
             </a:pPr>
             <a:r>
               <a:rPr lang="it-IT" sz="1400" b="1" dirty="0">
-                <a:solidFill>
-                  <a:srgbClr val="3366FF"/>
-                </a:solidFill>
                 <a:latin typeface="Courier New"/>
                 <a:cs typeface="Courier New"/>
               </a:rPr>
@@ -42423,9 +43098,6 @@
             </a:r>
             <a:r>
               <a:rPr lang="it-IT" sz="1400" b="1" dirty="0" err="1" smtClean="0">
-                <a:solidFill>
-                  <a:srgbClr val="3366FF"/>
-                </a:solidFill>
                 <a:latin typeface="Courier New"/>
                 <a:cs typeface="Courier New"/>
               </a:rPr>
@@ -42433,9 +43105,6 @@
             </a:r>
             <a:r>
               <a:rPr lang="it-IT" sz="1400" b="1" dirty="0" smtClean="0">
-                <a:solidFill>
-                  <a:srgbClr val="3366FF"/>
-                </a:solidFill>
                 <a:latin typeface="Courier New"/>
                 <a:cs typeface="Courier New"/>
               </a:rPr>
@@ -42443,9 +43112,6 @@
             </a:r>
             <a:r>
               <a:rPr lang="it-IT" sz="1400" b="1" dirty="0">
-                <a:solidFill>
-                  <a:srgbClr val="3366FF"/>
-                </a:solidFill>
                 <a:latin typeface="Courier New"/>
                 <a:cs typeface="Courier New"/>
               </a:rPr>
@@ -42458,9 +43124,6 @@
             </a:pPr>
             <a:r>
               <a:rPr lang="it-IT" sz="1400" b="1" dirty="0" smtClean="0">
-                <a:solidFill>
-                  <a:srgbClr val="3366FF"/>
-                </a:solidFill>
                 <a:latin typeface="Courier New"/>
                 <a:cs typeface="Courier New"/>
               </a:rPr>
@@ -42842,7 +43505,7 @@
             <a:r>
               <a:rPr lang="en-GB" sz="1400" b="1" dirty="0" smtClean="0">
                 <a:solidFill>
-                  <a:srgbClr val="3366FF"/>
+                  <a:srgbClr val="008000"/>
                 </a:solidFill>
                 <a:latin typeface="Courier New"/>
                 <a:cs typeface="Courier New"/>
@@ -42857,7 +43520,7 @@
             <a:r>
               <a:rPr lang="en-GB" sz="1400" b="1" dirty="0" smtClean="0">
                 <a:solidFill>
-                  <a:srgbClr val="3366FF"/>
+                  <a:srgbClr val="008000"/>
                 </a:solidFill>
                 <a:latin typeface="Courier New"/>
                 <a:cs typeface="Courier New"/>
@@ -42872,7 +43535,7 @@
             <a:r>
               <a:rPr lang="en-GB" sz="1400" b="1" dirty="0" smtClean="0">
                 <a:solidFill>
-                  <a:srgbClr val="3366FF"/>
+                  <a:srgbClr val="000000"/>
                 </a:solidFill>
                 <a:latin typeface="Courier New"/>
                 <a:cs typeface="Courier New"/>
@@ -42882,7 +43545,7 @@
             <a:r>
               <a:rPr lang="en-GB" sz="1400" b="1" dirty="0">
                 <a:solidFill>
-                  <a:srgbClr val="3366FF"/>
+                  <a:srgbClr val="000000"/>
                 </a:solidFill>
                 <a:latin typeface="Courier New"/>
                 <a:cs typeface="Courier New"/>
@@ -42897,7 +43560,7 @@
             <a:r>
               <a:rPr lang="da-DK" sz="1400" b="1" dirty="0">
                 <a:solidFill>
-                  <a:srgbClr val="3366FF"/>
+                  <a:srgbClr val="000000"/>
                 </a:solidFill>
                 <a:latin typeface="Courier New"/>
                 <a:cs typeface="Courier New"/>
@@ -42907,17 +43570,27 @@
             <a:r>
               <a:rPr lang="da-DK" sz="1400" b="1" dirty="0" smtClean="0">
                 <a:solidFill>
-                  <a:srgbClr val="3366FF"/>
-                </a:solidFill>
-                <a:latin typeface="Courier New"/>
-                <a:cs typeface="Courier New"/>
-              </a:rPr>
-              <a:t>1.f </a:t>
+                  <a:srgbClr val="FF00FF"/>
+                </a:solidFill>
+                <a:latin typeface="Courier New"/>
+                <a:cs typeface="Courier New"/>
+              </a:rPr>
+              <a:t>1.f</a:t>
+            </a:r>
+            <a:r>
+              <a:rPr lang="da-DK" sz="1400" b="1" dirty="0" smtClean="0">
+                <a:solidFill>
+                  <a:srgbClr val="000000"/>
+                </a:solidFill>
+                <a:latin typeface="Courier New"/>
+                <a:cs typeface="Courier New"/>
+              </a:rPr>
+              <a:t> </a:t>
             </a:r>
             <a:r>
               <a:rPr lang="da-DK" sz="1400" b="1" dirty="0">
                 <a:solidFill>
-                  <a:srgbClr val="3366FF"/>
+                  <a:srgbClr val="000000"/>
                 </a:solidFill>
                 <a:latin typeface="Courier New"/>
                 <a:cs typeface="Courier New"/>
@@ -42927,16 +43600,26 @@
             <a:r>
               <a:rPr lang="da-DK" sz="1400" b="1" dirty="0" smtClean="0">
                 <a:solidFill>
-                  <a:srgbClr val="3366FF"/>
-                </a:solidFill>
-                <a:latin typeface="Courier New"/>
-                <a:cs typeface="Courier New"/>
-              </a:rPr>
-              <a:t>0.f);</a:t>
+                  <a:srgbClr val="FF00FF"/>
+                </a:solidFill>
+                <a:latin typeface="Courier New"/>
+                <a:cs typeface="Courier New"/>
+              </a:rPr>
+              <a:t>0.f</a:t>
+            </a:r>
+            <a:r>
+              <a:rPr lang="da-DK" sz="1400" b="1" dirty="0" smtClean="0">
+                <a:solidFill>
+                  <a:srgbClr val="000000"/>
+                </a:solidFill>
+                <a:latin typeface="Courier New"/>
+                <a:cs typeface="Courier New"/>
+              </a:rPr>
+              <a:t>);</a:t>
             </a:r>
             <a:endParaRPr lang="da-DK" sz="1400" b="1" dirty="0">
               <a:solidFill>
-                <a:srgbClr val="3366FF"/>
+                <a:srgbClr val="000000"/>
               </a:solidFill>
               <a:latin typeface="Courier New"/>
               <a:cs typeface="Courier New"/>
@@ -42949,7 +43632,7 @@
             <a:r>
               <a:rPr lang="da-DK" sz="1400" b="1" dirty="0" err="1" smtClean="0">
                 <a:solidFill>
-                  <a:srgbClr val="3366FF"/>
+                  <a:srgbClr val="000000"/>
                 </a:solidFill>
                 <a:latin typeface="Courier New"/>
                 <a:cs typeface="Courier New"/>
@@ -42959,7 +43642,7 @@
             <a:r>
               <a:rPr lang="da-DK" sz="1400" b="1" dirty="0" smtClean="0">
                 <a:solidFill>
-                  <a:srgbClr val="3366FF"/>
+                  <a:srgbClr val="000000"/>
                 </a:solidFill>
                 <a:latin typeface="Courier New"/>
                 <a:cs typeface="Courier New"/>
@@ -42969,7 +43652,7 @@
             <a:r>
               <a:rPr lang="da-DK" sz="1400" b="1" dirty="0">
                 <a:solidFill>
-                  <a:srgbClr val="3366FF"/>
+                  <a:srgbClr val="000000"/>
                 </a:solidFill>
                 <a:latin typeface="Courier New"/>
                 <a:cs typeface="Courier New"/>
@@ -42979,7 +43662,7 @@
             <a:r>
               <a:rPr lang="da-DK" sz="1400" b="1" dirty="0" err="1">
                 <a:solidFill>
-                  <a:srgbClr val="3366FF"/>
+                  <a:srgbClr val="000000"/>
                 </a:solidFill>
                 <a:latin typeface="Courier New"/>
                 <a:cs typeface="Courier New"/>
@@ -42989,7 +43672,7 @@
             <a:r>
               <a:rPr lang="da-DK" sz="1400" b="1" dirty="0">
                 <a:solidFill>
-                  <a:srgbClr val="3366FF"/>
+                  <a:srgbClr val="000000"/>
                 </a:solidFill>
                 <a:latin typeface="Courier New"/>
                 <a:cs typeface="Courier New"/>
@@ -42999,7 +43682,7 @@
             <a:r>
               <a:rPr lang="da-DK" sz="1400" b="1" dirty="0" smtClean="0">
                 <a:solidFill>
-                  <a:srgbClr val="3366FF"/>
+                  <a:srgbClr val="000000"/>
                 </a:solidFill>
                 <a:latin typeface="Courier New"/>
                 <a:cs typeface="Courier New"/>
@@ -44504,11 +45187,11 @@
   <p:clrMapOvr>
     <a:masterClrMapping/>
   </p:clrMapOvr>
-  <mc:AlternateContent xmlns:mc="http://schemas.openxmlformats.org/markup-compatibility/2006">
-    <mc:Choice xmlns:p14="http://schemas.microsoft.com/office/powerpoint/2010/main" Requires="p14">
+  <mc:AlternateContent xmlns:mc="http://schemas.openxmlformats.org/markup-compatibility/2006" xmlns:p14="http://schemas.microsoft.com/office/powerpoint/2010/main">
+    <mc:Choice Requires="p14">
       <p:transition spd="slow" p14:dur="2000"/>
     </mc:Choice>
-    <mc:Fallback>
+    <mc:Fallback xmlns="">
       <p:transition xmlns:p14="http://schemas.microsoft.com/office/powerpoint/2010/main" spd="slow"/>
     </mc:Fallback>
   </mc:AlternateContent>
@@ -44740,7 +45423,7 @@
             <a:r>
               <a:rPr lang="en-GB" b="1" dirty="0" smtClean="0">
                 <a:solidFill>
-                  <a:srgbClr val="3366FF"/>
+                  <a:srgbClr val="008000"/>
                 </a:solidFill>
                 <a:latin typeface="Courier New"/>
                 <a:cs typeface="Courier New"/>
@@ -44753,40 +45436,31 @@
               <a:buNone/>
             </a:pPr>
             <a:r>
+              <a:rPr lang="en-GB" b="1" i="1" dirty="0" err="1" smtClean="0">
+                <a:solidFill>
+                  <a:srgbClr val="3366FF"/>
+                </a:solidFill>
+                <a:latin typeface="Courier New"/>
+                <a:cs typeface="Courier New"/>
+              </a:rPr>
+              <a:t>cl_bool</a:t>
+            </a:r>
+            <a:r>
+              <a:rPr lang="en-GB" b="1" dirty="0" smtClean="0">
+                <a:latin typeface="Courier New"/>
+                <a:cs typeface="Courier New"/>
+              </a:rPr>
+              <a:t> </a:t>
+            </a:r>
+            <a:r>
               <a:rPr lang="en-GB" b="1" dirty="0" err="1" smtClean="0">
-                <a:solidFill>
-                  <a:srgbClr val="3366FF"/>
-                </a:solidFill>
-                <a:latin typeface="Courier New"/>
-                <a:cs typeface="Courier New"/>
-              </a:rPr>
-              <a:t>cl_bool</a:t>
+                <a:latin typeface="Courier New"/>
+                <a:cs typeface="Courier New"/>
+              </a:rPr>
+              <a:t>imageSupport</a:t>
             </a:r>
             <a:r>
               <a:rPr lang="en-GB" b="1" dirty="0" smtClean="0">
-                <a:solidFill>
-                  <a:srgbClr val="3366FF"/>
-                </a:solidFill>
-                <a:latin typeface="Courier New"/>
-                <a:cs typeface="Courier New"/>
-              </a:rPr>
-              <a:t> </a:t>
-            </a:r>
-            <a:r>
-              <a:rPr lang="en-GB" b="1" dirty="0" err="1" smtClean="0">
-                <a:solidFill>
-                  <a:srgbClr val="3366FF"/>
-                </a:solidFill>
-                <a:latin typeface="Courier New"/>
-                <a:cs typeface="Courier New"/>
-              </a:rPr>
-              <a:t>imageSupport</a:t>
-            </a:r>
-            <a:r>
-              <a:rPr lang="en-GB" b="1" dirty="0" smtClean="0">
-                <a:solidFill>
-                  <a:srgbClr val="3366FF"/>
-                </a:solidFill>
                 <a:latin typeface="Courier New"/>
                 <a:cs typeface="Courier New"/>
               </a:rPr>
@@ -44799,13 +45473,20 @@
             </a:pPr>
             <a:r>
               <a:rPr lang="en-GB" b="1" dirty="0" err="1" smtClean="0">
+                <a:latin typeface="Courier New"/>
+                <a:cs typeface="Courier New"/>
+              </a:rPr>
+              <a:t>device.</a:t>
+            </a:r>
+            <a:r>
+              <a:rPr lang="en-GB" b="1" dirty="0" err="1" smtClean="0">
                 <a:solidFill>
                   <a:srgbClr val="3366FF"/>
                 </a:solidFill>
                 <a:latin typeface="Courier New"/>
                 <a:cs typeface="Courier New"/>
               </a:rPr>
-              <a:t>device.getInfo</a:t>
+              <a:t>getInfo</a:t>
             </a:r>
             <a:endParaRPr lang="en-GB" b="1" dirty="0" smtClean="0">
               <a:solidFill>
@@ -44821,9 +45502,6 @@
             </a:pPr>
             <a:r>
               <a:rPr lang="en-GB" b="1" dirty="0" smtClean="0">
-                <a:solidFill>
-                  <a:srgbClr val="3366FF"/>
-                </a:solidFill>
                 <a:latin typeface="Courier New"/>
                 <a:cs typeface="Courier New"/>
               </a:rPr>
@@ -44836,23 +45514,150 @@
             </a:pPr>
             <a:r>
               <a:rPr lang="en-GB" b="1" dirty="0" smtClean="0">
+                <a:latin typeface="Courier New"/>
+                <a:cs typeface="Courier New"/>
+              </a:rPr>
+              <a:t>  &amp;</a:t>
+            </a:r>
+            <a:r>
+              <a:rPr lang="en-GB" b="1" dirty="0" err="1" smtClean="0">
+                <a:latin typeface="Courier New"/>
+                <a:cs typeface="Courier New"/>
+              </a:rPr>
+              <a:t>imageSupport</a:t>
+            </a:r>
+            <a:endParaRPr lang="en-GB" b="1" dirty="0" smtClean="0">
+              <a:latin typeface="Courier New"/>
+              <a:cs typeface="Courier New"/>
+            </a:endParaRPr>
+          </a:p>
+          <a:p>
+            <a:pPr marL="0" indent="0">
+              <a:buNone/>
+            </a:pPr>
+            <a:r>
+              <a:rPr lang="en-GB" b="1" dirty="0" smtClean="0">
+                <a:latin typeface="Courier New"/>
+                <a:cs typeface="Courier New"/>
+              </a:rPr>
+              <a:t>);</a:t>
+            </a:r>
+          </a:p>
+          <a:p>
+            <a:pPr marL="0" indent="0">
+              <a:buNone/>
+            </a:pPr>
+            <a:endParaRPr lang="en-GB" b="1" dirty="0" smtClean="0">
+              <a:latin typeface="Courier New"/>
+              <a:cs typeface="Courier New"/>
+            </a:endParaRPr>
+          </a:p>
+          <a:p>
+            <a:pPr marL="0" indent="0">
+              <a:buNone/>
+            </a:pPr>
+            <a:endParaRPr lang="en-GB" b="1" dirty="0" smtClean="0">
+              <a:latin typeface="Courier New"/>
+              <a:cs typeface="Courier New"/>
+            </a:endParaRPr>
+          </a:p>
+          <a:p>
+            <a:pPr marL="0" indent="0">
+              <a:buNone/>
+            </a:pPr>
+            <a:endParaRPr lang="en-GB" b="1" dirty="0">
+              <a:latin typeface="Courier New"/>
+              <a:cs typeface="Courier New"/>
+            </a:endParaRPr>
+          </a:p>
+          <a:p>
+            <a:pPr marL="0" indent="0">
+              <a:buNone/>
+            </a:pPr>
+            <a:r>
+              <a:rPr lang="en-GB" b="1" dirty="0" smtClean="0">
+                <a:solidFill>
+                  <a:srgbClr val="008000"/>
+                </a:solidFill>
+                <a:latin typeface="Courier New"/>
+                <a:cs typeface="Courier New"/>
+              </a:rPr>
+              <a:t>// Check maximum image dimensions</a:t>
+            </a:r>
+          </a:p>
+          <a:p>
+            <a:pPr marL="0" indent="0">
+              <a:buNone/>
+            </a:pPr>
+            <a:r>
+              <a:rPr lang="en-GB" b="1" i="1" dirty="0" err="1" smtClean="0">
                 <a:solidFill>
                   <a:srgbClr val="3366FF"/>
                 </a:solidFill>
                 <a:latin typeface="Courier New"/>
                 <a:cs typeface="Courier New"/>
               </a:rPr>
-              <a:t>  &amp;</a:t>
+              <a:t>size_t</a:t>
+            </a:r>
+            <a:r>
+              <a:rPr lang="en-GB" b="1" dirty="0" smtClean="0">
+                <a:solidFill>
+                  <a:srgbClr val="3366FF"/>
+                </a:solidFill>
+                <a:latin typeface="Courier New"/>
+                <a:cs typeface="Courier New"/>
+              </a:rPr>
+              <a:t> </a:t>
             </a:r>
             <a:r>
               <a:rPr lang="en-GB" b="1" dirty="0" err="1" smtClean="0">
+                <a:latin typeface="Courier New"/>
+                <a:cs typeface="Courier New"/>
+              </a:rPr>
+              <a:t>maxWidth</a:t>
+            </a:r>
+            <a:r>
+              <a:rPr lang="en-GB" b="1" dirty="0" smtClean="0">
+                <a:latin typeface="Courier New"/>
+                <a:cs typeface="Courier New"/>
+              </a:rPr>
+              <a:t>, </a:t>
+            </a:r>
+            <a:r>
+              <a:rPr lang="en-GB" b="1" dirty="0" err="1" smtClean="0">
+                <a:latin typeface="Courier New"/>
+                <a:cs typeface="Courier New"/>
+              </a:rPr>
+              <a:t>maxHeight</a:t>
+            </a:r>
+            <a:r>
+              <a:rPr lang="en-GB" b="1" dirty="0" smtClean="0">
+                <a:latin typeface="Courier New"/>
+                <a:cs typeface="Courier New"/>
+              </a:rPr>
+              <a:t>;</a:t>
+            </a:r>
+          </a:p>
+          <a:p>
+            <a:pPr marL="0" indent="0">
+              <a:buNone/>
+            </a:pPr>
+            <a:r>
+              <a:rPr lang="en-GB" b="1" dirty="0" err="1" smtClean="0">
+                <a:latin typeface="Courier New"/>
+                <a:cs typeface="Courier New"/>
+              </a:rPr>
+              <a:t>device.</a:t>
+            </a:r>
+            <a:r>
+              <a:rPr lang="en-GB" b="1" dirty="0" err="1" smtClean="0">
                 <a:solidFill>
                   <a:srgbClr val="3366FF"/>
                 </a:solidFill>
                 <a:latin typeface="Courier New"/>
                 <a:cs typeface="Courier New"/>
               </a:rPr>
-              <a:t>imageSupport</a:t>
+              <a:t>getInfo</a:t>
             </a:r>
             <a:endParaRPr lang="en-GB" b="1" dirty="0" smtClean="0">
               <a:solidFill>
@@ -44867,20 +45672,83 @@
               <a:buNone/>
             </a:pPr>
             <a:r>
+              <a:rPr lang="en-GB" b="1" dirty="0">
+                <a:latin typeface="Courier New"/>
+                <a:cs typeface="Courier New"/>
+              </a:rPr>
+              <a:t> </a:t>
+            </a:r>
+            <a:r>
               <a:rPr lang="en-GB" b="1" dirty="0" smtClean="0">
-                <a:solidFill>
-                  <a:srgbClr val="3366FF"/>
-                </a:solidFill>
-                <a:latin typeface="Courier New"/>
-                <a:cs typeface="Courier New"/>
-              </a:rPr>
-              <a:t>);</a:t>
+                <a:latin typeface="Courier New"/>
+                <a:cs typeface="Courier New"/>
+              </a:rPr>
+              <a:t> &lt;CL_DEVICE_IMAGE2D_MAX_WIDTH&gt;(</a:t>
             </a:r>
           </a:p>
           <a:p>
             <a:pPr marL="0" indent="0">
               <a:buNone/>
             </a:pPr>
+            <a:r>
+              <a:rPr lang="en-GB" b="1" dirty="0">
+                <a:latin typeface="Courier New"/>
+                <a:cs typeface="Courier New"/>
+              </a:rPr>
+              <a:t> </a:t>
+            </a:r>
+            <a:r>
+              <a:rPr lang="en-GB" b="1" dirty="0" smtClean="0">
+                <a:latin typeface="Courier New"/>
+                <a:cs typeface="Courier New"/>
+              </a:rPr>
+              <a:t> &amp;</a:t>
+            </a:r>
+            <a:r>
+              <a:rPr lang="en-GB" b="1" dirty="0" err="1" smtClean="0">
+                <a:latin typeface="Courier New"/>
+                <a:cs typeface="Courier New"/>
+              </a:rPr>
+              <a:t>maxWidth</a:t>
+            </a:r>
+            <a:endParaRPr lang="en-GB" b="1" dirty="0" smtClean="0">
+              <a:latin typeface="Courier New"/>
+              <a:cs typeface="Courier New"/>
+            </a:endParaRPr>
+          </a:p>
+          <a:p>
+            <a:pPr marL="0" indent="0">
+              <a:buNone/>
+            </a:pPr>
+            <a:r>
+              <a:rPr lang="en-GB" b="1" dirty="0" smtClean="0">
+                <a:latin typeface="Courier New"/>
+                <a:cs typeface="Courier New"/>
+              </a:rPr>
+              <a:t>);</a:t>
+            </a:r>
+          </a:p>
+          <a:p>
+            <a:pPr marL="0" indent="0">
+              <a:buNone/>
+            </a:pPr>
+            <a:r>
+              <a:rPr lang="en-GB" b="1" dirty="0" err="1" smtClean="0">
+                <a:latin typeface="Courier New"/>
+                <a:cs typeface="Courier New"/>
+              </a:rPr>
+              <a:t>device.</a:t>
+            </a:r>
+            <a:r>
+              <a:rPr lang="en-GB" b="1" dirty="0" err="1" smtClean="0">
+                <a:solidFill>
+                  <a:srgbClr val="3366FF"/>
+                </a:solidFill>
+                <a:latin typeface="Courier New"/>
+                <a:cs typeface="Courier New"/>
+              </a:rPr>
+              <a:t>getInfo</a:t>
+            </a:r>
             <a:endParaRPr lang="en-GB" b="1" dirty="0" smtClean="0">
               <a:solidFill>
                 <a:srgbClr val="3366FF"/>
@@ -44893,10 +45761,47 @@
             <a:pPr marL="0" indent="0">
               <a:buNone/>
             </a:pPr>
+            <a:r>
+              <a:rPr lang="en-GB" b="1" dirty="0">
+                <a:latin typeface="Courier New"/>
+                <a:cs typeface="Courier New"/>
+              </a:rPr>
+              <a:t> </a:t>
+            </a:r>
+            <a:r>
+              <a:rPr lang="en-GB" b="1" dirty="0" smtClean="0">
+                <a:latin typeface="Courier New"/>
+                <a:cs typeface="Courier New"/>
+              </a:rPr>
+              <a:t> &lt;CL_DEVICE_IMAGE2D_MAX_HEIGHT&gt;(</a:t>
+            </a:r>
+          </a:p>
+          <a:p>
+            <a:pPr marL="0" indent="0">
+              <a:buNone/>
+            </a:pPr>
+            <a:r>
+              <a:rPr lang="en-GB" b="1" dirty="0">
+                <a:latin typeface="Courier New"/>
+                <a:cs typeface="Courier New"/>
+              </a:rPr>
+              <a:t> </a:t>
+            </a:r>
+            <a:r>
+              <a:rPr lang="en-GB" b="1" dirty="0" smtClean="0">
+                <a:latin typeface="Courier New"/>
+                <a:cs typeface="Courier New"/>
+              </a:rPr>
+              <a:t> &amp;</a:t>
+            </a:r>
+            <a:r>
+              <a:rPr lang="en-GB" b="1" dirty="0" err="1" smtClean="0">
+                <a:latin typeface="Courier New"/>
+                <a:cs typeface="Courier New"/>
+              </a:rPr>
+              <a:t>maxHeight</a:t>
+            </a:r>
             <a:endParaRPr lang="en-GB" b="1" dirty="0" smtClean="0">
-              <a:solidFill>
-                <a:srgbClr val="3366FF"/>
-              </a:solidFill>
               <a:latin typeface="Courier New"/>
               <a:cs typeface="Courier New"/>
             </a:endParaRPr>
@@ -44905,10 +45810,21 @@
             <a:pPr marL="0" indent="0">
               <a:buNone/>
             </a:pPr>
-            <a:endParaRPr lang="en-GB" b="1" dirty="0">
-              <a:solidFill>
-                <a:srgbClr val="3366FF"/>
-              </a:solidFill>
+            <a:r>
+              <a:rPr lang="en-GB" b="1" dirty="0" smtClean="0">
+                <a:latin typeface="Courier New"/>
+                <a:cs typeface="Courier New"/>
+              </a:rPr>
+              <a:t>)</a:t>
+            </a:r>
+            <a:r>
+              <a:rPr lang="en-GB" b="1" dirty="0">
+                <a:latin typeface="Courier New"/>
+                <a:cs typeface="Courier New"/>
+              </a:rPr>
+              <a:t>;</a:t>
+            </a:r>
+            <a:endParaRPr lang="en-GB" b="1" dirty="0" smtClean="0">
               <a:latin typeface="Courier New"/>
               <a:cs typeface="Courier New"/>
             </a:endParaRPr>
@@ -44917,100 +45833,7 @@
             <a:pPr marL="0" indent="0">
               <a:buNone/>
             </a:pPr>
-            <a:r>
-              <a:rPr lang="en-GB" b="1" dirty="0" smtClean="0">
-                <a:solidFill>
-                  <a:srgbClr val="3366FF"/>
-                </a:solidFill>
-                <a:latin typeface="Courier New"/>
-                <a:cs typeface="Courier New"/>
-              </a:rPr>
-              <a:t>// Check maximum image dimensions</a:t>
-            </a:r>
-          </a:p>
-          <a:p>
-            <a:pPr marL="0" indent="0">
-              <a:buNone/>
-            </a:pPr>
-            <a:r>
-              <a:rPr lang="en-GB" b="1" dirty="0" err="1" smtClean="0">
-                <a:solidFill>
-                  <a:srgbClr val="3366FF"/>
-                </a:solidFill>
-                <a:latin typeface="Courier New"/>
-                <a:cs typeface="Courier New"/>
-              </a:rPr>
-              <a:t>size_t</a:t>
-            </a:r>
-            <a:r>
-              <a:rPr lang="en-GB" b="1" dirty="0" smtClean="0">
-                <a:solidFill>
-                  <a:srgbClr val="3366FF"/>
-                </a:solidFill>
-                <a:latin typeface="Courier New"/>
-                <a:cs typeface="Courier New"/>
-              </a:rPr>
-              <a:t> </a:t>
-            </a:r>
-            <a:r>
-              <a:rPr lang="en-GB" b="1" dirty="0" err="1" smtClean="0">
-                <a:solidFill>
-                  <a:srgbClr val="3366FF"/>
-                </a:solidFill>
-                <a:latin typeface="Courier New"/>
-                <a:cs typeface="Courier New"/>
-              </a:rPr>
-              <a:t>maxWidth</a:t>
-            </a:r>
-            <a:r>
-              <a:rPr lang="en-GB" b="1" dirty="0" smtClean="0">
-                <a:solidFill>
-                  <a:srgbClr val="3366FF"/>
-                </a:solidFill>
-                <a:latin typeface="Courier New"/>
-                <a:cs typeface="Courier New"/>
-              </a:rPr>
-              <a:t>, </a:t>
-            </a:r>
-            <a:r>
-              <a:rPr lang="en-GB" b="1" dirty="0" err="1" smtClean="0">
-                <a:solidFill>
-                  <a:srgbClr val="3366FF"/>
-                </a:solidFill>
-                <a:latin typeface="Courier New"/>
-                <a:cs typeface="Courier New"/>
-              </a:rPr>
-              <a:t>maxHeight</a:t>
-            </a:r>
-            <a:r>
-              <a:rPr lang="en-GB" b="1" dirty="0" smtClean="0">
-                <a:solidFill>
-                  <a:srgbClr val="3366FF"/>
-                </a:solidFill>
-                <a:latin typeface="Courier New"/>
-                <a:cs typeface="Courier New"/>
-              </a:rPr>
-              <a:t>;</a:t>
-            </a:r>
-          </a:p>
-          <a:p>
-            <a:pPr marL="0" indent="0">
-              <a:buNone/>
-            </a:pPr>
-            <a:r>
-              <a:rPr lang="en-GB" b="1" dirty="0" err="1" smtClean="0">
-                <a:solidFill>
-                  <a:srgbClr val="3366FF"/>
-                </a:solidFill>
-                <a:latin typeface="Courier New"/>
-                <a:cs typeface="Courier New"/>
-              </a:rPr>
-              <a:t>device.getInfo</a:t>
-            </a:r>
             <a:endParaRPr lang="en-GB" b="1" dirty="0" smtClean="0">
-              <a:solidFill>
-                <a:srgbClr val="3366FF"/>
-              </a:solidFill>
               <a:latin typeface="Courier New"/>
               <a:cs typeface="Courier New"/>
             </a:endParaRPr>
@@ -45019,65 +45842,7 @@
             <a:pPr marL="0" indent="0">
               <a:buNone/>
             </a:pPr>
-            <a:r>
-              <a:rPr lang="en-GB" b="1" dirty="0">
-                <a:solidFill>
-                  <a:srgbClr val="3366FF"/>
-                </a:solidFill>
-                <a:latin typeface="Courier New"/>
-                <a:cs typeface="Courier New"/>
-              </a:rPr>
-              <a:t> </a:t>
-            </a:r>
-            <a:r>
-              <a:rPr lang="en-GB" b="1" dirty="0" smtClean="0">
-                <a:solidFill>
-                  <a:srgbClr val="3366FF"/>
-                </a:solidFill>
-                <a:latin typeface="Courier New"/>
-                <a:cs typeface="Courier New"/>
-              </a:rPr>
-              <a:t> &lt;CL_DEVICE_IMAGE2D_MAX_WIDTH&gt;(</a:t>
-            </a:r>
-          </a:p>
-          <a:p>
-            <a:pPr marL="0" indent="0">
-              <a:buNone/>
-            </a:pPr>
-            <a:r>
-              <a:rPr lang="en-GB" b="1" dirty="0">
-                <a:solidFill>
-                  <a:srgbClr val="3366FF"/>
-                </a:solidFill>
-                <a:latin typeface="Courier New"/>
-                <a:cs typeface="Courier New"/>
-              </a:rPr>
-              <a:t> </a:t>
-            </a:r>
-            <a:r>
-              <a:rPr lang="en-GB" b="1" dirty="0" smtClean="0">
-                <a:solidFill>
-                  <a:srgbClr val="3366FF"/>
-                </a:solidFill>
-                <a:latin typeface="Courier New"/>
-                <a:cs typeface="Courier New"/>
-              </a:rPr>
-              <a:t> &amp;</a:t>
-            </a:r>
-            <a:r>
-              <a:rPr lang="en-GB" b="1" dirty="0" err="1" smtClean="0">
-                <a:solidFill>
-                  <a:srgbClr val="3366FF"/>
-                </a:solidFill>
-                <a:latin typeface="Courier New"/>
-                <a:cs typeface="Courier New"/>
-              </a:rPr>
-              <a:t>maxWidth</a:t>
-            </a:r>
             <a:endParaRPr lang="en-GB" b="1" dirty="0" smtClean="0">
-              <a:solidFill>
-                <a:srgbClr val="3366FF"/>
-              </a:solidFill>
               <a:latin typeface="Courier New"/>
               <a:cs typeface="Courier New"/>
             </a:endParaRPr>
@@ -45086,35 +45851,7 @@
             <a:pPr marL="0" indent="0">
               <a:buNone/>
             </a:pPr>
-            <a:r>
-              <a:rPr lang="en-GB" b="1" dirty="0" smtClean="0">
-                <a:solidFill>
-                  <a:srgbClr val="3366FF"/>
-                </a:solidFill>
-                <a:latin typeface="Courier New"/>
-                <a:cs typeface="Courier New"/>
-              </a:rPr>
-              <a:t>);</a:t>
-            </a:r>
-          </a:p>
-          <a:p>
-            <a:pPr marL="0" indent="0">
-              <a:buNone/>
-            </a:pPr>
-            <a:r>
-              <a:rPr lang="en-GB" b="1" dirty="0" err="1" smtClean="0">
-                <a:solidFill>
-                  <a:srgbClr val="3366FF"/>
-                </a:solidFill>
-                <a:latin typeface="Courier New"/>
-                <a:cs typeface="Courier New"/>
-              </a:rPr>
-              <a:t>device.getInfo</a:t>
-            </a:r>
             <a:endParaRPr lang="en-GB" b="1" dirty="0" smtClean="0">
-              <a:solidFill>
-                <a:srgbClr val="3366FF"/>
-              </a:solidFill>
               <a:latin typeface="Courier New"/>
               <a:cs typeface="Courier New"/>
             </a:endParaRPr>
@@ -45124,24 +45861,14 @@
               <a:buNone/>
             </a:pPr>
             <a:r>
-              <a:rPr lang="en-GB" b="1" dirty="0">
-                <a:solidFill>
-                  <a:srgbClr val="3366FF"/>
-                </a:solidFill>
-                <a:latin typeface="Courier New"/>
-                <a:cs typeface="Courier New"/>
-              </a:rPr>
-              <a:t> </a:t>
-            </a:r>
-            <a:r>
               <a:rPr lang="en-GB" b="1" dirty="0" smtClean="0">
                 <a:solidFill>
-                  <a:srgbClr val="3366FF"/>
-                </a:solidFill>
-                <a:latin typeface="Courier New"/>
-                <a:cs typeface="Courier New"/>
-              </a:rPr>
-              <a:t> &lt;CL_DEVICE_IMAGE2D_MAX_HEIGHT&gt;(</a:t>
+                  <a:srgbClr val="008000"/>
+                </a:solidFill>
+                <a:latin typeface="Courier New"/>
+                <a:cs typeface="Courier New"/>
+              </a:rPr>
+              <a:t>// Get list of supported image formats</a:t>
             </a:r>
           </a:p>
           <a:p>
@@ -45149,110 +45876,126 @@
               <a:buNone/>
             </a:pPr>
             <a:r>
-              <a:rPr lang="en-GB" b="1" dirty="0">
-                <a:solidFill>
-                  <a:srgbClr val="3366FF"/>
-                </a:solidFill>
-                <a:latin typeface="Courier New"/>
-                <a:cs typeface="Courier New"/>
-              </a:rPr>
-              <a:t> </a:t>
+              <a:rPr lang="en-GB" b="1" dirty="0" err="1" smtClean="0">
+                <a:latin typeface="Courier New"/>
+                <a:cs typeface="Courier New"/>
+              </a:rPr>
+              <a:t>std</a:t>
             </a:r>
             <a:r>
               <a:rPr lang="en-GB" b="1" dirty="0" smtClean="0">
-                <a:solidFill>
-                  <a:srgbClr val="3366FF"/>
-                </a:solidFill>
-                <a:latin typeface="Courier New"/>
-                <a:cs typeface="Courier New"/>
-              </a:rPr>
-              <a:t> &amp;</a:t>
+                <a:latin typeface="Courier New"/>
+                <a:cs typeface="Courier New"/>
+              </a:rPr>
+              <a:t>::vector&lt;cl::</a:t>
             </a:r>
             <a:r>
               <a:rPr lang="en-GB" b="1" dirty="0" err="1" smtClean="0">
-                <a:solidFill>
-                  <a:srgbClr val="3366FF"/>
-                </a:solidFill>
-                <a:latin typeface="Courier New"/>
-                <a:cs typeface="Courier New"/>
-              </a:rPr>
-              <a:t>maxHeight</a:t>
-            </a:r>
-            <a:endParaRPr lang="en-GB" b="1" dirty="0" smtClean="0">
-              <a:solidFill>
-                <a:srgbClr val="3366FF"/>
-              </a:solidFill>
-              <a:latin typeface="Courier New"/>
-              <a:cs typeface="Courier New"/>
-            </a:endParaRPr>
+                <a:latin typeface="Courier New"/>
+                <a:cs typeface="Courier New"/>
+              </a:rPr>
+              <a:t>ImageFormat</a:t>
+            </a:r>
+            <a:r>
+              <a:rPr lang="en-GB" b="1" dirty="0" smtClean="0">
+                <a:latin typeface="Courier New"/>
+                <a:cs typeface="Courier New"/>
+              </a:rPr>
+              <a:t>&gt; formats;</a:t>
+            </a:r>
           </a:p>
           <a:p>
             <a:pPr marL="0" indent="0">
               <a:buNone/>
             </a:pPr>
             <a:r>
+              <a:rPr lang="en-GB" b="1" dirty="0" err="1" smtClean="0">
+                <a:latin typeface="Courier New"/>
+                <a:cs typeface="Courier New"/>
+              </a:rPr>
+              <a:t>context.</a:t>
+            </a:r>
+            <a:r>
+              <a:rPr lang="en-GB" b="1" dirty="0" err="1" smtClean="0">
+                <a:solidFill>
+                  <a:srgbClr val="3366FF"/>
+                </a:solidFill>
+                <a:latin typeface="Courier New"/>
+                <a:cs typeface="Courier New"/>
+              </a:rPr>
+              <a:t>getSupportedImageFormat</a:t>
+            </a:r>
+            <a:r>
+              <a:rPr lang="en-GB" b="1" dirty="0" err="1" smtClean="0">
+                <a:latin typeface="Courier New"/>
+                <a:cs typeface="Courier New"/>
+              </a:rPr>
+              <a:t>s</a:t>
+            </a:r>
+            <a:r>
               <a:rPr lang="en-GB" b="1" dirty="0" smtClean="0">
-                <a:solidFill>
-                  <a:srgbClr val="3366FF"/>
-                </a:solidFill>
-                <a:latin typeface="Courier New"/>
-                <a:cs typeface="Courier New"/>
-              </a:rPr>
-              <a:t>)</a:t>
-            </a:r>
-            <a:r>
-              <a:rPr lang="en-GB" b="1" dirty="0">
-                <a:solidFill>
-                  <a:srgbClr val="3366FF"/>
-                </a:solidFill>
-                <a:latin typeface="Courier New"/>
-                <a:cs typeface="Courier New"/>
-              </a:rPr>
-              <a:t>;</a:t>
-            </a:r>
-            <a:endParaRPr lang="en-GB" b="1" dirty="0" smtClean="0">
-              <a:solidFill>
-                <a:srgbClr val="3366FF"/>
-              </a:solidFill>
-              <a:latin typeface="Courier New"/>
-              <a:cs typeface="Courier New"/>
-            </a:endParaRPr>
+                <a:latin typeface="Courier New"/>
+                <a:cs typeface="Courier New"/>
+              </a:rPr>
+              <a:t>(</a:t>
+            </a:r>
           </a:p>
           <a:p>
             <a:pPr marL="0" indent="0">
               <a:buNone/>
             </a:pPr>
-            <a:endParaRPr lang="en-GB" b="1" dirty="0" smtClean="0">
-              <a:solidFill>
-                <a:srgbClr val="3366FF"/>
-              </a:solidFill>
-              <a:latin typeface="Courier New"/>
-              <a:cs typeface="Courier New"/>
-            </a:endParaRPr>
+            <a:r>
+              <a:rPr lang="en-GB" b="1" dirty="0">
+                <a:latin typeface="Courier New"/>
+                <a:cs typeface="Courier New"/>
+              </a:rPr>
+              <a:t> </a:t>
+            </a:r>
+            <a:r>
+              <a:rPr lang="en-GB" b="1" dirty="0" smtClean="0">
+                <a:latin typeface="Courier New"/>
+                <a:cs typeface="Courier New"/>
+              </a:rPr>
+              <a:t> CL_MEM_READ_WRITE,</a:t>
+            </a:r>
           </a:p>
           <a:p>
             <a:pPr marL="0" indent="0">
               <a:buNone/>
             </a:pPr>
-            <a:endParaRPr lang="en-GB" b="1" dirty="0" smtClean="0">
-              <a:solidFill>
-                <a:srgbClr val="3366FF"/>
-              </a:solidFill>
-              <a:latin typeface="Courier New"/>
-              <a:cs typeface="Courier New"/>
-            </a:endParaRPr>
+            <a:r>
+              <a:rPr lang="en-GB" b="1" dirty="0">
+                <a:latin typeface="Courier New"/>
+                <a:cs typeface="Courier New"/>
+              </a:rPr>
+              <a:t> </a:t>
+            </a:r>
+            <a:r>
+              <a:rPr lang="en-GB" b="1" dirty="0" smtClean="0">
+                <a:latin typeface="Courier New"/>
+                <a:cs typeface="Courier New"/>
+              </a:rPr>
+              <a:t> CL_MEM_OBJECT_IMAGE2D,</a:t>
+            </a:r>
           </a:p>
           <a:p>
             <a:pPr marL="0" indent="0">
               <a:buNone/>
             </a:pPr>
-            <a:endParaRPr lang="en-GB" b="1" dirty="0" smtClean="0">
-              <a:solidFill>
-                <a:srgbClr val="3366FF"/>
-              </a:solidFill>
-              <a:latin typeface="Courier New"/>
-              <a:cs typeface="Courier New"/>
-            </a:endParaRPr>
+            <a:r>
+              <a:rPr lang="en-GB" b="1" dirty="0">
+                <a:latin typeface="Courier New"/>
+                <a:cs typeface="Courier New"/>
+              </a:rPr>
+              <a:t> </a:t>
+            </a:r>
+            <a:r>
+              <a:rPr lang="en-GB" b="1" dirty="0" smtClean="0">
+                <a:latin typeface="Courier New"/>
+                <a:cs typeface="Courier New"/>
+              </a:rPr>
+              <a:t> &amp;formats</a:t>
+            </a:r>
           </a:p>
           <a:p>
             <a:pPr marL="0" indent="0">
@@ -45260,183 +46003,17 @@
             </a:pPr>
             <a:r>
               <a:rPr lang="en-GB" b="1" dirty="0" smtClean="0">
-                <a:solidFill>
-                  <a:srgbClr val="3366FF"/>
-                </a:solidFill>
-                <a:latin typeface="Courier New"/>
-                <a:cs typeface="Courier New"/>
-              </a:rPr>
-              <a:t>// Get list of supported image formats</a:t>
+                <a:latin typeface="Courier New"/>
+                <a:cs typeface="Courier New"/>
+              </a:rPr>
+              <a:t>);</a:t>
             </a:r>
           </a:p>
           <a:p>
             <a:pPr marL="0" indent="0">
               <a:buNone/>
             </a:pPr>
-            <a:r>
-              <a:rPr lang="en-GB" b="1" dirty="0" err="1" smtClean="0">
-                <a:solidFill>
-                  <a:srgbClr val="3366FF"/>
-                </a:solidFill>
-                <a:latin typeface="Courier New"/>
-                <a:cs typeface="Courier New"/>
-              </a:rPr>
-              <a:t>std</a:t>
-            </a:r>
-            <a:r>
-              <a:rPr lang="en-GB" b="1" dirty="0" smtClean="0">
-                <a:solidFill>
-                  <a:srgbClr val="3366FF"/>
-                </a:solidFill>
-                <a:latin typeface="Courier New"/>
-                <a:cs typeface="Courier New"/>
-              </a:rPr>
-              <a:t>::vector&lt;cl::</a:t>
-            </a:r>
-            <a:r>
-              <a:rPr lang="en-GB" b="1" dirty="0" err="1" smtClean="0">
-                <a:solidFill>
-                  <a:srgbClr val="3366FF"/>
-                </a:solidFill>
-                <a:latin typeface="Courier New"/>
-                <a:cs typeface="Courier New"/>
-              </a:rPr>
-              <a:t>ImageFormat</a:t>
-            </a:r>
-            <a:r>
-              <a:rPr lang="en-GB" b="1" dirty="0" smtClean="0">
-                <a:solidFill>
-                  <a:srgbClr val="3366FF"/>
-                </a:solidFill>
-                <a:latin typeface="Courier New"/>
-                <a:cs typeface="Courier New"/>
-              </a:rPr>
-              <a:t>&gt; formats;</a:t>
-            </a:r>
-          </a:p>
-          <a:p>
-            <a:pPr marL="0" indent="0">
-              <a:buNone/>
-            </a:pPr>
-            <a:r>
-              <a:rPr lang="en-GB" b="1" dirty="0" err="1" smtClean="0">
-                <a:solidFill>
-                  <a:srgbClr val="3366FF"/>
-                </a:solidFill>
-                <a:latin typeface="Courier New"/>
-                <a:cs typeface="Courier New"/>
-              </a:rPr>
-              <a:t>context.getSupportedImageFormats</a:t>
-            </a:r>
-            <a:r>
-              <a:rPr lang="en-GB" b="1" dirty="0" smtClean="0">
-                <a:solidFill>
-                  <a:srgbClr val="3366FF"/>
-                </a:solidFill>
-                <a:latin typeface="Courier New"/>
-                <a:cs typeface="Courier New"/>
-              </a:rPr>
-              <a:t>(</a:t>
-            </a:r>
-          </a:p>
-          <a:p>
-            <a:pPr marL="0" indent="0">
-              <a:buNone/>
-            </a:pPr>
-            <a:r>
-              <a:rPr lang="en-GB" b="1" dirty="0">
-                <a:solidFill>
-                  <a:srgbClr val="3366FF"/>
-                </a:solidFill>
-                <a:latin typeface="Courier New"/>
-                <a:cs typeface="Courier New"/>
-              </a:rPr>
-              <a:t> </a:t>
-            </a:r>
-            <a:r>
-              <a:rPr lang="en-GB" b="1" dirty="0" smtClean="0">
-                <a:solidFill>
-                  <a:srgbClr val="3366FF"/>
-                </a:solidFill>
-                <a:latin typeface="Courier New"/>
-                <a:cs typeface="Courier New"/>
-              </a:rPr>
-              <a:t> CL_MEM_READ_WRITE,</a:t>
-            </a:r>
-          </a:p>
-          <a:p>
-            <a:pPr marL="0" indent="0">
-              <a:buNone/>
-            </a:pPr>
-            <a:r>
-              <a:rPr lang="en-GB" b="1" dirty="0">
-                <a:solidFill>
-                  <a:srgbClr val="3366FF"/>
-                </a:solidFill>
-                <a:latin typeface="Courier New"/>
-                <a:cs typeface="Courier New"/>
-              </a:rPr>
-              <a:t> </a:t>
-            </a:r>
-            <a:r>
-              <a:rPr lang="en-GB" b="1" dirty="0" smtClean="0">
-                <a:solidFill>
-                  <a:srgbClr val="3366FF"/>
-                </a:solidFill>
-                <a:latin typeface="Courier New"/>
-                <a:cs typeface="Courier New"/>
-              </a:rPr>
-              <a:t> CL_MEM_OBJECT_IMAGE2D,</a:t>
-            </a:r>
-          </a:p>
-          <a:p>
-            <a:pPr marL="0" indent="0">
-              <a:buNone/>
-            </a:pPr>
-            <a:r>
-              <a:rPr lang="en-GB" b="1" dirty="0">
-                <a:solidFill>
-                  <a:srgbClr val="3366FF"/>
-                </a:solidFill>
-                <a:latin typeface="Courier New"/>
-                <a:cs typeface="Courier New"/>
-              </a:rPr>
-              <a:t> </a:t>
-            </a:r>
-            <a:r>
-              <a:rPr lang="en-GB" b="1" dirty="0" smtClean="0">
-                <a:solidFill>
-                  <a:srgbClr val="3366FF"/>
-                </a:solidFill>
-                <a:latin typeface="Courier New"/>
-                <a:cs typeface="Courier New"/>
-              </a:rPr>
-              <a:t> &amp;formats</a:t>
-            </a:r>
-          </a:p>
-          <a:p>
-            <a:pPr marL="0" indent="0">
-              <a:buNone/>
-            </a:pPr>
-            <a:r>
-              <a:rPr lang="en-GB" b="1" dirty="0" smtClean="0">
-                <a:solidFill>
-                  <a:srgbClr val="3366FF"/>
-                </a:solidFill>
-                <a:latin typeface="Courier New"/>
-                <a:cs typeface="Courier New"/>
-              </a:rPr>
-              <a:t>);</a:t>
-            </a:r>
-          </a:p>
-          <a:p>
-            <a:pPr marL="0" indent="0">
-              <a:buNone/>
-            </a:pPr>
             <a:endParaRPr lang="en-GB" b="1" dirty="0" smtClean="0">
-              <a:solidFill>
-                <a:srgbClr val="3366FF"/>
-              </a:solidFill>
               <a:latin typeface="Courier New"/>
               <a:cs typeface="Courier New"/>
             </a:endParaRPr>
@@ -45724,9 +46301,6 @@
             </a:pPr>
             <a:r>
               <a:rPr lang="en-GB" b="1" dirty="0">
-                <a:solidFill>
-                  <a:srgbClr val="3366FF"/>
-                </a:solidFill>
                 <a:latin typeface="Courier New"/>
                 <a:cs typeface="Courier New"/>
               </a:rPr>
@@ -45734,9 +46308,6 @@
             </a:r>
             <a:r>
               <a:rPr lang="en-GB" b="1" dirty="0" err="1">
-                <a:solidFill>
-                  <a:srgbClr val="3366FF"/>
-                </a:solidFill>
                 <a:latin typeface="Courier New"/>
                 <a:cs typeface="Courier New"/>
               </a:rPr>
@@ -45744,13 +46315,27 @@
             </a:r>
             <a:r>
               <a:rPr lang="en-GB" b="1" dirty="0">
-                <a:solidFill>
-                  <a:srgbClr val="3366FF"/>
-                </a:solidFill>
-                <a:latin typeface="Courier New"/>
-                <a:cs typeface="Courier New"/>
-              </a:rPr>
-              <a:t> format(</a:t>
+                <a:latin typeface="Courier New"/>
+                <a:cs typeface="Courier New"/>
+              </a:rPr>
+              <a:t> </a:t>
+            </a:r>
+            <a:r>
+              <a:rPr lang="en-GB" b="1" dirty="0">
+                <a:solidFill>
+                  <a:schemeClr val="accent4"/>
+                </a:solidFill>
+                <a:latin typeface="Courier New"/>
+                <a:cs typeface="Courier New"/>
+              </a:rPr>
+              <a:t>format</a:t>
+            </a:r>
+            <a:r>
+              <a:rPr lang="en-GB" b="1" dirty="0">
+                <a:latin typeface="Courier New"/>
+                <a:cs typeface="Courier New"/>
+              </a:rPr>
+              <a:t>(</a:t>
             </a:r>
           </a:p>
           <a:p>
@@ -45759,13 +46344,20 @@
             </a:pPr>
             <a:r>
               <a:rPr lang="en-GB" b="1" dirty="0">
-                <a:solidFill>
-                  <a:srgbClr val="3366FF"/>
-                </a:solidFill>
-                <a:latin typeface="Courier New"/>
-                <a:cs typeface="Courier New"/>
-              </a:rPr>
-              <a:t>  CL_RGBA,      // channel order</a:t>
+                <a:latin typeface="Courier New"/>
+                <a:cs typeface="Courier New"/>
+              </a:rPr>
+              <a:t>  CL_RGBA,      </a:t>
+            </a:r>
+            <a:r>
+              <a:rPr lang="en-GB" b="1" dirty="0">
+                <a:solidFill>
+                  <a:srgbClr val="008000"/>
+                </a:solidFill>
+                <a:latin typeface="Courier New"/>
+                <a:cs typeface="Courier New"/>
+              </a:rPr>
+              <a:t>// channel order</a:t>
             </a:r>
           </a:p>
           <a:p>
@@ -45774,13 +46366,20 @@
             </a:pPr>
             <a:r>
               <a:rPr lang="en-GB" b="1" dirty="0">
-                <a:solidFill>
-                  <a:srgbClr val="3366FF"/>
-                </a:solidFill>
-                <a:latin typeface="Courier New"/>
-                <a:cs typeface="Courier New"/>
-              </a:rPr>
-              <a:t>  CL_UNORM_INT8 // channel data type</a:t>
+                <a:latin typeface="Courier New"/>
+                <a:cs typeface="Courier New"/>
+              </a:rPr>
+              <a:t>  CL_UNORM_INT8 </a:t>
+            </a:r>
+            <a:r>
+              <a:rPr lang="en-GB" b="1" dirty="0">
+                <a:solidFill>
+                  <a:srgbClr val="008000"/>
+                </a:solidFill>
+                <a:latin typeface="Courier New"/>
+                <a:cs typeface="Courier New"/>
+              </a:rPr>
+              <a:t>// channel data type</a:t>
             </a:r>
           </a:p>
           <a:p>
@@ -45789,9 +46388,6 @@
             </a:pPr>
             <a:r>
               <a:rPr lang="en-GB" b="1" dirty="0">
-                <a:solidFill>
-                  <a:srgbClr val="3366FF"/>
-                </a:solidFill>
                 <a:latin typeface="Courier New"/>
                 <a:cs typeface="Courier New"/>
               </a:rPr>
@@ -45803,9 +46399,6 @@
               <a:buNone/>
             </a:pPr>
             <a:endParaRPr lang="en-GB" b="1" dirty="0">
-              <a:solidFill>
-                <a:srgbClr val="3366FF"/>
-              </a:solidFill>
               <a:latin typeface="Courier New"/>
               <a:cs typeface="Courier New"/>
             </a:endParaRPr>
@@ -45816,9 +46409,6 @@
             </a:pPr>
             <a:r>
               <a:rPr lang="en-GB" b="1" dirty="0">
-                <a:solidFill>
-                  <a:srgbClr val="3366FF"/>
-                </a:solidFill>
                 <a:latin typeface="Courier New"/>
                 <a:cs typeface="Courier New"/>
               </a:rPr>
@@ -45827,7 +46417,7 @@
             <a:r>
               <a:rPr lang="en-GB" b="1" dirty="0" err="1">
                 <a:solidFill>
-                  <a:srgbClr val="3366FF"/>
+                  <a:schemeClr val="accent4"/>
                 </a:solidFill>
                 <a:latin typeface="Courier New"/>
                 <a:cs typeface="Courier New"/>
@@ -45836,9 +46426,6 @@
             </a:r>
             <a:r>
               <a:rPr lang="en-GB" b="1" dirty="0">
-                <a:solidFill>
-                  <a:srgbClr val="3366FF"/>
-                </a:solidFill>
                 <a:latin typeface="Courier New"/>
                 <a:cs typeface="Courier New"/>
               </a:rPr>
@@ -45851,13 +46438,20 @@
             </a:pPr>
             <a:r>
               <a:rPr lang="en-GB" b="1" dirty="0">
-                <a:solidFill>
-                  <a:srgbClr val="3366FF"/>
-                </a:solidFill>
-                <a:latin typeface="Courier New"/>
-                <a:cs typeface="Courier New"/>
-              </a:rPr>
-              <a:t>  context,          // context object</a:t>
+                <a:latin typeface="Courier New"/>
+                <a:cs typeface="Courier New"/>
+              </a:rPr>
+              <a:t>  context,          </a:t>
+            </a:r>
+            <a:r>
+              <a:rPr lang="en-GB" b="1" dirty="0">
+                <a:solidFill>
+                  <a:srgbClr val="008000"/>
+                </a:solidFill>
+                <a:latin typeface="Courier New"/>
+                <a:cs typeface="Courier New"/>
+              </a:rPr>
+              <a:t>// context object</a:t>
             </a:r>
           </a:p>
           <a:p>
@@ -45866,13 +46460,20 @@
             </a:pPr>
             <a:r>
               <a:rPr lang="en-GB" b="1" dirty="0">
-                <a:solidFill>
-                  <a:srgbClr val="3366FF"/>
-                </a:solidFill>
-                <a:latin typeface="Courier New"/>
-                <a:cs typeface="Courier New"/>
-              </a:rPr>
-              <a:t>  CL_MEM_READ_ONLY, // memory access flags</a:t>
+                <a:latin typeface="Courier New"/>
+                <a:cs typeface="Courier New"/>
+              </a:rPr>
+              <a:t>  CL_MEM_READ_ONLY, </a:t>
+            </a:r>
+            <a:r>
+              <a:rPr lang="en-GB" b="1" dirty="0">
+                <a:solidFill>
+                  <a:srgbClr val="008000"/>
+                </a:solidFill>
+                <a:latin typeface="Courier New"/>
+                <a:cs typeface="Courier New"/>
+              </a:rPr>
+              <a:t>// memory access flags</a:t>
             </a:r>
           </a:p>
           <a:p>
@@ -45881,13 +46482,20 @@
             </a:pPr>
             <a:r>
               <a:rPr lang="en-GB" b="1" dirty="0">
-                <a:solidFill>
-                  <a:srgbClr val="3366FF"/>
-                </a:solidFill>
-                <a:latin typeface="Courier New"/>
-                <a:cs typeface="Courier New"/>
-              </a:rPr>
-              <a:t>  format,           // image format (above)</a:t>
+                <a:latin typeface="Courier New"/>
+                <a:cs typeface="Courier New"/>
+              </a:rPr>
+              <a:t>  format,           </a:t>
+            </a:r>
+            <a:r>
+              <a:rPr lang="en-GB" b="1" dirty="0">
+                <a:solidFill>
+                  <a:srgbClr val="008000"/>
+                </a:solidFill>
+                <a:latin typeface="Courier New"/>
+                <a:cs typeface="Courier New"/>
+              </a:rPr>
+              <a:t>// image format (above)</a:t>
             </a:r>
           </a:p>
           <a:p>
@@ -45896,13 +46504,20 @@
             </a:pPr>
             <a:r>
               <a:rPr lang="en-GB" b="1" dirty="0">
-                <a:solidFill>
-                  <a:srgbClr val="3366FF"/>
-                </a:solidFill>
-                <a:latin typeface="Courier New"/>
-                <a:cs typeface="Courier New"/>
-              </a:rPr>
-              <a:t>  width,            // image width</a:t>
+                <a:latin typeface="Courier New"/>
+                <a:cs typeface="Courier New"/>
+              </a:rPr>
+              <a:t>  width,            </a:t>
+            </a:r>
+            <a:r>
+              <a:rPr lang="en-GB" b="1" dirty="0">
+                <a:solidFill>
+                  <a:srgbClr val="008000"/>
+                </a:solidFill>
+                <a:latin typeface="Courier New"/>
+                <a:cs typeface="Courier New"/>
+              </a:rPr>
+              <a:t>// image width</a:t>
             </a:r>
           </a:p>
           <a:p>
@@ -45911,13 +46526,20 @@
             </a:pPr>
             <a:r>
               <a:rPr lang="en-GB" b="1" dirty="0">
-                <a:solidFill>
-                  <a:srgbClr val="3366FF"/>
-                </a:solidFill>
-                <a:latin typeface="Courier New"/>
-                <a:cs typeface="Courier New"/>
-              </a:rPr>
-              <a:t>  height,           // image height</a:t>
+                <a:latin typeface="Courier New"/>
+                <a:cs typeface="Courier New"/>
+              </a:rPr>
+              <a:t>  height,           </a:t>
+            </a:r>
+            <a:r>
+              <a:rPr lang="en-GB" b="1" dirty="0">
+                <a:solidFill>
+                  <a:srgbClr val="008000"/>
+                </a:solidFill>
+                <a:latin typeface="Courier New"/>
+                <a:cs typeface="Courier New"/>
+              </a:rPr>
+              <a:t>// image height</a:t>
             </a:r>
           </a:p>
           <a:p>
@@ -45926,9 +46548,6 @@
             </a:pPr>
             <a:r>
               <a:rPr lang="en-GB" b="1" dirty="0">
-                <a:solidFill>
-                  <a:srgbClr val="3366FF"/>
-                </a:solidFill>
                 <a:latin typeface="Courier New"/>
                 <a:cs typeface="Courier New"/>
               </a:rPr>
@@ -45940,9 +46559,6 @@
               <a:buNone/>
             </a:pPr>
             <a:endParaRPr lang="en-GB" b="1" dirty="0">
-              <a:solidFill>
-                <a:srgbClr val="3366FF"/>
-              </a:solidFill>
               <a:latin typeface="Courier New"/>
               <a:cs typeface="Courier New"/>
             </a:endParaRPr>
@@ -45953,13 +46569,27 @@
             </a:pPr>
             <a:r>
               <a:rPr lang="hr-HR" b="1" dirty="0">
-                <a:solidFill>
-                  <a:srgbClr val="3366FF"/>
-                </a:solidFill>
-                <a:latin typeface="Courier New"/>
-                <a:cs typeface="Courier New"/>
-              </a:rPr>
-              <a:t>cl::size_t&lt;3&gt; origin;</a:t>
+                <a:latin typeface="Courier New"/>
+                <a:cs typeface="Courier New"/>
+              </a:rPr>
+              <a:t>cl::size_t&lt;</a:t>
+            </a:r>
+            <a:r>
+              <a:rPr lang="hr-HR" b="1" dirty="0">
+                <a:solidFill>
+                  <a:srgbClr val="FF00FF"/>
+                </a:solidFill>
+                <a:latin typeface="Courier New"/>
+                <a:cs typeface="Courier New"/>
+              </a:rPr>
+              <a:t>3</a:t>
+            </a:r>
+            <a:r>
+              <a:rPr lang="hr-HR" b="1" dirty="0">
+                <a:latin typeface="Courier New"/>
+                <a:cs typeface="Courier New"/>
+              </a:rPr>
+              <a:t>&gt; origin;</a:t>
             </a:r>
           </a:p>
           <a:p>
@@ -45968,13 +46598,78 @@
             </a:pPr>
             <a:r>
               <a:rPr lang="hr-HR" b="1" dirty="0">
-                <a:solidFill>
-                  <a:srgbClr val="3366FF"/>
-                </a:solidFill>
-                <a:latin typeface="Courier New"/>
-                <a:cs typeface="Courier New"/>
-              </a:rPr>
-              <a:t>    origin[0] = origin[1] = origin[2] = 0;</a:t>
+                <a:latin typeface="Courier New"/>
+                <a:cs typeface="Courier New"/>
+              </a:rPr>
+              <a:t>    origin[</a:t>
+            </a:r>
+            <a:r>
+              <a:rPr lang="hr-HR" b="1" dirty="0">
+                <a:solidFill>
+                  <a:srgbClr val="FF00FF"/>
+                </a:solidFill>
+                <a:latin typeface="Courier New"/>
+                <a:cs typeface="Courier New"/>
+              </a:rPr>
+              <a:t>0</a:t>
+            </a:r>
+            <a:r>
+              <a:rPr lang="hr-HR" b="1" dirty="0">
+                <a:latin typeface="Courier New"/>
+                <a:cs typeface="Courier New"/>
+              </a:rPr>
+              <a:t>] = origin[</a:t>
+            </a:r>
+            <a:r>
+              <a:rPr lang="hr-HR" b="1" dirty="0">
+                <a:solidFill>
+                  <a:srgbClr val="FF00FF"/>
+                </a:solidFill>
+                <a:latin typeface="Courier New"/>
+                <a:cs typeface="Courier New"/>
+              </a:rPr>
+              <a:t>1</a:t>
+            </a:r>
+            <a:r>
+              <a:rPr lang="hr-HR" b="1" dirty="0">
+                <a:latin typeface="Courier New"/>
+                <a:cs typeface="Courier New"/>
+              </a:rPr>
+              <a:t>] = origin[</a:t>
+            </a:r>
+            <a:r>
+              <a:rPr lang="hr-HR" b="1" dirty="0">
+                <a:solidFill>
+                  <a:srgbClr val="FF00FF"/>
+                </a:solidFill>
+                <a:latin typeface="Courier New"/>
+                <a:cs typeface="Courier New"/>
+              </a:rPr>
+              <a:t>2</a:t>
+            </a:r>
+            <a:r>
+              <a:rPr lang="hr-HR" b="1" dirty="0">
+                <a:latin typeface="Courier New"/>
+                <a:cs typeface="Courier New"/>
+              </a:rPr>
+              <a:t>] = </a:t>
+            </a:r>
+            <a:r>
+              <a:rPr lang="hr-HR" b="1" dirty="0">
+                <a:solidFill>
+                  <a:srgbClr val="FF00FF"/>
+                </a:solidFill>
+                <a:latin typeface="Courier New"/>
+                <a:cs typeface="Courier New"/>
+              </a:rPr>
+              <a:t>0</a:t>
+            </a:r>
+            <a:r>
+              <a:rPr lang="hr-HR" b="1" dirty="0">
+                <a:latin typeface="Courier New"/>
+                <a:cs typeface="Courier New"/>
+              </a:rPr>
+              <a:t>;</a:t>
             </a:r>
           </a:p>
           <a:p>
@@ -45983,13 +46678,27 @@
             </a:pPr>
             <a:r>
               <a:rPr lang="hr-HR" b="1" dirty="0">
-                <a:solidFill>
-                  <a:srgbClr val="3366FF"/>
-                </a:solidFill>
-                <a:latin typeface="Courier New"/>
-                <a:cs typeface="Courier New"/>
-              </a:rPr>
-              <a:t>cl::size_t&lt;3&gt; region;</a:t>
+                <a:latin typeface="Courier New"/>
+                <a:cs typeface="Courier New"/>
+              </a:rPr>
+              <a:t>cl::size_t&lt;</a:t>
+            </a:r>
+            <a:r>
+              <a:rPr lang="hr-HR" b="1" dirty="0">
+                <a:solidFill>
+                  <a:srgbClr val="FF00FF"/>
+                </a:solidFill>
+                <a:latin typeface="Courier New"/>
+                <a:cs typeface="Courier New"/>
+              </a:rPr>
+              <a:t>3</a:t>
+            </a:r>
+            <a:r>
+              <a:rPr lang="hr-HR" b="1" dirty="0">
+                <a:latin typeface="Courier New"/>
+                <a:cs typeface="Courier New"/>
+              </a:rPr>
+              <a:t>&gt; region;</a:t>
             </a:r>
           </a:p>
           <a:p>
@@ -45998,28 +46707,36 @@
             </a:pPr>
             <a:r>
               <a:rPr lang="hr-HR" b="1" dirty="0">
-                <a:solidFill>
-                  <a:srgbClr val="3366FF"/>
-                </a:solidFill>
-                <a:latin typeface="Courier New"/>
-                <a:cs typeface="Courier New"/>
-              </a:rPr>
-              <a:t>    region[0] = </a:t>
+                <a:latin typeface="Courier New"/>
+                <a:cs typeface="Courier New"/>
+              </a:rPr>
+              <a:t>    region[</a:t>
+            </a:r>
+            <a:r>
+              <a:rPr lang="hr-HR" b="1" dirty="0">
+                <a:solidFill>
+                  <a:srgbClr val="FF00FF"/>
+                </a:solidFill>
+                <a:latin typeface="Courier New"/>
+                <a:cs typeface="Courier New"/>
+              </a:rPr>
+              <a:t>0</a:t>
+            </a:r>
+            <a:r>
+              <a:rPr lang="hr-HR" b="1" dirty="0">
+                <a:latin typeface="Courier New"/>
+                <a:cs typeface="Courier New"/>
+              </a:rPr>
+              <a:t>] = </a:t>
             </a:r>
             <a:r>
               <a:rPr lang="hr-HR" b="1" dirty="0" smtClean="0">
-                <a:solidFill>
-                  <a:srgbClr val="3366FF"/>
-                </a:solidFill>
                 <a:latin typeface="Courier New"/>
                 <a:cs typeface="Courier New"/>
               </a:rPr>
               <a:t>width;</a:t>
             </a:r>
             <a:endParaRPr lang="hr-HR" b="1" dirty="0">
-              <a:solidFill>
-                <a:srgbClr val="3366FF"/>
-              </a:solidFill>
               <a:latin typeface="Courier New"/>
               <a:cs typeface="Courier New"/>
             </a:endParaRPr>
@@ -46030,28 +46747,36 @@
             </a:pPr>
             <a:r>
               <a:rPr lang="hr-HR" b="1" dirty="0">
-                <a:solidFill>
-                  <a:srgbClr val="3366FF"/>
-                </a:solidFill>
-                <a:latin typeface="Courier New"/>
-                <a:cs typeface="Courier New"/>
-              </a:rPr>
-              <a:t>    region[1] = </a:t>
+                <a:latin typeface="Courier New"/>
+                <a:cs typeface="Courier New"/>
+              </a:rPr>
+              <a:t>    region[</a:t>
+            </a:r>
+            <a:r>
+              <a:rPr lang="hr-HR" b="1" dirty="0">
+                <a:solidFill>
+                  <a:srgbClr val="FF00FF"/>
+                </a:solidFill>
+                <a:latin typeface="Courier New"/>
+                <a:cs typeface="Courier New"/>
+              </a:rPr>
+              <a:t>1</a:t>
+            </a:r>
+            <a:r>
+              <a:rPr lang="hr-HR" b="1" dirty="0">
+                <a:latin typeface="Courier New"/>
+                <a:cs typeface="Courier New"/>
+              </a:rPr>
+              <a:t>] = </a:t>
             </a:r>
             <a:r>
               <a:rPr lang="hr-HR" b="1" dirty="0" smtClean="0">
-                <a:solidFill>
-                  <a:srgbClr val="3366FF"/>
-                </a:solidFill>
                 <a:latin typeface="Courier New"/>
                 <a:cs typeface="Courier New"/>
               </a:rPr>
               <a:t>height;</a:t>
             </a:r>
             <a:endParaRPr lang="hr-HR" b="1" dirty="0">
-              <a:solidFill>
-                <a:srgbClr val="3366FF"/>
-              </a:solidFill>
               <a:latin typeface="Courier New"/>
               <a:cs typeface="Courier New"/>
             </a:endParaRPr>
@@ -46062,18 +46787,46 @@
             </a:pPr>
             <a:r>
               <a:rPr lang="hr-HR" b="1" dirty="0">
-                <a:solidFill>
-                  <a:srgbClr val="3366FF"/>
-                </a:solidFill>
-                <a:latin typeface="Courier New"/>
-                <a:cs typeface="Courier New"/>
-              </a:rPr>
-              <a:t>    region[2] = 1;</a:t>
+                <a:latin typeface="Courier New"/>
+                <a:cs typeface="Courier New"/>
+              </a:rPr>
+              <a:t>    region[</a:t>
+            </a:r>
+            <a:r>
+              <a:rPr lang="hr-HR" b="1" dirty="0">
+                <a:solidFill>
+                  <a:srgbClr val="FF00FF"/>
+                </a:solidFill>
+                <a:latin typeface="Courier New"/>
+                <a:cs typeface="Courier New"/>
+              </a:rPr>
+              <a:t>2</a:t>
+            </a:r>
+            <a:r>
+              <a:rPr lang="hr-HR" b="1" dirty="0">
+                <a:latin typeface="Courier New"/>
+                <a:cs typeface="Courier New"/>
+              </a:rPr>
+              <a:t>] = </a:t>
+            </a:r>
+            <a:r>
+              <a:rPr lang="hr-HR" b="1" dirty="0">
+                <a:solidFill>
+                  <a:srgbClr val="FF00FF"/>
+                </a:solidFill>
+                <a:latin typeface="Courier New"/>
+                <a:cs typeface="Courier New"/>
+              </a:rPr>
+              <a:t>1</a:t>
+            </a:r>
+            <a:r>
+              <a:rPr lang="hr-HR" b="1" dirty="0">
+                <a:latin typeface="Courier New"/>
+                <a:cs typeface="Courier New"/>
+              </a:rPr>
+              <a:t>;</a:t>
             </a:r>
             <a:endParaRPr lang="en-GB" b="1" dirty="0">
-              <a:solidFill>
-                <a:srgbClr val="3366FF"/>
-              </a:solidFill>
               <a:latin typeface="Courier New"/>
               <a:cs typeface="Courier New"/>
             </a:endParaRPr>
@@ -46084,19 +46837,23 @@
             </a:pPr>
             <a:r>
               <a:rPr lang="en-GB" b="1" dirty="0" err="1">
+                <a:latin typeface="Courier New"/>
+                <a:cs typeface="Courier New"/>
+              </a:rPr>
+              <a:t>queue.</a:t>
+            </a:r>
+            <a:r>
+              <a:rPr lang="en-GB" b="1" dirty="0" err="1">
                 <a:solidFill>
                   <a:srgbClr val="3366FF"/>
                 </a:solidFill>
                 <a:latin typeface="Courier New"/>
                 <a:cs typeface="Courier New"/>
               </a:rPr>
-              <a:t>queue.enqueueWriteImage</a:t>
+              <a:t>enqueueWriteImage</a:t>
             </a:r>
             <a:r>
               <a:rPr lang="en-GB" b="1" dirty="0">
-                <a:solidFill>
-                  <a:srgbClr val="3366FF"/>
-                </a:solidFill>
                 <a:latin typeface="Courier New"/>
                 <a:cs typeface="Courier New"/>
               </a:rPr>
@@ -46109,9 +46866,6 @@
             </a:pPr>
             <a:r>
               <a:rPr lang="en-GB" b="1" dirty="0">
-                <a:solidFill>
-                  <a:srgbClr val="3366FF"/>
-                </a:solidFill>
                 <a:latin typeface="Courier New"/>
                 <a:cs typeface="Courier New"/>
               </a:rPr>
@@ -46119,9 +46873,6 @@
             </a:r>
             <a:r>
               <a:rPr lang="en-GB" b="1" dirty="0" err="1">
-                <a:solidFill>
-                  <a:srgbClr val="3366FF"/>
-                </a:solidFill>
                 <a:latin typeface="Courier New"/>
                 <a:cs typeface="Courier New"/>
               </a:rPr>
@@ -46129,13 +46880,20 @@
             </a:r>
             <a:r>
               <a:rPr lang="en-GB" b="1" dirty="0">
-                <a:solidFill>
-                  <a:srgbClr val="3366FF"/>
-                </a:solidFill>
-                <a:latin typeface="Courier New"/>
-                <a:cs typeface="Courier New"/>
-              </a:rPr>
-              <a:t>,      // image object</a:t>
+                <a:latin typeface="Courier New"/>
+                <a:cs typeface="Courier New"/>
+              </a:rPr>
+              <a:t>,      </a:t>
+            </a:r>
+            <a:r>
+              <a:rPr lang="en-GB" b="1" dirty="0">
+                <a:solidFill>
+                  <a:srgbClr val="008000"/>
+                </a:solidFill>
+                <a:latin typeface="Courier New"/>
+                <a:cs typeface="Courier New"/>
+              </a:rPr>
+              <a:t>// image object</a:t>
             </a:r>
           </a:p>
           <a:p>
@@ -46144,13 +46902,20 @@
             </a:pPr>
             <a:r>
               <a:rPr lang="en-GB" b="1" dirty="0">
-                <a:solidFill>
-                  <a:srgbClr val="3366FF"/>
-                </a:solidFill>
-                <a:latin typeface="Courier New"/>
-                <a:cs typeface="Courier New"/>
-              </a:rPr>
-              <a:t>  CL_TRUE,      // blocking read</a:t>
+                <a:latin typeface="Courier New"/>
+                <a:cs typeface="Courier New"/>
+              </a:rPr>
+              <a:t>  CL_TRUE,      </a:t>
+            </a:r>
+            <a:r>
+              <a:rPr lang="en-GB" b="1" dirty="0">
+                <a:solidFill>
+                  <a:srgbClr val="008000"/>
+                </a:solidFill>
+                <a:latin typeface="Courier New"/>
+                <a:cs typeface="Courier New"/>
+              </a:rPr>
+              <a:t>// blocking read</a:t>
             </a:r>
           </a:p>
           <a:p>
@@ -46159,13 +46924,20 @@
             </a:pPr>
             <a:r>
               <a:rPr lang="en-GB" b="1" dirty="0">
-                <a:solidFill>
-                  <a:srgbClr val="3366FF"/>
-                </a:solidFill>
-                <a:latin typeface="Courier New"/>
-                <a:cs typeface="Courier New"/>
-              </a:rPr>
-              <a:t>  origin,       // origin of write</a:t>
+                <a:latin typeface="Courier New"/>
+                <a:cs typeface="Courier New"/>
+              </a:rPr>
+              <a:t>  origin,       </a:t>
+            </a:r>
+            <a:r>
+              <a:rPr lang="en-GB" b="1" dirty="0">
+                <a:solidFill>
+                  <a:srgbClr val="008000"/>
+                </a:solidFill>
+                <a:latin typeface="Courier New"/>
+                <a:cs typeface="Courier New"/>
+              </a:rPr>
+              <a:t>// origin of write</a:t>
             </a:r>
           </a:p>
           <a:p>
@@ -46174,13 +46946,20 @@
             </a:pPr>
             <a:r>
               <a:rPr lang="en-GB" b="1" dirty="0">
-                <a:solidFill>
-                  <a:srgbClr val="3366FF"/>
-                </a:solidFill>
-                <a:latin typeface="Courier New"/>
-                <a:cs typeface="Courier New"/>
-              </a:rPr>
-              <a:t>  region,       // region to write</a:t>
+                <a:latin typeface="Courier New"/>
+                <a:cs typeface="Courier New"/>
+              </a:rPr>
+              <a:t>  region,       </a:t>
+            </a:r>
+            <a:r>
+              <a:rPr lang="en-GB" b="1" dirty="0">
+                <a:solidFill>
+                  <a:srgbClr val="008000"/>
+                </a:solidFill>
+                <a:latin typeface="Courier New"/>
+                <a:cs typeface="Courier New"/>
+              </a:rPr>
+              <a:t>// region to write</a:t>
             </a:r>
           </a:p>
           <a:p>
@@ -46189,13 +46968,37 @@
             </a:pPr>
             <a:r>
               <a:rPr lang="en-GB" b="1" dirty="0">
-                <a:solidFill>
-                  <a:srgbClr val="3366FF"/>
-                </a:solidFill>
-                <a:latin typeface="Courier New"/>
-                <a:cs typeface="Courier New"/>
-              </a:rPr>
-              <a:t>  0,            // image row pitch</a:t>
+                <a:latin typeface="Courier New"/>
+                <a:cs typeface="Courier New"/>
+              </a:rPr>
+              <a:t>  </a:t>
+            </a:r>
+            <a:r>
+              <a:rPr lang="en-GB" b="1" dirty="0">
+                <a:solidFill>
+                  <a:srgbClr val="FF00FF"/>
+                </a:solidFill>
+                <a:latin typeface="Courier New"/>
+                <a:cs typeface="Courier New"/>
+              </a:rPr>
+              <a:t>0</a:t>
+            </a:r>
+            <a:r>
+              <a:rPr lang="en-GB" b="1" dirty="0">
+                <a:latin typeface="Courier New"/>
+                <a:cs typeface="Courier New"/>
+              </a:rPr>
+              <a:t>,            </a:t>
+            </a:r>
+            <a:r>
+              <a:rPr lang="en-GB" b="1" dirty="0">
+                <a:solidFill>
+                  <a:srgbClr val="008000"/>
+                </a:solidFill>
+                <a:latin typeface="Courier New"/>
+                <a:cs typeface="Courier New"/>
+              </a:rPr>
+              <a:t>// image row pitch</a:t>
             </a:r>
           </a:p>
           <a:p>
@@ -46204,13 +47007,37 @@
             </a:pPr>
             <a:r>
               <a:rPr lang="en-GB" b="1" dirty="0">
-                <a:solidFill>
-                  <a:srgbClr val="3366FF"/>
-                </a:solidFill>
-                <a:latin typeface="Courier New"/>
-                <a:cs typeface="Courier New"/>
-              </a:rPr>
-              <a:t>  0,            // image slice pitch (3D only)</a:t>
+                <a:latin typeface="Courier New"/>
+                <a:cs typeface="Courier New"/>
+              </a:rPr>
+              <a:t>  </a:t>
+            </a:r>
+            <a:r>
+              <a:rPr lang="en-GB" b="1" dirty="0">
+                <a:solidFill>
+                  <a:srgbClr val="FF00FF"/>
+                </a:solidFill>
+                <a:latin typeface="Courier New"/>
+                <a:cs typeface="Courier New"/>
+              </a:rPr>
+              <a:t>0</a:t>
+            </a:r>
+            <a:r>
+              <a:rPr lang="en-GB" b="1" dirty="0">
+                <a:latin typeface="Courier New"/>
+                <a:cs typeface="Courier New"/>
+              </a:rPr>
+              <a:t>,            </a:t>
+            </a:r>
+            <a:r>
+              <a:rPr lang="en-GB" b="1" dirty="0">
+                <a:solidFill>
+                  <a:srgbClr val="008000"/>
+                </a:solidFill>
+                <a:latin typeface="Courier New"/>
+                <a:cs typeface="Courier New"/>
+              </a:rPr>
+              <a:t>// image slice pitch (3D only)</a:t>
             </a:r>
           </a:p>
           <a:p>
@@ -46219,9 +47046,6 @@
             </a:pPr>
             <a:r>
               <a:rPr lang="en-GB" b="1" dirty="0">
-                <a:solidFill>
-                  <a:srgbClr val="3366FF"/>
-                </a:solidFill>
                 <a:latin typeface="Courier New"/>
                 <a:cs typeface="Courier New"/>
               </a:rPr>
@@ -46229,9 +47053,6 @@
             </a:r>
             <a:r>
               <a:rPr lang="en-GB" b="1" dirty="0" err="1">
-                <a:solidFill>
-                  <a:srgbClr val="3366FF"/>
-                </a:solidFill>
                 <a:latin typeface="Courier New"/>
                 <a:cs typeface="Courier New"/>
               </a:rPr>
@@ -46239,13 +47060,20 @@
             </a:r>
             <a:r>
               <a:rPr lang="en-GB" b="1" dirty="0">
-                <a:solidFill>
-                  <a:srgbClr val="3366FF"/>
-                </a:solidFill>
-                <a:latin typeface="Courier New"/>
-                <a:cs typeface="Courier New"/>
-              </a:rPr>
-              <a:t>,      // host data</a:t>
+                <a:latin typeface="Courier New"/>
+                <a:cs typeface="Courier New"/>
+              </a:rPr>
+              <a:t>,      </a:t>
+            </a:r>
+            <a:r>
+              <a:rPr lang="en-GB" b="1" dirty="0">
+                <a:solidFill>
+                  <a:srgbClr val="008000"/>
+                </a:solidFill>
+                <a:latin typeface="Courier New"/>
+                <a:cs typeface="Courier New"/>
+              </a:rPr>
+              <a:t>// host data</a:t>
             </a:r>
           </a:p>
           <a:p>
@@ -46254,9 +47082,6 @@
             </a:pPr>
             <a:r>
               <a:rPr lang="en-GB" b="1" dirty="0">
-                <a:solidFill>
-                  <a:srgbClr val="3366FF"/>
-                </a:solidFill>
                 <a:latin typeface="Courier New"/>
                 <a:cs typeface="Courier New"/>
               </a:rPr>
@@ -46974,7 +47799,7 @@
             </a:pPr>
             <a:endParaRPr lang="en-GB" b="1" dirty="0" smtClean="0">
               <a:solidFill>
-                <a:srgbClr val="3366FF"/>
+                <a:srgbClr val="000000"/>
               </a:solidFill>
               <a:latin typeface="Courier New"/>
               <a:cs typeface="Courier New"/>
@@ -46987,12 +47812,62 @@
             <a:r>
               <a:rPr lang="en-GB" b="1" dirty="0" smtClean="0">
                 <a:solidFill>
+                  <a:schemeClr val="accent2"/>
+                </a:solidFill>
+                <a:latin typeface="Courier New"/>
+                <a:cs typeface="Courier New"/>
+              </a:rPr>
+              <a:t>kernel</a:t>
+            </a:r>
+            <a:r>
+              <a:rPr lang="en-GB" b="1" dirty="0" smtClean="0">
+                <a:solidFill>
+                  <a:srgbClr val="000000"/>
+                </a:solidFill>
+                <a:latin typeface="Courier New"/>
+                <a:cs typeface="Courier New"/>
+              </a:rPr>
+              <a:t> </a:t>
+            </a:r>
+            <a:r>
+              <a:rPr lang="en-GB" b="1" i="1" dirty="0" smtClean="0">
+                <a:solidFill>
                   <a:srgbClr val="3366FF"/>
                 </a:solidFill>
                 <a:latin typeface="Courier New"/>
                 <a:cs typeface="Courier New"/>
               </a:rPr>
-              <a:t>kernel void foo(</a:t>
+              <a:t>void</a:t>
+            </a:r>
+            <a:r>
+              <a:rPr lang="en-GB" b="1" dirty="0" smtClean="0">
+                <a:solidFill>
+                  <a:srgbClr val="000000"/>
+                </a:solidFill>
+                <a:latin typeface="Courier New"/>
+                <a:cs typeface="Courier New"/>
+              </a:rPr>
+              <a:t> </a:t>
+            </a:r>
+            <a:r>
+              <a:rPr lang="en-GB" b="1" dirty="0" smtClean="0">
+                <a:solidFill>
+                  <a:schemeClr val="accent3"/>
+                </a:solidFill>
+                <a:latin typeface="Courier New"/>
+                <a:cs typeface="Courier New"/>
+              </a:rPr>
+              <a:t>foo</a:t>
+            </a:r>
+            <a:r>
+              <a:rPr lang="en-GB" b="1" dirty="0" smtClean="0">
+                <a:solidFill>
+                  <a:srgbClr val="000000"/>
+                </a:solidFill>
+                <a:latin typeface="Courier New"/>
+                <a:cs typeface="Courier New"/>
+              </a:rPr>
+              <a:t>(</a:t>
             </a:r>
           </a:p>
           <a:p>
@@ -47002,42 +47877,72 @@
             <a:r>
               <a:rPr lang="en-GB" b="1" dirty="0">
                 <a:solidFill>
+                  <a:srgbClr val="000000"/>
+                </a:solidFill>
+                <a:latin typeface="Courier New"/>
+                <a:cs typeface="Courier New"/>
+              </a:rPr>
+              <a:t> </a:t>
+            </a:r>
+            <a:r>
+              <a:rPr lang="en-GB" b="1" dirty="0" smtClean="0">
+                <a:solidFill>
+                  <a:srgbClr val="000000"/>
+                </a:solidFill>
+                <a:latin typeface="Courier New"/>
+                <a:cs typeface="Courier New"/>
+              </a:rPr>
+              <a:t> </a:t>
+            </a:r>
+            <a:r>
+              <a:rPr lang="en-GB" b="1" dirty="0" err="1" smtClean="0">
+                <a:solidFill>
+                  <a:schemeClr val="accent2"/>
+                </a:solidFill>
+                <a:latin typeface="Courier New"/>
+                <a:cs typeface="Courier New"/>
+              </a:rPr>
+              <a:t>read_only</a:t>
+            </a:r>
+            <a:r>
+              <a:rPr lang="en-GB" b="1" dirty="0" smtClean="0">
+                <a:solidFill>
+                  <a:schemeClr val="accent2"/>
+                </a:solidFill>
+                <a:latin typeface="Courier New"/>
+                <a:cs typeface="Courier New"/>
+              </a:rPr>
+              <a:t> </a:t>
+            </a:r>
+            <a:r>
+              <a:rPr lang="en-GB" b="1" i="1" dirty="0" smtClean="0">
+                <a:solidFill>
                   <a:srgbClr val="3366FF"/>
                 </a:solidFill>
                 <a:latin typeface="Courier New"/>
                 <a:cs typeface="Courier New"/>
               </a:rPr>
+              <a:t>image2d_t</a:t>
+            </a:r>
+            <a:r>
+              <a:rPr lang="en-GB" b="1" dirty="0" smtClean="0">
+                <a:solidFill>
+                  <a:srgbClr val="3366FF"/>
+                </a:solidFill>
+                <a:latin typeface="Courier New"/>
+                <a:cs typeface="Courier New"/>
+              </a:rPr>
               <a:t> </a:t>
             </a:r>
             <a:r>
               <a:rPr lang="en-GB" b="1" dirty="0" smtClean="0">
                 <a:solidFill>
-                  <a:srgbClr val="3366FF"/>
-                </a:solidFill>
-                <a:latin typeface="Courier New"/>
-                <a:cs typeface="Courier New"/>
-              </a:rPr>
-              <a:t> </a:t>
-            </a:r>
-            <a:r>
-              <a:rPr lang="en-GB" b="1" dirty="0" err="1" smtClean="0">
-                <a:solidFill>
-                  <a:srgbClr val="3366FF"/>
-                </a:solidFill>
-                <a:latin typeface="Courier New"/>
-                <a:cs typeface="Courier New"/>
-              </a:rPr>
-              <a:t>read_only</a:t>
-            </a:r>
-            <a:r>
-              <a:rPr lang="en-GB" b="1" dirty="0" smtClean="0">
-                <a:solidFill>
-                  <a:srgbClr val="3366FF"/>
-                </a:solidFill>
-                <a:latin typeface="Courier New"/>
-                <a:cs typeface="Courier New"/>
-              </a:rPr>
-              <a:t> image2d_t input,</a:t>
+                  <a:srgbClr val="000000"/>
+                </a:solidFill>
+                <a:latin typeface="Courier New"/>
+                <a:cs typeface="Courier New"/>
+              </a:rPr>
+              <a:t>input,</a:t>
             </a:r>
           </a:p>
           <a:p>
@@ -47047,42 +47952,72 @@
             <a:r>
               <a:rPr lang="en-GB" b="1" dirty="0">
                 <a:solidFill>
+                  <a:srgbClr val="000000"/>
+                </a:solidFill>
+                <a:latin typeface="Courier New"/>
+                <a:cs typeface="Courier New"/>
+              </a:rPr>
+              <a:t> </a:t>
+            </a:r>
+            <a:r>
+              <a:rPr lang="en-GB" b="1" dirty="0" smtClean="0">
+                <a:solidFill>
+                  <a:srgbClr val="000000"/>
+                </a:solidFill>
+                <a:latin typeface="Courier New"/>
+                <a:cs typeface="Courier New"/>
+              </a:rPr>
+              <a:t> </a:t>
+            </a:r>
+            <a:r>
+              <a:rPr lang="en-GB" b="1" dirty="0" err="1" smtClean="0">
+                <a:solidFill>
+                  <a:schemeClr val="accent2"/>
+                </a:solidFill>
+                <a:latin typeface="Courier New"/>
+                <a:cs typeface="Courier New"/>
+              </a:rPr>
+              <a:t>write_only</a:t>
+            </a:r>
+            <a:r>
+              <a:rPr lang="en-GB" b="1" dirty="0" smtClean="0">
+                <a:solidFill>
+                  <a:schemeClr val="accent2"/>
+                </a:solidFill>
+                <a:latin typeface="Courier New"/>
+                <a:cs typeface="Courier New"/>
+              </a:rPr>
+              <a:t> </a:t>
+            </a:r>
+            <a:r>
+              <a:rPr lang="en-GB" b="1" i="1" dirty="0" smtClean="0">
+                <a:solidFill>
                   <a:srgbClr val="3366FF"/>
                 </a:solidFill>
                 <a:latin typeface="Courier New"/>
                 <a:cs typeface="Courier New"/>
               </a:rPr>
+              <a:t>image2d_t</a:t>
+            </a:r>
+            <a:r>
+              <a:rPr lang="en-GB" b="1" dirty="0" smtClean="0">
+                <a:solidFill>
+                  <a:srgbClr val="3366FF"/>
+                </a:solidFill>
+                <a:latin typeface="Courier New"/>
+                <a:cs typeface="Courier New"/>
+              </a:rPr>
               <a:t> </a:t>
             </a:r>
             <a:r>
               <a:rPr lang="en-GB" b="1" dirty="0" smtClean="0">
                 <a:solidFill>
-                  <a:srgbClr val="3366FF"/>
-                </a:solidFill>
-                <a:latin typeface="Courier New"/>
-                <a:cs typeface="Courier New"/>
-              </a:rPr>
-              <a:t> </a:t>
-            </a:r>
-            <a:r>
-              <a:rPr lang="en-GB" b="1" dirty="0" err="1" smtClean="0">
-                <a:solidFill>
-                  <a:srgbClr val="3366FF"/>
-                </a:solidFill>
-                <a:latin typeface="Courier New"/>
-                <a:cs typeface="Courier New"/>
-              </a:rPr>
-              <a:t>write_only</a:t>
-            </a:r>
-            <a:r>
-              <a:rPr lang="en-GB" b="1" dirty="0" smtClean="0">
-                <a:solidFill>
-                  <a:srgbClr val="3366FF"/>
-                </a:solidFill>
-                <a:latin typeface="Courier New"/>
-                <a:cs typeface="Courier New"/>
-              </a:rPr>
-              <a:t> image2d_t output)</a:t>
+                  <a:srgbClr val="000000"/>
+                </a:solidFill>
+                <a:latin typeface="Courier New"/>
+                <a:cs typeface="Courier New"/>
+              </a:rPr>
+              <a:t>output)</a:t>
             </a:r>
           </a:p>
           <a:p>
@@ -47092,7 +48027,7 @@
             <a:r>
               <a:rPr lang="en-GB" b="1" dirty="0" smtClean="0">
                 <a:solidFill>
-                  <a:srgbClr val="3366FF"/>
+                  <a:srgbClr val="000000"/>
                 </a:solidFill>
                 <a:latin typeface="Courier New"/>
                 <a:cs typeface="Courier New"/>
@@ -47107,62 +48042,92 @@
             <a:r>
               <a:rPr lang="en-GB" b="1" dirty="0">
                 <a:solidFill>
+                  <a:srgbClr val="000000"/>
+                </a:solidFill>
+                <a:latin typeface="Courier New"/>
+                <a:cs typeface="Courier New"/>
+              </a:rPr>
+              <a:t> </a:t>
+            </a:r>
+            <a:r>
+              <a:rPr lang="en-GB" b="1" dirty="0" smtClean="0">
+                <a:solidFill>
+                  <a:srgbClr val="000000"/>
+                </a:solidFill>
+                <a:latin typeface="Courier New"/>
+                <a:cs typeface="Courier New"/>
+              </a:rPr>
+              <a:t> </a:t>
+            </a:r>
+            <a:r>
+              <a:rPr lang="en-GB" b="1" i="1" dirty="0" err="1" smtClean="0">
+                <a:solidFill>
                   <a:srgbClr val="3366FF"/>
                 </a:solidFill>
                 <a:latin typeface="Courier New"/>
                 <a:cs typeface="Courier New"/>
               </a:rPr>
+              <a:t>int</a:t>
+            </a:r>
+            <a:r>
+              <a:rPr lang="en-GB" b="1" dirty="0" smtClean="0">
+                <a:solidFill>
+                  <a:srgbClr val="3366FF"/>
+                </a:solidFill>
+                <a:latin typeface="Courier New"/>
+                <a:cs typeface="Courier New"/>
+              </a:rPr>
               <a:t> </a:t>
             </a:r>
             <a:r>
               <a:rPr lang="en-GB" b="1" dirty="0" smtClean="0">
                 <a:solidFill>
+                  <a:srgbClr val="000000"/>
+                </a:solidFill>
+                <a:latin typeface="Courier New"/>
+                <a:cs typeface="Courier New"/>
+              </a:rPr>
+              <a:t>x = </a:t>
+            </a:r>
+            <a:r>
+              <a:rPr lang="en-GB" b="1" dirty="0" err="1" smtClean="0">
+                <a:solidFill>
                   <a:srgbClr val="3366FF"/>
                 </a:solidFill>
                 <a:latin typeface="Courier New"/>
                 <a:cs typeface="Courier New"/>
               </a:rPr>
-              <a:t> </a:t>
-            </a:r>
-            <a:r>
-              <a:rPr lang="en-GB" b="1" dirty="0" err="1" smtClean="0">
-                <a:solidFill>
-                  <a:srgbClr val="3366FF"/>
-                </a:solidFill>
-                <a:latin typeface="Courier New"/>
-                <a:cs typeface="Courier New"/>
-              </a:rPr>
-              <a:t>int</a:t>
+              <a:t>get_global_id</a:t>
             </a:r>
             <a:r>
               <a:rPr lang="en-GB" b="1" dirty="0" smtClean="0">
                 <a:solidFill>
-                  <a:srgbClr val="3366FF"/>
-                </a:solidFill>
-                <a:latin typeface="Courier New"/>
-                <a:cs typeface="Courier New"/>
-              </a:rPr>
-              <a:t> x = </a:t>
-            </a:r>
-            <a:r>
-              <a:rPr lang="en-GB" b="1" dirty="0" err="1" smtClean="0">
-                <a:solidFill>
-                  <a:srgbClr val="3366FF"/>
-                </a:solidFill>
-                <a:latin typeface="Courier New"/>
-                <a:cs typeface="Courier New"/>
-              </a:rPr>
-              <a:t>get_global_id</a:t>
+                  <a:srgbClr val="000000"/>
+                </a:solidFill>
+                <a:latin typeface="Courier New"/>
+                <a:cs typeface="Courier New"/>
+              </a:rPr>
+              <a:t>(</a:t>
             </a:r>
             <a:r>
               <a:rPr lang="en-GB" b="1" dirty="0" smtClean="0">
                 <a:solidFill>
-                  <a:srgbClr val="3366FF"/>
-                </a:solidFill>
-                <a:latin typeface="Courier New"/>
-                <a:cs typeface="Courier New"/>
-              </a:rPr>
-              <a:t>(0);</a:t>
+                  <a:srgbClr val="FF00FF"/>
+                </a:solidFill>
+                <a:latin typeface="Courier New"/>
+                <a:cs typeface="Courier New"/>
+              </a:rPr>
+              <a:t>0</a:t>
+            </a:r>
+            <a:r>
+              <a:rPr lang="en-GB" b="1" dirty="0" smtClean="0">
+                <a:solidFill>
+                  <a:srgbClr val="000000"/>
+                </a:solidFill>
+                <a:latin typeface="Courier New"/>
+                <a:cs typeface="Courier New"/>
+              </a:rPr>
+              <a:t>);</a:t>
             </a:r>
           </a:p>
           <a:p>
@@ -47172,62 +48137,92 @@
             <a:r>
               <a:rPr lang="en-GB" b="1" dirty="0">
                 <a:solidFill>
+                  <a:srgbClr val="000000"/>
+                </a:solidFill>
+                <a:latin typeface="Courier New"/>
+                <a:cs typeface="Courier New"/>
+              </a:rPr>
+              <a:t> </a:t>
+            </a:r>
+            <a:r>
+              <a:rPr lang="en-GB" b="1" dirty="0" smtClean="0">
+                <a:solidFill>
+                  <a:srgbClr val="000000"/>
+                </a:solidFill>
+                <a:latin typeface="Courier New"/>
+                <a:cs typeface="Courier New"/>
+              </a:rPr>
+              <a:t> </a:t>
+            </a:r>
+            <a:r>
+              <a:rPr lang="en-GB" b="1" i="1" dirty="0" err="1" smtClean="0">
+                <a:solidFill>
                   <a:srgbClr val="3366FF"/>
                 </a:solidFill>
                 <a:latin typeface="Courier New"/>
                 <a:cs typeface="Courier New"/>
               </a:rPr>
+              <a:t>int</a:t>
+            </a:r>
+            <a:r>
+              <a:rPr lang="en-GB" b="1" dirty="0" smtClean="0">
+                <a:solidFill>
+                  <a:srgbClr val="3366FF"/>
+                </a:solidFill>
+                <a:latin typeface="Courier New"/>
+                <a:cs typeface="Courier New"/>
+              </a:rPr>
               <a:t> </a:t>
             </a:r>
             <a:r>
               <a:rPr lang="en-GB" b="1" dirty="0" smtClean="0">
                 <a:solidFill>
+                  <a:srgbClr val="000000"/>
+                </a:solidFill>
+                <a:latin typeface="Courier New"/>
+                <a:cs typeface="Courier New"/>
+              </a:rPr>
+              <a:t>y = </a:t>
+            </a:r>
+            <a:r>
+              <a:rPr lang="en-GB" b="1" dirty="0" err="1" smtClean="0">
+                <a:solidFill>
                   <a:srgbClr val="3366FF"/>
                 </a:solidFill>
                 <a:latin typeface="Courier New"/>
                 <a:cs typeface="Courier New"/>
               </a:rPr>
-              <a:t> </a:t>
-            </a:r>
-            <a:r>
-              <a:rPr lang="en-GB" b="1" dirty="0" err="1" smtClean="0">
-                <a:solidFill>
-                  <a:srgbClr val="3366FF"/>
-                </a:solidFill>
-                <a:latin typeface="Courier New"/>
-                <a:cs typeface="Courier New"/>
-              </a:rPr>
-              <a:t>int</a:t>
+              <a:t>get_global_id</a:t>
             </a:r>
             <a:r>
               <a:rPr lang="en-GB" b="1" dirty="0" smtClean="0">
                 <a:solidFill>
-                  <a:srgbClr val="3366FF"/>
-                </a:solidFill>
-                <a:latin typeface="Courier New"/>
-                <a:cs typeface="Courier New"/>
-              </a:rPr>
-              <a:t> y = </a:t>
-            </a:r>
-            <a:r>
-              <a:rPr lang="en-GB" b="1" dirty="0" err="1" smtClean="0">
-                <a:solidFill>
-                  <a:srgbClr val="3366FF"/>
-                </a:solidFill>
-                <a:latin typeface="Courier New"/>
-                <a:cs typeface="Courier New"/>
-              </a:rPr>
-              <a:t>get_global_id</a:t>
+                  <a:srgbClr val="000000"/>
+                </a:solidFill>
+                <a:latin typeface="Courier New"/>
+                <a:cs typeface="Courier New"/>
+              </a:rPr>
+              <a:t>(</a:t>
             </a:r>
             <a:r>
               <a:rPr lang="en-GB" b="1" dirty="0" smtClean="0">
                 <a:solidFill>
-                  <a:srgbClr val="3366FF"/>
-                </a:solidFill>
-                <a:latin typeface="Courier New"/>
-                <a:cs typeface="Courier New"/>
-              </a:rPr>
-              <a:t>(1);</a:t>
+                  <a:srgbClr val="FF00FF"/>
+                </a:solidFill>
+                <a:latin typeface="Courier New"/>
+                <a:cs typeface="Courier New"/>
+              </a:rPr>
+              <a:t>1</a:t>
+            </a:r>
+            <a:r>
+              <a:rPr lang="en-GB" b="1" dirty="0" smtClean="0">
+                <a:solidFill>
+                  <a:srgbClr val="000000"/>
+                </a:solidFill>
+                <a:latin typeface="Courier New"/>
+                <a:cs typeface="Courier New"/>
+              </a:rPr>
+              <a:t>);</a:t>
             </a:r>
           </a:p>
           <a:p>
@@ -47236,7 +48231,7 @@
             </a:pPr>
             <a:endParaRPr lang="en-GB" b="1" dirty="0">
               <a:solidFill>
-                <a:srgbClr val="3366FF"/>
+                <a:srgbClr val="000000"/>
               </a:solidFill>
               <a:latin typeface="Courier New"/>
               <a:cs typeface="Courier New"/>
@@ -47249,12 +48244,22 @@
             <a:r>
               <a:rPr lang="en-GB" b="1" dirty="0" smtClean="0">
                 <a:solidFill>
-                  <a:srgbClr val="3366FF"/>
-                </a:solidFill>
-                <a:latin typeface="Courier New"/>
-                <a:cs typeface="Courier New"/>
-              </a:rPr>
-              <a:t>  // Read a normalized pixel value</a:t>
+                  <a:srgbClr val="000000"/>
+                </a:solidFill>
+                <a:latin typeface="Courier New"/>
+                <a:cs typeface="Courier New"/>
+              </a:rPr>
+              <a:t>  </a:t>
+            </a:r>
+            <a:r>
+              <a:rPr lang="en-GB" b="1" dirty="0" smtClean="0">
+                <a:solidFill>
+                  <a:srgbClr val="008000"/>
+                </a:solidFill>
+                <a:latin typeface="Courier New"/>
+                <a:cs typeface="Courier New"/>
+              </a:rPr>
+              <a:t>// Read a normalized pixel value</a:t>
             </a:r>
           </a:p>
           <a:p>
@@ -47264,57 +48269,77 @@
             <a:r>
               <a:rPr lang="en-GB" b="1" dirty="0">
                 <a:solidFill>
+                  <a:srgbClr val="000000"/>
+                </a:solidFill>
+                <a:latin typeface="Courier New"/>
+                <a:cs typeface="Courier New"/>
+              </a:rPr>
+              <a:t> </a:t>
+            </a:r>
+            <a:r>
+              <a:rPr lang="en-GB" b="1" dirty="0" smtClean="0">
+                <a:solidFill>
+                  <a:srgbClr val="000000"/>
+                </a:solidFill>
+                <a:latin typeface="Courier New"/>
+                <a:cs typeface="Courier New"/>
+              </a:rPr>
+              <a:t> </a:t>
+            </a:r>
+            <a:r>
+              <a:rPr lang="en-GB" b="1" i="1" dirty="0" smtClean="0">
+                <a:solidFill>
                   <a:srgbClr val="3366FF"/>
                 </a:solidFill>
                 <a:latin typeface="Courier New"/>
                 <a:cs typeface="Courier New"/>
               </a:rPr>
+              <a:t>float4</a:t>
+            </a:r>
+            <a:r>
+              <a:rPr lang="en-GB" b="1" dirty="0" smtClean="0">
+                <a:solidFill>
+                  <a:srgbClr val="3366FF"/>
+                </a:solidFill>
+                <a:latin typeface="Courier New"/>
+                <a:cs typeface="Courier New"/>
+              </a:rPr>
               <a:t> </a:t>
             </a:r>
             <a:r>
+              <a:rPr lang="en-GB" b="1" dirty="0" err="1" smtClean="0">
+                <a:solidFill>
+                  <a:srgbClr val="000000"/>
+                </a:solidFill>
+                <a:latin typeface="Courier New"/>
+                <a:cs typeface="Courier New"/>
+              </a:rPr>
+              <a:t>color</a:t>
+            </a:r>
+            <a:r>
               <a:rPr lang="en-GB" b="1" dirty="0" smtClean="0">
                 <a:solidFill>
+                  <a:srgbClr val="000000"/>
+                </a:solidFill>
+                <a:latin typeface="Courier New"/>
+                <a:cs typeface="Courier New"/>
+              </a:rPr>
+              <a:t> = </a:t>
+            </a:r>
+            <a:r>
+              <a:rPr lang="en-GB" b="1" dirty="0" err="1" smtClean="0">
+                <a:solidFill>
                   <a:srgbClr val="3366FF"/>
                 </a:solidFill>
                 <a:latin typeface="Courier New"/>
                 <a:cs typeface="Courier New"/>
               </a:rPr>
-              <a:t> float4 </a:t>
-            </a:r>
-            <a:r>
-              <a:rPr lang="en-GB" b="1" dirty="0" err="1" smtClean="0">
-                <a:solidFill>
-                  <a:srgbClr val="3366FF"/>
-                </a:solidFill>
-                <a:latin typeface="Courier New"/>
-                <a:cs typeface="Courier New"/>
-              </a:rPr>
-              <a:t>color</a:t>
+              <a:t>read_imagef</a:t>
             </a:r>
             <a:r>
               <a:rPr lang="en-GB" b="1" dirty="0" smtClean="0">
                 <a:solidFill>
-                  <a:srgbClr val="3366FF"/>
-                </a:solidFill>
-                <a:latin typeface="Courier New"/>
-                <a:cs typeface="Courier New"/>
-              </a:rPr>
-              <a:t> = </a:t>
-            </a:r>
-            <a:r>
-              <a:rPr lang="en-GB" b="1" dirty="0" err="1" smtClean="0">
-                <a:solidFill>
-                  <a:srgbClr val="3366FF"/>
-                </a:solidFill>
-                <a:latin typeface="Courier New"/>
-                <a:cs typeface="Courier New"/>
-              </a:rPr>
-              <a:t>read_imagef</a:t>
-            </a:r>
-            <a:r>
-              <a:rPr lang="en-GB" b="1" dirty="0" smtClean="0">
-                <a:solidFill>
-                  <a:srgbClr val="3366FF"/>
+                  <a:srgbClr val="000000"/>
                 </a:solidFill>
                 <a:latin typeface="Courier New"/>
                 <a:cs typeface="Courier New"/>
@@ -47329,7 +48354,7 @@
             <a:r>
               <a:rPr lang="en-GB" b="1" dirty="0">
                 <a:solidFill>
-                  <a:srgbClr val="3366FF"/>
+                  <a:srgbClr val="000000"/>
                 </a:solidFill>
                 <a:latin typeface="Courier New"/>
                 <a:cs typeface="Courier New"/>
@@ -47339,7 +48364,7 @@
             <a:r>
               <a:rPr lang="en-GB" b="1" dirty="0" smtClean="0">
                 <a:solidFill>
-                  <a:srgbClr val="3366FF"/>
+                  <a:srgbClr val="000000"/>
                 </a:solidFill>
                 <a:latin typeface="Courier New"/>
                 <a:cs typeface="Courier New"/>
@@ -47354,22 +48379,42 @@
             <a:r>
               <a:rPr lang="en-GB" b="1" dirty="0">
                 <a:solidFill>
+                  <a:srgbClr val="000000"/>
+                </a:solidFill>
+                <a:latin typeface="Courier New"/>
+                <a:cs typeface="Courier New"/>
+              </a:rPr>
+              <a:t> </a:t>
+            </a:r>
+            <a:r>
+              <a:rPr lang="en-GB" b="1" dirty="0" smtClean="0">
+                <a:solidFill>
+                  <a:srgbClr val="000000"/>
+                </a:solidFill>
+                <a:latin typeface="Courier New"/>
+                <a:cs typeface="Courier New"/>
+              </a:rPr>
+              <a:t>   (</a:t>
+            </a:r>
+            <a:r>
+              <a:rPr lang="en-GB" b="1" i="1" dirty="0" smtClean="0">
+                <a:solidFill>
                   <a:srgbClr val="3366FF"/>
                 </a:solidFill>
                 <a:latin typeface="Courier New"/>
                 <a:cs typeface="Courier New"/>
               </a:rPr>
-              <a:t> </a:t>
+              <a:t>int2</a:t>
             </a:r>
             <a:r>
               <a:rPr lang="en-GB" b="1" dirty="0" smtClean="0">
                 <a:solidFill>
-                  <a:srgbClr val="3366FF"/>
-                </a:solidFill>
-                <a:latin typeface="Courier New"/>
-                <a:cs typeface="Courier New"/>
-              </a:rPr>
-              <a:t>   (int2)(x, y)</a:t>
+                  <a:srgbClr val="000000"/>
+                </a:solidFill>
+                <a:latin typeface="Courier New"/>
+                <a:cs typeface="Courier New"/>
+              </a:rPr>
+              <a:t>)(x, y)</a:t>
             </a:r>
           </a:p>
           <a:p>
@@ -47379,7 +48424,7 @@
             <a:r>
               <a:rPr lang="en-GB" b="1" dirty="0">
                 <a:solidFill>
-                  <a:srgbClr val="3366FF"/>
+                  <a:srgbClr val="000000"/>
                 </a:solidFill>
                 <a:latin typeface="Courier New"/>
                 <a:cs typeface="Courier New"/>
@@ -47389,7 +48434,7 @@
             <a:r>
               <a:rPr lang="en-GB" b="1" dirty="0" smtClean="0">
                 <a:solidFill>
-                  <a:srgbClr val="3366FF"/>
+                  <a:srgbClr val="000000"/>
                 </a:solidFill>
                 <a:latin typeface="Courier New"/>
                 <a:cs typeface="Courier New"/>
@@ -47403,7 +48448,7 @@
             </a:pPr>
             <a:endParaRPr lang="en-GB" b="1" dirty="0" smtClean="0">
               <a:solidFill>
-                <a:srgbClr val="3366FF"/>
+                <a:srgbClr val="000000"/>
               </a:solidFill>
               <a:latin typeface="Courier New"/>
               <a:cs typeface="Courier New"/>
@@ -47416,7 +48461,7 @@
             <a:r>
               <a:rPr lang="en-GB" b="1" dirty="0">
                 <a:solidFill>
-                  <a:srgbClr val="3366FF"/>
+                  <a:srgbClr val="000000"/>
                 </a:solidFill>
                 <a:latin typeface="Courier New"/>
                 <a:cs typeface="Courier New"/>
@@ -47426,7 +48471,7 @@
             <a:r>
               <a:rPr lang="en-GB" b="1" dirty="0" smtClean="0">
                 <a:solidFill>
-                  <a:srgbClr val="3366FF"/>
+                  <a:srgbClr val="000000"/>
                 </a:solidFill>
                 <a:latin typeface="Courier New"/>
                 <a:cs typeface="Courier New"/>
@@ -47440,7 +48485,7 @@
             </a:pPr>
             <a:endParaRPr lang="en-GB" b="1" dirty="0">
               <a:solidFill>
-                <a:srgbClr val="3366FF"/>
+                <a:srgbClr val="000000"/>
               </a:solidFill>
               <a:latin typeface="Courier New"/>
               <a:cs typeface="Courier New"/>
@@ -47453,12 +48498,22 @@
             <a:r>
               <a:rPr lang="en-GB" b="1" dirty="0" smtClean="0">
                 <a:solidFill>
-                  <a:srgbClr val="3366FF"/>
-                </a:solidFill>
-                <a:latin typeface="Courier New"/>
-                <a:cs typeface="Courier New"/>
-              </a:rPr>
-              <a:t>  // Write a normalized pixel value</a:t>
+                  <a:srgbClr val="000000"/>
+                </a:solidFill>
+                <a:latin typeface="Courier New"/>
+                <a:cs typeface="Courier New"/>
+              </a:rPr>
+              <a:t>  </a:t>
+            </a:r>
+            <a:r>
+              <a:rPr lang="en-GB" b="1" dirty="0" smtClean="0">
+                <a:solidFill>
+                  <a:srgbClr val="008000"/>
+                </a:solidFill>
+                <a:latin typeface="Courier New"/>
+                <a:cs typeface="Courier New"/>
+              </a:rPr>
+              <a:t>// Write a normalized pixel value</a:t>
             </a:r>
           </a:p>
           <a:p>
@@ -47468,37 +48523,37 @@
             <a:r>
               <a:rPr lang="en-GB" b="1" dirty="0">
                 <a:solidFill>
+                  <a:srgbClr val="000000"/>
+                </a:solidFill>
+                <a:latin typeface="Courier New"/>
+                <a:cs typeface="Courier New"/>
+              </a:rPr>
+              <a:t> </a:t>
+            </a:r>
+            <a:r>
+              <a:rPr lang="en-GB" b="1" dirty="0" smtClean="0">
+                <a:solidFill>
+                  <a:srgbClr val="000000"/>
+                </a:solidFill>
+                <a:latin typeface="Courier New"/>
+                <a:cs typeface="Courier New"/>
+              </a:rPr>
+              <a:t> </a:t>
+            </a:r>
+            <a:r>
+              <a:rPr lang="en-GB" b="1" dirty="0" err="1" smtClean="0">
+                <a:solidFill>
                   <a:srgbClr val="3366FF"/>
                 </a:solidFill>
                 <a:latin typeface="Courier New"/>
                 <a:cs typeface="Courier New"/>
               </a:rPr>
-              <a:t> </a:t>
+              <a:t>write_imagef</a:t>
             </a:r>
             <a:r>
               <a:rPr lang="en-GB" b="1" dirty="0" smtClean="0">
                 <a:solidFill>
-                  <a:srgbClr val="3366FF"/>
-                </a:solidFill>
-                <a:latin typeface="Courier New"/>
-                <a:cs typeface="Courier New"/>
-              </a:rPr>
-              <a:t> </a:t>
-            </a:r>
-            <a:r>
-              <a:rPr lang="en-GB" b="1" dirty="0" err="1" smtClean="0">
-                <a:solidFill>
-                  <a:srgbClr val="3366FF"/>
-                </a:solidFill>
-                <a:latin typeface="Courier New"/>
-                <a:cs typeface="Courier New"/>
-              </a:rPr>
-              <a:t>write_imagef</a:t>
-            </a:r>
-            <a:r>
-              <a:rPr lang="en-GB" b="1" dirty="0" smtClean="0">
-                <a:solidFill>
-                  <a:srgbClr val="3366FF"/>
+                  <a:srgbClr val="000000"/>
                 </a:solidFill>
                 <a:latin typeface="Courier New"/>
                 <a:cs typeface="Courier New"/>
@@ -47513,7 +48568,7 @@
             <a:r>
               <a:rPr lang="en-GB" b="1" dirty="0">
                 <a:solidFill>
-                  <a:srgbClr val="3366FF"/>
+                  <a:srgbClr val="000000"/>
                 </a:solidFill>
                 <a:latin typeface="Courier New"/>
                 <a:cs typeface="Courier New"/>
@@ -47523,7 +48578,7 @@
             <a:r>
               <a:rPr lang="en-GB" b="1" dirty="0" smtClean="0">
                 <a:solidFill>
-                  <a:srgbClr val="3366FF"/>
+                  <a:srgbClr val="000000"/>
                 </a:solidFill>
                 <a:latin typeface="Courier New"/>
                 <a:cs typeface="Courier New"/>
@@ -47538,22 +48593,42 @@
             <a:r>
               <a:rPr lang="en-GB" b="1" dirty="0">
                 <a:solidFill>
+                  <a:srgbClr val="000000"/>
+                </a:solidFill>
+                <a:latin typeface="Courier New"/>
+                <a:cs typeface="Courier New"/>
+              </a:rPr>
+              <a:t> </a:t>
+            </a:r>
+            <a:r>
+              <a:rPr lang="en-GB" b="1" dirty="0" smtClean="0">
+                <a:solidFill>
+                  <a:srgbClr val="000000"/>
+                </a:solidFill>
+                <a:latin typeface="Courier New"/>
+                <a:cs typeface="Courier New"/>
+              </a:rPr>
+              <a:t>   (</a:t>
+            </a:r>
+            <a:r>
+              <a:rPr lang="en-GB" b="1" i="1" dirty="0" smtClean="0">
+                <a:solidFill>
                   <a:srgbClr val="3366FF"/>
                 </a:solidFill>
                 <a:latin typeface="Courier New"/>
                 <a:cs typeface="Courier New"/>
               </a:rPr>
-              <a:t> </a:t>
+              <a:t>int2</a:t>
             </a:r>
             <a:r>
               <a:rPr lang="en-GB" b="1" dirty="0" smtClean="0">
                 <a:solidFill>
-                  <a:srgbClr val="3366FF"/>
-                </a:solidFill>
-                <a:latin typeface="Courier New"/>
-                <a:cs typeface="Courier New"/>
-              </a:rPr>
-              <a:t>   (int2)(x, y),</a:t>
+                  <a:srgbClr val="000000"/>
+                </a:solidFill>
+                <a:latin typeface="Courier New"/>
+                <a:cs typeface="Courier New"/>
+              </a:rPr>
+              <a:t>)(x, y),</a:t>
             </a:r>
           </a:p>
           <a:p>
@@ -47563,7 +48638,7 @@
             <a:r>
               <a:rPr lang="en-GB" b="1" dirty="0" smtClean="0">
                 <a:solidFill>
-                  <a:srgbClr val="3366FF"/>
+                  <a:srgbClr val="000000"/>
                 </a:solidFill>
                 <a:latin typeface="Courier New"/>
                 <a:cs typeface="Courier New"/>
@@ -47573,7 +48648,7 @@
             <a:r>
               <a:rPr lang="en-GB" b="1" dirty="0" err="1" smtClean="0">
                 <a:solidFill>
-                  <a:srgbClr val="3366FF"/>
+                  <a:srgbClr val="000000"/>
                 </a:solidFill>
                 <a:latin typeface="Courier New"/>
                 <a:cs typeface="Courier New"/>
@@ -47582,7 +48657,7 @@
             </a:r>
             <a:endParaRPr lang="en-GB" b="1" dirty="0" smtClean="0">
               <a:solidFill>
-                <a:srgbClr val="3366FF"/>
+                <a:srgbClr val="000000"/>
               </a:solidFill>
               <a:latin typeface="Courier New"/>
               <a:cs typeface="Courier New"/>
@@ -47595,7 +48670,7 @@
             <a:r>
               <a:rPr lang="en-GB" b="1" dirty="0">
                 <a:solidFill>
-                  <a:srgbClr val="3366FF"/>
+                  <a:srgbClr val="000000"/>
                 </a:solidFill>
                 <a:latin typeface="Courier New"/>
                 <a:cs typeface="Courier New"/>
@@ -47605,7 +48680,7 @@
             <a:r>
               <a:rPr lang="en-GB" b="1" dirty="0" smtClean="0">
                 <a:solidFill>
-                  <a:srgbClr val="3366FF"/>
+                  <a:srgbClr val="000000"/>
                 </a:solidFill>
                 <a:latin typeface="Courier New"/>
                 <a:cs typeface="Courier New"/>
@@ -47620,7 +48695,7 @@
             <a:r>
               <a:rPr lang="en-GB" b="1" dirty="0" smtClean="0">
                 <a:solidFill>
-                  <a:srgbClr val="3366FF"/>
+                  <a:srgbClr val="000000"/>
                 </a:solidFill>
                 <a:latin typeface="Courier New"/>
                 <a:cs typeface="Courier New"/>
@@ -47629,7 +48704,7 @@
             </a:r>
             <a:endParaRPr lang="en-GB" b="1" dirty="0">
               <a:solidFill>
-                <a:srgbClr val="3366FF"/>
+                <a:srgbClr val="000000"/>
               </a:solidFill>
               <a:latin typeface="Courier New"/>
               <a:cs typeface="Courier New"/>
@@ -47971,11 +49046,11 @@
   <p:clrMapOvr>
     <a:masterClrMapping/>
   </p:clrMapOvr>
-  <mc:AlternateContent xmlns:mc="http://schemas.openxmlformats.org/markup-compatibility/2006">
-    <mc:Choice xmlns:p14="http://schemas.microsoft.com/office/powerpoint/2010/main" Requires="p14">
+  <mc:AlternateContent xmlns:mc="http://schemas.openxmlformats.org/markup-compatibility/2006" xmlns:p14="http://schemas.microsoft.com/office/powerpoint/2010/main">
+    <mc:Choice Requires="p14">
       <p:transition spd="slow" p14:dur="2000"/>
     </mc:Choice>
-    <mc:Fallback>
+    <mc:Fallback xmlns="">
       <p:transition xmlns:p14="http://schemas.microsoft.com/office/powerpoint/2010/main" spd="slow"/>
     </mc:Fallback>
   </mc:AlternateContent>
@@ -48052,7 +49127,7 @@
             <a:r>
               <a:rPr lang="en-GB" b="1" dirty="0" smtClean="0">
                 <a:solidFill>
-                  <a:srgbClr val="3366FF"/>
+                  <a:srgbClr val="008000"/>
                 </a:solidFill>
                 <a:latin typeface="Courier New"/>
                 <a:cs typeface="Courier New"/>
@@ -48067,12 +49142,32 @@
             <a:r>
               <a:rPr lang="en-GB" b="1" dirty="0" smtClean="0">
                 <a:solidFill>
-                  <a:srgbClr val="3366FF"/>
-                </a:solidFill>
-                <a:latin typeface="Courier New"/>
-                <a:cs typeface="Courier New"/>
-              </a:rPr>
-              <a:t>cl::Sampler sampler(</a:t>
+                  <a:srgbClr val="000000"/>
+                </a:solidFill>
+                <a:latin typeface="Courier New"/>
+                <a:cs typeface="Courier New"/>
+              </a:rPr>
+              <a:t>cl::Sampler </a:t>
+            </a:r>
+            <a:r>
+              <a:rPr lang="en-GB" b="1" dirty="0" smtClean="0">
+                <a:solidFill>
+                  <a:schemeClr val="accent4"/>
+                </a:solidFill>
+                <a:latin typeface="Courier New"/>
+                <a:cs typeface="Courier New"/>
+              </a:rPr>
+              <a:t>sampler</a:t>
+            </a:r>
+            <a:r>
+              <a:rPr lang="en-GB" b="1" dirty="0" smtClean="0">
+                <a:solidFill>
+                  <a:srgbClr val="000000"/>
+                </a:solidFill>
+                <a:latin typeface="Courier New"/>
+                <a:cs typeface="Courier New"/>
+              </a:rPr>
+              <a:t>(</a:t>
             </a:r>
           </a:p>
           <a:p>
@@ -48082,7 +49177,7 @@
             <a:r>
               <a:rPr lang="en-GB" b="1" dirty="0">
                 <a:solidFill>
-                  <a:srgbClr val="3366FF"/>
+                  <a:srgbClr val="000000"/>
                 </a:solidFill>
                 <a:latin typeface="Courier New"/>
                 <a:cs typeface="Courier New"/>
@@ -48092,12 +49187,22 @@
             <a:r>
               <a:rPr lang="en-GB" b="1" dirty="0" smtClean="0">
                 <a:solidFill>
-                  <a:srgbClr val="3366FF"/>
-                </a:solidFill>
-                <a:latin typeface="Courier New"/>
-                <a:cs typeface="Courier New"/>
-              </a:rPr>
-              <a:t> context,           // context objects</a:t>
+                  <a:srgbClr val="000000"/>
+                </a:solidFill>
+                <a:latin typeface="Courier New"/>
+                <a:cs typeface="Courier New"/>
+              </a:rPr>
+              <a:t> context,           </a:t>
+            </a:r>
+            <a:r>
+              <a:rPr lang="en-GB" b="1" dirty="0" smtClean="0">
+                <a:solidFill>
+                  <a:srgbClr val="008000"/>
+                </a:solidFill>
+                <a:latin typeface="Courier New"/>
+                <a:cs typeface="Courier New"/>
+              </a:rPr>
+              <a:t>// context objects</a:t>
             </a:r>
           </a:p>
           <a:p>
@@ -48107,7 +49212,7 @@
             <a:r>
               <a:rPr lang="en-GB" b="1" dirty="0">
                 <a:solidFill>
-                  <a:srgbClr val="3366FF"/>
+                  <a:srgbClr val="000000"/>
                 </a:solidFill>
                 <a:latin typeface="Courier New"/>
                 <a:cs typeface="Courier New"/>
@@ -48117,12 +49222,22 @@
             <a:r>
               <a:rPr lang="en-GB" b="1" dirty="0" smtClean="0">
                 <a:solidFill>
-                  <a:srgbClr val="3366FF"/>
-                </a:solidFill>
-                <a:latin typeface="Courier New"/>
-                <a:cs typeface="Courier New"/>
-              </a:rPr>
-              <a:t> CL_FALSE,          // normalized coordinates</a:t>
+                  <a:srgbClr val="000000"/>
+                </a:solidFill>
+                <a:latin typeface="Courier New"/>
+                <a:cs typeface="Courier New"/>
+              </a:rPr>
+              <a:t> CL_FALSE,          </a:t>
+            </a:r>
+            <a:r>
+              <a:rPr lang="en-GB" b="1" dirty="0" smtClean="0">
+                <a:solidFill>
+                  <a:srgbClr val="008000"/>
+                </a:solidFill>
+                <a:latin typeface="Courier New"/>
+                <a:cs typeface="Courier New"/>
+              </a:rPr>
+              <a:t>// normalized coordinates</a:t>
             </a:r>
           </a:p>
           <a:p>
@@ -48132,12 +49247,22 @@
             <a:r>
               <a:rPr lang="en-GB" b="1" dirty="0" smtClean="0">
                 <a:solidFill>
-                  <a:srgbClr val="3366FF"/>
-                </a:solidFill>
-                <a:latin typeface="Courier New"/>
-                <a:cs typeface="Courier New"/>
-              </a:rPr>
-              <a:t>  CL_ADDRESS_REPEAT, // addressing mode</a:t>
+                  <a:srgbClr val="000000"/>
+                </a:solidFill>
+                <a:latin typeface="Courier New"/>
+                <a:cs typeface="Courier New"/>
+              </a:rPr>
+              <a:t>  CL_ADDRESS_REPEAT, </a:t>
+            </a:r>
+            <a:r>
+              <a:rPr lang="en-GB" b="1" dirty="0" smtClean="0">
+                <a:solidFill>
+                  <a:srgbClr val="008000"/>
+                </a:solidFill>
+                <a:latin typeface="Courier New"/>
+                <a:cs typeface="Courier New"/>
+              </a:rPr>
+              <a:t>// addressing mode</a:t>
             </a:r>
           </a:p>
           <a:p>
@@ -48147,7 +49272,7 @@
             <a:r>
               <a:rPr lang="en-GB" b="1" dirty="0">
                 <a:solidFill>
-                  <a:srgbClr val="3366FF"/>
+                  <a:srgbClr val="000000"/>
                 </a:solidFill>
                 <a:latin typeface="Courier New"/>
                 <a:cs typeface="Courier New"/>
@@ -48157,12 +49282,22 @@
             <a:r>
               <a:rPr lang="en-GB" b="1" dirty="0" smtClean="0">
                 <a:solidFill>
-                  <a:srgbClr val="3366FF"/>
-                </a:solidFill>
-                <a:latin typeface="Courier New"/>
-                <a:cs typeface="Courier New"/>
-              </a:rPr>
-              <a:t> CL_FILTER_NEAREST, // filtering mode</a:t>
+                  <a:srgbClr val="000000"/>
+                </a:solidFill>
+                <a:latin typeface="Courier New"/>
+                <a:cs typeface="Courier New"/>
+              </a:rPr>
+              <a:t> CL_FILTER_NEAREST, </a:t>
+            </a:r>
+            <a:r>
+              <a:rPr lang="en-GB" b="1" dirty="0" smtClean="0">
+                <a:solidFill>
+                  <a:srgbClr val="008000"/>
+                </a:solidFill>
+                <a:latin typeface="Courier New"/>
+                <a:cs typeface="Courier New"/>
+              </a:rPr>
+              <a:t>// filtering mode</a:t>
             </a:r>
           </a:p>
           <a:p>
@@ -48172,7 +49307,7 @@
             <a:r>
               <a:rPr lang="en-GB" b="1" dirty="0" smtClean="0">
                 <a:solidFill>
-                  <a:srgbClr val="3366FF"/>
+                  <a:srgbClr val="000000"/>
                 </a:solidFill>
                 <a:latin typeface="Courier New"/>
                 <a:cs typeface="Courier New"/>
@@ -48186,7 +49321,7 @@
             </a:pPr>
             <a:endParaRPr lang="en-GB" b="1" dirty="0" smtClean="0">
               <a:solidFill>
-                <a:srgbClr val="3366FF"/>
+                <a:srgbClr val="000000"/>
               </a:solidFill>
               <a:latin typeface="Courier New"/>
               <a:cs typeface="Courier New"/>
@@ -48199,7 +49334,7 @@
             <a:r>
               <a:rPr lang="en-GB" b="1" dirty="0" smtClean="0">
                 <a:solidFill>
-                  <a:srgbClr val="3366FF"/>
+                  <a:srgbClr val="008000"/>
                 </a:solidFill>
                 <a:latin typeface="Courier New"/>
                 <a:cs typeface="Courier New"/>
@@ -48208,7 +49343,7 @@
             </a:r>
             <a:endParaRPr lang="en-GB" b="1" dirty="0">
               <a:solidFill>
-                <a:srgbClr val="3366FF"/>
+                <a:srgbClr val="008000"/>
               </a:solidFill>
               <a:latin typeface="Courier New"/>
               <a:cs typeface="Courier New"/>
@@ -48231,51 +49366,61 @@
             <a:r>
               <a:rPr lang="en-GB" b="1" dirty="0">
                 <a:solidFill>
-                  <a:srgbClr val="3366FF"/>
+                  <a:srgbClr val="000000"/>
                 </a:solidFill>
                 <a:latin typeface="Courier New" panose="02070309020205020404" pitchFamily="49" charset="0"/>
                 <a:cs typeface="Courier New" panose="02070309020205020404" pitchFamily="49" charset="0"/>
               </a:rPr>
-              <a:t>(cl::</a:t>
-            </a:r>
-            <a:r>
-              <a:rPr lang="en-GB" b="1" dirty="0" err="1">
+              <a:t>(</a:t>
+            </a:r>
+            <a:r>
+              <a:rPr lang="en-GB" b="1" dirty="0">
                 <a:solidFill>
                   <a:srgbClr val="3366FF"/>
                 </a:solidFill>
                 <a:latin typeface="Courier New" panose="02070309020205020404" pitchFamily="49" charset="0"/>
                 <a:cs typeface="Courier New" panose="02070309020205020404" pitchFamily="49" charset="0"/>
               </a:rPr>
-              <a:t>EnqueueArgs</a:t>
-            </a:r>
-            <a:r>
-              <a:rPr lang="en-GB" b="1" dirty="0">
+              <a:t>cl::</a:t>
+            </a:r>
+            <a:r>
+              <a:rPr lang="en-GB" b="1" dirty="0" err="1">
                 <a:solidFill>
                   <a:srgbClr val="3366FF"/>
                 </a:solidFill>
                 <a:latin typeface="Courier New" panose="02070309020205020404" pitchFamily="49" charset="0"/>
                 <a:cs typeface="Courier New" panose="02070309020205020404" pitchFamily="49" charset="0"/>
               </a:rPr>
-              <a:t>(queue, global), </a:t>
-            </a:r>
-            <a:r>
-              <a:rPr lang="en-GB" b="1" dirty="0" smtClean="0">
-                <a:solidFill>
-                  <a:srgbClr val="3366FF"/>
+              <a:t>EnqueueArgs</a:t>
+            </a:r>
+            <a:r>
+              <a:rPr lang="en-GB" b="1" dirty="0">
+                <a:solidFill>
+                  <a:srgbClr val="000000"/>
                 </a:solidFill>
                 <a:latin typeface="Courier New" panose="02070309020205020404" pitchFamily="49" charset="0"/>
                 <a:cs typeface="Courier New" panose="02070309020205020404" pitchFamily="49" charset="0"/>
               </a:rPr>
-              <a:t>…, sampler, …)</a:t>
-            </a:r>
-            <a:r>
-              <a:rPr lang="en-GB" b="1" dirty="0">
-                <a:solidFill>
-                  <a:srgbClr val="3366FF"/>
+              <a:t>(queue, global), </a:t>
+            </a:r>
+            <a:r>
+              <a:rPr lang="en-GB" b="1" dirty="0" smtClean="0">
+                <a:solidFill>
+                  <a:srgbClr val="000000"/>
                 </a:solidFill>
                 <a:latin typeface="Courier New" panose="02070309020205020404" pitchFamily="49" charset="0"/>
                 <a:cs typeface="Courier New" panose="02070309020205020404" pitchFamily="49" charset="0"/>
               </a:rPr>
+              <a:t>…, sampler, …)</a:t>
+            </a:r>
+            <a:r>
+              <a:rPr lang="en-GB" b="1" dirty="0">
+                <a:solidFill>
+                  <a:srgbClr val="000000"/>
+                </a:solidFill>
+                <a:latin typeface="Courier New" panose="02070309020205020404" pitchFamily="49" charset="0"/>
+                <a:cs typeface="Courier New" panose="02070309020205020404" pitchFamily="49" charset="0"/>
+              </a:rPr>
               <a:t>;</a:t>
             </a:r>
           </a:p>
@@ -48285,7 +49430,7 @@
             </a:pPr>
             <a:endParaRPr lang="en-GB" b="1" dirty="0" smtClean="0">
               <a:solidFill>
-                <a:srgbClr val="3366FF"/>
+                <a:srgbClr val="000000"/>
               </a:solidFill>
               <a:latin typeface="Courier New"/>
               <a:cs typeface="Courier New"/>
@@ -48297,7 +49442,7 @@
             </a:pPr>
             <a:endParaRPr lang="en-GB" b="1" dirty="0" smtClean="0">
               <a:solidFill>
-                <a:srgbClr val="3366FF"/>
+                <a:srgbClr val="000000"/>
               </a:solidFill>
               <a:latin typeface="Courier New"/>
               <a:cs typeface="Courier New"/>
@@ -48310,22 +49455,62 @@
             <a:r>
               <a:rPr lang="en-GB" b="1" dirty="0" smtClean="0">
                 <a:solidFill>
+                  <a:schemeClr val="accent2"/>
+                </a:solidFill>
+                <a:latin typeface="Courier New"/>
+                <a:cs typeface="Courier New"/>
+              </a:rPr>
+              <a:t>kernel</a:t>
+            </a:r>
+            <a:r>
+              <a:rPr lang="en-GB" b="1" dirty="0" smtClean="0">
+                <a:solidFill>
+                  <a:srgbClr val="000000"/>
+                </a:solidFill>
+                <a:latin typeface="Courier New"/>
+                <a:cs typeface="Courier New"/>
+              </a:rPr>
+              <a:t> </a:t>
+            </a:r>
+            <a:r>
+              <a:rPr lang="en-GB" b="1" i="1" dirty="0">
+                <a:solidFill>
                   <a:srgbClr val="3366FF"/>
                 </a:solidFill>
                 <a:latin typeface="Courier New"/>
                 <a:cs typeface="Courier New"/>
               </a:rPr>
-              <a:t>kernel </a:t>
+              <a:t>void</a:t>
             </a:r>
             <a:r>
               <a:rPr lang="en-GB" b="1" dirty="0">
                 <a:solidFill>
-                  <a:srgbClr val="3366FF"/>
-                </a:solidFill>
-                <a:latin typeface="Courier New"/>
-                <a:cs typeface="Courier New"/>
-              </a:rPr>
-              <a:t>void foo(</a:t>
+                  <a:srgbClr val="000000"/>
+                </a:solidFill>
+                <a:latin typeface="Courier New"/>
+                <a:cs typeface="Courier New"/>
+              </a:rPr>
+              <a:t> </a:t>
+            </a:r>
+            <a:r>
+              <a:rPr lang="en-GB" b="1" dirty="0">
+                <a:solidFill>
+                  <a:schemeClr val="accent3"/>
+                </a:solidFill>
+                <a:latin typeface="Courier New"/>
+                <a:cs typeface="Courier New"/>
+              </a:rPr>
+              <a:t>foo</a:t>
+            </a:r>
+            <a:r>
+              <a:rPr lang="en-GB" b="1" dirty="0">
+                <a:solidFill>
+                  <a:srgbClr val="000000"/>
+                </a:solidFill>
+                <a:latin typeface="Courier New"/>
+                <a:cs typeface="Courier New"/>
+              </a:rPr>
+              <a:t>(</a:t>
             </a:r>
           </a:p>
           <a:p>
@@ -48335,32 +49520,52 @@
             <a:r>
               <a:rPr lang="en-GB" b="1" dirty="0">
                 <a:solidFill>
+                  <a:srgbClr val="000000"/>
+                </a:solidFill>
+                <a:latin typeface="Courier New"/>
+                <a:cs typeface="Courier New"/>
+              </a:rPr>
+              <a:t>  </a:t>
+            </a:r>
+            <a:r>
+              <a:rPr lang="en-GB" b="1" dirty="0" err="1">
+                <a:solidFill>
+                  <a:schemeClr val="accent2"/>
+                </a:solidFill>
+                <a:latin typeface="Courier New"/>
+                <a:cs typeface="Courier New"/>
+              </a:rPr>
+              <a:t>read_only</a:t>
+            </a:r>
+            <a:r>
+              <a:rPr lang="en-GB" b="1" dirty="0">
+                <a:solidFill>
+                  <a:srgbClr val="000000"/>
+                </a:solidFill>
+                <a:latin typeface="Courier New"/>
+                <a:cs typeface="Courier New"/>
+              </a:rPr>
+              <a:t> </a:t>
+            </a:r>
+            <a:r>
+              <a:rPr lang="en-GB" b="1" i="1" dirty="0">
+                <a:solidFill>
                   <a:srgbClr val="3366FF"/>
                 </a:solidFill>
                 <a:latin typeface="Courier New"/>
                 <a:cs typeface="Courier New"/>
               </a:rPr>
-              <a:t>  </a:t>
-            </a:r>
-            <a:r>
-              <a:rPr lang="en-GB" b="1" dirty="0" err="1">
-                <a:solidFill>
-                  <a:srgbClr val="3366FF"/>
-                </a:solidFill>
-                <a:latin typeface="Courier New"/>
-                <a:cs typeface="Courier New"/>
-              </a:rPr>
-              <a:t>read_only</a:t>
+              <a:t>image2d_t</a:t>
             </a:r>
             <a:r>
               <a:rPr lang="en-GB" b="1" dirty="0">
                 <a:solidFill>
-                  <a:srgbClr val="3366FF"/>
-                </a:solidFill>
-                <a:latin typeface="Courier New"/>
-                <a:cs typeface="Courier New"/>
-              </a:rPr>
-              <a:t> image2d_t input,</a:t>
+                  <a:srgbClr val="000000"/>
+                </a:solidFill>
+                <a:latin typeface="Courier New"/>
+                <a:cs typeface="Courier New"/>
+              </a:rPr>
+              <a:t> input,</a:t>
             </a:r>
           </a:p>
           <a:p>
@@ -48370,37 +49575,57 @@
             <a:r>
               <a:rPr lang="en-GB" b="1" dirty="0">
                 <a:solidFill>
+                  <a:srgbClr val="000000"/>
+                </a:solidFill>
+                <a:latin typeface="Courier New"/>
+                <a:cs typeface="Courier New"/>
+              </a:rPr>
+              <a:t>  </a:t>
+            </a:r>
+            <a:r>
+              <a:rPr lang="en-GB" b="1" dirty="0" err="1">
+                <a:solidFill>
+                  <a:schemeClr val="accent2"/>
+                </a:solidFill>
+                <a:latin typeface="Courier New"/>
+                <a:cs typeface="Courier New"/>
+              </a:rPr>
+              <a:t>write_only</a:t>
+            </a:r>
+            <a:r>
+              <a:rPr lang="en-GB" b="1" dirty="0">
+                <a:solidFill>
+                  <a:schemeClr val="accent2"/>
+                </a:solidFill>
+                <a:latin typeface="Courier New"/>
+                <a:cs typeface="Courier New"/>
+              </a:rPr>
+              <a:t> </a:t>
+            </a:r>
+            <a:r>
+              <a:rPr lang="en-GB" b="1" i="1" dirty="0">
+                <a:solidFill>
                   <a:srgbClr val="3366FF"/>
                 </a:solidFill>
                 <a:latin typeface="Courier New"/>
                 <a:cs typeface="Courier New"/>
               </a:rPr>
-              <a:t>  </a:t>
-            </a:r>
-            <a:r>
-              <a:rPr lang="en-GB" b="1" dirty="0" err="1">
-                <a:solidFill>
-                  <a:srgbClr val="3366FF"/>
-                </a:solidFill>
-                <a:latin typeface="Courier New"/>
-                <a:cs typeface="Courier New"/>
-              </a:rPr>
-              <a:t>write_only</a:t>
+              <a:t>image2d_t</a:t>
             </a:r>
             <a:r>
               <a:rPr lang="en-GB" b="1" dirty="0">
                 <a:solidFill>
-                  <a:srgbClr val="3366FF"/>
-                </a:solidFill>
-                <a:latin typeface="Courier New"/>
-                <a:cs typeface="Courier New"/>
-              </a:rPr>
-              <a:t> image2d_t </a:t>
+                  <a:srgbClr val="000000"/>
+                </a:solidFill>
+                <a:latin typeface="Courier New"/>
+                <a:cs typeface="Courier New"/>
+              </a:rPr>
+              <a:t> </a:t>
             </a:r>
             <a:r>
               <a:rPr lang="en-GB" b="1" dirty="0" smtClean="0">
                 <a:solidFill>
-                  <a:srgbClr val="3366FF"/>
+                  <a:srgbClr val="000000"/>
                 </a:solidFill>
                 <a:latin typeface="Courier New"/>
                 <a:cs typeface="Courier New"/>
@@ -48415,47 +49640,47 @@
             <a:r>
               <a:rPr lang="en-GB" b="1" dirty="0" smtClean="0">
                 <a:solidFill>
+                  <a:srgbClr val="000000"/>
+                </a:solidFill>
+                <a:latin typeface="Courier New"/>
+                <a:cs typeface="Courier New"/>
+              </a:rPr>
+              <a:t>  </a:t>
+            </a:r>
+            <a:r>
+              <a:rPr lang="en-GB" b="1" dirty="0" err="1" smtClean="0">
+                <a:solidFill>
+                  <a:schemeClr val="accent2"/>
+                </a:solidFill>
+                <a:latin typeface="Courier New"/>
+                <a:cs typeface="Courier New"/>
+              </a:rPr>
+              <a:t>const</a:t>
+            </a:r>
+            <a:r>
+              <a:rPr lang="en-GB" b="1" dirty="0" smtClean="0">
+                <a:solidFill>
+                  <a:schemeClr val="accent2"/>
+                </a:solidFill>
+                <a:latin typeface="Courier New"/>
+                <a:cs typeface="Courier New"/>
+              </a:rPr>
+              <a:t> </a:t>
+            </a:r>
+            <a:r>
+              <a:rPr lang="en-GB" b="1" i="1" dirty="0" err="1" smtClean="0">
+                <a:solidFill>
                   <a:srgbClr val="3366FF"/>
                 </a:solidFill>
                 <a:latin typeface="Courier New"/>
                 <a:cs typeface="Courier New"/>
               </a:rPr>
-              <a:t>  </a:t>
-            </a:r>
-            <a:r>
-              <a:rPr lang="en-GB" b="1" dirty="0" err="1" smtClean="0">
-                <a:solidFill>
-                  <a:srgbClr val="3366FF"/>
-                </a:solidFill>
-                <a:latin typeface="Courier New"/>
-                <a:cs typeface="Courier New"/>
-              </a:rPr>
-              <a:t>const</a:t>
+              <a:t>sampler_t</a:t>
             </a:r>
             <a:r>
               <a:rPr lang="en-GB" b="1" dirty="0" smtClean="0">
                 <a:solidFill>
-                  <a:srgbClr val="3366FF"/>
-                </a:solidFill>
-                <a:latin typeface="Courier New"/>
-                <a:cs typeface="Courier New"/>
-              </a:rPr>
-              <a:t> </a:t>
-            </a:r>
-            <a:r>
-              <a:rPr lang="en-GB" b="1" dirty="0" err="1" smtClean="0">
-                <a:solidFill>
-                  <a:srgbClr val="3366FF"/>
-                </a:solidFill>
-                <a:latin typeface="Courier New"/>
-                <a:cs typeface="Courier New"/>
-              </a:rPr>
-              <a:t>sampler_t</a:t>
-            </a:r>
-            <a:r>
-              <a:rPr lang="en-GB" b="1" dirty="0" smtClean="0">
-                <a:solidFill>
-                  <a:srgbClr val="3366FF"/>
+                  <a:srgbClr val="000000"/>
                 </a:solidFill>
                 <a:latin typeface="Courier New"/>
                 <a:cs typeface="Courier New"/>
@@ -48464,7 +49689,7 @@
             </a:r>
             <a:endParaRPr lang="en-GB" b="1" dirty="0">
               <a:solidFill>
-                <a:srgbClr val="3366FF"/>
+                <a:srgbClr val="000000"/>
               </a:solidFill>
               <a:latin typeface="Courier New"/>
               <a:cs typeface="Courier New"/>
@@ -48477,7 +49702,7 @@
             <a:r>
               <a:rPr lang="en-GB" b="1" dirty="0" smtClean="0">
                 <a:solidFill>
-                  <a:srgbClr val="3366FF"/>
+                  <a:srgbClr val="000000"/>
                 </a:solidFill>
                 <a:latin typeface="Courier New"/>
                 <a:cs typeface="Courier New"/>
@@ -48492,12 +49717,32 @@
             <a:r>
               <a:rPr lang="en-GB" b="1" dirty="0" smtClean="0">
                 <a:solidFill>
+                  <a:srgbClr val="000000"/>
+                </a:solidFill>
+                <a:latin typeface="Courier New"/>
+                <a:cs typeface="Courier New"/>
+              </a:rPr>
+              <a:t>  </a:t>
+            </a:r>
+            <a:r>
+              <a:rPr lang="en-GB" b="1" i="1" dirty="0" err="1" smtClean="0">
+                <a:solidFill>
                   <a:srgbClr val="3366FF"/>
                 </a:solidFill>
                 <a:latin typeface="Courier New"/>
                 <a:cs typeface="Courier New"/>
               </a:rPr>
-              <a:t>  </a:t>
+              <a:t>int</a:t>
+            </a:r>
+            <a:r>
+              <a:rPr lang="en-GB" b="1" dirty="0" smtClean="0">
+                <a:solidFill>
+                  <a:srgbClr val="000000"/>
+                </a:solidFill>
+                <a:latin typeface="Courier New"/>
+                <a:cs typeface="Courier New"/>
+              </a:rPr>
+              <a:t> x = </a:t>
             </a:r>
             <a:r>
               <a:rPr lang="en-GB" b="1" dirty="0" err="1" smtClean="0">
@@ -48507,37 +49752,37 @@
                 <a:latin typeface="Courier New"/>
                 <a:cs typeface="Courier New"/>
               </a:rPr>
-              <a:t>int</a:t>
+              <a:t>get_global_id</a:t>
             </a:r>
             <a:r>
               <a:rPr lang="en-GB" b="1" dirty="0" smtClean="0">
                 <a:solidFill>
-                  <a:srgbClr val="3366FF"/>
-                </a:solidFill>
-                <a:latin typeface="Courier New"/>
-                <a:cs typeface="Courier New"/>
-              </a:rPr>
-              <a:t> x = </a:t>
-            </a:r>
-            <a:r>
-              <a:rPr lang="en-GB" b="1" dirty="0" err="1" smtClean="0">
-                <a:solidFill>
-                  <a:srgbClr val="3366FF"/>
-                </a:solidFill>
-                <a:latin typeface="Courier New"/>
-                <a:cs typeface="Courier New"/>
-              </a:rPr>
-              <a:t>get_global_id</a:t>
+                  <a:srgbClr val="000000"/>
+                </a:solidFill>
+                <a:latin typeface="Courier New"/>
+                <a:cs typeface="Courier New"/>
+              </a:rPr>
+              <a:t>(</a:t>
             </a:r>
             <a:r>
               <a:rPr lang="en-GB" b="1" dirty="0" smtClean="0">
                 <a:solidFill>
-                  <a:srgbClr val="3366FF"/>
-                </a:solidFill>
-                <a:latin typeface="Courier New"/>
-                <a:cs typeface="Courier New"/>
-              </a:rPr>
-              <a:t>(0);</a:t>
+                  <a:srgbClr val="FF00FF"/>
+                </a:solidFill>
+                <a:latin typeface="Courier New"/>
+                <a:cs typeface="Courier New"/>
+              </a:rPr>
+              <a:t>0</a:t>
+            </a:r>
+            <a:r>
+              <a:rPr lang="en-GB" b="1" dirty="0" smtClean="0">
+                <a:solidFill>
+                  <a:srgbClr val="000000"/>
+                </a:solidFill>
+                <a:latin typeface="Courier New"/>
+                <a:cs typeface="Courier New"/>
+              </a:rPr>
+              <a:t>);</a:t>
             </a:r>
           </a:p>
           <a:p>
@@ -48547,12 +49792,32 @@
             <a:r>
               <a:rPr lang="en-GB" b="1" dirty="0" smtClean="0">
                 <a:solidFill>
+                  <a:srgbClr val="000000"/>
+                </a:solidFill>
+                <a:latin typeface="Courier New"/>
+                <a:cs typeface="Courier New"/>
+              </a:rPr>
+              <a:t>  </a:t>
+            </a:r>
+            <a:r>
+              <a:rPr lang="en-GB" b="1" i="1" dirty="0" err="1" smtClean="0">
+                <a:solidFill>
                   <a:srgbClr val="3366FF"/>
                 </a:solidFill>
                 <a:latin typeface="Courier New"/>
                 <a:cs typeface="Courier New"/>
               </a:rPr>
-              <a:t>  </a:t>
+              <a:t>int</a:t>
+            </a:r>
+            <a:r>
+              <a:rPr lang="en-GB" b="1" dirty="0" smtClean="0">
+                <a:solidFill>
+                  <a:srgbClr val="000000"/>
+                </a:solidFill>
+                <a:latin typeface="Courier New"/>
+                <a:cs typeface="Courier New"/>
+              </a:rPr>
+              <a:t> y = </a:t>
             </a:r>
             <a:r>
               <a:rPr lang="en-GB" b="1" dirty="0" err="1" smtClean="0">
@@ -48562,37 +49827,37 @@
                 <a:latin typeface="Courier New"/>
                 <a:cs typeface="Courier New"/>
               </a:rPr>
-              <a:t>int</a:t>
+              <a:t>get_global_id</a:t>
             </a:r>
             <a:r>
               <a:rPr lang="en-GB" b="1" dirty="0" smtClean="0">
                 <a:solidFill>
-                  <a:srgbClr val="3366FF"/>
-                </a:solidFill>
-                <a:latin typeface="Courier New"/>
-                <a:cs typeface="Courier New"/>
-              </a:rPr>
-              <a:t> y = </a:t>
-            </a:r>
-            <a:r>
-              <a:rPr lang="en-GB" b="1" dirty="0" err="1" smtClean="0">
-                <a:solidFill>
-                  <a:srgbClr val="3366FF"/>
-                </a:solidFill>
-                <a:latin typeface="Courier New"/>
-                <a:cs typeface="Courier New"/>
-              </a:rPr>
-              <a:t>get_global_id</a:t>
+                  <a:srgbClr val="000000"/>
+                </a:solidFill>
+                <a:latin typeface="Courier New"/>
+                <a:cs typeface="Courier New"/>
+              </a:rPr>
+              <a:t>(</a:t>
             </a:r>
             <a:r>
               <a:rPr lang="en-GB" b="1" dirty="0" smtClean="0">
                 <a:solidFill>
-                  <a:srgbClr val="3366FF"/>
-                </a:solidFill>
-                <a:latin typeface="Courier New"/>
-                <a:cs typeface="Courier New"/>
-              </a:rPr>
-              <a:t>(1);</a:t>
+                  <a:srgbClr val="FF00FF"/>
+                </a:solidFill>
+                <a:latin typeface="Courier New"/>
+                <a:cs typeface="Courier New"/>
+              </a:rPr>
+              <a:t>1</a:t>
+            </a:r>
+            <a:r>
+              <a:rPr lang="en-GB" b="1" dirty="0" smtClean="0">
+                <a:solidFill>
+                  <a:srgbClr val="000000"/>
+                </a:solidFill>
+                <a:latin typeface="Courier New"/>
+                <a:cs typeface="Courier New"/>
+              </a:rPr>
+              <a:t>);</a:t>
             </a:r>
           </a:p>
           <a:p>
@@ -48601,7 +49866,7 @@
             </a:pPr>
             <a:endParaRPr lang="en-GB" b="1" dirty="0" smtClean="0">
               <a:solidFill>
-                <a:srgbClr val="3366FF"/>
+                <a:srgbClr val="000000"/>
               </a:solidFill>
               <a:latin typeface="Courier New"/>
               <a:cs typeface="Courier New"/>
@@ -48614,7 +49879,7 @@
             <a:r>
               <a:rPr lang="en-GB" b="1" dirty="0" smtClean="0">
                 <a:solidFill>
-                  <a:srgbClr val="3366FF"/>
+                  <a:srgbClr val="000000"/>
                 </a:solidFill>
                 <a:latin typeface="Courier New"/>
                 <a:cs typeface="Courier New"/>
@@ -48624,7 +49889,7 @@
             <a:r>
               <a:rPr lang="en-GB" b="1" dirty="0">
                 <a:solidFill>
-                  <a:srgbClr val="3366FF"/>
+                  <a:srgbClr val="008000"/>
                 </a:solidFill>
                 <a:latin typeface="Courier New"/>
                 <a:cs typeface="Courier New"/>
@@ -48634,7 +49899,7 @@
             <a:r>
               <a:rPr lang="en-GB" b="1" dirty="0" smtClean="0">
                 <a:solidFill>
-                  <a:srgbClr val="3366FF"/>
+                  <a:srgbClr val="008000"/>
                 </a:solidFill>
                 <a:latin typeface="Courier New"/>
                 <a:cs typeface="Courier New"/>
@@ -48643,7 +49908,7 @@
             </a:r>
             <a:endParaRPr lang="en-GB" b="1" dirty="0">
               <a:solidFill>
-                <a:srgbClr val="3366FF"/>
+                <a:srgbClr val="008000"/>
               </a:solidFill>
               <a:latin typeface="Courier New"/>
               <a:cs typeface="Courier New"/>
@@ -48656,47 +49921,67 @@
             <a:r>
               <a:rPr lang="en-GB" b="1" dirty="0">
                 <a:solidFill>
+                  <a:srgbClr val="000000"/>
+                </a:solidFill>
+                <a:latin typeface="Courier New"/>
+                <a:cs typeface="Courier New"/>
+              </a:rPr>
+              <a:t>  </a:t>
+            </a:r>
+            <a:r>
+              <a:rPr lang="en-GB" b="1" i="1" dirty="0">
+                <a:solidFill>
                   <a:srgbClr val="3366FF"/>
                 </a:solidFill>
                 <a:latin typeface="Courier New"/>
                 <a:cs typeface="Courier New"/>
               </a:rPr>
-              <a:t>  float4 </a:t>
+              <a:t>float4</a:t>
+            </a:r>
+            <a:r>
+              <a:rPr lang="en-GB" b="1" dirty="0">
+                <a:solidFill>
+                  <a:srgbClr val="000000"/>
+                </a:solidFill>
+                <a:latin typeface="Courier New"/>
+                <a:cs typeface="Courier New"/>
+              </a:rPr>
+              <a:t> </a:t>
             </a:r>
             <a:r>
               <a:rPr lang="en-GB" b="1" dirty="0" err="1">
                 <a:solidFill>
+                  <a:srgbClr val="000000"/>
+                </a:solidFill>
+                <a:latin typeface="Courier New"/>
+                <a:cs typeface="Courier New"/>
+              </a:rPr>
+              <a:t>color</a:t>
+            </a:r>
+            <a:r>
+              <a:rPr lang="en-GB" b="1" dirty="0">
+                <a:solidFill>
+                  <a:srgbClr val="000000"/>
+                </a:solidFill>
+                <a:latin typeface="Courier New"/>
+                <a:cs typeface="Courier New"/>
+              </a:rPr>
+              <a:t> = </a:t>
+            </a:r>
+            <a:r>
+              <a:rPr lang="en-GB" b="1" dirty="0" err="1">
+                <a:solidFill>
                   <a:srgbClr val="3366FF"/>
                 </a:solidFill>
                 <a:latin typeface="Courier New"/>
                 <a:cs typeface="Courier New"/>
               </a:rPr>
-              <a:t>color</a:t>
-            </a:r>
-            <a:r>
-              <a:rPr lang="en-GB" b="1" dirty="0">
-                <a:solidFill>
-                  <a:srgbClr val="3366FF"/>
-                </a:solidFill>
-                <a:latin typeface="Courier New"/>
-                <a:cs typeface="Courier New"/>
-              </a:rPr>
-              <a:t> = </a:t>
-            </a:r>
-            <a:r>
-              <a:rPr lang="en-GB" b="1" dirty="0" err="1">
-                <a:solidFill>
-                  <a:srgbClr val="3366FF"/>
-                </a:solidFill>
-                <a:latin typeface="Courier New"/>
-                <a:cs typeface="Courier New"/>
-              </a:rPr>
               <a:t>read_imagef</a:t>
             </a:r>
             <a:r>
               <a:rPr lang="en-GB" b="1" dirty="0" smtClean="0">
                 <a:solidFill>
-                  <a:srgbClr val="3366FF"/>
+                  <a:srgbClr val="000000"/>
                 </a:solidFill>
                 <a:latin typeface="Courier New"/>
                 <a:cs typeface="Courier New"/>
@@ -48711,7 +49996,7 @@
             <a:r>
               <a:rPr lang="en-GB" b="1" dirty="0" smtClean="0">
                 <a:solidFill>
-                  <a:srgbClr val="3366FF"/>
+                  <a:srgbClr val="000000"/>
                 </a:solidFill>
                 <a:latin typeface="Courier New"/>
                 <a:cs typeface="Courier New"/>
@@ -48726,7 +50011,7 @@
             <a:r>
               <a:rPr lang="en-GB" b="1" dirty="0" smtClean="0">
                 <a:solidFill>
-                  <a:srgbClr val="3366FF"/>
+                  <a:srgbClr val="000000"/>
                 </a:solidFill>
                 <a:latin typeface="Courier New"/>
                 <a:cs typeface="Courier New"/>
@@ -48741,12 +50026,32 @@
             <a:r>
               <a:rPr lang="en-GB" b="1" dirty="0" smtClean="0">
                 <a:solidFill>
+                  <a:srgbClr val="000000"/>
+                </a:solidFill>
+                <a:latin typeface="Courier New"/>
+                <a:cs typeface="Courier New"/>
+              </a:rPr>
+              <a:t>    (</a:t>
+            </a:r>
+            <a:r>
+              <a:rPr lang="en-GB" b="1" i="1" dirty="0" smtClean="0">
+                <a:solidFill>
                   <a:srgbClr val="3366FF"/>
                 </a:solidFill>
                 <a:latin typeface="Courier New"/>
                 <a:cs typeface="Courier New"/>
               </a:rPr>
-              <a:t>    (int2)(x, y)</a:t>
+              <a:t>int2</a:t>
+            </a:r>
+            <a:r>
+              <a:rPr lang="en-GB" b="1" dirty="0" smtClean="0">
+                <a:solidFill>
+                  <a:srgbClr val="000000"/>
+                </a:solidFill>
+                <a:latin typeface="Courier New"/>
+                <a:cs typeface="Courier New"/>
+              </a:rPr>
+              <a:t>)(x, y)</a:t>
             </a:r>
           </a:p>
           <a:p>
@@ -48756,7 +50061,7 @@
             <a:r>
               <a:rPr lang="en-GB" b="1" dirty="0" smtClean="0">
                 <a:solidFill>
-                  <a:srgbClr val="3366FF"/>
+                  <a:srgbClr val="000000"/>
                 </a:solidFill>
                 <a:latin typeface="Courier New"/>
                 <a:cs typeface="Courier New"/>
@@ -48770,7 +50075,7 @@
             </a:pPr>
             <a:endParaRPr lang="en-GB" b="1" dirty="0" smtClean="0">
               <a:solidFill>
-                <a:srgbClr val="3366FF"/>
+                <a:srgbClr val="000000"/>
               </a:solidFill>
               <a:latin typeface="Courier New"/>
               <a:cs typeface="Courier New"/>
@@ -48783,7 +50088,7 @@
             <a:r>
               <a:rPr lang="en-GB" b="1" dirty="0" smtClean="0">
                 <a:solidFill>
-                  <a:srgbClr val="3366FF"/>
+                  <a:srgbClr val="000000"/>
                 </a:solidFill>
                 <a:latin typeface="Courier New"/>
                 <a:cs typeface="Courier New"/>
@@ -48798,7 +50103,7 @@
             <a:r>
               <a:rPr lang="en-GB" b="1" dirty="0" smtClean="0">
                 <a:solidFill>
-                  <a:srgbClr val="3366FF"/>
+                  <a:srgbClr val="000000"/>
                 </a:solidFill>
                 <a:latin typeface="Courier New"/>
                 <a:cs typeface="Courier New"/>
@@ -48812,7 +50117,7 @@
             </a:pPr>
             <a:endParaRPr lang="en-GB" b="1" dirty="0" smtClean="0">
               <a:solidFill>
-                <a:srgbClr val="3366FF"/>
+                <a:srgbClr val="000000"/>
               </a:solidFill>
               <a:latin typeface="Courier New"/>
               <a:cs typeface="Courier New"/>
@@ -48824,7 +50129,7 @@
             </a:pPr>
             <a:endParaRPr lang="en-GB" b="1" dirty="0" smtClean="0">
               <a:solidFill>
-                <a:srgbClr val="3366FF"/>
+                <a:srgbClr val="000000"/>
               </a:solidFill>
               <a:latin typeface="Courier New"/>
               <a:cs typeface="Courier New"/>
@@ -48837,7 +50142,7 @@
             <a:r>
               <a:rPr lang="en-GB" b="1" dirty="0" smtClean="0">
                 <a:solidFill>
-                  <a:srgbClr val="3366FF"/>
+                  <a:srgbClr val="008000"/>
                 </a:solidFill>
                 <a:latin typeface="Courier New"/>
                 <a:cs typeface="Courier New"/>
@@ -48852,37 +50157,37 @@
             <a:r>
               <a:rPr lang="en-GB" b="1" dirty="0" err="1">
                 <a:solidFill>
+                  <a:schemeClr val="accent2"/>
+                </a:solidFill>
+                <a:latin typeface="Courier New"/>
+                <a:cs typeface="Courier New"/>
+              </a:rPr>
+              <a:t>const</a:t>
+            </a:r>
+            <a:r>
+              <a:rPr lang="en-GB" b="1" dirty="0">
+                <a:solidFill>
+                  <a:schemeClr val="accent2"/>
+                </a:solidFill>
+                <a:latin typeface="Courier New"/>
+                <a:cs typeface="Courier New"/>
+              </a:rPr>
+              <a:t> </a:t>
+            </a:r>
+            <a:r>
+              <a:rPr lang="en-GB" b="1" i="1" dirty="0" err="1">
+                <a:solidFill>
                   <a:srgbClr val="3366FF"/>
                 </a:solidFill>
                 <a:latin typeface="Courier New"/>
                 <a:cs typeface="Courier New"/>
               </a:rPr>
-              <a:t>const</a:t>
+              <a:t>sampler_t</a:t>
             </a:r>
             <a:r>
               <a:rPr lang="en-GB" b="1" dirty="0">
                 <a:solidFill>
-                  <a:srgbClr val="3366FF"/>
-                </a:solidFill>
-                <a:latin typeface="Courier New"/>
-                <a:cs typeface="Courier New"/>
-              </a:rPr>
-              <a:t> </a:t>
-            </a:r>
-            <a:r>
-              <a:rPr lang="en-GB" b="1" dirty="0" err="1">
-                <a:solidFill>
-                  <a:srgbClr val="3366FF"/>
-                </a:solidFill>
-                <a:latin typeface="Courier New"/>
-                <a:cs typeface="Courier New"/>
-              </a:rPr>
-              <a:t>sampler_t</a:t>
-            </a:r>
-            <a:r>
-              <a:rPr lang="en-GB" b="1" dirty="0">
-                <a:solidFill>
-                  <a:srgbClr val="3366FF"/>
+                  <a:srgbClr val="000000"/>
                 </a:solidFill>
                 <a:latin typeface="Courier New"/>
                 <a:cs typeface="Courier New"/>
@@ -48897,7 +50202,7 @@
             <a:r>
               <a:rPr lang="en-GB" b="1" dirty="0">
                 <a:solidFill>
-                  <a:srgbClr val="3366FF"/>
+                  <a:srgbClr val="000000"/>
                 </a:solidFill>
                 <a:latin typeface="Courier New"/>
                 <a:cs typeface="Courier New"/>
@@ -48912,7 +50217,7 @@
             <a:r>
               <a:rPr lang="en-GB" b="1" dirty="0">
                 <a:solidFill>
-                  <a:srgbClr val="3366FF"/>
+                  <a:srgbClr val="000000"/>
                 </a:solidFill>
                 <a:latin typeface="Courier New"/>
                 <a:cs typeface="Courier New"/>
@@ -48927,7 +50232,7 @@
             <a:r>
               <a:rPr lang="en-GB" b="1" dirty="0">
                 <a:solidFill>
-                  <a:srgbClr val="3366FF"/>
+                  <a:srgbClr val="000000"/>
                 </a:solidFill>
                 <a:latin typeface="Courier New"/>
                 <a:cs typeface="Courier New"/>
@@ -49432,7 +50737,6 @@
               <a:rPr lang="en-GB" dirty="0"/>
               <a:t>Exercise: image types</a:t>
             </a:r>
-            <a:endParaRPr lang="en-GB" dirty="0"/>
           </a:p>
         </p:txBody>
       </p:sp>
@@ -49454,7 +50758,7 @@
         </p:spPr>
         <p:txBody>
           <a:bodyPr>
-            <a:normAutofit fontScale="77500" lnSpcReduction="20000"/>
+            <a:normAutofit fontScale="85000" lnSpcReduction="10000"/>
           </a:bodyPr>
           <a:lstStyle/>
           <a:p>
@@ -49485,7 +50789,10 @@
               <a:buNone/>
             </a:pPr>
             <a:r>
-              <a:rPr lang="en-GB" dirty="0"/>
+              <a:rPr lang="en-GB" sz="2400" dirty="0">
+                <a:latin typeface="Courier New"/>
+                <a:cs typeface="Courier New"/>
+              </a:rPr>
               <a:t>Running reference...</a:t>
             </a:r>
           </a:p>
@@ -49494,7 +50801,10 @@
               <a:buNone/>
             </a:pPr>
             <a:r>
-              <a:rPr lang="en-GB" dirty="0"/>
+              <a:rPr lang="en-GB" sz="2400" dirty="0">
+                <a:latin typeface="Courier New"/>
+                <a:cs typeface="Courier New"/>
+              </a:rPr>
               <a:t>Reference took 7784.3ms (1 frame)</a:t>
             </a:r>
           </a:p>
@@ -49502,26 +50812,41 @@
             <a:pPr marL="0" indent="0">
               <a:buNone/>
             </a:pPr>
-            <a:endParaRPr lang="en-GB" dirty="0" smtClean="0"/>
+            <a:endParaRPr lang="en-GB" sz="2400" dirty="0" smtClean="0">
+              <a:latin typeface="Courier New"/>
+              <a:cs typeface="Courier New"/>
+            </a:endParaRPr>
           </a:p>
           <a:p>
             <a:pPr marL="0" indent="0">
               <a:buNone/>
             </a:pPr>
             <a:r>
-              <a:rPr lang="en-GB" dirty="0"/>
+              <a:rPr lang="en-GB" sz="2400" dirty="0">
+                <a:latin typeface="Courier New"/>
+                <a:cs typeface="Courier New"/>
+              </a:rPr>
               <a:t>~/IWOCL2016/solutions/Bilateral$ </a:t>
             </a:r>
             <a:r>
-              <a:rPr lang="en-GB" b="1" dirty="0"/>
+              <a:rPr lang="en-GB" sz="2400" b="1" dirty="0">
+                <a:latin typeface="Courier New"/>
+                <a:cs typeface="Courier New"/>
+              </a:rPr>
               <a:t>./</a:t>
             </a:r>
             <a:r>
-              <a:rPr lang="en-GB" b="1" dirty="0" err="1"/>
+              <a:rPr lang="en-GB" sz="2400" b="1" dirty="0" err="1">
+                <a:latin typeface="Courier New"/>
+                <a:cs typeface="Courier New"/>
+              </a:rPr>
               <a:t>bilateral_meta</a:t>
             </a:r>
             <a:r>
-              <a:rPr lang="en-GB" b="1" dirty="0"/>
+              <a:rPr lang="en-GB" sz="2400" b="1" dirty="0">
+                <a:latin typeface="Courier New"/>
+                <a:cs typeface="Courier New"/>
+              </a:rPr>
               <a:t> </a:t>
             </a:r>
           </a:p>
@@ -49530,57 +50855,93 @@
               <a:buNone/>
             </a:pPr>
             <a:r>
-              <a:rPr lang="en-GB" dirty="0" smtClean="0"/>
+              <a:rPr lang="en-GB" sz="2400" dirty="0" smtClean="0">
+                <a:latin typeface="Courier New"/>
+                <a:cs typeface="Courier New"/>
+              </a:rPr>
               <a:t>OpenCL </a:t>
             </a:r>
             <a:r>
-              <a:rPr lang="en-GB" dirty="0"/>
+              <a:rPr lang="en-GB" sz="2400" dirty="0">
+                <a:latin typeface="Courier New"/>
+                <a:cs typeface="Courier New"/>
+              </a:rPr>
               <a:t>took 357.9ms (11.2ms / frame</a:t>
             </a:r>
             <a:r>
-              <a:rPr lang="en-GB" dirty="0" smtClean="0"/>
+              <a:rPr lang="en-GB" sz="2400" dirty="0" smtClean="0">
+                <a:latin typeface="Courier New"/>
+                <a:cs typeface="Courier New"/>
+              </a:rPr>
               <a:t>)</a:t>
             </a:r>
-            <a:endParaRPr lang="en-GB" dirty="0"/>
+            <a:endParaRPr lang="en-GB" sz="2400" dirty="0">
+              <a:latin typeface="Courier New"/>
+              <a:cs typeface="Courier New"/>
+            </a:endParaRPr>
           </a:p>
           <a:p>
             <a:pPr marL="0" indent="0">
               <a:buNone/>
             </a:pPr>
-            <a:endParaRPr lang="en-GB" dirty="0"/>
+            <a:endParaRPr lang="en-GB" sz="2400" dirty="0">
+              <a:latin typeface="Courier New"/>
+              <a:cs typeface="Courier New"/>
+            </a:endParaRPr>
           </a:p>
           <a:p>
             <a:pPr marL="0" indent="0">
               <a:buNone/>
             </a:pPr>
             <a:r>
-              <a:rPr lang="en-GB" dirty="0"/>
+              <a:rPr lang="en-GB" sz="2400" dirty="0">
+                <a:latin typeface="Courier New"/>
+                <a:cs typeface="Courier New"/>
+              </a:rPr>
               <a:t>~/IWOCL2016/solutions/Bilateral$ </a:t>
             </a:r>
             <a:r>
-              <a:rPr lang="en-GB" b="1" dirty="0"/>
+              <a:rPr lang="en-GB" sz="2400" b="1" dirty="0">
+                <a:latin typeface="Courier New"/>
+                <a:cs typeface="Courier New"/>
+              </a:rPr>
               <a:t>./</a:t>
             </a:r>
             <a:r>
-              <a:rPr lang="en-GB" b="1" dirty="0" err="1"/>
+              <a:rPr lang="en-GB" sz="2400" b="1" dirty="0" err="1">
+                <a:latin typeface="Courier New"/>
+                <a:cs typeface="Courier New"/>
+              </a:rPr>
               <a:t>bilateral_opt</a:t>
             </a:r>
-            <a:endParaRPr lang="en-GB" b="1" dirty="0"/>
+            <a:endParaRPr lang="en-GB" sz="2400" b="1" dirty="0">
+              <a:latin typeface="Courier New"/>
+              <a:cs typeface="Courier New"/>
+            </a:endParaRPr>
           </a:p>
           <a:p>
             <a:pPr marL="0" indent="0">
               <a:buNone/>
             </a:pPr>
             <a:r>
-              <a:rPr lang="en-GB" dirty="0" smtClean="0"/>
+              <a:rPr lang="en-GB" sz="2400" dirty="0" smtClean="0">
+                <a:latin typeface="Courier New"/>
+                <a:cs typeface="Courier New"/>
+              </a:rPr>
               <a:t>OpenCL </a:t>
             </a:r>
             <a:r>
-              <a:rPr lang="en-GB" dirty="0"/>
+              <a:rPr lang="en-GB" sz="2400" dirty="0">
+                <a:latin typeface="Courier New"/>
+                <a:cs typeface="Courier New"/>
+              </a:rPr>
               <a:t>took 74.0ms (2.3ms / frame</a:t>
             </a:r>
             <a:r>
-              <a:rPr lang="en-GB" dirty="0" smtClean="0"/>
+              <a:rPr lang="en-GB" sz="2400" dirty="0" smtClean="0">
+                <a:latin typeface="Courier New"/>
+                <a:cs typeface="Courier New"/>
+              </a:rPr>
               <a:t>)</a:t>
             </a:r>
           </a:p>
@@ -49588,26 +50949,41 @@
             <a:pPr marL="0" indent="0">
               <a:buNone/>
             </a:pPr>
-            <a:endParaRPr lang="en-GB" dirty="0"/>
+            <a:endParaRPr lang="en-GB" sz="2400" dirty="0">
+              <a:latin typeface="Courier New"/>
+              <a:cs typeface="Courier New"/>
+            </a:endParaRPr>
           </a:p>
           <a:p>
             <a:pPr marL="0" indent="0">
               <a:buNone/>
             </a:pPr>
             <a:r>
-              <a:rPr lang="en-GB" dirty="0"/>
+              <a:rPr lang="en-GB" sz="2400" dirty="0">
+                <a:latin typeface="Courier New"/>
+                <a:cs typeface="Courier New"/>
+              </a:rPr>
               <a:t>~/IWOCL2016/solutions/Bilateral$ </a:t>
             </a:r>
             <a:r>
-              <a:rPr lang="en-GB" b="1" dirty="0"/>
+              <a:rPr lang="en-GB" sz="2400" b="1" dirty="0">
+                <a:latin typeface="Courier New"/>
+                <a:cs typeface="Courier New"/>
+              </a:rPr>
               <a:t>./</a:t>
             </a:r>
             <a:r>
-              <a:rPr lang="en-GB" b="1" dirty="0" err="1"/>
+              <a:rPr lang="en-GB" sz="2400" b="1" dirty="0" err="1">
+                <a:latin typeface="Courier New"/>
+                <a:cs typeface="Courier New"/>
+              </a:rPr>
               <a:t>bilateral_images</a:t>
             </a:r>
             <a:r>
-              <a:rPr lang="en-GB" b="1" dirty="0"/>
+              <a:rPr lang="en-GB" sz="2400" b="1" dirty="0">
+                <a:latin typeface="Courier New"/>
+                <a:cs typeface="Courier New"/>
+              </a:rPr>
               <a:t> </a:t>
             </a:r>
           </a:p>
@@ -49616,18 +50992,30 @@
               <a:buNone/>
             </a:pPr>
             <a:r>
-              <a:rPr lang="en-GB" dirty="0" smtClean="0"/>
+              <a:rPr lang="en-GB" sz="2400" dirty="0" smtClean="0">
+                <a:latin typeface="Courier New"/>
+                <a:cs typeface="Courier New"/>
+              </a:rPr>
               <a:t>OpenCL </a:t>
             </a:r>
             <a:r>
-              <a:rPr lang="en-GB" dirty="0"/>
+              <a:rPr lang="en-GB" sz="2400" dirty="0">
+                <a:latin typeface="Courier New"/>
+                <a:cs typeface="Courier New"/>
+              </a:rPr>
               <a:t>took 41.8ms (1.3ms / frame</a:t>
             </a:r>
             <a:r>
-              <a:rPr lang="en-GB" dirty="0" smtClean="0"/>
+              <a:rPr lang="en-GB" sz="2400" dirty="0" smtClean="0">
+                <a:latin typeface="Courier New"/>
+                <a:cs typeface="Courier New"/>
+              </a:rPr>
               <a:t>)</a:t>
             </a:r>
-            <a:endParaRPr lang="en-GB" dirty="0"/>
+            <a:endParaRPr lang="en-GB" dirty="0">
+              <a:latin typeface="Courier New"/>
+              <a:cs typeface="Courier New"/>
+            </a:endParaRPr>
           </a:p>
         </p:txBody>
       </p:sp>
@@ -49928,11 +51316,11 @@
   <p:clrMapOvr>
     <a:masterClrMapping/>
   </p:clrMapOvr>
-  <mc:AlternateContent xmlns:mc="http://schemas.openxmlformats.org/markup-compatibility/2006">
-    <mc:Choice xmlns:p14="http://schemas.microsoft.com/office/powerpoint/2010/main" Requires="p14">
+  <mc:AlternateContent xmlns:mc="http://schemas.openxmlformats.org/markup-compatibility/2006" xmlns:p14="http://schemas.microsoft.com/office/powerpoint/2010/main">
+    <mc:Choice Requires="p14">
       <p:transition spd="slow" p14:dur="2000"/>
     </mc:Choice>
-    <mc:Fallback>
+    <mc:Fallback xmlns="">
       <p:transition xmlns:p14="http://schemas.microsoft.com/office/powerpoint/2010/main" spd="slow"/>
     </mc:Fallback>
   </mc:AlternateContent>

--- a/slides/advanced_part3.pptx
+++ b/slides/advanced_part3.pptx
@@ -273,7 +273,7 @@
           <a:p>
             <a:fld id="{154B9960-65DD-7948-AAE5-CA021B06E14D}" type="datetimeFigureOut">
               <a:rPr lang="en-US" smtClean="0"/>
-              <a:t>19/04/16</a:t>
+              <a:t>22/07/16</a:t>
             </a:fld>
             <a:endParaRPr lang="en-GB"/>
           </a:p>
@@ -3267,7 +3267,7 @@
           <a:p>
             <a:fld id="{D96F9273-1B51-1D4D-B007-2EA617412104}" type="datetimeFigureOut">
               <a:rPr lang="en-US" smtClean="0"/>
-              <a:t>19/04/16</a:t>
+              <a:t>22/07/16</a:t>
             </a:fld>
             <a:endParaRPr lang="en-GB"/>
           </a:p>
@@ -3437,7 +3437,7 @@
           <a:p>
             <a:fld id="{D96F9273-1B51-1D4D-B007-2EA617412104}" type="datetimeFigureOut">
               <a:rPr lang="en-US" smtClean="0"/>
-              <a:t>19/04/16</a:t>
+              <a:t>22/07/16</a:t>
             </a:fld>
             <a:endParaRPr lang="en-GB"/>
           </a:p>
@@ -3617,7 +3617,7 @@
           <a:p>
             <a:fld id="{D96F9273-1B51-1D4D-B007-2EA617412104}" type="datetimeFigureOut">
               <a:rPr lang="en-US" smtClean="0"/>
-              <a:t>19/04/16</a:t>
+              <a:t>22/07/16</a:t>
             </a:fld>
             <a:endParaRPr lang="en-GB"/>
           </a:p>
@@ -3787,7 +3787,7 @@
           <a:p>
             <a:fld id="{D96F9273-1B51-1D4D-B007-2EA617412104}" type="datetimeFigureOut">
               <a:rPr lang="en-US" smtClean="0"/>
-              <a:t>19/04/16</a:t>
+              <a:t>22/07/16</a:t>
             </a:fld>
             <a:endParaRPr lang="en-GB"/>
           </a:p>
@@ -4033,7 +4033,7 @@
           <a:p>
             <a:fld id="{D96F9273-1B51-1D4D-B007-2EA617412104}" type="datetimeFigureOut">
               <a:rPr lang="en-US" smtClean="0"/>
-              <a:t>19/04/16</a:t>
+              <a:t>22/07/16</a:t>
             </a:fld>
             <a:endParaRPr lang="en-GB"/>
           </a:p>
@@ -4321,7 +4321,7 @@
           <a:p>
             <a:fld id="{D96F9273-1B51-1D4D-B007-2EA617412104}" type="datetimeFigureOut">
               <a:rPr lang="en-US" smtClean="0"/>
-              <a:t>19/04/16</a:t>
+              <a:t>22/07/16</a:t>
             </a:fld>
             <a:endParaRPr lang="en-GB"/>
           </a:p>
@@ -4743,7 +4743,7 @@
           <a:p>
             <a:fld id="{D96F9273-1B51-1D4D-B007-2EA617412104}" type="datetimeFigureOut">
               <a:rPr lang="en-US" smtClean="0"/>
-              <a:t>19/04/16</a:t>
+              <a:t>22/07/16</a:t>
             </a:fld>
             <a:endParaRPr lang="en-GB"/>
           </a:p>
@@ -4861,7 +4861,7 @@
           <a:p>
             <a:fld id="{D96F9273-1B51-1D4D-B007-2EA617412104}" type="datetimeFigureOut">
               <a:rPr lang="en-US" smtClean="0"/>
-              <a:t>19/04/16</a:t>
+              <a:t>22/07/16</a:t>
             </a:fld>
             <a:endParaRPr lang="en-GB"/>
           </a:p>
@@ -4956,7 +4956,7 @@
           <a:p>
             <a:fld id="{D96F9273-1B51-1D4D-B007-2EA617412104}" type="datetimeFigureOut">
               <a:rPr lang="en-US" smtClean="0"/>
-              <a:t>19/04/16</a:t>
+              <a:t>22/07/16</a:t>
             </a:fld>
             <a:endParaRPr lang="en-GB"/>
           </a:p>
@@ -5233,7 +5233,7 @@
           <a:p>
             <a:fld id="{D96F9273-1B51-1D4D-B007-2EA617412104}" type="datetimeFigureOut">
               <a:rPr lang="en-US" smtClean="0"/>
-              <a:t>19/04/16</a:t>
+              <a:t>22/07/16</a:t>
             </a:fld>
             <a:endParaRPr lang="en-GB"/>
           </a:p>
@@ -5486,7 +5486,7 @@
           <a:p>
             <a:fld id="{D96F9273-1B51-1D4D-B007-2EA617412104}" type="datetimeFigureOut">
               <a:rPr lang="en-US" smtClean="0"/>
-              <a:t>19/04/16</a:t>
+              <a:t>22/07/16</a:t>
             </a:fld>
             <a:endParaRPr lang="en-GB"/>
           </a:p>
@@ -5699,7 +5699,7 @@
           <a:p>
             <a:fld id="{D96F9273-1B51-1D4D-B007-2EA617412104}" type="datetimeFigureOut">
               <a:rPr lang="en-US" smtClean="0"/>
-              <a:t>19/04/16</a:t>
+              <a:t>22/07/16</a:t>
             </a:fld>
             <a:endParaRPr lang="en-GB"/>
           </a:p>
@@ -7065,7 +7065,7 @@
 </file>
 
 <file path=ppt/slides/slide15.xml><?xml version="1.0" encoding="utf-8"?>
-<p:sld xmlns:a="http://schemas.openxmlformats.org/drawingml/2006/main" xmlns:r="http://schemas.openxmlformats.org/officeDocument/2006/relationships" xmlns:p="http://schemas.openxmlformats.org/presentationml/2006/main" show="0">
+<p:sld xmlns:a="http://schemas.openxmlformats.org/drawingml/2006/main" xmlns:r="http://schemas.openxmlformats.org/officeDocument/2006/relationships" xmlns:p="http://schemas.openxmlformats.org/presentationml/2006/main">
   <p:cSld>
     <p:spTree>
       <p:nvGrpSpPr>
@@ -7809,11 +7809,11 @@
   <p:clrMapOvr>
     <a:masterClrMapping/>
   </p:clrMapOvr>
-  <mc:AlternateContent xmlns:mc="http://schemas.openxmlformats.org/markup-compatibility/2006" xmlns:p14="http://schemas.microsoft.com/office/powerpoint/2010/main">
-    <mc:Choice Requires="p14">
+  <mc:AlternateContent xmlns:mc="http://schemas.openxmlformats.org/markup-compatibility/2006">
+    <mc:Choice xmlns:p14="http://schemas.microsoft.com/office/powerpoint/2010/main" Requires="p14">
       <p:transition spd="slow" p14:dur="2000"/>
     </mc:Choice>
-    <mc:Fallback xmlns="">
+    <mc:Fallback>
       <p:transition xmlns:p14="http://schemas.microsoft.com/office/powerpoint/2010/main" spd="slow"/>
     </mc:Fallback>
   </mc:AlternateContent>
@@ -7828,7 +7828,7 @@
 </file>
 
 <file path=ppt/slides/slide16.xml><?xml version="1.0" encoding="utf-8"?>
-<p:sld xmlns:a="http://schemas.openxmlformats.org/drawingml/2006/main" xmlns:r="http://schemas.openxmlformats.org/officeDocument/2006/relationships" xmlns:p="http://schemas.openxmlformats.org/presentationml/2006/main" show="0">
+<p:sld xmlns:a="http://schemas.openxmlformats.org/drawingml/2006/main" xmlns:r="http://schemas.openxmlformats.org/officeDocument/2006/relationships" xmlns:p="http://schemas.openxmlformats.org/presentationml/2006/main">
   <p:cSld>
     <p:spTree>
       <p:nvGrpSpPr>
@@ -8091,11 +8091,11 @@
   <p:clrMapOvr>
     <a:masterClrMapping/>
   </p:clrMapOvr>
-  <mc:AlternateContent xmlns:mc="http://schemas.openxmlformats.org/markup-compatibility/2006" xmlns:p14="http://schemas.microsoft.com/office/powerpoint/2010/main">
-    <mc:Choice Requires="p14">
+  <mc:AlternateContent xmlns:mc="http://schemas.openxmlformats.org/markup-compatibility/2006">
+    <mc:Choice xmlns:p14="http://schemas.microsoft.com/office/powerpoint/2010/main" Requires="p14">
       <p:transition spd="slow" p14:dur="2000"/>
     </mc:Choice>
-    <mc:Fallback xmlns="">
+    <mc:Fallback>
       <p:transition xmlns:p14="http://schemas.microsoft.com/office/powerpoint/2010/main" spd="slow"/>
     </mc:Fallback>
   </mc:AlternateContent>
@@ -8110,7 +8110,7 @@
 </file>
 
 <file path=ppt/slides/slide17.xml><?xml version="1.0" encoding="utf-8"?>
-<p:sld xmlns:a="http://schemas.openxmlformats.org/drawingml/2006/main" xmlns:r="http://schemas.openxmlformats.org/officeDocument/2006/relationships" xmlns:p="http://schemas.openxmlformats.org/presentationml/2006/main" show="0">
+<p:sld xmlns:a="http://schemas.openxmlformats.org/drawingml/2006/main" xmlns:r="http://schemas.openxmlformats.org/officeDocument/2006/relationships" xmlns:p="http://schemas.openxmlformats.org/presentationml/2006/main">
   <p:cSld>
     <p:spTree>
       <p:nvGrpSpPr>
@@ -8243,11 +8243,11 @@
   <p:clrMapOvr>
     <a:masterClrMapping/>
   </p:clrMapOvr>
-  <mc:AlternateContent xmlns:mc="http://schemas.openxmlformats.org/markup-compatibility/2006" xmlns:p14="http://schemas.microsoft.com/office/powerpoint/2010/main">
-    <mc:Choice Requires="p14">
+  <mc:AlternateContent xmlns:mc="http://schemas.openxmlformats.org/markup-compatibility/2006">
+    <mc:Choice xmlns:p14="http://schemas.microsoft.com/office/powerpoint/2010/main" Requires="p14">
       <p:transition spd="slow" p14:dur="2000"/>
     </mc:Choice>
-    <mc:Fallback xmlns="">
+    <mc:Fallback>
       <p:transition xmlns:p14="http://schemas.microsoft.com/office/powerpoint/2010/main" spd="slow"/>
     </mc:Fallback>
   </mc:AlternateContent>
@@ -8262,7 +8262,7 @@
 </file>
 
 <file path=ppt/slides/slide18.xml><?xml version="1.0" encoding="utf-8"?>
-<p:sld xmlns:a="http://schemas.openxmlformats.org/drawingml/2006/main" xmlns:r="http://schemas.openxmlformats.org/officeDocument/2006/relationships" xmlns:p="http://schemas.openxmlformats.org/presentationml/2006/main" show="0">
+<p:sld xmlns:a="http://schemas.openxmlformats.org/drawingml/2006/main" xmlns:r="http://schemas.openxmlformats.org/officeDocument/2006/relationships" xmlns:p="http://schemas.openxmlformats.org/presentationml/2006/main">
   <p:cSld>
     <p:spTree>
       <p:nvGrpSpPr>
@@ -8401,11 +8401,11 @@
   <p:clrMapOvr>
     <a:masterClrMapping/>
   </p:clrMapOvr>
-  <mc:AlternateContent xmlns:mc="http://schemas.openxmlformats.org/markup-compatibility/2006" xmlns:p14="http://schemas.microsoft.com/office/powerpoint/2010/main">
-    <mc:Choice Requires="p14">
+  <mc:AlternateContent xmlns:mc="http://schemas.openxmlformats.org/markup-compatibility/2006">
+    <mc:Choice xmlns:p14="http://schemas.microsoft.com/office/powerpoint/2010/main" Requires="p14">
       <p:transition spd="slow" p14:dur="2000"/>
     </mc:Choice>
-    <mc:Fallback xmlns="">
+    <mc:Fallback>
       <p:transition xmlns:p14="http://schemas.microsoft.com/office/powerpoint/2010/main" spd="slow"/>
     </mc:Fallback>
   </mc:AlternateContent>
@@ -8420,7 +8420,7 @@
 </file>
 
 <file path=ppt/slides/slide19.xml><?xml version="1.0" encoding="utf-8"?>
-<p:sld xmlns:a="http://schemas.openxmlformats.org/drawingml/2006/main" xmlns:r="http://schemas.openxmlformats.org/officeDocument/2006/relationships" xmlns:p="http://schemas.openxmlformats.org/presentationml/2006/main" show="0">
+<p:sld xmlns:a="http://schemas.openxmlformats.org/drawingml/2006/main" xmlns:r="http://schemas.openxmlformats.org/officeDocument/2006/relationships" xmlns:p="http://schemas.openxmlformats.org/presentationml/2006/main">
   <p:cSld>
     <p:spTree>
       <p:nvGrpSpPr>
@@ -8951,11 +8951,11 @@
   <p:clrMapOvr>
     <a:masterClrMapping/>
   </p:clrMapOvr>
-  <mc:AlternateContent xmlns:mc="http://schemas.openxmlformats.org/markup-compatibility/2006" xmlns:p14="http://schemas.microsoft.com/office/powerpoint/2010/main">
-    <mc:Choice Requires="p14">
+  <mc:AlternateContent xmlns:mc="http://schemas.openxmlformats.org/markup-compatibility/2006">
+    <mc:Choice xmlns:p14="http://schemas.microsoft.com/office/powerpoint/2010/main" Requires="p14">
       <p:transition spd="slow" p14:dur="2000"/>
     </mc:Choice>
-    <mc:Fallback xmlns="">
+    <mc:Fallback>
       <p:transition xmlns:p14="http://schemas.microsoft.com/office/powerpoint/2010/main" spd="slow"/>
     </mc:Fallback>
   </mc:AlternateContent>
@@ -9125,7 +9125,7 @@
 </file>
 
 <file path=ppt/slides/slide20.xml><?xml version="1.0" encoding="utf-8"?>
-<p:sld xmlns:a="http://schemas.openxmlformats.org/drawingml/2006/main" xmlns:r="http://schemas.openxmlformats.org/officeDocument/2006/relationships" xmlns:p="http://schemas.openxmlformats.org/presentationml/2006/main" show="0">
+<p:sld xmlns:a="http://schemas.openxmlformats.org/drawingml/2006/main" xmlns:r="http://schemas.openxmlformats.org/officeDocument/2006/relationships" xmlns:p="http://schemas.openxmlformats.org/presentationml/2006/main">
   <p:cSld>
     <p:spTree>
       <p:nvGrpSpPr>
@@ -9455,11 +9455,11 @@
   <p:clrMapOvr>
     <a:masterClrMapping/>
   </p:clrMapOvr>
-  <mc:AlternateContent xmlns:mc="http://schemas.openxmlformats.org/markup-compatibility/2006" xmlns:p14="http://schemas.microsoft.com/office/powerpoint/2010/main">
-    <mc:Choice Requires="p14">
+  <mc:AlternateContent xmlns:mc="http://schemas.openxmlformats.org/markup-compatibility/2006">
+    <mc:Choice xmlns:p14="http://schemas.microsoft.com/office/powerpoint/2010/main" Requires="p14">
       <p:transition spd="slow" p14:dur="2000"/>
     </mc:Choice>
-    <mc:Fallback xmlns="">
+    <mc:Fallback>
       <p:transition xmlns:p14="http://schemas.microsoft.com/office/powerpoint/2010/main" spd="slow"/>
     </mc:Fallback>
   </mc:AlternateContent>
@@ -9474,7 +9474,7 @@
 </file>
 
 <file path=ppt/slides/slide21.xml><?xml version="1.0" encoding="utf-8"?>
-<p:sld xmlns:a="http://schemas.openxmlformats.org/drawingml/2006/main" xmlns:r="http://schemas.openxmlformats.org/officeDocument/2006/relationships" xmlns:p="http://schemas.openxmlformats.org/presentationml/2006/main" show="0">
+<p:sld xmlns:a="http://schemas.openxmlformats.org/drawingml/2006/main" xmlns:r="http://schemas.openxmlformats.org/officeDocument/2006/relationships" xmlns:p="http://schemas.openxmlformats.org/presentationml/2006/main">
   <p:cSld>
     <p:spTree>
       <p:nvGrpSpPr>
@@ -9667,11 +9667,11 @@
   <p:clrMapOvr>
     <a:masterClrMapping/>
   </p:clrMapOvr>
-  <mc:AlternateContent xmlns:mc="http://schemas.openxmlformats.org/markup-compatibility/2006" xmlns:p14="http://schemas.microsoft.com/office/powerpoint/2010/main">
-    <mc:Choice Requires="p14">
+  <mc:AlternateContent xmlns:mc="http://schemas.openxmlformats.org/markup-compatibility/2006">
+    <mc:Choice xmlns:p14="http://schemas.microsoft.com/office/powerpoint/2010/main" Requires="p14">
       <p:transition spd="slow" p14:dur="2000"/>
     </mc:Choice>
-    <mc:Fallback xmlns="">
+    <mc:Fallback>
       <p:transition xmlns:p14="http://schemas.microsoft.com/office/powerpoint/2010/main" spd="slow"/>
     </mc:Fallback>
   </mc:AlternateContent>
@@ -9686,7 +9686,7 @@
 </file>
 
 <file path=ppt/slides/slide22.xml><?xml version="1.0" encoding="utf-8"?>
-<p:sld xmlns:a="http://schemas.openxmlformats.org/drawingml/2006/main" xmlns:r="http://schemas.openxmlformats.org/officeDocument/2006/relationships" xmlns:p="http://schemas.openxmlformats.org/presentationml/2006/main" show="0">
+<p:sld xmlns:a="http://schemas.openxmlformats.org/drawingml/2006/main" xmlns:r="http://schemas.openxmlformats.org/officeDocument/2006/relationships" xmlns:p="http://schemas.openxmlformats.org/presentationml/2006/main">
   <p:cSld>
     <p:spTree>
       <p:nvGrpSpPr>
@@ -9882,11 +9882,11 @@
   <p:clrMapOvr>
     <a:masterClrMapping/>
   </p:clrMapOvr>
-  <mc:AlternateContent xmlns:mc="http://schemas.openxmlformats.org/markup-compatibility/2006" xmlns:p14="http://schemas.microsoft.com/office/powerpoint/2010/main">
-    <mc:Choice Requires="p14">
+  <mc:AlternateContent xmlns:mc="http://schemas.openxmlformats.org/markup-compatibility/2006">
+    <mc:Choice xmlns:p14="http://schemas.microsoft.com/office/powerpoint/2010/main" Requires="p14">
       <p:transition spd="slow" p14:dur="2000"/>
     </mc:Choice>
-    <mc:Fallback xmlns="">
+    <mc:Fallback>
       <p:transition xmlns:p14="http://schemas.microsoft.com/office/powerpoint/2010/main" spd="slow"/>
     </mc:Fallback>
   </mc:AlternateContent>
@@ -9901,7 +9901,7 @@
 </file>
 
 <file path=ppt/slides/slide23.xml><?xml version="1.0" encoding="utf-8"?>
-<p:sld xmlns:a="http://schemas.openxmlformats.org/drawingml/2006/main" xmlns:r="http://schemas.openxmlformats.org/officeDocument/2006/relationships" xmlns:p="http://schemas.openxmlformats.org/presentationml/2006/main" show="0">
+<p:sld xmlns:a="http://schemas.openxmlformats.org/drawingml/2006/main" xmlns:r="http://schemas.openxmlformats.org/officeDocument/2006/relationships" xmlns:p="http://schemas.openxmlformats.org/presentationml/2006/main">
   <p:cSld>
     <p:spTree>
       <p:nvGrpSpPr>
@@ -10028,11 +10028,11 @@
   <p:clrMapOvr>
     <a:masterClrMapping/>
   </p:clrMapOvr>
-  <mc:AlternateContent xmlns:mc="http://schemas.openxmlformats.org/markup-compatibility/2006" xmlns:p14="http://schemas.microsoft.com/office/powerpoint/2010/main">
-    <mc:Choice Requires="p14">
+  <mc:AlternateContent xmlns:mc="http://schemas.openxmlformats.org/markup-compatibility/2006">
+    <mc:Choice xmlns:p14="http://schemas.microsoft.com/office/powerpoint/2010/main" Requires="p14">
       <p:transition spd="slow" p14:dur="2000"/>
     </mc:Choice>
-    <mc:Fallback xmlns="">
+    <mc:Fallback>
       <p:transition xmlns:p14="http://schemas.microsoft.com/office/powerpoint/2010/main" spd="slow"/>
     </mc:Fallback>
   </mc:AlternateContent>
@@ -10047,7 +10047,7 @@
 </file>
 
 <file path=ppt/slides/slide24.xml><?xml version="1.0" encoding="utf-8"?>
-<p:sld xmlns:a="http://schemas.openxmlformats.org/drawingml/2006/main" xmlns:r="http://schemas.openxmlformats.org/officeDocument/2006/relationships" xmlns:p="http://schemas.openxmlformats.org/presentationml/2006/main" show="0">
+<p:sld xmlns:a="http://schemas.openxmlformats.org/drawingml/2006/main" xmlns:r="http://schemas.openxmlformats.org/officeDocument/2006/relationships" xmlns:p="http://schemas.openxmlformats.org/presentationml/2006/main">
   <p:cSld>
     <p:spTree>
       <p:nvGrpSpPr>
@@ -10182,11 +10182,11 @@
   <p:clrMapOvr>
     <a:masterClrMapping/>
   </p:clrMapOvr>
-  <mc:AlternateContent xmlns:mc="http://schemas.openxmlformats.org/markup-compatibility/2006" xmlns:p14="http://schemas.microsoft.com/office/powerpoint/2010/main">
-    <mc:Choice Requires="p14">
+  <mc:AlternateContent xmlns:mc="http://schemas.openxmlformats.org/markup-compatibility/2006">
+    <mc:Choice xmlns:p14="http://schemas.microsoft.com/office/powerpoint/2010/main" Requires="p14">
       <p:transition spd="slow" p14:dur="2000"/>
     </mc:Choice>
-    <mc:Fallback xmlns="">
+    <mc:Fallback>
       <p:transition xmlns:p14="http://schemas.microsoft.com/office/powerpoint/2010/main" spd="slow"/>
     </mc:Fallback>
   </mc:AlternateContent>
@@ -10201,7 +10201,7 @@
 </file>
 
 <file path=ppt/slides/slide25.xml><?xml version="1.0" encoding="utf-8"?>
-<p:sld xmlns:a="http://schemas.openxmlformats.org/drawingml/2006/main" xmlns:r="http://schemas.openxmlformats.org/officeDocument/2006/relationships" xmlns:p="http://schemas.openxmlformats.org/presentationml/2006/main" show="0">
+<p:sld xmlns:a="http://schemas.openxmlformats.org/drawingml/2006/main" xmlns:r="http://schemas.openxmlformats.org/officeDocument/2006/relationships" xmlns:p="http://schemas.openxmlformats.org/presentationml/2006/main">
   <p:cSld>
     <p:spTree>
       <p:nvGrpSpPr>
@@ -10280,11 +10280,11 @@
   <p:clrMapOvr>
     <a:masterClrMapping/>
   </p:clrMapOvr>
-  <mc:AlternateContent xmlns:mc="http://schemas.openxmlformats.org/markup-compatibility/2006" xmlns:p14="http://schemas.microsoft.com/office/powerpoint/2010/main">
-    <mc:Choice Requires="p14">
+  <mc:AlternateContent xmlns:mc="http://schemas.openxmlformats.org/markup-compatibility/2006">
+    <mc:Choice xmlns:p14="http://schemas.microsoft.com/office/powerpoint/2010/main" Requires="p14">
       <p:transition spd="slow" p14:dur="2000"/>
     </mc:Choice>
-    <mc:Fallback xmlns="">
+    <mc:Fallback>
       <p:transition xmlns:p14="http://schemas.microsoft.com/office/powerpoint/2010/main" spd="slow"/>
     </mc:Fallback>
   </mc:AlternateContent>
@@ -10299,7 +10299,7 @@
 </file>
 
 <file path=ppt/slides/slide26.xml><?xml version="1.0" encoding="utf-8"?>
-<p:sld xmlns:a="http://schemas.openxmlformats.org/drawingml/2006/main" xmlns:r="http://schemas.openxmlformats.org/officeDocument/2006/relationships" xmlns:p="http://schemas.openxmlformats.org/presentationml/2006/main" show="0">
+<p:sld xmlns:a="http://schemas.openxmlformats.org/drawingml/2006/main" xmlns:r="http://schemas.openxmlformats.org/officeDocument/2006/relationships" xmlns:p="http://schemas.openxmlformats.org/presentationml/2006/main">
   <p:cSld>
     <p:spTree>
       <p:nvGrpSpPr>
@@ -10438,11 +10438,11 @@
   <p:clrMapOvr>
     <a:masterClrMapping/>
   </p:clrMapOvr>
-  <mc:AlternateContent xmlns:mc="http://schemas.openxmlformats.org/markup-compatibility/2006" xmlns:p14="http://schemas.microsoft.com/office/powerpoint/2010/main">
-    <mc:Choice Requires="p14">
+  <mc:AlternateContent xmlns:mc="http://schemas.openxmlformats.org/markup-compatibility/2006">
+    <mc:Choice xmlns:p14="http://schemas.microsoft.com/office/powerpoint/2010/main" Requires="p14">
       <p:transition spd="slow" p14:dur="2000"/>
     </mc:Choice>
-    <mc:Fallback xmlns="">
+    <mc:Fallback>
       <p:transition xmlns:p14="http://schemas.microsoft.com/office/powerpoint/2010/main" spd="slow"/>
     </mc:Fallback>
   </mc:AlternateContent>
@@ -10457,7 +10457,7 @@
 </file>
 
 <file path=ppt/slides/slide27.xml><?xml version="1.0" encoding="utf-8"?>
-<p:sld xmlns:a="http://schemas.openxmlformats.org/drawingml/2006/main" xmlns:r="http://schemas.openxmlformats.org/officeDocument/2006/relationships" xmlns:p="http://schemas.openxmlformats.org/presentationml/2006/main" show="0">
+<p:sld xmlns:a="http://schemas.openxmlformats.org/drawingml/2006/main" xmlns:r="http://schemas.openxmlformats.org/officeDocument/2006/relationships" xmlns:p="http://schemas.openxmlformats.org/presentationml/2006/main">
   <p:cSld>
     <p:spTree>
       <p:nvGrpSpPr>
@@ -10598,11 +10598,11 @@
   <p:clrMapOvr>
     <a:masterClrMapping/>
   </p:clrMapOvr>
-  <mc:AlternateContent xmlns:mc="http://schemas.openxmlformats.org/markup-compatibility/2006" xmlns:p14="http://schemas.microsoft.com/office/powerpoint/2010/main">
-    <mc:Choice Requires="p14">
+  <mc:AlternateContent xmlns:mc="http://schemas.openxmlformats.org/markup-compatibility/2006">
+    <mc:Choice xmlns:p14="http://schemas.microsoft.com/office/powerpoint/2010/main" Requires="p14">
       <p:transition spd="slow" p14:dur="2000"/>
     </mc:Choice>
-    <mc:Fallback xmlns="">
+    <mc:Fallback>
       <p:transition xmlns:p14="http://schemas.microsoft.com/office/powerpoint/2010/main" spd="slow"/>
     </mc:Fallback>
   </mc:AlternateContent>
@@ -10617,7 +10617,7 @@
 </file>
 
 <file path=ppt/slides/slide28.xml><?xml version="1.0" encoding="utf-8"?>
-<p:sld xmlns:a="http://schemas.openxmlformats.org/drawingml/2006/main" xmlns:r="http://schemas.openxmlformats.org/officeDocument/2006/relationships" xmlns:p="http://schemas.openxmlformats.org/presentationml/2006/main" show="0">
+<p:sld xmlns:a="http://schemas.openxmlformats.org/drawingml/2006/main" xmlns:r="http://schemas.openxmlformats.org/officeDocument/2006/relationships" xmlns:p="http://schemas.openxmlformats.org/presentationml/2006/main">
   <p:cSld>
     <p:spTree>
       <p:nvGrpSpPr>
@@ -10820,11 +10820,11 @@
   <p:clrMapOvr>
     <a:masterClrMapping/>
   </p:clrMapOvr>
-  <mc:AlternateContent xmlns:mc="http://schemas.openxmlformats.org/markup-compatibility/2006" xmlns:p14="http://schemas.microsoft.com/office/powerpoint/2010/main">
-    <mc:Choice Requires="p14">
+  <mc:AlternateContent xmlns:mc="http://schemas.openxmlformats.org/markup-compatibility/2006">
+    <mc:Choice xmlns:p14="http://schemas.microsoft.com/office/powerpoint/2010/main" Requires="p14">
       <p:transition spd="slow" p14:dur="2000"/>
     </mc:Choice>
-    <mc:Fallback xmlns="">
+    <mc:Fallback>
       <p:transition xmlns:p14="http://schemas.microsoft.com/office/powerpoint/2010/main" spd="slow"/>
     </mc:Fallback>
   </mc:AlternateContent>
@@ -10839,7 +10839,7 @@
 </file>
 
 <file path=ppt/slides/slide29.xml><?xml version="1.0" encoding="utf-8"?>
-<p:sld xmlns:a="http://schemas.openxmlformats.org/drawingml/2006/main" xmlns:r="http://schemas.openxmlformats.org/officeDocument/2006/relationships" xmlns:p="http://schemas.openxmlformats.org/presentationml/2006/main" show="0">
+<p:sld xmlns:a="http://schemas.openxmlformats.org/drawingml/2006/main" xmlns:r="http://schemas.openxmlformats.org/officeDocument/2006/relationships" xmlns:p="http://schemas.openxmlformats.org/presentationml/2006/main">
   <p:cSld>
     <p:spTree>
       <p:nvGrpSpPr>
@@ -10930,11 +10930,11 @@
   <p:clrMapOvr>
     <a:masterClrMapping/>
   </p:clrMapOvr>
-  <mc:AlternateContent xmlns:mc="http://schemas.openxmlformats.org/markup-compatibility/2006" xmlns:p14="http://schemas.microsoft.com/office/powerpoint/2010/main">
-    <mc:Choice Requires="p14">
+  <mc:AlternateContent xmlns:mc="http://schemas.openxmlformats.org/markup-compatibility/2006">
+    <mc:Choice xmlns:p14="http://schemas.microsoft.com/office/powerpoint/2010/main" Requires="p14">
       <p:transition spd="slow" p14:dur="2000"/>
     </mc:Choice>
-    <mc:Fallback xmlns="">
+    <mc:Fallback>
       <p:transition xmlns:p14="http://schemas.microsoft.com/office/powerpoint/2010/main" spd="slow"/>
     </mc:Fallback>
   </mc:AlternateContent>
@@ -11630,6 +11630,1088 @@
 </file>
 
 <file path=ppt/slides/slide30.xml><?xml version="1.0" encoding="utf-8"?>
+<p:sld xmlns:a="http://schemas.openxmlformats.org/drawingml/2006/main" xmlns:r="http://schemas.openxmlformats.org/officeDocument/2006/relationships" xmlns:p="http://schemas.openxmlformats.org/presentationml/2006/main">
+  <p:cSld>
+    <p:spTree>
+      <p:nvGrpSpPr>
+        <p:cNvPr id="1" name=""/>
+        <p:cNvGrpSpPr/>
+        <p:nvPr/>
+      </p:nvGrpSpPr>
+      <p:grpSpPr>
+        <a:xfrm>
+          <a:off x="0" y="0"/>
+          <a:ext cx="0" cy="0"/>
+          <a:chOff x="0" y="0"/>
+          <a:chExt cx="0" cy="0"/>
+        </a:xfrm>
+      </p:grpSpPr>
+      <p:sp>
+        <p:nvSpPr>
+          <p:cNvPr id="2" name="Title 1"/>
+          <p:cNvSpPr>
+            <a:spLocks noGrp="1"/>
+          </p:cNvSpPr>
+          <p:nvPr>
+            <p:ph type="title"/>
+          </p:nvPr>
+        </p:nvSpPr>
+        <p:spPr/>
+        <p:txBody>
+          <a:bodyPr/>
+          <a:lstStyle/>
+          <a:p>
+            <a:r>
+              <a:rPr lang="en-GB" dirty="0" smtClean="0"/>
+              <a:t>Using GDB with Intel®</a:t>
+            </a:r>
+            <a:endParaRPr lang="en-GB" dirty="0"/>
+          </a:p>
+        </p:txBody>
+      </p:sp>
+      <p:sp>
+        <p:nvSpPr>
+          <p:cNvPr id="3" name="Content Placeholder 2"/>
+          <p:cNvSpPr>
+            <a:spLocks noGrp="1"/>
+          </p:cNvSpPr>
+          <p:nvPr>
+            <p:ph idx="1"/>
+          </p:nvPr>
+        </p:nvSpPr>
+        <p:spPr>
+          <a:xfrm>
+            <a:off x="457200" y="1340768"/>
+            <a:ext cx="8686800" cy="5400600"/>
+          </a:xfrm>
+        </p:spPr>
+        <p:txBody>
+          <a:bodyPr>
+            <a:normAutofit fontScale="85000" lnSpcReduction="20000"/>
+          </a:bodyPr>
+          <a:lstStyle/>
+          <a:p>
+            <a:pPr>
+              <a:lnSpc>
+                <a:spcPct val="120000"/>
+              </a:lnSpc>
+            </a:pPr>
+            <a:r>
+              <a:rPr lang="en-GB" dirty="0" smtClean="0"/>
+              <a:t>Ensure you select the CPU device from the Intel® platform</a:t>
+            </a:r>
+          </a:p>
+          <a:p>
+            <a:pPr>
+              <a:lnSpc>
+                <a:spcPct val="120000"/>
+              </a:lnSpc>
+            </a:pPr>
+            <a:r>
+              <a:rPr lang="en-GB" dirty="0" smtClean="0"/>
+              <a:t>Enable debugging symbols and add the absolute path to the kernel source code when building the kernels:</a:t>
+            </a:r>
+            <a:endParaRPr lang="en-GB" dirty="0"/>
+          </a:p>
+          <a:p>
+            <a:pPr marL="457200" lvl="1" indent="0">
+              <a:lnSpc>
+                <a:spcPct val="120000"/>
+              </a:lnSpc>
+              <a:buNone/>
+            </a:pPr>
+            <a:r>
+              <a:rPr lang="en-GB" b="1" dirty="0" err="1" smtClean="0">
+                <a:solidFill>
+                  <a:srgbClr val="3366FF"/>
+                </a:solidFill>
+                <a:latin typeface="Courier New"/>
+                <a:cs typeface="Courier New"/>
+              </a:rPr>
+              <a:t>clBuildProgram</a:t>
+            </a:r>
+            <a:r>
+              <a:rPr lang="en-GB" b="1" dirty="0" smtClean="0">
+                <a:solidFill>
+                  <a:srgbClr val="3366FF"/>
+                </a:solidFill>
+                <a:latin typeface="Courier New"/>
+                <a:cs typeface="Courier New"/>
+              </a:rPr>
+              <a:t>(… </a:t>
+            </a:r>
+            <a:r>
+              <a:rPr lang="en-GB" b="1" dirty="0">
+                <a:solidFill>
+                  <a:srgbClr val="3366FF"/>
+                </a:solidFill>
+                <a:latin typeface="Courier New"/>
+                <a:cs typeface="Courier New"/>
+              </a:rPr>
+              <a:t>"–</a:t>
+            </a:r>
+            <a:r>
+              <a:rPr lang="en-GB" b="1" dirty="0" smtClean="0">
+                <a:solidFill>
+                  <a:srgbClr val="3366FF"/>
+                </a:solidFill>
+                <a:latin typeface="Courier New"/>
+                <a:cs typeface="Courier New"/>
+              </a:rPr>
+              <a:t>g –s /path/to/</a:t>
+            </a:r>
+            <a:r>
+              <a:rPr lang="en-GB" b="1" dirty="0" err="1" smtClean="0">
+                <a:solidFill>
+                  <a:srgbClr val="3366FF"/>
+                </a:solidFill>
+                <a:latin typeface="Courier New"/>
+                <a:cs typeface="Courier New"/>
+              </a:rPr>
+              <a:t>kernel.cl</a:t>
+            </a:r>
+            <a:r>
+              <a:rPr lang="en-GB" b="1" dirty="0" smtClean="0">
+                <a:solidFill>
+                  <a:srgbClr val="3366FF"/>
+                </a:solidFill>
+                <a:latin typeface="Courier New"/>
+                <a:cs typeface="Courier New"/>
+              </a:rPr>
+              <a:t>" …);</a:t>
+            </a:r>
+            <a:endParaRPr lang="en-GB" dirty="0" smtClean="0"/>
+          </a:p>
+          <a:p>
+            <a:pPr>
+              <a:lnSpc>
+                <a:spcPct val="120000"/>
+              </a:lnSpc>
+            </a:pPr>
+            <a:r>
+              <a:rPr lang="en-GB" dirty="0" smtClean="0"/>
+              <a:t>The </a:t>
+            </a:r>
+            <a:r>
+              <a:rPr lang="en-GB" dirty="0"/>
+              <a:t>symbolic name of a kernel function </a:t>
+            </a:r>
+            <a:r>
+              <a:rPr lang="en-GB" dirty="0" smtClean="0"/>
+              <a:t>‘</a:t>
+            </a:r>
+            <a:r>
+              <a:rPr lang="en-GB" b="1" dirty="0" smtClean="0">
+                <a:solidFill>
+                  <a:srgbClr val="3366FF"/>
+                </a:solidFill>
+                <a:latin typeface="Courier New"/>
+                <a:cs typeface="Courier New"/>
+              </a:rPr>
+              <a:t>kernel </a:t>
+            </a:r>
+            <a:r>
+              <a:rPr lang="en-GB" b="1" dirty="0">
+                <a:solidFill>
+                  <a:srgbClr val="3366FF"/>
+                </a:solidFill>
+                <a:latin typeface="Courier New"/>
+                <a:cs typeface="Courier New"/>
+              </a:rPr>
+              <a:t>void </a:t>
+            </a:r>
+            <a:r>
+              <a:rPr lang="en-GB" b="1" dirty="0" smtClean="0">
+                <a:solidFill>
+                  <a:srgbClr val="3366FF"/>
+                </a:solidFill>
+                <a:latin typeface="Courier New"/>
+                <a:cs typeface="Courier New"/>
+              </a:rPr>
+              <a:t>foo(</a:t>
+            </a:r>
+            <a:r>
+              <a:rPr lang="en-GB" b="1" dirty="0" err="1">
+                <a:solidFill>
+                  <a:srgbClr val="3366FF"/>
+                </a:solidFill>
+                <a:latin typeface="Courier New"/>
+                <a:cs typeface="Courier New"/>
+              </a:rPr>
+              <a:t>args</a:t>
+            </a:r>
+            <a:r>
+              <a:rPr lang="en-GB" b="1" dirty="0" smtClean="0">
+                <a:solidFill>
+                  <a:srgbClr val="3366FF"/>
+                </a:solidFill>
+                <a:latin typeface="Courier New"/>
+                <a:cs typeface="Courier New"/>
+              </a:rPr>
+              <a:t>)</a:t>
+            </a:r>
+            <a:r>
+              <a:rPr lang="en-GB" b="1" dirty="0" smtClean="0"/>
+              <a:t>’</a:t>
+            </a:r>
+            <a:r>
+              <a:rPr lang="en-GB" dirty="0" smtClean="0"/>
+              <a:t> will just be </a:t>
+            </a:r>
+            <a:r>
+              <a:rPr lang="en-GB" b="1" dirty="0" smtClean="0">
+                <a:solidFill>
+                  <a:srgbClr val="3366FF"/>
+                </a:solidFill>
+                <a:latin typeface="Courier New"/>
+                <a:cs typeface="Courier New"/>
+              </a:rPr>
+              <a:t>foo</a:t>
+            </a:r>
+            <a:endParaRPr lang="en-GB" dirty="0" smtClean="0"/>
+          </a:p>
+          <a:p>
+            <a:pPr lvl="1">
+              <a:lnSpc>
+                <a:spcPct val="110000"/>
+              </a:lnSpc>
+            </a:pPr>
+            <a:r>
+              <a:rPr lang="en-GB" dirty="0" smtClean="0"/>
+              <a:t>To </a:t>
+            </a:r>
+            <a:r>
+              <a:rPr lang="en-GB" dirty="0"/>
+              <a:t>set a breakpoint on kernel entry enter at the GDB </a:t>
+            </a:r>
+            <a:r>
+              <a:rPr lang="en-GB" dirty="0" smtClean="0"/>
+              <a:t>prompt:</a:t>
+            </a:r>
+          </a:p>
+          <a:p>
+            <a:pPr marL="857250" lvl="2" indent="0">
+              <a:lnSpc>
+                <a:spcPct val="110000"/>
+              </a:lnSpc>
+              <a:buNone/>
+            </a:pPr>
+            <a:r>
+              <a:rPr lang="en-GB" sz="2600" b="1" dirty="0">
+                <a:solidFill>
+                  <a:srgbClr val="3366FF"/>
+                </a:solidFill>
+                <a:latin typeface="Courier New"/>
+                <a:cs typeface="Courier New"/>
+              </a:rPr>
+              <a:t>break </a:t>
+            </a:r>
+            <a:r>
+              <a:rPr lang="en-GB" sz="2600" b="1" dirty="0" smtClean="0">
+                <a:solidFill>
+                  <a:srgbClr val="3366FF"/>
+                </a:solidFill>
+                <a:latin typeface="Courier New"/>
+                <a:cs typeface="Courier New"/>
+              </a:rPr>
+              <a:t>foo</a:t>
+            </a:r>
+            <a:endParaRPr lang="en-GB" sz="2600" dirty="0" smtClean="0">
+              <a:latin typeface="Courier New"/>
+              <a:cs typeface="Courier New"/>
+            </a:endParaRPr>
+          </a:p>
+          <a:p>
+            <a:pPr lvl="1">
+              <a:lnSpc>
+                <a:spcPct val="110000"/>
+              </a:lnSpc>
+            </a:pPr>
+            <a:r>
+              <a:rPr lang="en-GB" dirty="0" smtClean="0"/>
+              <a:t>This can only be done </a:t>
+            </a:r>
+            <a:r>
+              <a:rPr lang="en-GB" i="1" dirty="0" smtClean="0"/>
+              <a:t>after</a:t>
+            </a:r>
+            <a:r>
+              <a:rPr lang="en-GB" dirty="0" smtClean="0"/>
+              <a:t> the kernels have been built</a:t>
+            </a:r>
+          </a:p>
+          <a:p>
+            <a:pPr>
+              <a:lnSpc>
+                <a:spcPct val="110000"/>
+              </a:lnSpc>
+            </a:pPr>
+            <a:r>
+              <a:rPr lang="en-GB" dirty="0" smtClean="0"/>
+              <a:t>On Windows, this functionality is provided via a graphical user interface inside Visual Studio</a:t>
+            </a:r>
+          </a:p>
+        </p:txBody>
+      </p:sp>
+      <p:sp>
+        <p:nvSpPr>
+          <p:cNvPr id="4" name="Content Placeholder 7"/>
+          <p:cNvSpPr txBox="1">
+            <a:spLocks/>
+          </p:cNvSpPr>
+          <p:nvPr/>
+        </p:nvSpPr>
+        <p:spPr>
+          <a:xfrm>
+            <a:off x="107504" y="6453337"/>
+            <a:ext cx="4861484" cy="404664"/>
+          </a:xfrm>
+          <a:prstGeom prst="rect">
+            <a:avLst/>
+          </a:prstGeom>
+        </p:spPr>
+        <p:txBody>
+          <a:bodyPr vert="horz" lIns="91440" tIns="45720" rIns="91440" bIns="45720" rtlCol="0">
+            <a:normAutofit/>
+          </a:bodyPr>
+          <a:lstStyle>
+            <a:lvl1pPr marL="342900" indent="-342900" algn="l" defTabSz="914400" rtl="0" eaLnBrk="1" latinLnBrk="0" hangingPunct="1">
+              <a:spcBef>
+                <a:spcPct val="20000"/>
+              </a:spcBef>
+              <a:buFont typeface="Arial" pitchFamily="34" charset="0"/>
+              <a:buChar char="•"/>
+              <a:defRPr sz="3200" kern="1200">
+                <a:solidFill>
+                  <a:schemeClr val="tx1"/>
+                </a:solidFill>
+                <a:latin typeface="+mn-lt"/>
+                <a:ea typeface="+mn-ea"/>
+                <a:cs typeface="+mn-cs"/>
+              </a:defRPr>
+            </a:lvl1pPr>
+            <a:lvl2pPr marL="742950" indent="-285750" algn="l" defTabSz="914400" rtl="0" eaLnBrk="1" latinLnBrk="0" hangingPunct="1">
+              <a:spcBef>
+                <a:spcPct val="20000"/>
+              </a:spcBef>
+              <a:buFont typeface="Arial" pitchFamily="34" charset="0"/>
+              <a:buChar char="–"/>
+              <a:defRPr sz="2800" kern="1200">
+                <a:solidFill>
+                  <a:schemeClr val="tx1"/>
+                </a:solidFill>
+                <a:latin typeface="+mn-lt"/>
+                <a:ea typeface="+mn-ea"/>
+                <a:cs typeface="+mn-cs"/>
+              </a:defRPr>
+            </a:lvl2pPr>
+            <a:lvl3pPr marL="1143000" indent="-228600" algn="l" defTabSz="914400" rtl="0" eaLnBrk="1" latinLnBrk="0" hangingPunct="1">
+              <a:spcBef>
+                <a:spcPct val="20000"/>
+              </a:spcBef>
+              <a:buFont typeface="Arial" pitchFamily="34" charset="0"/>
+              <a:buChar char="•"/>
+              <a:defRPr sz="2400" kern="1200">
+                <a:solidFill>
+                  <a:schemeClr val="tx1"/>
+                </a:solidFill>
+                <a:latin typeface="+mn-lt"/>
+                <a:ea typeface="+mn-ea"/>
+                <a:cs typeface="+mn-cs"/>
+              </a:defRPr>
+            </a:lvl3pPr>
+            <a:lvl4pPr marL="1600200" indent="-228600" algn="l" defTabSz="914400" rtl="0" eaLnBrk="1" latinLnBrk="0" hangingPunct="1">
+              <a:spcBef>
+                <a:spcPct val="20000"/>
+              </a:spcBef>
+              <a:buFont typeface="Arial" pitchFamily="34" charset="0"/>
+              <a:buChar char="–"/>
+              <a:defRPr sz="2000" kern="1200">
+                <a:solidFill>
+                  <a:schemeClr val="tx1"/>
+                </a:solidFill>
+                <a:latin typeface="+mn-lt"/>
+                <a:ea typeface="+mn-ea"/>
+                <a:cs typeface="+mn-cs"/>
+              </a:defRPr>
+            </a:lvl4pPr>
+            <a:lvl5pPr marL="2057400" indent="-228600" algn="l" defTabSz="914400" rtl="0" eaLnBrk="1" latinLnBrk="0" hangingPunct="1">
+              <a:spcBef>
+                <a:spcPct val="20000"/>
+              </a:spcBef>
+              <a:buFont typeface="Arial" pitchFamily="34" charset="0"/>
+              <a:buChar char="»"/>
+              <a:defRPr sz="2000" kern="1200">
+                <a:solidFill>
+                  <a:schemeClr val="tx1"/>
+                </a:solidFill>
+                <a:latin typeface="+mn-lt"/>
+                <a:ea typeface="+mn-ea"/>
+                <a:cs typeface="+mn-cs"/>
+              </a:defRPr>
+            </a:lvl5pPr>
+            <a:lvl6pPr marL="2514600" indent="-228600" algn="l" defTabSz="914400" rtl="0" eaLnBrk="1" latinLnBrk="0" hangingPunct="1">
+              <a:spcBef>
+                <a:spcPct val="20000"/>
+              </a:spcBef>
+              <a:buFont typeface="Arial" pitchFamily="34" charset="0"/>
+              <a:buChar char="•"/>
+              <a:defRPr sz="2000" kern="1200">
+                <a:solidFill>
+                  <a:schemeClr val="tx1"/>
+                </a:solidFill>
+                <a:latin typeface="+mn-lt"/>
+                <a:ea typeface="+mn-ea"/>
+                <a:cs typeface="+mn-cs"/>
+              </a:defRPr>
+            </a:lvl6pPr>
+            <a:lvl7pPr marL="2971800" indent="-228600" algn="l" defTabSz="914400" rtl="0" eaLnBrk="1" latinLnBrk="0" hangingPunct="1">
+              <a:spcBef>
+                <a:spcPct val="20000"/>
+              </a:spcBef>
+              <a:buFont typeface="Arial" pitchFamily="34" charset="0"/>
+              <a:buChar char="•"/>
+              <a:defRPr sz="2000" kern="1200">
+                <a:solidFill>
+                  <a:schemeClr val="tx1"/>
+                </a:solidFill>
+                <a:latin typeface="+mn-lt"/>
+                <a:ea typeface="+mn-ea"/>
+                <a:cs typeface="+mn-cs"/>
+              </a:defRPr>
+            </a:lvl7pPr>
+            <a:lvl8pPr marL="3429000" indent="-228600" algn="l" defTabSz="914400" rtl="0" eaLnBrk="1" latinLnBrk="0" hangingPunct="1">
+              <a:spcBef>
+                <a:spcPct val="20000"/>
+              </a:spcBef>
+              <a:buFont typeface="Arial" pitchFamily="34" charset="0"/>
+              <a:buChar char="•"/>
+              <a:defRPr sz="2000" kern="1200">
+                <a:solidFill>
+                  <a:schemeClr val="tx1"/>
+                </a:solidFill>
+                <a:latin typeface="+mn-lt"/>
+                <a:ea typeface="+mn-ea"/>
+                <a:cs typeface="+mn-cs"/>
+              </a:defRPr>
+            </a:lvl8pPr>
+            <a:lvl9pPr marL="3886200" indent="-228600" algn="l" defTabSz="914400" rtl="0" eaLnBrk="1" latinLnBrk="0" hangingPunct="1">
+              <a:spcBef>
+                <a:spcPct val="20000"/>
+              </a:spcBef>
+              <a:buFont typeface="Arial" pitchFamily="34" charset="0"/>
+              <a:buChar char="•"/>
+              <a:defRPr sz="2000" kern="1200">
+                <a:solidFill>
+                  <a:schemeClr val="tx1"/>
+                </a:solidFill>
+                <a:latin typeface="+mn-lt"/>
+                <a:ea typeface="+mn-ea"/>
+                <a:cs typeface="+mn-cs"/>
+              </a:defRPr>
+            </a:lvl9pPr>
+          </a:lstStyle>
+          <a:p>
+            <a:pPr marL="0" indent="0">
+              <a:buFont typeface="Arial" pitchFamily="34" charset="0"/>
+              <a:buNone/>
+            </a:pPr>
+            <a:r>
+              <a:rPr lang="en-GB" sz="1200" dirty="0" smtClean="0">
+                <a:solidFill>
+                  <a:prstClr val="black"/>
+                </a:solidFill>
+              </a:rPr>
+              <a:t>Third party names are the property of their owners.</a:t>
+            </a:r>
+            <a:endParaRPr lang="en-GB" sz="1200" dirty="0">
+              <a:solidFill>
+                <a:prstClr val="black"/>
+              </a:solidFill>
+            </a:endParaRPr>
+          </a:p>
+        </p:txBody>
+      </p:sp>
+    </p:spTree>
+    <p:extLst>
+      <p:ext uri="{BB962C8B-B14F-4D97-AF65-F5344CB8AC3E}">
+        <p14:creationId xmlns:p14="http://schemas.microsoft.com/office/powerpoint/2010/main" val="2104821692"/>
+      </p:ext>
+    </p:extLst>
+  </p:cSld>
+  <p:clrMapOvr>
+    <a:masterClrMapping/>
+  </p:clrMapOvr>
+  <mc:AlternateContent xmlns:mc="http://schemas.openxmlformats.org/markup-compatibility/2006">
+    <mc:Choice xmlns:p14="http://schemas.microsoft.com/office/powerpoint/2010/main" Requires="p14">
+      <p:transition spd="slow" p14:dur="2000"/>
+    </mc:Choice>
+    <mc:Fallback>
+      <p:transition xmlns:p14="http://schemas.microsoft.com/office/powerpoint/2010/main" spd="slow"/>
+    </mc:Fallback>
+  </mc:AlternateContent>
+  <p:timing>
+    <p:tnLst>
+      <p:par>
+        <p:cTn xmlns:p14="http://schemas.microsoft.com/office/powerpoint/2010/main" id="1" dur="indefinite" restart="never" nodeType="tmRoot"/>
+      </p:par>
+    </p:tnLst>
+  </p:timing>
+</p:sld>
+</file>
+
+<file path=ppt/slides/slide31.xml><?xml version="1.0" encoding="utf-8"?>
+<p:sld xmlns:a="http://schemas.openxmlformats.org/drawingml/2006/main" xmlns:r="http://schemas.openxmlformats.org/officeDocument/2006/relationships" xmlns:p="http://schemas.openxmlformats.org/presentationml/2006/main">
+  <p:cSld>
+    <p:spTree>
+      <p:nvGrpSpPr>
+        <p:cNvPr id="1" name=""/>
+        <p:cNvGrpSpPr/>
+        <p:nvPr/>
+      </p:nvGrpSpPr>
+      <p:grpSpPr>
+        <a:xfrm>
+          <a:off x="0" y="0"/>
+          <a:ext cx="0" cy="0"/>
+          <a:chOff x="0" y="0"/>
+          <a:chExt cx="0" cy="0"/>
+        </a:xfrm>
+      </p:grpSpPr>
+      <p:sp>
+        <p:nvSpPr>
+          <p:cNvPr id="2" name="Title 1"/>
+          <p:cNvSpPr>
+            <a:spLocks noGrp="1"/>
+          </p:cNvSpPr>
+          <p:nvPr>
+            <p:ph type="title"/>
+          </p:nvPr>
+        </p:nvSpPr>
+        <p:spPr/>
+        <p:txBody>
+          <a:bodyPr/>
+          <a:lstStyle/>
+          <a:p>
+            <a:r>
+              <a:rPr lang="en-GB" dirty="0" smtClean="0"/>
+              <a:t>Using GDB with AMD®</a:t>
+            </a:r>
+            <a:endParaRPr lang="en-GB" dirty="0"/>
+          </a:p>
+        </p:txBody>
+      </p:sp>
+      <p:sp>
+        <p:nvSpPr>
+          <p:cNvPr id="3" name="Content Placeholder 2"/>
+          <p:cNvSpPr>
+            <a:spLocks noGrp="1"/>
+          </p:cNvSpPr>
+          <p:nvPr>
+            <p:ph idx="1"/>
+          </p:nvPr>
+        </p:nvSpPr>
+        <p:spPr>
+          <a:xfrm>
+            <a:off x="457200" y="1600200"/>
+            <a:ext cx="8229600" cy="4925144"/>
+          </a:xfrm>
+        </p:spPr>
+        <p:txBody>
+          <a:bodyPr>
+            <a:normAutofit fontScale="77500" lnSpcReduction="20000"/>
+          </a:bodyPr>
+          <a:lstStyle/>
+          <a:p>
+            <a:pPr>
+              <a:lnSpc>
+                <a:spcPct val="120000"/>
+              </a:lnSpc>
+            </a:pPr>
+            <a:r>
+              <a:rPr lang="en-GB" dirty="0" smtClean="0"/>
+              <a:t>Ensure you select the CPU device from the AMD® platform</a:t>
+            </a:r>
+          </a:p>
+          <a:p>
+            <a:pPr>
+              <a:lnSpc>
+                <a:spcPct val="120000"/>
+              </a:lnSpc>
+            </a:pPr>
+            <a:r>
+              <a:rPr lang="en-GB" dirty="0" smtClean="0"/>
+              <a:t>Enable debugging symbols and turn off all optimizations </a:t>
+            </a:r>
+            <a:r>
+              <a:rPr lang="en-GB" dirty="0"/>
+              <a:t>when building the </a:t>
+            </a:r>
+            <a:r>
+              <a:rPr lang="en-GB" dirty="0" smtClean="0"/>
+              <a:t>kernels:</a:t>
+            </a:r>
+          </a:p>
+          <a:p>
+            <a:pPr marL="457200" lvl="1" indent="0">
+              <a:lnSpc>
+                <a:spcPct val="120000"/>
+              </a:lnSpc>
+              <a:buNone/>
+            </a:pPr>
+            <a:r>
+              <a:rPr lang="en-GB" b="1" dirty="0" err="1" smtClean="0">
+                <a:solidFill>
+                  <a:srgbClr val="3366FF"/>
+                </a:solidFill>
+                <a:latin typeface="Courier New"/>
+                <a:cs typeface="Courier New"/>
+              </a:rPr>
+              <a:t>clBuildProgram</a:t>
+            </a:r>
+            <a:r>
+              <a:rPr lang="en-GB" b="1" dirty="0" smtClean="0">
+                <a:solidFill>
+                  <a:srgbClr val="3366FF"/>
+                </a:solidFill>
+                <a:latin typeface="Courier New"/>
+                <a:cs typeface="Courier New"/>
+              </a:rPr>
+              <a:t>(… </a:t>
+            </a:r>
+            <a:r>
+              <a:rPr lang="en-GB" b="1" dirty="0">
+                <a:solidFill>
+                  <a:srgbClr val="3366FF"/>
+                </a:solidFill>
+                <a:latin typeface="Courier New"/>
+                <a:cs typeface="Courier New"/>
+              </a:rPr>
+              <a:t>"–</a:t>
+            </a:r>
+            <a:r>
+              <a:rPr lang="en-GB" b="1" dirty="0" smtClean="0">
+                <a:solidFill>
+                  <a:srgbClr val="3366FF"/>
+                </a:solidFill>
+                <a:latin typeface="Courier New"/>
+                <a:cs typeface="Courier New"/>
+              </a:rPr>
+              <a:t>g –O0" …);</a:t>
+            </a:r>
+            <a:endParaRPr lang="en-GB" dirty="0" smtClean="0"/>
+          </a:p>
+          <a:p>
+            <a:pPr>
+              <a:lnSpc>
+                <a:spcPct val="120000"/>
+              </a:lnSpc>
+            </a:pPr>
+            <a:r>
+              <a:rPr lang="en-GB" dirty="0" smtClean="0"/>
+              <a:t>The </a:t>
+            </a:r>
+            <a:r>
+              <a:rPr lang="en-GB" dirty="0"/>
+              <a:t>symbolic name of a kernel function </a:t>
+            </a:r>
+            <a:r>
+              <a:rPr lang="en-GB" dirty="0" smtClean="0"/>
+              <a:t>‘</a:t>
+            </a:r>
+            <a:r>
+              <a:rPr lang="en-GB" b="1" dirty="0" smtClean="0">
+                <a:solidFill>
+                  <a:srgbClr val="3366FF"/>
+                </a:solidFill>
+                <a:latin typeface="Courier New"/>
+                <a:cs typeface="Courier New"/>
+              </a:rPr>
+              <a:t>kernel </a:t>
+            </a:r>
+            <a:r>
+              <a:rPr lang="en-GB" b="1" dirty="0">
+                <a:solidFill>
+                  <a:srgbClr val="3366FF"/>
+                </a:solidFill>
+                <a:latin typeface="Courier New"/>
+                <a:cs typeface="Courier New"/>
+              </a:rPr>
+              <a:t>void </a:t>
+            </a:r>
+            <a:r>
+              <a:rPr lang="en-GB" b="1" dirty="0" smtClean="0">
+                <a:solidFill>
+                  <a:srgbClr val="3366FF"/>
+                </a:solidFill>
+                <a:latin typeface="Courier New"/>
+                <a:cs typeface="Courier New"/>
+              </a:rPr>
+              <a:t>foo(</a:t>
+            </a:r>
+            <a:r>
+              <a:rPr lang="en-GB" b="1" dirty="0" err="1">
+                <a:solidFill>
+                  <a:srgbClr val="3366FF"/>
+                </a:solidFill>
+                <a:latin typeface="Courier New"/>
+                <a:cs typeface="Courier New"/>
+              </a:rPr>
+              <a:t>args</a:t>
+            </a:r>
+            <a:r>
+              <a:rPr lang="en-GB" b="1" dirty="0" smtClean="0">
+                <a:solidFill>
+                  <a:srgbClr val="3366FF"/>
+                </a:solidFill>
+                <a:latin typeface="Courier New"/>
+                <a:cs typeface="Courier New"/>
+              </a:rPr>
+              <a:t>)</a:t>
+            </a:r>
+            <a:r>
+              <a:rPr lang="en-GB" b="1" dirty="0" smtClean="0"/>
+              <a:t>’</a:t>
+            </a:r>
+            <a:r>
+              <a:rPr lang="en-GB" dirty="0" smtClean="0"/>
+              <a:t> will be </a:t>
+            </a:r>
+            <a:r>
+              <a:rPr lang="en-GB" b="1" dirty="0" smtClean="0">
+                <a:solidFill>
+                  <a:srgbClr val="3366FF"/>
+                </a:solidFill>
+                <a:latin typeface="Courier New"/>
+                <a:cs typeface="Courier New"/>
+              </a:rPr>
+              <a:t>__</a:t>
+            </a:r>
+            <a:r>
+              <a:rPr lang="en-GB" b="1" dirty="0" err="1" smtClean="0">
+                <a:solidFill>
+                  <a:srgbClr val="3366FF"/>
+                </a:solidFill>
+                <a:latin typeface="Courier New"/>
+                <a:cs typeface="Courier New"/>
+              </a:rPr>
+              <a:t>OpenCL_foo_kernel</a:t>
+            </a:r>
+            <a:endParaRPr lang="en-GB" dirty="0" smtClean="0"/>
+          </a:p>
+          <a:p>
+            <a:pPr lvl="1">
+              <a:lnSpc>
+                <a:spcPct val="110000"/>
+              </a:lnSpc>
+            </a:pPr>
+            <a:r>
+              <a:rPr lang="en-GB" dirty="0" smtClean="0"/>
+              <a:t>To </a:t>
+            </a:r>
+            <a:r>
+              <a:rPr lang="en-GB" dirty="0"/>
+              <a:t>set a breakpoint on kernel entry enter at the GDB </a:t>
+            </a:r>
+            <a:r>
+              <a:rPr lang="en-GB" dirty="0" smtClean="0"/>
+              <a:t>prompt:</a:t>
+            </a:r>
+          </a:p>
+          <a:p>
+            <a:pPr marL="857250" lvl="2" indent="0">
+              <a:lnSpc>
+                <a:spcPct val="110000"/>
+              </a:lnSpc>
+              <a:buNone/>
+            </a:pPr>
+            <a:r>
+              <a:rPr lang="en-GB" b="1" dirty="0">
+                <a:solidFill>
+                  <a:srgbClr val="3366FF"/>
+                </a:solidFill>
+                <a:latin typeface="Courier New Bold"/>
+              </a:rPr>
+              <a:t>break </a:t>
+            </a:r>
+            <a:r>
+              <a:rPr lang="en-GB" b="1" dirty="0" smtClean="0">
+                <a:solidFill>
+                  <a:srgbClr val="3366FF"/>
+                </a:solidFill>
+                <a:latin typeface="Courier New Bold"/>
+              </a:rPr>
+              <a:t>__</a:t>
+            </a:r>
+            <a:r>
+              <a:rPr lang="en-GB" b="1" dirty="0" err="1" smtClean="0">
+                <a:solidFill>
+                  <a:srgbClr val="3366FF"/>
+                </a:solidFill>
+                <a:latin typeface="Courier New Bold"/>
+              </a:rPr>
+              <a:t>OpenCL_foo_kernel</a:t>
+            </a:r>
+            <a:endParaRPr lang="en-GB" dirty="0" smtClean="0"/>
+          </a:p>
+          <a:p>
+            <a:pPr lvl="1">
+              <a:lnSpc>
+                <a:spcPct val="110000"/>
+              </a:lnSpc>
+            </a:pPr>
+            <a:r>
+              <a:rPr lang="en-GB" dirty="0" smtClean="0"/>
+              <a:t>This can only be done </a:t>
+            </a:r>
+            <a:r>
+              <a:rPr lang="en-GB" i="1" dirty="0" smtClean="0"/>
+              <a:t>after</a:t>
+            </a:r>
+            <a:r>
+              <a:rPr lang="en-GB" dirty="0" smtClean="0"/>
+              <a:t> the kernels have been built 	</a:t>
+            </a:r>
+            <a:endParaRPr lang="en-GB" b="1" dirty="0" smtClean="0">
+              <a:solidFill>
+                <a:srgbClr val="3366FF"/>
+              </a:solidFill>
+              <a:latin typeface="Courier New Bold"/>
+            </a:endParaRPr>
+          </a:p>
+          <a:p>
+            <a:pPr>
+              <a:lnSpc>
+                <a:spcPct val="120000"/>
+              </a:lnSpc>
+            </a:pPr>
+            <a:r>
+              <a:rPr lang="en-GB" dirty="0" smtClean="0"/>
+              <a:t>AMD® recommend setting the environment variable </a:t>
+            </a:r>
+            <a:r>
+              <a:rPr lang="en-GB" b="1" dirty="0" smtClean="0">
+                <a:solidFill>
+                  <a:srgbClr val="3366FF"/>
+                </a:solidFill>
+                <a:latin typeface="Courier New Bold"/>
+              </a:rPr>
+              <a:t>CPU_MAX_COMPUTE_UNITS=1</a:t>
+            </a:r>
+            <a:r>
+              <a:rPr lang="en-GB" dirty="0" smtClean="0"/>
+              <a:t> to ensure deterministic kernel behaviour</a:t>
+            </a:r>
+          </a:p>
+        </p:txBody>
+      </p:sp>
+      <p:sp>
+        <p:nvSpPr>
+          <p:cNvPr id="4" name="Content Placeholder 7"/>
+          <p:cNvSpPr txBox="1">
+            <a:spLocks/>
+          </p:cNvSpPr>
+          <p:nvPr/>
+        </p:nvSpPr>
+        <p:spPr>
+          <a:xfrm>
+            <a:off x="107504" y="6453337"/>
+            <a:ext cx="4861484" cy="404664"/>
+          </a:xfrm>
+          <a:prstGeom prst="rect">
+            <a:avLst/>
+          </a:prstGeom>
+        </p:spPr>
+        <p:txBody>
+          <a:bodyPr vert="horz" lIns="91440" tIns="45720" rIns="91440" bIns="45720" rtlCol="0">
+            <a:normAutofit/>
+          </a:bodyPr>
+          <a:lstStyle>
+            <a:lvl1pPr marL="342900" indent="-342900" algn="l" defTabSz="914400" rtl="0" eaLnBrk="1" latinLnBrk="0" hangingPunct="1">
+              <a:spcBef>
+                <a:spcPct val="20000"/>
+              </a:spcBef>
+              <a:buFont typeface="Arial" pitchFamily="34" charset="0"/>
+              <a:buChar char="•"/>
+              <a:defRPr sz="3200" kern="1200">
+                <a:solidFill>
+                  <a:schemeClr val="tx1"/>
+                </a:solidFill>
+                <a:latin typeface="+mn-lt"/>
+                <a:ea typeface="+mn-ea"/>
+                <a:cs typeface="+mn-cs"/>
+              </a:defRPr>
+            </a:lvl1pPr>
+            <a:lvl2pPr marL="742950" indent="-285750" algn="l" defTabSz="914400" rtl="0" eaLnBrk="1" latinLnBrk="0" hangingPunct="1">
+              <a:spcBef>
+                <a:spcPct val="20000"/>
+              </a:spcBef>
+              <a:buFont typeface="Arial" pitchFamily="34" charset="0"/>
+              <a:buChar char="–"/>
+              <a:defRPr sz="2800" kern="1200">
+                <a:solidFill>
+                  <a:schemeClr val="tx1"/>
+                </a:solidFill>
+                <a:latin typeface="+mn-lt"/>
+                <a:ea typeface="+mn-ea"/>
+                <a:cs typeface="+mn-cs"/>
+              </a:defRPr>
+            </a:lvl2pPr>
+            <a:lvl3pPr marL="1143000" indent="-228600" algn="l" defTabSz="914400" rtl="0" eaLnBrk="1" latinLnBrk="0" hangingPunct="1">
+              <a:spcBef>
+                <a:spcPct val="20000"/>
+              </a:spcBef>
+              <a:buFont typeface="Arial" pitchFamily="34" charset="0"/>
+              <a:buChar char="•"/>
+              <a:defRPr sz="2400" kern="1200">
+                <a:solidFill>
+                  <a:schemeClr val="tx1"/>
+                </a:solidFill>
+                <a:latin typeface="+mn-lt"/>
+                <a:ea typeface="+mn-ea"/>
+                <a:cs typeface="+mn-cs"/>
+              </a:defRPr>
+            </a:lvl3pPr>
+            <a:lvl4pPr marL="1600200" indent="-228600" algn="l" defTabSz="914400" rtl="0" eaLnBrk="1" latinLnBrk="0" hangingPunct="1">
+              <a:spcBef>
+                <a:spcPct val="20000"/>
+              </a:spcBef>
+              <a:buFont typeface="Arial" pitchFamily="34" charset="0"/>
+              <a:buChar char="–"/>
+              <a:defRPr sz="2000" kern="1200">
+                <a:solidFill>
+                  <a:schemeClr val="tx1"/>
+                </a:solidFill>
+                <a:latin typeface="+mn-lt"/>
+                <a:ea typeface="+mn-ea"/>
+                <a:cs typeface="+mn-cs"/>
+              </a:defRPr>
+            </a:lvl4pPr>
+            <a:lvl5pPr marL="2057400" indent="-228600" algn="l" defTabSz="914400" rtl="0" eaLnBrk="1" latinLnBrk="0" hangingPunct="1">
+              <a:spcBef>
+                <a:spcPct val="20000"/>
+              </a:spcBef>
+              <a:buFont typeface="Arial" pitchFamily="34" charset="0"/>
+              <a:buChar char="»"/>
+              <a:defRPr sz="2000" kern="1200">
+                <a:solidFill>
+                  <a:schemeClr val="tx1"/>
+                </a:solidFill>
+                <a:latin typeface="+mn-lt"/>
+                <a:ea typeface="+mn-ea"/>
+                <a:cs typeface="+mn-cs"/>
+              </a:defRPr>
+            </a:lvl5pPr>
+            <a:lvl6pPr marL="2514600" indent="-228600" algn="l" defTabSz="914400" rtl="0" eaLnBrk="1" latinLnBrk="0" hangingPunct="1">
+              <a:spcBef>
+                <a:spcPct val="20000"/>
+              </a:spcBef>
+              <a:buFont typeface="Arial" pitchFamily="34" charset="0"/>
+              <a:buChar char="•"/>
+              <a:defRPr sz="2000" kern="1200">
+                <a:solidFill>
+                  <a:schemeClr val="tx1"/>
+                </a:solidFill>
+                <a:latin typeface="+mn-lt"/>
+                <a:ea typeface="+mn-ea"/>
+                <a:cs typeface="+mn-cs"/>
+              </a:defRPr>
+            </a:lvl6pPr>
+            <a:lvl7pPr marL="2971800" indent="-228600" algn="l" defTabSz="914400" rtl="0" eaLnBrk="1" latinLnBrk="0" hangingPunct="1">
+              <a:spcBef>
+                <a:spcPct val="20000"/>
+              </a:spcBef>
+              <a:buFont typeface="Arial" pitchFamily="34" charset="0"/>
+              <a:buChar char="•"/>
+              <a:defRPr sz="2000" kern="1200">
+                <a:solidFill>
+                  <a:schemeClr val="tx1"/>
+                </a:solidFill>
+                <a:latin typeface="+mn-lt"/>
+                <a:ea typeface="+mn-ea"/>
+                <a:cs typeface="+mn-cs"/>
+              </a:defRPr>
+            </a:lvl7pPr>
+            <a:lvl8pPr marL="3429000" indent="-228600" algn="l" defTabSz="914400" rtl="0" eaLnBrk="1" latinLnBrk="0" hangingPunct="1">
+              <a:spcBef>
+                <a:spcPct val="20000"/>
+              </a:spcBef>
+              <a:buFont typeface="Arial" pitchFamily="34" charset="0"/>
+              <a:buChar char="•"/>
+              <a:defRPr sz="2000" kern="1200">
+                <a:solidFill>
+                  <a:schemeClr val="tx1"/>
+                </a:solidFill>
+                <a:latin typeface="+mn-lt"/>
+                <a:ea typeface="+mn-ea"/>
+                <a:cs typeface="+mn-cs"/>
+              </a:defRPr>
+            </a:lvl8pPr>
+            <a:lvl9pPr marL="3886200" indent="-228600" algn="l" defTabSz="914400" rtl="0" eaLnBrk="1" latinLnBrk="0" hangingPunct="1">
+              <a:spcBef>
+                <a:spcPct val="20000"/>
+              </a:spcBef>
+              <a:buFont typeface="Arial" pitchFamily="34" charset="0"/>
+              <a:buChar char="•"/>
+              <a:defRPr sz="2000" kern="1200">
+                <a:solidFill>
+                  <a:schemeClr val="tx1"/>
+                </a:solidFill>
+                <a:latin typeface="+mn-lt"/>
+                <a:ea typeface="+mn-ea"/>
+                <a:cs typeface="+mn-cs"/>
+              </a:defRPr>
+            </a:lvl9pPr>
+          </a:lstStyle>
+          <a:p>
+            <a:pPr marL="0" indent="0">
+              <a:buFont typeface="Arial" pitchFamily="34" charset="0"/>
+              <a:buNone/>
+            </a:pPr>
+            <a:r>
+              <a:rPr lang="en-GB" sz="1200" dirty="0" smtClean="0">
+                <a:solidFill>
+                  <a:prstClr val="black"/>
+                </a:solidFill>
+              </a:rPr>
+              <a:t>Third party names are the property of their owners.</a:t>
+            </a:r>
+            <a:endParaRPr lang="en-GB" sz="1200" dirty="0">
+              <a:solidFill>
+                <a:prstClr val="black"/>
+              </a:solidFill>
+            </a:endParaRPr>
+          </a:p>
+        </p:txBody>
+      </p:sp>
+    </p:spTree>
+    <p:extLst>
+      <p:ext uri="{BB962C8B-B14F-4D97-AF65-F5344CB8AC3E}">
+        <p14:creationId xmlns:p14="http://schemas.microsoft.com/office/powerpoint/2010/main" val="2102093488"/>
+      </p:ext>
+    </p:extLst>
+  </p:cSld>
+  <p:clrMapOvr>
+    <a:masterClrMapping/>
+  </p:clrMapOvr>
+  <mc:AlternateContent xmlns:mc="http://schemas.openxmlformats.org/markup-compatibility/2006">
+    <mc:Choice xmlns:p14="http://schemas.microsoft.com/office/powerpoint/2010/main" Requires="p14">
+      <p:transition spd="slow" p14:dur="2000"/>
+    </mc:Choice>
+    <mc:Fallback>
+      <p:transition xmlns:p14="http://schemas.microsoft.com/office/powerpoint/2010/main" spd="slow"/>
+    </mc:Fallback>
+  </mc:AlternateContent>
+  <p:timing>
+    <p:tnLst>
+      <p:par>
+        <p:cTn xmlns:p14="http://schemas.microsoft.com/office/powerpoint/2010/main" id="1" dur="indefinite" restart="never" nodeType="tmRoot"/>
+      </p:par>
+    </p:tnLst>
+  </p:timing>
+</p:sld>
+</file>
+
+<file path=ppt/slides/slide32.xml><?xml version="1.0" encoding="utf-8"?>
 <p:sld xmlns:a="http://schemas.openxmlformats.org/drawingml/2006/main" xmlns:r="http://schemas.openxmlformats.org/officeDocument/2006/relationships" xmlns:p="http://schemas.openxmlformats.org/presentationml/2006/main" show="0">
   <p:cSld>
     <p:spTree>
@@ -11662,10 +12744,10 @@
           <a:lstStyle/>
           <a:p>
             <a:r>
-              <a:rPr lang="en-GB" dirty="0" smtClean="0"/>
-              <a:t>Using GDB with Intel®</a:t>
-            </a:r>
-            <a:endParaRPr lang="en-GB" dirty="0"/>
+              <a:rPr lang="en-US" dirty="0" smtClean="0"/>
+              <a:t>Debugging Tools</a:t>
+            </a:r>
+            <a:endParaRPr lang="en-US" dirty="0"/>
           </a:p>
         </p:txBody>
       </p:sp>
@@ -11679,474 +12761,106 @@
             <p:ph idx="1"/>
           </p:nvPr>
         </p:nvSpPr>
-        <p:spPr>
-          <a:xfrm>
-            <a:off x="457200" y="1340768"/>
-            <a:ext cx="8686800" cy="5400600"/>
-          </a:xfrm>
-        </p:spPr>
-        <p:txBody>
-          <a:bodyPr>
-            <a:normAutofit fontScale="85000" lnSpcReduction="20000"/>
-          </a:bodyPr>
+        <p:spPr/>
+        <p:txBody>
+          <a:bodyPr/>
           <a:lstStyle/>
           <a:p>
-            <a:pPr>
-              <a:lnSpc>
-                <a:spcPct val="120000"/>
-              </a:lnSpc>
-            </a:pPr>
-            <a:r>
-              <a:rPr lang="en-GB" dirty="0" smtClean="0"/>
-              <a:t>Ensure you select the CPU device from the Intel® platform</a:t>
-            </a:r>
-          </a:p>
-          <a:p>
-            <a:pPr>
-              <a:lnSpc>
-                <a:spcPct val="120000"/>
-              </a:lnSpc>
-            </a:pPr>
-            <a:r>
-              <a:rPr lang="en-GB" dirty="0" smtClean="0"/>
-              <a:t>Enable debugging symbols and add the absolute path to the kernel source code when building the kernels:</a:t>
-            </a:r>
-            <a:endParaRPr lang="en-GB" dirty="0"/>
-          </a:p>
-          <a:p>
-            <a:pPr marL="457200" lvl="1" indent="0">
-              <a:lnSpc>
-                <a:spcPct val="120000"/>
-              </a:lnSpc>
-              <a:buNone/>
-            </a:pPr>
-            <a:r>
-              <a:rPr lang="en-GB" b="1" dirty="0" err="1" smtClean="0">
+            <a:r>
+              <a:rPr lang="en-US" dirty="0" smtClean="0"/>
+              <a:t>AMD </a:t>
+            </a:r>
+            <a:r>
+              <a:rPr lang="en-US" dirty="0" err="1" smtClean="0"/>
+              <a:t>CodeXL</a:t>
+            </a:r>
+            <a:endParaRPr lang="en-US" dirty="0" smtClean="0"/>
+          </a:p>
+          <a:p>
+            <a:r>
+              <a:rPr lang="en-US" dirty="0" smtClean="0"/>
+              <a:t>Intel SDK (Visual Studio plugin)</a:t>
+            </a:r>
+          </a:p>
+          <a:p>
+            <a:r>
+              <a:rPr lang="en-US" dirty="0" smtClean="0"/>
+              <a:t>GDB (CPU platforms)</a:t>
+            </a:r>
+          </a:p>
+          <a:p>
+            <a:r>
+              <a:rPr lang="en-US" dirty="0" err="1" smtClean="0"/>
+              <a:t>Oclgrind</a:t>
+            </a:r>
+            <a:endParaRPr lang="en-US" dirty="0" smtClean="0"/>
+          </a:p>
+          <a:p>
+            <a:r>
+              <a:rPr lang="en-US" dirty="0" err="1" smtClean="0"/>
+              <a:t>GPUVerify</a:t>
+            </a:r>
+            <a:endParaRPr lang="en-US" dirty="0" smtClean="0"/>
+          </a:p>
+          <a:p>
+            <a:r>
+              <a:rPr lang="en-US" b="1" dirty="0" err="1" smtClean="0">
                 <a:solidFill>
                   <a:srgbClr val="3366FF"/>
                 </a:solidFill>
                 <a:latin typeface="Courier New"/>
                 <a:cs typeface="Courier New"/>
               </a:rPr>
-              <a:t>clBuildProgram</a:t>
-            </a:r>
-            <a:r>
-              <a:rPr lang="en-GB" b="1" dirty="0" smtClean="0">
+              <a:t>printf</a:t>
+            </a:r>
+            <a:r>
+              <a:rPr lang="en-US" b="1" dirty="0" smtClean="0">
                 <a:solidFill>
                   <a:srgbClr val="3366FF"/>
                 </a:solidFill>
                 <a:latin typeface="Courier New"/>
                 <a:cs typeface="Courier New"/>
               </a:rPr>
-              <a:t>(… </a:t>
-            </a:r>
-            <a:r>
-              <a:rPr lang="en-GB" b="1" dirty="0">
-                <a:solidFill>
-                  <a:srgbClr val="3366FF"/>
-                </a:solidFill>
-                <a:latin typeface="Courier New"/>
-                <a:cs typeface="Courier New"/>
-              </a:rPr>
-              <a:t>"–</a:t>
-            </a:r>
-            <a:r>
-              <a:rPr lang="en-GB" b="1" dirty="0" smtClean="0">
-                <a:solidFill>
-                  <a:srgbClr val="3366FF"/>
-                </a:solidFill>
-                <a:latin typeface="Courier New"/>
-                <a:cs typeface="Courier New"/>
-              </a:rPr>
-              <a:t>g –s /path/to/</a:t>
-            </a:r>
-            <a:r>
-              <a:rPr lang="en-GB" b="1" dirty="0" err="1" smtClean="0">
-                <a:solidFill>
-                  <a:srgbClr val="3366FF"/>
-                </a:solidFill>
-                <a:latin typeface="Courier New"/>
-                <a:cs typeface="Courier New"/>
-              </a:rPr>
-              <a:t>kernel.cl</a:t>
-            </a:r>
-            <a:r>
-              <a:rPr lang="en-GB" b="1" dirty="0" smtClean="0">
-                <a:solidFill>
-                  <a:srgbClr val="3366FF"/>
-                </a:solidFill>
-                <a:latin typeface="Courier New"/>
-                <a:cs typeface="Courier New"/>
-              </a:rPr>
-              <a:t>" …);</a:t>
-            </a:r>
-            <a:endParaRPr lang="en-GB" dirty="0" smtClean="0"/>
-          </a:p>
-          <a:p>
-            <a:pPr>
-              <a:lnSpc>
-                <a:spcPct val="120000"/>
-              </a:lnSpc>
-            </a:pPr>
-            <a:r>
-              <a:rPr lang="en-GB" dirty="0" smtClean="0"/>
-              <a:t>The </a:t>
-            </a:r>
-            <a:r>
-              <a:rPr lang="en-GB" dirty="0"/>
-              <a:t>symbolic name of a kernel function </a:t>
-            </a:r>
-            <a:r>
-              <a:rPr lang="en-GB" dirty="0" smtClean="0"/>
-              <a:t>‘</a:t>
-            </a:r>
-            <a:r>
-              <a:rPr lang="en-GB" b="1" dirty="0" smtClean="0">
-                <a:solidFill>
-                  <a:srgbClr val="3366FF"/>
-                </a:solidFill>
-                <a:latin typeface="Courier New"/>
-                <a:cs typeface="Courier New"/>
-              </a:rPr>
-              <a:t>kernel </a:t>
-            </a:r>
-            <a:r>
-              <a:rPr lang="en-GB" b="1" dirty="0">
-                <a:solidFill>
-                  <a:srgbClr val="3366FF"/>
-                </a:solidFill>
-                <a:latin typeface="Courier New"/>
-                <a:cs typeface="Courier New"/>
-              </a:rPr>
-              <a:t>void </a:t>
-            </a:r>
-            <a:r>
-              <a:rPr lang="en-GB" b="1" dirty="0" smtClean="0">
-                <a:solidFill>
-                  <a:srgbClr val="3366FF"/>
-                </a:solidFill>
-                <a:latin typeface="Courier New"/>
-                <a:cs typeface="Courier New"/>
-              </a:rPr>
-              <a:t>foo(</a:t>
-            </a:r>
-            <a:r>
-              <a:rPr lang="en-GB" b="1" dirty="0" err="1">
-                <a:solidFill>
-                  <a:srgbClr val="3366FF"/>
-                </a:solidFill>
-                <a:latin typeface="Courier New"/>
-                <a:cs typeface="Courier New"/>
-              </a:rPr>
-              <a:t>args</a:t>
-            </a:r>
-            <a:r>
-              <a:rPr lang="en-GB" b="1" dirty="0" smtClean="0">
-                <a:solidFill>
-                  <a:srgbClr val="3366FF"/>
-                </a:solidFill>
-                <a:latin typeface="Courier New"/>
-                <a:cs typeface="Courier New"/>
-              </a:rPr>
-              <a:t>)</a:t>
-            </a:r>
-            <a:r>
-              <a:rPr lang="en-GB" b="1" dirty="0" smtClean="0"/>
-              <a:t>’</a:t>
-            </a:r>
-            <a:r>
-              <a:rPr lang="en-GB" dirty="0" smtClean="0"/>
-              <a:t> will just be </a:t>
-            </a:r>
-            <a:r>
-              <a:rPr lang="en-GB" b="1" dirty="0" smtClean="0">
-                <a:solidFill>
-                  <a:srgbClr val="3366FF"/>
-                </a:solidFill>
-                <a:latin typeface="Courier New"/>
-                <a:cs typeface="Courier New"/>
-              </a:rPr>
-              <a:t>foo</a:t>
-            </a:r>
-            <a:endParaRPr lang="en-GB" dirty="0" smtClean="0"/>
-          </a:p>
-          <a:p>
-            <a:pPr lvl="1">
-              <a:lnSpc>
-                <a:spcPct val="110000"/>
-              </a:lnSpc>
-            </a:pPr>
-            <a:r>
-              <a:rPr lang="en-GB" dirty="0" smtClean="0"/>
-              <a:t>To </a:t>
-            </a:r>
-            <a:r>
-              <a:rPr lang="en-GB" dirty="0"/>
-              <a:t>set a breakpoint on kernel entry enter at the GDB </a:t>
-            </a:r>
-            <a:r>
-              <a:rPr lang="en-GB" dirty="0" smtClean="0"/>
-              <a:t>prompt:</a:t>
-            </a:r>
-          </a:p>
-          <a:p>
-            <a:pPr marL="857250" lvl="2" indent="0">
-              <a:lnSpc>
-                <a:spcPct val="110000"/>
-              </a:lnSpc>
-              <a:buNone/>
-            </a:pPr>
-            <a:r>
-              <a:rPr lang="en-GB" sz="2600" b="1" dirty="0">
-                <a:solidFill>
-                  <a:srgbClr val="3366FF"/>
-                </a:solidFill>
-                <a:latin typeface="Courier New"/>
-                <a:cs typeface="Courier New"/>
-              </a:rPr>
-              <a:t>break </a:t>
-            </a:r>
-            <a:r>
-              <a:rPr lang="en-GB" sz="2600" b="1" dirty="0" smtClean="0">
-                <a:solidFill>
-                  <a:srgbClr val="3366FF"/>
-                </a:solidFill>
-                <a:latin typeface="Courier New"/>
-                <a:cs typeface="Courier New"/>
-              </a:rPr>
-              <a:t>foo</a:t>
-            </a:r>
-            <a:endParaRPr lang="en-GB" sz="2600" dirty="0" smtClean="0">
-              <a:latin typeface="Courier New"/>
-              <a:cs typeface="Courier New"/>
+              <a:t> </a:t>
+            </a:r>
+            <a:r>
+              <a:rPr lang="en-US" dirty="0" smtClean="0">
+                <a:latin typeface="Calibri"/>
+                <a:cs typeface="Calibri"/>
+              </a:rPr>
+              <a:t>( from OpenCL 1.2 onwards )</a:t>
+            </a:r>
+            <a:endParaRPr lang="en-US" b="1" dirty="0" smtClean="0">
+              <a:solidFill>
+                <a:srgbClr val="3366FF"/>
+              </a:solidFill>
+              <a:latin typeface="Calibri"/>
+              <a:cs typeface="Calibri"/>
             </a:endParaRPr>
           </a:p>
           <a:p>
-            <a:pPr lvl="1">
-              <a:lnSpc>
-                <a:spcPct val="110000"/>
-              </a:lnSpc>
-            </a:pPr>
-            <a:r>
-              <a:rPr lang="en-GB" dirty="0" smtClean="0"/>
-              <a:t>This can only be done </a:t>
-            </a:r>
-            <a:r>
-              <a:rPr lang="en-GB" i="1" dirty="0" smtClean="0"/>
-              <a:t>after</a:t>
-            </a:r>
-            <a:r>
-              <a:rPr lang="en-GB" dirty="0" smtClean="0"/>
-              <a:t> the kernels have been built</a:t>
-            </a:r>
-          </a:p>
-          <a:p>
-            <a:pPr>
-              <a:lnSpc>
-                <a:spcPct val="110000"/>
-              </a:lnSpc>
-            </a:pPr>
-            <a:r>
-              <a:rPr lang="en-GB" dirty="0" smtClean="0"/>
-              <a:t>On Windows, this functionality is provided via a graphical user interface inside Visual Studio</a:t>
-            </a:r>
-          </a:p>
-        </p:txBody>
-      </p:sp>
-      <p:sp>
-        <p:nvSpPr>
-          <p:cNvPr id="4" name="Content Placeholder 7"/>
-          <p:cNvSpPr txBox="1">
-            <a:spLocks/>
-          </p:cNvSpPr>
-          <p:nvPr/>
-        </p:nvSpPr>
-        <p:spPr>
-          <a:xfrm>
-            <a:off x="107504" y="6453337"/>
-            <a:ext cx="4861484" cy="404664"/>
-          </a:xfrm>
-          <a:prstGeom prst="rect">
-            <a:avLst/>
-          </a:prstGeom>
-        </p:spPr>
-        <p:txBody>
-          <a:bodyPr vert="horz" lIns="91440" tIns="45720" rIns="91440" bIns="45720" rtlCol="0">
-            <a:normAutofit/>
-          </a:bodyPr>
-          <a:lstStyle>
-            <a:lvl1pPr marL="342900" indent="-342900" algn="l" defTabSz="914400" rtl="0" eaLnBrk="1" latinLnBrk="0" hangingPunct="1">
-              <a:spcBef>
-                <a:spcPct val="20000"/>
-              </a:spcBef>
-              <a:buFont typeface="Arial" pitchFamily="34" charset="0"/>
-              <a:buChar char="•"/>
-              <a:defRPr sz="3200" kern="1200">
-                <a:solidFill>
-                  <a:schemeClr val="tx1"/>
-                </a:solidFill>
-                <a:latin typeface="+mn-lt"/>
-                <a:ea typeface="+mn-ea"/>
-                <a:cs typeface="+mn-cs"/>
-              </a:defRPr>
-            </a:lvl1pPr>
-            <a:lvl2pPr marL="742950" indent="-285750" algn="l" defTabSz="914400" rtl="0" eaLnBrk="1" latinLnBrk="0" hangingPunct="1">
-              <a:spcBef>
-                <a:spcPct val="20000"/>
-              </a:spcBef>
-              <a:buFont typeface="Arial" pitchFamily="34" charset="0"/>
-              <a:buChar char="–"/>
-              <a:defRPr sz="2800" kern="1200">
-                <a:solidFill>
-                  <a:schemeClr val="tx1"/>
-                </a:solidFill>
-                <a:latin typeface="+mn-lt"/>
-                <a:ea typeface="+mn-ea"/>
-                <a:cs typeface="+mn-cs"/>
-              </a:defRPr>
-            </a:lvl2pPr>
-            <a:lvl3pPr marL="1143000" indent="-228600" algn="l" defTabSz="914400" rtl="0" eaLnBrk="1" latinLnBrk="0" hangingPunct="1">
-              <a:spcBef>
-                <a:spcPct val="20000"/>
-              </a:spcBef>
-              <a:buFont typeface="Arial" pitchFamily="34" charset="0"/>
-              <a:buChar char="•"/>
-              <a:defRPr sz="2400" kern="1200">
-                <a:solidFill>
-                  <a:schemeClr val="tx1"/>
-                </a:solidFill>
-                <a:latin typeface="+mn-lt"/>
-                <a:ea typeface="+mn-ea"/>
-                <a:cs typeface="+mn-cs"/>
-              </a:defRPr>
-            </a:lvl3pPr>
-            <a:lvl4pPr marL="1600200" indent="-228600" algn="l" defTabSz="914400" rtl="0" eaLnBrk="1" latinLnBrk="0" hangingPunct="1">
-              <a:spcBef>
-                <a:spcPct val="20000"/>
-              </a:spcBef>
-              <a:buFont typeface="Arial" pitchFamily="34" charset="0"/>
-              <a:buChar char="–"/>
-              <a:defRPr sz="2000" kern="1200">
-                <a:solidFill>
-                  <a:schemeClr val="tx1"/>
-                </a:solidFill>
-                <a:latin typeface="+mn-lt"/>
-                <a:ea typeface="+mn-ea"/>
-                <a:cs typeface="+mn-cs"/>
-              </a:defRPr>
-            </a:lvl4pPr>
-            <a:lvl5pPr marL="2057400" indent="-228600" algn="l" defTabSz="914400" rtl="0" eaLnBrk="1" latinLnBrk="0" hangingPunct="1">
-              <a:spcBef>
-                <a:spcPct val="20000"/>
-              </a:spcBef>
-              <a:buFont typeface="Arial" pitchFamily="34" charset="0"/>
-              <a:buChar char="»"/>
-              <a:defRPr sz="2000" kern="1200">
-                <a:solidFill>
-                  <a:schemeClr val="tx1"/>
-                </a:solidFill>
-                <a:latin typeface="+mn-lt"/>
-                <a:ea typeface="+mn-ea"/>
-                <a:cs typeface="+mn-cs"/>
-              </a:defRPr>
-            </a:lvl5pPr>
-            <a:lvl6pPr marL="2514600" indent="-228600" algn="l" defTabSz="914400" rtl="0" eaLnBrk="1" latinLnBrk="0" hangingPunct="1">
-              <a:spcBef>
-                <a:spcPct val="20000"/>
-              </a:spcBef>
-              <a:buFont typeface="Arial" pitchFamily="34" charset="0"/>
-              <a:buChar char="•"/>
-              <a:defRPr sz="2000" kern="1200">
-                <a:solidFill>
-                  <a:schemeClr val="tx1"/>
-                </a:solidFill>
-                <a:latin typeface="+mn-lt"/>
-                <a:ea typeface="+mn-ea"/>
-                <a:cs typeface="+mn-cs"/>
-              </a:defRPr>
-            </a:lvl6pPr>
-            <a:lvl7pPr marL="2971800" indent="-228600" algn="l" defTabSz="914400" rtl="0" eaLnBrk="1" latinLnBrk="0" hangingPunct="1">
-              <a:spcBef>
-                <a:spcPct val="20000"/>
-              </a:spcBef>
-              <a:buFont typeface="Arial" pitchFamily="34" charset="0"/>
-              <a:buChar char="•"/>
-              <a:defRPr sz="2000" kern="1200">
-                <a:solidFill>
-                  <a:schemeClr val="tx1"/>
-                </a:solidFill>
-                <a:latin typeface="+mn-lt"/>
-                <a:ea typeface="+mn-ea"/>
-                <a:cs typeface="+mn-cs"/>
-              </a:defRPr>
-            </a:lvl7pPr>
-            <a:lvl8pPr marL="3429000" indent="-228600" algn="l" defTabSz="914400" rtl="0" eaLnBrk="1" latinLnBrk="0" hangingPunct="1">
-              <a:spcBef>
-                <a:spcPct val="20000"/>
-              </a:spcBef>
-              <a:buFont typeface="Arial" pitchFamily="34" charset="0"/>
-              <a:buChar char="•"/>
-              <a:defRPr sz="2000" kern="1200">
-                <a:solidFill>
-                  <a:schemeClr val="tx1"/>
-                </a:solidFill>
-                <a:latin typeface="+mn-lt"/>
-                <a:ea typeface="+mn-ea"/>
-                <a:cs typeface="+mn-cs"/>
-              </a:defRPr>
-            </a:lvl8pPr>
-            <a:lvl9pPr marL="3886200" indent="-228600" algn="l" defTabSz="914400" rtl="0" eaLnBrk="1" latinLnBrk="0" hangingPunct="1">
-              <a:spcBef>
-                <a:spcPct val="20000"/>
-              </a:spcBef>
-              <a:buFont typeface="Arial" pitchFamily="34" charset="0"/>
-              <a:buChar char="•"/>
-              <a:defRPr sz="2000" kern="1200">
-                <a:solidFill>
-                  <a:schemeClr val="tx1"/>
-                </a:solidFill>
-                <a:latin typeface="+mn-lt"/>
-                <a:ea typeface="+mn-ea"/>
-                <a:cs typeface="+mn-cs"/>
-              </a:defRPr>
-            </a:lvl9pPr>
-          </a:lstStyle>
-          <a:p>
-            <a:pPr marL="0" indent="0">
-              <a:buFont typeface="Arial" pitchFamily="34" charset="0"/>
-              <a:buNone/>
-            </a:pPr>
-            <a:r>
-              <a:rPr lang="en-GB" sz="1200" dirty="0" smtClean="0">
-                <a:solidFill>
-                  <a:prstClr val="black"/>
-                </a:solidFill>
-              </a:rPr>
-              <a:t>Third party names are the property of their owners.</a:t>
-            </a:r>
-            <a:endParaRPr lang="en-GB" sz="1200" dirty="0">
-              <a:solidFill>
-                <a:prstClr val="black"/>
-              </a:solidFill>
-            </a:endParaRPr>
+            <a:endParaRPr lang="en-US" dirty="0" smtClean="0"/>
+          </a:p>
+          <a:p>
+            <a:endParaRPr lang="en-US" dirty="0"/>
           </a:p>
         </p:txBody>
       </p:sp>
     </p:spTree>
     <p:extLst>
       <p:ext uri="{BB962C8B-B14F-4D97-AF65-F5344CB8AC3E}">
-        <p14:creationId xmlns:p14="http://schemas.microsoft.com/office/powerpoint/2010/main" val="2104821692"/>
+        <p14:creationId xmlns:p14="http://schemas.microsoft.com/office/powerpoint/2010/main" val="1605154899"/>
       </p:ext>
     </p:extLst>
   </p:cSld>
   <p:clrMapOvr>
     <a:masterClrMapping/>
   </p:clrMapOvr>
-  <mc:AlternateContent xmlns:mc="http://schemas.openxmlformats.org/markup-compatibility/2006" xmlns:p14="http://schemas.microsoft.com/office/powerpoint/2010/main">
-    <mc:Choice Requires="p14">
+  <mc:AlternateContent xmlns:mc="http://schemas.openxmlformats.org/markup-compatibility/2006">
+    <mc:Choice xmlns:p14="http://schemas.microsoft.com/office/powerpoint/2010/main" Requires="p14">
       <p:transition spd="slow" p14:dur="2000"/>
     </mc:Choice>
-    <mc:Fallback xmlns="">
+    <mc:Fallback>
       <p:transition xmlns:p14="http://schemas.microsoft.com/office/powerpoint/2010/main" spd="slow"/>
     </mc:Fallback>
   </mc:AlternateContent>
@@ -12160,558 +12874,7 @@
 </p:sld>
 </file>
 
-<file path=ppt/slides/slide31.xml><?xml version="1.0" encoding="utf-8"?>
-<p:sld xmlns:a="http://schemas.openxmlformats.org/drawingml/2006/main" xmlns:r="http://schemas.openxmlformats.org/officeDocument/2006/relationships" xmlns:p="http://schemas.openxmlformats.org/presentationml/2006/main" show="0">
-  <p:cSld>
-    <p:spTree>
-      <p:nvGrpSpPr>
-        <p:cNvPr id="1" name=""/>
-        <p:cNvGrpSpPr/>
-        <p:nvPr/>
-      </p:nvGrpSpPr>
-      <p:grpSpPr>
-        <a:xfrm>
-          <a:off x="0" y="0"/>
-          <a:ext cx="0" cy="0"/>
-          <a:chOff x="0" y="0"/>
-          <a:chExt cx="0" cy="0"/>
-        </a:xfrm>
-      </p:grpSpPr>
-      <p:sp>
-        <p:nvSpPr>
-          <p:cNvPr id="2" name="Title 1"/>
-          <p:cNvSpPr>
-            <a:spLocks noGrp="1"/>
-          </p:cNvSpPr>
-          <p:nvPr>
-            <p:ph type="title"/>
-          </p:nvPr>
-        </p:nvSpPr>
-        <p:spPr/>
-        <p:txBody>
-          <a:bodyPr/>
-          <a:lstStyle/>
-          <a:p>
-            <a:r>
-              <a:rPr lang="en-GB" dirty="0" smtClean="0"/>
-              <a:t>Using GDB with AMD®</a:t>
-            </a:r>
-            <a:endParaRPr lang="en-GB" dirty="0"/>
-          </a:p>
-        </p:txBody>
-      </p:sp>
-      <p:sp>
-        <p:nvSpPr>
-          <p:cNvPr id="3" name="Content Placeholder 2"/>
-          <p:cNvSpPr>
-            <a:spLocks noGrp="1"/>
-          </p:cNvSpPr>
-          <p:nvPr>
-            <p:ph idx="1"/>
-          </p:nvPr>
-        </p:nvSpPr>
-        <p:spPr>
-          <a:xfrm>
-            <a:off x="457200" y="1600200"/>
-            <a:ext cx="8229600" cy="4925144"/>
-          </a:xfrm>
-        </p:spPr>
-        <p:txBody>
-          <a:bodyPr>
-            <a:normAutofit fontScale="77500" lnSpcReduction="20000"/>
-          </a:bodyPr>
-          <a:lstStyle/>
-          <a:p>
-            <a:pPr>
-              <a:lnSpc>
-                <a:spcPct val="120000"/>
-              </a:lnSpc>
-            </a:pPr>
-            <a:r>
-              <a:rPr lang="en-GB" dirty="0" smtClean="0"/>
-              <a:t>Ensure you select the CPU device from the AMD® platform</a:t>
-            </a:r>
-          </a:p>
-          <a:p>
-            <a:pPr>
-              <a:lnSpc>
-                <a:spcPct val="120000"/>
-              </a:lnSpc>
-            </a:pPr>
-            <a:r>
-              <a:rPr lang="en-GB" dirty="0" smtClean="0"/>
-              <a:t>Enable debugging symbols and turn off all optimizations </a:t>
-            </a:r>
-            <a:r>
-              <a:rPr lang="en-GB" dirty="0"/>
-              <a:t>when building the </a:t>
-            </a:r>
-            <a:r>
-              <a:rPr lang="en-GB" dirty="0" smtClean="0"/>
-              <a:t>kernels:</a:t>
-            </a:r>
-          </a:p>
-          <a:p>
-            <a:pPr marL="457200" lvl="1" indent="0">
-              <a:lnSpc>
-                <a:spcPct val="120000"/>
-              </a:lnSpc>
-              <a:buNone/>
-            </a:pPr>
-            <a:r>
-              <a:rPr lang="en-GB" b="1" dirty="0" err="1" smtClean="0">
-                <a:solidFill>
-                  <a:srgbClr val="3366FF"/>
-                </a:solidFill>
-                <a:latin typeface="Courier New"/>
-                <a:cs typeface="Courier New"/>
-              </a:rPr>
-              <a:t>clBuildProgram</a:t>
-            </a:r>
-            <a:r>
-              <a:rPr lang="en-GB" b="1" dirty="0" smtClean="0">
-                <a:solidFill>
-                  <a:srgbClr val="3366FF"/>
-                </a:solidFill>
-                <a:latin typeface="Courier New"/>
-                <a:cs typeface="Courier New"/>
-              </a:rPr>
-              <a:t>(… </a:t>
-            </a:r>
-            <a:r>
-              <a:rPr lang="en-GB" b="1" dirty="0">
-                <a:solidFill>
-                  <a:srgbClr val="3366FF"/>
-                </a:solidFill>
-                <a:latin typeface="Courier New"/>
-                <a:cs typeface="Courier New"/>
-              </a:rPr>
-              <a:t>"–</a:t>
-            </a:r>
-            <a:r>
-              <a:rPr lang="en-GB" b="1" dirty="0" smtClean="0">
-                <a:solidFill>
-                  <a:srgbClr val="3366FF"/>
-                </a:solidFill>
-                <a:latin typeface="Courier New"/>
-                <a:cs typeface="Courier New"/>
-              </a:rPr>
-              <a:t>g –O0" …);</a:t>
-            </a:r>
-            <a:endParaRPr lang="en-GB" dirty="0" smtClean="0"/>
-          </a:p>
-          <a:p>
-            <a:pPr>
-              <a:lnSpc>
-                <a:spcPct val="120000"/>
-              </a:lnSpc>
-            </a:pPr>
-            <a:r>
-              <a:rPr lang="en-GB" dirty="0" smtClean="0"/>
-              <a:t>The </a:t>
-            </a:r>
-            <a:r>
-              <a:rPr lang="en-GB" dirty="0"/>
-              <a:t>symbolic name of a kernel function </a:t>
-            </a:r>
-            <a:r>
-              <a:rPr lang="en-GB" dirty="0" smtClean="0"/>
-              <a:t>‘</a:t>
-            </a:r>
-            <a:r>
-              <a:rPr lang="en-GB" b="1" dirty="0" smtClean="0">
-                <a:solidFill>
-                  <a:srgbClr val="3366FF"/>
-                </a:solidFill>
-                <a:latin typeface="Courier New"/>
-                <a:cs typeface="Courier New"/>
-              </a:rPr>
-              <a:t>kernel </a:t>
-            </a:r>
-            <a:r>
-              <a:rPr lang="en-GB" b="1" dirty="0">
-                <a:solidFill>
-                  <a:srgbClr val="3366FF"/>
-                </a:solidFill>
-                <a:latin typeface="Courier New"/>
-                <a:cs typeface="Courier New"/>
-              </a:rPr>
-              <a:t>void </a:t>
-            </a:r>
-            <a:r>
-              <a:rPr lang="en-GB" b="1" dirty="0" smtClean="0">
-                <a:solidFill>
-                  <a:srgbClr val="3366FF"/>
-                </a:solidFill>
-                <a:latin typeface="Courier New"/>
-                <a:cs typeface="Courier New"/>
-              </a:rPr>
-              <a:t>foo(</a:t>
-            </a:r>
-            <a:r>
-              <a:rPr lang="en-GB" b="1" dirty="0" err="1">
-                <a:solidFill>
-                  <a:srgbClr val="3366FF"/>
-                </a:solidFill>
-                <a:latin typeface="Courier New"/>
-                <a:cs typeface="Courier New"/>
-              </a:rPr>
-              <a:t>args</a:t>
-            </a:r>
-            <a:r>
-              <a:rPr lang="en-GB" b="1" dirty="0" smtClean="0">
-                <a:solidFill>
-                  <a:srgbClr val="3366FF"/>
-                </a:solidFill>
-                <a:latin typeface="Courier New"/>
-                <a:cs typeface="Courier New"/>
-              </a:rPr>
-              <a:t>)</a:t>
-            </a:r>
-            <a:r>
-              <a:rPr lang="en-GB" b="1" dirty="0" smtClean="0"/>
-              <a:t>’</a:t>
-            </a:r>
-            <a:r>
-              <a:rPr lang="en-GB" dirty="0" smtClean="0"/>
-              <a:t> will be </a:t>
-            </a:r>
-            <a:r>
-              <a:rPr lang="en-GB" b="1" dirty="0" smtClean="0">
-                <a:solidFill>
-                  <a:srgbClr val="3366FF"/>
-                </a:solidFill>
-                <a:latin typeface="Courier New"/>
-                <a:cs typeface="Courier New"/>
-              </a:rPr>
-              <a:t>__</a:t>
-            </a:r>
-            <a:r>
-              <a:rPr lang="en-GB" b="1" dirty="0" err="1" smtClean="0">
-                <a:solidFill>
-                  <a:srgbClr val="3366FF"/>
-                </a:solidFill>
-                <a:latin typeface="Courier New"/>
-                <a:cs typeface="Courier New"/>
-              </a:rPr>
-              <a:t>OpenCL_foo_kernel</a:t>
-            </a:r>
-            <a:endParaRPr lang="en-GB" dirty="0" smtClean="0"/>
-          </a:p>
-          <a:p>
-            <a:pPr lvl="1">
-              <a:lnSpc>
-                <a:spcPct val="110000"/>
-              </a:lnSpc>
-            </a:pPr>
-            <a:r>
-              <a:rPr lang="en-GB" dirty="0" smtClean="0"/>
-              <a:t>To </a:t>
-            </a:r>
-            <a:r>
-              <a:rPr lang="en-GB" dirty="0"/>
-              <a:t>set a breakpoint on kernel entry enter at the GDB </a:t>
-            </a:r>
-            <a:r>
-              <a:rPr lang="en-GB" dirty="0" smtClean="0"/>
-              <a:t>prompt:</a:t>
-            </a:r>
-          </a:p>
-          <a:p>
-            <a:pPr marL="857250" lvl="2" indent="0">
-              <a:lnSpc>
-                <a:spcPct val="110000"/>
-              </a:lnSpc>
-              <a:buNone/>
-            </a:pPr>
-            <a:r>
-              <a:rPr lang="en-GB" b="1" dirty="0">
-                <a:solidFill>
-                  <a:srgbClr val="3366FF"/>
-                </a:solidFill>
-                <a:latin typeface="Courier New Bold"/>
-              </a:rPr>
-              <a:t>break </a:t>
-            </a:r>
-            <a:r>
-              <a:rPr lang="en-GB" b="1" dirty="0" smtClean="0">
-                <a:solidFill>
-                  <a:srgbClr val="3366FF"/>
-                </a:solidFill>
-                <a:latin typeface="Courier New Bold"/>
-              </a:rPr>
-              <a:t>__</a:t>
-            </a:r>
-            <a:r>
-              <a:rPr lang="en-GB" b="1" dirty="0" err="1" smtClean="0">
-                <a:solidFill>
-                  <a:srgbClr val="3366FF"/>
-                </a:solidFill>
-                <a:latin typeface="Courier New Bold"/>
-              </a:rPr>
-              <a:t>OpenCL_foo_kernel</a:t>
-            </a:r>
-            <a:endParaRPr lang="en-GB" dirty="0" smtClean="0"/>
-          </a:p>
-          <a:p>
-            <a:pPr lvl="1">
-              <a:lnSpc>
-                <a:spcPct val="110000"/>
-              </a:lnSpc>
-            </a:pPr>
-            <a:r>
-              <a:rPr lang="en-GB" dirty="0" smtClean="0"/>
-              <a:t>This can only be done </a:t>
-            </a:r>
-            <a:r>
-              <a:rPr lang="en-GB" i="1" dirty="0" smtClean="0"/>
-              <a:t>after</a:t>
-            </a:r>
-            <a:r>
-              <a:rPr lang="en-GB" dirty="0" smtClean="0"/>
-              <a:t> the kernels have been built 	</a:t>
-            </a:r>
-            <a:endParaRPr lang="en-GB" b="1" dirty="0" smtClean="0">
-              <a:solidFill>
-                <a:srgbClr val="3366FF"/>
-              </a:solidFill>
-              <a:latin typeface="Courier New Bold"/>
-            </a:endParaRPr>
-          </a:p>
-          <a:p>
-            <a:pPr>
-              <a:lnSpc>
-                <a:spcPct val="120000"/>
-              </a:lnSpc>
-            </a:pPr>
-            <a:r>
-              <a:rPr lang="en-GB" dirty="0" smtClean="0"/>
-              <a:t>AMD® recommend setting the environment variable </a:t>
-            </a:r>
-            <a:r>
-              <a:rPr lang="en-GB" b="1" dirty="0" smtClean="0">
-                <a:solidFill>
-                  <a:srgbClr val="3366FF"/>
-                </a:solidFill>
-                <a:latin typeface="Courier New Bold"/>
-              </a:rPr>
-              <a:t>CPU_MAX_COMPUTE_UNITS=1</a:t>
-            </a:r>
-            <a:r>
-              <a:rPr lang="en-GB" dirty="0" smtClean="0"/>
-              <a:t> to ensure deterministic kernel behaviour</a:t>
-            </a:r>
-          </a:p>
-        </p:txBody>
-      </p:sp>
-      <p:sp>
-        <p:nvSpPr>
-          <p:cNvPr id="4" name="Content Placeholder 7"/>
-          <p:cNvSpPr txBox="1">
-            <a:spLocks/>
-          </p:cNvSpPr>
-          <p:nvPr/>
-        </p:nvSpPr>
-        <p:spPr>
-          <a:xfrm>
-            <a:off x="107504" y="6453337"/>
-            <a:ext cx="4861484" cy="404664"/>
-          </a:xfrm>
-          <a:prstGeom prst="rect">
-            <a:avLst/>
-          </a:prstGeom>
-        </p:spPr>
-        <p:txBody>
-          <a:bodyPr vert="horz" lIns="91440" tIns="45720" rIns="91440" bIns="45720" rtlCol="0">
-            <a:normAutofit/>
-          </a:bodyPr>
-          <a:lstStyle>
-            <a:lvl1pPr marL="342900" indent="-342900" algn="l" defTabSz="914400" rtl="0" eaLnBrk="1" latinLnBrk="0" hangingPunct="1">
-              <a:spcBef>
-                <a:spcPct val="20000"/>
-              </a:spcBef>
-              <a:buFont typeface="Arial" pitchFamily="34" charset="0"/>
-              <a:buChar char="•"/>
-              <a:defRPr sz="3200" kern="1200">
-                <a:solidFill>
-                  <a:schemeClr val="tx1"/>
-                </a:solidFill>
-                <a:latin typeface="+mn-lt"/>
-                <a:ea typeface="+mn-ea"/>
-                <a:cs typeface="+mn-cs"/>
-              </a:defRPr>
-            </a:lvl1pPr>
-            <a:lvl2pPr marL="742950" indent="-285750" algn="l" defTabSz="914400" rtl="0" eaLnBrk="1" latinLnBrk="0" hangingPunct="1">
-              <a:spcBef>
-                <a:spcPct val="20000"/>
-              </a:spcBef>
-              <a:buFont typeface="Arial" pitchFamily="34" charset="0"/>
-              <a:buChar char="–"/>
-              <a:defRPr sz="2800" kern="1200">
-                <a:solidFill>
-                  <a:schemeClr val="tx1"/>
-                </a:solidFill>
-                <a:latin typeface="+mn-lt"/>
-                <a:ea typeface="+mn-ea"/>
-                <a:cs typeface="+mn-cs"/>
-              </a:defRPr>
-            </a:lvl2pPr>
-            <a:lvl3pPr marL="1143000" indent="-228600" algn="l" defTabSz="914400" rtl="0" eaLnBrk="1" latinLnBrk="0" hangingPunct="1">
-              <a:spcBef>
-                <a:spcPct val="20000"/>
-              </a:spcBef>
-              <a:buFont typeface="Arial" pitchFamily="34" charset="0"/>
-              <a:buChar char="•"/>
-              <a:defRPr sz="2400" kern="1200">
-                <a:solidFill>
-                  <a:schemeClr val="tx1"/>
-                </a:solidFill>
-                <a:latin typeface="+mn-lt"/>
-                <a:ea typeface="+mn-ea"/>
-                <a:cs typeface="+mn-cs"/>
-              </a:defRPr>
-            </a:lvl3pPr>
-            <a:lvl4pPr marL="1600200" indent="-228600" algn="l" defTabSz="914400" rtl="0" eaLnBrk="1" latinLnBrk="0" hangingPunct="1">
-              <a:spcBef>
-                <a:spcPct val="20000"/>
-              </a:spcBef>
-              <a:buFont typeface="Arial" pitchFamily="34" charset="0"/>
-              <a:buChar char="–"/>
-              <a:defRPr sz="2000" kern="1200">
-                <a:solidFill>
-                  <a:schemeClr val="tx1"/>
-                </a:solidFill>
-                <a:latin typeface="+mn-lt"/>
-                <a:ea typeface="+mn-ea"/>
-                <a:cs typeface="+mn-cs"/>
-              </a:defRPr>
-            </a:lvl4pPr>
-            <a:lvl5pPr marL="2057400" indent="-228600" algn="l" defTabSz="914400" rtl="0" eaLnBrk="1" latinLnBrk="0" hangingPunct="1">
-              <a:spcBef>
-                <a:spcPct val="20000"/>
-              </a:spcBef>
-              <a:buFont typeface="Arial" pitchFamily="34" charset="0"/>
-              <a:buChar char="»"/>
-              <a:defRPr sz="2000" kern="1200">
-                <a:solidFill>
-                  <a:schemeClr val="tx1"/>
-                </a:solidFill>
-                <a:latin typeface="+mn-lt"/>
-                <a:ea typeface="+mn-ea"/>
-                <a:cs typeface="+mn-cs"/>
-              </a:defRPr>
-            </a:lvl5pPr>
-            <a:lvl6pPr marL="2514600" indent="-228600" algn="l" defTabSz="914400" rtl="0" eaLnBrk="1" latinLnBrk="0" hangingPunct="1">
-              <a:spcBef>
-                <a:spcPct val="20000"/>
-              </a:spcBef>
-              <a:buFont typeface="Arial" pitchFamily="34" charset="0"/>
-              <a:buChar char="•"/>
-              <a:defRPr sz="2000" kern="1200">
-                <a:solidFill>
-                  <a:schemeClr val="tx1"/>
-                </a:solidFill>
-                <a:latin typeface="+mn-lt"/>
-                <a:ea typeface="+mn-ea"/>
-                <a:cs typeface="+mn-cs"/>
-              </a:defRPr>
-            </a:lvl6pPr>
-            <a:lvl7pPr marL="2971800" indent="-228600" algn="l" defTabSz="914400" rtl="0" eaLnBrk="1" latinLnBrk="0" hangingPunct="1">
-              <a:spcBef>
-                <a:spcPct val="20000"/>
-              </a:spcBef>
-              <a:buFont typeface="Arial" pitchFamily="34" charset="0"/>
-              <a:buChar char="•"/>
-              <a:defRPr sz="2000" kern="1200">
-                <a:solidFill>
-                  <a:schemeClr val="tx1"/>
-                </a:solidFill>
-                <a:latin typeface="+mn-lt"/>
-                <a:ea typeface="+mn-ea"/>
-                <a:cs typeface="+mn-cs"/>
-              </a:defRPr>
-            </a:lvl7pPr>
-            <a:lvl8pPr marL="3429000" indent="-228600" algn="l" defTabSz="914400" rtl="0" eaLnBrk="1" latinLnBrk="0" hangingPunct="1">
-              <a:spcBef>
-                <a:spcPct val="20000"/>
-              </a:spcBef>
-              <a:buFont typeface="Arial" pitchFamily="34" charset="0"/>
-              <a:buChar char="•"/>
-              <a:defRPr sz="2000" kern="1200">
-                <a:solidFill>
-                  <a:schemeClr val="tx1"/>
-                </a:solidFill>
-                <a:latin typeface="+mn-lt"/>
-                <a:ea typeface="+mn-ea"/>
-                <a:cs typeface="+mn-cs"/>
-              </a:defRPr>
-            </a:lvl8pPr>
-            <a:lvl9pPr marL="3886200" indent="-228600" algn="l" defTabSz="914400" rtl="0" eaLnBrk="1" latinLnBrk="0" hangingPunct="1">
-              <a:spcBef>
-                <a:spcPct val="20000"/>
-              </a:spcBef>
-              <a:buFont typeface="Arial" pitchFamily="34" charset="0"/>
-              <a:buChar char="•"/>
-              <a:defRPr sz="2000" kern="1200">
-                <a:solidFill>
-                  <a:schemeClr val="tx1"/>
-                </a:solidFill>
-                <a:latin typeface="+mn-lt"/>
-                <a:ea typeface="+mn-ea"/>
-                <a:cs typeface="+mn-cs"/>
-              </a:defRPr>
-            </a:lvl9pPr>
-          </a:lstStyle>
-          <a:p>
-            <a:pPr marL="0" indent="0">
-              <a:buFont typeface="Arial" pitchFamily="34" charset="0"/>
-              <a:buNone/>
-            </a:pPr>
-            <a:r>
-              <a:rPr lang="en-GB" sz="1200" dirty="0" smtClean="0">
-                <a:solidFill>
-                  <a:prstClr val="black"/>
-                </a:solidFill>
-              </a:rPr>
-              <a:t>Third party names are the property of their owners.</a:t>
-            </a:r>
-            <a:endParaRPr lang="en-GB" sz="1200" dirty="0">
-              <a:solidFill>
-                <a:prstClr val="black"/>
-              </a:solidFill>
-            </a:endParaRPr>
-          </a:p>
-        </p:txBody>
-      </p:sp>
-    </p:spTree>
-    <p:extLst>
-      <p:ext uri="{BB962C8B-B14F-4D97-AF65-F5344CB8AC3E}">
-        <p14:creationId xmlns:p14="http://schemas.microsoft.com/office/powerpoint/2010/main" val="2102093488"/>
-      </p:ext>
-    </p:extLst>
-  </p:cSld>
-  <p:clrMapOvr>
-    <a:masterClrMapping/>
-  </p:clrMapOvr>
-  <mc:AlternateContent xmlns:mc="http://schemas.openxmlformats.org/markup-compatibility/2006" xmlns:p14="http://schemas.microsoft.com/office/powerpoint/2010/main">
-    <mc:Choice Requires="p14">
-      <p:transition spd="slow" p14:dur="2000"/>
-    </mc:Choice>
-    <mc:Fallback xmlns="">
-      <p:transition xmlns:p14="http://schemas.microsoft.com/office/powerpoint/2010/main" spd="slow"/>
-    </mc:Fallback>
-  </mc:AlternateContent>
-  <p:timing>
-    <p:tnLst>
-      <p:par>
-        <p:cTn xmlns:p14="http://schemas.microsoft.com/office/powerpoint/2010/main" id="1" dur="indefinite" restart="never" nodeType="tmRoot"/>
-      </p:par>
-    </p:tnLst>
-  </p:timing>
-</p:sld>
-</file>
-
-<file path=ppt/slides/slide32.xml><?xml version="1.0" encoding="utf-8"?>
+<file path=ppt/slides/slide33.xml><?xml version="1.0" encoding="utf-8"?>
 <p:sld xmlns:a="http://schemas.openxmlformats.org/drawingml/2006/main" xmlns:r="http://schemas.openxmlformats.org/officeDocument/2006/relationships" xmlns:p="http://schemas.openxmlformats.org/presentationml/2006/main">
   <p:cSld>
     <p:spTree>
@@ -12744,161 +12907,6 @@
           <a:lstStyle/>
           <a:p>
             <a:r>
-              <a:rPr lang="en-US" dirty="0" smtClean="0"/>
-              <a:t>Debugging Tools</a:t>
-            </a:r>
-            <a:endParaRPr lang="en-US" dirty="0"/>
-          </a:p>
-        </p:txBody>
-      </p:sp>
-      <p:sp>
-        <p:nvSpPr>
-          <p:cNvPr id="3" name="Content Placeholder 2"/>
-          <p:cNvSpPr>
-            <a:spLocks noGrp="1"/>
-          </p:cNvSpPr>
-          <p:nvPr>
-            <p:ph idx="1"/>
-          </p:nvPr>
-        </p:nvSpPr>
-        <p:spPr/>
-        <p:txBody>
-          <a:bodyPr/>
-          <a:lstStyle/>
-          <a:p>
-            <a:r>
-              <a:rPr lang="en-US" dirty="0" smtClean="0"/>
-              <a:t>AMD </a:t>
-            </a:r>
-            <a:r>
-              <a:rPr lang="en-US" dirty="0" err="1" smtClean="0"/>
-              <a:t>CodeXL</a:t>
-            </a:r>
-            <a:endParaRPr lang="en-US" dirty="0" smtClean="0"/>
-          </a:p>
-          <a:p>
-            <a:r>
-              <a:rPr lang="en-US" dirty="0" smtClean="0"/>
-              <a:t>Intel SDK (Visual Studio plugin)</a:t>
-            </a:r>
-          </a:p>
-          <a:p>
-            <a:r>
-              <a:rPr lang="en-US" dirty="0" smtClean="0"/>
-              <a:t>GDB (CPU platforms)</a:t>
-            </a:r>
-          </a:p>
-          <a:p>
-            <a:r>
-              <a:rPr lang="en-US" dirty="0" err="1" smtClean="0"/>
-              <a:t>Oclgrind</a:t>
-            </a:r>
-            <a:endParaRPr lang="en-US" dirty="0" smtClean="0"/>
-          </a:p>
-          <a:p>
-            <a:r>
-              <a:rPr lang="en-US" dirty="0" err="1" smtClean="0"/>
-              <a:t>GPUVerify</a:t>
-            </a:r>
-            <a:endParaRPr lang="en-US" dirty="0" smtClean="0"/>
-          </a:p>
-          <a:p>
-            <a:r>
-              <a:rPr lang="en-US" b="1" dirty="0" err="1" smtClean="0">
-                <a:solidFill>
-                  <a:srgbClr val="3366FF"/>
-                </a:solidFill>
-                <a:latin typeface="Courier New"/>
-                <a:cs typeface="Courier New"/>
-              </a:rPr>
-              <a:t>printf</a:t>
-            </a:r>
-            <a:r>
-              <a:rPr lang="en-US" b="1" dirty="0" smtClean="0">
-                <a:solidFill>
-                  <a:srgbClr val="3366FF"/>
-                </a:solidFill>
-                <a:latin typeface="Courier New"/>
-                <a:cs typeface="Courier New"/>
-              </a:rPr>
-              <a:t> </a:t>
-            </a:r>
-            <a:r>
-              <a:rPr lang="en-US" dirty="0" smtClean="0">
-                <a:latin typeface="Calibri"/>
-                <a:cs typeface="Calibri"/>
-              </a:rPr>
-              <a:t>( from OpenCL 1.2 onwards )</a:t>
-            </a:r>
-            <a:endParaRPr lang="en-US" b="1" dirty="0" smtClean="0">
-              <a:solidFill>
-                <a:srgbClr val="3366FF"/>
-              </a:solidFill>
-              <a:latin typeface="Calibri"/>
-              <a:cs typeface="Calibri"/>
-            </a:endParaRPr>
-          </a:p>
-          <a:p>
-            <a:endParaRPr lang="en-US" dirty="0" smtClean="0"/>
-          </a:p>
-          <a:p>
-            <a:endParaRPr lang="en-US" dirty="0"/>
-          </a:p>
-        </p:txBody>
-      </p:sp>
-    </p:spTree>
-    <p:extLst>
-      <p:ext uri="{BB962C8B-B14F-4D97-AF65-F5344CB8AC3E}">
-        <p14:creationId xmlns:p14="http://schemas.microsoft.com/office/powerpoint/2010/main" val="1605154899"/>
-      </p:ext>
-    </p:extLst>
-  </p:cSld>
-  <p:clrMapOvr>
-    <a:masterClrMapping/>
-  </p:clrMapOvr>
-  <p:timing>
-    <p:tnLst>
-      <p:par>
-        <p:cTn xmlns:p14="http://schemas.microsoft.com/office/powerpoint/2010/main" id="1" dur="indefinite" restart="never" nodeType="tmRoot"/>
-      </p:par>
-    </p:tnLst>
-  </p:timing>
-</p:sld>
-</file>
-
-<file path=ppt/slides/slide33.xml><?xml version="1.0" encoding="utf-8"?>
-<p:sld xmlns:a="http://schemas.openxmlformats.org/drawingml/2006/main" xmlns:r="http://schemas.openxmlformats.org/officeDocument/2006/relationships" xmlns:p="http://schemas.openxmlformats.org/presentationml/2006/main" show="0">
-  <p:cSld>
-    <p:spTree>
-      <p:nvGrpSpPr>
-        <p:cNvPr id="1" name=""/>
-        <p:cNvGrpSpPr/>
-        <p:nvPr/>
-      </p:nvGrpSpPr>
-      <p:grpSpPr>
-        <a:xfrm>
-          <a:off x="0" y="0"/>
-          <a:ext cx="0" cy="0"/>
-          <a:chOff x="0" y="0"/>
-          <a:chExt cx="0" cy="0"/>
-        </a:xfrm>
-      </p:grpSpPr>
-      <p:sp>
-        <p:nvSpPr>
-          <p:cNvPr id="2" name="Title 1"/>
-          <p:cNvSpPr>
-            <a:spLocks noGrp="1"/>
-          </p:cNvSpPr>
-          <p:nvPr>
-            <p:ph type="title"/>
-          </p:nvPr>
-        </p:nvSpPr>
-        <p:spPr/>
-        <p:txBody>
-          <a:bodyPr/>
-          <a:lstStyle/>
-          <a:p>
-            <a:r>
               <a:rPr lang="en-GB" dirty="0" err="1" smtClean="0"/>
               <a:t>CodeXL</a:t>
             </a:r>
@@ -12973,11 +12981,11 @@
   <p:clrMapOvr>
     <a:masterClrMapping/>
   </p:clrMapOvr>
-  <mc:AlternateContent xmlns:mc="http://schemas.openxmlformats.org/markup-compatibility/2006" xmlns:p14="http://schemas.microsoft.com/office/powerpoint/2010/main">
-    <mc:Choice Requires="p14">
+  <mc:AlternateContent xmlns:mc="http://schemas.openxmlformats.org/markup-compatibility/2006">
+    <mc:Choice xmlns:p14="http://schemas.microsoft.com/office/powerpoint/2010/main" Requires="p14">
       <p:transition spd="slow" p14:dur="2000"/>
     </mc:Choice>
-    <mc:Fallback xmlns="">
+    <mc:Fallback>
       <p:transition xmlns:p14="http://schemas.microsoft.com/office/powerpoint/2010/main" spd="slow"/>
     </mc:Fallback>
   </mc:AlternateContent>
@@ -13120,7 +13128,7 @@
 </file>
 
 <file path=ppt/slides/slide35.xml><?xml version="1.0" encoding="utf-8"?>
-<p:sld xmlns:a="http://schemas.openxmlformats.org/drawingml/2006/main" xmlns:r="http://schemas.openxmlformats.org/officeDocument/2006/relationships" xmlns:p="http://schemas.openxmlformats.org/presentationml/2006/main" show="0">
+<p:sld xmlns:a="http://schemas.openxmlformats.org/drawingml/2006/main" xmlns:r="http://schemas.openxmlformats.org/officeDocument/2006/relationships" xmlns:p="http://schemas.openxmlformats.org/presentationml/2006/main">
   <p:cSld>
     <p:spTree>
       <p:nvGrpSpPr>
@@ -13337,11 +13345,11 @@
   <p:clrMapOvr>
     <a:masterClrMapping/>
   </p:clrMapOvr>
-  <mc:AlternateContent xmlns:mc="http://schemas.openxmlformats.org/markup-compatibility/2006" xmlns:p14="http://schemas.microsoft.com/office/powerpoint/2010/main">
-    <mc:Choice Requires="p14">
+  <mc:AlternateContent xmlns:mc="http://schemas.openxmlformats.org/markup-compatibility/2006">
+    <mc:Choice xmlns:p14="http://schemas.microsoft.com/office/powerpoint/2010/main" Requires="p14">
       <p:transition spd="slow" p14:dur="2000"/>
     </mc:Choice>
-    <mc:Fallback xmlns="">
+    <mc:Fallback>
       <p:transition xmlns:p14="http://schemas.microsoft.com/office/powerpoint/2010/main" spd="slow"/>
     </mc:Fallback>
   </mc:AlternateContent>
@@ -13665,7 +13673,7 @@
 </file>
 
 <file path=ppt/slides/slide37.xml><?xml version="1.0" encoding="utf-8"?>
-<p:sld xmlns:a="http://schemas.openxmlformats.org/drawingml/2006/main" xmlns:r="http://schemas.openxmlformats.org/officeDocument/2006/relationships" xmlns:p="http://schemas.openxmlformats.org/presentationml/2006/main" show="0">
+<p:sld xmlns:a="http://schemas.openxmlformats.org/drawingml/2006/main" xmlns:r="http://schemas.openxmlformats.org/officeDocument/2006/relationships" xmlns:p="http://schemas.openxmlformats.org/presentationml/2006/main">
   <p:cSld>
     <p:spTree>
       <p:nvGrpSpPr>
@@ -13880,11 +13888,11 @@
   <p:clrMapOvr>
     <a:masterClrMapping/>
   </p:clrMapOvr>
-  <mc:AlternateContent xmlns:mc="http://schemas.openxmlformats.org/markup-compatibility/2006" xmlns:p14="http://schemas.microsoft.com/office/powerpoint/2010/main">
-    <mc:Choice Requires="p14">
+  <mc:AlternateContent xmlns:mc="http://schemas.openxmlformats.org/markup-compatibility/2006">
+    <mc:Choice xmlns:p14="http://schemas.microsoft.com/office/powerpoint/2010/main" Requires="p14">
       <p:transition spd="slow" p14:dur="2000"/>
     </mc:Choice>
-    <mc:Fallback xmlns="">
+    <mc:Fallback>
       <p:transition xmlns:p14="http://schemas.microsoft.com/office/powerpoint/2010/main" spd="slow"/>
     </mc:Fallback>
   </mc:AlternateContent>
@@ -13899,7 +13907,7 @@
 </file>
 
 <file path=ppt/slides/slide38.xml><?xml version="1.0" encoding="utf-8"?>
-<p:sld xmlns:a="http://schemas.openxmlformats.org/drawingml/2006/main" xmlns:r="http://schemas.openxmlformats.org/officeDocument/2006/relationships" xmlns:p="http://schemas.openxmlformats.org/presentationml/2006/main" show="0">
+<p:sld xmlns:a="http://schemas.openxmlformats.org/drawingml/2006/main" xmlns:r="http://schemas.openxmlformats.org/officeDocument/2006/relationships" xmlns:p="http://schemas.openxmlformats.org/presentationml/2006/main">
   <p:cSld>
     <p:spTree>
       <p:nvGrpSpPr>
@@ -13979,11 +13987,11 @@
   <p:clrMapOvr>
     <a:masterClrMapping/>
   </p:clrMapOvr>
-  <mc:AlternateContent xmlns:mc="http://schemas.openxmlformats.org/markup-compatibility/2006" xmlns:p14="http://schemas.microsoft.com/office/powerpoint/2010/main">
-    <mc:Choice Requires="p14">
+  <mc:AlternateContent xmlns:mc="http://schemas.openxmlformats.org/markup-compatibility/2006">
+    <mc:Choice xmlns:p14="http://schemas.microsoft.com/office/powerpoint/2010/main" Requires="p14">
       <p:transition spd="slow" p14:dur="2000"/>
     </mc:Choice>
-    <mc:Fallback xmlns="">
+    <mc:Fallback>
       <p:transition xmlns:p14="http://schemas.microsoft.com/office/powerpoint/2010/main" spd="slow"/>
     </mc:Fallback>
   </mc:AlternateContent>
@@ -14133,7 +14141,7 @@
 </file>
 
 <file path=ppt/slides/slide4.xml><?xml version="1.0" encoding="utf-8"?>
-<p:sld xmlns:a="http://schemas.openxmlformats.org/drawingml/2006/main" xmlns:r="http://schemas.openxmlformats.org/officeDocument/2006/relationships" xmlns:p="http://schemas.openxmlformats.org/presentationml/2006/main">
+<p:sld xmlns:a="http://schemas.openxmlformats.org/drawingml/2006/main" xmlns:r="http://schemas.openxmlformats.org/officeDocument/2006/relationships" xmlns:p="http://schemas.openxmlformats.org/presentationml/2006/main" show="0">
   <p:cSld>
     <p:spTree>
       <p:nvGrpSpPr>
@@ -14286,6 +14294,14 @@
   <p:clrMapOvr>
     <a:masterClrMapping/>
   </p:clrMapOvr>
+  <mc:AlternateContent xmlns:mc="http://schemas.openxmlformats.org/markup-compatibility/2006">
+    <mc:Choice xmlns:p14="http://schemas.microsoft.com/office/powerpoint/2010/main" Requires="p14">
+      <p:transition spd="slow" p14:dur="2000"/>
+    </mc:Choice>
+    <mc:Fallback>
+      <p:transition xmlns:p14="http://schemas.microsoft.com/office/powerpoint/2010/main" spd="slow"/>
+    </mc:Fallback>
+  </mc:AlternateContent>
   <p:timing>
     <p:tnLst>
       <p:par>

--- a/slides/advanced_part3.pptx
+++ b/slides/advanced_part3.pptx
@@ -277,7 +277,7 @@
           <a:p>
             <a:fld id="{154B9960-65DD-7948-AAE5-CA021B06E14D}" type="datetimeFigureOut">
               <a:rPr lang="en-US" smtClean="0"/>
-              <a:t>22/07/16</a:t>
+              <a:t>23/07/16</a:t>
             </a:fld>
             <a:endParaRPr lang="en-GB"/>
           </a:p>
@@ -1458,8 +1458,63 @@
             </a:r>
             <a:r>
               <a:rPr lang="en-GB" baseline="0" dirty="0" smtClean="0"/>
-              <a:t> to be careful</a:t>
-            </a:r>
+              <a:t> to be </a:t>
+            </a:r>
+            <a:r>
+              <a:rPr lang="en-GB" baseline="0" dirty="0" smtClean="0"/>
+              <a:t>careful</a:t>
+            </a:r>
+          </a:p>
+          <a:p>
+            <a:endParaRPr lang="en-GB" baseline="0" dirty="0" smtClean="0"/>
+          </a:p>
+          <a:p>
+            <a:r>
+              <a:rPr lang="en-GB" baseline="0" dirty="0" smtClean="0"/>
+              <a:t>there are also some special case functions that can give big performance improvements:</a:t>
+            </a:r>
+          </a:p>
+          <a:p>
+            <a:pPr marL="171450" indent="-171450">
+              <a:buFontTx/>
+              <a:buChar char="-"/>
+            </a:pPr>
+            <a:r>
+              <a:rPr lang="en-GB" baseline="0" dirty="0" err="1" smtClean="0"/>
+              <a:t>powr</a:t>
+            </a:r>
+            <a:r>
+              <a:rPr lang="en-GB" baseline="0" dirty="0" smtClean="0"/>
+              <a:t>(x, y) </a:t>
+            </a:r>
+            <a:r>
+              <a:rPr lang="en-GB" baseline="0" smtClean="0"/>
+              <a:t>where x </a:t>
+            </a:r>
+            <a:r>
+              <a:rPr lang="en-GB" baseline="0" dirty="0" smtClean="0"/>
+              <a:t>is &gt;=0</a:t>
+            </a:r>
+          </a:p>
+          <a:p>
+            <a:pPr marL="171450" indent="-171450">
+              <a:buFontTx/>
+              <a:buChar char="-"/>
+            </a:pPr>
+            <a:r>
+              <a:rPr lang="en-GB" baseline="0" dirty="0" err="1" smtClean="0"/>
+              <a:t>pown</a:t>
+            </a:r>
+            <a:r>
+              <a:rPr lang="en-GB" baseline="0" dirty="0" smtClean="0"/>
+              <a:t>(x, y) where y is an integer</a:t>
+            </a:r>
+          </a:p>
+          <a:p>
+            <a:pPr marL="0" indent="0">
+              <a:buFontTx/>
+              <a:buNone/>
+            </a:pPr>
             <a:endParaRPr lang="en-GB" dirty="0"/>
           </a:p>
         </p:txBody>
@@ -3286,7 +3341,7 @@
           <a:p>
             <a:fld id="{D96F9273-1B51-1D4D-B007-2EA617412104}" type="datetimeFigureOut">
               <a:rPr lang="en-US" smtClean="0"/>
-              <a:t>22/07/16</a:t>
+              <a:t>23/07/16</a:t>
             </a:fld>
             <a:endParaRPr lang="en-GB"/>
           </a:p>
@@ -3456,7 +3511,7 @@
           <a:p>
             <a:fld id="{D96F9273-1B51-1D4D-B007-2EA617412104}" type="datetimeFigureOut">
               <a:rPr lang="en-US" smtClean="0"/>
-              <a:t>22/07/16</a:t>
+              <a:t>23/07/16</a:t>
             </a:fld>
             <a:endParaRPr lang="en-GB"/>
           </a:p>
@@ -3636,7 +3691,7 @@
           <a:p>
             <a:fld id="{D96F9273-1B51-1D4D-B007-2EA617412104}" type="datetimeFigureOut">
               <a:rPr lang="en-US" smtClean="0"/>
-              <a:t>22/07/16</a:t>
+              <a:t>23/07/16</a:t>
             </a:fld>
             <a:endParaRPr lang="en-GB"/>
           </a:p>
@@ -3806,7 +3861,7 @@
           <a:p>
             <a:fld id="{D96F9273-1B51-1D4D-B007-2EA617412104}" type="datetimeFigureOut">
               <a:rPr lang="en-US" smtClean="0"/>
-              <a:t>22/07/16</a:t>
+              <a:t>23/07/16</a:t>
             </a:fld>
             <a:endParaRPr lang="en-GB"/>
           </a:p>
@@ -4052,7 +4107,7 @@
           <a:p>
             <a:fld id="{D96F9273-1B51-1D4D-B007-2EA617412104}" type="datetimeFigureOut">
               <a:rPr lang="en-US" smtClean="0"/>
-              <a:t>22/07/16</a:t>
+              <a:t>23/07/16</a:t>
             </a:fld>
             <a:endParaRPr lang="en-GB"/>
           </a:p>
@@ -4340,7 +4395,7 @@
           <a:p>
             <a:fld id="{D96F9273-1B51-1D4D-B007-2EA617412104}" type="datetimeFigureOut">
               <a:rPr lang="en-US" smtClean="0"/>
-              <a:t>22/07/16</a:t>
+              <a:t>23/07/16</a:t>
             </a:fld>
             <a:endParaRPr lang="en-GB"/>
           </a:p>
@@ -4762,7 +4817,7 @@
           <a:p>
             <a:fld id="{D96F9273-1B51-1D4D-B007-2EA617412104}" type="datetimeFigureOut">
               <a:rPr lang="en-US" smtClean="0"/>
-              <a:t>22/07/16</a:t>
+              <a:t>23/07/16</a:t>
             </a:fld>
             <a:endParaRPr lang="en-GB"/>
           </a:p>
@@ -4880,7 +4935,7 @@
           <a:p>
             <a:fld id="{D96F9273-1B51-1D4D-B007-2EA617412104}" type="datetimeFigureOut">
               <a:rPr lang="en-US" smtClean="0"/>
-              <a:t>22/07/16</a:t>
+              <a:t>23/07/16</a:t>
             </a:fld>
             <a:endParaRPr lang="en-GB"/>
           </a:p>
@@ -4975,7 +5030,7 @@
           <a:p>
             <a:fld id="{D96F9273-1B51-1D4D-B007-2EA617412104}" type="datetimeFigureOut">
               <a:rPr lang="en-US" smtClean="0"/>
-              <a:t>22/07/16</a:t>
+              <a:t>23/07/16</a:t>
             </a:fld>
             <a:endParaRPr lang="en-GB"/>
           </a:p>
@@ -5252,7 +5307,7 @@
           <a:p>
             <a:fld id="{D96F9273-1B51-1D4D-B007-2EA617412104}" type="datetimeFigureOut">
               <a:rPr lang="en-US" smtClean="0"/>
-              <a:t>22/07/16</a:t>
+              <a:t>23/07/16</a:t>
             </a:fld>
             <a:endParaRPr lang="en-GB"/>
           </a:p>
@@ -5505,7 +5560,7 @@
           <a:p>
             <a:fld id="{D96F9273-1B51-1D4D-B007-2EA617412104}" type="datetimeFigureOut">
               <a:rPr lang="en-US" smtClean="0"/>
-              <a:t>22/07/16</a:t>
+              <a:t>23/07/16</a:t>
             </a:fld>
             <a:endParaRPr lang="en-GB"/>
           </a:p>
@@ -5718,7 +5773,7 @@
           <a:p>
             <a:fld id="{D96F9273-1B51-1D4D-B007-2EA617412104}" type="datetimeFigureOut">
               <a:rPr lang="en-US" smtClean="0"/>
-              <a:t>22/07/16</a:t>
+              <a:t>23/07/16</a:t>
             </a:fld>
             <a:endParaRPr lang="en-GB"/>
           </a:p>
@@ -41428,14 +41483,6 @@
               </a:rPr>
               <a:t>// Get pointer to start of this work-group’s histogram</a:t>
             </a:r>
-            <a:endParaRPr lang="en-GB" sz="1400" b="1" dirty="0" smtClean="0">
-              <a:solidFill>
-                <a:srgbClr val="008000"/>
-              </a:solidFill>
-              <a:latin typeface="Courier New"/>
-              <a:cs typeface="Courier New"/>
-              <a:sym typeface="Menlo Regular"/>
-            </a:endParaRPr>
           </a:p>
           <a:p>
             <a:pPr defTabSz="410751">
@@ -41547,11 +41594,6 @@
               </a:rPr>
               <a:t>;</a:t>
             </a:r>
-            <a:endParaRPr lang="en-GB" sz="1400" b="1" dirty="0" smtClean="0">
-              <a:latin typeface="Courier New"/>
-              <a:cs typeface="Courier New"/>
-              <a:sym typeface="Menlo Regular"/>
-            </a:endParaRPr>
           </a:p>
           <a:p>
             <a:pPr defTabSz="410751">
@@ -41688,14 +41730,6 @@
               </a:rPr>
               <a:t>// Increment corresponding bucket in histogram</a:t>
             </a:r>
-            <a:endParaRPr lang="en-GB" sz="1400" b="1" dirty="0" smtClean="0">
-              <a:solidFill>
-                <a:srgbClr val="008000"/>
-              </a:solidFill>
-              <a:latin typeface="Courier New"/>
-              <a:cs typeface="Courier New"/>
-              <a:sym typeface="Menlo Regular"/>
-            </a:endParaRPr>
           </a:p>
           <a:p>
             <a:pPr defTabSz="410751">
@@ -41748,15 +41782,7 @@
                 <a:cs typeface="Courier New"/>
                 <a:sym typeface="Menlo Regular"/>
               </a:rPr>
-              <a:t>group_</a:t>
-            </a:r>
-            <a:r>
-              <a:rPr lang="en-GB" sz="1400" b="1" dirty="0" err="1" smtClean="0">
-                <a:latin typeface="Courier New"/>
-                <a:cs typeface="Courier New"/>
-                <a:sym typeface="Menlo Regular"/>
-              </a:rPr>
-              <a:t>histogram</a:t>
+              <a:t>group_histogram</a:t>
             </a:r>
             <a:r>
               <a:rPr lang="en-GB" sz="1400" b="1" dirty="0" smtClean="0">
@@ -46623,39 +46649,7 @@
             </a:pPr>
             <a:r>
               <a:rPr lang="en-GB" sz="2800" dirty="0" smtClean="0"/>
-              <a:t>Results from </a:t>
-            </a:r>
-            <a:r>
-              <a:rPr lang="en-GB" sz="2800" dirty="0" smtClean="0"/>
-              <a:t>3 </a:t>
-            </a:r>
-            <a:r>
-              <a:rPr lang="en-GB" sz="2800" dirty="0" smtClean="0"/>
-              <a:t>different versions </a:t>
-            </a:r>
-            <a:r>
-              <a:rPr lang="en-GB" sz="2800" dirty="0" smtClean="0"/>
-              <a:t>(original, meta </a:t>
-            </a:r>
-            <a:r>
-              <a:rPr lang="en-GB" sz="2800" dirty="0" smtClean="0"/>
-              <a:t>programming, </a:t>
-            </a:r>
-            <a:r>
-              <a:rPr lang="en-GB" sz="2800" dirty="0" smtClean="0"/>
-              <a:t>and optimised) </a:t>
-            </a:r>
-            <a:r>
-              <a:rPr lang="en-GB" sz="2800" dirty="0" smtClean="0"/>
-              <a:t>on an </a:t>
-            </a:r>
-            <a:r>
-              <a:rPr lang="en-GB" sz="2800" dirty="0" smtClean="0"/>
-              <a:t>NVIDIA K40</a:t>
-            </a:r>
-            <a:r>
-              <a:rPr lang="en-GB" sz="2800" dirty="0" smtClean="0"/>
-              <a:t>:</a:t>
+              <a:t>Results from 3 different versions (original, meta programming, and optimised) on an NVIDIA K40:</a:t>
             </a:r>
           </a:p>
           <a:p>
@@ -52635,35 +52629,7 @@
             </a:r>
             <a:r>
               <a:rPr lang="en-GB" dirty="0" smtClean="0"/>
-              <a:t> </a:t>
-            </a:r>
-            <a:r>
-              <a:rPr lang="en-GB" dirty="0" smtClean="0"/>
-              <a:t>different versions </a:t>
-            </a:r>
-            <a:r>
-              <a:rPr lang="en-GB" dirty="0" smtClean="0"/>
-              <a:t>(original, meta </a:t>
-            </a:r>
-            <a:r>
-              <a:rPr lang="en-GB" dirty="0" smtClean="0"/>
-              <a:t>programming, </a:t>
-            </a:r>
-            <a:r>
-              <a:rPr lang="en-GB" dirty="0" smtClean="0"/>
-              <a:t>optimised, </a:t>
-            </a:r>
-            <a:r>
-              <a:rPr lang="en-GB" dirty="0" smtClean="0"/>
-              <a:t>and images) on an </a:t>
-            </a:r>
-            <a:r>
-              <a:rPr lang="en-GB" dirty="0" smtClean="0"/>
-              <a:t>NVIDIA K40</a:t>
-            </a:r>
-            <a:r>
-              <a:rPr lang="en-GB" dirty="0" smtClean="0"/>
-              <a:t>:</a:t>
+              <a:t> different versions (original, meta programming, optimised, and images) on an NVIDIA K40:</a:t>
             </a:r>
           </a:p>
           <a:p>

--- a/slides/advanced_part3.pptx
+++ b/slides/advanced_part3.pptx
@@ -277,7 +277,7 @@
           <a:p>
             <a:fld id="{154B9960-65DD-7948-AAE5-CA021B06E14D}" type="datetimeFigureOut">
               <a:rPr lang="en-US" smtClean="0"/>
-              <a:t>23/07/16</a:t>
+              <a:t>25/07/16</a:t>
             </a:fld>
             <a:endParaRPr lang="en-GB"/>
           </a:p>
@@ -1458,11 +1458,7 @@
             </a:r>
             <a:r>
               <a:rPr lang="en-GB" baseline="0" dirty="0" smtClean="0"/>
-              <a:t> to be </a:t>
-            </a:r>
-            <a:r>
-              <a:rPr lang="en-GB" baseline="0" dirty="0" smtClean="0"/>
-              <a:t>careful</a:t>
+              <a:t> to be careful</a:t>
             </a:r>
           </a:p>
           <a:p>
@@ -3341,7 +3337,7 @@
           <a:p>
             <a:fld id="{D96F9273-1B51-1D4D-B007-2EA617412104}" type="datetimeFigureOut">
               <a:rPr lang="en-US" smtClean="0"/>
-              <a:t>23/07/16</a:t>
+              <a:t>25/07/16</a:t>
             </a:fld>
             <a:endParaRPr lang="en-GB"/>
           </a:p>
@@ -3511,7 +3507,7 @@
           <a:p>
             <a:fld id="{D96F9273-1B51-1D4D-B007-2EA617412104}" type="datetimeFigureOut">
               <a:rPr lang="en-US" smtClean="0"/>
-              <a:t>23/07/16</a:t>
+              <a:t>25/07/16</a:t>
             </a:fld>
             <a:endParaRPr lang="en-GB"/>
           </a:p>
@@ -3691,7 +3687,7 @@
           <a:p>
             <a:fld id="{D96F9273-1B51-1D4D-B007-2EA617412104}" type="datetimeFigureOut">
               <a:rPr lang="en-US" smtClean="0"/>
-              <a:t>23/07/16</a:t>
+              <a:t>25/07/16</a:t>
             </a:fld>
             <a:endParaRPr lang="en-GB"/>
           </a:p>
@@ -3861,7 +3857,7 @@
           <a:p>
             <a:fld id="{D96F9273-1B51-1D4D-B007-2EA617412104}" type="datetimeFigureOut">
               <a:rPr lang="en-US" smtClean="0"/>
-              <a:t>23/07/16</a:t>
+              <a:t>25/07/16</a:t>
             </a:fld>
             <a:endParaRPr lang="en-GB"/>
           </a:p>
@@ -4107,7 +4103,7 @@
           <a:p>
             <a:fld id="{D96F9273-1B51-1D4D-B007-2EA617412104}" type="datetimeFigureOut">
               <a:rPr lang="en-US" smtClean="0"/>
-              <a:t>23/07/16</a:t>
+              <a:t>25/07/16</a:t>
             </a:fld>
             <a:endParaRPr lang="en-GB"/>
           </a:p>
@@ -4395,7 +4391,7 @@
           <a:p>
             <a:fld id="{D96F9273-1B51-1D4D-B007-2EA617412104}" type="datetimeFigureOut">
               <a:rPr lang="en-US" smtClean="0"/>
-              <a:t>23/07/16</a:t>
+              <a:t>25/07/16</a:t>
             </a:fld>
             <a:endParaRPr lang="en-GB"/>
           </a:p>
@@ -4817,7 +4813,7 @@
           <a:p>
             <a:fld id="{D96F9273-1B51-1D4D-B007-2EA617412104}" type="datetimeFigureOut">
               <a:rPr lang="en-US" smtClean="0"/>
-              <a:t>23/07/16</a:t>
+              <a:t>25/07/16</a:t>
             </a:fld>
             <a:endParaRPr lang="en-GB"/>
           </a:p>
@@ -4935,7 +4931,7 @@
           <a:p>
             <a:fld id="{D96F9273-1B51-1D4D-B007-2EA617412104}" type="datetimeFigureOut">
               <a:rPr lang="en-US" smtClean="0"/>
-              <a:t>23/07/16</a:t>
+              <a:t>25/07/16</a:t>
             </a:fld>
             <a:endParaRPr lang="en-GB"/>
           </a:p>
@@ -5030,7 +5026,7 @@
           <a:p>
             <a:fld id="{D96F9273-1B51-1D4D-B007-2EA617412104}" type="datetimeFigureOut">
               <a:rPr lang="en-US" smtClean="0"/>
-              <a:t>23/07/16</a:t>
+              <a:t>25/07/16</a:t>
             </a:fld>
             <a:endParaRPr lang="en-GB"/>
           </a:p>
@@ -5307,7 +5303,7 @@
           <a:p>
             <a:fld id="{D96F9273-1B51-1D4D-B007-2EA617412104}" type="datetimeFigureOut">
               <a:rPr lang="en-US" smtClean="0"/>
-              <a:t>23/07/16</a:t>
+              <a:t>25/07/16</a:t>
             </a:fld>
             <a:endParaRPr lang="en-GB"/>
           </a:p>
@@ -5560,7 +5556,7 @@
           <a:p>
             <a:fld id="{D96F9273-1B51-1D4D-B007-2EA617412104}" type="datetimeFigureOut">
               <a:rPr lang="en-US" smtClean="0"/>
-              <a:t>23/07/16</a:t>
+              <a:t>25/07/16</a:t>
             </a:fld>
             <a:endParaRPr lang="en-GB"/>
           </a:p>
@@ -5773,7 +5769,7 @@
           <a:p>
             <a:fld id="{D96F9273-1B51-1D4D-B007-2EA617412104}" type="datetimeFigureOut">
               <a:rPr lang="en-US" smtClean="0"/>
-              <a:t>23/07/16</a:t>
+              <a:t>25/07/16</a:t>
             </a:fld>
             <a:endParaRPr lang="en-GB"/>
           </a:p>
@@ -10333,14 +10329,11 @@
           <a:bodyPr/>
           <a:lstStyle/>
           <a:p>
-            <a:r>
-              <a:rPr lang="en-GB" dirty="0" smtClean="0">
-                <a:solidFill>
-                  <a:schemeClr val="tx1"/>
-                </a:solidFill>
-              </a:rPr>
-              <a:t>Lecture 10</a:t>
-            </a:r>
+            <a:endParaRPr lang="en-GB" dirty="0" smtClean="0">
+              <a:solidFill>
+                <a:schemeClr val="tx1"/>
+              </a:solidFill>
+            </a:endParaRPr>
           </a:p>
         </p:txBody>
       </p:sp>
@@ -44931,6 +44924,16 @@
               <a:buNone/>
             </a:pPr>
             <a:r>
+              <a:rPr lang="da-DK" sz="1400" b="1" dirty="0" smtClean="0">
+                <a:solidFill>
+                  <a:srgbClr val="000000"/>
+                </a:solidFill>
+                <a:latin typeface="Courier New"/>
+                <a:cs typeface="Courier New"/>
+              </a:rPr>
+              <a:t>mask = </a:t>
+            </a:r>
+            <a:r>
               <a:rPr lang="da-DK" sz="1400" b="1" dirty="0">
                 <a:solidFill>
                   <a:srgbClr val="000000"/>
@@ -44938,17 +44941,17 @@
                 <a:latin typeface="Courier New"/>
                 <a:cs typeface="Courier New"/>
               </a:rPr>
-              <a:t>mask = (a &gt; b ? </a:t>
-            </a:r>
-            <a:r>
-              <a:rPr lang="da-DK" sz="1400" b="1" dirty="0" smtClean="0">
+              <a:t>(a &gt; b ? </a:t>
+            </a:r>
+            <a:r>
+              <a:rPr lang="da-DK" sz="1400" b="1" dirty="0" err="1" smtClean="0">
                 <a:solidFill>
                   <a:srgbClr val="FF00FF"/>
                 </a:solidFill>
                 <a:latin typeface="Courier New"/>
                 <a:cs typeface="Courier New"/>
               </a:rPr>
-              <a:t>1.f</a:t>
+              <a:t>temp</a:t>
             </a:r>
             <a:r>
               <a:rPr lang="da-DK" sz="1400" b="1" dirty="0" smtClean="0">
@@ -46666,25 +46669,11 @@
               <a:buNone/>
             </a:pPr>
             <a:r>
-              <a:rPr lang="en-GB" sz="2000" dirty="0">
-                <a:latin typeface="Courier New"/>
-                <a:cs typeface="Courier New"/>
-              </a:rPr>
-              <a:t>~/IWOCL2016</a:t>
-            </a:r>
-            <a:r>
               <a:rPr lang="en-GB" sz="2000" dirty="0" smtClean="0">
                 <a:latin typeface="Courier New"/>
                 <a:cs typeface="Courier New"/>
               </a:rPr>
-              <a:t>/exercises/</a:t>
-            </a:r>
-            <a:r>
-              <a:rPr lang="en-GB" sz="2000" dirty="0">
-                <a:latin typeface="Courier New"/>
-                <a:cs typeface="Courier New"/>
-              </a:rPr>
-              <a:t>Bilateral$ </a:t>
+              <a:t>$ </a:t>
             </a:r>
             <a:r>
               <a:rPr lang="en-GB" sz="2000" b="1" dirty="0">
@@ -46756,14 +46745,7 @@
                 <a:latin typeface="Courier New"/>
                 <a:cs typeface="Courier New"/>
               </a:rPr>
-              <a:t>~</a:t>
-            </a:r>
-            <a:r>
-              <a:rPr lang="en-GB" sz="2000" dirty="0">
-                <a:latin typeface="Courier New"/>
-                <a:cs typeface="Courier New"/>
-              </a:rPr>
-              <a:t>/IWOCL2016/solutions/Bilateral$ </a:t>
+              <a:t>$ </a:t>
             </a:r>
             <a:r>
               <a:rPr lang="en-GB" sz="2000" b="1" dirty="0">
@@ -46845,11 +46827,11 @@
               <a:buNone/>
             </a:pPr>
             <a:r>
-              <a:rPr lang="en-GB" sz="2000" dirty="0">
-                <a:latin typeface="Courier New"/>
-                <a:cs typeface="Courier New"/>
-              </a:rPr>
-              <a:t>~/IWOCL2016/solutions/Bilateral$ </a:t>
+              <a:rPr lang="en-GB" sz="2000" dirty="0" smtClean="0">
+                <a:latin typeface="Courier New"/>
+                <a:cs typeface="Courier New"/>
+              </a:rPr>
+              <a:t>$ </a:t>
             </a:r>
             <a:r>
               <a:rPr lang="en-GB" sz="2000" b="1" dirty="0">
@@ -52612,7 +52594,7 @@
         </p:spPr>
         <p:txBody>
           <a:bodyPr>
-            <a:normAutofit fontScale="85000" lnSpcReduction="10000"/>
+            <a:normAutofit fontScale="92500" lnSpcReduction="20000"/>
           </a:bodyPr>
           <a:lstStyle/>
           <a:p>
@@ -52646,25 +52628,11 @@
               <a:buNone/>
             </a:pPr>
             <a:r>
-              <a:rPr lang="en-GB" sz="2400" dirty="0">
-                <a:latin typeface="Courier New"/>
-                <a:cs typeface="Courier New"/>
-              </a:rPr>
-              <a:t>~/IWOCL2016</a:t>
-            </a:r>
-            <a:r>
               <a:rPr lang="en-GB" sz="2400" dirty="0" smtClean="0">
                 <a:latin typeface="Courier New"/>
                 <a:cs typeface="Courier New"/>
               </a:rPr>
-              <a:t>/exercises/</a:t>
-            </a:r>
-            <a:r>
-              <a:rPr lang="en-GB" sz="2400" dirty="0">
-                <a:latin typeface="Courier New"/>
-                <a:cs typeface="Courier New"/>
-              </a:rPr>
-              <a:t>Bilateral$ </a:t>
+              <a:t>$ </a:t>
             </a:r>
             <a:r>
               <a:rPr lang="en-GB" sz="2400" b="1" dirty="0">
@@ -52736,14 +52704,7 @@
                 <a:latin typeface="Courier New"/>
                 <a:cs typeface="Courier New"/>
               </a:rPr>
-              <a:t>~</a:t>
-            </a:r>
-            <a:r>
-              <a:rPr lang="en-GB" sz="2400" dirty="0">
-                <a:latin typeface="Courier New"/>
-                <a:cs typeface="Courier New"/>
-              </a:rPr>
-              <a:t>/IWOCL2016/solutions/Bilateral$ </a:t>
+              <a:t>$ </a:t>
             </a:r>
             <a:r>
               <a:rPr lang="en-GB" sz="2400" b="1" dirty="0">
@@ -52825,11 +52786,11 @@
               <a:buNone/>
             </a:pPr>
             <a:r>
-              <a:rPr lang="en-GB" sz="2400" dirty="0">
-                <a:latin typeface="Courier New"/>
-                <a:cs typeface="Courier New"/>
-              </a:rPr>
-              <a:t>~/IWOCL2016/solutions/Bilateral$ </a:t>
+              <a:rPr lang="en-GB" sz="2400" dirty="0" smtClean="0">
+                <a:latin typeface="Courier New"/>
+                <a:cs typeface="Courier New"/>
+              </a:rPr>
+              <a:t>$ </a:t>
             </a:r>
             <a:r>
               <a:rPr lang="en-GB" sz="2400" b="1" dirty="0">
@@ -52904,11 +52865,11 @@
               <a:buNone/>
             </a:pPr>
             <a:r>
-              <a:rPr lang="en-GB" sz="2400" dirty="0">
-                <a:latin typeface="Courier New"/>
-                <a:cs typeface="Courier New"/>
-              </a:rPr>
-              <a:t>~/IWOCL2016/solutions/Bilateral$ </a:t>
+              <a:rPr lang="en-GB" sz="2400" smtClean="0">
+                <a:latin typeface="Courier New"/>
+                <a:cs typeface="Courier New"/>
+              </a:rPr>
+              <a:t>$ </a:t>
             </a:r>
             <a:r>
               <a:rPr lang="en-GB" sz="2400" b="1" dirty="0">

--- a/slides/advanced_part3.pptx
+++ b/slides/advanced_part3.pptx
@@ -278,7 +278,7 @@
           <a:p>
             <a:fld id="{154B9960-65DD-7948-AAE5-CA021B06E14D}" type="datetimeFigureOut">
               <a:rPr lang="en-US" smtClean="0"/>
-              <a:t>25/07/16</a:t>
+              <a:t>26/07/16</a:t>
             </a:fld>
             <a:endParaRPr lang="en-GB"/>
           </a:p>
@@ -3338,7 +3338,7 @@
           <a:p>
             <a:fld id="{D96F9273-1B51-1D4D-B007-2EA617412104}" type="datetimeFigureOut">
               <a:rPr lang="en-US" smtClean="0"/>
-              <a:t>25/07/16</a:t>
+              <a:t>26/07/16</a:t>
             </a:fld>
             <a:endParaRPr lang="en-GB"/>
           </a:p>
@@ -3508,7 +3508,7 @@
           <a:p>
             <a:fld id="{D96F9273-1B51-1D4D-B007-2EA617412104}" type="datetimeFigureOut">
               <a:rPr lang="en-US" smtClean="0"/>
-              <a:t>25/07/16</a:t>
+              <a:t>26/07/16</a:t>
             </a:fld>
             <a:endParaRPr lang="en-GB"/>
           </a:p>
@@ -3688,7 +3688,7 @@
           <a:p>
             <a:fld id="{D96F9273-1B51-1D4D-B007-2EA617412104}" type="datetimeFigureOut">
               <a:rPr lang="en-US" smtClean="0"/>
-              <a:t>25/07/16</a:t>
+              <a:t>26/07/16</a:t>
             </a:fld>
             <a:endParaRPr lang="en-GB"/>
           </a:p>
@@ -3858,7 +3858,7 @@
           <a:p>
             <a:fld id="{D96F9273-1B51-1D4D-B007-2EA617412104}" type="datetimeFigureOut">
               <a:rPr lang="en-US" smtClean="0"/>
-              <a:t>25/07/16</a:t>
+              <a:t>26/07/16</a:t>
             </a:fld>
             <a:endParaRPr lang="en-GB"/>
           </a:p>
@@ -4104,7 +4104,7 @@
           <a:p>
             <a:fld id="{D96F9273-1B51-1D4D-B007-2EA617412104}" type="datetimeFigureOut">
               <a:rPr lang="en-US" smtClean="0"/>
-              <a:t>25/07/16</a:t>
+              <a:t>26/07/16</a:t>
             </a:fld>
             <a:endParaRPr lang="en-GB"/>
           </a:p>
@@ -4392,7 +4392,7 @@
           <a:p>
             <a:fld id="{D96F9273-1B51-1D4D-B007-2EA617412104}" type="datetimeFigureOut">
               <a:rPr lang="en-US" smtClean="0"/>
-              <a:t>25/07/16</a:t>
+              <a:t>26/07/16</a:t>
             </a:fld>
             <a:endParaRPr lang="en-GB"/>
           </a:p>
@@ -4814,7 +4814,7 @@
           <a:p>
             <a:fld id="{D96F9273-1B51-1D4D-B007-2EA617412104}" type="datetimeFigureOut">
               <a:rPr lang="en-US" smtClean="0"/>
-              <a:t>25/07/16</a:t>
+              <a:t>26/07/16</a:t>
             </a:fld>
             <a:endParaRPr lang="en-GB"/>
           </a:p>
@@ -4932,7 +4932,7 @@
           <a:p>
             <a:fld id="{D96F9273-1B51-1D4D-B007-2EA617412104}" type="datetimeFigureOut">
               <a:rPr lang="en-US" smtClean="0"/>
-              <a:t>25/07/16</a:t>
+              <a:t>26/07/16</a:t>
             </a:fld>
             <a:endParaRPr lang="en-GB"/>
           </a:p>
@@ -5027,7 +5027,7 @@
           <a:p>
             <a:fld id="{D96F9273-1B51-1D4D-B007-2EA617412104}" type="datetimeFigureOut">
               <a:rPr lang="en-US" smtClean="0"/>
-              <a:t>25/07/16</a:t>
+              <a:t>26/07/16</a:t>
             </a:fld>
             <a:endParaRPr lang="en-GB"/>
           </a:p>
@@ -5304,7 +5304,7 @@
           <a:p>
             <a:fld id="{D96F9273-1B51-1D4D-B007-2EA617412104}" type="datetimeFigureOut">
               <a:rPr lang="en-US" smtClean="0"/>
-              <a:t>25/07/16</a:t>
+              <a:t>26/07/16</a:t>
             </a:fld>
             <a:endParaRPr lang="en-GB"/>
           </a:p>
@@ -5557,7 +5557,7 @@
           <a:p>
             <a:fld id="{D96F9273-1B51-1D4D-B007-2EA617412104}" type="datetimeFigureOut">
               <a:rPr lang="en-US" smtClean="0"/>
-              <a:t>25/07/16</a:t>
+              <a:t>26/07/16</a:t>
             </a:fld>
             <a:endParaRPr lang="en-GB"/>
           </a:p>
@@ -5770,7 +5770,7 @@
           <a:p>
             <a:fld id="{D96F9273-1B51-1D4D-B007-2EA617412104}" type="datetimeFigureOut">
               <a:rPr lang="en-US" smtClean="0"/>
-              <a:t>25/07/16</a:t>
+              <a:t>26/07/16</a:t>
             </a:fld>
             <a:endParaRPr lang="en-GB"/>
           </a:p>
@@ -14386,8 +14386,12 @@
           <a:lstStyle/>
           <a:p>
             <a:r>
+              <a:rPr lang="en-GB" sz="3600" smtClean="0"/>
+              <a:t>Exercise: </a:t>
+            </a:r>
+            <a:r>
               <a:rPr lang="en-GB" sz="3600" dirty="0" smtClean="0"/>
-              <a:t>Exercise 10: Profiling and Debugging</a:t>
+              <a:t>Profiling and Debugging</a:t>
             </a:r>
             <a:br>
               <a:rPr lang="en-GB" sz="3600" dirty="0" smtClean="0"/>
@@ -14635,14 +14639,6 @@
           <a:bodyPr/>
           <a:lstStyle/>
           <a:p>
-            <a:r>
-              <a:rPr lang="en-GB" dirty="0" smtClean="0">
-                <a:solidFill>
-                  <a:schemeClr val="tx1"/>
-                </a:solidFill>
-              </a:rPr>
-              <a:t>Lecture 12</a:t>
-            </a:r>
             <a:endParaRPr lang="en-GB" dirty="0">
               <a:solidFill>
                 <a:schemeClr val="tx1"/>

--- a/slides/advanced_part3.pptx
+++ b/slides/advanced_part3.pptx
@@ -278,7 +278,7 @@
           <a:p>
             <a:fld id="{154B9960-65DD-7948-AAE5-CA021B06E14D}" type="datetimeFigureOut">
               <a:rPr lang="en-US" smtClean="0"/>
-              <a:t>26/07/16</a:t>
+              <a:t>27/07/16</a:t>
             </a:fld>
             <a:endParaRPr lang="en-GB"/>
           </a:p>
@@ -3338,7 +3338,7 @@
           <a:p>
             <a:fld id="{D96F9273-1B51-1D4D-B007-2EA617412104}" type="datetimeFigureOut">
               <a:rPr lang="en-US" smtClean="0"/>
-              <a:t>26/07/16</a:t>
+              <a:t>27/07/16</a:t>
             </a:fld>
             <a:endParaRPr lang="en-GB"/>
           </a:p>
@@ -3508,7 +3508,7 @@
           <a:p>
             <a:fld id="{D96F9273-1B51-1D4D-B007-2EA617412104}" type="datetimeFigureOut">
               <a:rPr lang="en-US" smtClean="0"/>
-              <a:t>26/07/16</a:t>
+              <a:t>27/07/16</a:t>
             </a:fld>
             <a:endParaRPr lang="en-GB"/>
           </a:p>
@@ -3688,7 +3688,7 @@
           <a:p>
             <a:fld id="{D96F9273-1B51-1D4D-B007-2EA617412104}" type="datetimeFigureOut">
               <a:rPr lang="en-US" smtClean="0"/>
-              <a:t>26/07/16</a:t>
+              <a:t>27/07/16</a:t>
             </a:fld>
             <a:endParaRPr lang="en-GB"/>
           </a:p>
@@ -3858,7 +3858,7 @@
           <a:p>
             <a:fld id="{D96F9273-1B51-1D4D-B007-2EA617412104}" type="datetimeFigureOut">
               <a:rPr lang="en-US" smtClean="0"/>
-              <a:t>26/07/16</a:t>
+              <a:t>27/07/16</a:t>
             </a:fld>
             <a:endParaRPr lang="en-GB"/>
           </a:p>
@@ -4104,7 +4104,7 @@
           <a:p>
             <a:fld id="{D96F9273-1B51-1D4D-B007-2EA617412104}" type="datetimeFigureOut">
               <a:rPr lang="en-US" smtClean="0"/>
-              <a:t>26/07/16</a:t>
+              <a:t>27/07/16</a:t>
             </a:fld>
             <a:endParaRPr lang="en-GB"/>
           </a:p>
@@ -4392,7 +4392,7 @@
           <a:p>
             <a:fld id="{D96F9273-1B51-1D4D-B007-2EA617412104}" type="datetimeFigureOut">
               <a:rPr lang="en-US" smtClean="0"/>
-              <a:t>26/07/16</a:t>
+              <a:t>27/07/16</a:t>
             </a:fld>
             <a:endParaRPr lang="en-GB"/>
           </a:p>
@@ -4814,7 +4814,7 @@
           <a:p>
             <a:fld id="{D96F9273-1B51-1D4D-B007-2EA617412104}" type="datetimeFigureOut">
               <a:rPr lang="en-US" smtClean="0"/>
-              <a:t>26/07/16</a:t>
+              <a:t>27/07/16</a:t>
             </a:fld>
             <a:endParaRPr lang="en-GB"/>
           </a:p>
@@ -4932,7 +4932,7 @@
           <a:p>
             <a:fld id="{D96F9273-1B51-1D4D-B007-2EA617412104}" type="datetimeFigureOut">
               <a:rPr lang="en-US" smtClean="0"/>
-              <a:t>26/07/16</a:t>
+              <a:t>27/07/16</a:t>
             </a:fld>
             <a:endParaRPr lang="en-GB"/>
           </a:p>
@@ -5027,7 +5027,7 @@
           <a:p>
             <a:fld id="{D96F9273-1B51-1D4D-B007-2EA617412104}" type="datetimeFigureOut">
               <a:rPr lang="en-US" smtClean="0"/>
-              <a:t>26/07/16</a:t>
+              <a:t>27/07/16</a:t>
             </a:fld>
             <a:endParaRPr lang="en-GB"/>
           </a:p>
@@ -5304,7 +5304,7 @@
           <a:p>
             <a:fld id="{D96F9273-1B51-1D4D-B007-2EA617412104}" type="datetimeFigureOut">
               <a:rPr lang="en-US" smtClean="0"/>
-              <a:t>26/07/16</a:t>
+              <a:t>27/07/16</a:t>
             </a:fld>
             <a:endParaRPr lang="en-GB"/>
           </a:p>
@@ -5557,7 +5557,7 @@
           <a:p>
             <a:fld id="{D96F9273-1B51-1D4D-B007-2EA617412104}" type="datetimeFigureOut">
               <a:rPr lang="en-US" smtClean="0"/>
-              <a:t>26/07/16</a:t>
+              <a:t>27/07/16</a:t>
             </a:fld>
             <a:endParaRPr lang="en-GB"/>
           </a:p>
@@ -5770,7 +5770,7 @@
           <a:p>
             <a:fld id="{D96F9273-1B51-1D4D-B007-2EA617412104}" type="datetimeFigureOut">
               <a:rPr lang="en-US" smtClean="0"/>
-              <a:t>26/07/16</a:t>
+              <a:t>27/07/16</a:t>
             </a:fld>
             <a:endParaRPr lang="en-GB"/>
           </a:p>
@@ -49128,10 +49128,17 @@
                 <a:latin typeface="Courier New"/>
                 <a:cs typeface="Courier New"/>
               </a:rPr>
-              <a:t>cl::size_t&lt;</a:t>
-            </a:r>
-            <a:r>
-              <a:rPr lang="hr-HR" b="1" dirty="0">
+              <a:t>cl:</a:t>
+            </a:r>
+            <a:r>
+              <a:rPr lang="hr-HR" b="1" dirty="0" smtClean="0">
+                <a:latin typeface="Courier New"/>
+                <a:cs typeface="Courier New"/>
+              </a:rPr>
+              <a:t>:array&lt;size_type, </a:t>
+            </a:r>
+            <a:r>
+              <a:rPr lang="hr-HR" b="1" dirty="0" smtClean="0">
                 <a:solidFill>
                   <a:srgbClr val="FF00FF"/>
                 </a:solidFill>
@@ -49237,10 +49244,24 @@
                 <a:latin typeface="Courier New"/>
                 <a:cs typeface="Courier New"/>
               </a:rPr>
-              <a:t>cl::size_t&lt;</a:t>
-            </a:r>
-            <a:r>
-              <a:rPr lang="hr-HR" b="1" dirty="0">
+              <a:t>cl</a:t>
+            </a:r>
+            <a:r>
+              <a:rPr lang="hr-HR" b="1">
+                <a:latin typeface="Courier New"/>
+                <a:cs typeface="Courier New"/>
+              </a:rPr>
+              <a:t>:</a:t>
+            </a:r>
+            <a:r>
+              <a:rPr lang="hr-HR" b="1" smtClean="0">
+                <a:latin typeface="Courier New"/>
+                <a:cs typeface="Courier New"/>
+              </a:rPr>
+              <a:t>:array&lt;size_type, </a:t>
+            </a:r>
+            <a:r>
+              <a:rPr lang="hr-HR" b="1" smtClean="0">
                 <a:solidFill>
                   <a:srgbClr val="FF00FF"/>
                 </a:solidFill>

--- a/slides/advanced_part3.pptx
+++ b/slides/advanced_part3.pptx
@@ -8003,11 +8003,11 @@
   <p:clrMapOvr>
     <a:masterClrMapping/>
   </p:clrMapOvr>
-  <mc:AlternateContent xmlns:mc="http://schemas.openxmlformats.org/markup-compatibility/2006">
-    <mc:Choice xmlns:p14="http://schemas.microsoft.com/office/powerpoint/2010/main" Requires="p14">
+  <mc:AlternateContent xmlns:mc="http://schemas.openxmlformats.org/markup-compatibility/2006" xmlns:p14="http://schemas.microsoft.com/office/powerpoint/2010/main">
+    <mc:Choice Requires="p14">
       <p:transition spd="slow" p14:dur="2000"/>
     </mc:Choice>
-    <mc:Fallback>
+    <mc:Fallback xmlns="">
       <p:transition xmlns:p14="http://schemas.microsoft.com/office/powerpoint/2010/main" spd="slow"/>
     </mc:Fallback>
   </mc:AlternateContent>
@@ -8285,11 +8285,11 @@
   <p:clrMapOvr>
     <a:masterClrMapping/>
   </p:clrMapOvr>
-  <mc:AlternateContent xmlns:mc="http://schemas.openxmlformats.org/markup-compatibility/2006">
-    <mc:Choice xmlns:p14="http://schemas.microsoft.com/office/powerpoint/2010/main" Requires="p14">
+  <mc:AlternateContent xmlns:mc="http://schemas.openxmlformats.org/markup-compatibility/2006" xmlns:p14="http://schemas.microsoft.com/office/powerpoint/2010/main">
+    <mc:Choice Requires="p14">
       <p:transition spd="slow" p14:dur="2000"/>
     </mc:Choice>
-    <mc:Fallback>
+    <mc:Fallback xmlns="">
       <p:transition xmlns:p14="http://schemas.microsoft.com/office/powerpoint/2010/main" spd="slow"/>
     </mc:Fallback>
   </mc:AlternateContent>
@@ -8437,11 +8437,11 @@
   <p:clrMapOvr>
     <a:masterClrMapping/>
   </p:clrMapOvr>
-  <mc:AlternateContent xmlns:mc="http://schemas.openxmlformats.org/markup-compatibility/2006">
-    <mc:Choice xmlns:p14="http://schemas.microsoft.com/office/powerpoint/2010/main" Requires="p14">
+  <mc:AlternateContent xmlns:mc="http://schemas.openxmlformats.org/markup-compatibility/2006" xmlns:p14="http://schemas.microsoft.com/office/powerpoint/2010/main">
+    <mc:Choice Requires="p14">
       <p:transition spd="slow" p14:dur="2000"/>
     </mc:Choice>
-    <mc:Fallback>
+    <mc:Fallback xmlns="">
       <p:transition xmlns:p14="http://schemas.microsoft.com/office/powerpoint/2010/main" spd="slow"/>
     </mc:Fallback>
   </mc:AlternateContent>
@@ -8595,11 +8595,11 @@
   <p:clrMapOvr>
     <a:masterClrMapping/>
   </p:clrMapOvr>
-  <mc:AlternateContent xmlns:mc="http://schemas.openxmlformats.org/markup-compatibility/2006">
-    <mc:Choice xmlns:p14="http://schemas.microsoft.com/office/powerpoint/2010/main" Requires="p14">
+  <mc:AlternateContent xmlns:mc="http://schemas.openxmlformats.org/markup-compatibility/2006" xmlns:p14="http://schemas.microsoft.com/office/powerpoint/2010/main">
+    <mc:Choice Requires="p14">
       <p:transition spd="slow" p14:dur="2000"/>
     </mc:Choice>
-    <mc:Fallback>
+    <mc:Fallback xmlns="">
       <p:transition xmlns:p14="http://schemas.microsoft.com/office/powerpoint/2010/main" spd="slow"/>
     </mc:Fallback>
   </mc:AlternateContent>
@@ -9145,11 +9145,11 @@
   <p:clrMapOvr>
     <a:masterClrMapping/>
   </p:clrMapOvr>
-  <mc:AlternateContent xmlns:mc="http://schemas.openxmlformats.org/markup-compatibility/2006">
-    <mc:Choice xmlns:p14="http://schemas.microsoft.com/office/powerpoint/2010/main" Requires="p14">
+  <mc:AlternateContent xmlns:mc="http://schemas.openxmlformats.org/markup-compatibility/2006" xmlns:p14="http://schemas.microsoft.com/office/powerpoint/2010/main">
+    <mc:Choice Requires="p14">
       <p:transition spd="slow" p14:dur="2000"/>
     </mc:Choice>
-    <mc:Fallback>
+    <mc:Fallback xmlns="">
       <p:transition xmlns:p14="http://schemas.microsoft.com/office/powerpoint/2010/main" spd="slow"/>
     </mc:Fallback>
   </mc:AlternateContent>
@@ -9649,11 +9649,11 @@
   <p:clrMapOvr>
     <a:masterClrMapping/>
   </p:clrMapOvr>
-  <mc:AlternateContent xmlns:mc="http://schemas.openxmlformats.org/markup-compatibility/2006">
-    <mc:Choice xmlns:p14="http://schemas.microsoft.com/office/powerpoint/2010/main" Requires="p14">
+  <mc:AlternateContent xmlns:mc="http://schemas.openxmlformats.org/markup-compatibility/2006" xmlns:p14="http://schemas.microsoft.com/office/powerpoint/2010/main">
+    <mc:Choice Requires="p14">
       <p:transition spd="slow" p14:dur="2000"/>
     </mc:Choice>
-    <mc:Fallback>
+    <mc:Fallback xmlns="">
       <p:transition xmlns:p14="http://schemas.microsoft.com/office/powerpoint/2010/main" spd="slow"/>
     </mc:Fallback>
   </mc:AlternateContent>
@@ -9861,11 +9861,11 @@
   <p:clrMapOvr>
     <a:masterClrMapping/>
   </p:clrMapOvr>
-  <mc:AlternateContent xmlns:mc="http://schemas.openxmlformats.org/markup-compatibility/2006">
-    <mc:Choice xmlns:p14="http://schemas.microsoft.com/office/powerpoint/2010/main" Requires="p14">
+  <mc:AlternateContent xmlns:mc="http://schemas.openxmlformats.org/markup-compatibility/2006" xmlns:p14="http://schemas.microsoft.com/office/powerpoint/2010/main">
+    <mc:Choice Requires="p14">
       <p:transition spd="slow" p14:dur="2000"/>
     </mc:Choice>
-    <mc:Fallback>
+    <mc:Fallback xmlns="">
       <p:transition xmlns:p14="http://schemas.microsoft.com/office/powerpoint/2010/main" spd="slow"/>
     </mc:Fallback>
   </mc:AlternateContent>
@@ -10076,11 +10076,11 @@
   <p:clrMapOvr>
     <a:masterClrMapping/>
   </p:clrMapOvr>
-  <mc:AlternateContent xmlns:mc="http://schemas.openxmlformats.org/markup-compatibility/2006">
-    <mc:Choice xmlns:p14="http://schemas.microsoft.com/office/powerpoint/2010/main" Requires="p14">
+  <mc:AlternateContent xmlns:mc="http://schemas.openxmlformats.org/markup-compatibility/2006" xmlns:p14="http://schemas.microsoft.com/office/powerpoint/2010/main">
+    <mc:Choice Requires="p14">
       <p:transition spd="slow" p14:dur="2000"/>
     </mc:Choice>
-    <mc:Fallback>
+    <mc:Fallback xmlns="">
       <p:transition xmlns:p14="http://schemas.microsoft.com/office/powerpoint/2010/main" spd="slow"/>
     </mc:Fallback>
   </mc:AlternateContent>
@@ -10222,11 +10222,11 @@
   <p:clrMapOvr>
     <a:masterClrMapping/>
   </p:clrMapOvr>
-  <mc:AlternateContent xmlns:mc="http://schemas.openxmlformats.org/markup-compatibility/2006">
-    <mc:Choice xmlns:p14="http://schemas.microsoft.com/office/powerpoint/2010/main" Requires="p14">
+  <mc:AlternateContent xmlns:mc="http://schemas.openxmlformats.org/markup-compatibility/2006" xmlns:p14="http://schemas.microsoft.com/office/powerpoint/2010/main">
+    <mc:Choice Requires="p14">
       <p:transition spd="slow" p14:dur="2000"/>
     </mc:Choice>
-    <mc:Fallback>
+    <mc:Fallback xmlns="">
       <p:transition xmlns:p14="http://schemas.microsoft.com/office/powerpoint/2010/main" spd="slow"/>
     </mc:Fallback>
   </mc:AlternateContent>
@@ -10376,11 +10376,11 @@
   <p:clrMapOvr>
     <a:masterClrMapping/>
   </p:clrMapOvr>
-  <mc:AlternateContent xmlns:mc="http://schemas.openxmlformats.org/markup-compatibility/2006">
-    <mc:Choice xmlns:p14="http://schemas.microsoft.com/office/powerpoint/2010/main" Requires="p14">
+  <mc:AlternateContent xmlns:mc="http://schemas.openxmlformats.org/markup-compatibility/2006" xmlns:p14="http://schemas.microsoft.com/office/powerpoint/2010/main">
+    <mc:Choice Requires="p14">
       <p:transition spd="slow" p14:dur="2000"/>
     </mc:Choice>
-    <mc:Fallback>
+    <mc:Fallback xmlns="">
       <p:transition xmlns:p14="http://schemas.microsoft.com/office/powerpoint/2010/main" spd="slow"/>
     </mc:Fallback>
   </mc:AlternateContent>
@@ -10990,11 +10990,11 @@
   <p:clrMapOvr>
     <a:masterClrMapping/>
   </p:clrMapOvr>
-  <mc:AlternateContent xmlns:mc="http://schemas.openxmlformats.org/markup-compatibility/2006">
-    <mc:Choice xmlns:p14="http://schemas.microsoft.com/office/powerpoint/2010/main" Requires="p14">
+  <mc:AlternateContent xmlns:mc="http://schemas.openxmlformats.org/markup-compatibility/2006" xmlns:p14="http://schemas.microsoft.com/office/powerpoint/2010/main">
+    <mc:Choice Requires="p14">
       <p:transition spd="slow" p14:dur="2000"/>
     </mc:Choice>
-    <mc:Fallback>
+    <mc:Fallback xmlns="">
       <p:transition xmlns:p14="http://schemas.microsoft.com/office/powerpoint/2010/main" spd="slow"/>
     </mc:Fallback>
   </mc:AlternateContent>
@@ -11085,11 +11085,11 @@
   <p:clrMapOvr>
     <a:masterClrMapping/>
   </p:clrMapOvr>
-  <mc:AlternateContent xmlns:mc="http://schemas.openxmlformats.org/markup-compatibility/2006">
-    <mc:Choice xmlns:p14="http://schemas.microsoft.com/office/powerpoint/2010/main" Requires="p14">
+  <mc:AlternateContent xmlns:mc="http://schemas.openxmlformats.org/markup-compatibility/2006" xmlns:p14="http://schemas.microsoft.com/office/powerpoint/2010/main">
+    <mc:Choice Requires="p14">
       <p:transition spd="slow" p14:dur="2000"/>
     </mc:Choice>
-    <mc:Fallback>
+    <mc:Fallback xmlns="">
       <p:transition xmlns:p14="http://schemas.microsoft.com/office/powerpoint/2010/main" spd="slow"/>
     </mc:Fallback>
   </mc:AlternateContent>
@@ -11243,11 +11243,11 @@
   <p:clrMapOvr>
     <a:masterClrMapping/>
   </p:clrMapOvr>
-  <mc:AlternateContent xmlns:mc="http://schemas.openxmlformats.org/markup-compatibility/2006">
-    <mc:Choice xmlns:p14="http://schemas.microsoft.com/office/powerpoint/2010/main" Requires="p14">
+  <mc:AlternateContent xmlns:mc="http://schemas.openxmlformats.org/markup-compatibility/2006" xmlns:p14="http://schemas.microsoft.com/office/powerpoint/2010/main">
+    <mc:Choice Requires="p14">
       <p:transition spd="slow" p14:dur="2000"/>
     </mc:Choice>
-    <mc:Fallback>
+    <mc:Fallback xmlns="">
       <p:transition xmlns:p14="http://schemas.microsoft.com/office/powerpoint/2010/main" spd="slow"/>
     </mc:Fallback>
   </mc:AlternateContent>
@@ -11403,11 +11403,11 @@
   <p:clrMapOvr>
     <a:masterClrMapping/>
   </p:clrMapOvr>
-  <mc:AlternateContent xmlns:mc="http://schemas.openxmlformats.org/markup-compatibility/2006">
-    <mc:Choice xmlns:p14="http://schemas.microsoft.com/office/powerpoint/2010/main" Requires="p14">
+  <mc:AlternateContent xmlns:mc="http://schemas.openxmlformats.org/markup-compatibility/2006" xmlns:p14="http://schemas.microsoft.com/office/powerpoint/2010/main">
+    <mc:Choice Requires="p14">
       <p:transition spd="slow" p14:dur="2000"/>
     </mc:Choice>
-    <mc:Fallback>
+    <mc:Fallback xmlns="">
       <p:transition xmlns:p14="http://schemas.microsoft.com/office/powerpoint/2010/main" spd="slow"/>
     </mc:Fallback>
   </mc:AlternateContent>
@@ -11625,11 +11625,11 @@
   <p:clrMapOvr>
     <a:masterClrMapping/>
   </p:clrMapOvr>
-  <mc:AlternateContent xmlns:mc="http://schemas.openxmlformats.org/markup-compatibility/2006">
-    <mc:Choice xmlns:p14="http://schemas.microsoft.com/office/powerpoint/2010/main" Requires="p14">
+  <mc:AlternateContent xmlns:mc="http://schemas.openxmlformats.org/markup-compatibility/2006" xmlns:p14="http://schemas.microsoft.com/office/powerpoint/2010/main">
+    <mc:Choice Requires="p14">
       <p:transition spd="slow" p14:dur="2000"/>
     </mc:Choice>
-    <mc:Fallback>
+    <mc:Fallback xmlns="">
       <p:transition xmlns:p14="http://schemas.microsoft.com/office/powerpoint/2010/main" spd="slow"/>
     </mc:Fallback>
   </mc:AlternateContent>
@@ -12416,11 +12416,11 @@
   <p:clrMapOvr>
     <a:masterClrMapping/>
   </p:clrMapOvr>
-  <mc:AlternateContent xmlns:mc="http://schemas.openxmlformats.org/markup-compatibility/2006">
-    <mc:Choice xmlns:p14="http://schemas.microsoft.com/office/powerpoint/2010/main" Requires="p14">
+  <mc:AlternateContent xmlns:mc="http://schemas.openxmlformats.org/markup-compatibility/2006" xmlns:p14="http://schemas.microsoft.com/office/powerpoint/2010/main">
+    <mc:Choice Requires="p14">
       <p:transition spd="slow" p14:dur="2000"/>
     </mc:Choice>
-    <mc:Fallback>
+    <mc:Fallback xmlns="">
       <p:transition xmlns:p14="http://schemas.microsoft.com/office/powerpoint/2010/main" spd="slow"/>
     </mc:Fallback>
   </mc:AlternateContent>
@@ -12947,11 +12947,11 @@
   <p:clrMapOvr>
     <a:masterClrMapping/>
   </p:clrMapOvr>
-  <mc:AlternateContent xmlns:mc="http://schemas.openxmlformats.org/markup-compatibility/2006">
-    <mc:Choice xmlns:p14="http://schemas.microsoft.com/office/powerpoint/2010/main" Requires="p14">
+  <mc:AlternateContent xmlns:mc="http://schemas.openxmlformats.org/markup-compatibility/2006" xmlns:p14="http://schemas.microsoft.com/office/powerpoint/2010/main">
+    <mc:Choice Requires="p14">
       <p:transition spd="slow" p14:dur="2000"/>
     </mc:Choice>
-    <mc:Fallback>
+    <mc:Fallback xmlns="">
       <p:transition xmlns:p14="http://schemas.microsoft.com/office/powerpoint/2010/main" spd="slow"/>
     </mc:Fallback>
   </mc:AlternateContent>
@@ -13498,11 +13498,11 @@
   <p:clrMapOvr>
     <a:masterClrMapping/>
   </p:clrMapOvr>
-  <mc:AlternateContent xmlns:mc="http://schemas.openxmlformats.org/markup-compatibility/2006">
-    <mc:Choice xmlns:p14="http://schemas.microsoft.com/office/powerpoint/2010/main" Requires="p14">
+  <mc:AlternateContent xmlns:mc="http://schemas.openxmlformats.org/markup-compatibility/2006" xmlns:p14="http://schemas.microsoft.com/office/powerpoint/2010/main">
+    <mc:Choice Requires="p14">
       <p:transition spd="slow" p14:dur="2000"/>
     </mc:Choice>
-    <mc:Fallback>
+    <mc:Fallback xmlns="">
       <p:transition xmlns:p14="http://schemas.microsoft.com/office/powerpoint/2010/main" spd="slow"/>
     </mc:Fallback>
   </mc:AlternateContent>
@@ -13661,11 +13661,11 @@
   <p:clrMapOvr>
     <a:masterClrMapping/>
   </p:clrMapOvr>
-  <mc:AlternateContent xmlns:mc="http://schemas.openxmlformats.org/markup-compatibility/2006">
-    <mc:Choice xmlns:p14="http://schemas.microsoft.com/office/powerpoint/2010/main" Requires="p14">
+  <mc:AlternateContent xmlns:mc="http://schemas.openxmlformats.org/markup-compatibility/2006" xmlns:p14="http://schemas.microsoft.com/office/powerpoint/2010/main">
+    <mc:Choice Requires="p14">
       <p:transition spd="slow" p14:dur="2000"/>
     </mc:Choice>
-    <mc:Fallback>
+    <mc:Fallback xmlns="">
       <p:transition xmlns:p14="http://schemas.microsoft.com/office/powerpoint/2010/main" spd="slow"/>
     </mc:Fallback>
   </mc:AlternateContent>
@@ -13786,11 +13786,11 @@
   <p:clrMapOvr>
     <a:masterClrMapping/>
   </p:clrMapOvr>
-  <mc:AlternateContent xmlns:mc="http://schemas.openxmlformats.org/markup-compatibility/2006">
-    <mc:Choice xmlns:p14="http://schemas.microsoft.com/office/powerpoint/2010/main" Requires="p14">
+  <mc:AlternateContent xmlns:mc="http://schemas.openxmlformats.org/markup-compatibility/2006" xmlns:p14="http://schemas.microsoft.com/office/powerpoint/2010/main">
+    <mc:Choice Requires="p14">
       <p:transition spd="slow" p14:dur="2000"/>
     </mc:Choice>
-    <mc:Fallback>
+    <mc:Fallback xmlns="">
       <p:transition xmlns:p14="http://schemas.microsoft.com/office/powerpoint/2010/main" spd="slow"/>
     </mc:Fallback>
   </mc:AlternateContent>
@@ -14697,11 +14697,11 @@
   <p:clrMapOvr>
     <a:masterClrMapping/>
   </p:clrMapOvr>
-  <mc:AlternateContent xmlns:mc="http://schemas.openxmlformats.org/markup-compatibility/2006">
-    <mc:Choice xmlns:p14="http://schemas.microsoft.com/office/powerpoint/2010/main" Requires="p14">
+  <mc:AlternateContent xmlns:mc="http://schemas.openxmlformats.org/markup-compatibility/2006" xmlns:p14="http://schemas.microsoft.com/office/powerpoint/2010/main">
+    <mc:Choice Requires="p14">
       <p:transition spd="slow" p14:dur="2000"/>
     </mc:Choice>
-    <mc:Fallback>
+    <mc:Fallback xmlns="">
       <p:transition xmlns:p14="http://schemas.microsoft.com/office/powerpoint/2010/main" spd="slow"/>
     </mc:Fallback>
   </mc:AlternateContent>
@@ -14788,11 +14788,11 @@
   <p:clrMapOvr>
     <a:masterClrMapping/>
   </p:clrMapOvr>
-  <mc:AlternateContent xmlns:mc="http://schemas.openxmlformats.org/markup-compatibility/2006">
-    <mc:Choice xmlns:p14="http://schemas.microsoft.com/office/powerpoint/2010/main" Requires="p14">
+  <mc:AlternateContent xmlns:mc="http://schemas.openxmlformats.org/markup-compatibility/2006" xmlns:p14="http://schemas.microsoft.com/office/powerpoint/2010/main">
+    <mc:Choice Requires="p14">
       <p:transition spd="slow" p14:dur="2000"/>
     </mc:Choice>
-    <mc:Fallback>
+    <mc:Fallback xmlns="">
       <p:transition xmlns:p14="http://schemas.microsoft.com/office/powerpoint/2010/main" spd="slow"/>
     </mc:Fallback>
   </mc:AlternateContent>
@@ -14960,11 +14960,11 @@
   <p:clrMapOvr>
     <a:masterClrMapping/>
   </p:clrMapOvr>
-  <mc:AlternateContent xmlns:mc="http://schemas.openxmlformats.org/markup-compatibility/2006">
-    <mc:Choice xmlns:p14="http://schemas.microsoft.com/office/powerpoint/2010/main" Requires="p14">
+  <mc:AlternateContent xmlns:mc="http://schemas.openxmlformats.org/markup-compatibility/2006" xmlns:p14="http://schemas.microsoft.com/office/powerpoint/2010/main">
+    <mc:Choice Requires="p14">
       <p:transition spd="slow" p14:dur="2000"/>
     </mc:Choice>
-    <mc:Fallback>
+    <mc:Fallback xmlns="">
       <p:transition xmlns:p14="http://schemas.microsoft.com/office/powerpoint/2010/main" spd="slow"/>
     </mc:Fallback>
   </mc:AlternateContent>
@@ -46869,11 +46869,7 @@
           <a:p>
             <a:r>
               <a:rPr lang="en-GB" dirty="0" smtClean="0"/>
-              <a:t>Faster Math </a:t>
-            </a:r>
-            <a:r>
-              <a:rPr lang="en-GB" dirty="0" smtClean="0"/>
-              <a:t>Functions</a:t>
+              <a:t>Faster Math Functions</a:t>
             </a:r>
             <a:endParaRPr lang="en-GB" dirty="0"/>
           </a:p>
@@ -46939,11 +46935,7 @@
             </a:pPr>
             <a:r>
               <a:rPr lang="en-GB" dirty="0" smtClean="0"/>
-              <a:t>e.g</a:t>
-            </a:r>
-            <a:r>
-              <a:rPr lang="en-GB" dirty="0" smtClean="0"/>
-              <a:t>. </a:t>
+              <a:t>e.g. </a:t>
             </a:r>
             <a:r>
               <a:rPr lang="en-GB" b="1" dirty="0" err="1" smtClean="0">
@@ -47063,11 +47055,7 @@
             </a:pPr>
             <a:r>
               <a:rPr lang="en-GB" dirty="0" smtClean="0"/>
-              <a:t>The </a:t>
-            </a:r>
-            <a:r>
-              <a:rPr lang="en-GB" dirty="0" smtClean="0"/>
-              <a:t>geometric functions also have </a:t>
+              <a:t>The geometric functions also have </a:t>
             </a:r>
             <a:r>
               <a:rPr lang="en-GB" b="1" dirty="0" smtClean="0">
@@ -48493,11 +48481,11 @@
   <p:clrMapOvr>
     <a:masterClrMapping/>
   </p:clrMapOvr>
-  <mc:AlternateContent xmlns:mc="http://schemas.openxmlformats.org/markup-compatibility/2006">
-    <mc:Choice xmlns:p14="http://schemas.microsoft.com/office/powerpoint/2010/main" Requires="p14">
+  <mc:AlternateContent xmlns:mc="http://schemas.openxmlformats.org/markup-compatibility/2006" xmlns:p14="http://schemas.microsoft.com/office/powerpoint/2010/main">
+    <mc:Choice Requires="p14">
       <p:transition spd="slow" p14:dur="2000"/>
     </mc:Choice>
-    <mc:Fallback>
+    <mc:Fallback xmlns="">
       <p:transition xmlns:p14="http://schemas.microsoft.com/office/powerpoint/2010/main" spd="slow"/>
     </mc:Fallback>
   </mc:AlternateContent>
@@ -50081,11 +50069,11 @@
   <p:clrMapOvr>
     <a:masterClrMapping/>
   </p:clrMapOvr>
-  <mc:AlternateContent xmlns:mc="http://schemas.openxmlformats.org/markup-compatibility/2006">
-    <mc:Choice xmlns:p14="http://schemas.microsoft.com/office/powerpoint/2010/main" Requires="p14">
+  <mc:AlternateContent xmlns:mc="http://schemas.openxmlformats.org/markup-compatibility/2006" xmlns:p14="http://schemas.microsoft.com/office/powerpoint/2010/main">
+    <mc:Choice Requires="p14">
       <p:transition spd="slow" p14:dur="2000"/>
     </mc:Choice>
-    <mc:Fallback>
+    <mc:Fallback xmlns="">
       <p:transition xmlns:p14="http://schemas.microsoft.com/office/powerpoint/2010/main" spd="slow"/>
     </mc:Fallback>
   </mc:AlternateContent>
@@ -51289,11 +51277,11 @@
   <p:clrMapOvr>
     <a:masterClrMapping/>
   </p:clrMapOvr>
-  <mc:AlternateContent xmlns:mc="http://schemas.openxmlformats.org/markup-compatibility/2006">
-    <mc:Choice xmlns:p14="http://schemas.microsoft.com/office/powerpoint/2010/main" Requires="p14">
+  <mc:AlternateContent xmlns:mc="http://schemas.openxmlformats.org/markup-compatibility/2006" xmlns:p14="http://schemas.microsoft.com/office/powerpoint/2010/main">
+    <mc:Choice Requires="p14">
       <p:transition spd="slow" p14:dur="2000"/>
     </mc:Choice>
-    <mc:Fallback>
+    <mc:Fallback xmlns="">
       <p:transition xmlns:p14="http://schemas.microsoft.com/office/powerpoint/2010/main" spd="slow"/>
     </mc:Fallback>
   </mc:AlternateContent>
@@ -51903,17 +51891,7 @@
                 <a:latin typeface="Courier New"/>
                 <a:cs typeface="Courier New"/>
               </a:rPr>
-              <a:t>  </a:t>
-            </a:r>
-            <a:r>
-              <a:rPr lang="en-GB" sz="1200" b="1" dirty="0" smtClean="0">
-                <a:solidFill>
-                  <a:srgbClr val="000000"/>
-                </a:solidFill>
-                <a:latin typeface="Courier New"/>
-                <a:cs typeface="Courier New"/>
-              </a:rPr>
-              <a:t>              </a:t>
+              <a:t>                </a:t>
             </a:r>
             <a:r>
               <a:rPr lang="en-GB" sz="1200" b="1" dirty="0" err="1" smtClean="0">
@@ -52274,27 +52252,7 @@
                 <a:latin typeface="Courier New"/>
                 <a:cs typeface="Courier New"/>
               </a:rPr>
-              <a:t>)(x, y</a:t>
-            </a:r>
-            <a:r>
-              <a:rPr lang="en-GB" sz="1200" b="1" dirty="0" smtClean="0">
-                <a:solidFill>
-                  <a:srgbClr val="000000"/>
-                </a:solidFill>
-                <a:latin typeface="Courier New"/>
-                <a:cs typeface="Courier New"/>
-              </a:rPr>
-              <a:t>))</a:t>
-            </a:r>
-            <a:r>
-              <a:rPr lang="en-GB" sz="1200" b="1" dirty="0" smtClean="0">
-                <a:solidFill>
-                  <a:srgbClr val="000000"/>
-                </a:solidFill>
-                <a:latin typeface="Courier New"/>
-                <a:cs typeface="Courier New"/>
-              </a:rPr>
-              <a:t>;</a:t>
+              <a:t>)(x, y));</a:t>
             </a:r>
           </a:p>
           <a:p>
@@ -52338,6 +52296,11 @@
               </a:rPr>
               <a:t>}</a:t>
             </a:r>
+          </a:p>
+          <a:p>
+            <a:pPr marL="0" indent="0">
+              <a:buNone/>
+            </a:pPr>
             <a:endParaRPr lang="en-GB" sz="1200" b="1" dirty="0" smtClean="0">
               <a:solidFill>
                 <a:srgbClr val="000000"/>
@@ -52350,18 +52313,6 @@
             <a:pPr marL="0" indent="0">
               <a:buNone/>
             </a:pPr>
-            <a:endParaRPr lang="en-GB" sz="1200" b="1" dirty="0" smtClean="0">
-              <a:solidFill>
-                <a:srgbClr val="000000"/>
-              </a:solidFill>
-              <a:latin typeface="Courier New"/>
-              <a:cs typeface="Courier New"/>
-            </a:endParaRPr>
-          </a:p>
-          <a:p>
-            <a:pPr marL="0" indent="0">
-              <a:buNone/>
-            </a:pPr>
             <a:r>
               <a:rPr lang="en-GB" sz="1200" b="1" dirty="0" smtClean="0">
                 <a:solidFill>
@@ -52370,25 +52321,8 @@
                 <a:latin typeface="Courier New"/>
                 <a:cs typeface="Courier New"/>
               </a:rPr>
-              <a:t>// Alternatively, declare the sampler inside the </a:t>
-            </a:r>
-            <a:r>
-              <a:rPr lang="en-GB" sz="1200" b="1" dirty="0" smtClean="0">
-                <a:solidFill>
-                  <a:srgbClr val="008000"/>
-                </a:solidFill>
-                <a:latin typeface="Courier New"/>
-                <a:cs typeface="Courier New"/>
-              </a:rPr>
-              <a:t>kernel</a:t>
-            </a:r>
-            <a:endParaRPr lang="en-GB" sz="1200" b="1" dirty="0" smtClean="0">
-              <a:solidFill>
-                <a:srgbClr val="008000"/>
-              </a:solidFill>
-              <a:latin typeface="Courier New"/>
-              <a:cs typeface="Courier New"/>
-            </a:endParaRPr>
+              <a:t>// Alternatively, declare the sampler inside the kernel</a:t>
+            </a:r>
           </a:p>
           <a:p>
             <a:pPr marL="0" indent="0">
@@ -52871,11 +52805,7 @@
           <a:p>
             <a:r>
               <a:rPr lang="en-GB" dirty="0" smtClean="0"/>
-              <a:t>An example solution with all of the above applied will be provided</a:t>
-            </a:r>
-            <a:r>
-              <a:rPr lang="en-GB" dirty="0" smtClean="0"/>
-              <a:t>.</a:t>
+              <a:t>An example solution with all of the above applied will be provided.</a:t>
             </a:r>
           </a:p>
           <a:p>
@@ -53007,7 +52937,7 @@
               <a:buNone/>
             </a:pPr>
             <a:r>
-              <a:rPr lang="en-GB" sz="2000" dirty="0" smtClean="0">
+              <a:rPr lang="en-GB" sz="2000" dirty="0">
                 <a:latin typeface="Courier New"/>
                 <a:cs typeface="Courier New"/>
               </a:rPr>
@@ -53018,14 +52948,136 @@
                 <a:latin typeface="Courier New"/>
                 <a:cs typeface="Courier New"/>
               </a:rPr>
+              <a:t>./bilateral </a:t>
+            </a:r>
+          </a:p>
+          <a:p>
+            <a:pPr marL="0" indent="0">
+              <a:buNone/>
+            </a:pPr>
+            <a:r>
+              <a:rPr lang="en-GB" sz="2000" dirty="0">
+                <a:latin typeface="Courier New"/>
+                <a:cs typeface="Courier New"/>
+              </a:rPr>
+              <a:t>OpenCL took 427.7ms (</a:t>
+            </a:r>
+            <a:r>
+              <a:rPr lang="en-GB" sz="2000" b="1" dirty="0">
+                <a:latin typeface="Courier New"/>
+                <a:cs typeface="Courier New"/>
+              </a:rPr>
+              <a:t>13.4ms</a:t>
+            </a:r>
+            <a:r>
+              <a:rPr lang="en-GB" sz="2000" dirty="0">
+                <a:latin typeface="Courier New"/>
+                <a:cs typeface="Courier New"/>
+              </a:rPr>
+              <a:t> / frame)</a:t>
+            </a:r>
+          </a:p>
+          <a:p>
+            <a:pPr marL="0" indent="0">
+              <a:buNone/>
+            </a:pPr>
+            <a:endParaRPr lang="en-GB" sz="2000" dirty="0">
+              <a:latin typeface="Courier New"/>
+              <a:cs typeface="Courier New"/>
+            </a:endParaRPr>
+          </a:p>
+          <a:p>
+            <a:pPr marL="0" indent="0">
+              <a:buNone/>
+            </a:pPr>
+            <a:r>
+              <a:rPr lang="en-GB" sz="2000" dirty="0">
+                <a:latin typeface="Courier New"/>
+                <a:cs typeface="Courier New"/>
+              </a:rPr>
+              <a:t>$ </a:t>
+            </a:r>
+            <a:r>
+              <a:rPr lang="en-GB" sz="2000" b="1" dirty="0">
+                <a:latin typeface="Courier New"/>
+                <a:cs typeface="Courier New"/>
+              </a:rPr>
               <a:t>./</a:t>
             </a:r>
             <a:r>
-              <a:rPr lang="en-GB" sz="2000" b="1" dirty="0" smtClean="0">
-                <a:latin typeface="Courier New"/>
-                <a:cs typeface="Courier New"/>
-              </a:rPr>
-              <a:t>bilateral </a:t>
+              <a:rPr lang="en-GB" sz="2000" b="1" dirty="0" err="1">
+                <a:latin typeface="Courier New"/>
+                <a:cs typeface="Courier New"/>
+              </a:rPr>
+              <a:t>bilateral_meta</a:t>
+            </a:r>
+            <a:r>
+              <a:rPr lang="en-GB" sz="2000" b="1" dirty="0">
+                <a:latin typeface="Courier New"/>
+                <a:cs typeface="Courier New"/>
+              </a:rPr>
+              <a:t> </a:t>
+            </a:r>
+          </a:p>
+          <a:p>
+            <a:pPr marL="0" indent="0">
+              <a:buNone/>
+            </a:pPr>
+            <a:r>
+              <a:rPr lang="en-GB" sz="2000" dirty="0">
+                <a:latin typeface="Courier New"/>
+                <a:cs typeface="Courier New"/>
+              </a:rPr>
+              <a:t>OpenCL took 341.2ms (</a:t>
+            </a:r>
+            <a:r>
+              <a:rPr lang="en-GB" sz="2000" b="1" dirty="0">
+                <a:latin typeface="Courier New"/>
+                <a:cs typeface="Courier New"/>
+              </a:rPr>
+              <a:t>10.7ms</a:t>
+            </a:r>
+            <a:r>
+              <a:rPr lang="en-GB" sz="2000" dirty="0">
+                <a:latin typeface="Courier New"/>
+                <a:cs typeface="Courier New"/>
+              </a:rPr>
+              <a:t> / frame)</a:t>
+            </a:r>
+          </a:p>
+          <a:p>
+            <a:pPr marL="0" indent="0">
+              <a:buNone/>
+            </a:pPr>
+            <a:endParaRPr lang="en-GB" sz="2000" dirty="0">
+              <a:latin typeface="Courier New"/>
+              <a:cs typeface="Courier New"/>
+            </a:endParaRPr>
+          </a:p>
+          <a:p>
+            <a:pPr marL="0" indent="0">
+              <a:buNone/>
+            </a:pPr>
+            <a:r>
+              <a:rPr lang="en-GB" sz="2000" dirty="0">
+                <a:latin typeface="Courier New"/>
+                <a:cs typeface="Courier New"/>
+              </a:rPr>
+              <a:t>$ </a:t>
+            </a:r>
+            <a:r>
+              <a:rPr lang="en-GB" sz="2000" b="1" dirty="0">
+                <a:latin typeface="Courier New"/>
+                <a:cs typeface="Courier New"/>
+              </a:rPr>
+              <a:t>./</a:t>
+            </a:r>
+            <a:r>
+              <a:rPr lang="en-GB" sz="2000" b="1" dirty="0" err="1">
+                <a:latin typeface="Courier New"/>
+                <a:cs typeface="Courier New"/>
+              </a:rPr>
+              <a:t>bilateral_opt</a:t>
             </a:r>
             <a:endParaRPr lang="en-GB" sz="2000" b="1" dirty="0">
               <a:latin typeface="Courier New"/>
@@ -53037,197 +53089,25 @@
               <a:buNone/>
             </a:pPr>
             <a:r>
-              <a:rPr lang="en-GB" sz="2000" dirty="0">
-                <a:latin typeface="Courier New"/>
-                <a:cs typeface="Courier New"/>
-              </a:rPr>
-              <a:t>OpenCL took </a:t>
-            </a:r>
-            <a:r>
-              <a:rPr lang="en-GB" sz="2000" dirty="0" smtClean="0">
-                <a:latin typeface="Courier New"/>
-                <a:cs typeface="Courier New"/>
-              </a:rPr>
-              <a:t>425.2ms (</a:t>
-            </a:r>
-            <a:r>
-              <a:rPr lang="en-GB" sz="2000" b="1" dirty="0" smtClean="0">
-                <a:latin typeface="Courier New"/>
-                <a:cs typeface="Courier New"/>
-              </a:rPr>
-              <a:t>13.3ms</a:t>
-            </a:r>
-            <a:r>
-              <a:rPr lang="en-GB" sz="2000" dirty="0" smtClean="0">
+              <a:rPr lang="en-GB" sz="2000">
+                <a:latin typeface="Courier New"/>
+                <a:cs typeface="Courier New"/>
+              </a:rPr>
+              <a:t>OpenCL took 59.9ms (</a:t>
+            </a:r>
+            <a:r>
+              <a:rPr lang="en-GB" sz="2000" b="1">
+                <a:latin typeface="Courier New"/>
+                <a:cs typeface="Courier New"/>
+              </a:rPr>
+              <a:t>1.9ms</a:t>
+            </a:r>
+            <a:r>
+              <a:rPr lang="en-GB" sz="2000">
                 <a:latin typeface="Courier New"/>
                 <a:cs typeface="Courier New"/>
               </a:rPr>
               <a:t> / frame)</a:t>
-            </a:r>
-          </a:p>
-          <a:p>
-            <a:pPr marL="0" indent="0">
-              <a:buNone/>
-            </a:pPr>
-            <a:endParaRPr lang="en-GB" sz="2000" dirty="0" smtClean="0">
-              <a:latin typeface="Courier New"/>
-              <a:cs typeface="Courier New"/>
-            </a:endParaRPr>
-          </a:p>
-          <a:p>
-            <a:pPr marL="0" indent="0">
-              <a:buNone/>
-            </a:pPr>
-            <a:r>
-              <a:rPr lang="en-GB" sz="2000" dirty="0" smtClean="0">
-                <a:latin typeface="Courier New"/>
-                <a:cs typeface="Courier New"/>
-              </a:rPr>
-              <a:t>$ </a:t>
-            </a:r>
-            <a:r>
-              <a:rPr lang="en-GB" sz="2000" b="1" dirty="0">
-                <a:latin typeface="Courier New"/>
-                <a:cs typeface="Courier New"/>
-              </a:rPr>
-              <a:t>./</a:t>
-            </a:r>
-            <a:r>
-              <a:rPr lang="en-GB" sz="2000" b="1" dirty="0" err="1">
-                <a:latin typeface="Courier New"/>
-                <a:cs typeface="Courier New"/>
-              </a:rPr>
-              <a:t>bilateral_meta</a:t>
-            </a:r>
-            <a:r>
-              <a:rPr lang="en-GB" sz="2000" b="1" dirty="0">
-                <a:latin typeface="Courier New"/>
-                <a:cs typeface="Courier New"/>
-              </a:rPr>
-              <a:t> </a:t>
-            </a:r>
-          </a:p>
-          <a:p>
-            <a:pPr marL="0" indent="0">
-              <a:buNone/>
-            </a:pPr>
-            <a:r>
-              <a:rPr lang="en-GB" sz="2000" dirty="0" smtClean="0">
-                <a:latin typeface="Courier New"/>
-                <a:cs typeface="Courier New"/>
-              </a:rPr>
-              <a:t>OpenCL </a:t>
-            </a:r>
-            <a:r>
-              <a:rPr lang="en-GB" sz="2000" dirty="0">
-                <a:latin typeface="Courier New"/>
-                <a:cs typeface="Courier New"/>
-              </a:rPr>
-              <a:t>took 357.9ms (</a:t>
-            </a:r>
-            <a:r>
-              <a:rPr lang="en-GB" sz="2000" b="1" dirty="0">
-                <a:latin typeface="Courier New"/>
-                <a:cs typeface="Courier New"/>
-              </a:rPr>
-              <a:t>11.2ms</a:t>
-            </a:r>
-            <a:r>
-              <a:rPr lang="en-GB" sz="2000" dirty="0">
-                <a:latin typeface="Courier New"/>
-                <a:cs typeface="Courier New"/>
-              </a:rPr>
-              <a:t> / frame</a:t>
-            </a:r>
-            <a:r>
-              <a:rPr lang="en-GB" sz="2000" dirty="0" smtClean="0">
-                <a:latin typeface="Courier New"/>
-                <a:cs typeface="Courier New"/>
-              </a:rPr>
-              <a:t>)</a:t>
-            </a:r>
-            <a:endParaRPr lang="en-GB" sz="2000" dirty="0">
-              <a:latin typeface="Courier New"/>
-              <a:cs typeface="Courier New"/>
-            </a:endParaRPr>
-          </a:p>
-          <a:p>
-            <a:pPr marL="0" indent="0">
-              <a:buNone/>
-            </a:pPr>
-            <a:endParaRPr lang="en-GB" sz="2000" dirty="0">
-              <a:latin typeface="Courier New"/>
-              <a:cs typeface="Courier New"/>
-            </a:endParaRPr>
-          </a:p>
-          <a:p>
-            <a:pPr marL="0" indent="0">
-              <a:buNone/>
-            </a:pPr>
-            <a:r>
-              <a:rPr lang="en-GB" sz="2000" dirty="0" smtClean="0">
-                <a:latin typeface="Courier New"/>
-                <a:cs typeface="Courier New"/>
-              </a:rPr>
-              <a:t>$ </a:t>
-            </a:r>
-            <a:r>
-              <a:rPr lang="en-GB" sz="2000" b="1" dirty="0">
-                <a:latin typeface="Courier New"/>
-                <a:cs typeface="Courier New"/>
-              </a:rPr>
-              <a:t>./</a:t>
-            </a:r>
-            <a:r>
-              <a:rPr lang="en-GB" sz="2000" b="1" dirty="0" err="1">
-                <a:latin typeface="Courier New"/>
-                <a:cs typeface="Courier New"/>
-              </a:rPr>
-              <a:t>bilateral_opt</a:t>
-            </a:r>
-            <a:endParaRPr lang="en-GB" sz="2000" b="1" dirty="0">
-              <a:latin typeface="Courier New"/>
-              <a:cs typeface="Courier New"/>
-            </a:endParaRPr>
-          </a:p>
-          <a:p>
-            <a:pPr marL="0" indent="0">
-              <a:buNone/>
-            </a:pPr>
-            <a:r>
-              <a:rPr lang="en-GB" sz="2000" dirty="0" smtClean="0">
-                <a:latin typeface="Courier New"/>
-                <a:cs typeface="Courier New"/>
-              </a:rPr>
-              <a:t>OpenCL </a:t>
-            </a:r>
-            <a:r>
-              <a:rPr lang="en-GB" sz="2000" dirty="0">
-                <a:latin typeface="Courier New"/>
-                <a:cs typeface="Courier New"/>
-              </a:rPr>
-              <a:t>took 74.0ms (</a:t>
-            </a:r>
-            <a:r>
-              <a:rPr lang="en-GB" sz="2000" b="1" dirty="0">
-                <a:latin typeface="Courier New"/>
-                <a:cs typeface="Courier New"/>
-              </a:rPr>
-              <a:t>2.3ms</a:t>
-            </a:r>
-            <a:r>
-              <a:rPr lang="en-GB" sz="2000" dirty="0">
-                <a:latin typeface="Courier New"/>
-                <a:cs typeface="Courier New"/>
-              </a:rPr>
-              <a:t> / frame</a:t>
-            </a:r>
-            <a:r>
-              <a:rPr lang="en-GB" sz="2000" dirty="0" smtClean="0">
-                <a:latin typeface="Courier New"/>
-                <a:cs typeface="Courier New"/>
-              </a:rPr>
-              <a:t>)</a:t>
             </a:r>
           </a:p>
           <a:p>
@@ -53251,11 +53131,11 @@
   <p:clrMapOvr>
     <a:masterClrMapping/>
   </p:clrMapOvr>
-  <mc:AlternateContent xmlns:mc="http://schemas.openxmlformats.org/markup-compatibility/2006">
-    <mc:Choice xmlns:p14="http://schemas.microsoft.com/office/powerpoint/2010/main" Requires="p14">
+  <mc:AlternateContent xmlns:mc="http://schemas.openxmlformats.org/markup-compatibility/2006" xmlns:p14="http://schemas.microsoft.com/office/powerpoint/2010/main">
+    <mc:Choice Requires="p14">
       <p:transition spd="slow" p14:dur="2000"/>
     </mc:Choice>
-    <mc:Fallback>
+    <mc:Fallback xmlns="">
       <p:transition xmlns:p14="http://schemas.microsoft.com/office/powerpoint/2010/main" spd="slow"/>
     </mc:Fallback>
   </mc:AlternateContent>
@@ -53592,11 +53472,11 @@
   <p:clrMapOvr>
     <a:masterClrMapping/>
   </p:clrMapOvr>
-  <mc:AlternateContent xmlns:mc="http://schemas.openxmlformats.org/markup-compatibility/2006">
-    <mc:Choice xmlns:p14="http://schemas.microsoft.com/office/powerpoint/2010/main" Requires="p14">
+  <mc:AlternateContent xmlns:mc="http://schemas.openxmlformats.org/markup-compatibility/2006" xmlns:p14="http://schemas.microsoft.com/office/powerpoint/2010/main">
+    <mc:Choice Requires="p14">
       <p:transition spd="slow" p14:dur="2000"/>
     </mc:Choice>
-    <mc:Fallback>
+    <mc:Fallback xmlns="">
       <p:transition xmlns:p14="http://schemas.microsoft.com/office/powerpoint/2010/main" spd="slow"/>
     </mc:Fallback>
   </mc:AlternateContent>
@@ -53742,21 +53622,35 @@
                 <a:latin typeface="Courier New"/>
                 <a:cs typeface="Courier New"/>
               </a:rPr>
-              <a:t>425.2ms (</a:t>
+              <a:t>427.7ms </a:t>
+            </a:r>
+            <a:r>
+              <a:rPr lang="en-GB" sz="2400" dirty="0" smtClean="0">
+                <a:latin typeface="Courier New"/>
+                <a:cs typeface="Courier New"/>
+              </a:rPr>
+              <a:t>(</a:t>
             </a:r>
             <a:r>
               <a:rPr lang="en-GB" sz="2400" b="1" dirty="0" smtClean="0">
                 <a:latin typeface="Courier New"/>
                 <a:cs typeface="Courier New"/>
               </a:rPr>
-              <a:t>13.3ms</a:t>
+              <a:t>13.4ms</a:t>
             </a:r>
             <a:r>
               <a:rPr lang="en-GB" sz="2400" dirty="0" smtClean="0">
                 <a:latin typeface="Courier New"/>
                 <a:cs typeface="Courier New"/>
               </a:rPr>
-              <a:t> / frame)</a:t>
+              <a:t> </a:t>
+            </a:r>
+            <a:r>
+              <a:rPr lang="en-GB" sz="2400" dirty="0" smtClean="0">
+                <a:latin typeface="Courier New"/>
+                <a:cs typeface="Courier New"/>
+              </a:rPr>
+              <a:t>/ frame)</a:t>
             </a:r>
           </a:p>
           <a:p>
@@ -53817,21 +53711,42 @@
                 <a:latin typeface="Courier New"/>
                 <a:cs typeface="Courier New"/>
               </a:rPr>
-              <a:t>took 357.9ms (</a:t>
-            </a:r>
-            <a:r>
-              <a:rPr lang="en-GB" sz="2400" b="1" dirty="0">
-                <a:latin typeface="Courier New"/>
-                <a:cs typeface="Courier New"/>
-              </a:rPr>
-              <a:t>11.2ms</a:t>
+              <a:t>took </a:t>
+            </a:r>
+            <a:r>
+              <a:rPr lang="en-GB" sz="2400" dirty="0" smtClean="0">
+                <a:latin typeface="Courier New"/>
+                <a:cs typeface="Courier New"/>
+              </a:rPr>
+              <a:t>341.2ms </a:t>
             </a:r>
             <a:r>
               <a:rPr lang="en-GB" sz="2400" dirty="0">
                 <a:latin typeface="Courier New"/>
                 <a:cs typeface="Courier New"/>
               </a:rPr>
-              <a:t> / frame</a:t>
+              <a:t>(</a:t>
+            </a:r>
+            <a:r>
+              <a:rPr lang="en-GB" sz="2400" b="1" dirty="0" smtClean="0">
+                <a:latin typeface="Courier New"/>
+                <a:cs typeface="Courier New"/>
+              </a:rPr>
+              <a:t>10.7ms</a:t>
+            </a:r>
+            <a:r>
+              <a:rPr lang="en-GB" sz="2400" dirty="0" smtClean="0">
+                <a:latin typeface="Courier New"/>
+                <a:cs typeface="Courier New"/>
+              </a:rPr>
+              <a:t> </a:t>
+            </a:r>
+            <a:r>
+              <a:rPr lang="en-GB" sz="2400" dirty="0">
+                <a:latin typeface="Courier New"/>
+                <a:cs typeface="Courier New"/>
+              </a:rPr>
+              <a:t>/ frame</a:t>
             </a:r>
             <a:r>
               <a:rPr lang="en-GB" sz="2400" dirty="0" smtClean="0">
@@ -53900,21 +53815,49 @@
                 <a:latin typeface="Courier New"/>
                 <a:cs typeface="Courier New"/>
               </a:rPr>
-              <a:t>took 74.0ms (</a:t>
-            </a:r>
-            <a:r>
-              <a:rPr lang="en-GB" sz="2400" b="1" dirty="0">
-                <a:latin typeface="Courier New"/>
-                <a:cs typeface="Courier New"/>
-              </a:rPr>
-              <a:t>2.3ms</a:t>
+              <a:t>took </a:t>
+            </a:r>
+            <a:r>
+              <a:rPr lang="en-GB" sz="2400" dirty="0" smtClean="0">
+                <a:latin typeface="Courier New"/>
+                <a:cs typeface="Courier New"/>
+              </a:rPr>
+              <a:t>59</a:t>
+            </a:r>
+            <a:r>
+              <a:rPr lang="en-GB" sz="2400" dirty="0" smtClean="0">
+                <a:latin typeface="Courier New"/>
+                <a:cs typeface="Courier New"/>
+              </a:rPr>
+              <a:t>.9ms (</a:t>
+            </a:r>
+            <a:r>
+              <a:rPr lang="en-GB" sz="2400" b="1" dirty="0" smtClean="0">
+                <a:latin typeface="Courier New"/>
+                <a:cs typeface="Courier New"/>
+              </a:rPr>
+              <a:t>1</a:t>
+            </a:r>
+            <a:r>
+              <a:rPr lang="en-GB" sz="2400" b="1" dirty="0" smtClean="0">
+                <a:latin typeface="Courier New"/>
+                <a:cs typeface="Courier New"/>
+              </a:rPr>
+              <a:t>.9ms</a:t>
+            </a:r>
+            <a:r>
+              <a:rPr lang="en-GB" sz="2400" dirty="0" smtClean="0">
+                <a:latin typeface="Courier New"/>
+                <a:cs typeface="Courier New"/>
+              </a:rPr>
+              <a:t> </a:t>
             </a:r>
             <a:r>
               <a:rPr lang="en-GB" sz="2400" dirty="0">
                 <a:latin typeface="Courier New"/>
                 <a:cs typeface="Courier New"/>
               </a:rPr>
-              <a:t> / frame</a:t>
+              <a:t>/ frame</a:t>
             </a:r>
             <a:r>
               <a:rPr lang="en-GB" sz="2400" dirty="0" smtClean="0">
@@ -53938,7 +53881,7 @@
               <a:buNone/>
             </a:pPr>
             <a:r>
-              <a:rPr lang="en-GB" sz="2400" smtClean="0">
+              <a:rPr lang="en-GB" sz="2400" dirty="0" smtClean="0">
                 <a:latin typeface="Courier New"/>
                 <a:cs typeface="Courier New"/>
               </a:rPr>
@@ -53982,21 +53925,42 @@
                 <a:latin typeface="Courier New"/>
                 <a:cs typeface="Courier New"/>
               </a:rPr>
-              <a:t>took 41.8ms (</a:t>
-            </a:r>
-            <a:r>
-              <a:rPr lang="en-GB" sz="2400" b="1" dirty="0">
-                <a:latin typeface="Courier New"/>
-                <a:cs typeface="Courier New"/>
-              </a:rPr>
-              <a:t>1.3ms</a:t>
+              <a:t>took </a:t>
+            </a:r>
+            <a:r>
+              <a:rPr lang="en-GB" sz="2400" dirty="0" smtClean="0">
+                <a:latin typeface="Courier New"/>
+                <a:cs typeface="Courier New"/>
+              </a:rPr>
+              <a:t>39.6ms </a:t>
             </a:r>
             <a:r>
               <a:rPr lang="en-GB" sz="2400" dirty="0">
                 <a:latin typeface="Courier New"/>
                 <a:cs typeface="Courier New"/>
               </a:rPr>
-              <a:t> / frame</a:t>
+              <a:t>(</a:t>
+            </a:r>
+            <a:r>
+              <a:rPr lang="en-GB" sz="2400" b="1" dirty="0" smtClean="0">
+                <a:latin typeface="Courier New"/>
+                <a:cs typeface="Courier New"/>
+              </a:rPr>
+              <a:t>1.2ms</a:t>
+            </a:r>
+            <a:r>
+              <a:rPr lang="en-GB" sz="2400" dirty="0" smtClean="0">
+                <a:latin typeface="Courier New"/>
+                <a:cs typeface="Courier New"/>
+              </a:rPr>
+              <a:t> </a:t>
+            </a:r>
+            <a:r>
+              <a:rPr lang="en-GB" sz="2400" dirty="0">
+                <a:latin typeface="Courier New"/>
+                <a:cs typeface="Courier New"/>
+              </a:rPr>
+              <a:t>/ frame</a:t>
             </a:r>
             <a:r>
               <a:rPr lang="en-GB" sz="2400" dirty="0" smtClean="0">

--- a/slides/advanced_part3.pptx
+++ b/slides/advanced_part3.pptx
@@ -194,6 +194,22 @@
       </a:defRPr>
     </a:lvl9pPr>
   </p:defaultTextStyle>
+  <p:extLst>
+    <p:ext uri="{EFAFB233-063F-42B5-8137-9DF3F51BA10A}">
+      <p15:sldGuideLst xmlns:p15="http://schemas.microsoft.com/office/powerpoint/2012/main">
+        <p15:guide id="1" orient="horz" pos="2160">
+          <p15:clr>
+            <a:srgbClr val="A4A3A4"/>
+          </p15:clr>
+        </p15:guide>
+        <p15:guide id="2" pos="2880">
+          <p15:clr>
+            <a:srgbClr val="A4A3A4"/>
+          </p15:clr>
+        </p15:guide>
+      </p15:sldGuideLst>
+    </p:ext>
+  </p:extLst>
 </p:presentation>
 </file>
 
@@ -279,7 +295,7 @@
           <a:p>
             <a:fld id="{154B9960-65DD-7948-AAE5-CA021B06E14D}" type="datetimeFigureOut">
               <a:rPr lang="en-US" smtClean="0"/>
-              <a:t>12/05/17</a:t>
+              <a:t>5/13/17</a:t>
             </a:fld>
             <a:endParaRPr lang="en-GB"/>
           </a:p>
@@ -3461,7 +3477,7 @@
           <a:p>
             <a:fld id="{D96F9273-1B51-1D4D-B007-2EA617412104}" type="datetimeFigureOut">
               <a:rPr lang="en-US" smtClean="0"/>
-              <a:t>12/05/17</a:t>
+              <a:t>5/13/17</a:t>
             </a:fld>
             <a:endParaRPr lang="en-GB"/>
           </a:p>
@@ -3631,7 +3647,7 @@
           <a:p>
             <a:fld id="{D96F9273-1B51-1D4D-B007-2EA617412104}" type="datetimeFigureOut">
               <a:rPr lang="en-US" smtClean="0"/>
-              <a:t>12/05/17</a:t>
+              <a:t>5/13/17</a:t>
             </a:fld>
             <a:endParaRPr lang="en-GB"/>
           </a:p>
@@ -3811,7 +3827,7 @@
           <a:p>
             <a:fld id="{D96F9273-1B51-1D4D-B007-2EA617412104}" type="datetimeFigureOut">
               <a:rPr lang="en-US" smtClean="0"/>
-              <a:t>12/05/17</a:t>
+              <a:t>5/13/17</a:t>
             </a:fld>
             <a:endParaRPr lang="en-GB"/>
           </a:p>
@@ -3981,7 +3997,7 @@
           <a:p>
             <a:fld id="{D96F9273-1B51-1D4D-B007-2EA617412104}" type="datetimeFigureOut">
               <a:rPr lang="en-US" smtClean="0"/>
-              <a:t>12/05/17</a:t>
+              <a:t>5/13/17</a:t>
             </a:fld>
             <a:endParaRPr lang="en-GB"/>
           </a:p>
@@ -4227,7 +4243,7 @@
           <a:p>
             <a:fld id="{D96F9273-1B51-1D4D-B007-2EA617412104}" type="datetimeFigureOut">
               <a:rPr lang="en-US" smtClean="0"/>
-              <a:t>12/05/17</a:t>
+              <a:t>5/13/17</a:t>
             </a:fld>
             <a:endParaRPr lang="en-GB"/>
           </a:p>
@@ -4515,7 +4531,7 @@
           <a:p>
             <a:fld id="{D96F9273-1B51-1D4D-B007-2EA617412104}" type="datetimeFigureOut">
               <a:rPr lang="en-US" smtClean="0"/>
-              <a:t>12/05/17</a:t>
+              <a:t>5/13/17</a:t>
             </a:fld>
             <a:endParaRPr lang="en-GB"/>
           </a:p>
@@ -4937,7 +4953,7 @@
           <a:p>
             <a:fld id="{D96F9273-1B51-1D4D-B007-2EA617412104}" type="datetimeFigureOut">
               <a:rPr lang="en-US" smtClean="0"/>
-              <a:t>12/05/17</a:t>
+              <a:t>5/13/17</a:t>
             </a:fld>
             <a:endParaRPr lang="en-GB"/>
           </a:p>
@@ -5055,7 +5071,7 @@
           <a:p>
             <a:fld id="{D96F9273-1B51-1D4D-B007-2EA617412104}" type="datetimeFigureOut">
               <a:rPr lang="en-US" smtClean="0"/>
-              <a:t>12/05/17</a:t>
+              <a:t>5/13/17</a:t>
             </a:fld>
             <a:endParaRPr lang="en-GB"/>
           </a:p>
@@ -5150,7 +5166,7 @@
           <a:p>
             <a:fld id="{D96F9273-1B51-1D4D-B007-2EA617412104}" type="datetimeFigureOut">
               <a:rPr lang="en-US" smtClean="0"/>
-              <a:t>12/05/17</a:t>
+              <a:t>5/13/17</a:t>
             </a:fld>
             <a:endParaRPr lang="en-GB"/>
           </a:p>
@@ -5427,7 +5443,7 @@
           <a:p>
             <a:fld id="{D96F9273-1B51-1D4D-B007-2EA617412104}" type="datetimeFigureOut">
               <a:rPr lang="en-US" smtClean="0"/>
-              <a:t>12/05/17</a:t>
+              <a:t>5/13/17</a:t>
             </a:fld>
             <a:endParaRPr lang="en-GB"/>
           </a:p>
@@ -5680,7 +5696,7 @@
           <a:p>
             <a:fld id="{D96F9273-1B51-1D4D-B007-2EA617412104}" type="datetimeFigureOut">
               <a:rPr lang="en-US" smtClean="0"/>
-              <a:t>12/05/17</a:t>
+              <a:t>5/13/17</a:t>
             </a:fld>
             <a:endParaRPr lang="en-GB"/>
           </a:p>
@@ -5893,7 +5909,7 @@
           <a:p>
             <a:fld id="{D96F9273-1B51-1D4D-B007-2EA617412104}" type="datetimeFigureOut">
               <a:rPr lang="en-US" smtClean="0"/>
-              <a:t>12/05/17</a:t>
+              <a:t>5/13/17</a:t>
             </a:fld>
             <a:endParaRPr lang="en-GB"/>
           </a:p>
@@ -6344,7 +6360,7 @@
   <p:timing>
     <p:tnLst>
       <p:par>
-        <p:cTn xmlns:p14="http://schemas.microsoft.com/office/powerpoint/2010/main" id="1" dur="indefinite" restart="never" nodeType="tmRoot"/>
+        <p:cTn id="1" dur="indefinite" restart="never" nodeType="tmRoot"/>
       </p:par>
     </p:tnLst>
   </p:timing>
@@ -6409,7 +6425,7 @@
         </p:spPr>
         <p:txBody>
           <a:bodyPr>
-            <a:normAutofit fontScale="85000" lnSpcReduction="20000"/>
+            <a:normAutofit fontScale="77500" lnSpcReduction="20000"/>
           </a:bodyPr>
           <a:lstStyle/>
           <a:p>
@@ -6542,18 +6558,18 @@
   <p:clrMapOvr>
     <a:masterClrMapping/>
   </p:clrMapOvr>
-  <mc:AlternateContent xmlns:mc="http://schemas.openxmlformats.org/markup-compatibility/2006" xmlns:p14="http://schemas.microsoft.com/office/powerpoint/2010/main">
-    <mc:Choice Requires="p14">
+  <mc:AlternateContent xmlns:mc="http://schemas.openxmlformats.org/markup-compatibility/2006">
+    <mc:Choice xmlns:p14="http://schemas.microsoft.com/office/powerpoint/2010/main" Requires="p14">
       <p:transition spd="slow" p14:dur="2000"/>
     </mc:Choice>
-    <mc:Fallback xmlns="">
-      <p:transition xmlns:p14="http://schemas.microsoft.com/office/powerpoint/2010/main" spd="slow"/>
+    <mc:Fallback>
+      <p:transition spd="slow"/>
     </mc:Fallback>
   </mc:AlternateContent>
   <p:timing>
     <p:tnLst>
       <p:par>
-        <p:cTn xmlns:p14="http://schemas.microsoft.com/office/powerpoint/2010/main" id="1" dur="indefinite" restart="never" nodeType="tmRoot"/>
+        <p:cTn id="1" dur="indefinite" restart="never" nodeType="tmRoot"/>
       </p:par>
     </p:tnLst>
   </p:timing>
@@ -6843,18 +6859,18 @@
   <p:clrMapOvr>
     <a:masterClrMapping/>
   </p:clrMapOvr>
-  <mc:AlternateContent xmlns:mc="http://schemas.openxmlformats.org/markup-compatibility/2006" xmlns:p14="http://schemas.microsoft.com/office/powerpoint/2010/main">
-    <mc:Choice Requires="p14">
+  <mc:AlternateContent xmlns:mc="http://schemas.openxmlformats.org/markup-compatibility/2006">
+    <mc:Choice xmlns:p14="http://schemas.microsoft.com/office/powerpoint/2010/main" Requires="p14">
       <p:transition spd="slow" p14:dur="2000"/>
     </mc:Choice>
-    <mc:Fallback xmlns="">
-      <p:transition xmlns:p14="http://schemas.microsoft.com/office/powerpoint/2010/main" spd="slow"/>
+    <mc:Fallback>
+      <p:transition spd="slow"/>
     </mc:Fallback>
   </mc:AlternateContent>
   <p:timing>
     <p:tnLst>
       <p:par>
-        <p:cTn xmlns:p14="http://schemas.microsoft.com/office/powerpoint/2010/main" id="1" dur="indefinite" restart="never" nodeType="tmRoot"/>
+        <p:cTn id="1" dur="indefinite" restart="never" nodeType="tmRoot"/>
       </p:par>
     </p:tnLst>
   </p:timing>
@@ -6969,18 +6985,18 @@
   <p:clrMapOvr>
     <a:masterClrMapping/>
   </p:clrMapOvr>
-  <mc:AlternateContent xmlns:mc="http://schemas.openxmlformats.org/markup-compatibility/2006" xmlns:p14="http://schemas.microsoft.com/office/powerpoint/2010/main">
-    <mc:Choice Requires="p14">
+  <mc:AlternateContent xmlns:mc="http://schemas.openxmlformats.org/markup-compatibility/2006">
+    <mc:Choice xmlns:p14="http://schemas.microsoft.com/office/powerpoint/2010/main" Requires="p14">
       <p:transition spd="slow" p14:dur="2000"/>
     </mc:Choice>
-    <mc:Fallback xmlns="">
-      <p:transition xmlns:p14="http://schemas.microsoft.com/office/powerpoint/2010/main" spd="slow"/>
+    <mc:Fallback>
+      <p:transition spd="slow"/>
     </mc:Fallback>
   </mc:AlternateContent>
   <p:timing>
     <p:tnLst>
       <p:par>
-        <p:cTn xmlns:p14="http://schemas.microsoft.com/office/powerpoint/2010/main" id="1" dur="indefinite" restart="never" nodeType="tmRoot"/>
+        <p:cTn id="1" dur="indefinite" restart="never" nodeType="tmRoot"/>
       </p:par>
     </p:tnLst>
   </p:timing>
@@ -7128,18 +7144,18 @@
   <p:clrMapOvr>
     <a:masterClrMapping/>
   </p:clrMapOvr>
-  <mc:AlternateContent xmlns:mc="http://schemas.openxmlformats.org/markup-compatibility/2006" xmlns:p14="http://schemas.microsoft.com/office/powerpoint/2010/main">
-    <mc:Choice Requires="p14">
+  <mc:AlternateContent xmlns:mc="http://schemas.openxmlformats.org/markup-compatibility/2006">
+    <mc:Choice xmlns:p14="http://schemas.microsoft.com/office/powerpoint/2010/main" Requires="p14">
       <p:transition spd="slow" p14:dur="2000"/>
     </mc:Choice>
-    <mc:Fallback xmlns="">
-      <p:transition xmlns:p14="http://schemas.microsoft.com/office/powerpoint/2010/main" spd="slow"/>
+    <mc:Fallback>
+      <p:transition spd="slow"/>
     </mc:Fallback>
   </mc:AlternateContent>
   <p:timing>
     <p:tnLst>
       <p:par>
-        <p:cTn xmlns:p14="http://schemas.microsoft.com/office/powerpoint/2010/main" id="1" dur="indefinite" restart="never" nodeType="tmRoot"/>
+        <p:cTn id="1" dur="indefinite" restart="never" nodeType="tmRoot"/>
       </p:par>
     </p:tnLst>
   </p:timing>
@@ -7240,18 +7256,18 @@
   <p:clrMapOvr>
     <a:masterClrMapping/>
   </p:clrMapOvr>
-  <mc:AlternateContent xmlns:mc="http://schemas.openxmlformats.org/markup-compatibility/2006" xmlns:p14="http://schemas.microsoft.com/office/powerpoint/2010/main">
-    <mc:Choice Requires="p14">
+  <mc:AlternateContent xmlns:mc="http://schemas.openxmlformats.org/markup-compatibility/2006">
+    <mc:Choice xmlns:p14="http://schemas.microsoft.com/office/powerpoint/2010/main" Requires="p14">
       <p:transition spd="slow" p14:dur="2000"/>
     </mc:Choice>
-    <mc:Fallback xmlns="">
-      <p:transition xmlns:p14="http://schemas.microsoft.com/office/powerpoint/2010/main" spd="slow"/>
+    <mc:Fallback>
+      <p:transition spd="slow"/>
     </mc:Fallback>
   </mc:AlternateContent>
   <p:timing>
     <p:tnLst>
       <p:par>
-        <p:cTn xmlns:p14="http://schemas.microsoft.com/office/powerpoint/2010/main" id="1" dur="indefinite" restart="never" nodeType="tmRoot"/>
+        <p:cTn id="1" dur="indefinite" restart="never" nodeType="tmRoot"/>
       </p:par>
     </p:tnLst>
   </p:timing>
@@ -8003,18 +8019,18 @@
   <p:clrMapOvr>
     <a:masterClrMapping/>
   </p:clrMapOvr>
-  <mc:AlternateContent xmlns:mc="http://schemas.openxmlformats.org/markup-compatibility/2006" xmlns:p14="http://schemas.microsoft.com/office/powerpoint/2010/main">
-    <mc:Choice Requires="p14">
+  <mc:AlternateContent xmlns:mc="http://schemas.openxmlformats.org/markup-compatibility/2006">
+    <mc:Choice xmlns:p14="http://schemas.microsoft.com/office/powerpoint/2010/main" Requires="p14">
       <p:transition spd="slow" p14:dur="2000"/>
     </mc:Choice>
-    <mc:Fallback xmlns="">
-      <p:transition xmlns:p14="http://schemas.microsoft.com/office/powerpoint/2010/main" spd="slow"/>
+    <mc:Fallback>
+      <p:transition spd="slow"/>
     </mc:Fallback>
   </mc:AlternateContent>
   <p:timing>
     <p:tnLst>
       <p:par>
-        <p:cTn xmlns:p14="http://schemas.microsoft.com/office/powerpoint/2010/main" id="1" dur="indefinite" restart="never" nodeType="tmRoot"/>
+        <p:cTn id="1" dur="indefinite" restart="never" nodeType="tmRoot"/>
       </p:par>
     </p:tnLst>
   </p:timing>
@@ -8285,18 +8301,18 @@
   <p:clrMapOvr>
     <a:masterClrMapping/>
   </p:clrMapOvr>
-  <mc:AlternateContent xmlns:mc="http://schemas.openxmlformats.org/markup-compatibility/2006" xmlns:p14="http://schemas.microsoft.com/office/powerpoint/2010/main">
-    <mc:Choice Requires="p14">
+  <mc:AlternateContent xmlns:mc="http://schemas.openxmlformats.org/markup-compatibility/2006">
+    <mc:Choice xmlns:p14="http://schemas.microsoft.com/office/powerpoint/2010/main" Requires="p14">
       <p:transition spd="slow" p14:dur="2000"/>
     </mc:Choice>
-    <mc:Fallback xmlns="">
-      <p:transition xmlns:p14="http://schemas.microsoft.com/office/powerpoint/2010/main" spd="slow"/>
+    <mc:Fallback>
+      <p:transition spd="slow"/>
     </mc:Fallback>
   </mc:AlternateContent>
   <p:timing>
     <p:tnLst>
       <p:par>
-        <p:cTn xmlns:p14="http://schemas.microsoft.com/office/powerpoint/2010/main" id="1" dur="indefinite" restart="never" nodeType="tmRoot"/>
+        <p:cTn id="1" dur="indefinite" restart="never" nodeType="tmRoot"/>
       </p:par>
     </p:tnLst>
   </p:timing>
@@ -8437,18 +8453,18 @@
   <p:clrMapOvr>
     <a:masterClrMapping/>
   </p:clrMapOvr>
-  <mc:AlternateContent xmlns:mc="http://schemas.openxmlformats.org/markup-compatibility/2006" xmlns:p14="http://schemas.microsoft.com/office/powerpoint/2010/main">
-    <mc:Choice Requires="p14">
+  <mc:AlternateContent xmlns:mc="http://schemas.openxmlformats.org/markup-compatibility/2006">
+    <mc:Choice xmlns:p14="http://schemas.microsoft.com/office/powerpoint/2010/main" Requires="p14">
       <p:transition spd="slow" p14:dur="2000"/>
     </mc:Choice>
-    <mc:Fallback xmlns="">
-      <p:transition xmlns:p14="http://schemas.microsoft.com/office/powerpoint/2010/main" spd="slow"/>
+    <mc:Fallback>
+      <p:transition spd="slow"/>
     </mc:Fallback>
   </mc:AlternateContent>
   <p:timing>
     <p:tnLst>
       <p:par>
-        <p:cTn xmlns:p14="http://schemas.microsoft.com/office/powerpoint/2010/main" id="1" dur="indefinite" restart="never" nodeType="tmRoot"/>
+        <p:cTn id="1" dur="indefinite" restart="never" nodeType="tmRoot"/>
       </p:par>
     </p:tnLst>
   </p:timing>
@@ -8595,18 +8611,18 @@
   <p:clrMapOvr>
     <a:masterClrMapping/>
   </p:clrMapOvr>
-  <mc:AlternateContent xmlns:mc="http://schemas.openxmlformats.org/markup-compatibility/2006" xmlns:p14="http://schemas.microsoft.com/office/powerpoint/2010/main">
-    <mc:Choice Requires="p14">
+  <mc:AlternateContent xmlns:mc="http://schemas.openxmlformats.org/markup-compatibility/2006">
+    <mc:Choice xmlns:p14="http://schemas.microsoft.com/office/powerpoint/2010/main" Requires="p14">
       <p:transition spd="slow" p14:dur="2000"/>
     </mc:Choice>
-    <mc:Fallback xmlns="">
-      <p:transition xmlns:p14="http://schemas.microsoft.com/office/powerpoint/2010/main" spd="slow"/>
+    <mc:Fallback>
+      <p:transition spd="slow"/>
     </mc:Fallback>
   </mc:AlternateContent>
   <p:timing>
     <p:tnLst>
       <p:par>
-        <p:cTn xmlns:p14="http://schemas.microsoft.com/office/powerpoint/2010/main" id="1" dur="indefinite" restart="never" nodeType="tmRoot"/>
+        <p:cTn id="1" dur="indefinite" restart="never" nodeType="tmRoot"/>
       </p:par>
     </p:tnLst>
   </p:timing>
@@ -9145,18 +9161,18 @@
   <p:clrMapOvr>
     <a:masterClrMapping/>
   </p:clrMapOvr>
-  <mc:AlternateContent xmlns:mc="http://schemas.openxmlformats.org/markup-compatibility/2006" xmlns:p14="http://schemas.microsoft.com/office/powerpoint/2010/main">
-    <mc:Choice Requires="p14">
+  <mc:AlternateContent xmlns:mc="http://schemas.openxmlformats.org/markup-compatibility/2006">
+    <mc:Choice xmlns:p14="http://schemas.microsoft.com/office/powerpoint/2010/main" Requires="p14">
       <p:transition spd="slow" p14:dur="2000"/>
     </mc:Choice>
-    <mc:Fallback xmlns="">
-      <p:transition xmlns:p14="http://schemas.microsoft.com/office/powerpoint/2010/main" spd="slow"/>
+    <mc:Fallback>
+      <p:transition spd="slow"/>
     </mc:Fallback>
   </mc:AlternateContent>
   <p:timing>
     <p:tnLst>
       <p:par>
-        <p:cTn xmlns:p14="http://schemas.microsoft.com/office/powerpoint/2010/main" id="1" dur="indefinite" restart="never" nodeType="tmRoot"/>
+        <p:cTn id="1" dur="indefinite" restart="never" nodeType="tmRoot"/>
       </p:par>
     </p:tnLst>
   </p:timing>
@@ -9311,7 +9327,7 @@
   <p:timing>
     <p:tnLst>
       <p:par>
-        <p:cTn xmlns:p14="http://schemas.microsoft.com/office/powerpoint/2010/main" id="1" dur="indefinite" restart="never" nodeType="tmRoot"/>
+        <p:cTn id="1" dur="indefinite" restart="never" nodeType="tmRoot"/>
       </p:par>
     </p:tnLst>
   </p:timing>
@@ -9649,18 +9665,18 @@
   <p:clrMapOvr>
     <a:masterClrMapping/>
   </p:clrMapOvr>
-  <mc:AlternateContent xmlns:mc="http://schemas.openxmlformats.org/markup-compatibility/2006" xmlns:p14="http://schemas.microsoft.com/office/powerpoint/2010/main">
-    <mc:Choice Requires="p14">
+  <mc:AlternateContent xmlns:mc="http://schemas.openxmlformats.org/markup-compatibility/2006">
+    <mc:Choice xmlns:p14="http://schemas.microsoft.com/office/powerpoint/2010/main" Requires="p14">
       <p:transition spd="slow" p14:dur="2000"/>
     </mc:Choice>
-    <mc:Fallback xmlns="">
-      <p:transition xmlns:p14="http://schemas.microsoft.com/office/powerpoint/2010/main" spd="slow"/>
+    <mc:Fallback>
+      <p:transition spd="slow"/>
     </mc:Fallback>
   </mc:AlternateContent>
   <p:timing>
     <p:tnLst>
       <p:par>
-        <p:cTn xmlns:p14="http://schemas.microsoft.com/office/powerpoint/2010/main" id="1" dur="indefinite" restart="never" nodeType="tmRoot"/>
+        <p:cTn id="1" dur="indefinite" restart="never" nodeType="tmRoot"/>
       </p:par>
     </p:tnLst>
   </p:timing>
@@ -9861,18 +9877,18 @@
   <p:clrMapOvr>
     <a:masterClrMapping/>
   </p:clrMapOvr>
-  <mc:AlternateContent xmlns:mc="http://schemas.openxmlformats.org/markup-compatibility/2006" xmlns:p14="http://schemas.microsoft.com/office/powerpoint/2010/main">
-    <mc:Choice Requires="p14">
+  <mc:AlternateContent xmlns:mc="http://schemas.openxmlformats.org/markup-compatibility/2006">
+    <mc:Choice xmlns:p14="http://schemas.microsoft.com/office/powerpoint/2010/main" Requires="p14">
       <p:transition spd="slow" p14:dur="2000"/>
     </mc:Choice>
-    <mc:Fallback xmlns="">
-      <p:transition xmlns:p14="http://schemas.microsoft.com/office/powerpoint/2010/main" spd="slow"/>
+    <mc:Fallback>
+      <p:transition spd="slow"/>
     </mc:Fallback>
   </mc:AlternateContent>
   <p:timing>
     <p:tnLst>
       <p:par>
-        <p:cTn xmlns:p14="http://schemas.microsoft.com/office/powerpoint/2010/main" id="1" dur="indefinite" restart="never" nodeType="tmRoot"/>
+        <p:cTn id="1" dur="indefinite" restart="never" nodeType="tmRoot"/>
       </p:par>
     </p:tnLst>
   </p:timing>
@@ -10076,18 +10092,18 @@
   <p:clrMapOvr>
     <a:masterClrMapping/>
   </p:clrMapOvr>
-  <mc:AlternateContent xmlns:mc="http://schemas.openxmlformats.org/markup-compatibility/2006" xmlns:p14="http://schemas.microsoft.com/office/powerpoint/2010/main">
-    <mc:Choice Requires="p14">
+  <mc:AlternateContent xmlns:mc="http://schemas.openxmlformats.org/markup-compatibility/2006">
+    <mc:Choice xmlns:p14="http://schemas.microsoft.com/office/powerpoint/2010/main" Requires="p14">
       <p:transition spd="slow" p14:dur="2000"/>
     </mc:Choice>
-    <mc:Fallback xmlns="">
-      <p:transition xmlns:p14="http://schemas.microsoft.com/office/powerpoint/2010/main" spd="slow"/>
+    <mc:Fallback>
+      <p:transition spd="slow"/>
     </mc:Fallback>
   </mc:AlternateContent>
   <p:timing>
     <p:tnLst>
       <p:par>
-        <p:cTn xmlns:p14="http://schemas.microsoft.com/office/powerpoint/2010/main" id="1" dur="indefinite" restart="never" nodeType="tmRoot"/>
+        <p:cTn id="1" dur="indefinite" restart="never" nodeType="tmRoot"/>
       </p:par>
     </p:tnLst>
   </p:timing>
@@ -10222,18 +10238,18 @@
   <p:clrMapOvr>
     <a:masterClrMapping/>
   </p:clrMapOvr>
-  <mc:AlternateContent xmlns:mc="http://schemas.openxmlformats.org/markup-compatibility/2006" xmlns:p14="http://schemas.microsoft.com/office/powerpoint/2010/main">
-    <mc:Choice Requires="p14">
+  <mc:AlternateContent xmlns:mc="http://schemas.openxmlformats.org/markup-compatibility/2006">
+    <mc:Choice xmlns:p14="http://schemas.microsoft.com/office/powerpoint/2010/main" Requires="p14">
       <p:transition spd="slow" p14:dur="2000"/>
     </mc:Choice>
-    <mc:Fallback xmlns="">
-      <p:transition xmlns:p14="http://schemas.microsoft.com/office/powerpoint/2010/main" spd="slow"/>
+    <mc:Fallback>
+      <p:transition spd="slow"/>
     </mc:Fallback>
   </mc:AlternateContent>
   <p:timing>
     <p:tnLst>
       <p:par>
-        <p:cTn xmlns:p14="http://schemas.microsoft.com/office/powerpoint/2010/main" id="1" dur="indefinite" restart="never" nodeType="tmRoot"/>
+        <p:cTn id="1" dur="indefinite" restart="never" nodeType="tmRoot"/>
       </p:par>
     </p:tnLst>
   </p:timing>
@@ -10376,18 +10392,18 @@
   <p:clrMapOvr>
     <a:masterClrMapping/>
   </p:clrMapOvr>
-  <mc:AlternateContent xmlns:mc="http://schemas.openxmlformats.org/markup-compatibility/2006" xmlns:p14="http://schemas.microsoft.com/office/powerpoint/2010/main">
-    <mc:Choice Requires="p14">
+  <mc:AlternateContent xmlns:mc="http://schemas.openxmlformats.org/markup-compatibility/2006">
+    <mc:Choice xmlns:p14="http://schemas.microsoft.com/office/powerpoint/2010/main" Requires="p14">
       <p:transition spd="slow" p14:dur="2000"/>
     </mc:Choice>
-    <mc:Fallback xmlns="">
-      <p:transition xmlns:p14="http://schemas.microsoft.com/office/powerpoint/2010/main" spd="slow"/>
+    <mc:Fallback>
+      <p:transition spd="slow"/>
     </mc:Fallback>
   </mc:AlternateContent>
   <p:timing>
     <p:tnLst>
       <p:par>
-        <p:cTn xmlns:p14="http://schemas.microsoft.com/office/powerpoint/2010/main" id="1" dur="indefinite" restart="never" nodeType="tmRoot"/>
+        <p:cTn id="1" dur="indefinite" restart="never" nodeType="tmRoot"/>
       </p:par>
     </p:tnLst>
   </p:timing>
@@ -10990,18 +11006,18 @@
   <p:clrMapOvr>
     <a:masterClrMapping/>
   </p:clrMapOvr>
-  <mc:AlternateContent xmlns:mc="http://schemas.openxmlformats.org/markup-compatibility/2006" xmlns:p14="http://schemas.microsoft.com/office/powerpoint/2010/main">
-    <mc:Choice Requires="p14">
+  <mc:AlternateContent xmlns:mc="http://schemas.openxmlformats.org/markup-compatibility/2006">
+    <mc:Choice xmlns:p14="http://schemas.microsoft.com/office/powerpoint/2010/main" Requires="p14">
       <p:transition spd="slow" p14:dur="2000"/>
     </mc:Choice>
-    <mc:Fallback xmlns="">
-      <p:transition xmlns:p14="http://schemas.microsoft.com/office/powerpoint/2010/main" spd="slow"/>
+    <mc:Fallback>
+      <p:transition spd="slow"/>
     </mc:Fallback>
   </mc:AlternateContent>
   <p:timing>
     <p:tnLst>
       <p:par>
-        <p:cTn xmlns:p14="http://schemas.microsoft.com/office/powerpoint/2010/main" id="1" dur="indefinite" restart="never" nodeType="tmRoot"/>
+        <p:cTn id="1" dur="indefinite" restart="never" nodeType="tmRoot"/>
       </p:par>
     </p:tnLst>
   </p:timing>
@@ -11085,18 +11101,18 @@
   <p:clrMapOvr>
     <a:masterClrMapping/>
   </p:clrMapOvr>
-  <mc:AlternateContent xmlns:mc="http://schemas.openxmlformats.org/markup-compatibility/2006" xmlns:p14="http://schemas.microsoft.com/office/powerpoint/2010/main">
-    <mc:Choice Requires="p14">
+  <mc:AlternateContent xmlns:mc="http://schemas.openxmlformats.org/markup-compatibility/2006">
+    <mc:Choice xmlns:p14="http://schemas.microsoft.com/office/powerpoint/2010/main" Requires="p14">
       <p:transition spd="slow" p14:dur="2000"/>
     </mc:Choice>
-    <mc:Fallback xmlns="">
-      <p:transition xmlns:p14="http://schemas.microsoft.com/office/powerpoint/2010/main" spd="slow"/>
+    <mc:Fallback>
+      <p:transition spd="slow"/>
     </mc:Fallback>
   </mc:AlternateContent>
   <p:timing>
     <p:tnLst>
       <p:par>
-        <p:cTn xmlns:p14="http://schemas.microsoft.com/office/powerpoint/2010/main" id="1" dur="indefinite" restart="never" nodeType="tmRoot"/>
+        <p:cTn id="1" dur="indefinite" restart="never" nodeType="tmRoot"/>
       </p:par>
     </p:tnLst>
   </p:timing>
@@ -11243,18 +11259,18 @@
   <p:clrMapOvr>
     <a:masterClrMapping/>
   </p:clrMapOvr>
-  <mc:AlternateContent xmlns:mc="http://schemas.openxmlformats.org/markup-compatibility/2006" xmlns:p14="http://schemas.microsoft.com/office/powerpoint/2010/main">
-    <mc:Choice Requires="p14">
+  <mc:AlternateContent xmlns:mc="http://schemas.openxmlformats.org/markup-compatibility/2006">
+    <mc:Choice xmlns:p14="http://schemas.microsoft.com/office/powerpoint/2010/main" Requires="p14">
       <p:transition spd="slow" p14:dur="2000"/>
     </mc:Choice>
-    <mc:Fallback xmlns="">
-      <p:transition xmlns:p14="http://schemas.microsoft.com/office/powerpoint/2010/main" spd="slow"/>
+    <mc:Fallback>
+      <p:transition spd="slow"/>
     </mc:Fallback>
   </mc:AlternateContent>
   <p:timing>
     <p:tnLst>
       <p:par>
-        <p:cTn xmlns:p14="http://schemas.microsoft.com/office/powerpoint/2010/main" id="1" dur="indefinite" restart="never" nodeType="tmRoot"/>
+        <p:cTn id="1" dur="indefinite" restart="never" nodeType="tmRoot"/>
       </p:par>
     </p:tnLst>
   </p:timing>
@@ -11403,18 +11419,18 @@
   <p:clrMapOvr>
     <a:masterClrMapping/>
   </p:clrMapOvr>
-  <mc:AlternateContent xmlns:mc="http://schemas.openxmlformats.org/markup-compatibility/2006" xmlns:p14="http://schemas.microsoft.com/office/powerpoint/2010/main">
-    <mc:Choice Requires="p14">
+  <mc:AlternateContent xmlns:mc="http://schemas.openxmlformats.org/markup-compatibility/2006">
+    <mc:Choice xmlns:p14="http://schemas.microsoft.com/office/powerpoint/2010/main" Requires="p14">
       <p:transition spd="slow" p14:dur="2000"/>
     </mc:Choice>
-    <mc:Fallback xmlns="">
-      <p:transition xmlns:p14="http://schemas.microsoft.com/office/powerpoint/2010/main" spd="slow"/>
+    <mc:Fallback>
+      <p:transition spd="slow"/>
     </mc:Fallback>
   </mc:AlternateContent>
   <p:timing>
     <p:tnLst>
       <p:par>
-        <p:cTn xmlns:p14="http://schemas.microsoft.com/office/powerpoint/2010/main" id="1" dur="indefinite" restart="never" nodeType="tmRoot"/>
+        <p:cTn id="1" dur="indefinite" restart="never" nodeType="tmRoot"/>
       </p:par>
     </p:tnLst>
   </p:timing>
@@ -11625,18 +11641,18 @@
   <p:clrMapOvr>
     <a:masterClrMapping/>
   </p:clrMapOvr>
-  <mc:AlternateContent xmlns:mc="http://schemas.openxmlformats.org/markup-compatibility/2006" xmlns:p14="http://schemas.microsoft.com/office/powerpoint/2010/main">
-    <mc:Choice Requires="p14">
+  <mc:AlternateContent xmlns:mc="http://schemas.openxmlformats.org/markup-compatibility/2006">
+    <mc:Choice xmlns:p14="http://schemas.microsoft.com/office/powerpoint/2010/main" Requires="p14">
       <p:transition spd="slow" p14:dur="2000"/>
     </mc:Choice>
-    <mc:Fallback xmlns="">
-      <p:transition xmlns:p14="http://schemas.microsoft.com/office/powerpoint/2010/main" spd="slow"/>
+    <mc:Fallback>
+      <p:transition spd="slow"/>
     </mc:Fallback>
   </mc:AlternateContent>
   <p:timing>
     <p:tnLst>
       <p:par>
-        <p:cTn xmlns:p14="http://schemas.microsoft.com/office/powerpoint/2010/main" id="1" dur="indefinite" restart="never" nodeType="tmRoot"/>
+        <p:cTn id="1" dur="indefinite" restart="never" nodeType="tmRoot"/>
       </p:par>
     </p:tnLst>
   </p:timing>
@@ -12317,7 +12333,7 @@
   <p:timing>
     <p:tnLst>
       <p:par>
-        <p:cTn xmlns:p14="http://schemas.microsoft.com/office/powerpoint/2010/main" id="1" dur="indefinite" restart="never" nodeType="tmRoot"/>
+        <p:cTn id="1" dur="indefinite" restart="never" nodeType="tmRoot"/>
       </p:par>
     </p:tnLst>
   </p:timing>
@@ -12416,18 +12432,18 @@
   <p:clrMapOvr>
     <a:masterClrMapping/>
   </p:clrMapOvr>
-  <mc:AlternateContent xmlns:mc="http://schemas.openxmlformats.org/markup-compatibility/2006" xmlns:p14="http://schemas.microsoft.com/office/powerpoint/2010/main">
-    <mc:Choice Requires="p14">
+  <mc:AlternateContent xmlns:mc="http://schemas.openxmlformats.org/markup-compatibility/2006">
+    <mc:Choice xmlns:p14="http://schemas.microsoft.com/office/powerpoint/2010/main" Requires="p14">
       <p:transition spd="slow" p14:dur="2000"/>
     </mc:Choice>
-    <mc:Fallback xmlns="">
-      <p:transition xmlns:p14="http://schemas.microsoft.com/office/powerpoint/2010/main" spd="slow"/>
+    <mc:Fallback>
+      <p:transition spd="slow"/>
     </mc:Fallback>
   </mc:AlternateContent>
   <p:timing>
     <p:tnLst>
       <p:par>
-        <p:cTn xmlns:p14="http://schemas.microsoft.com/office/powerpoint/2010/main" id="1" dur="indefinite" restart="never" nodeType="tmRoot"/>
+        <p:cTn id="1" dur="indefinite" restart="never" nodeType="tmRoot"/>
       </p:par>
     </p:tnLst>
   </p:timing>
@@ -12947,18 +12963,18 @@
   <p:clrMapOvr>
     <a:masterClrMapping/>
   </p:clrMapOvr>
-  <mc:AlternateContent xmlns:mc="http://schemas.openxmlformats.org/markup-compatibility/2006" xmlns:p14="http://schemas.microsoft.com/office/powerpoint/2010/main">
-    <mc:Choice Requires="p14">
+  <mc:AlternateContent xmlns:mc="http://schemas.openxmlformats.org/markup-compatibility/2006">
+    <mc:Choice xmlns:p14="http://schemas.microsoft.com/office/powerpoint/2010/main" Requires="p14">
       <p:transition spd="slow" p14:dur="2000"/>
     </mc:Choice>
-    <mc:Fallback xmlns="">
-      <p:transition xmlns:p14="http://schemas.microsoft.com/office/powerpoint/2010/main" spd="slow"/>
+    <mc:Fallback>
+      <p:transition spd="slow"/>
     </mc:Fallback>
   </mc:AlternateContent>
   <p:timing>
     <p:tnLst>
       <p:par>
-        <p:cTn xmlns:p14="http://schemas.microsoft.com/office/powerpoint/2010/main" id="1" dur="indefinite" restart="never" nodeType="tmRoot"/>
+        <p:cTn id="1" dur="indefinite" restart="never" nodeType="tmRoot"/>
       </p:par>
     </p:tnLst>
   </p:timing>
@@ -13498,18 +13514,18 @@
   <p:clrMapOvr>
     <a:masterClrMapping/>
   </p:clrMapOvr>
-  <mc:AlternateContent xmlns:mc="http://schemas.openxmlformats.org/markup-compatibility/2006" xmlns:p14="http://schemas.microsoft.com/office/powerpoint/2010/main">
-    <mc:Choice Requires="p14">
+  <mc:AlternateContent xmlns:mc="http://schemas.openxmlformats.org/markup-compatibility/2006">
+    <mc:Choice xmlns:p14="http://schemas.microsoft.com/office/powerpoint/2010/main" Requires="p14">
       <p:transition spd="slow" p14:dur="2000"/>
     </mc:Choice>
-    <mc:Fallback xmlns="">
-      <p:transition xmlns:p14="http://schemas.microsoft.com/office/powerpoint/2010/main" spd="slow"/>
+    <mc:Fallback>
+      <p:transition spd="slow"/>
     </mc:Fallback>
   </mc:AlternateContent>
   <p:timing>
     <p:tnLst>
       <p:par>
-        <p:cTn xmlns:p14="http://schemas.microsoft.com/office/powerpoint/2010/main" id="1" dur="indefinite" restart="never" nodeType="tmRoot"/>
+        <p:cTn id="1" dur="indefinite" restart="never" nodeType="tmRoot"/>
       </p:par>
     </p:tnLst>
   </p:timing>
@@ -13672,7 +13688,7 @@
   <p:timing>
     <p:tnLst>
       <p:par>
-        <p:cTn xmlns:p14="http://schemas.microsoft.com/office/powerpoint/2010/main" id="1" dur="indefinite" restart="never" nodeType="tmRoot"/>
+        <p:cTn id="1" dur="indefinite" restart="never" nodeType="tmRoot"/>
       </p:par>
     </p:tnLst>
   </p:timing>
@@ -13786,18 +13802,18 @@
   <p:clrMapOvr>
     <a:masterClrMapping/>
   </p:clrMapOvr>
-  <mc:AlternateContent xmlns:mc="http://schemas.openxmlformats.org/markup-compatibility/2006" xmlns:p14="http://schemas.microsoft.com/office/powerpoint/2010/main">
-    <mc:Choice Requires="p14">
+  <mc:AlternateContent xmlns:mc="http://schemas.openxmlformats.org/markup-compatibility/2006">
+    <mc:Choice xmlns:p14="http://schemas.microsoft.com/office/powerpoint/2010/main" Requires="p14">
       <p:transition spd="slow" p14:dur="2000"/>
     </mc:Choice>
-    <mc:Fallback xmlns="">
-      <p:transition xmlns:p14="http://schemas.microsoft.com/office/powerpoint/2010/main" spd="slow"/>
+    <mc:Fallback>
+      <p:transition spd="slow"/>
     </mc:Fallback>
   </mc:AlternateContent>
   <p:timing>
     <p:tnLst>
       <p:par>
-        <p:cTn xmlns:p14="http://schemas.microsoft.com/office/powerpoint/2010/main" id="1" dur="indefinite" restart="never" nodeType="tmRoot"/>
+        <p:cTn id="1" dur="indefinite" restart="never" nodeType="tmRoot"/>
       </p:par>
     </p:tnLst>
   </p:timing>
@@ -13914,18 +13930,18 @@
   <p:clrMapOvr>
     <a:masterClrMapping/>
   </p:clrMapOvr>
-  <mc:AlternateContent xmlns:mc="http://schemas.openxmlformats.org/markup-compatibility/2006" xmlns:p14="http://schemas.microsoft.com/office/powerpoint/2010/main">
-    <mc:Choice Requires="p14">
+  <mc:AlternateContent xmlns:mc="http://schemas.openxmlformats.org/markup-compatibility/2006">
+    <mc:Choice xmlns:p14="http://schemas.microsoft.com/office/powerpoint/2010/main" Requires="p14">
       <p:transition spd="slow" p14:dur="2000"/>
     </mc:Choice>
-    <mc:Fallback xmlns="">
-      <p:transition xmlns:p14="http://schemas.microsoft.com/office/powerpoint/2010/main" spd="slow"/>
+    <mc:Fallback>
+      <p:transition spd="slow"/>
     </mc:Fallback>
   </mc:AlternateContent>
   <p:timing>
     <p:tnLst>
       <p:par>
-        <p:cTn xmlns:p14="http://schemas.microsoft.com/office/powerpoint/2010/main" id="1" dur="indefinite" restart="never" nodeType="tmRoot"/>
+        <p:cTn id="1" dur="indefinite" restart="never" nodeType="tmRoot"/>
       </p:par>
     </p:tnLst>
   </p:timing>
@@ -14161,7 +14177,7 @@
   <p:timing>
     <p:tnLst>
       <p:par>
-        <p:cTn xmlns:p14="http://schemas.microsoft.com/office/powerpoint/2010/main" id="1" dur="indefinite" restart="never" nodeType="tmRoot"/>
+        <p:cTn id="1" dur="indefinite" restart="never" nodeType="tmRoot"/>
       </p:par>
     </p:tnLst>
   </p:timing>
@@ -14470,7 +14486,7 @@
   <p:timing>
     <p:tnLst>
       <p:par>
-        <p:cTn xmlns:p14="http://schemas.microsoft.com/office/powerpoint/2010/main" id="1" dur="indefinite" restart="never" nodeType="tmRoot"/>
+        <p:cTn id="1" dur="indefinite" restart="never" nodeType="tmRoot"/>
       </p:par>
     </p:tnLst>
   </p:timing>
@@ -14697,18 +14713,18 @@
   <p:clrMapOvr>
     <a:masterClrMapping/>
   </p:clrMapOvr>
-  <mc:AlternateContent xmlns:mc="http://schemas.openxmlformats.org/markup-compatibility/2006" xmlns:p14="http://schemas.microsoft.com/office/powerpoint/2010/main">
-    <mc:Choice Requires="p14">
+  <mc:AlternateContent xmlns:mc="http://schemas.openxmlformats.org/markup-compatibility/2006">
+    <mc:Choice xmlns:p14="http://schemas.microsoft.com/office/powerpoint/2010/main" Requires="p14">
       <p:transition spd="slow" p14:dur="2000"/>
     </mc:Choice>
-    <mc:Fallback xmlns="">
-      <p:transition xmlns:p14="http://schemas.microsoft.com/office/powerpoint/2010/main" spd="slow"/>
+    <mc:Fallback>
+      <p:transition spd="slow"/>
     </mc:Fallback>
   </mc:AlternateContent>
   <p:timing>
     <p:tnLst>
       <p:par>
-        <p:cTn xmlns:p14="http://schemas.microsoft.com/office/powerpoint/2010/main" id="1" dur="indefinite" restart="never" nodeType="tmRoot"/>
+        <p:cTn id="1" dur="indefinite" restart="never" nodeType="tmRoot"/>
       </p:par>
     </p:tnLst>
   </p:timing>
@@ -14788,18 +14804,18 @@
   <p:clrMapOvr>
     <a:masterClrMapping/>
   </p:clrMapOvr>
-  <mc:AlternateContent xmlns:mc="http://schemas.openxmlformats.org/markup-compatibility/2006" xmlns:p14="http://schemas.microsoft.com/office/powerpoint/2010/main">
-    <mc:Choice Requires="p14">
+  <mc:AlternateContent xmlns:mc="http://schemas.openxmlformats.org/markup-compatibility/2006">
+    <mc:Choice xmlns:p14="http://schemas.microsoft.com/office/powerpoint/2010/main" Requires="p14">
       <p:transition spd="slow" p14:dur="2000"/>
     </mc:Choice>
-    <mc:Fallback xmlns="">
-      <p:transition xmlns:p14="http://schemas.microsoft.com/office/powerpoint/2010/main" spd="slow"/>
+    <mc:Fallback>
+      <p:transition spd="slow"/>
     </mc:Fallback>
   </mc:AlternateContent>
   <p:timing>
     <p:tnLst>
       <p:par>
-        <p:cTn xmlns:p14="http://schemas.microsoft.com/office/powerpoint/2010/main" id="1" dur="indefinite" restart="never" nodeType="tmRoot"/>
+        <p:cTn id="1" dur="indefinite" restart="never" nodeType="tmRoot"/>
       </p:par>
     </p:tnLst>
   </p:timing>
@@ -14971,7 +14987,7 @@
   <p:timing>
     <p:tnLst>
       <p:par>
-        <p:cTn xmlns:p14="http://schemas.microsoft.com/office/powerpoint/2010/main" id="1" dur="indefinite" restart="never" nodeType="tmRoot"/>
+        <p:cTn id="1" dur="indefinite" restart="never" nodeType="tmRoot"/>
       </p:par>
     </p:tnLst>
   </p:timing>
@@ -15036,7 +15052,7 @@
         <p:spPr/>
         <p:txBody>
           <a:bodyPr>
-            <a:normAutofit fontScale="92500" lnSpcReduction="20000"/>
+            <a:normAutofit fontScale="92500" lnSpcReduction="10000"/>
           </a:bodyPr>
           <a:lstStyle/>
           <a:p>
@@ -15095,18 +15111,18 @@
   <p:clrMapOvr>
     <a:masterClrMapping/>
   </p:clrMapOvr>
-  <mc:AlternateContent xmlns:mc="http://schemas.openxmlformats.org/markup-compatibility/2006" xmlns:p14="http://schemas.microsoft.com/office/powerpoint/2010/main">
-    <mc:Choice Requires="p14">
+  <mc:AlternateContent xmlns:mc="http://schemas.openxmlformats.org/markup-compatibility/2006">
+    <mc:Choice xmlns:p14="http://schemas.microsoft.com/office/powerpoint/2010/main" Requires="p14">
       <p:transition spd="slow" p14:dur="2000"/>
     </mc:Choice>
-    <mc:Fallback xmlns="">
-      <p:transition xmlns:p14="http://schemas.microsoft.com/office/powerpoint/2010/main" spd="slow"/>
+    <mc:Fallback>
+      <p:transition spd="slow"/>
     </mc:Fallback>
   </mc:AlternateContent>
   <p:timing>
     <p:tnLst>
       <p:par>
-        <p:cTn xmlns:p14="http://schemas.microsoft.com/office/powerpoint/2010/main" id="1" dur="indefinite" restart="never" nodeType="tmRoot"/>
+        <p:cTn id="1" dur="indefinite" restart="never" nodeType="tmRoot"/>
       </p:par>
     </p:tnLst>
   </p:timing>
@@ -15225,7 +15241,7 @@
   <p:timing>
     <p:tnLst>
       <p:par>
-        <p:cTn xmlns:p14="http://schemas.microsoft.com/office/powerpoint/2010/main" id="1" dur="indefinite" restart="never" nodeType="tmRoot"/>
+        <p:cTn id="1" dur="indefinite" restart="never" nodeType="tmRoot"/>
       </p:par>
     </p:tnLst>
   </p:timing>
@@ -15327,18 +15343,18 @@
   <p:clrMapOvr>
     <a:masterClrMapping/>
   </p:clrMapOvr>
-  <mc:AlternateContent xmlns:mc="http://schemas.openxmlformats.org/markup-compatibility/2006" xmlns:p14="http://schemas.microsoft.com/office/powerpoint/2010/main">
-    <mc:Choice Requires="p14">
+  <mc:AlternateContent xmlns:mc="http://schemas.openxmlformats.org/markup-compatibility/2006">
+    <mc:Choice xmlns:p14="http://schemas.microsoft.com/office/powerpoint/2010/main" Requires="p14">
       <p:transition spd="slow" p14:dur="2000"/>
     </mc:Choice>
-    <mc:Fallback xmlns="">
-      <p:transition xmlns:p14="http://schemas.microsoft.com/office/powerpoint/2010/main" spd="slow"/>
+    <mc:Fallback>
+      <p:transition spd="slow"/>
     </mc:Fallback>
   </mc:AlternateContent>
   <p:timing>
     <p:tnLst>
       <p:par>
-        <p:cTn xmlns:p14="http://schemas.microsoft.com/office/powerpoint/2010/main" id="1" dur="indefinite" restart="never" nodeType="tmRoot"/>
+        <p:cTn id="1" dur="indefinite" restart="never" nodeType="tmRoot"/>
       </p:par>
     </p:tnLst>
   </p:timing>
@@ -15487,18 +15503,18 @@
   <p:clrMapOvr>
     <a:masterClrMapping/>
   </p:clrMapOvr>
-  <mc:AlternateContent xmlns:mc="http://schemas.openxmlformats.org/markup-compatibility/2006" xmlns:p14="http://schemas.microsoft.com/office/powerpoint/2010/main">
-    <mc:Choice Requires="p14">
+  <mc:AlternateContent xmlns:mc="http://schemas.openxmlformats.org/markup-compatibility/2006">
+    <mc:Choice xmlns:p14="http://schemas.microsoft.com/office/powerpoint/2010/main" Requires="p14">
       <p:transition spd="slow" p14:dur="2000"/>
     </mc:Choice>
-    <mc:Fallback xmlns="">
-      <p:transition xmlns:p14="http://schemas.microsoft.com/office/powerpoint/2010/main" spd="slow"/>
+    <mc:Fallback>
+      <p:transition spd="slow"/>
     </mc:Fallback>
   </mc:AlternateContent>
   <p:timing>
     <p:tnLst>
       <p:par>
-        <p:cTn xmlns:p14="http://schemas.microsoft.com/office/powerpoint/2010/main" id="1" dur="indefinite" restart="never" nodeType="tmRoot"/>
+        <p:cTn id="1" dur="indefinite" restart="never" nodeType="tmRoot"/>
       </p:par>
     </p:tnLst>
   </p:timing>
@@ -16115,18 +16131,18 @@
   <p:clrMapOvr>
     <a:masterClrMapping/>
   </p:clrMapOvr>
-  <mc:AlternateContent xmlns:mc="http://schemas.openxmlformats.org/markup-compatibility/2006" xmlns:p14="http://schemas.microsoft.com/office/powerpoint/2010/main">
-    <mc:Choice Requires="p14">
+  <mc:AlternateContent xmlns:mc="http://schemas.openxmlformats.org/markup-compatibility/2006">
+    <mc:Choice xmlns:p14="http://schemas.microsoft.com/office/powerpoint/2010/main" Requires="p14">
       <p:transition spd="slow" p14:dur="2000"/>
     </mc:Choice>
-    <mc:Fallback xmlns="">
-      <p:transition xmlns:p14="http://schemas.microsoft.com/office/powerpoint/2010/main" spd="slow"/>
+    <mc:Fallback>
+      <p:transition spd="slow"/>
     </mc:Fallback>
   </mc:AlternateContent>
   <p:timing>
     <p:tnLst>
       <p:par>
-        <p:cTn xmlns:p14="http://schemas.microsoft.com/office/powerpoint/2010/main" id="1" dur="indefinite" restart="never" nodeType="tmRoot"/>
+        <p:cTn id="1" dur="indefinite" restart="never" nodeType="tmRoot"/>
       </p:par>
     </p:tnLst>
   </p:timing>
@@ -16596,18 +16612,18 @@
   <p:clrMapOvr>
     <a:masterClrMapping/>
   </p:clrMapOvr>
-  <mc:AlternateContent xmlns:mc="http://schemas.openxmlformats.org/markup-compatibility/2006" xmlns:p14="http://schemas.microsoft.com/office/powerpoint/2010/main">
-    <mc:Choice Requires="p14">
+  <mc:AlternateContent xmlns:mc="http://schemas.openxmlformats.org/markup-compatibility/2006">
+    <mc:Choice xmlns:p14="http://schemas.microsoft.com/office/powerpoint/2010/main" Requires="p14">
       <p:transition spd="slow" p14:dur="2000"/>
     </mc:Choice>
-    <mc:Fallback xmlns="">
-      <p:transition xmlns:p14="http://schemas.microsoft.com/office/powerpoint/2010/main" spd="slow"/>
+    <mc:Fallback>
+      <p:transition spd="slow"/>
     </mc:Fallback>
   </mc:AlternateContent>
   <p:timing>
     <p:tnLst>
       <p:par>
-        <p:cTn xmlns:p14="http://schemas.microsoft.com/office/powerpoint/2010/main" id="1" dur="indefinite" restart="never" nodeType="tmRoot"/>
+        <p:cTn id="1" dur="indefinite" restart="never" nodeType="tmRoot"/>
       </p:par>
     </p:tnLst>
   </p:timing>
@@ -17528,18 +17544,18 @@
   <p:clrMapOvr>
     <a:masterClrMapping/>
   </p:clrMapOvr>
-  <mc:AlternateContent xmlns:mc="http://schemas.openxmlformats.org/markup-compatibility/2006" xmlns:p14="http://schemas.microsoft.com/office/powerpoint/2010/main">
-    <mc:Choice Requires="p14">
+  <mc:AlternateContent xmlns:mc="http://schemas.openxmlformats.org/markup-compatibility/2006">
+    <mc:Choice xmlns:p14="http://schemas.microsoft.com/office/powerpoint/2010/main" Requires="p14">
       <p:transition spd="slow" p14:dur="2000"/>
     </mc:Choice>
-    <mc:Fallback xmlns="">
-      <p:transition xmlns:p14="http://schemas.microsoft.com/office/powerpoint/2010/main" spd="slow"/>
+    <mc:Fallback>
+      <p:transition spd="slow"/>
     </mc:Fallback>
   </mc:AlternateContent>
   <p:timing>
     <p:tnLst>
       <p:par>
-        <p:cTn xmlns:p14="http://schemas.microsoft.com/office/powerpoint/2010/main" id="1" dur="indefinite" restart="never" nodeType="tmRoot"/>
+        <p:cTn id="1" dur="indefinite" restart="never" nodeType="tmRoot"/>
       </p:par>
     </p:tnLst>
   </p:timing>
@@ -17632,51 +17648,21 @@
           <a:p>
             <a:r>
               <a:rPr lang="en-US" dirty="0" smtClean="0"/>
-              <a:t>In principle, it’s very simple, but frequently requires transposing/transforming data on the host before sending it to the GPU</a:t>
-            </a:r>
-          </a:p>
-          <a:p>
+              <a:t>In principle, it’s very simple, but frequently requires transposing/transforming data </a:t>
+            </a:r>
             <a:r>
               <a:rPr lang="en-US" dirty="0" smtClean="0"/>
-              <a:t>Sometimes this is an issue of </a:t>
-            </a:r>
-            <a:r>
-              <a:rPr lang="en-US" b="1" dirty="0" err="1" smtClean="0">
-                <a:solidFill>
-                  <a:srgbClr val="FF0000"/>
-                </a:solidFill>
-              </a:rPr>
-              <a:t>AoS</a:t>
-            </a:r>
-            <a:r>
-              <a:rPr lang="en-US" b="1" dirty="0" smtClean="0">
-                <a:solidFill>
-                  <a:srgbClr val="FF0000"/>
-                </a:solidFill>
-              </a:rPr>
-              <a:t> vs. </a:t>
-            </a:r>
-            <a:r>
-              <a:rPr lang="en-US" b="1" dirty="0" err="1" smtClean="0">
-                <a:solidFill>
-                  <a:srgbClr val="FF0000"/>
-                </a:solidFill>
-              </a:rPr>
-              <a:t>SoA</a:t>
-            </a:r>
-            <a:r>
-              <a:rPr lang="en-US" b="1" dirty="0" smtClean="0"/>
-              <a:t> </a:t>
+              <a:t>before using </a:t>
             </a:r>
             <a:r>
               <a:rPr lang="en-US" dirty="0" smtClean="0"/>
-              <a:t>(Array of Structures vs. Structure of Arrays)</a:t>
-            </a:r>
-            <a:endParaRPr lang="en-US" dirty="0" smtClean="0">
-              <a:solidFill>
-                <a:srgbClr val="FF0000"/>
-              </a:solidFill>
-            </a:endParaRPr>
+              <a:t>it </a:t>
+            </a:r>
+            <a:r>
+              <a:rPr lang="en-US" dirty="0" smtClean="0"/>
+              <a:t>on the GPU</a:t>
+            </a:r>
+            <a:endParaRPr lang="en-US" dirty="0" smtClean="0"/>
           </a:p>
         </p:txBody>
       </p:sp>
@@ -17693,7 +17679,7 @@
   <p:timing>
     <p:tnLst>
       <p:par>
-        <p:cTn xmlns:p14="http://schemas.microsoft.com/office/powerpoint/2010/main" id="1" dur="indefinite" restart="never" nodeType="tmRoot"/>
+        <p:cTn id="1" dur="indefinite" restart="never" nodeType="tmRoot"/>
       </p:par>
     </p:tnLst>
   </p:timing>
@@ -19061,18 +19047,18 @@
   <p:clrMapOvr>
     <a:masterClrMapping/>
   </p:clrMapOvr>
-  <mc:AlternateContent xmlns:mc="http://schemas.openxmlformats.org/markup-compatibility/2006" xmlns:p14="http://schemas.microsoft.com/office/powerpoint/2010/main">
-    <mc:Choice Requires="p14">
+  <mc:AlternateContent xmlns:mc="http://schemas.openxmlformats.org/markup-compatibility/2006">
+    <mc:Choice xmlns:p14="http://schemas.microsoft.com/office/powerpoint/2010/main" Requires="p14">
       <p:transition spd="slow" p14:dur="2000"/>
     </mc:Choice>
-    <mc:Fallback xmlns="">
-      <p:transition xmlns:p14="http://schemas.microsoft.com/office/powerpoint/2010/main" spd="slow"/>
+    <mc:Fallback>
+      <p:transition spd="slow"/>
     </mc:Fallback>
   </mc:AlternateContent>
   <p:timing>
     <p:tnLst>
       <p:par>
-        <p:cTn xmlns:p14="http://schemas.microsoft.com/office/powerpoint/2010/main" id="1" dur="indefinite" restart="never" nodeType="tmRoot"/>
+        <p:cTn id="1" dur="indefinite" restart="never" nodeType="tmRoot"/>
       </p:par>
     </p:tnLst>
   </p:timing>
@@ -21661,7 +21647,7 @@
   <p:timing>
     <p:tnLst>
       <p:par>
-        <p:cTn xmlns:p14="http://schemas.microsoft.com/office/powerpoint/2010/main" id="1" dur="indefinite" restart="never" nodeType="tmRoot"/>
+        <p:cTn id="1" dur="indefinite" restart="never" nodeType="tmRoot"/>
       </p:par>
     </p:tnLst>
   </p:timing>
@@ -21800,18 +21786,18 @@
   <p:clrMapOvr>
     <a:masterClrMapping/>
   </p:clrMapOvr>
-  <mc:AlternateContent xmlns:mc="http://schemas.openxmlformats.org/markup-compatibility/2006" xmlns:p14="http://schemas.microsoft.com/office/powerpoint/2010/main">
-    <mc:Choice Requires="p14">
+  <mc:AlternateContent xmlns:mc="http://schemas.openxmlformats.org/markup-compatibility/2006">
+    <mc:Choice xmlns:p14="http://schemas.microsoft.com/office/powerpoint/2010/main" Requires="p14">
       <p:transition spd="slow" p14:dur="2000"/>
     </mc:Choice>
-    <mc:Fallback xmlns="">
-      <p:transition xmlns:p14="http://schemas.microsoft.com/office/powerpoint/2010/main" spd="slow"/>
+    <mc:Fallback>
+      <p:transition spd="slow"/>
     </mc:Fallback>
   </mc:AlternateContent>
   <p:timing>
     <p:tnLst>
       <p:par>
-        <p:cTn xmlns:p14="http://schemas.microsoft.com/office/powerpoint/2010/main" id="1" dur="indefinite" restart="never" nodeType="tmRoot"/>
+        <p:cTn id="1" dur="indefinite" restart="never" nodeType="tmRoot"/>
       </p:par>
     </p:tnLst>
   </p:timing>
@@ -24818,7 +24804,7 @@
   <p:timing>
     <p:tnLst>
       <p:par>
-        <p:cTn xmlns:p14="http://schemas.microsoft.com/office/powerpoint/2010/main" id="1" dur="indefinite" restart="never" nodeType="tmRoot"/>
+        <p:cTn id="1" dur="indefinite" restart="never" nodeType="tmRoot"/>
       </p:par>
     </p:tnLst>
   </p:timing>
@@ -27931,7 +27917,7 @@
   <p:timing>
     <p:tnLst>
       <p:par>
-        <p:cTn xmlns:p14="http://schemas.microsoft.com/office/powerpoint/2010/main" id="1" dur="indefinite" restart="never" nodeType="tmRoot"/>
+        <p:cTn id="1" dur="indefinite" restart="never" nodeType="tmRoot"/>
       </p:par>
     </p:tnLst>
   </p:timing>
@@ -30746,7 +30732,7 @@
   <p:timing>
     <p:tnLst>
       <p:par>
-        <p:cTn xmlns:p14="http://schemas.microsoft.com/office/powerpoint/2010/main" id="1" dur="indefinite" restart="never" nodeType="tmRoot"/>
+        <p:cTn id="1" dur="indefinite" restart="never" nodeType="tmRoot"/>
       </p:par>
     </p:tnLst>
   </p:timing>
@@ -33777,7 +33763,7 @@
   <p:timing>
     <p:tnLst>
       <p:par>
-        <p:cTn xmlns:p14="http://schemas.microsoft.com/office/powerpoint/2010/main" id="1" dur="indefinite" restart="never" nodeType="tmRoot"/>
+        <p:cTn id="1" dur="indefinite" restart="never" nodeType="tmRoot"/>
       </p:par>
     </p:tnLst>
   </p:timing>
@@ -38150,7 +38136,7 @@
   <p:timing>
     <p:tnLst>
       <p:par>
-        <p:cTn xmlns:p14="http://schemas.microsoft.com/office/powerpoint/2010/main" id="1" dur="indefinite" restart="never" nodeType="tmRoot"/>
+        <p:cTn id="1" dur="indefinite" restart="never" nodeType="tmRoot"/>
       </p:par>
     </p:tnLst>
   </p:timing>
@@ -38310,18 +38296,18 @@
   <p:clrMapOvr>
     <a:masterClrMapping/>
   </p:clrMapOvr>
-  <mc:AlternateContent xmlns:mc="http://schemas.openxmlformats.org/markup-compatibility/2006" xmlns:p14="http://schemas.microsoft.com/office/powerpoint/2010/main">
-    <mc:Choice Requires="p14">
+  <mc:AlternateContent xmlns:mc="http://schemas.openxmlformats.org/markup-compatibility/2006">
+    <mc:Choice xmlns:p14="http://schemas.microsoft.com/office/powerpoint/2010/main" Requires="p14">
       <p:transition spd="slow" p14:dur="2000"/>
     </mc:Choice>
-    <mc:Fallback xmlns="">
-      <p:transition xmlns:p14="http://schemas.microsoft.com/office/powerpoint/2010/main" spd="slow"/>
+    <mc:Fallback>
+      <p:transition spd="slow"/>
     </mc:Fallback>
   </mc:AlternateContent>
   <p:timing>
     <p:tnLst>
       <p:par>
-        <p:cTn xmlns:p14="http://schemas.microsoft.com/office/powerpoint/2010/main" id="1" dur="indefinite" restart="never" nodeType="tmRoot"/>
+        <p:cTn id="1" dur="indefinite" restart="never" nodeType="tmRoot"/>
       </p:par>
     </p:tnLst>
   </p:timing>
@@ -38880,7 +38866,7 @@
   <p:timing>
     <p:tnLst>
       <p:par>
-        <p:cTn xmlns:p14="http://schemas.microsoft.com/office/powerpoint/2010/main" id="1" dur="indefinite" restart="never" nodeType="tmRoot"/>
+        <p:cTn id="1" dur="indefinite" restart="never" nodeType="tmRoot"/>
       </p:par>
     </p:tnLst>
   </p:timing>
@@ -39066,7 +39052,7 @@
   <p:timing>
     <p:tnLst>
       <p:par>
-        <p:cTn xmlns:p14="http://schemas.microsoft.com/office/powerpoint/2010/main" id="1" dur="indefinite" restart="never" nodeType="tmRoot"/>
+        <p:cTn id="1" dur="indefinite" restart="never" nodeType="tmRoot"/>
       </p:par>
     </p:tnLst>
   </p:timing>
@@ -39252,7 +39238,7 @@
   <p:timing>
     <p:tnLst>
       <p:par>
-        <p:cTn xmlns:p14="http://schemas.microsoft.com/office/powerpoint/2010/main" id="1" dur="indefinite" restart="never" nodeType="tmRoot"/>
+        <p:cTn id="1" dur="indefinite" restart="never" nodeType="tmRoot"/>
       </p:par>
     </p:tnLst>
   </p:timing>
@@ -39587,18 +39573,18 @@
   <p:clrMapOvr>
     <a:masterClrMapping/>
   </p:clrMapOvr>
-  <mc:AlternateContent xmlns:mc="http://schemas.openxmlformats.org/markup-compatibility/2006" xmlns:p14="http://schemas.microsoft.com/office/powerpoint/2010/main">
-    <mc:Choice Requires="p14">
+  <mc:AlternateContent xmlns:mc="http://schemas.openxmlformats.org/markup-compatibility/2006">
+    <mc:Choice xmlns:p14="http://schemas.microsoft.com/office/powerpoint/2010/main" Requires="p14">
       <p:transition spd="slow" p14:dur="2000"/>
     </mc:Choice>
-    <mc:Fallback xmlns="">
-      <p:transition xmlns:p14="http://schemas.microsoft.com/office/powerpoint/2010/main" spd="slow"/>
+    <mc:Fallback>
+      <p:transition spd="slow"/>
     </mc:Fallback>
   </mc:AlternateContent>
   <p:timing>
     <p:tnLst>
       <p:par>
-        <p:cTn xmlns:p14="http://schemas.microsoft.com/office/powerpoint/2010/main" id="1" dur="indefinite" restart="never" nodeType="tmRoot"/>
+        <p:cTn id="1" dur="indefinite" restart="never" nodeType="tmRoot"/>
       </p:par>
     </p:tnLst>
   </p:timing>
@@ -39726,7 +39712,7 @@
   <p:timing>
     <p:tnLst>
       <p:par>
-        <p:cTn xmlns:p14="http://schemas.microsoft.com/office/powerpoint/2010/main" id="1" dur="indefinite" restart="never" nodeType="tmRoot"/>
+        <p:cTn id="1" dur="indefinite" restart="never" nodeType="tmRoot"/>
       </p:par>
     </p:tnLst>
   </p:timing>
@@ -39860,7 +39846,7 @@
   <p:timing>
     <p:tnLst>
       <p:par>
-        <p:cTn xmlns:p14="http://schemas.microsoft.com/office/powerpoint/2010/main" id="1" dur="indefinite" restart="never" nodeType="tmRoot"/>
+        <p:cTn id="1" dur="indefinite" restart="never" nodeType="tmRoot"/>
       </p:par>
     </p:tnLst>
   </p:timing>
@@ -40129,7 +40115,7 @@
   <p:timing>
     <p:tnLst>
       <p:par>
-        <p:cTn xmlns:p14="http://schemas.microsoft.com/office/powerpoint/2010/main" id="1" dur="indefinite" restart="never" nodeType="tmRoot"/>
+        <p:cTn id="1" dur="indefinite" restart="never" nodeType="tmRoot"/>
       </p:par>
     </p:tnLst>
   </p:timing>
@@ -40256,18 +40242,18 @@
   <p:clrMapOvr>
     <a:masterClrMapping/>
   </p:clrMapOvr>
-  <mc:AlternateContent xmlns:mc="http://schemas.openxmlformats.org/markup-compatibility/2006" xmlns:p14="http://schemas.microsoft.com/office/powerpoint/2010/main">
-    <mc:Choice Requires="p14">
+  <mc:AlternateContent xmlns:mc="http://schemas.openxmlformats.org/markup-compatibility/2006">
+    <mc:Choice xmlns:p14="http://schemas.microsoft.com/office/powerpoint/2010/main" Requires="p14">
       <p:transition spd="slow" p14:dur="2000"/>
     </mc:Choice>
-    <mc:Fallback xmlns="">
-      <p:transition xmlns:p14="http://schemas.microsoft.com/office/powerpoint/2010/main" spd="slow"/>
+    <mc:Fallback>
+      <p:transition spd="slow"/>
     </mc:Fallback>
   </mc:AlternateContent>
   <p:timing>
     <p:tnLst>
       <p:par>
-        <p:cTn xmlns:p14="http://schemas.microsoft.com/office/powerpoint/2010/main" id="1" dur="indefinite" restart="never" nodeType="tmRoot"/>
+        <p:cTn id="1" dur="indefinite" restart="never" nodeType="tmRoot"/>
       </p:par>
     </p:tnLst>
   </p:timing>
@@ -40623,7 +40609,7 @@
   <p:timing>
     <p:tnLst>
       <p:par>
-        <p:cTn xmlns:p14="http://schemas.microsoft.com/office/powerpoint/2010/main" id="1" dur="indefinite" restart="never" nodeType="tmRoot"/>
+        <p:cTn id="1" dur="indefinite" restart="never" nodeType="tmRoot"/>
       </p:par>
     </p:tnLst>
   </p:timing>
@@ -40728,7 +40714,7 @@
   <p:timing>
     <p:tnLst>
       <p:par>
-        <p:cTn xmlns:p14="http://schemas.microsoft.com/office/powerpoint/2010/main" id="1" dur="indefinite" restart="never" nodeType="tmRoot"/>
+        <p:cTn id="1" dur="indefinite" restart="never" nodeType="tmRoot"/>
       </p:par>
     </p:tnLst>
   </p:timing>
@@ -41459,7 +41445,7 @@
   <p:timing>
     <p:tnLst>
       <p:par>
-        <p:cTn xmlns:p14="http://schemas.microsoft.com/office/powerpoint/2010/main" id="1" dur="indefinite" restart="never" nodeType="tmRoot"/>
+        <p:cTn id="1" dur="indefinite" restart="never" nodeType="tmRoot"/>
       </p:par>
     </p:tnLst>
   </p:timing>
@@ -41715,7 +41701,7 @@
   <p:timing>
     <p:tnLst>
       <p:par>
-        <p:cTn xmlns:p14="http://schemas.microsoft.com/office/powerpoint/2010/main" id="1" dur="indefinite" restart="never" nodeType="tmRoot"/>
+        <p:cTn id="1" dur="indefinite" restart="never" nodeType="tmRoot"/>
       </p:par>
     </p:tnLst>
   </p:timing>
@@ -42742,7 +42728,7 @@
   <p:timing>
     <p:tnLst>
       <p:par>
-        <p:cTn xmlns:p14="http://schemas.microsoft.com/office/powerpoint/2010/main" id="1" dur="indefinite" restart="never" nodeType="tmRoot"/>
+        <p:cTn id="1" dur="indefinite" restart="never" nodeType="tmRoot"/>
       </p:par>
     </p:tnLst>
   </p:timing>
@@ -43063,7 +43049,7 @@
   <p:timing>
     <p:tnLst>
       <p:par>
-        <p:cTn xmlns:p14="http://schemas.microsoft.com/office/powerpoint/2010/main" id="1" dur="indefinite" restart="never" nodeType="tmRoot"/>
+        <p:cTn id="1" dur="indefinite" restart="never" nodeType="tmRoot"/>
       </p:par>
     </p:tnLst>
   </p:timing>
@@ -43235,18 +43221,18 @@
   <p:clrMapOvr>
     <a:masterClrMapping/>
   </p:clrMapOvr>
-  <mc:AlternateContent xmlns:mc="http://schemas.openxmlformats.org/markup-compatibility/2006" xmlns:p14="http://schemas.microsoft.com/office/powerpoint/2010/main">
-    <mc:Choice Requires="p14">
+  <mc:AlternateContent xmlns:mc="http://schemas.openxmlformats.org/markup-compatibility/2006">
+    <mc:Choice xmlns:p14="http://schemas.microsoft.com/office/powerpoint/2010/main" Requires="p14">
       <p:transition spd="slow" p14:dur="2000"/>
     </mc:Choice>
-    <mc:Fallback xmlns="">
-      <p:transition xmlns:p14="http://schemas.microsoft.com/office/powerpoint/2010/main" spd="slow"/>
+    <mc:Fallback>
+      <p:transition spd="slow"/>
     </mc:Fallback>
   </mc:AlternateContent>
   <p:timing>
     <p:tnLst>
       <p:par>
-        <p:cTn xmlns:p14="http://schemas.microsoft.com/office/powerpoint/2010/main" id="1" dur="indefinite" restart="never" nodeType="tmRoot"/>
+        <p:cTn id="1" dur="indefinite" restart="never" nodeType="tmRoot"/>
       </p:par>
     </p:tnLst>
   </p:timing>
@@ -43406,7 +43392,7 @@
   <p:timing>
     <p:tnLst>
       <p:par>
-        <p:cTn xmlns:p14="http://schemas.microsoft.com/office/powerpoint/2010/main" id="1" dur="indefinite" restart="never" nodeType="tmRoot"/>
+        <p:cTn id="1" dur="indefinite" restart="never" nodeType="tmRoot"/>
       </p:par>
     </p:tnLst>
   </p:timing>
@@ -43594,7 +43580,7 @@
   <p:timing>
     <p:tnLst>
       <p:par>
-        <p:cTn xmlns:p14="http://schemas.microsoft.com/office/powerpoint/2010/main" id="1" dur="indefinite" restart="never" nodeType="tmRoot"/>
+        <p:cTn id="1" dur="indefinite" restart="never" nodeType="tmRoot"/>
       </p:par>
     </p:tnLst>
   </p:timing>
@@ -43767,7 +43753,7 @@
   <p:timing>
     <p:tnLst>
       <p:par>
-        <p:cTn xmlns:p14="http://schemas.microsoft.com/office/powerpoint/2010/main" id="1" dur="indefinite" restart="never" nodeType="tmRoot"/>
+        <p:cTn id="1" dur="indefinite" restart="never" nodeType="tmRoot"/>
       </p:par>
     </p:tnLst>
   </p:timing>
@@ -43900,7 +43886,43 @@
             </a:pPr>
             <a:r>
               <a:rPr lang="en-GB" dirty="0" smtClean="0"/>
-              <a:t>We can use predication, selection and masking to convert conditional control flow into straight line code and significantly improve the performance of code that has lots of conditional branches</a:t>
+              <a:t>We can use </a:t>
+            </a:r>
+            <a:r>
+              <a:rPr lang="en-GB" b="1" dirty="0" smtClean="0">
+                <a:solidFill>
+                  <a:srgbClr val="00B050"/>
+                </a:solidFill>
+              </a:rPr>
+              <a:t>predication</a:t>
+            </a:r>
+            <a:r>
+              <a:rPr lang="en-GB" dirty="0" smtClean="0"/>
+              <a:t>, </a:t>
+            </a:r>
+            <a:r>
+              <a:rPr lang="en-GB" b="1" dirty="0" smtClean="0">
+                <a:solidFill>
+                  <a:srgbClr val="00B050"/>
+                </a:solidFill>
+              </a:rPr>
+              <a:t>selection</a:t>
+            </a:r>
+            <a:r>
+              <a:rPr lang="en-GB" dirty="0" smtClean="0"/>
+              <a:t> and </a:t>
+            </a:r>
+            <a:r>
+              <a:rPr lang="en-GB" b="1" dirty="0" smtClean="0">
+                <a:solidFill>
+                  <a:srgbClr val="00B050"/>
+                </a:solidFill>
+              </a:rPr>
+              <a:t>masking</a:t>
+            </a:r>
+            <a:r>
+              <a:rPr lang="en-GB" dirty="0" smtClean="0"/>
+              <a:t> to convert conditional control flow into straight line code and significantly improve the performance of code that has lots of conditional branches</a:t>
             </a:r>
             <a:endParaRPr lang="en-GB" dirty="0"/>
           </a:p>
@@ -43919,7 +43941,7 @@
   <p:timing>
     <p:tnLst>
       <p:par>
-        <p:cTn xmlns:p14="http://schemas.microsoft.com/office/powerpoint/2010/main" id="1" dur="indefinite" restart="never" nodeType="tmRoot">
+        <p:cTn id="1" dur="indefinite" restart="never" nodeType="tmRoot">
           <p:childTnLst>
             <p:seq concurrent="1" nextAc="seek">
               <p:cTn id="2" dur="indefinite" nodeType="mainSeq">
@@ -45166,7 +45188,7 @@
   <p:timing>
     <p:tnLst>
       <p:par>
-        <p:cTn xmlns:p14="http://schemas.microsoft.com/office/powerpoint/2010/main" id="1" dur="indefinite" restart="never" nodeType="tmRoot"/>
+        <p:cTn id="1" dur="indefinite" restart="never" nodeType="tmRoot"/>
       </p:par>
     </p:tnLst>
   </p:timing>
@@ -46267,7 +46289,7 @@
   <p:timing>
     <p:tnLst>
       <p:par>
-        <p:cTn xmlns:p14="http://schemas.microsoft.com/office/powerpoint/2010/main" id="1" dur="indefinite" restart="never" nodeType="tmRoot">
+        <p:cTn id="1" dur="indefinite" restart="never" nodeType="tmRoot">
           <p:childTnLst>
             <p:seq concurrent="1" nextAc="seek">
               <p:cTn id="2" dur="indefinite" nodeType="mainSeq">
@@ -47266,7 +47288,7 @@
   <p:timing>
     <p:tnLst>
       <p:par>
-        <p:cTn xmlns:p14="http://schemas.microsoft.com/office/powerpoint/2010/main" id="1" dur="indefinite" restart="never" nodeType="tmRoot"/>
+        <p:cTn id="1" dur="indefinite" restart="never" nodeType="tmRoot"/>
       </p:par>
     </p:tnLst>
   </p:timing>
@@ -47450,7 +47472,7 @@
   <p:timing>
     <p:tnLst>
       <p:par>
-        <p:cTn xmlns:p14="http://schemas.microsoft.com/office/powerpoint/2010/main" id="1" dur="indefinite" restart="never" nodeType="tmRoot"/>
+        <p:cTn id="1" dur="indefinite" restart="never" nodeType="tmRoot"/>
       </p:par>
     </p:tnLst>
   </p:timing>
@@ -47605,7 +47627,7 @@
   <p:timing>
     <p:tnLst>
       <p:par>
-        <p:cTn xmlns:p14="http://schemas.microsoft.com/office/powerpoint/2010/main" id="1" dur="indefinite" restart="never" nodeType="tmRoot"/>
+        <p:cTn id="1" dur="indefinite" restart="never" nodeType="tmRoot"/>
       </p:par>
     </p:tnLst>
   </p:timing>
@@ -48481,18 +48503,18 @@
   <p:clrMapOvr>
     <a:masterClrMapping/>
   </p:clrMapOvr>
-  <mc:AlternateContent xmlns:mc="http://schemas.openxmlformats.org/markup-compatibility/2006" xmlns:p14="http://schemas.microsoft.com/office/powerpoint/2010/main">
-    <mc:Choice Requires="p14">
+  <mc:AlternateContent xmlns:mc="http://schemas.openxmlformats.org/markup-compatibility/2006">
+    <mc:Choice xmlns:p14="http://schemas.microsoft.com/office/powerpoint/2010/main" Requires="p14">
       <p:transition spd="slow" p14:dur="2000"/>
     </mc:Choice>
-    <mc:Fallback xmlns="">
-      <p:transition xmlns:p14="http://schemas.microsoft.com/office/powerpoint/2010/main" spd="slow"/>
+    <mc:Fallback>
+      <p:transition spd="slow"/>
     </mc:Fallback>
   </mc:AlternateContent>
   <p:timing>
     <p:tnLst>
       <p:par>
-        <p:cTn xmlns:p14="http://schemas.microsoft.com/office/powerpoint/2010/main" id="1" dur="indefinite" restart="never" nodeType="tmRoot"/>
+        <p:cTn id="1" dur="indefinite" restart="never" nodeType="tmRoot"/>
       </p:par>
     </p:tnLst>
   </p:timing>
@@ -48608,18 +48630,18 @@
   <p:clrMapOvr>
     <a:masterClrMapping/>
   </p:clrMapOvr>
-  <mc:AlternateContent xmlns:mc="http://schemas.openxmlformats.org/markup-compatibility/2006" xmlns:p14="http://schemas.microsoft.com/office/powerpoint/2010/main">
-    <mc:Choice Requires="p14">
+  <mc:AlternateContent xmlns:mc="http://schemas.openxmlformats.org/markup-compatibility/2006">
+    <mc:Choice xmlns:p14="http://schemas.microsoft.com/office/powerpoint/2010/main" Requires="p14">
       <p:transition spd="slow" p14:dur="2000"/>
     </mc:Choice>
-    <mc:Fallback xmlns="">
-      <p:transition xmlns:p14="http://schemas.microsoft.com/office/powerpoint/2010/main" spd="slow"/>
+    <mc:Fallback>
+      <p:transition spd="slow"/>
     </mc:Fallback>
   </mc:AlternateContent>
   <p:timing>
     <p:tnLst>
       <p:par>
-        <p:cTn xmlns:p14="http://schemas.microsoft.com/office/powerpoint/2010/main" id="1" dur="indefinite" restart="never" nodeType="tmRoot"/>
+        <p:cTn id="1" dur="indefinite" restart="never" nodeType="tmRoot"/>
       </p:par>
     </p:tnLst>
   </p:timing>
@@ -49755,7 +49777,7 @@
   <p:timing>
     <p:tnLst>
       <p:par>
-        <p:cTn xmlns:p14="http://schemas.microsoft.com/office/powerpoint/2010/main" id="1" dur="indefinite" restart="never" nodeType="tmRoot"/>
+        <p:cTn id="1" dur="indefinite" restart="never" nodeType="tmRoot"/>
       </p:par>
     </p:tnLst>
   </p:timing>
@@ -50069,18 +50091,18 @@
   <p:clrMapOvr>
     <a:masterClrMapping/>
   </p:clrMapOvr>
-  <mc:AlternateContent xmlns:mc="http://schemas.openxmlformats.org/markup-compatibility/2006" xmlns:p14="http://schemas.microsoft.com/office/powerpoint/2010/main">
-    <mc:Choice Requires="p14">
+  <mc:AlternateContent xmlns:mc="http://schemas.openxmlformats.org/markup-compatibility/2006">
+    <mc:Choice xmlns:p14="http://schemas.microsoft.com/office/powerpoint/2010/main" Requires="p14">
       <p:transition spd="slow" p14:dur="2000"/>
     </mc:Choice>
-    <mc:Fallback xmlns="">
-      <p:transition xmlns:p14="http://schemas.microsoft.com/office/powerpoint/2010/main" spd="slow"/>
+    <mc:Fallback>
+      <p:transition spd="slow"/>
     </mc:Fallback>
   </mc:AlternateContent>
   <p:timing>
     <p:tnLst>
       <p:par>
-        <p:cTn xmlns:p14="http://schemas.microsoft.com/office/powerpoint/2010/main" id="1" dur="indefinite" restart="never" nodeType="tmRoot"/>
+        <p:cTn id="1" dur="indefinite" restart="never" nodeType="tmRoot"/>
       </p:par>
     </p:tnLst>
   </p:timing>
@@ -51277,18 +51299,18 @@
   <p:clrMapOvr>
     <a:masterClrMapping/>
   </p:clrMapOvr>
-  <mc:AlternateContent xmlns:mc="http://schemas.openxmlformats.org/markup-compatibility/2006" xmlns:p14="http://schemas.microsoft.com/office/powerpoint/2010/main">
-    <mc:Choice Requires="p14">
+  <mc:AlternateContent xmlns:mc="http://schemas.openxmlformats.org/markup-compatibility/2006">
+    <mc:Choice xmlns:p14="http://schemas.microsoft.com/office/powerpoint/2010/main" Requires="p14">
       <p:transition spd="slow" p14:dur="2000"/>
     </mc:Choice>
-    <mc:Fallback xmlns="">
-      <p:transition xmlns:p14="http://schemas.microsoft.com/office/powerpoint/2010/main" spd="slow"/>
+    <mc:Fallback>
+      <p:transition spd="slow"/>
     </mc:Fallback>
   </mc:AlternateContent>
   <p:timing>
     <p:tnLst>
       <p:par>
-        <p:cTn xmlns:p14="http://schemas.microsoft.com/office/powerpoint/2010/main" id="1" dur="indefinite" restart="never" nodeType="tmRoot"/>
+        <p:cTn id="1" dur="indefinite" restart="never" nodeType="tmRoot"/>
       </p:par>
     </p:tnLst>
   </p:timing>
@@ -52706,7 +52728,7 @@
   <p:timing>
     <p:tnLst>
       <p:par>
-        <p:cTn xmlns:p14="http://schemas.microsoft.com/office/powerpoint/2010/main" id="1" dur="indefinite" restart="never" nodeType="tmRoot"/>
+        <p:cTn id="1" dur="indefinite" restart="never" nodeType="tmRoot"/>
       </p:par>
     </p:tnLst>
   </p:timing>
@@ -52785,8 +52807,17 @@
             <a:pPr lvl="1"/>
             <a:r>
               <a:rPr lang="en-GB" dirty="0" smtClean="0"/>
-              <a:t>Is the memory access coalesced or not?</a:t>
-            </a:r>
+              <a:t>Improving the memory </a:t>
+            </a:r>
+            <a:r>
+              <a:rPr lang="en-GB" dirty="0" smtClean="0"/>
+              <a:t>access </a:t>
+            </a:r>
+            <a:r>
+              <a:rPr lang="en-GB" dirty="0" smtClean="0"/>
+              <a:t>coalescence</a:t>
+            </a:r>
+            <a:endParaRPr lang="en-GB" dirty="0" smtClean="0"/>
           </a:p>
           <a:p>
             <a:pPr lvl="1"/>
@@ -52842,7 +52873,7 @@
   <p:timing>
     <p:tnLst>
       <p:par>
-        <p:cTn xmlns:p14="http://schemas.microsoft.com/office/powerpoint/2010/main" id="1" dur="indefinite" restart="never" nodeType="tmRoot"/>
+        <p:cTn id="1" dur="indefinite" restart="never" nodeType="tmRoot"/>
       </p:par>
     </p:tnLst>
   </p:timing>
@@ -53131,18 +53162,18 @@
   <p:clrMapOvr>
     <a:masterClrMapping/>
   </p:clrMapOvr>
-  <mc:AlternateContent xmlns:mc="http://schemas.openxmlformats.org/markup-compatibility/2006" xmlns:p14="http://schemas.microsoft.com/office/powerpoint/2010/main">
-    <mc:Choice Requires="p14">
+  <mc:AlternateContent xmlns:mc="http://schemas.openxmlformats.org/markup-compatibility/2006">
+    <mc:Choice xmlns:p14="http://schemas.microsoft.com/office/powerpoint/2010/main" Requires="p14">
       <p:transition spd="slow" p14:dur="2000"/>
     </mc:Choice>
-    <mc:Fallback xmlns="">
-      <p:transition xmlns:p14="http://schemas.microsoft.com/office/powerpoint/2010/main" spd="slow"/>
+    <mc:Fallback>
+      <p:transition spd="slow"/>
     </mc:Fallback>
   </mc:AlternateContent>
   <p:timing>
     <p:tnLst>
       <p:par>
-        <p:cTn xmlns:p14="http://schemas.microsoft.com/office/powerpoint/2010/main" id="1" dur="indefinite" restart="never" nodeType="tmRoot"/>
+        <p:cTn id="1" dur="indefinite" restart="never" nodeType="tmRoot"/>
       </p:par>
     </p:tnLst>
   </p:timing>
@@ -53256,18 +53287,18 @@
   <p:clrMapOvr>
     <a:masterClrMapping/>
   </p:clrMapOvr>
-  <mc:AlternateContent xmlns:mc="http://schemas.openxmlformats.org/markup-compatibility/2006" xmlns:p14="http://schemas.microsoft.com/office/powerpoint/2010/main">
-    <mc:Choice Requires="p14">
+  <mc:AlternateContent xmlns:mc="http://schemas.openxmlformats.org/markup-compatibility/2006">
+    <mc:Choice xmlns:p14="http://schemas.microsoft.com/office/powerpoint/2010/main" Requires="p14">
       <p:transition spd="slow" p14:dur="2000"/>
     </mc:Choice>
-    <mc:Fallback xmlns="">
-      <p:transition xmlns:p14="http://schemas.microsoft.com/office/powerpoint/2010/main" spd="slow"/>
+    <mc:Fallback>
+      <p:transition spd="slow"/>
     </mc:Fallback>
   </mc:AlternateContent>
   <p:timing>
     <p:tnLst>
       <p:par>
-        <p:cTn xmlns:p14="http://schemas.microsoft.com/office/powerpoint/2010/main" id="1" dur="indefinite" restart="never" nodeType="tmRoot"/>
+        <p:cTn id="1" dur="indefinite" restart="never" nodeType="tmRoot"/>
       </p:par>
     </p:tnLst>
   </p:timing>
@@ -53472,18 +53503,18 @@
   <p:clrMapOvr>
     <a:masterClrMapping/>
   </p:clrMapOvr>
-  <mc:AlternateContent xmlns:mc="http://schemas.openxmlformats.org/markup-compatibility/2006" xmlns:p14="http://schemas.microsoft.com/office/powerpoint/2010/main">
-    <mc:Choice Requires="p14">
+  <mc:AlternateContent xmlns:mc="http://schemas.openxmlformats.org/markup-compatibility/2006">
+    <mc:Choice xmlns:p14="http://schemas.microsoft.com/office/powerpoint/2010/main" Requires="p14">
       <p:transition spd="slow" p14:dur="2000"/>
     </mc:Choice>
-    <mc:Fallback xmlns="">
-      <p:transition xmlns:p14="http://schemas.microsoft.com/office/powerpoint/2010/main" spd="slow"/>
+    <mc:Fallback>
+      <p:transition spd="slow"/>
     </mc:Fallback>
   </mc:AlternateContent>
   <p:timing>
     <p:tnLst>
       <p:par>
-        <p:cTn xmlns:p14="http://schemas.microsoft.com/office/powerpoint/2010/main" id="1" dur="indefinite" restart="never" nodeType="tmRoot"/>
+        <p:cTn id="1" dur="indefinite" restart="never" nodeType="tmRoot"/>
       </p:par>
     </p:tnLst>
   </p:timing>
@@ -53622,35 +53653,21 @@
                 <a:latin typeface="Courier New"/>
                 <a:cs typeface="Courier New"/>
               </a:rPr>
-              <a:t>427.7ms </a:t>
+              <a:t>427.7ms (</a:t>
+            </a:r>
+            <a:r>
+              <a:rPr lang="en-GB" sz="2400" b="1" dirty="0" smtClean="0">
+                <a:latin typeface="Courier New"/>
+                <a:cs typeface="Courier New"/>
+              </a:rPr>
+              <a:t>13.4ms</a:t>
             </a:r>
             <a:r>
               <a:rPr lang="en-GB" sz="2400" dirty="0" smtClean="0">
                 <a:latin typeface="Courier New"/>
                 <a:cs typeface="Courier New"/>
               </a:rPr>
-              <a:t>(</a:t>
-            </a:r>
-            <a:r>
-              <a:rPr lang="en-GB" sz="2400" b="1" dirty="0" smtClean="0">
-                <a:latin typeface="Courier New"/>
-                <a:cs typeface="Courier New"/>
-              </a:rPr>
-              <a:t>13.4ms</a:t>
-            </a:r>
-            <a:r>
-              <a:rPr lang="en-GB" sz="2400" dirty="0" smtClean="0">
-                <a:latin typeface="Courier New"/>
-                <a:cs typeface="Courier New"/>
-              </a:rPr>
-              <a:t> </a:t>
-            </a:r>
-            <a:r>
-              <a:rPr lang="en-GB" sz="2400" dirty="0" smtClean="0">
-                <a:latin typeface="Courier New"/>
-                <a:cs typeface="Courier New"/>
-              </a:rPr>
-              <a:t>/ frame)</a:t>
+              <a:t> / frame)</a:t>
             </a:r>
           </a:p>
           <a:p>
@@ -53822,28 +53839,14 @@
                 <a:latin typeface="Courier New"/>
                 <a:cs typeface="Courier New"/>
               </a:rPr>
-              <a:t>59</a:t>
-            </a:r>
-            <a:r>
-              <a:rPr lang="en-GB" sz="2400" dirty="0" smtClean="0">
-                <a:latin typeface="Courier New"/>
-                <a:cs typeface="Courier New"/>
-              </a:rPr>
-              <a:t>.9ms (</a:t>
+              <a:t>59.9ms (</a:t>
             </a:r>
             <a:r>
               <a:rPr lang="en-GB" sz="2400" b="1" dirty="0" smtClean="0">
                 <a:latin typeface="Courier New"/>
                 <a:cs typeface="Courier New"/>
               </a:rPr>
-              <a:t>1</a:t>
-            </a:r>
-            <a:r>
-              <a:rPr lang="en-GB" sz="2400" b="1" dirty="0" smtClean="0">
-                <a:latin typeface="Courier New"/>
-                <a:cs typeface="Courier New"/>
-              </a:rPr>
-              <a:t>.9ms</a:t>
+              <a:t>1.9ms</a:t>
             </a:r>
             <a:r>
               <a:rPr lang="en-GB" sz="2400" dirty="0" smtClean="0">
@@ -53989,7 +53992,7 @@
   <p:timing>
     <p:tnLst>
       <p:par>
-        <p:cTn xmlns:p14="http://schemas.microsoft.com/office/powerpoint/2010/main" id="1" dur="indefinite" restart="never" nodeType="tmRoot"/>
+        <p:cTn id="1" dur="indefinite" restart="never" nodeType="tmRoot"/>
       </p:par>
     </p:tnLst>
   </p:timing>
@@ -54280,18 +54283,18 @@
   <p:clrMapOvr>
     <a:masterClrMapping/>
   </p:clrMapOvr>
-  <mc:AlternateContent xmlns:mc="http://schemas.openxmlformats.org/markup-compatibility/2006" xmlns:p14="http://schemas.microsoft.com/office/powerpoint/2010/main">
-    <mc:Choice Requires="p14">
+  <mc:AlternateContent xmlns:mc="http://schemas.openxmlformats.org/markup-compatibility/2006">
+    <mc:Choice xmlns:p14="http://schemas.microsoft.com/office/powerpoint/2010/main" Requires="p14">
       <p:transition spd="slow" p14:dur="2000"/>
     </mc:Choice>
-    <mc:Fallback xmlns="">
-      <p:transition xmlns:p14="http://schemas.microsoft.com/office/powerpoint/2010/main" spd="slow"/>
+    <mc:Fallback>
+      <p:transition spd="slow"/>
     </mc:Fallback>
   </mc:AlternateContent>
   <p:timing>
     <p:tnLst>
       <p:par>
-        <p:cTn xmlns:p14="http://schemas.microsoft.com/office/powerpoint/2010/main" id="1" dur="indefinite" restart="never" nodeType="tmRoot"/>
+        <p:cTn id="1" dur="indefinite" restart="never" nodeType="tmRoot"/>
       </p:par>
     </p:tnLst>
   </p:timing>
